--- a/marple.pptx
+++ b/marple.pptx
@@ -2556,6 +2556,15 @@
             <a:r>
               <a:rPr lang="en-US" dirty="0"/>
               <a:t>But how do I merge an old and new value for a given key? What does that even mean? Let’s look at this problem more formally. We want to merge the two values, old and new, so that it is as if the statistics function ran over the entire packet stream without any evictions. That way we can retain full accuracy while merging. Let’s introduce some notation for this. Let’s represent the statistics function as a function g over the packet sequence. For a simple counter, the function is the sum of the packet lengths (or any other packet header).</a:t>
+            </a:r>
+          </a:p>
+          <a:p>
+            <a:endParaRPr lang="en-US" dirty="0"/>
+          </a:p>
+          <a:p>
+            <a:r>
+              <a:rPr lang="en-US" dirty="0"/>
+              <a:t>The fold function that we talked about earlier is just an incremental version of the same g.</a:t>
             </a:r>
           </a:p>
         </p:txBody>
@@ -12205,7 +12214,7 @@
           <a:effectLst/>
           <a:extLst>
             <a:ext uri="{909E8E84-426E-40dd-AFC4-6F175D3DCCD1}">
-              <a14:hiddenFill xmlns:a14="http://schemas.microsoft.com/office/drawing/2010/main" xmlns="">
+              <a14:hiddenFill xmlns="" xmlns:a14="http://schemas.microsoft.com/office/drawing/2010/main">
                 <a:blipFill dpi="0" rotWithShape="0">
                   <a:blip/>
                   <a:srcRect/>
@@ -12216,7 +12225,7 @@
               </a14:hiddenFill>
             </a:ext>
             <a:ext uri="{91240B29-F687-4f45-9708-019B960494DF}">
-              <a14:hiddenLine xmlns:a14="http://schemas.microsoft.com/office/drawing/2010/main" xmlns="" w="9525">
+              <a14:hiddenLine xmlns="" xmlns:a14="http://schemas.microsoft.com/office/drawing/2010/main" w="9525">
                 <a:solidFill>
                   <a:srgbClr val="000000"/>
                 </a:solidFill>
@@ -12226,7 +12235,7 @@
               </a14:hiddenLine>
             </a:ext>
             <a:ext uri="{AF507438-7753-43e0-B8FC-AC1667EBCBE1}">
-              <a14:hiddenEffects xmlns:a14="http://schemas.microsoft.com/office/drawing/2010/main" xmlns="">
+              <a14:hiddenEffects xmlns="" xmlns:a14="http://schemas.microsoft.com/office/drawing/2010/main">
                 <a:effectLst>
                   <a:outerShdw blurRad="63500" dist="38099" dir="2700000" algn="ctr" rotWithShape="0">
                     <a:srgbClr val="000000">
@@ -12275,7 +12284,7 @@
           <a:effectLst/>
           <a:extLst>
             <a:ext uri="{909E8E84-426E-40dd-AFC4-6F175D3DCCD1}">
-              <a14:hiddenFill xmlns:a14="http://schemas.microsoft.com/office/drawing/2010/main" xmlns="">
+              <a14:hiddenFill xmlns="" xmlns:a14="http://schemas.microsoft.com/office/drawing/2010/main">
                 <a:blipFill dpi="0" rotWithShape="0">
                   <a:blip/>
                   <a:srcRect/>
@@ -12286,7 +12295,7 @@
               </a14:hiddenFill>
             </a:ext>
             <a:ext uri="{91240B29-F687-4f45-9708-019B960494DF}">
-              <a14:hiddenLine xmlns:a14="http://schemas.microsoft.com/office/drawing/2010/main" xmlns="" w="9525">
+              <a14:hiddenLine xmlns="" xmlns:a14="http://schemas.microsoft.com/office/drawing/2010/main" w="9525">
                 <a:solidFill>
                   <a:srgbClr val="000000"/>
                 </a:solidFill>
@@ -12296,7 +12305,7 @@
               </a14:hiddenLine>
             </a:ext>
             <a:ext uri="{AF507438-7753-43e0-B8FC-AC1667EBCBE1}">
-              <a14:hiddenEffects xmlns:a14="http://schemas.microsoft.com/office/drawing/2010/main" xmlns="">
+              <a14:hiddenEffects xmlns="" xmlns:a14="http://schemas.microsoft.com/office/drawing/2010/main">
                 <a:effectLst>
                   <a:outerShdw blurRad="63500" dist="38099" dir="2700000" algn="ctr" rotWithShape="0">
                     <a:srgbClr val="000000">
@@ -12431,7 +12440,7 @@
             <a:effectLst/>
             <a:extLst>
               <a:ext uri="{909E8E84-426E-40dd-AFC4-6F175D3DCCD1}">
-                <a14:hiddenFill xmlns="" xmlns:a14="http://schemas.microsoft.com/office/drawing/2010/main">
+                <a14:hiddenFill xmlns:a14="http://schemas.microsoft.com/office/drawing/2010/main" xmlns="">
                   <a:blipFill dpi="0" rotWithShape="0">
                     <a:blip/>
                     <a:srcRect/>
@@ -12442,7 +12451,7 @@
                 </a14:hiddenFill>
               </a:ext>
               <a:ext uri="{91240B29-F687-4f45-9708-019B960494DF}">
-                <a14:hiddenLine xmlns="" xmlns:a14="http://schemas.microsoft.com/office/drawing/2010/main" w="9525">
+                <a14:hiddenLine xmlns:a14="http://schemas.microsoft.com/office/drawing/2010/main" xmlns="" w="9525">
                   <a:solidFill>
                     <a:srgbClr val="000000"/>
                   </a:solidFill>
@@ -12452,7 +12461,7 @@
                 </a14:hiddenLine>
               </a:ext>
               <a:ext uri="{AF507438-7753-43e0-B8FC-AC1667EBCBE1}">
-                <a14:hiddenEffects xmlns="" xmlns:a14="http://schemas.microsoft.com/office/drawing/2010/main">
+                <a14:hiddenEffects xmlns:a14="http://schemas.microsoft.com/office/drawing/2010/main" xmlns="">
                   <a:effectLst>
                     <a:outerShdw blurRad="63500" dist="38099" dir="2700000" algn="ctr" rotWithShape="0">
                       <a:srgbClr val="000000">
@@ -12501,7 +12510,7 @@
             <a:effectLst/>
             <a:extLst>
               <a:ext uri="{909E8E84-426E-40dd-AFC4-6F175D3DCCD1}">
-                <a14:hiddenFill xmlns="" xmlns:a14="http://schemas.microsoft.com/office/drawing/2010/main">
+                <a14:hiddenFill xmlns:a14="http://schemas.microsoft.com/office/drawing/2010/main" xmlns="">
                   <a:blipFill dpi="0" rotWithShape="0">
                     <a:blip/>
                     <a:srcRect/>
@@ -12512,7 +12521,7 @@
                 </a14:hiddenFill>
               </a:ext>
               <a:ext uri="{91240B29-F687-4f45-9708-019B960494DF}">
-                <a14:hiddenLine xmlns="" xmlns:a14="http://schemas.microsoft.com/office/drawing/2010/main" w="9525">
+                <a14:hiddenLine xmlns:a14="http://schemas.microsoft.com/office/drawing/2010/main" xmlns="" w="9525">
                   <a:solidFill>
                     <a:srgbClr val="000000"/>
                   </a:solidFill>
@@ -12522,7 +12531,7 @@
                 </a14:hiddenLine>
               </a:ext>
               <a:ext uri="{AF507438-7753-43e0-B8FC-AC1667EBCBE1}">
-                <a14:hiddenEffects xmlns="" xmlns:a14="http://schemas.microsoft.com/office/drawing/2010/main">
+                <a14:hiddenEffects xmlns:a14="http://schemas.microsoft.com/office/drawing/2010/main" xmlns="">
                   <a:effectLst>
                     <a:outerShdw blurRad="63500" dist="38099" dir="2700000" algn="ctr" rotWithShape="0">
                       <a:srgbClr val="000000">
@@ -12571,7 +12580,7 @@
             <a:effectLst/>
             <a:extLst>
               <a:ext uri="{909E8E84-426E-40dd-AFC4-6F175D3DCCD1}">
-                <a14:hiddenFill xmlns="" xmlns:a14="http://schemas.microsoft.com/office/drawing/2010/main">
+                <a14:hiddenFill xmlns:a14="http://schemas.microsoft.com/office/drawing/2010/main" xmlns="">
                   <a:blipFill dpi="0" rotWithShape="0">
                     <a:blip/>
                     <a:srcRect/>
@@ -12582,7 +12591,7 @@
                 </a14:hiddenFill>
               </a:ext>
               <a:ext uri="{91240B29-F687-4f45-9708-019B960494DF}">
-                <a14:hiddenLine xmlns="" xmlns:a14="http://schemas.microsoft.com/office/drawing/2010/main" w="9525">
+                <a14:hiddenLine xmlns:a14="http://schemas.microsoft.com/office/drawing/2010/main" xmlns="" w="9525">
                   <a:solidFill>
                     <a:srgbClr val="000000"/>
                   </a:solidFill>
@@ -12592,7 +12601,7 @@
                 </a14:hiddenLine>
               </a:ext>
               <a:ext uri="{AF507438-7753-43e0-B8FC-AC1667EBCBE1}">
-                <a14:hiddenEffects xmlns="" xmlns:a14="http://schemas.microsoft.com/office/drawing/2010/main">
+                <a14:hiddenEffects xmlns:a14="http://schemas.microsoft.com/office/drawing/2010/main" xmlns="">
                   <a:effectLst>
                     <a:outerShdw blurRad="63500" dist="38099" dir="2700000" algn="ctr" rotWithShape="0">
                       <a:srgbClr val="000000">
@@ -12633,12 +12642,12 @@
             <a:effectLst/>
             <a:extLst>
               <a:ext uri="{909E8E84-426E-40dd-AFC4-6F175D3DCCD1}">
-                <a14:hiddenFill xmlns="" xmlns:a14="http://schemas.microsoft.com/office/drawing/2010/main">
+                <a14:hiddenFill xmlns:a14="http://schemas.microsoft.com/office/drawing/2010/main" xmlns="">
                   <a:noFill/>
                 </a14:hiddenFill>
               </a:ext>
               <a:ext uri="{AF507438-7753-43e0-B8FC-AC1667EBCBE1}">
-                <a14:hiddenEffects xmlns="" xmlns:a14="http://schemas.microsoft.com/office/drawing/2010/main">
+                <a14:hiddenEffects xmlns:a14="http://schemas.microsoft.com/office/drawing/2010/main" xmlns="">
                   <a:effectLst>
                     <a:outerShdw blurRad="63500" dist="38099" dir="2700000" algn="ctr" rotWithShape="0">
                       <a:srgbClr val="000000">
@@ -12691,12 +12700,12 @@
             <a:effectLst/>
             <a:extLst>
               <a:ext uri="{909E8E84-426E-40dd-AFC4-6F175D3DCCD1}">
-                <a14:hiddenFill xmlns="" xmlns:a14="http://schemas.microsoft.com/office/drawing/2010/main">
+                <a14:hiddenFill xmlns:a14="http://schemas.microsoft.com/office/drawing/2010/main" xmlns="">
                   <a:noFill/>
                 </a14:hiddenFill>
               </a:ext>
               <a:ext uri="{AF507438-7753-43e0-B8FC-AC1667EBCBE1}">
-                <a14:hiddenEffects xmlns="" xmlns:a14="http://schemas.microsoft.com/office/drawing/2010/main">
+                <a14:hiddenEffects xmlns:a14="http://schemas.microsoft.com/office/drawing/2010/main" xmlns="">
                   <a:effectLst>
                     <a:outerShdw blurRad="63500" dist="38099" dir="2700000" algn="ctr" rotWithShape="0">
                       <a:srgbClr val="000000">
@@ -12749,12 +12758,12 @@
             <a:effectLst/>
             <a:extLst>
               <a:ext uri="{909E8E84-426E-40dd-AFC4-6F175D3DCCD1}">
-                <a14:hiddenFill xmlns="" xmlns:a14="http://schemas.microsoft.com/office/drawing/2010/main">
+                <a14:hiddenFill xmlns:a14="http://schemas.microsoft.com/office/drawing/2010/main" xmlns="">
                   <a:noFill/>
                 </a14:hiddenFill>
               </a:ext>
               <a:ext uri="{AF507438-7753-43e0-B8FC-AC1667EBCBE1}">
-                <a14:hiddenEffects xmlns="" xmlns:a14="http://schemas.microsoft.com/office/drawing/2010/main">
+                <a14:hiddenEffects xmlns:a14="http://schemas.microsoft.com/office/drawing/2010/main" xmlns="">
                   <a:effectLst>
                     <a:outerShdw blurRad="63500" dist="38099" dir="2700000" algn="ctr" rotWithShape="0">
                       <a:srgbClr val="000000">
@@ -12807,12 +12816,12 @@
             <a:effectLst/>
             <a:extLst>
               <a:ext uri="{909E8E84-426E-40dd-AFC4-6F175D3DCCD1}">
-                <a14:hiddenFill xmlns="" xmlns:a14="http://schemas.microsoft.com/office/drawing/2010/main">
+                <a14:hiddenFill xmlns:a14="http://schemas.microsoft.com/office/drawing/2010/main" xmlns="">
                   <a:noFill/>
                 </a14:hiddenFill>
               </a:ext>
               <a:ext uri="{AF507438-7753-43e0-B8FC-AC1667EBCBE1}">
-                <a14:hiddenEffects xmlns="" xmlns:a14="http://schemas.microsoft.com/office/drawing/2010/main">
+                <a14:hiddenEffects xmlns:a14="http://schemas.microsoft.com/office/drawing/2010/main" xmlns="">
                   <a:effectLst>
                     <a:outerShdw blurRad="63500" dist="38099" dir="2700000" algn="ctr" rotWithShape="0">
                       <a:srgbClr val="000000">
@@ -12865,12 +12874,12 @@
             <a:effectLst/>
             <a:extLst>
               <a:ext uri="{909E8E84-426E-40dd-AFC4-6F175D3DCCD1}">
-                <a14:hiddenFill xmlns="" xmlns:a14="http://schemas.microsoft.com/office/drawing/2010/main">
+                <a14:hiddenFill xmlns:a14="http://schemas.microsoft.com/office/drawing/2010/main" xmlns="">
                   <a:noFill/>
                 </a14:hiddenFill>
               </a:ext>
               <a:ext uri="{AF507438-7753-43e0-B8FC-AC1667EBCBE1}">
-                <a14:hiddenEffects xmlns="" xmlns:a14="http://schemas.microsoft.com/office/drawing/2010/main">
+                <a14:hiddenEffects xmlns:a14="http://schemas.microsoft.com/office/drawing/2010/main" xmlns="">
                   <a:effectLst>
                     <a:outerShdw blurRad="63500" dist="38099" dir="2700000" algn="ctr" rotWithShape="0">
                       <a:srgbClr val="000000">
@@ -12923,12 +12932,12 @@
             <a:effectLst/>
             <a:extLst>
               <a:ext uri="{909E8E84-426E-40dd-AFC4-6F175D3DCCD1}">
-                <a14:hiddenFill xmlns="" xmlns:a14="http://schemas.microsoft.com/office/drawing/2010/main">
+                <a14:hiddenFill xmlns:a14="http://schemas.microsoft.com/office/drawing/2010/main" xmlns="">
                   <a:noFill/>
                 </a14:hiddenFill>
               </a:ext>
               <a:ext uri="{AF507438-7753-43e0-B8FC-AC1667EBCBE1}">
-                <a14:hiddenEffects xmlns="" xmlns:a14="http://schemas.microsoft.com/office/drawing/2010/main">
+                <a14:hiddenEffects xmlns:a14="http://schemas.microsoft.com/office/drawing/2010/main" xmlns="">
                   <a:effectLst>
                     <a:outerShdw blurRad="63500" dist="38099" dir="2700000" algn="ctr" rotWithShape="0">
                       <a:srgbClr val="000000">
@@ -12981,12 +12990,12 @@
             <a:effectLst/>
             <a:extLst>
               <a:ext uri="{909E8E84-426E-40dd-AFC4-6F175D3DCCD1}">
-                <a14:hiddenFill xmlns="" xmlns:a14="http://schemas.microsoft.com/office/drawing/2010/main">
+                <a14:hiddenFill xmlns:a14="http://schemas.microsoft.com/office/drawing/2010/main" xmlns="">
                   <a:noFill/>
                 </a14:hiddenFill>
               </a:ext>
               <a:ext uri="{AF507438-7753-43e0-B8FC-AC1667EBCBE1}">
-                <a14:hiddenEffects xmlns="" xmlns:a14="http://schemas.microsoft.com/office/drawing/2010/main">
+                <a14:hiddenEffects xmlns:a14="http://schemas.microsoft.com/office/drawing/2010/main" xmlns="">
                   <a:effectLst>
                     <a:outerShdw blurRad="63500" dist="38099" dir="2700000" algn="ctr" rotWithShape="0">
                       <a:srgbClr val="000000">
@@ -13039,12 +13048,12 @@
             <a:effectLst/>
             <a:extLst>
               <a:ext uri="{909E8E84-426E-40dd-AFC4-6F175D3DCCD1}">
-                <a14:hiddenFill xmlns="" xmlns:a14="http://schemas.microsoft.com/office/drawing/2010/main">
+                <a14:hiddenFill xmlns:a14="http://schemas.microsoft.com/office/drawing/2010/main" xmlns="">
                   <a:noFill/>
                 </a14:hiddenFill>
               </a:ext>
               <a:ext uri="{AF507438-7753-43e0-B8FC-AC1667EBCBE1}">
-                <a14:hiddenEffects xmlns="" xmlns:a14="http://schemas.microsoft.com/office/drawing/2010/main">
+                <a14:hiddenEffects xmlns:a14="http://schemas.microsoft.com/office/drawing/2010/main" xmlns="">
                   <a:effectLst>
                     <a:outerShdw blurRad="63500" dist="38099" dir="2700000" algn="ctr" rotWithShape="0">
                       <a:srgbClr val="000000">
@@ -13097,12 +13106,12 @@
             <a:effectLst/>
             <a:extLst>
               <a:ext uri="{909E8E84-426E-40dd-AFC4-6F175D3DCCD1}">
-                <a14:hiddenFill xmlns="" xmlns:a14="http://schemas.microsoft.com/office/drawing/2010/main">
+                <a14:hiddenFill xmlns:a14="http://schemas.microsoft.com/office/drawing/2010/main" xmlns="">
                   <a:noFill/>
                 </a14:hiddenFill>
               </a:ext>
               <a:ext uri="{AF507438-7753-43e0-B8FC-AC1667EBCBE1}">
-                <a14:hiddenEffects xmlns="" xmlns:a14="http://schemas.microsoft.com/office/drawing/2010/main">
+                <a14:hiddenEffects xmlns:a14="http://schemas.microsoft.com/office/drawing/2010/main" xmlns="">
                   <a:effectLst>
                     <a:outerShdw blurRad="63500" dist="38099" dir="2700000" algn="ctr" rotWithShape="0">
                       <a:srgbClr val="000000">
@@ -13155,12 +13164,12 @@
             <a:effectLst/>
             <a:extLst>
               <a:ext uri="{909E8E84-426E-40dd-AFC4-6F175D3DCCD1}">
-                <a14:hiddenFill xmlns="" xmlns:a14="http://schemas.microsoft.com/office/drawing/2010/main">
+                <a14:hiddenFill xmlns:a14="http://schemas.microsoft.com/office/drawing/2010/main" xmlns="">
                   <a:noFill/>
                 </a14:hiddenFill>
               </a:ext>
               <a:ext uri="{AF507438-7753-43e0-B8FC-AC1667EBCBE1}">
-                <a14:hiddenEffects xmlns="" xmlns:a14="http://schemas.microsoft.com/office/drawing/2010/main">
+                <a14:hiddenEffects xmlns:a14="http://schemas.microsoft.com/office/drawing/2010/main" xmlns="">
                   <a:effectLst>
                     <a:outerShdw blurRad="63500" dist="38099" dir="2700000" algn="ctr" rotWithShape="0">
                       <a:srgbClr val="000000">
@@ -13221,7 +13230,7 @@
             <a:effectLst/>
             <a:extLst>
               <a:ext uri="{909E8E84-426E-40dd-AFC4-6F175D3DCCD1}">
-                <a14:hiddenFill xmlns="" xmlns:a14="http://schemas.microsoft.com/office/drawing/2010/main">
+                <a14:hiddenFill xmlns:a14="http://schemas.microsoft.com/office/drawing/2010/main" xmlns="">
                   <a:blipFill dpi="0" rotWithShape="0">
                     <a:blip/>
                     <a:srcRect/>
@@ -13232,7 +13241,7 @@
                 </a14:hiddenFill>
               </a:ext>
               <a:ext uri="{91240B29-F687-4f45-9708-019B960494DF}">
-                <a14:hiddenLine xmlns="" xmlns:a14="http://schemas.microsoft.com/office/drawing/2010/main" w="9525">
+                <a14:hiddenLine xmlns:a14="http://schemas.microsoft.com/office/drawing/2010/main" xmlns="" w="9525">
                   <a:solidFill>
                     <a:srgbClr val="000000"/>
                   </a:solidFill>
@@ -13242,7 +13251,7 @@
                 </a14:hiddenLine>
               </a:ext>
               <a:ext uri="{AF507438-7753-43e0-B8FC-AC1667EBCBE1}">
-                <a14:hiddenEffects xmlns="" xmlns:a14="http://schemas.microsoft.com/office/drawing/2010/main">
+                <a14:hiddenEffects xmlns:a14="http://schemas.microsoft.com/office/drawing/2010/main" xmlns="">
                   <a:effectLst>
                     <a:outerShdw blurRad="63500" dist="38099" dir="2700000" algn="ctr" rotWithShape="0">
                       <a:srgbClr val="000000">
@@ -13291,7 +13300,7 @@
             <a:effectLst/>
             <a:extLst>
               <a:ext uri="{909E8E84-426E-40dd-AFC4-6F175D3DCCD1}">
-                <a14:hiddenFill xmlns="" xmlns:a14="http://schemas.microsoft.com/office/drawing/2010/main">
+                <a14:hiddenFill xmlns:a14="http://schemas.microsoft.com/office/drawing/2010/main" xmlns="">
                   <a:blipFill dpi="0" rotWithShape="0">
                     <a:blip/>
                     <a:srcRect/>
@@ -13302,7 +13311,7 @@
                 </a14:hiddenFill>
               </a:ext>
               <a:ext uri="{91240B29-F687-4f45-9708-019B960494DF}">
-                <a14:hiddenLine xmlns="" xmlns:a14="http://schemas.microsoft.com/office/drawing/2010/main" w="9525">
+                <a14:hiddenLine xmlns:a14="http://schemas.microsoft.com/office/drawing/2010/main" xmlns="" w="9525">
                   <a:solidFill>
                     <a:srgbClr val="000000"/>
                   </a:solidFill>
@@ -13312,7 +13321,7 @@
                 </a14:hiddenLine>
               </a:ext>
               <a:ext uri="{AF507438-7753-43e0-B8FC-AC1667EBCBE1}">
-                <a14:hiddenEffects xmlns="" xmlns:a14="http://schemas.microsoft.com/office/drawing/2010/main">
+                <a14:hiddenEffects xmlns:a14="http://schemas.microsoft.com/office/drawing/2010/main" xmlns="">
                   <a:effectLst>
                     <a:outerShdw blurRad="63500" dist="38099" dir="2700000" algn="ctr" rotWithShape="0">
                       <a:srgbClr val="000000">
@@ -13361,7 +13370,7 @@
             <a:effectLst/>
             <a:extLst>
               <a:ext uri="{909E8E84-426E-40dd-AFC4-6F175D3DCCD1}">
-                <a14:hiddenFill xmlns="" xmlns:a14="http://schemas.microsoft.com/office/drawing/2010/main">
+                <a14:hiddenFill xmlns:a14="http://schemas.microsoft.com/office/drawing/2010/main" xmlns="">
                   <a:blipFill dpi="0" rotWithShape="0">
                     <a:blip/>
                     <a:srcRect/>
@@ -13372,7 +13381,7 @@
                 </a14:hiddenFill>
               </a:ext>
               <a:ext uri="{91240B29-F687-4f45-9708-019B960494DF}">
-                <a14:hiddenLine xmlns="" xmlns:a14="http://schemas.microsoft.com/office/drawing/2010/main" w="9525">
+                <a14:hiddenLine xmlns:a14="http://schemas.microsoft.com/office/drawing/2010/main" xmlns="" w="9525">
                   <a:solidFill>
                     <a:srgbClr val="000000"/>
                   </a:solidFill>
@@ -13382,7 +13391,7 @@
                 </a14:hiddenLine>
               </a:ext>
               <a:ext uri="{AF507438-7753-43e0-B8FC-AC1667EBCBE1}">
-                <a14:hiddenEffects xmlns="" xmlns:a14="http://schemas.microsoft.com/office/drawing/2010/main">
+                <a14:hiddenEffects xmlns:a14="http://schemas.microsoft.com/office/drawing/2010/main" xmlns="">
                   <a:effectLst>
                     <a:outerShdw blurRad="63500" dist="38099" dir="2700000" algn="ctr" rotWithShape="0">
                       <a:srgbClr val="000000">
@@ -13431,7 +13440,7 @@
             <a:effectLst/>
             <a:extLst>
               <a:ext uri="{909E8E84-426E-40dd-AFC4-6F175D3DCCD1}">
-                <a14:hiddenFill xmlns="" xmlns:a14="http://schemas.microsoft.com/office/drawing/2010/main">
+                <a14:hiddenFill xmlns:a14="http://schemas.microsoft.com/office/drawing/2010/main" xmlns="">
                   <a:blipFill dpi="0" rotWithShape="0">
                     <a:blip/>
                     <a:srcRect/>
@@ -13442,7 +13451,7 @@
                 </a14:hiddenFill>
               </a:ext>
               <a:ext uri="{91240B29-F687-4f45-9708-019B960494DF}">
-                <a14:hiddenLine xmlns="" xmlns:a14="http://schemas.microsoft.com/office/drawing/2010/main" w="9525">
+                <a14:hiddenLine xmlns:a14="http://schemas.microsoft.com/office/drawing/2010/main" xmlns="" w="9525">
                   <a:solidFill>
                     <a:srgbClr val="000000"/>
                   </a:solidFill>
@@ -13452,7 +13461,7 @@
                 </a14:hiddenLine>
               </a:ext>
               <a:ext uri="{AF507438-7753-43e0-B8FC-AC1667EBCBE1}">
-                <a14:hiddenEffects xmlns="" xmlns:a14="http://schemas.microsoft.com/office/drawing/2010/main">
+                <a14:hiddenEffects xmlns:a14="http://schemas.microsoft.com/office/drawing/2010/main" xmlns="">
                   <a:effectLst>
                     <a:outerShdw blurRad="63500" dist="38099" dir="2700000" algn="ctr" rotWithShape="0">
                       <a:srgbClr val="000000">
@@ -13501,7 +13510,7 @@
             <a:effectLst/>
             <a:extLst>
               <a:ext uri="{909E8E84-426E-40dd-AFC4-6F175D3DCCD1}">
-                <a14:hiddenFill xmlns="" xmlns:a14="http://schemas.microsoft.com/office/drawing/2010/main">
+                <a14:hiddenFill xmlns:a14="http://schemas.microsoft.com/office/drawing/2010/main" xmlns="">
                   <a:blipFill dpi="0" rotWithShape="0">
                     <a:blip/>
                     <a:srcRect/>
@@ -13512,7 +13521,7 @@
                 </a14:hiddenFill>
               </a:ext>
               <a:ext uri="{91240B29-F687-4f45-9708-019B960494DF}">
-                <a14:hiddenLine xmlns="" xmlns:a14="http://schemas.microsoft.com/office/drawing/2010/main" w="9525">
+                <a14:hiddenLine xmlns:a14="http://schemas.microsoft.com/office/drawing/2010/main" xmlns="" w="9525">
                   <a:solidFill>
                     <a:srgbClr val="000000"/>
                   </a:solidFill>
@@ -13522,7 +13531,7 @@
                 </a14:hiddenLine>
               </a:ext>
               <a:ext uri="{AF507438-7753-43e0-B8FC-AC1667EBCBE1}">
-                <a14:hiddenEffects xmlns="" xmlns:a14="http://schemas.microsoft.com/office/drawing/2010/main">
+                <a14:hiddenEffects xmlns:a14="http://schemas.microsoft.com/office/drawing/2010/main" xmlns="">
                   <a:effectLst>
                     <a:outerShdw blurRad="63500" dist="38099" dir="2700000" algn="ctr" rotWithShape="0">
                       <a:srgbClr val="000000">
@@ -13563,12 +13572,12 @@
             <a:effectLst/>
             <a:extLst>
               <a:ext uri="{909E8E84-426E-40dd-AFC4-6F175D3DCCD1}">
-                <a14:hiddenFill xmlns="" xmlns:a14="http://schemas.microsoft.com/office/drawing/2010/main">
+                <a14:hiddenFill xmlns:a14="http://schemas.microsoft.com/office/drawing/2010/main" xmlns="">
                   <a:noFill/>
                 </a14:hiddenFill>
               </a:ext>
               <a:ext uri="{AF507438-7753-43e0-B8FC-AC1667EBCBE1}">
-                <a14:hiddenEffects xmlns="" xmlns:a14="http://schemas.microsoft.com/office/drawing/2010/main">
+                <a14:hiddenEffects xmlns:a14="http://schemas.microsoft.com/office/drawing/2010/main" xmlns="">
                   <a:effectLst>
                     <a:outerShdw blurRad="63500" dist="38099" dir="2700000" algn="ctr" rotWithShape="0">
                       <a:srgbClr val="000000">
@@ -13621,12 +13630,12 @@
             <a:effectLst/>
             <a:extLst>
               <a:ext uri="{909E8E84-426E-40dd-AFC4-6F175D3DCCD1}">
-                <a14:hiddenFill xmlns="" xmlns:a14="http://schemas.microsoft.com/office/drawing/2010/main">
+                <a14:hiddenFill xmlns:a14="http://schemas.microsoft.com/office/drawing/2010/main" xmlns="">
                   <a:noFill/>
                 </a14:hiddenFill>
               </a:ext>
               <a:ext uri="{AF507438-7753-43e0-B8FC-AC1667EBCBE1}">
-                <a14:hiddenEffects xmlns="" xmlns:a14="http://schemas.microsoft.com/office/drawing/2010/main">
+                <a14:hiddenEffects xmlns:a14="http://schemas.microsoft.com/office/drawing/2010/main" xmlns="">
                   <a:effectLst>
                     <a:outerShdw blurRad="63500" dist="38099" dir="2700000" algn="ctr" rotWithShape="0">
                       <a:srgbClr val="000000">
@@ -13687,7 +13696,7 @@
             <a:effectLst/>
             <a:extLst>
               <a:ext uri="{909E8E84-426E-40dd-AFC4-6F175D3DCCD1}">
-                <a14:hiddenFill xmlns="" xmlns:a14="http://schemas.microsoft.com/office/drawing/2010/main">
+                <a14:hiddenFill xmlns:a14="http://schemas.microsoft.com/office/drawing/2010/main" xmlns="">
                   <a:blipFill dpi="0" rotWithShape="0">
                     <a:blip/>
                     <a:srcRect/>
@@ -13698,7 +13707,7 @@
                 </a14:hiddenFill>
               </a:ext>
               <a:ext uri="{91240B29-F687-4f45-9708-019B960494DF}">
-                <a14:hiddenLine xmlns="" xmlns:a14="http://schemas.microsoft.com/office/drawing/2010/main" w="9525">
+                <a14:hiddenLine xmlns:a14="http://schemas.microsoft.com/office/drawing/2010/main" xmlns="" w="9525">
                   <a:solidFill>
                     <a:srgbClr val="000000"/>
                   </a:solidFill>
@@ -13708,7 +13717,7 @@
                 </a14:hiddenLine>
               </a:ext>
               <a:ext uri="{AF507438-7753-43e0-B8FC-AC1667EBCBE1}">
-                <a14:hiddenEffects xmlns="" xmlns:a14="http://schemas.microsoft.com/office/drawing/2010/main">
+                <a14:hiddenEffects xmlns:a14="http://schemas.microsoft.com/office/drawing/2010/main" xmlns="">
                   <a:effectLst>
                     <a:outerShdw blurRad="63500" dist="38099" dir="2700000" algn="ctr" rotWithShape="0">
                       <a:srgbClr val="000000">
@@ -13841,7 +13850,7 @@
           <a:effectLst/>
           <a:extLst>
             <a:ext uri="{909E8E84-426E-40dd-AFC4-6F175D3DCCD1}">
-              <a14:hiddenFill xmlns:a14="http://schemas.microsoft.com/office/drawing/2010/main" xmlns="">
+              <a14:hiddenFill xmlns="" xmlns:a14="http://schemas.microsoft.com/office/drawing/2010/main">
                 <a:blipFill dpi="0" rotWithShape="0">
                   <a:blip/>
                   <a:srcRect/>
@@ -13852,7 +13861,7 @@
               </a14:hiddenFill>
             </a:ext>
             <a:ext uri="{91240B29-F687-4f45-9708-019B960494DF}">
-              <a14:hiddenLine xmlns:a14="http://schemas.microsoft.com/office/drawing/2010/main" xmlns="" w="9525">
+              <a14:hiddenLine xmlns="" xmlns:a14="http://schemas.microsoft.com/office/drawing/2010/main" w="9525">
                 <a:solidFill>
                   <a:srgbClr val="000000"/>
                 </a:solidFill>
@@ -13862,7 +13871,7 @@
               </a14:hiddenLine>
             </a:ext>
             <a:ext uri="{AF507438-7753-43e0-B8FC-AC1667EBCBE1}">
-              <a14:hiddenEffects xmlns:a14="http://schemas.microsoft.com/office/drawing/2010/main" xmlns="">
+              <a14:hiddenEffects xmlns="" xmlns:a14="http://schemas.microsoft.com/office/drawing/2010/main">
                 <a:effectLst>
                   <a:outerShdw blurRad="63500" dist="38099" dir="2700000" algn="ctr" rotWithShape="0">
                     <a:srgbClr val="000000">
@@ -13947,7 +13956,7 @@
           <a:effectLst/>
           <a:extLst>
             <a:ext uri="{909E8E84-426E-40dd-AFC4-6F175D3DCCD1}">
-              <a14:hiddenFill xmlns:a14="http://schemas.microsoft.com/office/drawing/2010/main" xmlns="">
+              <a14:hiddenFill xmlns="" xmlns:a14="http://schemas.microsoft.com/office/drawing/2010/main">
                 <a:blipFill dpi="0" rotWithShape="0">
                   <a:blip/>
                   <a:srcRect/>
@@ -13958,7 +13967,7 @@
               </a14:hiddenFill>
             </a:ext>
             <a:ext uri="{91240B29-F687-4f45-9708-019B960494DF}">
-              <a14:hiddenLine xmlns:a14="http://schemas.microsoft.com/office/drawing/2010/main" xmlns="" w="9525">
+              <a14:hiddenLine xmlns="" xmlns:a14="http://schemas.microsoft.com/office/drawing/2010/main" w="9525">
                 <a:solidFill>
                   <a:srgbClr val="000000"/>
                 </a:solidFill>
@@ -13968,7 +13977,7 @@
               </a14:hiddenLine>
             </a:ext>
             <a:ext uri="{AF507438-7753-43e0-B8FC-AC1667EBCBE1}">
-              <a14:hiddenEffects xmlns:a14="http://schemas.microsoft.com/office/drawing/2010/main" xmlns="">
+              <a14:hiddenEffects xmlns="" xmlns:a14="http://schemas.microsoft.com/office/drawing/2010/main">
                 <a:effectLst>
                   <a:outerShdw blurRad="63500" dist="38099" dir="2700000" algn="ctr" rotWithShape="0">
                     <a:srgbClr val="000000">
@@ -14053,7 +14062,7 @@
           <a:effectLst/>
           <a:extLst>
             <a:ext uri="{909E8E84-426E-40dd-AFC4-6F175D3DCCD1}">
-              <a14:hiddenFill xmlns:a14="http://schemas.microsoft.com/office/drawing/2010/main" xmlns="">
+              <a14:hiddenFill xmlns="" xmlns:a14="http://schemas.microsoft.com/office/drawing/2010/main">
                 <a:blipFill dpi="0" rotWithShape="0">
                   <a:blip/>
                   <a:srcRect/>
@@ -14064,7 +14073,7 @@
               </a14:hiddenFill>
             </a:ext>
             <a:ext uri="{91240B29-F687-4f45-9708-019B960494DF}">
-              <a14:hiddenLine xmlns:a14="http://schemas.microsoft.com/office/drawing/2010/main" xmlns="" w="9525">
+              <a14:hiddenLine xmlns="" xmlns:a14="http://schemas.microsoft.com/office/drawing/2010/main" w="9525">
                 <a:solidFill>
                   <a:srgbClr val="000000"/>
                 </a:solidFill>
@@ -14074,7 +14083,7 @@
               </a14:hiddenLine>
             </a:ext>
             <a:ext uri="{AF507438-7753-43e0-B8FC-AC1667EBCBE1}">
-              <a14:hiddenEffects xmlns:a14="http://schemas.microsoft.com/office/drawing/2010/main" xmlns="">
+              <a14:hiddenEffects xmlns="" xmlns:a14="http://schemas.microsoft.com/office/drawing/2010/main">
                 <a:effectLst>
                   <a:outerShdw blurRad="63500" dist="38099" dir="2700000" algn="ctr" rotWithShape="0">
                     <a:srgbClr val="000000">
@@ -14253,7 +14262,7 @@
           <a:effectLst/>
           <a:extLst>
             <a:ext uri="{909E8E84-426E-40dd-AFC4-6F175D3DCCD1}">
-              <a14:hiddenFill xmlns:a14="http://schemas.microsoft.com/office/drawing/2010/main" xmlns="">
+              <a14:hiddenFill xmlns="" xmlns:a14="http://schemas.microsoft.com/office/drawing/2010/main">
                 <a:blipFill dpi="0" rotWithShape="0">
                   <a:blip/>
                   <a:srcRect/>
@@ -14264,7 +14273,7 @@
               </a14:hiddenFill>
             </a:ext>
             <a:ext uri="{91240B29-F687-4f45-9708-019B960494DF}">
-              <a14:hiddenLine xmlns:a14="http://schemas.microsoft.com/office/drawing/2010/main" xmlns="" w="9525">
+              <a14:hiddenLine xmlns="" xmlns:a14="http://schemas.microsoft.com/office/drawing/2010/main" w="9525">
                 <a:solidFill>
                   <a:srgbClr val="000000"/>
                 </a:solidFill>
@@ -14274,7 +14283,7 @@
               </a14:hiddenLine>
             </a:ext>
             <a:ext uri="{AF507438-7753-43e0-B8FC-AC1667EBCBE1}">
-              <a14:hiddenEffects xmlns:a14="http://schemas.microsoft.com/office/drawing/2010/main" xmlns="">
+              <a14:hiddenEffects xmlns="" xmlns:a14="http://schemas.microsoft.com/office/drawing/2010/main">
                 <a:effectLst>
                   <a:outerShdw blurRad="63500" dist="38099" dir="2700000" algn="ctr" rotWithShape="0">
                     <a:srgbClr val="000000">
@@ -14352,7 +14361,7 @@
           <a:effectLst/>
           <a:extLst>
             <a:ext uri="{909E8E84-426E-40dd-AFC4-6F175D3DCCD1}">
-              <a14:hiddenFill xmlns:a14="http://schemas.microsoft.com/office/drawing/2010/main" xmlns="">
+              <a14:hiddenFill xmlns="" xmlns:a14="http://schemas.microsoft.com/office/drawing/2010/main">
                 <a:blipFill dpi="0" rotWithShape="0">
                   <a:blip/>
                   <a:srcRect/>
@@ -14363,7 +14372,7 @@
               </a14:hiddenFill>
             </a:ext>
             <a:ext uri="{91240B29-F687-4f45-9708-019B960494DF}">
-              <a14:hiddenLine xmlns:a14="http://schemas.microsoft.com/office/drawing/2010/main" xmlns="" w="9525">
+              <a14:hiddenLine xmlns="" xmlns:a14="http://schemas.microsoft.com/office/drawing/2010/main" w="9525">
                 <a:solidFill>
                   <a:srgbClr val="000000"/>
                 </a:solidFill>
@@ -14373,7 +14382,7 @@
               </a14:hiddenLine>
             </a:ext>
             <a:ext uri="{AF507438-7753-43e0-B8FC-AC1667EBCBE1}">
-              <a14:hiddenEffects xmlns:a14="http://schemas.microsoft.com/office/drawing/2010/main" xmlns="">
+              <a14:hiddenEffects xmlns="" xmlns:a14="http://schemas.microsoft.com/office/drawing/2010/main">
                 <a:effectLst>
                   <a:outerShdw blurRad="63500" dist="38099" dir="2700000" algn="ctr" rotWithShape="0">
                     <a:srgbClr val="000000">
@@ -16535,7 +16544,7 @@
           <a:effectLst/>
           <a:extLst>
             <a:ext uri="{909E8E84-426E-40dd-AFC4-6F175D3DCCD1}">
-              <a14:hiddenFill xmlns="" xmlns:a14="http://schemas.microsoft.com/office/drawing/2010/main">
+              <a14:hiddenFill xmlns:a14="http://schemas.microsoft.com/office/drawing/2010/main" xmlns="">
                 <a:blipFill dpi="0" rotWithShape="0">
                   <a:blip/>
                   <a:srcRect/>
@@ -16546,7 +16555,7 @@
               </a14:hiddenFill>
             </a:ext>
             <a:ext uri="{91240B29-F687-4f45-9708-019B960494DF}">
-              <a14:hiddenLine xmlns="" xmlns:a14="http://schemas.microsoft.com/office/drawing/2010/main" w="9525">
+              <a14:hiddenLine xmlns:a14="http://schemas.microsoft.com/office/drawing/2010/main" xmlns="" w="9525">
                 <a:solidFill>
                   <a:srgbClr val="000000"/>
                 </a:solidFill>
@@ -16556,7 +16565,7 @@
               </a14:hiddenLine>
             </a:ext>
             <a:ext uri="{AF507438-7753-43e0-B8FC-AC1667EBCBE1}">
-              <a14:hiddenEffects xmlns="" xmlns:a14="http://schemas.microsoft.com/office/drawing/2010/main">
+              <a14:hiddenEffects xmlns:a14="http://schemas.microsoft.com/office/drawing/2010/main" xmlns="">
                 <a:effectLst>
                   <a:outerShdw blurRad="63500" dist="38099" dir="2700000" algn="ctr" rotWithShape="0">
                     <a:srgbClr val="000000">
@@ -16710,7 +16719,7 @@
           <a:effectLst/>
           <a:extLst>
             <a:ext uri="{909E8E84-426E-40dd-AFC4-6F175D3DCCD1}">
-              <a14:hiddenFill xmlns="" xmlns:a14="http://schemas.microsoft.com/office/drawing/2010/main">
+              <a14:hiddenFill xmlns:a14="http://schemas.microsoft.com/office/drawing/2010/main" xmlns="">
                 <a:blipFill dpi="0" rotWithShape="0">
                   <a:blip/>
                   <a:srcRect/>
@@ -16721,7 +16730,7 @@
               </a14:hiddenFill>
             </a:ext>
             <a:ext uri="{91240B29-F687-4f45-9708-019B960494DF}">
-              <a14:hiddenLine xmlns="" xmlns:a14="http://schemas.microsoft.com/office/drawing/2010/main" w="9525">
+              <a14:hiddenLine xmlns:a14="http://schemas.microsoft.com/office/drawing/2010/main" xmlns="" w="9525">
                 <a:solidFill>
                   <a:srgbClr val="000000"/>
                 </a:solidFill>
@@ -16731,7 +16740,7 @@
               </a14:hiddenLine>
             </a:ext>
             <a:ext uri="{AF507438-7753-43e0-B8FC-AC1667EBCBE1}">
-              <a14:hiddenEffects xmlns="" xmlns:a14="http://schemas.microsoft.com/office/drawing/2010/main">
+              <a14:hiddenEffects xmlns:a14="http://schemas.microsoft.com/office/drawing/2010/main" xmlns="">
                 <a:effectLst>
                   <a:outerShdw blurRad="63500" dist="38099" dir="2700000" algn="ctr" rotWithShape="0">
                     <a:srgbClr val="000000">
@@ -18524,7 +18533,7 @@
           <a:effectLst/>
           <a:extLst>
             <a:ext uri="{909E8E84-426E-40dd-AFC4-6F175D3DCCD1}">
-              <a14:hiddenFill xmlns="" xmlns:a14="http://schemas.microsoft.com/office/drawing/2010/main">
+              <a14:hiddenFill xmlns:a14="http://schemas.microsoft.com/office/drawing/2010/main" xmlns="">
                 <a:blipFill dpi="0" rotWithShape="0">
                   <a:blip/>
                   <a:srcRect/>
@@ -18535,7 +18544,7 @@
               </a14:hiddenFill>
             </a:ext>
             <a:ext uri="{91240B29-F687-4f45-9708-019B960494DF}">
-              <a14:hiddenLine xmlns="" xmlns:a14="http://schemas.microsoft.com/office/drawing/2010/main" w="9525">
+              <a14:hiddenLine xmlns:a14="http://schemas.microsoft.com/office/drawing/2010/main" xmlns="" w="9525">
                 <a:solidFill>
                   <a:srgbClr val="000000"/>
                 </a:solidFill>
@@ -18545,7 +18554,7 @@
               </a14:hiddenLine>
             </a:ext>
             <a:ext uri="{AF507438-7753-43e0-B8FC-AC1667EBCBE1}">
-              <a14:hiddenEffects xmlns="" xmlns:a14="http://schemas.microsoft.com/office/drawing/2010/main">
+              <a14:hiddenEffects xmlns:a14="http://schemas.microsoft.com/office/drawing/2010/main" xmlns="">
                 <a:effectLst>
                   <a:outerShdw blurRad="63500" dist="38099" dir="2700000" algn="ctr" rotWithShape="0">
                     <a:srgbClr val="000000">
@@ -21455,7 +21464,7 @@
           <a:effectLst/>
           <a:extLst>
             <a:ext uri="{909E8E84-426E-40dd-AFC4-6F175D3DCCD1}">
-              <a14:hiddenFill xmlns="" xmlns:a14="http://schemas.microsoft.com/office/drawing/2010/main">
+              <a14:hiddenFill xmlns:a14="http://schemas.microsoft.com/office/drawing/2010/main" xmlns="">
                 <a:blipFill dpi="0" rotWithShape="0">
                   <a:blip/>
                   <a:srcRect/>
@@ -21466,7 +21475,7 @@
               </a14:hiddenFill>
             </a:ext>
             <a:ext uri="{91240B29-F687-4f45-9708-019B960494DF}">
-              <a14:hiddenLine xmlns="" xmlns:a14="http://schemas.microsoft.com/office/drawing/2010/main" w="9525">
+              <a14:hiddenLine xmlns:a14="http://schemas.microsoft.com/office/drawing/2010/main" xmlns="" w="9525">
                 <a:solidFill>
                   <a:srgbClr val="000000"/>
                 </a:solidFill>
@@ -21476,7 +21485,7 @@
               </a14:hiddenLine>
             </a:ext>
             <a:ext uri="{AF507438-7753-43e0-B8FC-AC1667EBCBE1}">
-              <a14:hiddenEffects xmlns="" xmlns:a14="http://schemas.microsoft.com/office/drawing/2010/main">
+              <a14:hiddenEffects xmlns:a14="http://schemas.microsoft.com/office/drawing/2010/main" xmlns="">
                 <a:effectLst>
                   <a:outerShdw blurRad="63500" dist="38099" dir="2700000" algn="ctr" rotWithShape="0">
                     <a:srgbClr val="000000">
@@ -21555,7 +21564,7 @@
           <a:effectLst/>
           <a:extLst>
             <a:ext uri="{909E8E84-426E-40dd-AFC4-6F175D3DCCD1}">
-              <a14:hiddenFill xmlns="" xmlns:a14="http://schemas.microsoft.com/office/drawing/2010/main">
+              <a14:hiddenFill xmlns:a14="http://schemas.microsoft.com/office/drawing/2010/main" xmlns="">
                 <a:blipFill dpi="0" rotWithShape="0">
                   <a:blip/>
                   <a:srcRect/>
@@ -21566,7 +21575,7 @@
               </a14:hiddenFill>
             </a:ext>
             <a:ext uri="{91240B29-F687-4f45-9708-019B960494DF}">
-              <a14:hiddenLine xmlns="" xmlns:a14="http://schemas.microsoft.com/office/drawing/2010/main" w="9525">
+              <a14:hiddenLine xmlns:a14="http://schemas.microsoft.com/office/drawing/2010/main" xmlns="" w="9525">
                 <a:solidFill>
                   <a:srgbClr val="000000"/>
                 </a:solidFill>
@@ -21576,7 +21585,7 @@
               </a14:hiddenLine>
             </a:ext>
             <a:ext uri="{AF507438-7753-43e0-B8FC-AC1667EBCBE1}">
-              <a14:hiddenEffects xmlns="" xmlns:a14="http://schemas.microsoft.com/office/drawing/2010/main">
+              <a14:hiddenEffects xmlns:a14="http://schemas.microsoft.com/office/drawing/2010/main" xmlns="">
                 <a:effectLst>
                   <a:outerShdw blurRad="63500" dist="38099" dir="2700000" algn="ctr" rotWithShape="0">
                     <a:srgbClr val="000000">
@@ -23171,7 +23180,7 @@
           <a:effectLst/>
           <a:extLst>
             <a:ext uri="{909E8E84-426E-40dd-AFC4-6F175D3DCCD1}">
-              <a14:hiddenFill xmlns="" xmlns:a14="http://schemas.microsoft.com/office/drawing/2010/main">
+              <a14:hiddenFill xmlns:a14="http://schemas.microsoft.com/office/drawing/2010/main" xmlns="">
                 <a:blipFill dpi="0" rotWithShape="0">
                   <a:blip/>
                   <a:srcRect/>
@@ -23182,7 +23191,7 @@
               </a14:hiddenFill>
             </a:ext>
             <a:ext uri="{91240B29-F687-4f45-9708-019B960494DF}">
-              <a14:hiddenLine xmlns="" xmlns:a14="http://schemas.microsoft.com/office/drawing/2010/main" w="9525">
+              <a14:hiddenLine xmlns:a14="http://schemas.microsoft.com/office/drawing/2010/main" xmlns="" w="9525">
                 <a:solidFill>
                   <a:srgbClr val="000000"/>
                 </a:solidFill>
@@ -23192,7 +23201,7 @@
               </a14:hiddenLine>
             </a:ext>
             <a:ext uri="{AF507438-7753-43e0-B8FC-AC1667EBCBE1}">
-              <a14:hiddenEffects xmlns="" xmlns:a14="http://schemas.microsoft.com/office/drawing/2010/main">
+              <a14:hiddenEffects xmlns:a14="http://schemas.microsoft.com/office/drawing/2010/main" xmlns="">
                 <a:effectLst>
                   <a:outerShdw blurRad="63500" dist="38099" dir="2700000" algn="ctr" rotWithShape="0">
                     <a:srgbClr val="000000">
@@ -24840,7 +24849,7 @@
           <a:effectLst/>
           <a:extLst>
             <a:ext uri="{909E8E84-426E-40dd-AFC4-6F175D3DCCD1}">
-              <a14:hiddenFill xmlns="" xmlns:a14="http://schemas.microsoft.com/office/drawing/2010/main">
+              <a14:hiddenFill xmlns:a14="http://schemas.microsoft.com/office/drawing/2010/main" xmlns="">
                 <a:blipFill dpi="0" rotWithShape="0">
                   <a:blip/>
                   <a:srcRect/>
@@ -24851,7 +24860,7 @@
               </a14:hiddenFill>
             </a:ext>
             <a:ext uri="{91240B29-F687-4f45-9708-019B960494DF}">
-              <a14:hiddenLine xmlns="" xmlns:a14="http://schemas.microsoft.com/office/drawing/2010/main" w="9525">
+              <a14:hiddenLine xmlns:a14="http://schemas.microsoft.com/office/drawing/2010/main" xmlns="" w="9525">
                 <a:solidFill>
                   <a:srgbClr val="000000"/>
                 </a:solidFill>
@@ -24861,7 +24870,7 @@
               </a14:hiddenLine>
             </a:ext>
             <a:ext uri="{AF507438-7753-43e0-B8FC-AC1667EBCBE1}">
-              <a14:hiddenEffects xmlns="" xmlns:a14="http://schemas.microsoft.com/office/drawing/2010/main">
+              <a14:hiddenEffects xmlns:a14="http://schemas.microsoft.com/office/drawing/2010/main" xmlns="">
                 <a:effectLst>
                   <a:outerShdw blurRad="63500" dist="38099" dir="2700000" algn="ctr" rotWithShape="0">
                     <a:srgbClr val="000000">
@@ -26223,7 +26232,7 @@
           <a:effectLst/>
           <a:extLst>
             <a:ext uri="{909E8E84-426E-40dd-AFC4-6F175D3DCCD1}">
-              <a14:hiddenFill xmlns="" xmlns:a14="http://schemas.microsoft.com/office/drawing/2010/main">
+              <a14:hiddenFill xmlns:a14="http://schemas.microsoft.com/office/drawing/2010/main" xmlns="">
                 <a:blipFill dpi="0" rotWithShape="0">
                   <a:blip/>
                   <a:srcRect/>
@@ -26234,7 +26243,7 @@
               </a14:hiddenFill>
             </a:ext>
             <a:ext uri="{91240B29-F687-4f45-9708-019B960494DF}">
-              <a14:hiddenLine xmlns="" xmlns:a14="http://schemas.microsoft.com/office/drawing/2010/main" w="9525">
+              <a14:hiddenLine xmlns:a14="http://schemas.microsoft.com/office/drawing/2010/main" xmlns="" w="9525">
                 <a:solidFill>
                   <a:srgbClr val="000000"/>
                 </a:solidFill>
@@ -26244,7 +26253,7 @@
               </a14:hiddenLine>
             </a:ext>
             <a:ext uri="{AF507438-7753-43e0-B8FC-AC1667EBCBE1}">
-              <a14:hiddenEffects xmlns="" xmlns:a14="http://schemas.microsoft.com/office/drawing/2010/main">
+              <a14:hiddenEffects xmlns:a14="http://schemas.microsoft.com/office/drawing/2010/main" xmlns="">
                 <a:effectLst>
                   <a:outerShdw blurRad="63500" dist="38099" dir="2700000" algn="ctr" rotWithShape="0">
                     <a:srgbClr val="000000">
@@ -26375,7 +26384,7 @@
           <a:effectLst/>
           <a:extLst>
             <a:ext uri="{909E8E84-426E-40dd-AFC4-6F175D3DCCD1}">
-              <a14:hiddenFill xmlns="" xmlns:a14="http://schemas.microsoft.com/office/drawing/2010/main">
+              <a14:hiddenFill xmlns:a14="http://schemas.microsoft.com/office/drawing/2010/main" xmlns="">
                 <a:blipFill dpi="0" rotWithShape="0">
                   <a:blip/>
                   <a:srcRect/>
@@ -26386,7 +26395,7 @@
               </a14:hiddenFill>
             </a:ext>
             <a:ext uri="{91240B29-F687-4f45-9708-019B960494DF}">
-              <a14:hiddenLine xmlns="" xmlns:a14="http://schemas.microsoft.com/office/drawing/2010/main" w="9525">
+              <a14:hiddenLine xmlns:a14="http://schemas.microsoft.com/office/drawing/2010/main" xmlns="" w="9525">
                 <a:solidFill>
                   <a:srgbClr val="000000"/>
                 </a:solidFill>
@@ -26396,7 +26405,7 @@
               </a14:hiddenLine>
             </a:ext>
             <a:ext uri="{AF507438-7753-43e0-B8FC-AC1667EBCBE1}">
-              <a14:hiddenEffects xmlns="" xmlns:a14="http://schemas.microsoft.com/office/drawing/2010/main">
+              <a14:hiddenEffects xmlns:a14="http://schemas.microsoft.com/office/drawing/2010/main" xmlns="">
                 <a:effectLst>
                   <a:outerShdw blurRad="63500" dist="38099" dir="2700000" algn="ctr" rotWithShape="0">
                     <a:srgbClr val="000000">
@@ -29122,8 +29131,8 @@
           </a:p>
         </p:txBody>
       </p:sp>
-      <mc:AlternateContent xmlns:mc="http://schemas.openxmlformats.org/markup-compatibility/2006">
-        <mc:Choice xmlns:a14="http://schemas.microsoft.com/office/drawing/2010/main" Requires="a14">
+      <mc:AlternateContent xmlns:mc="http://schemas.openxmlformats.org/markup-compatibility/2006" xmlns:a14="http://schemas.microsoft.com/office/drawing/2010/main">
+        <mc:Choice Requires="a14">
           <p:sp>
             <p:nvSpPr>
               <p:cNvPr id="3" name="Content Placeholder 2"/>
@@ -29932,7 +29941,7 @@
             </p:txBody>
           </p:sp>
         </mc:Choice>
-        <mc:Fallback>
+        <mc:Fallback xmlns="">
           <p:sp>
             <p:nvSpPr>
               <p:cNvPr id="3" name="Content Placeholder 2"/>
@@ -33941,7 +33950,7 @@
           <a:effectLst/>
           <a:extLst>
             <a:ext uri="{909E8E84-426E-40dd-AFC4-6F175D3DCCD1}">
-              <a14:hiddenFill xmlns:a14="http://schemas.microsoft.com/office/drawing/2010/main" xmlns="">
+              <a14:hiddenFill xmlns="" xmlns:a14="http://schemas.microsoft.com/office/drawing/2010/main">
                 <a:blipFill dpi="0" rotWithShape="0">
                   <a:blip/>
                   <a:srcRect/>
@@ -33952,7 +33961,7 @@
               </a14:hiddenFill>
             </a:ext>
             <a:ext uri="{91240B29-F687-4f45-9708-019B960494DF}">
-              <a14:hiddenLine xmlns:a14="http://schemas.microsoft.com/office/drawing/2010/main" xmlns="" w="9525">
+              <a14:hiddenLine xmlns="" xmlns:a14="http://schemas.microsoft.com/office/drawing/2010/main" w="9525">
                 <a:solidFill>
                   <a:srgbClr val="000000"/>
                 </a:solidFill>
@@ -33962,7 +33971,7 @@
               </a14:hiddenLine>
             </a:ext>
             <a:ext uri="{AF507438-7753-43e0-B8FC-AC1667EBCBE1}">
-              <a14:hiddenEffects xmlns:a14="http://schemas.microsoft.com/office/drawing/2010/main" xmlns="">
+              <a14:hiddenEffects xmlns="" xmlns:a14="http://schemas.microsoft.com/office/drawing/2010/main">
                 <a:effectLst>
                   <a:outerShdw blurRad="63500" dist="38099" dir="2700000" algn="ctr" rotWithShape="0">
                     <a:srgbClr val="000000">

--- a/marple.pptx
+++ b/marple.pptx
@@ -43,12 +43,12 @@
     <p:sldId id="622" r:id="rId34"/>
     <p:sldId id="634" r:id="rId35"/>
     <p:sldId id="624" r:id="rId36"/>
-    <p:sldId id="580" r:id="rId37"/>
-    <p:sldId id="347" r:id="rId38"/>
-    <p:sldId id="500" r:id="rId39"/>
-    <p:sldId id="501" r:id="rId40"/>
-    <p:sldId id="581" r:id="rId41"/>
-    <p:sldId id="305" r:id="rId42"/>
+    <p:sldId id="305" r:id="rId37"/>
+    <p:sldId id="580" r:id="rId38"/>
+    <p:sldId id="347" r:id="rId39"/>
+    <p:sldId id="500" r:id="rId40"/>
+    <p:sldId id="501" r:id="rId41"/>
+    <p:sldId id="581" r:id="rId42"/>
   </p:sldIdLst>
   <p:sldSz cx="12192000" cy="6858000"/>
   <p:notesSz cx="6858000" cy="9144000"/>
@@ -671,15 +671,7 @@
             </a:r>
             <a:r>
               <a:rPr lang="en-US" baseline="0" dirty="0"/>
-              <a:t>, which allow you to restrict the stream, transform it, </a:t>
-            </a:r>
-            <a:r>
-              <a:rPr lang="en-US" baseline="0"/>
-              <a:t>and maintain </a:t>
-            </a:r>
-            <a:r>
-              <a:rPr lang="en-US" baseline="0" dirty="0"/>
-              <a:t>state across tuples in the stream.</a:t>
+              <a:t>, which allow you to restrict the stream, transform it, and maintain state across tuples in the stream.</a:t>
             </a:r>
           </a:p>
         </p:txBody>
@@ -3433,26 +3425,10 @@
           <a:bodyPr/>
           <a:lstStyle/>
           <a:p>
-            <a:pPr marL="0" marR="0" lvl="0" indent="0" algn="l" defTabSz="914400" rtl="0" eaLnBrk="1" fontAlgn="auto" latinLnBrk="0" hangingPunct="1">
-              <a:lnSpc>
-                <a:spcPct val="100000"/>
-              </a:lnSpc>
-              <a:spcBef>
-                <a:spcPts val="0"/>
-              </a:spcBef>
-              <a:spcAft>
-                <a:spcPts val="0"/>
-              </a:spcAft>
-              <a:buClrTx/>
-              <a:buSzTx/>
-              <a:buFontTx/>
-              <a:buNone/>
-              <a:tabLst/>
-              <a:defRPr/>
-            </a:pPr>
+            <a:pPr lvl="1"/>
             <a:r>
               <a:rPr lang="en-US" dirty="0"/>
-              <a:t>Finally, I’ll talk about some evaluation results. Our main question is how much benefit the cache brings us in terms of reducing the number of key-value-store pairs that are sent to the backing store.</a:t>
+              <a:t>So in summary this talk was about two main ideas: (1) a query language for network performance monitoring that is designed to capture a variety of new and old network monitoring use cases and (2) a hardware design that supports this query language at high speeds. The full paper and supporting code are available at this web site, and I am happy to take questions.</a:t>
             </a:r>
           </a:p>
         </p:txBody>
@@ -3483,7 +3459,7 @@
     </p:spTree>
     <p:extLst>
       <p:ext uri="{BB962C8B-B14F-4D97-AF65-F5344CB8AC3E}">
-        <p14:creationId xmlns:p14="http://schemas.microsoft.com/office/powerpoint/2010/main" val="1582905122"/>
+        <p14:creationId xmlns:p14="http://schemas.microsoft.com/office/powerpoint/2010/main" val="1117120813"/>
       </p:ext>
     </p:extLst>
   </p:cSld>
@@ -3537,34 +3513,26 @@
           <a:bodyPr/>
           <a:lstStyle/>
           <a:p>
+            <a:pPr marL="0" marR="0" lvl="0" indent="0" algn="l" defTabSz="914400" rtl="0" eaLnBrk="1" fontAlgn="auto" latinLnBrk="0" hangingPunct="1">
+              <a:lnSpc>
+                <a:spcPct val="100000"/>
+              </a:lnSpc>
+              <a:spcBef>
+                <a:spcPts val="0"/>
+              </a:spcBef>
+              <a:spcAft>
+                <a:spcPts val="0"/>
+              </a:spcAft>
+              <a:buClrTx/>
+              <a:buSzTx/>
+              <a:buFontTx/>
+              <a:buNone/>
+              <a:tabLst/>
+              <a:defRPr/>
+            </a:pPr>
             <a:r>
               <a:rPr lang="en-US" dirty="0"/>
-              <a:t>Here are some relevant experimental setup details for our evaluation of the cache eviction rate. We used trace-based evaluation to evaluate the eviction rate using a core router and a data center trace. Our query was a </a:t>
-            </a:r>
-            <a:r>
-              <a:rPr lang="en-US" dirty="0" err="1"/>
-              <a:t>groupby</a:t>
-            </a:r>
-            <a:r>
-              <a:rPr lang="en-US" dirty="0"/>
-              <a:t> that partitioned by 5-tuple. The caching eviction policy was 8-way LRU similar to many processor caches simply because it is easy to implement.</a:t>
-            </a:r>
-          </a:p>
-          <a:p>
-            <a:endParaRPr lang="en-US" dirty="0"/>
-          </a:p>
-          <a:p>
-            <a:r>
-              <a:rPr lang="en-US" dirty="0"/>
-              <a:t>We first measure the eviction ratio because this doesn’t depend on the packet rate or the size of keys and values. We then translate this into a concrete eviction rate for some specific packet rates and </a:t>
-            </a:r>
-            <a:r>
-              <a:rPr lang="en-US" dirty="0" err="1"/>
-              <a:t>key+value</a:t>
-            </a:r>
-            <a:r>
-              <a:rPr lang="en-US" dirty="0"/>
-              <a:t> sizes.</a:t>
+              <a:t>Finally, I’ll talk about some evaluation results. Our main question is how much benefit the cache brings us in terms of reducing the number of key-value-store pairs that are sent to the backing store.</a:t>
             </a:r>
           </a:p>
         </p:txBody>
@@ -3595,7 +3563,7 @@
     </p:spTree>
     <p:extLst>
       <p:ext uri="{BB962C8B-B14F-4D97-AF65-F5344CB8AC3E}">
-        <p14:creationId xmlns:p14="http://schemas.microsoft.com/office/powerpoint/2010/main" val="996105604"/>
+        <p14:creationId xmlns:p14="http://schemas.microsoft.com/office/powerpoint/2010/main" val="1582905122"/>
       </p:ext>
     </p:extLst>
   </p:cSld>
@@ -3651,7 +3619,32 @@
           <a:p>
             <a:r>
               <a:rPr lang="en-US" dirty="0"/>
-              <a:t>So here’s the result. As expected, the eviction ratio goes down as the number of cache slots increases. One other interesting takeaway is that a dc environment has much more locality allowing us to get away with a much smaller size cache.</a:t>
+              <a:t>Here are some relevant experimental setup details for our evaluation of the cache eviction rate. We used trace-based evaluation to evaluate the eviction rate using a core router and a data center trace. Our query was a </a:t>
+            </a:r>
+            <a:r>
+              <a:rPr lang="en-US" dirty="0" err="1"/>
+              <a:t>groupby</a:t>
+            </a:r>
+            <a:r>
+              <a:rPr lang="en-US" dirty="0"/>
+              <a:t> that partitioned by 5-tuple. The caching eviction policy was 8-way LRU similar to many processor caches simply because it is easy to implement.</a:t>
+            </a:r>
+          </a:p>
+          <a:p>
+            <a:endParaRPr lang="en-US" dirty="0"/>
+          </a:p>
+          <a:p>
+            <a:r>
+              <a:rPr lang="en-US" dirty="0"/>
+              <a:t>We first measure the eviction ratio because this doesn’t depend on the packet rate or the size of keys and values. We then translate this into a concrete eviction rate for some specific packet rates and </a:t>
+            </a:r>
+            <a:r>
+              <a:rPr lang="en-US" dirty="0" err="1"/>
+              <a:t>key+value</a:t>
+            </a:r>
+            <a:r>
+              <a:rPr lang="en-US" dirty="0"/>
+              <a:t> sizes.</a:t>
             </a:r>
           </a:p>
         </p:txBody>
@@ -3682,7 +3675,7 @@
     </p:spTree>
     <p:extLst>
       <p:ext uri="{BB962C8B-B14F-4D97-AF65-F5344CB8AC3E}">
-        <p14:creationId xmlns:p14="http://schemas.microsoft.com/office/powerpoint/2010/main" val="3768091958"/>
+        <p14:creationId xmlns:p14="http://schemas.microsoft.com/office/powerpoint/2010/main" val="4269550850"/>
       </p:ext>
     </p:extLst>
   </p:cSld>
@@ -3738,15 +3731,7 @@
           <a:p>
             <a:r>
               <a:rPr lang="en-US" dirty="0"/>
-              <a:t>Now, let’s translate this into a concrete number. Let’s pick 2**18 keys. Assuming a combined key and value size of 256 bits, that corresponds to 64 </a:t>
-            </a:r>
-            <a:r>
-              <a:rPr lang="en-US" dirty="0" err="1"/>
-              <a:t>Mbits</a:t>
-            </a:r>
-            <a:r>
-              <a:rPr lang="en-US" dirty="0"/>
-              <a:t>. That’s a 4% packet eviction ratio, which means it’s 25X smaller than processing every packet at a collection server directly.</a:t>
+              <a:t>So here’s the result. As expected, the eviction ratio goes down as the number of cache slots increases. One other interesting takeaway is that a dc environment has much more locality allowing us to get away with a much smaller size cache.</a:t>
             </a:r>
           </a:p>
         </p:txBody>
@@ -3777,7 +3762,7 @@
     </p:spTree>
     <p:extLst>
       <p:ext uri="{BB962C8B-B14F-4D97-AF65-F5344CB8AC3E}">
-        <p14:creationId xmlns:p14="http://schemas.microsoft.com/office/powerpoint/2010/main" val="4082612346"/>
+        <p14:creationId xmlns:p14="http://schemas.microsoft.com/office/powerpoint/2010/main" val="3299793430"/>
       </p:ext>
     </p:extLst>
   </p:cSld>
@@ -3833,7 +3818,7 @@
           <a:p>
             <a:r>
               <a:rPr lang="en-US" dirty="0"/>
-              <a:t>TO put this into context. For a 64-poort 100-Gbits/switch, if we assume 2**20 slots, that’s a memory requirement of 256 </a:t>
+              <a:t>Now, let’s translate this into a concrete number. Let’s pick 2**18 keys. Assuming a combined key and value size of 256 bits, that corresponds to 64 </a:t>
             </a:r>
             <a:r>
               <a:rPr lang="en-US" dirty="0" err="1"/>
@@ -3841,7 +3826,7 @@
             </a:r>
             <a:r>
               <a:rPr lang="en-US" dirty="0"/>
-              <a:t>, which is about 7.5% of the switching chip’s area. Assuming typical traffic patterns for this switch, this translates into an eviction rate of 8M records every second, which we estimate can be handled by a 32-core server. So the way to think about this is that we can service the eviction rate for a 64 server cluster connected to a TOR switch by using a single 32-core server for typical workloads. This is a simplified summary of the results. The paper has many more details on this.</a:t>
+              <a:t>. That’s a 4% packet eviction ratio, which means it’s 25X smaller than processing every packet at a collection server directly.</a:t>
             </a:r>
           </a:p>
         </p:txBody>
@@ -3872,7 +3857,7 @@
     </p:spTree>
     <p:extLst>
       <p:ext uri="{BB962C8B-B14F-4D97-AF65-F5344CB8AC3E}">
-        <p14:creationId xmlns:p14="http://schemas.microsoft.com/office/powerpoint/2010/main" val="8400029"/>
+        <p14:creationId xmlns:p14="http://schemas.microsoft.com/office/powerpoint/2010/main" val="2642239952"/>
       </p:ext>
     </p:extLst>
   </p:cSld>
@@ -4013,10 +3998,17 @@
           <a:bodyPr/>
           <a:lstStyle/>
           <a:p>
-            <a:pPr lvl="1"/>
             <a:r>
               <a:rPr lang="en-US" dirty="0"/>
-              <a:t>So in summary this talk was about two main ideas: (1) a query language for network performance monitoring that is designed to capture a variety of new and old network monitoring use cases and (2) a hardware design that supports this query language at high speeds. The full paper and supporting code are available at this web site, and I am happy to take questions.</a:t>
+              <a:t>TO put this into context. For a 64-poort 100-Gbits/switch, if we assume 2**20 slots, that’s a memory requirement of 256 </a:t>
+            </a:r>
+            <a:r>
+              <a:rPr lang="en-US" dirty="0" err="1"/>
+              <a:t>Mbits</a:t>
+            </a:r>
+            <a:r>
+              <a:rPr lang="en-US" dirty="0"/>
+              <a:t>, which is about 7.5% of the switching chip’s area. Assuming typical traffic patterns for this switch, this translates into an eviction rate of 8M records every second, which we estimate can be handled by a 32-core server. So the way to think about this is that we can service the eviction rate for a 64 server cluster connected to a TOR switch by using a single 32-core server for typical workloads. This is a simplified summary of the results. The paper has many more details on this.</a:t>
             </a:r>
           </a:p>
         </p:txBody>
@@ -4047,7 +4039,7 @@
     </p:spTree>
     <p:extLst>
       <p:ext uri="{BB962C8B-B14F-4D97-AF65-F5344CB8AC3E}">
-        <p14:creationId xmlns:p14="http://schemas.microsoft.com/office/powerpoint/2010/main" val="1117120813"/>
+        <p14:creationId xmlns:p14="http://schemas.microsoft.com/office/powerpoint/2010/main" val="1066101504"/>
       </p:ext>
     </p:extLst>
   </p:cSld>
@@ -7522,8 +7514,8 @@
         </p:nvSpPr>
         <p:spPr>
           <a:xfrm>
-            <a:off x="4067239" y="2693713"/>
-            <a:ext cx="4057521" cy="584775"/>
+            <a:off x="4261202" y="2693713"/>
+            <a:ext cx="3669594" cy="584775"/>
           </a:xfrm>
           <a:prstGeom prst="rect">
             <a:avLst/>
@@ -7536,10 +7528,9 @@
           <a:lstStyle/>
           <a:p>
             <a:r>
-              <a:rPr lang="en-US" sz="3200" b="1" dirty="0"/>
+              <a:rPr lang="en-US" sz="3200" dirty="0"/>
               <a:t>Anirudh Sivaraman</a:t>
             </a:r>
-            <a:endParaRPr lang="en-US" sz="3200" dirty="0"/>
           </a:p>
         </p:txBody>
       </p:sp>
@@ -7598,151 +7589,7 @@
           <a:p>
             <a:r>
               <a:rPr lang="en-US" dirty="0"/>
-              <a:t>Marple: Performance query language</a:t>
-            </a:r>
-          </a:p>
-        </p:txBody>
-      </p:sp>
-      <p:sp>
-        <p:nvSpPr>
-          <p:cNvPr id="3" name="Content Placeholder 2"/>
-          <p:cNvSpPr>
-            <a:spLocks noGrp="1"/>
-          </p:cNvSpPr>
-          <p:nvPr>
-            <p:ph idx="1"/>
-          </p:nvPr>
-        </p:nvSpPr>
-        <p:spPr/>
-        <p:txBody>
-          <a:bodyPr/>
-          <a:lstStyle/>
-          <a:p>
-            <a:pPr marL="0" indent="0" algn="ctr">
-              <a:buNone/>
-            </a:pPr>
-            <a:r>
-              <a:rPr lang="en-US" dirty="0"/>
-              <a:t>Stream: For </a:t>
-            </a:r>
-            <a:r>
-              <a:rPr lang="en-US" i="1" dirty="0"/>
-              <a:t>each </a:t>
-            </a:r>
-            <a:r>
-              <a:rPr lang="en-US" dirty="0"/>
-              <a:t>packet at </a:t>
-            </a:r>
-            <a:r>
-              <a:rPr lang="en-US" i="1" dirty="0"/>
-              <a:t>each </a:t>
-            </a:r>
-            <a:r>
-              <a:rPr lang="en-US" dirty="0"/>
-              <a:t>queue,</a:t>
-            </a:r>
-          </a:p>
-          <a:p>
-            <a:pPr lvl="1"/>
-            <a:endParaRPr lang="en-US" dirty="0">
-              <a:latin typeface="Ayuthaya" charset="-34"/>
-              <a:ea typeface="Ayuthaya" charset="-34"/>
-              <a:cs typeface="Ayuthaya" charset="-34"/>
-            </a:endParaRPr>
-          </a:p>
-          <a:p>
-            <a:pPr marL="457200" lvl="1" indent="0" algn="ctr">
-              <a:buNone/>
-            </a:pPr>
-            <a:r>
-              <a:rPr lang="en-US" sz="2800" dirty="0">
-                <a:latin typeface="Ayuthaya" charset="-34"/>
-                <a:ea typeface="Ayuthaya" charset="-34"/>
-                <a:cs typeface="Ayuthaya" charset="-34"/>
-              </a:rPr>
-              <a:t>S:= (switch, </a:t>
-            </a:r>
-            <a:r>
-              <a:rPr lang="en-US" sz="2800" dirty="0" err="1">
-                <a:latin typeface="Ayuthaya" charset="-34"/>
-                <a:ea typeface="Ayuthaya" charset="-34"/>
-                <a:cs typeface="Ayuthaya" charset="-34"/>
-              </a:rPr>
-              <a:t>qid</a:t>
-            </a:r>
-            <a:r>
-              <a:rPr lang="en-US" sz="2800" dirty="0">
-                <a:latin typeface="Ayuthaya" charset="-34"/>
-                <a:ea typeface="Ayuthaya" charset="-34"/>
-                <a:cs typeface="Ayuthaya" charset="-34"/>
-              </a:rPr>
-              <a:t>, </a:t>
-            </a:r>
-            <a:r>
-              <a:rPr lang="en-US" sz="2800" dirty="0" err="1">
-                <a:latin typeface="Ayuthaya" charset="-34"/>
-                <a:ea typeface="Ayuthaya" charset="-34"/>
-                <a:cs typeface="Ayuthaya" charset="-34"/>
-              </a:rPr>
-              <a:t>hdrs</a:t>
-            </a:r>
-            <a:r>
-              <a:rPr lang="en-US" sz="2800" dirty="0">
-                <a:latin typeface="Ayuthaya" charset="-34"/>
-                <a:ea typeface="Ayuthaya" charset="-34"/>
-                <a:cs typeface="Ayuthaya" charset="-34"/>
-              </a:rPr>
-              <a:t>, </a:t>
-            </a:r>
-            <a:r>
-              <a:rPr lang="en-US" sz="2800" dirty="0" err="1">
-                <a:latin typeface="Ayuthaya" charset="-34"/>
-                <a:ea typeface="Ayuthaya" charset="-34"/>
-                <a:cs typeface="Ayuthaya" charset="-34"/>
-              </a:rPr>
-              <a:t>uid</a:t>
-            </a:r>
-            <a:r>
-              <a:rPr lang="en-US" sz="2800" dirty="0">
-                <a:latin typeface="Ayuthaya" charset="-34"/>
-                <a:ea typeface="Ayuthaya" charset="-34"/>
-                <a:cs typeface="Ayuthaya" charset="-34"/>
-              </a:rPr>
-              <a:t>, tin, tout, </a:t>
-            </a:r>
-            <a:r>
-              <a:rPr lang="en-US" sz="2800" dirty="0" err="1">
-                <a:latin typeface="Ayuthaya" charset="-34"/>
-                <a:ea typeface="Ayuthaya" charset="-34"/>
-                <a:cs typeface="Ayuthaya" charset="-34"/>
-              </a:rPr>
-              <a:t>qsize</a:t>
-            </a:r>
-            <a:r>
-              <a:rPr lang="en-US" sz="2800" dirty="0">
-                <a:latin typeface="Ayuthaya" charset="-34"/>
-                <a:ea typeface="Ayuthaya" charset="-34"/>
-                <a:cs typeface="Ayuthaya" charset="-34"/>
-              </a:rPr>
-              <a:t>) </a:t>
-            </a:r>
-          </a:p>
-          <a:p>
-            <a:endParaRPr lang="en-US" dirty="0"/>
-          </a:p>
-          <a:p>
-            <a:endParaRPr lang="en-US" dirty="0"/>
-          </a:p>
-          <a:p>
-            <a:endParaRPr lang="en-US" dirty="0"/>
-          </a:p>
-          <a:p>
-            <a:pPr marL="0" indent="0" algn="ctr">
-              <a:buNone/>
-            </a:pPr>
-            <a:r>
-              <a:rPr lang="en-US" dirty="0"/>
-              <a:t>Familiar functional operators</a:t>
+              <a:t>Marple: Functional operators</a:t>
             </a:r>
           </a:p>
         </p:txBody>
@@ -7755,7 +7602,7 @@
         </p:nvGrpSpPr>
         <p:grpSpPr>
           <a:xfrm>
-            <a:off x="1821575" y="5430032"/>
+            <a:off x="1821575" y="3303398"/>
             <a:ext cx="8594717" cy="881868"/>
             <a:chOff x="838200" y="5430032"/>
             <a:chExt cx="8594717" cy="881868"/>
@@ -8095,8 +7942,8 @@
         </p:nvSpPr>
         <p:spPr>
           <a:xfrm>
-            <a:off x="5260562" y="3400040"/>
-            <a:ext cx="1716745" cy="1033175"/>
+            <a:off x="5260562" y="2463340"/>
+            <a:ext cx="1716745" cy="725911"/>
           </a:xfrm>
           <a:prstGeom prst="downArrow">
             <a:avLst/>
@@ -8143,7 +7990,12 @@
             <p:ph type="sldNum" sz="quarter" idx="12"/>
           </p:nvPr>
         </p:nvSpPr>
-        <p:spPr/>
+        <p:spPr>
+          <a:xfrm>
+            <a:off x="8610600" y="6356350"/>
+            <a:ext cx="2743200" cy="365125"/>
+          </a:xfrm>
+        </p:spPr>
         <p:txBody>
           <a:bodyPr/>
           <a:lstStyle/>
@@ -8153,6 +8005,128 @@
               <a:t>10</a:t>
             </a:fld>
             <a:endParaRPr lang="en-US"/>
+          </a:p>
+        </p:txBody>
+      </p:sp>
+      <p:sp>
+        <p:nvSpPr>
+          <p:cNvPr id="15" name="Down Arrow 14">
+            <a:extLst>
+              <a:ext uri="{FF2B5EF4-FFF2-40B4-BE49-F238E27FC236}">
+                <a16:creationId xmlns:a16="http://schemas.microsoft.com/office/drawing/2014/main" id="{EE666E19-EE9F-CC41-86E0-74292640F6E4}"/>
+              </a:ext>
+            </a:extLst>
+          </p:cNvPr>
+          <p:cNvSpPr/>
+          <p:nvPr/>
+        </p:nvSpPr>
+        <p:spPr>
+          <a:xfrm>
+            <a:off x="5237627" y="4274282"/>
+            <a:ext cx="1716745" cy="720659"/>
+          </a:xfrm>
+          <a:prstGeom prst="downArrow">
+            <a:avLst/>
+          </a:prstGeom>
+          <a:noFill/>
+          <a:ln w="63500">
+            <a:solidFill>
+              <a:schemeClr val="tx1"/>
+            </a:solidFill>
+          </a:ln>
+        </p:spPr>
+        <p:style>
+          <a:lnRef idx="2">
+            <a:schemeClr val="accent1">
+              <a:shade val="50000"/>
+            </a:schemeClr>
+          </a:lnRef>
+          <a:fillRef idx="1">
+            <a:schemeClr val="accent1"/>
+          </a:fillRef>
+          <a:effectRef idx="0">
+            <a:schemeClr val="accent1"/>
+          </a:effectRef>
+          <a:fontRef idx="minor">
+            <a:schemeClr val="lt1"/>
+          </a:fontRef>
+        </p:style>
+        <p:txBody>
+          <a:bodyPr rtlCol="0" anchor="ctr"/>
+          <a:lstStyle/>
+          <a:p>
+            <a:pPr algn="ctr"/>
+            <a:endParaRPr lang="en-US"/>
+          </a:p>
+        </p:txBody>
+      </p:sp>
+      <p:sp>
+        <p:nvSpPr>
+          <p:cNvPr id="8" name="TextBox 7">
+            <a:extLst>
+              <a:ext uri="{FF2B5EF4-FFF2-40B4-BE49-F238E27FC236}">
+                <a16:creationId xmlns:a16="http://schemas.microsoft.com/office/drawing/2014/main" id="{D824FD55-6178-5F4E-902E-B6978CFAF166}"/>
+              </a:ext>
+            </a:extLst>
+          </p:cNvPr>
+          <p:cNvSpPr txBox="1"/>
+          <p:nvPr/>
+        </p:nvSpPr>
+        <p:spPr>
+          <a:xfrm>
+            <a:off x="5176515" y="1677259"/>
+            <a:ext cx="1838965" cy="707886"/>
+          </a:xfrm>
+          <a:prstGeom prst="rect">
+            <a:avLst/>
+          </a:prstGeom>
+          <a:noFill/>
+        </p:spPr>
+        <p:txBody>
+          <a:bodyPr wrap="none" rtlCol="0">
+            <a:spAutoFit/>
+          </a:bodyPr>
+          <a:lstStyle/>
+          <a:p>
+            <a:r>
+              <a:rPr lang="en-US" sz="4000" dirty="0"/>
+              <a:t>Stream</a:t>
+            </a:r>
+          </a:p>
+        </p:txBody>
+      </p:sp>
+      <p:sp>
+        <p:nvSpPr>
+          <p:cNvPr id="24" name="TextBox 23">
+            <a:extLst>
+              <a:ext uri="{FF2B5EF4-FFF2-40B4-BE49-F238E27FC236}">
+                <a16:creationId xmlns:a16="http://schemas.microsoft.com/office/drawing/2014/main" id="{BA4665E4-0883-6646-B6B7-D3EF0F7649F2}"/>
+              </a:ext>
+            </a:extLst>
+          </p:cNvPr>
+          <p:cNvSpPr txBox="1"/>
+          <p:nvPr/>
+        </p:nvSpPr>
+        <p:spPr>
+          <a:xfrm>
+            <a:off x="5176516" y="5131779"/>
+            <a:ext cx="1838965" cy="707886"/>
+          </a:xfrm>
+          <a:prstGeom prst="rect">
+            <a:avLst/>
+          </a:prstGeom>
+          <a:noFill/>
+        </p:spPr>
+        <p:txBody>
+          <a:bodyPr wrap="none" rtlCol="0">
+            <a:spAutoFit/>
+          </a:bodyPr>
+          <a:lstStyle/>
+          <a:p>
+            <a:r>
+              <a:rPr lang="en-US" sz="4000" dirty="0"/>
+              <a:t>Stream</a:t>
+            </a:r>
           </a:p>
         </p:txBody>
       </p:sp>
@@ -8198,7 +8172,7 @@
                             </p:stCondLst>
                             <p:childTnLst>
                               <p:par>
-                                <p:cTn id="5" presetID="1" presetClass="entr" presetSubtype="0" fill="hold" nodeType="clickEffect">
+                                <p:cTn id="5" presetID="1" presetClass="entr" presetSubtype="0" fill="hold" grpId="0" nodeType="clickEffect">
                                   <p:stCondLst>
                                     <p:cond delay="0"/>
                                   </p:stCondLst>
@@ -8206,6 +8180,114 @@
                                     <p:set>
                                       <p:cBhvr>
                                         <p:cTn id="6" dur="1" fill="hold">
+                                          <p:stCondLst>
+                                            <p:cond delay="0"/>
+                                          </p:stCondLst>
+                                        </p:cTn>
+                                        <p:tgtEl>
+                                          <p:spTgt spid="28"/>
+                                        </p:tgtEl>
+                                        <p:attrNameLst>
+                                          <p:attrName>style.visibility</p:attrName>
+                                        </p:attrNameLst>
+                                      </p:cBhvr>
+                                      <p:to>
+                                        <p:strVal val="visible"/>
+                                      </p:to>
+                                    </p:set>
+                                  </p:childTnLst>
+                                </p:cTn>
+                              </p:par>
+                              <p:par>
+                                <p:cTn id="7" presetID="1" presetClass="entr" presetSubtype="0" fill="hold" grpId="0" nodeType="withEffect">
+                                  <p:stCondLst>
+                                    <p:cond delay="0"/>
+                                  </p:stCondLst>
+                                  <p:childTnLst>
+                                    <p:set>
+                                      <p:cBhvr>
+                                        <p:cTn id="8" dur="1" fill="hold">
+                                          <p:stCondLst>
+                                            <p:cond delay="0"/>
+                                          </p:stCondLst>
+                                        </p:cTn>
+                                        <p:tgtEl>
+                                          <p:spTgt spid="15"/>
+                                        </p:tgtEl>
+                                        <p:attrNameLst>
+                                          <p:attrName>style.visibility</p:attrName>
+                                        </p:attrNameLst>
+                                      </p:cBhvr>
+                                      <p:to>
+                                        <p:strVal val="visible"/>
+                                      </p:to>
+                                    </p:set>
+                                  </p:childTnLst>
+                                </p:cTn>
+                              </p:par>
+                              <p:par>
+                                <p:cTn id="9" presetID="1" presetClass="entr" presetSubtype="0" fill="hold" grpId="0" nodeType="withEffect">
+                                  <p:stCondLst>
+                                    <p:cond delay="0"/>
+                                  </p:stCondLst>
+                                  <p:childTnLst>
+                                    <p:set>
+                                      <p:cBhvr>
+                                        <p:cTn id="10" dur="1" fill="hold">
+                                          <p:stCondLst>
+                                            <p:cond delay="0"/>
+                                          </p:stCondLst>
+                                        </p:cTn>
+                                        <p:tgtEl>
+                                          <p:spTgt spid="24"/>
+                                        </p:tgtEl>
+                                        <p:attrNameLst>
+                                          <p:attrName>style.visibility</p:attrName>
+                                        </p:attrNameLst>
+                                      </p:cBhvr>
+                                      <p:to>
+                                        <p:strVal val="visible"/>
+                                      </p:to>
+                                    </p:set>
+                                  </p:childTnLst>
+                                </p:cTn>
+                              </p:par>
+                              <p:par>
+                                <p:cTn id="11" presetID="1" presetClass="entr" presetSubtype="0" fill="hold" grpId="0" nodeType="withEffect">
+                                  <p:stCondLst>
+                                    <p:cond delay="0"/>
+                                  </p:stCondLst>
+                                  <p:childTnLst>
+                                    <p:set>
+                                      <p:cBhvr>
+                                        <p:cTn id="12" dur="1" fill="hold">
+                                          <p:stCondLst>
+                                            <p:cond delay="0"/>
+                                          </p:stCondLst>
+                                        </p:cTn>
+                                        <p:tgtEl>
+                                          <p:spTgt spid="8"/>
+                                        </p:tgtEl>
+                                        <p:attrNameLst>
+                                          <p:attrName>style.visibility</p:attrName>
+                                        </p:attrNameLst>
+                                      </p:cBhvr>
+                                      <p:to>
+                                        <p:strVal val="visible"/>
+                                      </p:to>
+                                    </p:set>
+                                  </p:childTnLst>
+                                </p:cTn>
+                              </p:par>
+                              <p:par>
+                                <p:cTn id="13" presetID="1" presetClass="entr" presetSubtype="0" fill="hold" nodeType="withEffect">
+                                  <p:stCondLst>
+                                    <p:cond delay="0"/>
+                                  </p:stCondLst>
+                                  <p:childTnLst>
+                                    <p:set>
+                                      <p:cBhvr>
+                                        <p:cTn id="14" dur="1" fill="hold">
                                           <p:stCondLst>
                                             <p:cond delay="0"/>
                                           </p:stCondLst>
@@ -8251,6 +8333,12 @@
         </p:cTn>
       </p:par>
     </p:tnLst>
+    <p:bldLst>
+      <p:bldP spid="28" grpId="0" animBg="1"/>
+      <p:bldP spid="15" grpId="0" animBg="1"/>
+      <p:bldP spid="8" grpId="0"/>
+      <p:bldP spid="24" grpId="0"/>
+    </p:bldLst>
   </p:timing>
 </p:sld>
 </file>
@@ -12214,7 +12302,7 @@
           <a:effectLst/>
           <a:extLst>
             <a:ext uri="{909E8E84-426E-40dd-AFC4-6F175D3DCCD1}">
-              <a14:hiddenFill xmlns="" xmlns:a14="http://schemas.microsoft.com/office/drawing/2010/main">
+              <a14:hiddenFill xmlns:a14="http://schemas.microsoft.com/office/drawing/2010/main" xmlns="">
                 <a:blipFill dpi="0" rotWithShape="0">
                   <a:blip/>
                   <a:srcRect/>
@@ -12225,7 +12313,7 @@
               </a14:hiddenFill>
             </a:ext>
             <a:ext uri="{91240B29-F687-4f45-9708-019B960494DF}">
-              <a14:hiddenLine xmlns="" xmlns:a14="http://schemas.microsoft.com/office/drawing/2010/main" w="9525">
+              <a14:hiddenLine xmlns:a14="http://schemas.microsoft.com/office/drawing/2010/main" xmlns="" w="9525">
                 <a:solidFill>
                   <a:srgbClr val="000000"/>
                 </a:solidFill>
@@ -12235,7 +12323,7 @@
               </a14:hiddenLine>
             </a:ext>
             <a:ext uri="{AF507438-7753-43e0-B8FC-AC1667EBCBE1}">
-              <a14:hiddenEffects xmlns="" xmlns:a14="http://schemas.microsoft.com/office/drawing/2010/main">
+              <a14:hiddenEffects xmlns:a14="http://schemas.microsoft.com/office/drawing/2010/main" xmlns="">
                 <a:effectLst>
                   <a:outerShdw blurRad="63500" dist="38099" dir="2700000" algn="ctr" rotWithShape="0">
                     <a:srgbClr val="000000">
@@ -12284,7 +12372,7 @@
           <a:effectLst/>
           <a:extLst>
             <a:ext uri="{909E8E84-426E-40dd-AFC4-6F175D3DCCD1}">
-              <a14:hiddenFill xmlns="" xmlns:a14="http://schemas.microsoft.com/office/drawing/2010/main">
+              <a14:hiddenFill xmlns:a14="http://schemas.microsoft.com/office/drawing/2010/main" xmlns="">
                 <a:blipFill dpi="0" rotWithShape="0">
                   <a:blip/>
                   <a:srcRect/>
@@ -12295,7 +12383,7 @@
               </a14:hiddenFill>
             </a:ext>
             <a:ext uri="{91240B29-F687-4f45-9708-019B960494DF}">
-              <a14:hiddenLine xmlns="" xmlns:a14="http://schemas.microsoft.com/office/drawing/2010/main" w="9525">
+              <a14:hiddenLine xmlns:a14="http://schemas.microsoft.com/office/drawing/2010/main" xmlns="" w="9525">
                 <a:solidFill>
                   <a:srgbClr val="000000"/>
                 </a:solidFill>
@@ -12305,7 +12393,7 @@
               </a14:hiddenLine>
             </a:ext>
             <a:ext uri="{AF507438-7753-43e0-B8FC-AC1667EBCBE1}">
-              <a14:hiddenEffects xmlns="" xmlns:a14="http://schemas.microsoft.com/office/drawing/2010/main">
+              <a14:hiddenEffects xmlns:a14="http://schemas.microsoft.com/office/drawing/2010/main" xmlns="">
                 <a:effectLst>
                   <a:outerShdw blurRad="63500" dist="38099" dir="2700000" algn="ctr" rotWithShape="0">
                     <a:srgbClr val="000000">
@@ -12440,7 +12528,7 @@
             <a:effectLst/>
             <a:extLst>
               <a:ext uri="{909E8E84-426E-40dd-AFC4-6F175D3DCCD1}">
-                <a14:hiddenFill xmlns:a14="http://schemas.microsoft.com/office/drawing/2010/main" xmlns="">
+                <a14:hiddenFill xmlns="" xmlns:a14="http://schemas.microsoft.com/office/drawing/2010/main">
                   <a:blipFill dpi="0" rotWithShape="0">
                     <a:blip/>
                     <a:srcRect/>
@@ -12451,7 +12539,7 @@
                 </a14:hiddenFill>
               </a:ext>
               <a:ext uri="{91240B29-F687-4f45-9708-019B960494DF}">
-                <a14:hiddenLine xmlns:a14="http://schemas.microsoft.com/office/drawing/2010/main" xmlns="" w="9525">
+                <a14:hiddenLine xmlns="" xmlns:a14="http://schemas.microsoft.com/office/drawing/2010/main" w="9525">
                   <a:solidFill>
                     <a:srgbClr val="000000"/>
                   </a:solidFill>
@@ -12461,7 +12549,7 @@
                 </a14:hiddenLine>
               </a:ext>
               <a:ext uri="{AF507438-7753-43e0-B8FC-AC1667EBCBE1}">
-                <a14:hiddenEffects xmlns:a14="http://schemas.microsoft.com/office/drawing/2010/main" xmlns="">
+                <a14:hiddenEffects xmlns="" xmlns:a14="http://schemas.microsoft.com/office/drawing/2010/main">
                   <a:effectLst>
                     <a:outerShdw blurRad="63500" dist="38099" dir="2700000" algn="ctr" rotWithShape="0">
                       <a:srgbClr val="000000">
@@ -12510,7 +12598,7 @@
             <a:effectLst/>
             <a:extLst>
               <a:ext uri="{909E8E84-426E-40dd-AFC4-6F175D3DCCD1}">
-                <a14:hiddenFill xmlns:a14="http://schemas.microsoft.com/office/drawing/2010/main" xmlns="">
+                <a14:hiddenFill xmlns="" xmlns:a14="http://schemas.microsoft.com/office/drawing/2010/main">
                   <a:blipFill dpi="0" rotWithShape="0">
                     <a:blip/>
                     <a:srcRect/>
@@ -12521,7 +12609,7 @@
                 </a14:hiddenFill>
               </a:ext>
               <a:ext uri="{91240B29-F687-4f45-9708-019B960494DF}">
-                <a14:hiddenLine xmlns:a14="http://schemas.microsoft.com/office/drawing/2010/main" xmlns="" w="9525">
+                <a14:hiddenLine xmlns="" xmlns:a14="http://schemas.microsoft.com/office/drawing/2010/main" w="9525">
                   <a:solidFill>
                     <a:srgbClr val="000000"/>
                   </a:solidFill>
@@ -12531,7 +12619,7 @@
                 </a14:hiddenLine>
               </a:ext>
               <a:ext uri="{AF507438-7753-43e0-B8FC-AC1667EBCBE1}">
-                <a14:hiddenEffects xmlns:a14="http://schemas.microsoft.com/office/drawing/2010/main" xmlns="">
+                <a14:hiddenEffects xmlns="" xmlns:a14="http://schemas.microsoft.com/office/drawing/2010/main">
                   <a:effectLst>
                     <a:outerShdw blurRad="63500" dist="38099" dir="2700000" algn="ctr" rotWithShape="0">
                       <a:srgbClr val="000000">
@@ -12580,7 +12668,7 @@
             <a:effectLst/>
             <a:extLst>
               <a:ext uri="{909E8E84-426E-40dd-AFC4-6F175D3DCCD1}">
-                <a14:hiddenFill xmlns:a14="http://schemas.microsoft.com/office/drawing/2010/main" xmlns="">
+                <a14:hiddenFill xmlns="" xmlns:a14="http://schemas.microsoft.com/office/drawing/2010/main">
                   <a:blipFill dpi="0" rotWithShape="0">
                     <a:blip/>
                     <a:srcRect/>
@@ -12591,7 +12679,7 @@
                 </a14:hiddenFill>
               </a:ext>
               <a:ext uri="{91240B29-F687-4f45-9708-019B960494DF}">
-                <a14:hiddenLine xmlns:a14="http://schemas.microsoft.com/office/drawing/2010/main" xmlns="" w="9525">
+                <a14:hiddenLine xmlns="" xmlns:a14="http://schemas.microsoft.com/office/drawing/2010/main" w="9525">
                   <a:solidFill>
                     <a:srgbClr val="000000"/>
                   </a:solidFill>
@@ -12601,7 +12689,7 @@
                 </a14:hiddenLine>
               </a:ext>
               <a:ext uri="{AF507438-7753-43e0-B8FC-AC1667EBCBE1}">
-                <a14:hiddenEffects xmlns:a14="http://schemas.microsoft.com/office/drawing/2010/main" xmlns="">
+                <a14:hiddenEffects xmlns="" xmlns:a14="http://schemas.microsoft.com/office/drawing/2010/main">
                   <a:effectLst>
                     <a:outerShdw blurRad="63500" dist="38099" dir="2700000" algn="ctr" rotWithShape="0">
                       <a:srgbClr val="000000">
@@ -12642,12 +12730,12 @@
             <a:effectLst/>
             <a:extLst>
               <a:ext uri="{909E8E84-426E-40dd-AFC4-6F175D3DCCD1}">
-                <a14:hiddenFill xmlns:a14="http://schemas.microsoft.com/office/drawing/2010/main" xmlns="">
+                <a14:hiddenFill xmlns="" xmlns:a14="http://schemas.microsoft.com/office/drawing/2010/main">
                   <a:noFill/>
                 </a14:hiddenFill>
               </a:ext>
               <a:ext uri="{AF507438-7753-43e0-B8FC-AC1667EBCBE1}">
-                <a14:hiddenEffects xmlns:a14="http://schemas.microsoft.com/office/drawing/2010/main" xmlns="">
+                <a14:hiddenEffects xmlns="" xmlns:a14="http://schemas.microsoft.com/office/drawing/2010/main">
                   <a:effectLst>
                     <a:outerShdw blurRad="63500" dist="38099" dir="2700000" algn="ctr" rotWithShape="0">
                       <a:srgbClr val="000000">
@@ -12700,12 +12788,12 @@
             <a:effectLst/>
             <a:extLst>
               <a:ext uri="{909E8E84-426E-40dd-AFC4-6F175D3DCCD1}">
-                <a14:hiddenFill xmlns:a14="http://schemas.microsoft.com/office/drawing/2010/main" xmlns="">
+                <a14:hiddenFill xmlns="" xmlns:a14="http://schemas.microsoft.com/office/drawing/2010/main">
                   <a:noFill/>
                 </a14:hiddenFill>
               </a:ext>
               <a:ext uri="{AF507438-7753-43e0-B8FC-AC1667EBCBE1}">
-                <a14:hiddenEffects xmlns:a14="http://schemas.microsoft.com/office/drawing/2010/main" xmlns="">
+                <a14:hiddenEffects xmlns="" xmlns:a14="http://schemas.microsoft.com/office/drawing/2010/main">
                   <a:effectLst>
                     <a:outerShdw blurRad="63500" dist="38099" dir="2700000" algn="ctr" rotWithShape="0">
                       <a:srgbClr val="000000">
@@ -12758,12 +12846,12 @@
             <a:effectLst/>
             <a:extLst>
               <a:ext uri="{909E8E84-426E-40dd-AFC4-6F175D3DCCD1}">
-                <a14:hiddenFill xmlns:a14="http://schemas.microsoft.com/office/drawing/2010/main" xmlns="">
+                <a14:hiddenFill xmlns="" xmlns:a14="http://schemas.microsoft.com/office/drawing/2010/main">
                   <a:noFill/>
                 </a14:hiddenFill>
               </a:ext>
               <a:ext uri="{AF507438-7753-43e0-B8FC-AC1667EBCBE1}">
-                <a14:hiddenEffects xmlns:a14="http://schemas.microsoft.com/office/drawing/2010/main" xmlns="">
+                <a14:hiddenEffects xmlns="" xmlns:a14="http://schemas.microsoft.com/office/drawing/2010/main">
                   <a:effectLst>
                     <a:outerShdw blurRad="63500" dist="38099" dir="2700000" algn="ctr" rotWithShape="0">
                       <a:srgbClr val="000000">
@@ -12816,12 +12904,12 @@
             <a:effectLst/>
             <a:extLst>
               <a:ext uri="{909E8E84-426E-40dd-AFC4-6F175D3DCCD1}">
-                <a14:hiddenFill xmlns:a14="http://schemas.microsoft.com/office/drawing/2010/main" xmlns="">
+                <a14:hiddenFill xmlns="" xmlns:a14="http://schemas.microsoft.com/office/drawing/2010/main">
                   <a:noFill/>
                 </a14:hiddenFill>
               </a:ext>
               <a:ext uri="{AF507438-7753-43e0-B8FC-AC1667EBCBE1}">
-                <a14:hiddenEffects xmlns:a14="http://schemas.microsoft.com/office/drawing/2010/main" xmlns="">
+                <a14:hiddenEffects xmlns="" xmlns:a14="http://schemas.microsoft.com/office/drawing/2010/main">
                   <a:effectLst>
                     <a:outerShdw blurRad="63500" dist="38099" dir="2700000" algn="ctr" rotWithShape="0">
                       <a:srgbClr val="000000">
@@ -12874,12 +12962,12 @@
             <a:effectLst/>
             <a:extLst>
               <a:ext uri="{909E8E84-426E-40dd-AFC4-6F175D3DCCD1}">
-                <a14:hiddenFill xmlns:a14="http://schemas.microsoft.com/office/drawing/2010/main" xmlns="">
+                <a14:hiddenFill xmlns="" xmlns:a14="http://schemas.microsoft.com/office/drawing/2010/main">
                   <a:noFill/>
                 </a14:hiddenFill>
               </a:ext>
               <a:ext uri="{AF507438-7753-43e0-B8FC-AC1667EBCBE1}">
-                <a14:hiddenEffects xmlns:a14="http://schemas.microsoft.com/office/drawing/2010/main" xmlns="">
+                <a14:hiddenEffects xmlns="" xmlns:a14="http://schemas.microsoft.com/office/drawing/2010/main">
                   <a:effectLst>
                     <a:outerShdw blurRad="63500" dist="38099" dir="2700000" algn="ctr" rotWithShape="0">
                       <a:srgbClr val="000000">
@@ -12932,12 +13020,12 @@
             <a:effectLst/>
             <a:extLst>
               <a:ext uri="{909E8E84-426E-40dd-AFC4-6F175D3DCCD1}">
-                <a14:hiddenFill xmlns:a14="http://schemas.microsoft.com/office/drawing/2010/main" xmlns="">
+                <a14:hiddenFill xmlns="" xmlns:a14="http://schemas.microsoft.com/office/drawing/2010/main">
                   <a:noFill/>
                 </a14:hiddenFill>
               </a:ext>
               <a:ext uri="{AF507438-7753-43e0-B8FC-AC1667EBCBE1}">
-                <a14:hiddenEffects xmlns:a14="http://schemas.microsoft.com/office/drawing/2010/main" xmlns="">
+                <a14:hiddenEffects xmlns="" xmlns:a14="http://schemas.microsoft.com/office/drawing/2010/main">
                   <a:effectLst>
                     <a:outerShdw blurRad="63500" dist="38099" dir="2700000" algn="ctr" rotWithShape="0">
                       <a:srgbClr val="000000">
@@ -12990,12 +13078,12 @@
             <a:effectLst/>
             <a:extLst>
               <a:ext uri="{909E8E84-426E-40dd-AFC4-6F175D3DCCD1}">
-                <a14:hiddenFill xmlns:a14="http://schemas.microsoft.com/office/drawing/2010/main" xmlns="">
+                <a14:hiddenFill xmlns="" xmlns:a14="http://schemas.microsoft.com/office/drawing/2010/main">
                   <a:noFill/>
                 </a14:hiddenFill>
               </a:ext>
               <a:ext uri="{AF507438-7753-43e0-B8FC-AC1667EBCBE1}">
-                <a14:hiddenEffects xmlns:a14="http://schemas.microsoft.com/office/drawing/2010/main" xmlns="">
+                <a14:hiddenEffects xmlns="" xmlns:a14="http://schemas.microsoft.com/office/drawing/2010/main">
                   <a:effectLst>
                     <a:outerShdw blurRad="63500" dist="38099" dir="2700000" algn="ctr" rotWithShape="0">
                       <a:srgbClr val="000000">
@@ -13048,12 +13136,12 @@
             <a:effectLst/>
             <a:extLst>
               <a:ext uri="{909E8E84-426E-40dd-AFC4-6F175D3DCCD1}">
-                <a14:hiddenFill xmlns:a14="http://schemas.microsoft.com/office/drawing/2010/main" xmlns="">
+                <a14:hiddenFill xmlns="" xmlns:a14="http://schemas.microsoft.com/office/drawing/2010/main">
                   <a:noFill/>
                 </a14:hiddenFill>
               </a:ext>
               <a:ext uri="{AF507438-7753-43e0-B8FC-AC1667EBCBE1}">
-                <a14:hiddenEffects xmlns:a14="http://schemas.microsoft.com/office/drawing/2010/main" xmlns="">
+                <a14:hiddenEffects xmlns="" xmlns:a14="http://schemas.microsoft.com/office/drawing/2010/main">
                   <a:effectLst>
                     <a:outerShdw blurRad="63500" dist="38099" dir="2700000" algn="ctr" rotWithShape="0">
                       <a:srgbClr val="000000">
@@ -13106,12 +13194,12 @@
             <a:effectLst/>
             <a:extLst>
               <a:ext uri="{909E8E84-426E-40dd-AFC4-6F175D3DCCD1}">
-                <a14:hiddenFill xmlns:a14="http://schemas.microsoft.com/office/drawing/2010/main" xmlns="">
+                <a14:hiddenFill xmlns="" xmlns:a14="http://schemas.microsoft.com/office/drawing/2010/main">
                   <a:noFill/>
                 </a14:hiddenFill>
               </a:ext>
               <a:ext uri="{AF507438-7753-43e0-B8FC-AC1667EBCBE1}">
-                <a14:hiddenEffects xmlns:a14="http://schemas.microsoft.com/office/drawing/2010/main" xmlns="">
+                <a14:hiddenEffects xmlns="" xmlns:a14="http://schemas.microsoft.com/office/drawing/2010/main">
                   <a:effectLst>
                     <a:outerShdw blurRad="63500" dist="38099" dir="2700000" algn="ctr" rotWithShape="0">
                       <a:srgbClr val="000000">
@@ -13164,12 +13252,12 @@
             <a:effectLst/>
             <a:extLst>
               <a:ext uri="{909E8E84-426E-40dd-AFC4-6F175D3DCCD1}">
-                <a14:hiddenFill xmlns:a14="http://schemas.microsoft.com/office/drawing/2010/main" xmlns="">
+                <a14:hiddenFill xmlns="" xmlns:a14="http://schemas.microsoft.com/office/drawing/2010/main">
                   <a:noFill/>
                 </a14:hiddenFill>
               </a:ext>
               <a:ext uri="{AF507438-7753-43e0-B8FC-AC1667EBCBE1}">
-                <a14:hiddenEffects xmlns:a14="http://schemas.microsoft.com/office/drawing/2010/main" xmlns="">
+                <a14:hiddenEffects xmlns="" xmlns:a14="http://schemas.microsoft.com/office/drawing/2010/main">
                   <a:effectLst>
                     <a:outerShdw blurRad="63500" dist="38099" dir="2700000" algn="ctr" rotWithShape="0">
                       <a:srgbClr val="000000">
@@ -13230,7 +13318,7 @@
             <a:effectLst/>
             <a:extLst>
               <a:ext uri="{909E8E84-426E-40dd-AFC4-6F175D3DCCD1}">
-                <a14:hiddenFill xmlns:a14="http://schemas.microsoft.com/office/drawing/2010/main" xmlns="">
+                <a14:hiddenFill xmlns="" xmlns:a14="http://schemas.microsoft.com/office/drawing/2010/main">
                   <a:blipFill dpi="0" rotWithShape="0">
                     <a:blip/>
                     <a:srcRect/>
@@ -13241,7 +13329,7 @@
                 </a14:hiddenFill>
               </a:ext>
               <a:ext uri="{91240B29-F687-4f45-9708-019B960494DF}">
-                <a14:hiddenLine xmlns:a14="http://schemas.microsoft.com/office/drawing/2010/main" xmlns="" w="9525">
+                <a14:hiddenLine xmlns="" xmlns:a14="http://schemas.microsoft.com/office/drawing/2010/main" w="9525">
                   <a:solidFill>
                     <a:srgbClr val="000000"/>
                   </a:solidFill>
@@ -13251,7 +13339,7 @@
                 </a14:hiddenLine>
               </a:ext>
               <a:ext uri="{AF507438-7753-43e0-B8FC-AC1667EBCBE1}">
-                <a14:hiddenEffects xmlns:a14="http://schemas.microsoft.com/office/drawing/2010/main" xmlns="">
+                <a14:hiddenEffects xmlns="" xmlns:a14="http://schemas.microsoft.com/office/drawing/2010/main">
                   <a:effectLst>
                     <a:outerShdw blurRad="63500" dist="38099" dir="2700000" algn="ctr" rotWithShape="0">
                       <a:srgbClr val="000000">
@@ -13300,7 +13388,7 @@
             <a:effectLst/>
             <a:extLst>
               <a:ext uri="{909E8E84-426E-40dd-AFC4-6F175D3DCCD1}">
-                <a14:hiddenFill xmlns:a14="http://schemas.microsoft.com/office/drawing/2010/main" xmlns="">
+                <a14:hiddenFill xmlns="" xmlns:a14="http://schemas.microsoft.com/office/drawing/2010/main">
                   <a:blipFill dpi="0" rotWithShape="0">
                     <a:blip/>
                     <a:srcRect/>
@@ -13311,7 +13399,7 @@
                 </a14:hiddenFill>
               </a:ext>
               <a:ext uri="{91240B29-F687-4f45-9708-019B960494DF}">
-                <a14:hiddenLine xmlns:a14="http://schemas.microsoft.com/office/drawing/2010/main" xmlns="" w="9525">
+                <a14:hiddenLine xmlns="" xmlns:a14="http://schemas.microsoft.com/office/drawing/2010/main" w="9525">
                   <a:solidFill>
                     <a:srgbClr val="000000"/>
                   </a:solidFill>
@@ -13321,7 +13409,7 @@
                 </a14:hiddenLine>
               </a:ext>
               <a:ext uri="{AF507438-7753-43e0-B8FC-AC1667EBCBE1}">
-                <a14:hiddenEffects xmlns:a14="http://schemas.microsoft.com/office/drawing/2010/main" xmlns="">
+                <a14:hiddenEffects xmlns="" xmlns:a14="http://schemas.microsoft.com/office/drawing/2010/main">
                   <a:effectLst>
                     <a:outerShdw blurRad="63500" dist="38099" dir="2700000" algn="ctr" rotWithShape="0">
                       <a:srgbClr val="000000">
@@ -13370,7 +13458,7 @@
             <a:effectLst/>
             <a:extLst>
               <a:ext uri="{909E8E84-426E-40dd-AFC4-6F175D3DCCD1}">
-                <a14:hiddenFill xmlns:a14="http://schemas.microsoft.com/office/drawing/2010/main" xmlns="">
+                <a14:hiddenFill xmlns="" xmlns:a14="http://schemas.microsoft.com/office/drawing/2010/main">
                   <a:blipFill dpi="0" rotWithShape="0">
                     <a:blip/>
                     <a:srcRect/>
@@ -13381,7 +13469,7 @@
                 </a14:hiddenFill>
               </a:ext>
               <a:ext uri="{91240B29-F687-4f45-9708-019B960494DF}">
-                <a14:hiddenLine xmlns:a14="http://schemas.microsoft.com/office/drawing/2010/main" xmlns="" w="9525">
+                <a14:hiddenLine xmlns="" xmlns:a14="http://schemas.microsoft.com/office/drawing/2010/main" w="9525">
                   <a:solidFill>
                     <a:srgbClr val="000000"/>
                   </a:solidFill>
@@ -13391,7 +13479,7 @@
                 </a14:hiddenLine>
               </a:ext>
               <a:ext uri="{AF507438-7753-43e0-B8FC-AC1667EBCBE1}">
-                <a14:hiddenEffects xmlns:a14="http://schemas.microsoft.com/office/drawing/2010/main" xmlns="">
+                <a14:hiddenEffects xmlns="" xmlns:a14="http://schemas.microsoft.com/office/drawing/2010/main">
                   <a:effectLst>
                     <a:outerShdw blurRad="63500" dist="38099" dir="2700000" algn="ctr" rotWithShape="0">
                       <a:srgbClr val="000000">
@@ -13440,7 +13528,7 @@
             <a:effectLst/>
             <a:extLst>
               <a:ext uri="{909E8E84-426E-40dd-AFC4-6F175D3DCCD1}">
-                <a14:hiddenFill xmlns:a14="http://schemas.microsoft.com/office/drawing/2010/main" xmlns="">
+                <a14:hiddenFill xmlns="" xmlns:a14="http://schemas.microsoft.com/office/drawing/2010/main">
                   <a:blipFill dpi="0" rotWithShape="0">
                     <a:blip/>
                     <a:srcRect/>
@@ -13451,7 +13539,7 @@
                 </a14:hiddenFill>
               </a:ext>
               <a:ext uri="{91240B29-F687-4f45-9708-019B960494DF}">
-                <a14:hiddenLine xmlns:a14="http://schemas.microsoft.com/office/drawing/2010/main" xmlns="" w="9525">
+                <a14:hiddenLine xmlns="" xmlns:a14="http://schemas.microsoft.com/office/drawing/2010/main" w="9525">
                   <a:solidFill>
                     <a:srgbClr val="000000"/>
                   </a:solidFill>
@@ -13461,7 +13549,7 @@
                 </a14:hiddenLine>
               </a:ext>
               <a:ext uri="{AF507438-7753-43e0-B8FC-AC1667EBCBE1}">
-                <a14:hiddenEffects xmlns:a14="http://schemas.microsoft.com/office/drawing/2010/main" xmlns="">
+                <a14:hiddenEffects xmlns="" xmlns:a14="http://schemas.microsoft.com/office/drawing/2010/main">
                   <a:effectLst>
                     <a:outerShdw blurRad="63500" dist="38099" dir="2700000" algn="ctr" rotWithShape="0">
                       <a:srgbClr val="000000">
@@ -13510,7 +13598,7 @@
             <a:effectLst/>
             <a:extLst>
               <a:ext uri="{909E8E84-426E-40dd-AFC4-6F175D3DCCD1}">
-                <a14:hiddenFill xmlns:a14="http://schemas.microsoft.com/office/drawing/2010/main" xmlns="">
+                <a14:hiddenFill xmlns="" xmlns:a14="http://schemas.microsoft.com/office/drawing/2010/main">
                   <a:blipFill dpi="0" rotWithShape="0">
                     <a:blip/>
                     <a:srcRect/>
@@ -13521,7 +13609,7 @@
                 </a14:hiddenFill>
               </a:ext>
               <a:ext uri="{91240B29-F687-4f45-9708-019B960494DF}">
-                <a14:hiddenLine xmlns:a14="http://schemas.microsoft.com/office/drawing/2010/main" xmlns="" w="9525">
+                <a14:hiddenLine xmlns="" xmlns:a14="http://schemas.microsoft.com/office/drawing/2010/main" w="9525">
                   <a:solidFill>
                     <a:srgbClr val="000000"/>
                   </a:solidFill>
@@ -13531,7 +13619,7 @@
                 </a14:hiddenLine>
               </a:ext>
               <a:ext uri="{AF507438-7753-43e0-B8FC-AC1667EBCBE1}">
-                <a14:hiddenEffects xmlns:a14="http://schemas.microsoft.com/office/drawing/2010/main" xmlns="">
+                <a14:hiddenEffects xmlns="" xmlns:a14="http://schemas.microsoft.com/office/drawing/2010/main">
                   <a:effectLst>
                     <a:outerShdw blurRad="63500" dist="38099" dir="2700000" algn="ctr" rotWithShape="0">
                       <a:srgbClr val="000000">
@@ -13572,12 +13660,12 @@
             <a:effectLst/>
             <a:extLst>
               <a:ext uri="{909E8E84-426E-40dd-AFC4-6F175D3DCCD1}">
-                <a14:hiddenFill xmlns:a14="http://schemas.microsoft.com/office/drawing/2010/main" xmlns="">
+                <a14:hiddenFill xmlns="" xmlns:a14="http://schemas.microsoft.com/office/drawing/2010/main">
                   <a:noFill/>
                 </a14:hiddenFill>
               </a:ext>
               <a:ext uri="{AF507438-7753-43e0-B8FC-AC1667EBCBE1}">
-                <a14:hiddenEffects xmlns:a14="http://schemas.microsoft.com/office/drawing/2010/main" xmlns="">
+                <a14:hiddenEffects xmlns="" xmlns:a14="http://schemas.microsoft.com/office/drawing/2010/main">
                   <a:effectLst>
                     <a:outerShdw blurRad="63500" dist="38099" dir="2700000" algn="ctr" rotWithShape="0">
                       <a:srgbClr val="000000">
@@ -13630,12 +13718,12 @@
             <a:effectLst/>
             <a:extLst>
               <a:ext uri="{909E8E84-426E-40dd-AFC4-6F175D3DCCD1}">
-                <a14:hiddenFill xmlns:a14="http://schemas.microsoft.com/office/drawing/2010/main" xmlns="">
+                <a14:hiddenFill xmlns="" xmlns:a14="http://schemas.microsoft.com/office/drawing/2010/main">
                   <a:noFill/>
                 </a14:hiddenFill>
               </a:ext>
               <a:ext uri="{AF507438-7753-43e0-B8FC-AC1667EBCBE1}">
-                <a14:hiddenEffects xmlns:a14="http://schemas.microsoft.com/office/drawing/2010/main" xmlns="">
+                <a14:hiddenEffects xmlns="" xmlns:a14="http://schemas.microsoft.com/office/drawing/2010/main">
                   <a:effectLst>
                     <a:outerShdw blurRad="63500" dist="38099" dir="2700000" algn="ctr" rotWithShape="0">
                       <a:srgbClr val="000000">
@@ -13696,7 +13784,7 @@
             <a:effectLst/>
             <a:extLst>
               <a:ext uri="{909E8E84-426E-40dd-AFC4-6F175D3DCCD1}">
-                <a14:hiddenFill xmlns:a14="http://schemas.microsoft.com/office/drawing/2010/main" xmlns="">
+                <a14:hiddenFill xmlns="" xmlns:a14="http://schemas.microsoft.com/office/drawing/2010/main">
                   <a:blipFill dpi="0" rotWithShape="0">
                     <a:blip/>
                     <a:srcRect/>
@@ -13707,7 +13795,7 @@
                 </a14:hiddenFill>
               </a:ext>
               <a:ext uri="{91240B29-F687-4f45-9708-019B960494DF}">
-                <a14:hiddenLine xmlns:a14="http://schemas.microsoft.com/office/drawing/2010/main" xmlns="" w="9525">
+                <a14:hiddenLine xmlns="" xmlns:a14="http://schemas.microsoft.com/office/drawing/2010/main" w="9525">
                   <a:solidFill>
                     <a:srgbClr val="000000"/>
                   </a:solidFill>
@@ -13717,7 +13805,7 @@
                 </a14:hiddenLine>
               </a:ext>
               <a:ext uri="{AF507438-7753-43e0-B8FC-AC1667EBCBE1}">
-                <a14:hiddenEffects xmlns:a14="http://schemas.microsoft.com/office/drawing/2010/main" xmlns="">
+                <a14:hiddenEffects xmlns="" xmlns:a14="http://schemas.microsoft.com/office/drawing/2010/main">
                   <a:effectLst>
                     <a:outerShdw blurRad="63500" dist="38099" dir="2700000" algn="ctr" rotWithShape="0">
                       <a:srgbClr val="000000">
@@ -13850,7 +13938,7 @@
           <a:effectLst/>
           <a:extLst>
             <a:ext uri="{909E8E84-426E-40dd-AFC4-6F175D3DCCD1}">
-              <a14:hiddenFill xmlns="" xmlns:a14="http://schemas.microsoft.com/office/drawing/2010/main">
+              <a14:hiddenFill xmlns:a14="http://schemas.microsoft.com/office/drawing/2010/main" xmlns="">
                 <a:blipFill dpi="0" rotWithShape="0">
                   <a:blip/>
                   <a:srcRect/>
@@ -13861,7 +13949,7 @@
               </a14:hiddenFill>
             </a:ext>
             <a:ext uri="{91240B29-F687-4f45-9708-019B960494DF}">
-              <a14:hiddenLine xmlns="" xmlns:a14="http://schemas.microsoft.com/office/drawing/2010/main" w="9525">
+              <a14:hiddenLine xmlns:a14="http://schemas.microsoft.com/office/drawing/2010/main" xmlns="" w="9525">
                 <a:solidFill>
                   <a:srgbClr val="000000"/>
                 </a:solidFill>
@@ -13871,7 +13959,7 @@
               </a14:hiddenLine>
             </a:ext>
             <a:ext uri="{AF507438-7753-43e0-B8FC-AC1667EBCBE1}">
-              <a14:hiddenEffects xmlns="" xmlns:a14="http://schemas.microsoft.com/office/drawing/2010/main">
+              <a14:hiddenEffects xmlns:a14="http://schemas.microsoft.com/office/drawing/2010/main" xmlns="">
                 <a:effectLst>
                   <a:outerShdw blurRad="63500" dist="38099" dir="2700000" algn="ctr" rotWithShape="0">
                     <a:srgbClr val="000000">
@@ -13956,7 +14044,7 @@
           <a:effectLst/>
           <a:extLst>
             <a:ext uri="{909E8E84-426E-40dd-AFC4-6F175D3DCCD1}">
-              <a14:hiddenFill xmlns="" xmlns:a14="http://schemas.microsoft.com/office/drawing/2010/main">
+              <a14:hiddenFill xmlns:a14="http://schemas.microsoft.com/office/drawing/2010/main" xmlns="">
                 <a:blipFill dpi="0" rotWithShape="0">
                   <a:blip/>
                   <a:srcRect/>
@@ -13967,7 +14055,7 @@
               </a14:hiddenFill>
             </a:ext>
             <a:ext uri="{91240B29-F687-4f45-9708-019B960494DF}">
-              <a14:hiddenLine xmlns="" xmlns:a14="http://schemas.microsoft.com/office/drawing/2010/main" w="9525">
+              <a14:hiddenLine xmlns:a14="http://schemas.microsoft.com/office/drawing/2010/main" xmlns="" w="9525">
                 <a:solidFill>
                   <a:srgbClr val="000000"/>
                 </a:solidFill>
@@ -13977,7 +14065,7 @@
               </a14:hiddenLine>
             </a:ext>
             <a:ext uri="{AF507438-7753-43e0-B8FC-AC1667EBCBE1}">
-              <a14:hiddenEffects xmlns="" xmlns:a14="http://schemas.microsoft.com/office/drawing/2010/main">
+              <a14:hiddenEffects xmlns:a14="http://schemas.microsoft.com/office/drawing/2010/main" xmlns="">
                 <a:effectLst>
                   <a:outerShdw blurRad="63500" dist="38099" dir="2700000" algn="ctr" rotWithShape="0">
                     <a:srgbClr val="000000">
@@ -14062,7 +14150,7 @@
           <a:effectLst/>
           <a:extLst>
             <a:ext uri="{909E8E84-426E-40dd-AFC4-6F175D3DCCD1}">
-              <a14:hiddenFill xmlns="" xmlns:a14="http://schemas.microsoft.com/office/drawing/2010/main">
+              <a14:hiddenFill xmlns:a14="http://schemas.microsoft.com/office/drawing/2010/main" xmlns="">
                 <a:blipFill dpi="0" rotWithShape="0">
                   <a:blip/>
                   <a:srcRect/>
@@ -14073,7 +14161,7 @@
               </a14:hiddenFill>
             </a:ext>
             <a:ext uri="{91240B29-F687-4f45-9708-019B960494DF}">
-              <a14:hiddenLine xmlns="" xmlns:a14="http://schemas.microsoft.com/office/drawing/2010/main" w="9525">
+              <a14:hiddenLine xmlns:a14="http://schemas.microsoft.com/office/drawing/2010/main" xmlns="" w="9525">
                 <a:solidFill>
                   <a:srgbClr val="000000"/>
                 </a:solidFill>
@@ -14083,7 +14171,7 @@
               </a14:hiddenLine>
             </a:ext>
             <a:ext uri="{AF507438-7753-43e0-B8FC-AC1667EBCBE1}">
-              <a14:hiddenEffects xmlns="" xmlns:a14="http://schemas.microsoft.com/office/drawing/2010/main">
+              <a14:hiddenEffects xmlns:a14="http://schemas.microsoft.com/office/drawing/2010/main" xmlns="">
                 <a:effectLst>
                   <a:outerShdw blurRad="63500" dist="38099" dir="2700000" algn="ctr" rotWithShape="0">
                     <a:srgbClr val="000000">
@@ -14262,7 +14350,7 @@
           <a:effectLst/>
           <a:extLst>
             <a:ext uri="{909E8E84-426E-40dd-AFC4-6F175D3DCCD1}">
-              <a14:hiddenFill xmlns="" xmlns:a14="http://schemas.microsoft.com/office/drawing/2010/main">
+              <a14:hiddenFill xmlns:a14="http://schemas.microsoft.com/office/drawing/2010/main" xmlns="">
                 <a:blipFill dpi="0" rotWithShape="0">
                   <a:blip/>
                   <a:srcRect/>
@@ -14273,7 +14361,7 @@
               </a14:hiddenFill>
             </a:ext>
             <a:ext uri="{91240B29-F687-4f45-9708-019B960494DF}">
-              <a14:hiddenLine xmlns="" xmlns:a14="http://schemas.microsoft.com/office/drawing/2010/main" w="9525">
+              <a14:hiddenLine xmlns:a14="http://schemas.microsoft.com/office/drawing/2010/main" xmlns="" w="9525">
                 <a:solidFill>
                   <a:srgbClr val="000000"/>
                 </a:solidFill>
@@ -14283,7 +14371,7 @@
               </a14:hiddenLine>
             </a:ext>
             <a:ext uri="{AF507438-7753-43e0-B8FC-AC1667EBCBE1}">
-              <a14:hiddenEffects xmlns="" xmlns:a14="http://schemas.microsoft.com/office/drawing/2010/main">
+              <a14:hiddenEffects xmlns:a14="http://schemas.microsoft.com/office/drawing/2010/main" xmlns="">
                 <a:effectLst>
                   <a:outerShdw blurRad="63500" dist="38099" dir="2700000" algn="ctr" rotWithShape="0">
                     <a:srgbClr val="000000">
@@ -14361,7 +14449,7 @@
           <a:effectLst/>
           <a:extLst>
             <a:ext uri="{909E8E84-426E-40dd-AFC4-6F175D3DCCD1}">
-              <a14:hiddenFill xmlns="" xmlns:a14="http://schemas.microsoft.com/office/drawing/2010/main">
+              <a14:hiddenFill xmlns:a14="http://schemas.microsoft.com/office/drawing/2010/main" xmlns="">
                 <a:blipFill dpi="0" rotWithShape="0">
                   <a:blip/>
                   <a:srcRect/>
@@ -14372,7 +14460,7 @@
               </a14:hiddenFill>
             </a:ext>
             <a:ext uri="{91240B29-F687-4f45-9708-019B960494DF}">
-              <a14:hiddenLine xmlns="" xmlns:a14="http://schemas.microsoft.com/office/drawing/2010/main" w="9525">
+              <a14:hiddenLine xmlns:a14="http://schemas.microsoft.com/office/drawing/2010/main" xmlns="" w="9525">
                 <a:solidFill>
                   <a:srgbClr val="000000"/>
                 </a:solidFill>
@@ -14382,7 +14470,7 @@
               </a14:hiddenLine>
             </a:ext>
             <a:ext uri="{AF507438-7753-43e0-B8FC-AC1667EBCBE1}">
-              <a14:hiddenEffects xmlns="" xmlns:a14="http://schemas.microsoft.com/office/drawing/2010/main">
+              <a14:hiddenEffects xmlns:a14="http://schemas.microsoft.com/office/drawing/2010/main" xmlns="">
                 <a:effectLst>
                   <a:outerShdw blurRad="63500" dist="38099" dir="2700000" algn="ctr" rotWithShape="0">
                     <a:srgbClr val="000000">
@@ -16544,7 +16632,7 @@
           <a:effectLst/>
           <a:extLst>
             <a:ext uri="{909E8E84-426E-40dd-AFC4-6F175D3DCCD1}">
-              <a14:hiddenFill xmlns:a14="http://schemas.microsoft.com/office/drawing/2010/main" xmlns="">
+              <a14:hiddenFill xmlns="" xmlns:a14="http://schemas.microsoft.com/office/drawing/2010/main">
                 <a:blipFill dpi="0" rotWithShape="0">
                   <a:blip/>
                   <a:srcRect/>
@@ -16555,7 +16643,7 @@
               </a14:hiddenFill>
             </a:ext>
             <a:ext uri="{91240B29-F687-4f45-9708-019B960494DF}">
-              <a14:hiddenLine xmlns:a14="http://schemas.microsoft.com/office/drawing/2010/main" xmlns="" w="9525">
+              <a14:hiddenLine xmlns="" xmlns:a14="http://schemas.microsoft.com/office/drawing/2010/main" w="9525">
                 <a:solidFill>
                   <a:srgbClr val="000000"/>
                 </a:solidFill>
@@ -16565,7 +16653,7 @@
               </a14:hiddenLine>
             </a:ext>
             <a:ext uri="{AF507438-7753-43e0-B8FC-AC1667EBCBE1}">
-              <a14:hiddenEffects xmlns:a14="http://schemas.microsoft.com/office/drawing/2010/main" xmlns="">
+              <a14:hiddenEffects xmlns="" xmlns:a14="http://schemas.microsoft.com/office/drawing/2010/main">
                 <a:effectLst>
                   <a:outerShdw blurRad="63500" dist="38099" dir="2700000" algn="ctr" rotWithShape="0">
                     <a:srgbClr val="000000">
@@ -16685,7 +16773,13 @@
       </p:pic>
       <p:pic>
         <p:nvPicPr>
-          <p:cNvPr id="45" name="Picture 25"/>
+          <p:cNvPr id="47" name="Picture 25">
+            <a:extLst>
+              <a:ext uri="{FF2B5EF4-FFF2-40B4-BE49-F238E27FC236}">
+                <a16:creationId xmlns:a16="http://schemas.microsoft.com/office/drawing/2014/main" id="{A0C26053-C3EB-1C4F-8977-8922D859DAD6}"/>
+              </a:ext>
+            </a:extLst>
+          </p:cNvPr>
           <p:cNvPicPr>
             <a:picLocks noChangeAspect="1" noChangeArrowheads="1"/>
           </p:cNvPicPr>
@@ -16706,7 +16800,7 @@
         </p:blipFill>
         <p:spPr bwMode="auto">
           <a:xfrm>
-            <a:off x="6886200" y="947018"/>
+            <a:off x="10883376" y="1073824"/>
             <a:ext cx="1014181" cy="1343947"/>
           </a:xfrm>
           <a:prstGeom prst="rect">
@@ -16719,7 +16813,7 @@
           <a:effectLst/>
           <a:extLst>
             <a:ext uri="{909E8E84-426E-40dd-AFC4-6F175D3DCCD1}">
-              <a14:hiddenFill xmlns:a14="http://schemas.microsoft.com/office/drawing/2010/main" xmlns="">
+              <a14:hiddenFill xmlns="" xmlns:a14="http://schemas.microsoft.com/office/drawing/2010/main">
                 <a:blipFill dpi="0" rotWithShape="0">
                   <a:blip/>
                   <a:srcRect/>
@@ -16730,7 +16824,7 @@
               </a14:hiddenFill>
             </a:ext>
             <a:ext uri="{91240B29-F687-4f45-9708-019B960494DF}">
-              <a14:hiddenLine xmlns:a14="http://schemas.microsoft.com/office/drawing/2010/main" xmlns="" w="9525">
+              <a14:hiddenLine xmlns="" xmlns:a14="http://schemas.microsoft.com/office/drawing/2010/main" w="9525">
                 <a:solidFill>
                   <a:srgbClr val="000000"/>
                 </a:solidFill>
@@ -16740,7 +16834,7 @@
               </a14:hiddenLine>
             </a:ext>
             <a:ext uri="{AF507438-7753-43e0-B8FC-AC1667EBCBE1}">
-              <a14:hiddenEffects xmlns:a14="http://schemas.microsoft.com/office/drawing/2010/main" xmlns="">
+              <a14:hiddenEffects xmlns="" xmlns:a14="http://schemas.microsoft.com/office/drawing/2010/main">
                 <a:effectLst>
                   <a:outerShdw blurRad="63500" dist="38099" dir="2700000" algn="ctr" rotWithShape="0">
                     <a:srgbClr val="000000">
@@ -18499,7 +18593,13 @@
       </p:pic>
       <p:pic>
         <p:nvPicPr>
-          <p:cNvPr id="46" name="Picture 25"/>
+          <p:cNvPr id="50" name="Picture 25">
+            <a:extLst>
+              <a:ext uri="{FF2B5EF4-FFF2-40B4-BE49-F238E27FC236}">
+                <a16:creationId xmlns:a16="http://schemas.microsoft.com/office/drawing/2014/main" id="{C599B286-96C5-9846-8822-C0D7903FC766}"/>
+              </a:ext>
+            </a:extLst>
+          </p:cNvPr>
           <p:cNvPicPr>
             <a:picLocks noChangeAspect="1" noChangeArrowheads="1"/>
           </p:cNvPicPr>
@@ -18520,7 +18620,7 @@
         </p:blipFill>
         <p:spPr bwMode="auto">
           <a:xfrm>
-            <a:off x="6886200" y="947018"/>
+            <a:off x="10883376" y="1073824"/>
             <a:ext cx="1014181" cy="1343947"/>
           </a:xfrm>
           <a:prstGeom prst="rect">
@@ -18533,7 +18633,7 @@
           <a:effectLst/>
           <a:extLst>
             <a:ext uri="{909E8E84-426E-40dd-AFC4-6F175D3DCCD1}">
-              <a14:hiddenFill xmlns:a14="http://schemas.microsoft.com/office/drawing/2010/main" xmlns="">
+              <a14:hiddenFill xmlns="" xmlns:a14="http://schemas.microsoft.com/office/drawing/2010/main">
                 <a:blipFill dpi="0" rotWithShape="0">
                   <a:blip/>
                   <a:srcRect/>
@@ -18544,7 +18644,7 @@
               </a14:hiddenFill>
             </a:ext>
             <a:ext uri="{91240B29-F687-4f45-9708-019B960494DF}">
-              <a14:hiddenLine xmlns:a14="http://schemas.microsoft.com/office/drawing/2010/main" xmlns="" w="9525">
+              <a14:hiddenLine xmlns="" xmlns:a14="http://schemas.microsoft.com/office/drawing/2010/main" w="9525">
                 <a:solidFill>
                   <a:srgbClr val="000000"/>
                 </a:solidFill>
@@ -18554,7 +18654,7 @@
               </a14:hiddenLine>
             </a:ext>
             <a:ext uri="{AF507438-7753-43e0-B8FC-AC1667EBCBE1}">
-              <a14:hiddenEffects xmlns:a14="http://schemas.microsoft.com/office/drawing/2010/main" xmlns="">
+              <a14:hiddenEffects xmlns="" xmlns:a14="http://schemas.microsoft.com/office/drawing/2010/main">
                 <a:effectLst>
                   <a:outerShdw blurRad="63500" dist="38099" dir="2700000" algn="ctr" rotWithShape="0">
                     <a:srgbClr val="000000">
@@ -18605,6 +18705,82 @@
           <a:chExt cx="0" cy="0"/>
         </a:xfrm>
       </p:grpSpPr>
+      <p:pic>
+        <p:nvPicPr>
+          <p:cNvPr id="49" name="Picture 25">
+            <a:extLst>
+              <a:ext uri="{FF2B5EF4-FFF2-40B4-BE49-F238E27FC236}">
+                <a16:creationId xmlns:a16="http://schemas.microsoft.com/office/drawing/2014/main" id="{127063D3-0184-B242-A613-EF0C8E06ECB0}"/>
+              </a:ext>
+            </a:extLst>
+          </p:cNvPr>
+          <p:cNvPicPr>
+            <a:picLocks noChangeAspect="1" noChangeArrowheads="1"/>
+          </p:cNvPicPr>
+          <p:nvPr/>
+        </p:nvPicPr>
+        <p:blipFill>
+          <a:blip r:embed="rId4">
+            <a:extLst>
+              <a:ext uri="{28A0092B-C50C-407E-A947-70E740481C1C}">
+                <a14:useLocalDpi xmlns:a14="http://schemas.microsoft.com/office/drawing/2010/main" val="0"/>
+              </a:ext>
+            </a:extLst>
+          </a:blip>
+          <a:srcRect/>
+          <a:stretch>
+            <a:fillRect/>
+          </a:stretch>
+        </p:blipFill>
+        <p:spPr bwMode="auto">
+          <a:xfrm>
+            <a:off x="10883376" y="1073824"/>
+            <a:ext cx="1014181" cy="1343947"/>
+          </a:xfrm>
+          <a:prstGeom prst="rect">
+            <a:avLst/>
+          </a:prstGeom>
+          <a:noFill/>
+          <a:ln>
+            <a:noFill/>
+          </a:ln>
+          <a:effectLst/>
+          <a:extLst>
+            <a:ext uri="{909E8E84-426E-40dd-AFC4-6F175D3DCCD1}">
+              <a14:hiddenFill xmlns="" xmlns:a14="http://schemas.microsoft.com/office/drawing/2010/main">
+                <a:blipFill dpi="0" rotWithShape="0">
+                  <a:blip/>
+                  <a:srcRect/>
+                  <a:stretch>
+                    <a:fillRect/>
+                  </a:stretch>
+                </a:blipFill>
+              </a14:hiddenFill>
+            </a:ext>
+            <a:ext uri="{91240B29-F687-4f45-9708-019B960494DF}">
+              <a14:hiddenLine xmlns="" xmlns:a14="http://schemas.microsoft.com/office/drawing/2010/main" w="9525">
+                <a:solidFill>
+                  <a:srgbClr val="000000"/>
+                </a:solidFill>
+                <a:round/>
+                <a:headEnd/>
+                <a:tailEnd/>
+              </a14:hiddenLine>
+            </a:ext>
+            <a:ext uri="{AF507438-7753-43e0-B8FC-AC1667EBCBE1}">
+              <a14:hiddenEffects xmlns="" xmlns:a14="http://schemas.microsoft.com/office/drawing/2010/main">
+                <a:effectLst>
+                  <a:outerShdw blurRad="63500" dist="38099" dir="2700000" algn="ctr" rotWithShape="0">
+                    <a:srgbClr val="000000">
+                      <a:alpha val="74998"/>
+                    </a:srgbClr>
+                  </a:outerShdw>
+                </a:effectLst>
+              </a14:hiddenEffects>
+            </a:ext>
+          </a:extLst>
+        </p:spPr>
+      </p:pic>
       <p:sp>
         <p:nvSpPr>
           <p:cNvPr id="2" name="Title 1"/>
@@ -21464,7 +21640,7 @@
           <a:effectLst/>
           <a:extLst>
             <a:ext uri="{909E8E84-426E-40dd-AFC4-6F175D3DCCD1}">
-              <a14:hiddenFill xmlns:a14="http://schemas.microsoft.com/office/drawing/2010/main" xmlns="">
+              <a14:hiddenFill xmlns="" xmlns:a14="http://schemas.microsoft.com/office/drawing/2010/main">
                 <a:blipFill dpi="0" rotWithShape="0">
                   <a:blip/>
                   <a:srcRect/>
@@ -21475,7 +21651,7 @@
               </a14:hiddenFill>
             </a:ext>
             <a:ext uri="{91240B29-F687-4f45-9708-019B960494DF}">
-              <a14:hiddenLine xmlns:a14="http://schemas.microsoft.com/office/drawing/2010/main" xmlns="" w="9525">
+              <a14:hiddenLine xmlns="" xmlns:a14="http://schemas.microsoft.com/office/drawing/2010/main" w="9525">
                 <a:solidFill>
                   <a:srgbClr val="000000"/>
                 </a:solidFill>
@@ -21485,7 +21661,7 @@
               </a14:hiddenLine>
             </a:ext>
             <a:ext uri="{AF507438-7753-43e0-B8FC-AC1667EBCBE1}">
-              <a14:hiddenEffects xmlns:a14="http://schemas.microsoft.com/office/drawing/2010/main" xmlns="">
+              <a14:hiddenEffects xmlns="" xmlns:a14="http://schemas.microsoft.com/office/drawing/2010/main">
                 <a:effectLst>
                   <a:outerShdw blurRad="63500" dist="38099" dir="2700000" algn="ctr" rotWithShape="0">
                     <a:srgbClr val="000000">
@@ -21564,7 +21740,7 @@
           <a:effectLst/>
           <a:extLst>
             <a:ext uri="{909E8E84-426E-40dd-AFC4-6F175D3DCCD1}">
-              <a14:hiddenFill xmlns:a14="http://schemas.microsoft.com/office/drawing/2010/main" xmlns="">
+              <a14:hiddenFill xmlns="" xmlns:a14="http://schemas.microsoft.com/office/drawing/2010/main">
                 <a:blipFill dpi="0" rotWithShape="0">
                   <a:blip/>
                   <a:srcRect/>
@@ -21575,7 +21751,7 @@
               </a14:hiddenFill>
             </a:ext>
             <a:ext uri="{91240B29-F687-4f45-9708-019B960494DF}">
-              <a14:hiddenLine xmlns:a14="http://schemas.microsoft.com/office/drawing/2010/main" xmlns="" w="9525">
+              <a14:hiddenLine xmlns="" xmlns:a14="http://schemas.microsoft.com/office/drawing/2010/main" w="9525">
                 <a:solidFill>
                   <a:srgbClr val="000000"/>
                 </a:solidFill>
@@ -21585,7 +21761,7 @@
               </a14:hiddenLine>
             </a:ext>
             <a:ext uri="{AF507438-7753-43e0-B8FC-AC1667EBCBE1}">
-              <a14:hiddenEffects xmlns:a14="http://schemas.microsoft.com/office/drawing/2010/main" xmlns="">
+              <a14:hiddenEffects xmlns="" xmlns:a14="http://schemas.microsoft.com/office/drawing/2010/main">
                 <a:effectLst>
                   <a:outerShdw blurRad="63500" dist="38099" dir="2700000" algn="ctr" rotWithShape="0">
                     <a:srgbClr val="000000">
@@ -23180,7 +23356,7 @@
           <a:effectLst/>
           <a:extLst>
             <a:ext uri="{909E8E84-426E-40dd-AFC4-6F175D3DCCD1}">
-              <a14:hiddenFill xmlns:a14="http://schemas.microsoft.com/office/drawing/2010/main" xmlns="">
+              <a14:hiddenFill xmlns="" xmlns:a14="http://schemas.microsoft.com/office/drawing/2010/main">
                 <a:blipFill dpi="0" rotWithShape="0">
                   <a:blip/>
                   <a:srcRect/>
@@ -23191,7 +23367,7 @@
               </a14:hiddenFill>
             </a:ext>
             <a:ext uri="{91240B29-F687-4f45-9708-019B960494DF}">
-              <a14:hiddenLine xmlns:a14="http://schemas.microsoft.com/office/drawing/2010/main" xmlns="" w="9525">
+              <a14:hiddenLine xmlns="" xmlns:a14="http://schemas.microsoft.com/office/drawing/2010/main" w="9525">
                 <a:solidFill>
                   <a:srgbClr val="000000"/>
                 </a:solidFill>
@@ -23201,7 +23377,7 @@
               </a14:hiddenLine>
             </a:ext>
             <a:ext uri="{AF507438-7753-43e0-B8FC-AC1667EBCBE1}">
-              <a14:hiddenEffects xmlns:a14="http://schemas.microsoft.com/office/drawing/2010/main" xmlns="">
+              <a14:hiddenEffects xmlns="" xmlns:a14="http://schemas.microsoft.com/office/drawing/2010/main">
                 <a:effectLst>
                   <a:outerShdw blurRad="63500" dist="38099" dir="2700000" algn="ctr" rotWithShape="0">
                     <a:srgbClr val="000000">
@@ -24849,7 +25025,7 @@
           <a:effectLst/>
           <a:extLst>
             <a:ext uri="{909E8E84-426E-40dd-AFC4-6F175D3DCCD1}">
-              <a14:hiddenFill xmlns:a14="http://schemas.microsoft.com/office/drawing/2010/main" xmlns="">
+              <a14:hiddenFill xmlns="" xmlns:a14="http://schemas.microsoft.com/office/drawing/2010/main">
                 <a:blipFill dpi="0" rotWithShape="0">
                   <a:blip/>
                   <a:srcRect/>
@@ -24860,7 +25036,7 @@
               </a14:hiddenFill>
             </a:ext>
             <a:ext uri="{91240B29-F687-4f45-9708-019B960494DF}">
-              <a14:hiddenLine xmlns:a14="http://schemas.microsoft.com/office/drawing/2010/main" xmlns="" w="9525">
+              <a14:hiddenLine xmlns="" xmlns:a14="http://schemas.microsoft.com/office/drawing/2010/main" w="9525">
                 <a:solidFill>
                   <a:srgbClr val="000000"/>
                 </a:solidFill>
@@ -24870,7 +25046,7 @@
               </a14:hiddenLine>
             </a:ext>
             <a:ext uri="{AF507438-7753-43e0-B8FC-AC1667EBCBE1}">
-              <a14:hiddenEffects xmlns:a14="http://schemas.microsoft.com/office/drawing/2010/main" xmlns="">
+              <a14:hiddenEffects xmlns="" xmlns:a14="http://schemas.microsoft.com/office/drawing/2010/main">
                 <a:effectLst>
                   <a:outerShdw blurRad="63500" dist="38099" dir="2700000" algn="ctr" rotWithShape="0">
                     <a:srgbClr val="000000">
@@ -26232,7 +26408,7 @@
           <a:effectLst/>
           <a:extLst>
             <a:ext uri="{909E8E84-426E-40dd-AFC4-6F175D3DCCD1}">
-              <a14:hiddenFill xmlns:a14="http://schemas.microsoft.com/office/drawing/2010/main" xmlns="">
+              <a14:hiddenFill xmlns="" xmlns:a14="http://schemas.microsoft.com/office/drawing/2010/main">
                 <a:blipFill dpi="0" rotWithShape="0">
                   <a:blip/>
                   <a:srcRect/>
@@ -26243,7 +26419,7 @@
               </a14:hiddenFill>
             </a:ext>
             <a:ext uri="{91240B29-F687-4f45-9708-019B960494DF}">
-              <a14:hiddenLine xmlns:a14="http://schemas.microsoft.com/office/drawing/2010/main" xmlns="" w="9525">
+              <a14:hiddenLine xmlns="" xmlns:a14="http://schemas.microsoft.com/office/drawing/2010/main" w="9525">
                 <a:solidFill>
                   <a:srgbClr val="000000"/>
                 </a:solidFill>
@@ -26253,7 +26429,7 @@
               </a14:hiddenLine>
             </a:ext>
             <a:ext uri="{AF507438-7753-43e0-B8FC-AC1667EBCBE1}">
-              <a14:hiddenEffects xmlns:a14="http://schemas.microsoft.com/office/drawing/2010/main" xmlns="">
+              <a14:hiddenEffects xmlns="" xmlns:a14="http://schemas.microsoft.com/office/drawing/2010/main">
                 <a:effectLst>
                   <a:outerShdw blurRad="63500" dist="38099" dir="2700000" algn="ctr" rotWithShape="0">
                     <a:srgbClr val="000000">
@@ -26384,7 +26560,7 @@
           <a:effectLst/>
           <a:extLst>
             <a:ext uri="{909E8E84-426E-40dd-AFC4-6F175D3DCCD1}">
-              <a14:hiddenFill xmlns:a14="http://schemas.microsoft.com/office/drawing/2010/main" xmlns="">
+              <a14:hiddenFill xmlns="" xmlns:a14="http://schemas.microsoft.com/office/drawing/2010/main">
                 <a:blipFill dpi="0" rotWithShape="0">
                   <a:blip/>
                   <a:srcRect/>
@@ -26395,7 +26571,7 @@
               </a14:hiddenFill>
             </a:ext>
             <a:ext uri="{91240B29-F687-4f45-9708-019B960494DF}">
-              <a14:hiddenLine xmlns:a14="http://schemas.microsoft.com/office/drawing/2010/main" xmlns="" w="9525">
+              <a14:hiddenLine xmlns="" xmlns:a14="http://schemas.microsoft.com/office/drawing/2010/main" w="9525">
                 <a:solidFill>
                   <a:srgbClr val="000000"/>
                 </a:solidFill>
@@ -26405,7 +26581,7 @@
               </a14:hiddenLine>
             </a:ext>
             <a:ext uri="{AF507438-7753-43e0-B8FC-AC1667EBCBE1}">
-              <a14:hiddenEffects xmlns:a14="http://schemas.microsoft.com/office/drawing/2010/main" xmlns="">
+              <a14:hiddenEffects xmlns="" xmlns:a14="http://schemas.microsoft.com/office/drawing/2010/main">
                 <a:effectLst>
                   <a:outerShdw blurRad="63500" dist="38099" dir="2700000" algn="ctr" rotWithShape="0">
                     <a:srgbClr val="000000">
@@ -32633,6 +32809,159 @@
         </p:nvSpPr>
         <p:spPr/>
         <p:txBody>
+          <a:bodyPr/>
+          <a:lstStyle/>
+          <a:p>
+            <a:r>
+              <a:rPr lang="en-US" dirty="0"/>
+              <a:t>Summary</a:t>
+            </a:r>
+          </a:p>
+        </p:txBody>
+      </p:sp>
+      <p:sp>
+        <p:nvSpPr>
+          <p:cNvPr id="3" name="Content Placeholder 2"/>
+          <p:cNvSpPr>
+            <a:spLocks noGrp="1"/>
+          </p:cNvSpPr>
+          <p:nvPr>
+            <p:ph idx="1"/>
+          </p:nvPr>
+        </p:nvSpPr>
+        <p:spPr>
+          <a:xfrm>
+            <a:off x="838200" y="1825625"/>
+            <a:ext cx="11201400" cy="4710642"/>
+          </a:xfrm>
+        </p:spPr>
+        <p:txBody>
+          <a:bodyPr>
+            <a:normAutofit/>
+          </a:bodyPr>
+          <a:lstStyle/>
+          <a:p>
+            <a:r>
+              <a:rPr lang="en-US" dirty="0"/>
+              <a:t>Query language for network performance monitoring</a:t>
+            </a:r>
+          </a:p>
+          <a:p>
+            <a:r>
+              <a:rPr lang="en-US" dirty="0"/>
+              <a:t>Hardware design to support query language</a:t>
+            </a:r>
+          </a:p>
+          <a:p>
+            <a:r>
+              <a:rPr lang="en-US" dirty="0">
+                <a:solidFill>
+                  <a:srgbClr val="A31E34"/>
+                </a:solidFill>
+              </a:rPr>
+              <a:t>Paper and code available at http://</a:t>
+            </a:r>
+            <a:r>
+              <a:rPr lang="en-US" dirty="0" err="1">
+                <a:solidFill>
+                  <a:srgbClr val="A31E34"/>
+                </a:solidFill>
+              </a:rPr>
+              <a:t>web.mit.edu</a:t>
+            </a:r>
+            <a:r>
+              <a:rPr lang="en-US" dirty="0">
+                <a:solidFill>
+                  <a:srgbClr val="A31E34"/>
+                </a:solidFill>
+              </a:rPr>
+              <a:t>/</a:t>
+            </a:r>
+            <a:r>
+              <a:rPr lang="en-US" dirty="0" err="1">
+                <a:solidFill>
+                  <a:srgbClr val="A31E34"/>
+                </a:solidFill>
+              </a:rPr>
+              <a:t>marple</a:t>
+            </a:r>
+            <a:endParaRPr lang="en-US" dirty="0">
+              <a:solidFill>
+                <a:srgbClr val="A31E34"/>
+              </a:solidFill>
+            </a:endParaRPr>
+          </a:p>
+          <a:p>
+            <a:endParaRPr lang="en-US" dirty="0">
+              <a:solidFill>
+                <a:srgbClr val="C00000"/>
+              </a:solidFill>
+            </a:endParaRPr>
+          </a:p>
+          <a:p>
+            <a:pPr marL="0" indent="0" algn="ctr">
+              <a:buNone/>
+            </a:pPr>
+            <a:endParaRPr lang="en-US" dirty="0"/>
+          </a:p>
+          <a:p>
+            <a:endParaRPr lang="en-US" dirty="0"/>
+          </a:p>
+        </p:txBody>
+      </p:sp>
+    </p:spTree>
+    <p:custDataLst>
+      <p:tags r:id="rId1"/>
+    </p:custDataLst>
+    <p:extLst>
+      <p:ext uri="{BB962C8B-B14F-4D97-AF65-F5344CB8AC3E}">
+        <p14:creationId xmlns:p14="http://schemas.microsoft.com/office/powerpoint/2010/main" val="417757982"/>
+      </p:ext>
+    </p:extLst>
+  </p:cSld>
+  <p:clrMapOvr>
+    <a:masterClrMapping/>
+  </p:clrMapOvr>
+  <mc:AlternateContent xmlns:mc="http://schemas.openxmlformats.org/markup-compatibility/2006" xmlns:p14="http://schemas.microsoft.com/office/powerpoint/2010/main">
+    <mc:Choice Requires="p14">
+      <p:transition spd="slow" p14:dur="2000" advTm="48667"/>
+    </mc:Choice>
+    <mc:Fallback xmlns="">
+      <p:transition spd="slow" advTm="48667"/>
+    </mc:Fallback>
+  </mc:AlternateContent>
+</p:sld>
+</file>
+
+<file path=ppt/slides/slide37.xml><?xml version="1.0" encoding="utf-8"?>
+<p:sld xmlns:a="http://schemas.openxmlformats.org/drawingml/2006/main" xmlns:r="http://schemas.openxmlformats.org/officeDocument/2006/relationships" xmlns:p="http://schemas.openxmlformats.org/presentationml/2006/main">
+  <p:cSld>
+    <p:spTree>
+      <p:nvGrpSpPr>
+        <p:cNvPr id="1" name=""/>
+        <p:cNvGrpSpPr/>
+        <p:nvPr/>
+      </p:nvGrpSpPr>
+      <p:grpSpPr>
+        <a:xfrm>
+          <a:off x="0" y="0"/>
+          <a:ext cx="0" cy="0"/>
+          <a:chOff x="0" y="0"/>
+          <a:chExt cx="0" cy="0"/>
+        </a:xfrm>
+      </p:grpSpPr>
+      <p:sp>
+        <p:nvSpPr>
+          <p:cNvPr id="2" name="Title 1"/>
+          <p:cNvSpPr>
+            <a:spLocks noGrp="1"/>
+          </p:cNvSpPr>
+          <p:nvPr>
+            <p:ph type="title"/>
+          </p:nvPr>
+        </p:nvSpPr>
+        <p:spPr/>
+        <p:txBody>
           <a:bodyPr>
             <a:normAutofit/>
           </a:bodyPr>
@@ -33878,7 +34207,7 @@
           <a:p>
             <a:fld id="{7ADDFCCE-7BFB-9F43-8A65-C6CBBDF8F088}" type="slidenum">
               <a:rPr lang="en-US" smtClean="0"/>
-              <a:t>36</a:t>
+              <a:t>37</a:t>
             </a:fld>
             <a:endParaRPr lang="en-US"/>
           </a:p>
@@ -33950,7 +34279,7 @@
           <a:effectLst/>
           <a:extLst>
             <a:ext uri="{909E8E84-426E-40dd-AFC4-6F175D3DCCD1}">
-              <a14:hiddenFill xmlns="" xmlns:a14="http://schemas.microsoft.com/office/drawing/2010/main">
+              <a14:hiddenFill xmlns:a14="http://schemas.microsoft.com/office/drawing/2010/main" xmlns="">
                 <a:blipFill dpi="0" rotWithShape="0">
                   <a:blip/>
                   <a:srcRect/>
@@ -33961,7 +34290,7 @@
               </a14:hiddenFill>
             </a:ext>
             <a:ext uri="{91240B29-F687-4f45-9708-019B960494DF}">
-              <a14:hiddenLine xmlns="" xmlns:a14="http://schemas.microsoft.com/office/drawing/2010/main" w="9525">
+              <a14:hiddenLine xmlns:a14="http://schemas.microsoft.com/office/drawing/2010/main" xmlns="" w="9525">
                 <a:solidFill>
                   <a:srgbClr val="000000"/>
                 </a:solidFill>
@@ -33971,7 +34300,7 @@
               </a14:hiddenLine>
             </a:ext>
             <a:ext uri="{AF507438-7753-43e0-B8FC-AC1667EBCBE1}">
-              <a14:hiddenEffects xmlns="" xmlns:a14="http://schemas.microsoft.com/office/drawing/2010/main">
+              <a14:hiddenEffects xmlns:a14="http://schemas.microsoft.com/office/drawing/2010/main" xmlns="">
                 <a:effectLst>
                   <a:outerShdw blurRad="63500" dist="38099" dir="2700000" algn="ctr" rotWithShape="0">
                     <a:srgbClr val="000000">
@@ -34116,7 +34445,7 @@
 </p:sld>
 </file>
 
-<file path=ppt/slides/slide37.xml><?xml version="1.0" encoding="utf-8"?>
+<file path=ppt/slides/slide38.xml><?xml version="1.0" encoding="utf-8"?>
 <p:sld xmlns:a="http://schemas.openxmlformats.org/drawingml/2006/main" xmlns:r="http://schemas.openxmlformats.org/officeDocument/2006/relationships" xmlns:p="http://schemas.openxmlformats.org/presentationml/2006/main">
   <p:cSld>
     <p:spTree>
@@ -34282,7 +34611,7 @@
           <a:p>
             <a:fld id="{7ADDFCCE-7BFB-9F43-8A65-C6CBBDF8F088}" type="slidenum">
               <a:rPr lang="en-US" smtClean="0"/>
-              <a:t>37</a:t>
+              <a:t>38</a:t>
             </a:fld>
             <a:endParaRPr lang="en-US"/>
           </a:p>
@@ -34294,7 +34623,7 @@
     </p:custDataLst>
     <p:extLst>
       <p:ext uri="{BB962C8B-B14F-4D97-AF65-F5344CB8AC3E}">
-        <p14:creationId xmlns:p14="http://schemas.microsoft.com/office/powerpoint/2010/main" val="1378631781"/>
+        <p14:creationId xmlns:p14="http://schemas.microsoft.com/office/powerpoint/2010/main" val="3281887673"/>
       </p:ext>
     </p:extLst>
   </p:cSld>
@@ -34613,7 +34942,7 @@
 </p:sld>
 </file>
 
-<file path=ppt/slides/slide38.xml><?xml version="1.0" encoding="utf-8"?>
+<file path=ppt/slides/slide39.xml><?xml version="1.0" encoding="utf-8"?>
 <p:sld xmlns:a="http://schemas.openxmlformats.org/drawingml/2006/main" xmlns:r="http://schemas.openxmlformats.org/officeDocument/2006/relationships" xmlns:p="http://schemas.openxmlformats.org/presentationml/2006/main">
   <p:cSld>
     <p:spTree>
@@ -34699,7 +35028,7 @@
           <a:p>
             <a:fld id="{7ADDFCCE-7BFB-9F43-8A65-C6CBBDF8F088}" type="slidenum">
               <a:rPr lang="en-US" smtClean="0"/>
-              <a:t>38</a:t>
+              <a:t>39</a:t>
             </a:fld>
             <a:endParaRPr lang="en-US"/>
           </a:p>
@@ -34708,7 +35037,7 @@
     </p:spTree>
     <p:extLst>
       <p:ext uri="{BB962C8B-B14F-4D97-AF65-F5344CB8AC3E}">
-        <p14:creationId xmlns:p14="http://schemas.microsoft.com/office/powerpoint/2010/main" val="220871179"/>
+        <p14:creationId xmlns:p14="http://schemas.microsoft.com/office/powerpoint/2010/main" val="3873332105"/>
       </p:ext>
     </p:extLst>
   </p:cSld>
@@ -34726,7 +35055,109 @@
 </p:sld>
 </file>
 
-<file path=ppt/slides/slide39.xml><?xml version="1.0" encoding="utf-8"?>
+<file path=ppt/slides/slide4.xml><?xml version="1.0" encoding="utf-8"?>
+<p:sld xmlns:a="http://schemas.openxmlformats.org/drawingml/2006/main" xmlns:r="http://schemas.openxmlformats.org/officeDocument/2006/relationships" xmlns:p="http://schemas.openxmlformats.org/presentationml/2006/main">
+  <p:cSld>
+    <p:spTree>
+      <p:nvGrpSpPr>
+        <p:cNvPr id="1" name=""/>
+        <p:cNvGrpSpPr/>
+        <p:nvPr/>
+      </p:nvGrpSpPr>
+      <p:grpSpPr>
+        <a:xfrm>
+          <a:off x="0" y="0"/>
+          <a:ext cx="0" cy="0"/>
+          <a:chOff x="0" y="0"/>
+          <a:chExt cx="0" cy="0"/>
+        </a:xfrm>
+      </p:grpSpPr>
+      <p:sp>
+        <p:nvSpPr>
+          <p:cNvPr id="4" name="TextBox 3"/>
+          <p:cNvSpPr txBox="1"/>
+          <p:nvPr/>
+        </p:nvSpPr>
+        <p:spPr>
+          <a:xfrm>
+            <a:off x="405860" y="2169272"/>
+            <a:ext cx="11317826" cy="1938992"/>
+          </a:xfrm>
+          <a:prstGeom prst="rect">
+            <a:avLst/>
+          </a:prstGeom>
+          <a:noFill/>
+        </p:spPr>
+        <p:txBody>
+          <a:bodyPr wrap="square" rtlCol="0">
+            <a:spAutoFit/>
+          </a:bodyPr>
+          <a:lstStyle/>
+          <a:p>
+            <a:pPr algn="ctr"/>
+            <a:r>
+              <a:rPr lang="en-US" sz="4000" dirty="0"/>
+              <a:t>We want to build future-proof switch hardware:</a:t>
+            </a:r>
+          </a:p>
+          <a:p>
+            <a:pPr algn="ctr"/>
+            <a:endParaRPr lang="en-US" sz="4000" dirty="0"/>
+          </a:p>
+          <a:p>
+            <a:pPr algn="ctr"/>
+            <a:r>
+              <a:rPr lang="en-US" sz="4000" dirty="0"/>
+              <a:t>Language-directed hardware design</a:t>
+            </a:r>
+          </a:p>
+        </p:txBody>
+      </p:sp>
+      <p:sp>
+        <p:nvSpPr>
+          <p:cNvPr id="2" name="Slide Number Placeholder 1"/>
+          <p:cNvSpPr>
+            <a:spLocks noGrp="1"/>
+          </p:cNvSpPr>
+          <p:nvPr>
+            <p:ph type="sldNum" sz="quarter" idx="12"/>
+          </p:nvPr>
+        </p:nvSpPr>
+        <p:spPr/>
+        <p:txBody>
+          <a:bodyPr/>
+          <a:lstStyle/>
+          <a:p>
+            <a:fld id="{7ADDFCCE-7BFB-9F43-8A65-C6CBBDF8F088}" type="slidenum">
+              <a:rPr lang="en-US" smtClean="0"/>
+              <a:t>4</a:t>
+            </a:fld>
+            <a:endParaRPr lang="en-US"/>
+          </a:p>
+        </p:txBody>
+      </p:sp>
+    </p:spTree>
+    <p:extLst>
+      <p:ext uri="{BB962C8B-B14F-4D97-AF65-F5344CB8AC3E}">
+        <p14:creationId xmlns:p14="http://schemas.microsoft.com/office/powerpoint/2010/main" val="605997881"/>
+      </p:ext>
+    </p:extLst>
+  </p:cSld>
+  <p:clrMapOvr>
+    <a:masterClrMapping/>
+  </p:clrMapOvr>
+  <mc:AlternateContent xmlns:mc="http://schemas.openxmlformats.org/markup-compatibility/2006" xmlns:p14="http://schemas.microsoft.com/office/powerpoint/2010/main">
+    <mc:Choice Requires="p14">
+      <p:transition spd="slow" p14:dur="2000" advTm="21014"/>
+    </mc:Choice>
+    <mc:Fallback xmlns="">
+      <p:transition spd="slow" advTm="21014"/>
+    </mc:Fallback>
+  </mc:AlternateContent>
+</p:sld>
+</file>
+
+<file path=ppt/slides/slide40.xml><?xml version="1.0" encoding="utf-8"?>
 <p:sld xmlns:a="http://schemas.openxmlformats.org/drawingml/2006/main" xmlns:r="http://schemas.openxmlformats.org/officeDocument/2006/relationships" xmlns:p="http://schemas.openxmlformats.org/presentationml/2006/main">
   <p:cSld>
     <p:spTree>
@@ -34910,7 +35341,7 @@
           <a:p>
             <a:fld id="{7ADDFCCE-7BFB-9F43-8A65-C6CBBDF8F088}" type="slidenum">
               <a:rPr lang="en-US" smtClean="0"/>
-              <a:t>39</a:t>
+              <a:t>40</a:t>
             </a:fld>
             <a:endParaRPr lang="en-US" dirty="0"/>
           </a:p>
@@ -34994,7 +35425,7 @@
     </p:custDataLst>
     <p:extLst>
       <p:ext uri="{BB962C8B-B14F-4D97-AF65-F5344CB8AC3E}">
-        <p14:creationId xmlns:p14="http://schemas.microsoft.com/office/powerpoint/2010/main" val="1740921523"/>
+        <p14:creationId xmlns:p14="http://schemas.microsoft.com/office/powerpoint/2010/main" val="1740020908"/>
       </p:ext>
     </p:extLst>
   </p:cSld>
@@ -35090,109 +35521,7 @@
 </p:sld>
 </file>
 
-<file path=ppt/slides/slide4.xml><?xml version="1.0" encoding="utf-8"?>
-<p:sld xmlns:a="http://schemas.openxmlformats.org/drawingml/2006/main" xmlns:r="http://schemas.openxmlformats.org/officeDocument/2006/relationships" xmlns:p="http://schemas.openxmlformats.org/presentationml/2006/main">
-  <p:cSld>
-    <p:spTree>
-      <p:nvGrpSpPr>
-        <p:cNvPr id="1" name=""/>
-        <p:cNvGrpSpPr/>
-        <p:nvPr/>
-      </p:nvGrpSpPr>
-      <p:grpSpPr>
-        <a:xfrm>
-          <a:off x="0" y="0"/>
-          <a:ext cx="0" cy="0"/>
-          <a:chOff x="0" y="0"/>
-          <a:chExt cx="0" cy="0"/>
-        </a:xfrm>
-      </p:grpSpPr>
-      <p:sp>
-        <p:nvSpPr>
-          <p:cNvPr id="4" name="TextBox 3"/>
-          <p:cNvSpPr txBox="1"/>
-          <p:nvPr/>
-        </p:nvSpPr>
-        <p:spPr>
-          <a:xfrm>
-            <a:off x="405860" y="2169272"/>
-            <a:ext cx="11317826" cy="1938992"/>
-          </a:xfrm>
-          <a:prstGeom prst="rect">
-            <a:avLst/>
-          </a:prstGeom>
-          <a:noFill/>
-        </p:spPr>
-        <p:txBody>
-          <a:bodyPr wrap="square" rtlCol="0">
-            <a:spAutoFit/>
-          </a:bodyPr>
-          <a:lstStyle/>
-          <a:p>
-            <a:pPr algn="ctr"/>
-            <a:r>
-              <a:rPr lang="en-US" sz="4000" dirty="0"/>
-              <a:t>We want to build future-proof switch hardware:</a:t>
-            </a:r>
-          </a:p>
-          <a:p>
-            <a:pPr algn="ctr"/>
-            <a:endParaRPr lang="en-US" sz="4000" dirty="0"/>
-          </a:p>
-          <a:p>
-            <a:pPr algn="ctr"/>
-            <a:r>
-              <a:rPr lang="en-US" sz="4000" dirty="0"/>
-              <a:t>Language-directed hardware design</a:t>
-            </a:r>
-          </a:p>
-        </p:txBody>
-      </p:sp>
-      <p:sp>
-        <p:nvSpPr>
-          <p:cNvPr id="2" name="Slide Number Placeholder 1"/>
-          <p:cNvSpPr>
-            <a:spLocks noGrp="1"/>
-          </p:cNvSpPr>
-          <p:nvPr>
-            <p:ph type="sldNum" sz="quarter" idx="12"/>
-          </p:nvPr>
-        </p:nvSpPr>
-        <p:spPr/>
-        <p:txBody>
-          <a:bodyPr/>
-          <a:lstStyle/>
-          <a:p>
-            <a:fld id="{7ADDFCCE-7BFB-9F43-8A65-C6CBBDF8F088}" type="slidenum">
-              <a:rPr lang="en-US" smtClean="0"/>
-              <a:t>4</a:t>
-            </a:fld>
-            <a:endParaRPr lang="en-US"/>
-          </a:p>
-        </p:txBody>
-      </p:sp>
-    </p:spTree>
-    <p:extLst>
-      <p:ext uri="{BB962C8B-B14F-4D97-AF65-F5344CB8AC3E}">
-        <p14:creationId xmlns:p14="http://schemas.microsoft.com/office/powerpoint/2010/main" val="605997881"/>
-      </p:ext>
-    </p:extLst>
-  </p:cSld>
-  <p:clrMapOvr>
-    <a:masterClrMapping/>
-  </p:clrMapOvr>
-  <mc:AlternateContent xmlns:mc="http://schemas.openxmlformats.org/markup-compatibility/2006" xmlns:p14="http://schemas.microsoft.com/office/powerpoint/2010/main">
-    <mc:Choice Requires="p14">
-      <p:transition spd="slow" p14:dur="2000" advTm="21014"/>
-    </mc:Choice>
-    <mc:Fallback xmlns="">
-      <p:transition spd="slow" advTm="21014"/>
-    </mc:Fallback>
-  </mc:AlternateContent>
-</p:sld>
-</file>
-
-<file path=ppt/slides/slide40.xml><?xml version="1.0" encoding="utf-8"?>
+<file path=ppt/slides/slide41.xml><?xml version="1.0" encoding="utf-8"?>
 <p:sld xmlns:a="http://schemas.openxmlformats.org/drawingml/2006/main" xmlns:r="http://schemas.openxmlformats.org/officeDocument/2006/relationships" xmlns:p="http://schemas.openxmlformats.org/presentationml/2006/main">
   <p:cSld>
     <p:spTree>
@@ -35361,7 +35690,7 @@
           <a:p>
             <a:fld id="{7ADDFCCE-7BFB-9F43-8A65-C6CBBDF8F088}" type="slidenum">
               <a:rPr lang="en-US" smtClean="0"/>
-              <a:t>40</a:t>
+              <a:t>41</a:t>
             </a:fld>
             <a:endParaRPr lang="en-US"/>
           </a:p>
@@ -35442,7 +35771,7 @@
     </p:spTree>
     <p:extLst>
       <p:ext uri="{BB962C8B-B14F-4D97-AF65-F5344CB8AC3E}">
-        <p14:creationId xmlns:p14="http://schemas.microsoft.com/office/powerpoint/2010/main" val="1625914072"/>
+        <p14:creationId xmlns:p14="http://schemas.microsoft.com/office/powerpoint/2010/main" val="472843973"/>
       </p:ext>
     </p:extLst>
   </p:cSld>
@@ -35455,159 +35784,6 @@
     </mc:Choice>
     <mc:Fallback xmlns="">
       <p:transition spd="slow" advTm="32470"/>
-    </mc:Fallback>
-  </mc:AlternateContent>
-</p:sld>
-</file>
-
-<file path=ppt/slides/slide41.xml><?xml version="1.0" encoding="utf-8"?>
-<p:sld xmlns:a="http://schemas.openxmlformats.org/drawingml/2006/main" xmlns:r="http://schemas.openxmlformats.org/officeDocument/2006/relationships" xmlns:p="http://schemas.openxmlformats.org/presentationml/2006/main">
-  <p:cSld>
-    <p:spTree>
-      <p:nvGrpSpPr>
-        <p:cNvPr id="1" name=""/>
-        <p:cNvGrpSpPr/>
-        <p:nvPr/>
-      </p:nvGrpSpPr>
-      <p:grpSpPr>
-        <a:xfrm>
-          <a:off x="0" y="0"/>
-          <a:ext cx="0" cy="0"/>
-          <a:chOff x="0" y="0"/>
-          <a:chExt cx="0" cy="0"/>
-        </a:xfrm>
-      </p:grpSpPr>
-      <p:sp>
-        <p:nvSpPr>
-          <p:cNvPr id="2" name="Title 1"/>
-          <p:cNvSpPr>
-            <a:spLocks noGrp="1"/>
-          </p:cNvSpPr>
-          <p:nvPr>
-            <p:ph type="title"/>
-          </p:nvPr>
-        </p:nvSpPr>
-        <p:spPr/>
-        <p:txBody>
-          <a:bodyPr/>
-          <a:lstStyle/>
-          <a:p>
-            <a:r>
-              <a:rPr lang="en-US" dirty="0"/>
-              <a:t>Summary</a:t>
-            </a:r>
-          </a:p>
-        </p:txBody>
-      </p:sp>
-      <p:sp>
-        <p:nvSpPr>
-          <p:cNvPr id="3" name="Content Placeholder 2"/>
-          <p:cNvSpPr>
-            <a:spLocks noGrp="1"/>
-          </p:cNvSpPr>
-          <p:nvPr>
-            <p:ph idx="1"/>
-          </p:nvPr>
-        </p:nvSpPr>
-        <p:spPr>
-          <a:xfrm>
-            <a:off x="838200" y="1825625"/>
-            <a:ext cx="11201400" cy="4710642"/>
-          </a:xfrm>
-        </p:spPr>
-        <p:txBody>
-          <a:bodyPr>
-            <a:normAutofit/>
-          </a:bodyPr>
-          <a:lstStyle/>
-          <a:p>
-            <a:r>
-              <a:rPr lang="en-US" dirty="0"/>
-              <a:t>Query language for network performance monitoring</a:t>
-            </a:r>
-          </a:p>
-          <a:p>
-            <a:r>
-              <a:rPr lang="en-US" dirty="0"/>
-              <a:t>Hardware design to support query language</a:t>
-            </a:r>
-          </a:p>
-          <a:p>
-            <a:r>
-              <a:rPr lang="en-US" dirty="0">
-                <a:solidFill>
-                  <a:srgbClr val="A31E34"/>
-                </a:solidFill>
-              </a:rPr>
-              <a:t>Paper and code available at http://</a:t>
-            </a:r>
-            <a:r>
-              <a:rPr lang="en-US" dirty="0" err="1">
-                <a:solidFill>
-                  <a:srgbClr val="A31E34"/>
-                </a:solidFill>
-              </a:rPr>
-              <a:t>web.mit.edu</a:t>
-            </a:r>
-            <a:r>
-              <a:rPr lang="en-US" dirty="0">
-                <a:solidFill>
-                  <a:srgbClr val="A31E34"/>
-                </a:solidFill>
-              </a:rPr>
-              <a:t>/</a:t>
-            </a:r>
-            <a:r>
-              <a:rPr lang="en-US" dirty="0" err="1">
-                <a:solidFill>
-                  <a:srgbClr val="A31E34"/>
-                </a:solidFill>
-              </a:rPr>
-              <a:t>marple</a:t>
-            </a:r>
-            <a:endParaRPr lang="en-US" dirty="0">
-              <a:solidFill>
-                <a:srgbClr val="A31E34"/>
-              </a:solidFill>
-            </a:endParaRPr>
-          </a:p>
-          <a:p>
-            <a:endParaRPr lang="en-US" dirty="0">
-              <a:solidFill>
-                <a:srgbClr val="C00000"/>
-              </a:solidFill>
-            </a:endParaRPr>
-          </a:p>
-          <a:p>
-            <a:pPr marL="0" indent="0" algn="ctr">
-              <a:buNone/>
-            </a:pPr>
-            <a:endParaRPr lang="en-US" dirty="0"/>
-          </a:p>
-          <a:p>
-            <a:endParaRPr lang="en-US" dirty="0"/>
-          </a:p>
-        </p:txBody>
-      </p:sp>
-    </p:spTree>
-    <p:custDataLst>
-      <p:tags r:id="rId1"/>
-    </p:custDataLst>
-    <p:extLst>
-      <p:ext uri="{BB962C8B-B14F-4D97-AF65-F5344CB8AC3E}">
-        <p14:creationId xmlns:p14="http://schemas.microsoft.com/office/powerpoint/2010/main" val="417757982"/>
-      </p:ext>
-    </p:extLst>
-  </p:cSld>
-  <p:clrMapOvr>
-    <a:masterClrMapping/>
-  </p:clrMapOvr>
-  <mc:AlternateContent xmlns:mc="http://schemas.openxmlformats.org/markup-compatibility/2006" xmlns:p14="http://schemas.microsoft.com/office/powerpoint/2010/main">
-    <mc:Choice Requires="p14">
-      <p:transition spd="slow" p14:dur="2000" advTm="48667"/>
-    </mc:Choice>
-    <mc:Fallback xmlns="">
-      <p:transition spd="slow" advTm="48667"/>
     </mc:Fallback>
   </mc:AlternateContent>
 </p:sld>
@@ -37833,7 +38009,7 @@
           <a:p>
             <a:r>
               <a:rPr lang="en-US" dirty="0"/>
-              <a:t>Marple: Performance query language</a:t>
+              <a:t>Marple: Streams</a:t>
             </a:r>
           </a:p>
         </p:txBody>
@@ -37848,7 +38024,12 @@
             <p:ph idx="1"/>
           </p:nvPr>
         </p:nvSpPr>
-        <p:spPr/>
+        <p:spPr>
+          <a:xfrm>
+            <a:off x="838200" y="1825625"/>
+            <a:ext cx="10515600" cy="4351338"/>
+          </a:xfrm>
+        </p:spPr>
         <p:txBody>
           <a:bodyPr/>
           <a:lstStyle/>
@@ -37858,23 +38039,7 @@
             </a:pPr>
             <a:r>
               <a:rPr lang="en-US" dirty="0"/>
-              <a:t>Stream: For </a:t>
-            </a:r>
-            <a:r>
-              <a:rPr lang="en-US" i="1" dirty="0"/>
-              <a:t>each </a:t>
-            </a:r>
-            <a:r>
-              <a:rPr lang="en-US" dirty="0"/>
-              <a:t>packet at </a:t>
-            </a:r>
-            <a:r>
-              <a:rPr lang="en-US" i="1" dirty="0"/>
-              <a:t>each </a:t>
-            </a:r>
-            <a:r>
-              <a:rPr lang="en-US" dirty="0"/>
-              <a:t>queue,</a:t>
+              <a:t>Core language construct: streams of tuples</a:t>
             </a:r>
           </a:p>
           <a:p>
@@ -37895,7 +38060,20 @@
                 <a:ea typeface="Ayuthaya" charset="-34"/>
                 <a:cs typeface="Ayuthaya" charset="-34"/>
               </a:rPr>
-              <a:t>S:= (switch, </a:t>
+              <a:t>INPUT PACKET STREAM:= </a:t>
+            </a:r>
+          </a:p>
+          <a:p>
+            <a:pPr marL="457200" lvl="1" indent="0" algn="ctr">
+              <a:buNone/>
+            </a:pPr>
+            <a:r>
+              <a:rPr lang="en-US" sz="2800" dirty="0">
+                <a:latin typeface="Ayuthaya" charset="-34"/>
+                <a:ea typeface="Ayuthaya" charset="-34"/>
+                <a:cs typeface="Ayuthaya" charset="-34"/>
+              </a:rPr>
+              <a:t>    (switch, </a:t>
             </a:r>
             <a:r>
               <a:rPr lang="en-US" sz="2800" dirty="0" err="1">
@@ -37975,7 +38153,7 @@
         </p:nvSpPr>
         <p:spPr>
           <a:xfrm>
-            <a:off x="804333" y="4350802"/>
+            <a:off x="1220620" y="4926814"/>
             <a:ext cx="1982492" cy="523220"/>
           </a:xfrm>
           <a:prstGeom prst="rect">
@@ -38004,7 +38182,7 @@
         </p:nvSpPr>
         <p:spPr>
           <a:xfrm>
-            <a:off x="2971512" y="4350802"/>
+            <a:off x="3510171" y="4924992"/>
             <a:ext cx="2326037" cy="954107"/>
           </a:xfrm>
           <a:prstGeom prst="rect">
@@ -38033,7 +38211,7 @@
         </p:nvSpPr>
         <p:spPr>
           <a:xfrm>
-            <a:off x="5541646" y="4321159"/>
+            <a:off x="5781962" y="4924988"/>
             <a:ext cx="2933056" cy="954107"/>
           </a:xfrm>
           <a:prstGeom prst="rect">
@@ -38062,7 +38240,7 @@
         </p:nvSpPr>
         <p:spPr>
           <a:xfrm>
-            <a:off x="8571564" y="4321158"/>
+            <a:off x="9060105" y="4924987"/>
             <a:ext cx="2933056" cy="954107"/>
           </a:xfrm>
           <a:prstGeom prst="rect">
@@ -38091,7 +38269,7 @@
         </p:nvSpPr>
         <p:spPr>
           <a:xfrm rot="5400000">
-            <a:off x="3456530" y="2107425"/>
+            <a:off x="3545738" y="2821099"/>
             <a:ext cx="462748" cy="2506373"/>
           </a:xfrm>
           <a:prstGeom prst="rightBrace">
@@ -38134,7 +38312,7 @@
         </p:nvSpPr>
         <p:spPr>
           <a:xfrm rot="5400000">
-            <a:off x="5989477" y="2284103"/>
+            <a:off x="6078685" y="2997777"/>
             <a:ext cx="431220" cy="2121496"/>
           </a:xfrm>
           <a:prstGeom prst="rightBrace">
@@ -38177,7 +38355,7 @@
         </p:nvSpPr>
         <p:spPr>
           <a:xfrm rot="5400000">
-            <a:off x="8435627" y="2284099"/>
+            <a:off x="8524835" y="2997773"/>
             <a:ext cx="431220" cy="2121496"/>
           </a:xfrm>
           <a:prstGeom prst="rightBrace">
@@ -38220,7 +38398,7 @@
         </p:nvCxnSpPr>
         <p:spPr>
           <a:xfrm flipH="1">
-            <a:off x="2434718" y="3544959"/>
+            <a:off x="2523926" y="4258633"/>
             <a:ext cx="1253187" cy="666359"/>
           </a:xfrm>
           <a:prstGeom prst="straightConnector1">
@@ -38256,7 +38434,7 @@
         </p:nvCxnSpPr>
         <p:spPr>
           <a:xfrm flipH="1">
-            <a:off x="4583982" y="3560457"/>
+            <a:off x="4673190" y="4274131"/>
             <a:ext cx="1631439" cy="790345"/>
           </a:xfrm>
           <a:prstGeom prst="straightConnector1">
@@ -38292,7 +38470,7 @@
         </p:nvCxnSpPr>
         <p:spPr>
           <a:xfrm flipH="1">
-            <a:off x="7590489" y="3515317"/>
+            <a:off x="7679697" y="4228991"/>
             <a:ext cx="1068176" cy="759275"/>
           </a:xfrm>
           <a:prstGeom prst="straightConnector1">
@@ -38328,7 +38506,7 @@
         </p:nvCxnSpPr>
         <p:spPr>
           <a:xfrm flipH="1">
-            <a:off x="10164018" y="3174460"/>
+            <a:off x="10565458" y="3888134"/>
             <a:ext cx="326" cy="1100131"/>
           </a:xfrm>
           <a:prstGeom prst="straightConnector1">
@@ -38436,7 +38614,7 @@
                                         <p:tgtEl>
                                           <p:spTgt spid="3">
                                             <p:txEl>
-                                              <p:pRg st="2" end="2"/>
+                                              <p:pRg st="0" end="0"/>
                                             </p:txEl>
                                           </p:spTgt>
                                         </p:tgtEl>
@@ -38470,7 +38648,7 @@
                             </p:stCondLst>
                             <p:childTnLst>
                               <p:par>
-                                <p:cTn id="9" presetID="1" presetClass="entr" presetSubtype="0" fill="hold" grpId="0" nodeType="clickEffect">
+                                <p:cTn id="9" presetID="1" presetClass="entr" presetSubtype="0" fill="hold" nodeType="clickEffect">
                                   <p:stCondLst>
                                     <p:cond delay="0"/>
                                   </p:stCondLst>
@@ -38483,7 +38661,11 @@
                                           </p:stCondLst>
                                         </p:cTn>
                                         <p:tgtEl>
-                                          <p:spTgt spid="8"/>
+                                          <p:spTgt spid="3">
+                                            <p:txEl>
+                                              <p:pRg st="2" end="2"/>
+                                            </p:txEl>
+                                          </p:spTgt>
                                         </p:tgtEl>
                                         <p:attrNameLst>
                                           <p:attrName>style.visibility</p:attrName>
@@ -38496,35 +38678,26 @@
                                   </p:childTnLst>
                                 </p:cTn>
                               </p:par>
+                            </p:childTnLst>
+                          </p:cTn>
+                        </p:par>
+                      </p:childTnLst>
+                    </p:cTn>
+                  </p:par>
+                  <p:par>
+                    <p:cTn id="11" fill="hold">
+                      <p:stCondLst>
+                        <p:cond delay="indefinite"/>
+                      </p:stCondLst>
+                      <p:childTnLst>
+                        <p:par>
+                          <p:cTn id="12" fill="hold">
+                            <p:stCondLst>
+                              <p:cond delay="0"/>
+                            </p:stCondLst>
+                            <p:childTnLst>
                               <p:par>
-                                <p:cTn id="11" presetID="1" presetClass="entr" presetSubtype="0" fill="hold" nodeType="withEffect">
-                                  <p:stCondLst>
-                                    <p:cond delay="0"/>
-                                  </p:stCondLst>
-                                  <p:childTnLst>
-                                    <p:set>
-                                      <p:cBhvr>
-                                        <p:cTn id="12" dur="1" fill="hold">
-                                          <p:stCondLst>
-                                            <p:cond delay="0"/>
-                                          </p:stCondLst>
-                                        </p:cTn>
-                                        <p:tgtEl>
-                                          <p:spTgt spid="12"/>
-                                        </p:tgtEl>
-                                        <p:attrNameLst>
-                                          <p:attrName>style.visibility</p:attrName>
-                                        </p:attrNameLst>
-                                      </p:cBhvr>
-                                      <p:to>
-                                        <p:strVal val="visible"/>
-                                      </p:to>
-                                    </p:set>
-                                  </p:childTnLst>
-                                </p:cTn>
-                              </p:par>
-                              <p:par>
-                                <p:cTn id="13" presetID="1" presetClass="entr" presetSubtype="0" fill="hold" grpId="0" nodeType="withEffect">
+                                <p:cTn id="13" presetID="1" presetClass="entr" presetSubtype="0" fill="hold" nodeType="clickEffect">
                                   <p:stCondLst>
                                     <p:cond delay="0"/>
                                   </p:stCondLst>
@@ -38537,7 +38710,11 @@
                                           </p:stCondLst>
                                         </p:cTn>
                                         <p:tgtEl>
-                                          <p:spTgt spid="4"/>
+                                          <p:spTgt spid="3">
+                                            <p:txEl>
+                                              <p:pRg st="3" end="3"/>
+                                            </p:txEl>
+                                          </p:spTgt>
                                         </p:tgtEl>
                                         <p:attrNameLst>
                                           <p:attrName>style.visibility</p:attrName>
@@ -38569,7 +38746,7 @@
                             </p:stCondLst>
                             <p:childTnLst>
                               <p:par>
-                                <p:cTn id="17" presetID="1" presetClass="entr" presetSubtype="0" fill="hold" nodeType="clickEffect">
+                                <p:cTn id="17" presetID="1" presetClass="entr" presetSubtype="0" fill="hold" grpId="0" nodeType="clickEffect">
                                   <p:stCondLst>
                                     <p:cond delay="0"/>
                                   </p:stCondLst>
@@ -38582,7 +38759,7 @@
                                           </p:stCondLst>
                                         </p:cTn>
                                         <p:tgtEl>
-                                          <p:spTgt spid="13"/>
+                                          <p:spTgt spid="8"/>
                                         </p:tgtEl>
                                         <p:attrNameLst>
                                           <p:attrName>style.visibility</p:attrName>
@@ -38596,7 +38773,7 @@
                                 </p:cTn>
                               </p:par>
                               <p:par>
-                                <p:cTn id="19" presetID="1" presetClass="entr" presetSubtype="0" fill="hold" grpId="0" nodeType="withEffect">
+                                <p:cTn id="19" presetID="1" presetClass="entr" presetSubtype="0" fill="hold" nodeType="withEffect">
                                   <p:stCondLst>
                                     <p:cond delay="0"/>
                                   </p:stCondLst>
@@ -38609,7 +38786,7 @@
                                           </p:stCondLst>
                                         </p:cTn>
                                         <p:tgtEl>
-                                          <p:spTgt spid="9"/>
+                                          <p:spTgt spid="12"/>
                                         </p:tgtEl>
                                         <p:attrNameLst>
                                           <p:attrName>style.visibility</p:attrName>
@@ -38636,7 +38813,7 @@
                                           </p:stCondLst>
                                         </p:cTn>
                                         <p:tgtEl>
-                                          <p:spTgt spid="5"/>
+                                          <p:spTgt spid="4"/>
                                         </p:tgtEl>
                                         <p:attrNameLst>
                                           <p:attrName>style.visibility</p:attrName>
@@ -38668,7 +38845,7 @@
                             </p:stCondLst>
                             <p:childTnLst>
                               <p:par>
-                                <p:cTn id="25" presetID="1" presetClass="entr" presetSubtype="0" fill="hold" grpId="0" nodeType="clickEffect">
+                                <p:cTn id="25" presetID="1" presetClass="entr" presetSubtype="0" fill="hold" nodeType="clickEffect">
                                   <p:stCondLst>
                                     <p:cond delay="0"/>
                                   </p:stCondLst>
@@ -38681,7 +38858,7 @@
                                           </p:stCondLst>
                                         </p:cTn>
                                         <p:tgtEl>
-                                          <p:spTgt spid="10"/>
+                                          <p:spTgt spid="13"/>
                                         </p:tgtEl>
                                         <p:attrNameLst>
                                           <p:attrName>style.visibility</p:attrName>
@@ -38695,7 +38872,7 @@
                                 </p:cTn>
                               </p:par>
                               <p:par>
-                                <p:cTn id="27" presetID="1" presetClass="entr" presetSubtype="0" fill="hold" nodeType="withEffect">
+                                <p:cTn id="27" presetID="1" presetClass="entr" presetSubtype="0" fill="hold" grpId="0" nodeType="withEffect">
                                   <p:stCondLst>
                                     <p:cond delay="0"/>
                                   </p:stCondLst>
@@ -38708,7 +38885,7 @@
                                           </p:stCondLst>
                                         </p:cTn>
                                         <p:tgtEl>
-                                          <p:spTgt spid="15"/>
+                                          <p:spTgt spid="9"/>
                                         </p:tgtEl>
                                         <p:attrNameLst>
                                           <p:attrName>style.visibility</p:attrName>
@@ -38735,7 +38912,7 @@
                                           </p:stCondLst>
                                         </p:cTn>
                                         <p:tgtEl>
-                                          <p:spTgt spid="6"/>
+                                          <p:spTgt spid="5"/>
                                         </p:tgtEl>
                                         <p:attrNameLst>
                                           <p:attrName>style.visibility</p:attrName>
@@ -38767,7 +38944,7 @@
                             </p:stCondLst>
                             <p:childTnLst>
                               <p:par>
-                                <p:cTn id="33" presetID="1" presetClass="entr" presetSubtype="0" fill="hold" nodeType="clickEffect">
+                                <p:cTn id="33" presetID="1" presetClass="entr" presetSubtype="0" fill="hold" grpId="0" nodeType="clickEffect">
                                   <p:stCondLst>
                                     <p:cond delay="0"/>
                                   </p:stCondLst>
@@ -38775,6 +38952,105 @@
                                     <p:set>
                                       <p:cBhvr>
                                         <p:cTn id="34" dur="1" fill="hold">
+                                          <p:stCondLst>
+                                            <p:cond delay="0"/>
+                                          </p:stCondLst>
+                                        </p:cTn>
+                                        <p:tgtEl>
+                                          <p:spTgt spid="10"/>
+                                        </p:tgtEl>
+                                        <p:attrNameLst>
+                                          <p:attrName>style.visibility</p:attrName>
+                                        </p:attrNameLst>
+                                      </p:cBhvr>
+                                      <p:to>
+                                        <p:strVal val="visible"/>
+                                      </p:to>
+                                    </p:set>
+                                  </p:childTnLst>
+                                </p:cTn>
+                              </p:par>
+                              <p:par>
+                                <p:cTn id="35" presetID="1" presetClass="entr" presetSubtype="0" fill="hold" nodeType="withEffect">
+                                  <p:stCondLst>
+                                    <p:cond delay="0"/>
+                                  </p:stCondLst>
+                                  <p:childTnLst>
+                                    <p:set>
+                                      <p:cBhvr>
+                                        <p:cTn id="36" dur="1" fill="hold">
+                                          <p:stCondLst>
+                                            <p:cond delay="0"/>
+                                          </p:stCondLst>
+                                        </p:cTn>
+                                        <p:tgtEl>
+                                          <p:spTgt spid="15"/>
+                                        </p:tgtEl>
+                                        <p:attrNameLst>
+                                          <p:attrName>style.visibility</p:attrName>
+                                        </p:attrNameLst>
+                                      </p:cBhvr>
+                                      <p:to>
+                                        <p:strVal val="visible"/>
+                                      </p:to>
+                                    </p:set>
+                                  </p:childTnLst>
+                                </p:cTn>
+                              </p:par>
+                              <p:par>
+                                <p:cTn id="37" presetID="1" presetClass="entr" presetSubtype="0" fill="hold" grpId="0" nodeType="withEffect">
+                                  <p:stCondLst>
+                                    <p:cond delay="0"/>
+                                  </p:stCondLst>
+                                  <p:childTnLst>
+                                    <p:set>
+                                      <p:cBhvr>
+                                        <p:cTn id="38" dur="1" fill="hold">
+                                          <p:stCondLst>
+                                            <p:cond delay="0"/>
+                                          </p:stCondLst>
+                                        </p:cTn>
+                                        <p:tgtEl>
+                                          <p:spTgt spid="6"/>
+                                        </p:tgtEl>
+                                        <p:attrNameLst>
+                                          <p:attrName>style.visibility</p:attrName>
+                                        </p:attrNameLst>
+                                      </p:cBhvr>
+                                      <p:to>
+                                        <p:strVal val="visible"/>
+                                      </p:to>
+                                    </p:set>
+                                  </p:childTnLst>
+                                </p:cTn>
+                              </p:par>
+                            </p:childTnLst>
+                          </p:cTn>
+                        </p:par>
+                      </p:childTnLst>
+                    </p:cTn>
+                  </p:par>
+                  <p:par>
+                    <p:cTn id="39" fill="hold">
+                      <p:stCondLst>
+                        <p:cond delay="indefinite"/>
+                      </p:stCondLst>
+                      <p:childTnLst>
+                        <p:par>
+                          <p:cTn id="40" fill="hold">
+                            <p:stCondLst>
+                              <p:cond delay="0"/>
+                            </p:stCondLst>
+                            <p:childTnLst>
+                              <p:par>
+                                <p:cTn id="41" presetID="1" presetClass="entr" presetSubtype="0" fill="hold" nodeType="clickEffect">
+                                  <p:stCondLst>
+                                    <p:cond delay="0"/>
+                                  </p:stCondLst>
+                                  <p:childTnLst>
+                                    <p:set>
+                                      <p:cBhvr>
+                                        <p:cTn id="42" dur="1" fill="hold">
                                           <p:stCondLst>
                                             <p:cond delay="0"/>
                                           </p:stCondLst>
@@ -38794,14 +39070,14 @@
                                 </p:cTn>
                               </p:par>
                               <p:par>
-                                <p:cTn id="35" presetID="1" presetClass="entr" presetSubtype="0" fill="hold" grpId="0" nodeType="withEffect">
+                                <p:cTn id="43" presetID="1" presetClass="entr" presetSubtype="0" fill="hold" grpId="0" nodeType="withEffect">
                                   <p:stCondLst>
                                     <p:cond delay="0"/>
                                   </p:stCondLst>
                                   <p:childTnLst>
                                     <p:set>
                                       <p:cBhvr>
-                                        <p:cTn id="36" dur="1" fill="hold">
+                                        <p:cTn id="44" dur="1" fill="hold">
                                           <p:stCondLst>
                                             <p:cond delay="0"/>
                                           </p:stCondLst>
@@ -38922,7 +39198,7 @@
 
 <file path=ppt/tags/tag19.xml><?xml version="1.0" encoding="utf-8"?>
 <p:tagLst xmlns:a="http://schemas.openxmlformats.org/drawingml/2006/main" xmlns:r="http://schemas.openxmlformats.org/officeDocument/2006/relationships" xmlns:p="http://schemas.openxmlformats.org/presentationml/2006/main">
-  <p:tag name="TIMING" val="|6.7"/>
+  <p:tag name="TIMING" val="|27.8|3.9|10.8"/>
 </p:tagLst>
 </file>
 
@@ -38934,19 +39210,19 @@
 
 <file path=ppt/tags/tag20.xml><?xml version="1.0" encoding="utf-8"?>
 <p:tagLst xmlns:a="http://schemas.openxmlformats.org/drawingml/2006/main" xmlns:r="http://schemas.openxmlformats.org/officeDocument/2006/relationships" xmlns:p="http://schemas.openxmlformats.org/presentationml/2006/main">
-  <p:tag name="TIMING" val="|3.6|38"/>
+  <p:tag name="TIMING" val="|6.7"/>
 </p:tagLst>
 </file>
 
 <file path=ppt/tags/tag21.xml><?xml version="1.0" encoding="utf-8"?>
 <p:tagLst xmlns:a="http://schemas.openxmlformats.org/drawingml/2006/main" xmlns:r="http://schemas.openxmlformats.org/officeDocument/2006/relationships" xmlns:p="http://schemas.openxmlformats.org/presentationml/2006/main">
-  <p:tag name="TIMING" val="|2.5"/>
+  <p:tag name="TIMING" val="|3.6|38"/>
 </p:tagLst>
 </file>
 
 <file path=ppt/tags/tag22.xml><?xml version="1.0" encoding="utf-8"?>
 <p:tagLst xmlns:a="http://schemas.openxmlformats.org/drawingml/2006/main" xmlns:r="http://schemas.openxmlformats.org/officeDocument/2006/relationships" xmlns:p="http://schemas.openxmlformats.org/presentationml/2006/main">
-  <p:tag name="TIMING" val="|27.8|3.9|10.8"/>
+  <p:tag name="TIMING" val="|2.5"/>
 </p:tagLst>
 </file>
 

--- a/marple.pptx
+++ b/marple.pptx
@@ -5,7 +5,7 @@
     <p:sldMasterId id="2147483648" r:id="rId1"/>
   </p:sldMasterIdLst>
   <p:notesMasterIdLst>
-    <p:notesMasterId r:id="rId43"/>
+    <p:notesMasterId r:id="rId42"/>
   </p:notesMasterIdLst>
   <p:sldIdLst>
     <p:sldId id="256" r:id="rId2"/>
@@ -24,31 +24,30 @@
     <p:sldId id="545" r:id="rId15"/>
     <p:sldId id="538" r:id="rId16"/>
     <p:sldId id="537" r:id="rId17"/>
-    <p:sldId id="539" r:id="rId18"/>
-    <p:sldId id="566" r:id="rId19"/>
-    <p:sldId id="567" r:id="rId20"/>
-    <p:sldId id="605" r:id="rId21"/>
-    <p:sldId id="608" r:id="rId22"/>
-    <p:sldId id="609" r:id="rId23"/>
-    <p:sldId id="610" r:id="rId24"/>
-    <p:sldId id="611" r:id="rId25"/>
-    <p:sldId id="612" r:id="rId26"/>
-    <p:sldId id="613" r:id="rId27"/>
-    <p:sldId id="614" r:id="rId28"/>
-    <p:sldId id="615" r:id="rId29"/>
-    <p:sldId id="617" r:id="rId30"/>
-    <p:sldId id="618" r:id="rId31"/>
-    <p:sldId id="619" r:id="rId32"/>
-    <p:sldId id="621" r:id="rId33"/>
-    <p:sldId id="622" r:id="rId34"/>
-    <p:sldId id="634" r:id="rId35"/>
-    <p:sldId id="624" r:id="rId36"/>
-    <p:sldId id="305" r:id="rId37"/>
-    <p:sldId id="580" r:id="rId38"/>
-    <p:sldId id="347" r:id="rId39"/>
-    <p:sldId id="500" r:id="rId40"/>
-    <p:sldId id="501" r:id="rId41"/>
-    <p:sldId id="581" r:id="rId42"/>
+    <p:sldId id="566" r:id="rId18"/>
+    <p:sldId id="567" r:id="rId19"/>
+    <p:sldId id="605" r:id="rId20"/>
+    <p:sldId id="608" r:id="rId21"/>
+    <p:sldId id="609" r:id="rId22"/>
+    <p:sldId id="610" r:id="rId23"/>
+    <p:sldId id="611" r:id="rId24"/>
+    <p:sldId id="612" r:id="rId25"/>
+    <p:sldId id="613" r:id="rId26"/>
+    <p:sldId id="614" r:id="rId27"/>
+    <p:sldId id="615" r:id="rId28"/>
+    <p:sldId id="617" r:id="rId29"/>
+    <p:sldId id="618" r:id="rId30"/>
+    <p:sldId id="619" r:id="rId31"/>
+    <p:sldId id="621" r:id="rId32"/>
+    <p:sldId id="622" r:id="rId33"/>
+    <p:sldId id="634" r:id="rId34"/>
+    <p:sldId id="624" r:id="rId35"/>
+    <p:sldId id="305" r:id="rId36"/>
+    <p:sldId id="580" r:id="rId37"/>
+    <p:sldId id="347" r:id="rId38"/>
+    <p:sldId id="500" r:id="rId39"/>
+    <p:sldId id="501" r:id="rId40"/>
+    <p:sldId id="581" r:id="rId41"/>
   </p:sldIdLst>
   <p:sldSz cx="12192000" cy="6858000"/>
   <p:notesSz cx="6858000" cy="9144000"/>
@@ -1399,7 +1398,7 @@
           <a:p>
             <a:r>
               <a:rPr lang="en-US" dirty="0"/>
-              <a:t>So now let’s turn to the Marple language construct </a:t>
+              <a:t>Let’s look at the EWMA </a:t>
             </a:r>
             <a:r>
               <a:rPr lang="en-US" dirty="0" err="1"/>
@@ -1407,7 +1406,31 @@
             </a:r>
             <a:r>
               <a:rPr lang="en-US" dirty="0"/>
-              <a:t>. Unlike the previous constructs, the </a:t>
+              <a:t> query to understand the challenges involved in implementing </a:t>
+            </a:r>
+            <a:r>
+              <a:rPr lang="en-US" dirty="0" err="1"/>
+              <a:t>groupbys</a:t>
+            </a:r>
+            <a:r>
+              <a:rPr lang="en-US" dirty="0"/>
+              <a:t> efficiently in switch hardware. This query needs to do two things: it needs to be fast so that it can compute and update the </a:t>
+            </a:r>
+            <a:r>
+              <a:rPr lang="en-US" dirty="0" err="1"/>
+              <a:t>ewma</a:t>
+            </a:r>
+            <a:r>
+              <a:rPr lang="en-US" dirty="0"/>
+              <a:t> value </a:t>
+            </a:r>
+            <a:r>
+              <a:rPr lang="en-US" dirty="0" err="1"/>
+              <a:t>avg</a:t>
+            </a:r>
+            <a:r>
+              <a:rPr lang="en-US" dirty="0"/>
+              <a:t> every packet, which is roughly every ns on high-end switches today. It also needs to have sufficient space to store a large number of </a:t>
             </a:r>
             <a:r>
               <a:rPr lang="en-US" dirty="0" err="1"/>
@@ -1415,7 +1438,23 @@
             </a:r>
             <a:r>
               <a:rPr lang="en-US" dirty="0"/>
-              <a:t> construct _cannot_ be efficiently supported by programmable switches as they stand today. In other words, we need to design a new hardware instruction for this construct. Let’s look at how we do that.</a:t>
+              <a:t> partitions because the </a:t>
+            </a:r>
+            <a:r>
+              <a:rPr lang="en-US" dirty="0" err="1"/>
+              <a:t>groupby</a:t>
+            </a:r>
+            <a:r>
+              <a:rPr lang="en-US" dirty="0"/>
+              <a:t> can run at very fine granularity such as a 5-tuple. In other words, we need the memory implementing this </a:t>
+            </a:r>
+            <a:r>
+              <a:rPr lang="en-US" dirty="0" err="1"/>
+              <a:t>groupby</a:t>
+            </a:r>
+            <a:r>
+              <a:rPr lang="en-US" dirty="0"/>
+              <a:t> to be both fast to support quick updates and large to store the average for a large number of flows.</a:t>
             </a:r>
           </a:p>
         </p:txBody>
@@ -1446,7 +1485,7 @@
     </p:spTree>
     <p:extLst>
       <p:ext uri="{BB962C8B-B14F-4D97-AF65-F5344CB8AC3E}">
-        <p14:creationId xmlns:p14="http://schemas.microsoft.com/office/powerpoint/2010/main" val="4081407173"/>
+        <p14:creationId xmlns:p14="http://schemas.microsoft.com/office/powerpoint/2010/main" val="1038519295"/>
       </p:ext>
     </p:extLst>
   </p:cSld>
@@ -1502,63 +1541,7 @@
           <a:p>
             <a:r>
               <a:rPr lang="en-US" dirty="0"/>
-              <a:t>Let’s look at the EWMA </a:t>
-            </a:r>
-            <a:r>
-              <a:rPr lang="en-US" dirty="0" err="1"/>
-              <a:t>groupby</a:t>
-            </a:r>
-            <a:r>
-              <a:rPr lang="en-US" dirty="0"/>
-              <a:t> query to understand the challenges involved in implementing </a:t>
-            </a:r>
-            <a:r>
-              <a:rPr lang="en-US" dirty="0" err="1"/>
-              <a:t>groupbys</a:t>
-            </a:r>
-            <a:r>
-              <a:rPr lang="en-US" dirty="0"/>
-              <a:t> efficiently in switch hardware. This query needs to do two things: it needs to be fast so that it can compute and update the </a:t>
-            </a:r>
-            <a:r>
-              <a:rPr lang="en-US" dirty="0" err="1"/>
-              <a:t>ewma</a:t>
-            </a:r>
-            <a:r>
-              <a:rPr lang="en-US" dirty="0"/>
-              <a:t> value </a:t>
-            </a:r>
-            <a:r>
-              <a:rPr lang="en-US" dirty="0" err="1"/>
-              <a:t>avg</a:t>
-            </a:r>
-            <a:r>
-              <a:rPr lang="en-US" dirty="0"/>
-              <a:t> every packet, which is roughly every ns on high-end switches today. It also needs to have sufficient space to store a large number of </a:t>
-            </a:r>
-            <a:r>
-              <a:rPr lang="en-US" dirty="0" err="1"/>
-              <a:t>groupby</a:t>
-            </a:r>
-            <a:r>
-              <a:rPr lang="en-US" dirty="0"/>
-              <a:t> partitions because the </a:t>
-            </a:r>
-            <a:r>
-              <a:rPr lang="en-US" dirty="0" err="1"/>
-              <a:t>groupby</a:t>
-            </a:r>
-            <a:r>
-              <a:rPr lang="en-US" dirty="0"/>
-              <a:t> can run at very fine granularity such as a 5-tuple. In other words, we need the memory implementing this </a:t>
-            </a:r>
-            <a:r>
-              <a:rPr lang="en-US" dirty="0" err="1"/>
-              <a:t>groupby</a:t>
-            </a:r>
-            <a:r>
-              <a:rPr lang="en-US" dirty="0"/>
-              <a:t> to be both fast to support quick updates and large to store the average for a large number of flows.</a:t>
+              <a:t>But the problem is no existing mainstream memory technology guarantees both fast access and is sufficiently dense to store a large number of flows. SRAM is fast, but you can’t store too many flow entries in SRAM. DRAM is dense and allows you to store many entries, but DRAM is slow.</a:t>
             </a:r>
           </a:p>
         </p:txBody>
@@ -1589,7 +1572,7 @@
     </p:spTree>
     <p:extLst>
       <p:ext uri="{BB962C8B-B14F-4D97-AF65-F5344CB8AC3E}">
-        <p14:creationId xmlns:p14="http://schemas.microsoft.com/office/powerpoint/2010/main" val="1038519295"/>
+        <p14:creationId xmlns:p14="http://schemas.microsoft.com/office/powerpoint/2010/main" val="347832182"/>
       </p:ext>
     </p:extLst>
   </p:cSld>
@@ -1645,7 +1628,7 @@
           <a:p>
             <a:r>
               <a:rPr lang="en-US" dirty="0"/>
-              <a:t>But the problem is no existing mainstream memory technology guarantees both fast access and is sufficiently dense to store a large number of flows. SRAM is fast, but you can’t store too many flow entries in SRAM. DRAM is dense and allows you to store many entries, but DRAM is slow.</a:t>
+              <a:t>Now, let’s look at what happens on a cache miss. You don’t find the key, So you go to the backing store to request it. It sends it back. You insert it into the cache as you would in a processor cache. Then you update it in place.</a:t>
             </a:r>
           </a:p>
         </p:txBody>
@@ -1667,7 +1650,7 @@
           <a:p>
             <a:fld id="{33793ACE-A489-1C41-B163-D1FF0130F898}" type="slidenum">
               <a:rPr lang="en-US" smtClean="0"/>
-              <a:t>19</a:t>
+              <a:t>20</a:t>
             </a:fld>
             <a:endParaRPr lang="en-US"/>
           </a:p>
@@ -1676,7 +1659,7 @@
     </p:spTree>
     <p:extLst>
       <p:ext uri="{BB962C8B-B14F-4D97-AF65-F5344CB8AC3E}">
-        <p14:creationId xmlns:p14="http://schemas.microsoft.com/office/powerpoint/2010/main" val="347832182"/>
+        <p14:creationId xmlns:p14="http://schemas.microsoft.com/office/powerpoint/2010/main" val="1921291454"/>
       </p:ext>
     </p:extLst>
   </p:cSld>
@@ -1844,10 +1827,7 @@
           <a:bodyPr/>
           <a:lstStyle/>
           <a:p>
-            <a:r>
-              <a:rPr lang="en-US" dirty="0"/>
-              <a:t>Now, let’s look at what happens on a cache miss. You don’t find the key, So you go to the backing store to request it. It sends it back. You insert it into the cache as you would in a processor cache. Then you update it in place.</a:t>
-            </a:r>
+            <a:endParaRPr lang="en-US" dirty="0"/>
           </a:p>
         </p:txBody>
       </p:sp>
@@ -1877,7 +1857,7 @@
     </p:spTree>
     <p:extLst>
       <p:ext uri="{BB962C8B-B14F-4D97-AF65-F5344CB8AC3E}">
-        <p14:creationId xmlns:p14="http://schemas.microsoft.com/office/powerpoint/2010/main" val="1921291454"/>
+        <p14:creationId xmlns:p14="http://schemas.microsoft.com/office/powerpoint/2010/main" val="2251208279"/>
       </p:ext>
     </p:extLst>
   </p:cSld>
@@ -1931,7 +1911,10 @@
           <a:bodyPr/>
           <a:lstStyle/>
           <a:p>
-            <a:endParaRPr lang="en-US" dirty="0"/>
+            <a:r>
+              <a:rPr lang="en-US" dirty="0"/>
+              <a:t>The problem is that the modify and write must wait for the DRAM access latency to fetch the backing store’s information and insert it into the cache. DRAM access latencies are highly variable depending on the access pattern. This is because DRAMs are typically built for good average case performance and the worst-case performance can be quite bad.</a:t>
+            </a:r>
           </a:p>
         </p:txBody>
       </p:sp>
@@ -1961,7 +1944,7 @@
     </p:spTree>
     <p:extLst>
       <p:ext uri="{BB962C8B-B14F-4D97-AF65-F5344CB8AC3E}">
-        <p14:creationId xmlns:p14="http://schemas.microsoft.com/office/powerpoint/2010/main" val="2251208279"/>
+        <p14:creationId xmlns:p14="http://schemas.microsoft.com/office/powerpoint/2010/main" val="155879679"/>
       </p:ext>
     </p:extLst>
   </p:cSld>
@@ -2017,7 +2000,7 @@
           <a:p>
             <a:r>
               <a:rPr lang="en-US" dirty="0"/>
-              <a:t>The problem is that the modify and write must wait for the DRAM access latency to fetch the backing store’s information and insert it into the cache. DRAM access latencies are highly variable depending on the access pattern. This is because DRAMs are typically built for good average case performance and the worst-case performance can be quite bad.</a:t>
+              <a:t>Instead, our main design difference in the key-value store is to treat cache misses as packets from new flows.</a:t>
             </a:r>
           </a:p>
         </p:txBody>
@@ -2048,7 +2031,7 @@
     </p:spTree>
     <p:extLst>
       <p:ext uri="{BB962C8B-B14F-4D97-AF65-F5344CB8AC3E}">
-        <p14:creationId xmlns:p14="http://schemas.microsoft.com/office/powerpoint/2010/main" val="155879679"/>
+        <p14:creationId xmlns:p14="http://schemas.microsoft.com/office/powerpoint/2010/main" val="4165394555"/>
       </p:ext>
     </p:extLst>
   </p:cSld>
@@ -2104,7 +2087,7 @@
           <a:p>
             <a:r>
               <a:rPr lang="en-US" dirty="0"/>
-              <a:t>Instead, our main design difference in the key-value store is to treat cache misses as packets from new flows.</a:t>
+              <a:t>What does this mean? When a key that isn’t present in the key-value store shows up, we treat it like a new key-–even if this key was previously evicted and written to the backing store.</a:t>
             </a:r>
           </a:p>
         </p:txBody>
@@ -2135,7 +2118,7 @@
     </p:spTree>
     <p:extLst>
       <p:ext uri="{BB962C8B-B14F-4D97-AF65-F5344CB8AC3E}">
-        <p14:creationId xmlns:p14="http://schemas.microsoft.com/office/powerpoint/2010/main" val="4165394555"/>
+        <p14:creationId xmlns:p14="http://schemas.microsoft.com/office/powerpoint/2010/main" val="3055367160"/>
       </p:ext>
     </p:extLst>
   </p:cSld>
@@ -2191,7 +2174,7 @@
           <a:p>
             <a:r>
               <a:rPr lang="en-US" dirty="0"/>
-              <a:t>What does this mean? When a key that isn’t present in the key-value store shows up, we treat it like a new key-–even if this key was previously evicted and written to the backing store.</a:t>
+              <a:t>Then, eventually at some point, this key will be evicted to the backing store to make room for a new key.</a:t>
             </a:r>
           </a:p>
         </p:txBody>
@@ -2222,7 +2205,7 @@
     </p:spTree>
     <p:extLst>
       <p:ext uri="{BB962C8B-B14F-4D97-AF65-F5344CB8AC3E}">
-        <p14:creationId xmlns:p14="http://schemas.microsoft.com/office/powerpoint/2010/main" val="3055367160"/>
+        <p14:creationId xmlns:p14="http://schemas.microsoft.com/office/powerpoint/2010/main" val="3217026311"/>
       </p:ext>
     </p:extLst>
   </p:cSld>
@@ -2278,7 +2261,15 @@
           <a:p>
             <a:r>
               <a:rPr lang="en-US" dirty="0"/>
-              <a:t>Then, eventually at some point, this key will be evicted to the backing store to make room for a new key.</a:t>
+              <a:t>At this point, we merge the key’s value with the old value for the same key in the backing store. If the key doesn’t already exist in the backing store, we just write the </a:t>
+            </a:r>
+            <a:r>
+              <a:rPr lang="en-US" dirty="0" err="1"/>
+              <a:t>evlcted</a:t>
+            </a:r>
+            <a:r>
+              <a:rPr lang="en-US" dirty="0"/>
+              <a:t> value into the backing store.</a:t>
             </a:r>
           </a:p>
         </p:txBody>
@@ -2309,7 +2300,7 @@
     </p:spTree>
     <p:extLst>
       <p:ext uri="{BB962C8B-B14F-4D97-AF65-F5344CB8AC3E}">
-        <p14:creationId xmlns:p14="http://schemas.microsoft.com/office/powerpoint/2010/main" val="3217026311"/>
+        <p14:creationId xmlns:p14="http://schemas.microsoft.com/office/powerpoint/2010/main" val="1298857703"/>
       </p:ext>
     </p:extLst>
   </p:cSld>
@@ -2365,15 +2356,7 @@
           <a:p>
             <a:r>
               <a:rPr lang="en-US" dirty="0"/>
-              <a:t>At this point, we merge the key’s value with the old value for the same key in the backing store. If the key doesn’t already exist in the backing store, we just write the </a:t>
-            </a:r>
-            <a:r>
-              <a:rPr lang="en-US" dirty="0" err="1"/>
-              <a:t>evlcted</a:t>
-            </a:r>
-            <a:r>
-              <a:rPr lang="en-US" dirty="0"/>
-              <a:t> value into the backing store.</a:t>
+              <a:t>The benefit of this design  is that there is no waiting on the critical path of packet processing and packet processing can proceed as usual.</a:t>
             </a:r>
           </a:p>
         </p:txBody>
@@ -2404,7 +2387,7 @@
     </p:spTree>
     <p:extLst>
       <p:ext uri="{BB962C8B-B14F-4D97-AF65-F5344CB8AC3E}">
-        <p14:creationId xmlns:p14="http://schemas.microsoft.com/office/powerpoint/2010/main" val="1298857703"/>
+        <p14:creationId xmlns:p14="http://schemas.microsoft.com/office/powerpoint/2010/main" val="3954136354"/>
       </p:ext>
     </p:extLst>
   </p:cSld>
@@ -2460,7 +2443,16 @@
           <a:p>
             <a:r>
               <a:rPr lang="en-US" dirty="0"/>
-              <a:t>The benefit of this design  is that there is no waiting on the critical path of packet processing and packet processing can proceed as usual.</a:t>
+              <a:t>But how do I merge an old and new value for a given key? What does that even mean? Let’s look at this problem more formally. We want to merge the two values, old and new, so that it is as if the statistics function ran over the entire packet stream without any evictions. That way we can retain full accuracy while merging. Let’s introduce some notation for this. Let’s represent the statistics function as a function g over the packet sequence. For a simple counter, the function is the sum of the packet lengths (or any other packet header).</a:t>
+            </a:r>
+          </a:p>
+          <a:p>
+            <a:endParaRPr lang="en-US" dirty="0"/>
+          </a:p>
+          <a:p>
+            <a:r>
+              <a:rPr lang="en-US" dirty="0"/>
+              <a:t>The fold function that we talked about earlier is just an incremental version of the same g.</a:t>
             </a:r>
           </a:p>
         </p:txBody>
@@ -2491,7 +2483,7 @@
     </p:spTree>
     <p:extLst>
       <p:ext uri="{BB962C8B-B14F-4D97-AF65-F5344CB8AC3E}">
-        <p14:creationId xmlns:p14="http://schemas.microsoft.com/office/powerpoint/2010/main" val="3954136354"/>
+        <p14:creationId xmlns:p14="http://schemas.microsoft.com/office/powerpoint/2010/main" val="1598310205"/>
       </p:ext>
     </p:extLst>
   </p:cSld>
@@ -2547,7 +2539,13 @@
           <a:p>
             <a:r>
               <a:rPr lang="en-US" dirty="0"/>
-              <a:t>But how do I merge an old and new value for a given key? What does that even mean? Let’s look at this problem more formally. We want to merge the two values, old and new, so that it is as if the statistics function ran over the entire packet stream without any evictions. That way we can retain full accuracy while merging. Let’s introduce some notation for this. Let’s represent the statistics function as a function g over the packet sequence. For a simple counter, the function is the sum of the packet lengths (or any other packet header).</a:t>
+              <a:t>Now what does it formally mean to merge the old and new values of a key?</a:t>
+            </a:r>
+          </a:p>
+          <a:p>
+            <a:r>
+              <a:rPr lang="en-US" dirty="0"/>
+              <a:t>Mathematically, it means this. That if you computed the statistics function over the first sequence of packets and computed the statistics over the second sequence of the packets and then merged them, it is equivalent to computing the statistics over the entire packet sequence.</a:t>
             </a:r>
           </a:p>
           <a:p>
@@ -2556,8 +2554,47 @@
           <a:p>
             <a:r>
               <a:rPr lang="en-US" dirty="0"/>
-              <a:t>The fold function that we talked about earlier is just an incremental version of the same g.</a:t>
-            </a:r>
+              <a:t>In our context, what is the physical interpretation of this? The first packet sequence is the sequence of packets before the first time the key-value pair was evicted. The second packet sequence is the sequence of packets seen in the cache.</a:t>
+            </a:r>
+          </a:p>
+          <a:p>
+            <a:endParaRPr lang="en-US" dirty="0"/>
+          </a:p>
+          <a:p>
+            <a:r>
+              <a:rPr lang="en-US" dirty="0"/>
+              <a:t>Let’s take a simple example. If g is a counter, the merge is a simple addition. You can probably see that this is easily generalizable to other associative </a:t>
+            </a:r>
+            <a:r>
+              <a:rPr lang="en-US" dirty="0" err="1"/>
+              <a:t>statisticss</a:t>
+            </a:r>
+            <a:r>
+              <a:rPr lang="en-US" dirty="0"/>
+              <a:t> such as min/max/product, etc. Essentially, you track the minimum in the cache and take the minimum of the new value in the cache and the old value in the backing store.</a:t>
+            </a:r>
+          </a:p>
+          <a:p>
+            <a:endParaRPr lang="en-US" dirty="0"/>
+          </a:p>
+          <a:p>
+            <a:r>
+              <a:rPr lang="en-US" dirty="0"/>
+              <a:t>TODO: Diagram for </a:t>
+            </a:r>
+            <a:r>
+              <a:rPr lang="en-US" dirty="0" err="1"/>
+              <a:t>V_back</a:t>
+            </a:r>
+            <a:r>
+              <a:rPr lang="en-US" dirty="0"/>
+              <a:t> and </a:t>
+            </a:r>
+            <a:r>
+              <a:rPr lang="en-US" dirty="0" err="1"/>
+              <a:t>V_cache</a:t>
+            </a:r>
+            <a:endParaRPr lang="en-US" dirty="0"/>
           </a:p>
         </p:txBody>
       </p:sp>
@@ -2587,7 +2624,7 @@
     </p:spTree>
     <p:extLst>
       <p:ext uri="{BB962C8B-B14F-4D97-AF65-F5344CB8AC3E}">
-        <p14:creationId xmlns:p14="http://schemas.microsoft.com/office/powerpoint/2010/main" val="1598310205"/>
+        <p14:creationId xmlns:p14="http://schemas.microsoft.com/office/powerpoint/2010/main" val="3300278867"/>
       </p:ext>
     </p:extLst>
   </p:cSld>
@@ -2643,13 +2680,16 @@
           <a:p>
             <a:r>
               <a:rPr lang="en-US" dirty="0"/>
-              <a:t>Now what does it formally mean to merge the old and new values of a key?</a:t>
-            </a:r>
+              <a:t>But what about operations that are not associative? Let’s think about this for a bit. We can merge any arbitrary statistics by storing the entire sequence of packets in the cache, sending this sequence of packets to the backing store upon eviction, and merging by simply replaying the statistics computation over this sequence of packets.</a:t>
+            </a:r>
+          </a:p>
+          <a:p>
+            <a:endParaRPr lang="en-US" dirty="0"/>
           </a:p>
           <a:p>
             <a:r>
               <a:rPr lang="en-US" dirty="0"/>
-              <a:t>Mathematically, it means this. That if you computed the statistics function over the first sequence of packets and computed the statistics over the second sequence of the packets and then merged them, it is equivalent to computing the statistics over the entire packet sequence.</a:t>
+              <a:t>But that’s a lot of additional state just for merging and it grows with the number of packets that have been processed so far. In fact, this is no better than just sending a copy of every packet to a collection server, which is what we wanted to avoid in the first place.</a:t>
             </a:r>
           </a:p>
           <a:p>
@@ -2658,46 +2698,13 @@
           <a:p>
             <a:r>
               <a:rPr lang="en-US" dirty="0"/>
-              <a:t>In our context, what is the physical interpretation of this? The first packet sequence is the sequence of packets before the first time the key-value pair was evicted. The second packet sequence is the sequence of packets seen in the cache.</a:t>
+              <a:t>So the real question is whether we can merge with a small amount of extra state over and above the state that is being tracked by the statistics function itself? More precisely, we want the extra state to have size similar to the state being tracked.</a:t>
             </a:r>
           </a:p>
           <a:p>
             <a:endParaRPr lang="en-US" dirty="0"/>
           </a:p>
           <a:p>
-            <a:r>
-              <a:rPr lang="en-US" dirty="0"/>
-              <a:t>Let’s take a simple example. If g is a counter, the merge is a simple addition. You can probably see that this is easily generalizable to other associative </a:t>
-            </a:r>
-            <a:r>
-              <a:rPr lang="en-US" dirty="0" err="1"/>
-              <a:t>statisticss</a:t>
-            </a:r>
-            <a:r>
-              <a:rPr lang="en-US" dirty="0"/>
-              <a:t> such as min/max/product, etc. Essentially, you track the minimum in the cache and take the minimum of the new value in the cache and the old value in the backing store.</a:t>
-            </a:r>
-          </a:p>
-          <a:p>
-            <a:endParaRPr lang="en-US" dirty="0"/>
-          </a:p>
-          <a:p>
-            <a:r>
-              <a:rPr lang="en-US" dirty="0"/>
-              <a:t>TODO: Diagram for </a:t>
-            </a:r>
-            <a:r>
-              <a:rPr lang="en-US" dirty="0" err="1"/>
-              <a:t>V_back</a:t>
-            </a:r>
-            <a:r>
-              <a:rPr lang="en-US" dirty="0"/>
-              <a:t> and </a:t>
-            </a:r>
-            <a:r>
-              <a:rPr lang="en-US" dirty="0" err="1"/>
-              <a:t>V_cache</a:t>
-            </a:r>
             <a:endParaRPr lang="en-US" dirty="0"/>
           </a:p>
         </p:txBody>
@@ -2728,7 +2735,7 @@
     </p:spTree>
     <p:extLst>
       <p:ext uri="{BB962C8B-B14F-4D97-AF65-F5344CB8AC3E}">
-        <p14:creationId xmlns:p14="http://schemas.microsoft.com/office/powerpoint/2010/main" val="3300278867"/>
+        <p14:creationId xmlns:p14="http://schemas.microsoft.com/office/powerpoint/2010/main" val="1653060950"/>
       </p:ext>
     </p:extLst>
   </p:cSld>
@@ -2871,7 +2878,7 @@
           <a:p>
             <a:r>
               <a:rPr lang="en-US" dirty="0"/>
-              <a:t>But what about operations that are not associative? Let’s think about this for a bit. We can merge any arbitrary statistics by storing the entire sequence of packets in the cache, sending this sequence of packets to the backing store upon eviction, and merging by simply replaying the statistics computation over this sequence of packets.</a:t>
+              <a:t>One theoretical contribution of this work was identifying a class of statistics functions where we could in fact carry out the merge using a small amount of additional state. This class we call the linear-in-state class of statistics functions. The reason for this name should be clear from looking at the form of the state update in these statistics functions: the updated state is a linear function of the previous state. Here the coefficients A and B can either be constants or functions of a bounded number of packets in the past starting from the current packet. S can also be generalized to a vector and A and B can be matrices.</a:t>
             </a:r>
           </a:p>
           <a:p>
@@ -2880,23 +2887,8 @@
           <a:p>
             <a:r>
               <a:rPr lang="en-US" dirty="0"/>
-              <a:t>But that’s a lot of additional state just for merging and it grows with the number of packets that have been processed so far. In fact, this is no better than just sending a copy of every packet to a collection server, which is what we wanted to avoid in the first place.</a:t>
-            </a:r>
-          </a:p>
-          <a:p>
-            <a:endParaRPr lang="en-US" dirty="0"/>
-          </a:p>
-          <a:p>
-            <a:r>
-              <a:rPr lang="en-US" dirty="0"/>
-              <a:t>So the real question is whether we can merge with a small amount of extra state over and above the state that is being tracked by the statistics function itself? More precisely, we want the extra state to have size similar to the state being tracked.</a:t>
-            </a:r>
-          </a:p>
-          <a:p>
-            <a:endParaRPr lang="en-US" dirty="0"/>
-          </a:p>
-          <a:p>
-            <a:endParaRPr lang="en-US" dirty="0"/>
+              <a:t>As a few quick examples, you can imagine a packet counter, where A is 1 and B is 1. You can have a byte counter where A is 1 and B is the packet’s length field. Or you could have the EWMA which we have seen a few times so far, where A is (1 – alpha) and B is alpha times the packet’s queueing latency. You can also have degenerate cases where A is 0 and B is a function of the last k packets like a windowed average.</a:t>
+            </a:r>
           </a:p>
         </p:txBody>
       </p:sp>
@@ -2926,7 +2918,7 @@
     </p:spTree>
     <p:extLst>
       <p:ext uri="{BB962C8B-B14F-4D97-AF65-F5344CB8AC3E}">
-        <p14:creationId xmlns:p14="http://schemas.microsoft.com/office/powerpoint/2010/main" val="1653060950"/>
+        <p14:creationId xmlns:p14="http://schemas.microsoft.com/office/powerpoint/2010/main" val="2199483374"/>
       </p:ext>
     </p:extLst>
   </p:cSld>
@@ -2982,7 +2974,7 @@
           <a:p>
             <a:r>
               <a:rPr lang="en-US" dirty="0"/>
-              <a:t>One theoretical contribution of this work was identifying a class of statistics functions where we could in fact carry out the merge using a small amount of additional state. This class we call the linear-in-state class of statistics functions. The reason for this name should be clear from looking at the form of the state update in these statistics functions: the updated state is a linear function of the previous state. Here the coefficients A and B can either be constants or functions of a bounded number of packets in the past starting from the current packet. S can also be generalized to a vector and A and B can be matrices.</a:t>
+              <a:t>Why does this work. Let me provide some intuition for this linear-in-state property. Suppose we are tracking an EWMA that takes the packet’s length, multiplies it by a gain alpha, and adds it to 1 – alpha  times the previous value of the EWMA. Now, let’s say the EWMA starts at I1 or I2 and ends at F1 or F2 after N packets, then the following equation holds. You can see why this is true by recursively expanding the equation for the EWMA above where S is written in terms of the previous value of S and the packet’s length.</a:t>
             </a:r>
           </a:p>
           <a:p>
@@ -2991,7 +2983,7 @@
           <a:p>
             <a:r>
               <a:rPr lang="en-US" dirty="0"/>
-              <a:t>As a few quick examples, you can imagine a packet counter, where A is 1 and B is 1. You can have a byte counter where A is 1 and B is the packet’s length field. Or you could have the EWMA which we have seen a few times so far, where A is (1 – alpha) and B is alpha times the packet’s queueing latency. You can also have degenerate cases where A is 0 and B is a function of the last k packets like a windowed average.</a:t>
+              <a:t>OK, what does this equation tell us? It tells us that we can take a final value F1 calculate from an initial value I1 and then ask what the final value F2 would have been for an initial state I2 using a very simple computation.</a:t>
             </a:r>
           </a:p>
         </p:txBody>
@@ -3022,7 +3014,7 @@
     </p:spTree>
     <p:extLst>
       <p:ext uri="{BB962C8B-B14F-4D97-AF65-F5344CB8AC3E}">
-        <p14:creationId xmlns:p14="http://schemas.microsoft.com/office/powerpoint/2010/main" val="2199483374"/>
+        <p14:creationId xmlns:p14="http://schemas.microsoft.com/office/powerpoint/2010/main" val="2056802710"/>
       </p:ext>
     </p:extLst>
   </p:cSld>
@@ -3078,7 +3070,23 @@
           <a:p>
             <a:r>
               <a:rPr lang="en-US" dirty="0"/>
-              <a:t>Why does this work. Let me provide some intuition for this linear-in-state property. Suppose we are tracking an EWMA that takes the packet’s length, multiplies it by a gain alpha, and adds it to 1 – alpha  times the previous value of the EWMA. Now, let’s say the EWMA starts at I1 or I2 and ends at F1 or F2 after N packets, then the following equation holds. You can see why this is true by recursively expanding the equation for the EWMA above where S is written in terms of the previous value of S and the packet’s length.</a:t>
+              <a:t>How does it help here? Let’s map the initial and final values to our problem setting. The initial value for the EWMA in the cache is V0 and the final value is </a:t>
+            </a:r>
+            <a:r>
+              <a:rPr lang="en-US" dirty="0" err="1"/>
+              <a:t>Vcache</a:t>
+            </a:r>
+            <a:r>
+              <a:rPr lang="en-US" dirty="0"/>
+              <a:t>. Now we want to calculate what the final value should have been if the initial value was the value in the backing store and the entry had never been evicted. So I2 is </a:t>
+            </a:r>
+            <a:r>
+              <a:rPr lang="en-US" dirty="0" err="1"/>
+              <a:t>Vback</a:t>
+            </a:r>
+            <a:r>
+              <a:rPr lang="en-US" dirty="0"/>
+              <a:t>. Then what will F2 be. We can just substitute variables in the equation from the last slide and get this equation.</a:t>
             </a:r>
           </a:p>
           <a:p>
@@ -3087,7 +3095,64 @@
           <a:p>
             <a:r>
               <a:rPr lang="en-US" dirty="0"/>
-              <a:t>OK, what does this equation tell us? It tells us that we can take a final value F1 calculate from an initial value I1 and then ask what the final value F2 would have been for an initial state I2 using a very simple computation.</a:t>
+              <a:t>The implication of this is that we have just found our merge function to merge the old value (</a:t>
+            </a:r>
+            <a:r>
+              <a:rPr lang="en-US" dirty="0" err="1"/>
+              <a:t>Vback</a:t>
+            </a:r>
+            <a:r>
+              <a:rPr lang="en-US" dirty="0"/>
+              <a:t>) and the new value (</a:t>
+            </a:r>
+            <a:r>
+              <a:rPr lang="en-US" dirty="0" err="1"/>
+              <a:t>Vcache</a:t>
+            </a:r>
+            <a:r>
+              <a:rPr lang="en-US" dirty="0"/>
+              <a:t>) using some additional state: the number of packets seen in the cache.</a:t>
+            </a:r>
+          </a:p>
+          <a:p>
+            <a:endParaRPr lang="en-US" dirty="0"/>
+          </a:p>
+          <a:p>
+            <a:r>
+              <a:rPr lang="en-US" dirty="0"/>
+              <a:t>The key point is that this additional state is small. It is only the number of packets (N), and doesn’t include some value per packet.</a:t>
+            </a:r>
+          </a:p>
+          <a:p>
+            <a:endParaRPr lang="en-US" dirty="0"/>
+          </a:p>
+          <a:p>
+            <a:endParaRPr lang="en-US" dirty="0"/>
+          </a:p>
+          <a:p>
+            <a:r>
+              <a:rPr lang="en-US" dirty="0"/>
+              <a:t>TODO: Diagram for </a:t>
+            </a:r>
+            <a:r>
+              <a:rPr lang="en-US" dirty="0" err="1"/>
+              <a:t>V_back</a:t>
+            </a:r>
+            <a:r>
+              <a:rPr lang="en-US" dirty="0"/>
+              <a:t> and </a:t>
+            </a:r>
+            <a:r>
+              <a:rPr lang="en-US" dirty="0" err="1"/>
+              <a:t>V</a:t>
+            </a:r>
+            <a:r>
+              <a:rPr lang="en-US" err="1"/>
+              <a:t>_</a:t>
+            </a:r>
+            <a:r>
+              <a:rPr lang="en-US"/>
+              <a:t>cache</a:t>
             </a:r>
           </a:p>
         </p:txBody>
@@ -3118,7 +3183,7 @@
     </p:spTree>
     <p:extLst>
       <p:ext uri="{BB962C8B-B14F-4D97-AF65-F5344CB8AC3E}">
-        <p14:creationId xmlns:p14="http://schemas.microsoft.com/office/powerpoint/2010/main" val="2056802710"/>
+        <p14:creationId xmlns:p14="http://schemas.microsoft.com/office/powerpoint/2010/main" val="307923882"/>
       </p:ext>
     </p:extLst>
   </p:cSld>
@@ -3172,92 +3237,7 @@
           <a:bodyPr/>
           <a:lstStyle/>
           <a:p>
-            <a:r>
-              <a:rPr lang="en-US" dirty="0"/>
-              <a:t>How does it help here? Let’s map the initial and final values to our problem setting. The initial value for the EWMA in the cache is V0 and the final value is </a:t>
-            </a:r>
-            <a:r>
-              <a:rPr lang="en-US" dirty="0" err="1"/>
-              <a:t>Vcache</a:t>
-            </a:r>
-            <a:r>
-              <a:rPr lang="en-US" dirty="0"/>
-              <a:t>. Now we want to calculate what the final value should have been if the initial value was the value in the backing store and the entry had never been evicted. So I2 is </a:t>
-            </a:r>
-            <a:r>
-              <a:rPr lang="en-US" dirty="0" err="1"/>
-              <a:t>Vback</a:t>
-            </a:r>
-            <a:r>
-              <a:rPr lang="en-US" dirty="0"/>
-              <a:t>. Then what will F2 be. We can just substitute variables in the equation from the last slide and get this equation.</a:t>
-            </a:r>
-          </a:p>
-          <a:p>
             <a:endParaRPr lang="en-US" dirty="0"/>
-          </a:p>
-          <a:p>
-            <a:r>
-              <a:rPr lang="en-US" dirty="0"/>
-              <a:t>The implication of this is that we have just found our merge function to merge the old value (</a:t>
-            </a:r>
-            <a:r>
-              <a:rPr lang="en-US" dirty="0" err="1"/>
-              <a:t>Vback</a:t>
-            </a:r>
-            <a:r>
-              <a:rPr lang="en-US" dirty="0"/>
-              <a:t>) and the new value (</a:t>
-            </a:r>
-            <a:r>
-              <a:rPr lang="en-US" dirty="0" err="1"/>
-              <a:t>Vcache</a:t>
-            </a:r>
-            <a:r>
-              <a:rPr lang="en-US" dirty="0"/>
-              <a:t>) using some additional state: the number of packets seen in the cache.</a:t>
-            </a:r>
-          </a:p>
-          <a:p>
-            <a:endParaRPr lang="en-US" dirty="0"/>
-          </a:p>
-          <a:p>
-            <a:r>
-              <a:rPr lang="en-US" dirty="0"/>
-              <a:t>The key point is that this additional state is small. It is only the number of packets (N), and doesn’t include some value per packet.</a:t>
-            </a:r>
-          </a:p>
-          <a:p>
-            <a:endParaRPr lang="en-US" dirty="0"/>
-          </a:p>
-          <a:p>
-            <a:endParaRPr lang="en-US" dirty="0"/>
-          </a:p>
-          <a:p>
-            <a:r>
-              <a:rPr lang="en-US" dirty="0"/>
-              <a:t>TODO: Diagram for </a:t>
-            </a:r>
-            <a:r>
-              <a:rPr lang="en-US" dirty="0" err="1"/>
-              <a:t>V_back</a:t>
-            </a:r>
-            <a:r>
-              <a:rPr lang="en-US" dirty="0"/>
-              <a:t> and </a:t>
-            </a:r>
-            <a:r>
-              <a:rPr lang="en-US" dirty="0" err="1"/>
-              <a:t>V</a:t>
-            </a:r>
-            <a:r>
-              <a:rPr lang="en-US" err="1"/>
-              <a:t>_</a:t>
-            </a:r>
-            <a:r>
-              <a:rPr lang="en-US"/>
-              <a:t>cache</a:t>
-            </a:r>
           </a:p>
         </p:txBody>
       </p:sp>
@@ -3276,7 +3256,7 @@
           <a:bodyPr/>
           <a:lstStyle/>
           <a:p>
-            <a:fld id="{33793ACE-A489-1C41-B163-D1FF0130F898}" type="slidenum">
+            <a:fld id="{16B09458-7AEF-4AD3-A567-0F11380064BE}" type="slidenum">
               <a:rPr lang="en-US" smtClean="0"/>
               <a:t>34</a:t>
             </a:fld>
@@ -3287,7 +3267,7 @@
     </p:spTree>
     <p:extLst>
       <p:ext uri="{BB962C8B-B14F-4D97-AF65-F5344CB8AC3E}">
-        <p14:creationId xmlns:p14="http://schemas.microsoft.com/office/powerpoint/2010/main" val="307923882"/>
+        <p14:creationId xmlns:p14="http://schemas.microsoft.com/office/powerpoint/2010/main" val="2595555429"/>
       </p:ext>
     </p:extLst>
   </p:cSld>
@@ -3341,7 +3321,11 @@
           <a:bodyPr/>
           <a:lstStyle/>
           <a:p>
-            <a:endParaRPr lang="en-US" dirty="0"/>
+            <a:pPr lvl="1"/>
+            <a:r>
+              <a:rPr lang="en-US" dirty="0"/>
+              <a:t>So in summary this talk was about two main ideas: (1) a query language for network performance monitoring that is designed to capture a variety of new and old network monitoring use cases and (2) a hardware design that supports this query language at high speeds. The full paper and supporting code are available at this web site, and I am happy to take questions.</a:t>
+            </a:r>
           </a:p>
         </p:txBody>
       </p:sp>
@@ -3360,7 +3344,7 @@
           <a:bodyPr/>
           <a:lstStyle/>
           <a:p>
-            <a:fld id="{16B09458-7AEF-4AD3-A567-0F11380064BE}" type="slidenum">
+            <a:fld id="{33793ACE-A489-1C41-B163-D1FF0130F898}" type="slidenum">
               <a:rPr lang="en-US" smtClean="0"/>
               <a:t>35</a:t>
             </a:fld>
@@ -3371,7 +3355,7 @@
     </p:spTree>
     <p:extLst>
       <p:ext uri="{BB962C8B-B14F-4D97-AF65-F5344CB8AC3E}">
-        <p14:creationId xmlns:p14="http://schemas.microsoft.com/office/powerpoint/2010/main" val="2595555429"/>
+        <p14:creationId xmlns:p14="http://schemas.microsoft.com/office/powerpoint/2010/main" val="1117120813"/>
       </p:ext>
     </p:extLst>
   </p:cSld>
@@ -3425,10 +3409,26 @@
           <a:bodyPr/>
           <a:lstStyle/>
           <a:p>
-            <a:pPr lvl="1"/>
+            <a:pPr marL="0" marR="0" lvl="0" indent="0" algn="l" defTabSz="914400" rtl="0" eaLnBrk="1" fontAlgn="auto" latinLnBrk="0" hangingPunct="1">
+              <a:lnSpc>
+                <a:spcPct val="100000"/>
+              </a:lnSpc>
+              <a:spcBef>
+                <a:spcPts val="0"/>
+              </a:spcBef>
+              <a:spcAft>
+                <a:spcPts val="0"/>
+              </a:spcAft>
+              <a:buClrTx/>
+              <a:buSzTx/>
+              <a:buFontTx/>
+              <a:buNone/>
+              <a:tabLst/>
+              <a:defRPr/>
+            </a:pPr>
             <a:r>
               <a:rPr lang="en-US" dirty="0"/>
-              <a:t>So in summary this talk was about two main ideas: (1) a query language for network performance monitoring that is designed to capture a variety of new and old network monitoring use cases and (2) a hardware design that supports this query language at high speeds. The full paper and supporting code are available at this web site, and I am happy to take questions.</a:t>
+              <a:t>Finally, I’ll talk about some evaluation results. Our main question is how much benefit the cache brings us in terms of reducing the number of key-value-store pairs that are sent to the backing store.</a:t>
             </a:r>
           </a:p>
         </p:txBody>
@@ -3459,7 +3459,7 @@
     </p:spTree>
     <p:extLst>
       <p:ext uri="{BB962C8B-B14F-4D97-AF65-F5344CB8AC3E}">
-        <p14:creationId xmlns:p14="http://schemas.microsoft.com/office/powerpoint/2010/main" val="1117120813"/>
+        <p14:creationId xmlns:p14="http://schemas.microsoft.com/office/powerpoint/2010/main" val="1582905122"/>
       </p:ext>
     </p:extLst>
   </p:cSld>
@@ -3513,26 +3513,34 @@
           <a:bodyPr/>
           <a:lstStyle/>
           <a:p>
-            <a:pPr marL="0" marR="0" lvl="0" indent="0" algn="l" defTabSz="914400" rtl="0" eaLnBrk="1" fontAlgn="auto" latinLnBrk="0" hangingPunct="1">
-              <a:lnSpc>
-                <a:spcPct val="100000"/>
-              </a:lnSpc>
-              <a:spcBef>
-                <a:spcPts val="0"/>
-              </a:spcBef>
-              <a:spcAft>
-                <a:spcPts val="0"/>
-              </a:spcAft>
-              <a:buClrTx/>
-              <a:buSzTx/>
-              <a:buFontTx/>
-              <a:buNone/>
-              <a:tabLst/>
-              <a:defRPr/>
-            </a:pPr>
             <a:r>
               <a:rPr lang="en-US" dirty="0"/>
-              <a:t>Finally, I’ll talk about some evaluation results. Our main question is how much benefit the cache brings us in terms of reducing the number of key-value-store pairs that are sent to the backing store.</a:t>
+              <a:t>Here are some relevant experimental setup details for our evaluation of the cache eviction rate. We used trace-based evaluation to evaluate the eviction rate using a core router and a data center trace. Our query was a </a:t>
+            </a:r>
+            <a:r>
+              <a:rPr lang="en-US" dirty="0" err="1"/>
+              <a:t>groupby</a:t>
+            </a:r>
+            <a:r>
+              <a:rPr lang="en-US" dirty="0"/>
+              <a:t> that partitioned by 5-tuple. The caching eviction policy was 8-way LRU similar to many processor caches simply because it is easy to implement.</a:t>
+            </a:r>
+          </a:p>
+          <a:p>
+            <a:endParaRPr lang="en-US" dirty="0"/>
+          </a:p>
+          <a:p>
+            <a:r>
+              <a:rPr lang="en-US" dirty="0"/>
+              <a:t>We first measure the eviction ratio because this doesn’t depend on the packet rate or the size of keys and values. We then translate this into a concrete eviction rate for some specific packet rates and </a:t>
+            </a:r>
+            <a:r>
+              <a:rPr lang="en-US" dirty="0" err="1"/>
+              <a:t>key+value</a:t>
+            </a:r>
+            <a:r>
+              <a:rPr lang="en-US" dirty="0"/>
+              <a:t> sizes.</a:t>
             </a:r>
           </a:p>
         </p:txBody>
@@ -3563,7 +3571,7 @@
     </p:spTree>
     <p:extLst>
       <p:ext uri="{BB962C8B-B14F-4D97-AF65-F5344CB8AC3E}">
-        <p14:creationId xmlns:p14="http://schemas.microsoft.com/office/powerpoint/2010/main" val="1582905122"/>
+        <p14:creationId xmlns:p14="http://schemas.microsoft.com/office/powerpoint/2010/main" val="4269550850"/>
       </p:ext>
     </p:extLst>
   </p:cSld>
@@ -3619,32 +3627,7 @@
           <a:p>
             <a:r>
               <a:rPr lang="en-US" dirty="0"/>
-              <a:t>Here are some relevant experimental setup details for our evaluation of the cache eviction rate. We used trace-based evaluation to evaluate the eviction rate using a core router and a data center trace. Our query was a </a:t>
-            </a:r>
-            <a:r>
-              <a:rPr lang="en-US" dirty="0" err="1"/>
-              <a:t>groupby</a:t>
-            </a:r>
-            <a:r>
-              <a:rPr lang="en-US" dirty="0"/>
-              <a:t> that partitioned by 5-tuple. The caching eviction policy was 8-way LRU similar to many processor caches simply because it is easy to implement.</a:t>
-            </a:r>
-          </a:p>
-          <a:p>
-            <a:endParaRPr lang="en-US" dirty="0"/>
-          </a:p>
-          <a:p>
-            <a:r>
-              <a:rPr lang="en-US" dirty="0"/>
-              <a:t>We first measure the eviction ratio because this doesn’t depend on the packet rate or the size of keys and values. We then translate this into a concrete eviction rate for some specific packet rates and </a:t>
-            </a:r>
-            <a:r>
-              <a:rPr lang="en-US" dirty="0" err="1"/>
-              <a:t>key+value</a:t>
-            </a:r>
-            <a:r>
-              <a:rPr lang="en-US" dirty="0"/>
-              <a:t> sizes.</a:t>
+              <a:t>So here’s the result. As expected, the eviction ratio goes down as the number of cache slots increases. One other interesting takeaway is that a dc environment has much more locality allowing us to get away with a much smaller size cache.</a:t>
             </a:r>
           </a:p>
         </p:txBody>
@@ -3675,7 +3658,7 @@
     </p:spTree>
     <p:extLst>
       <p:ext uri="{BB962C8B-B14F-4D97-AF65-F5344CB8AC3E}">
-        <p14:creationId xmlns:p14="http://schemas.microsoft.com/office/powerpoint/2010/main" val="4269550850"/>
+        <p14:creationId xmlns:p14="http://schemas.microsoft.com/office/powerpoint/2010/main" val="3299793430"/>
       </p:ext>
     </p:extLst>
   </p:cSld>
@@ -3731,7 +3714,15 @@
           <a:p>
             <a:r>
               <a:rPr lang="en-US" dirty="0"/>
-              <a:t>So here’s the result. As expected, the eviction ratio goes down as the number of cache slots increases. One other interesting takeaway is that a dc environment has much more locality allowing us to get away with a much smaller size cache.</a:t>
+              <a:t>Now, let’s translate this into a concrete number. Let’s pick 2**18 keys. Assuming a combined key and value size of 256 bits, that corresponds to 64 </a:t>
+            </a:r>
+            <a:r>
+              <a:rPr lang="en-US" dirty="0" err="1"/>
+              <a:t>Mbits</a:t>
+            </a:r>
+            <a:r>
+              <a:rPr lang="en-US" dirty="0"/>
+              <a:t>. That’s a 4% packet eviction ratio, which means it’s 25X smaller than processing every packet at a collection server directly.</a:t>
             </a:r>
           </a:p>
         </p:txBody>
@@ -3762,7 +3753,7 @@
     </p:spTree>
     <p:extLst>
       <p:ext uri="{BB962C8B-B14F-4D97-AF65-F5344CB8AC3E}">
-        <p14:creationId xmlns:p14="http://schemas.microsoft.com/office/powerpoint/2010/main" val="3299793430"/>
+        <p14:creationId xmlns:p14="http://schemas.microsoft.com/office/powerpoint/2010/main" val="2642239952"/>
       </p:ext>
     </p:extLst>
   </p:cSld>
@@ -3818,7 +3809,7 @@
           <a:p>
             <a:r>
               <a:rPr lang="en-US" dirty="0"/>
-              <a:t>Now, let’s translate this into a concrete number. Let’s pick 2**18 keys. Assuming a combined key and value size of 256 bits, that corresponds to 64 </a:t>
+              <a:t>TO put this into context. For a 64-poort 100-Gbits/switch, if we assume 2**20 slots, that’s a memory requirement of 256 </a:t>
             </a:r>
             <a:r>
               <a:rPr lang="en-US" dirty="0" err="1"/>
@@ -3826,7 +3817,7 @@
             </a:r>
             <a:r>
               <a:rPr lang="en-US" dirty="0"/>
-              <a:t>. That’s a 4% packet eviction ratio, which means it’s 25X smaller than processing every packet at a collection server directly.</a:t>
+              <a:t>, which is about 7.5% of the switching chip’s area. Assuming typical traffic patterns for this switch, this translates into an eviction rate of 8M records every second, which we estimate can be handled by a 32-core server. So the way to think about this is that we can service the eviction rate for a 64 server cluster connected to a TOR switch by using a single 32-core server for typical workloads. This is a simplified summary of the results. The paper has many more details on this.</a:t>
             </a:r>
           </a:p>
         </p:txBody>
@@ -3857,7 +3848,7 @@
     </p:spTree>
     <p:extLst>
       <p:ext uri="{BB962C8B-B14F-4D97-AF65-F5344CB8AC3E}">
-        <p14:creationId xmlns:p14="http://schemas.microsoft.com/office/powerpoint/2010/main" val="2642239952"/>
+        <p14:creationId xmlns:p14="http://schemas.microsoft.com/office/powerpoint/2010/main" val="1066101504"/>
       </p:ext>
     </p:extLst>
   </p:cSld>
@@ -3945,101 +3936,6 @@
     <p:extLst>
       <p:ext uri="{BB962C8B-B14F-4D97-AF65-F5344CB8AC3E}">
         <p14:creationId xmlns:p14="http://schemas.microsoft.com/office/powerpoint/2010/main" val="1638931893"/>
-      </p:ext>
-    </p:extLst>
-  </p:cSld>
-  <p:clrMapOvr>
-    <a:masterClrMapping/>
-  </p:clrMapOvr>
-</p:notes>
-</file>
-
-<file path=ppt/notesSlides/notesSlide40.xml><?xml version="1.0" encoding="utf-8"?>
-<p:notes xmlns:a="http://schemas.openxmlformats.org/drawingml/2006/main" xmlns:r="http://schemas.openxmlformats.org/officeDocument/2006/relationships" xmlns:p="http://schemas.openxmlformats.org/presentationml/2006/main">
-  <p:cSld>
-    <p:spTree>
-      <p:nvGrpSpPr>
-        <p:cNvPr id="1" name=""/>
-        <p:cNvGrpSpPr/>
-        <p:nvPr/>
-      </p:nvGrpSpPr>
-      <p:grpSpPr>
-        <a:xfrm>
-          <a:off x="0" y="0"/>
-          <a:ext cx="0" cy="0"/>
-          <a:chOff x="0" y="0"/>
-          <a:chExt cx="0" cy="0"/>
-        </a:xfrm>
-      </p:grpSpPr>
-      <p:sp>
-        <p:nvSpPr>
-          <p:cNvPr id="2" name="Slide Image Placeholder 1"/>
-          <p:cNvSpPr>
-            <a:spLocks noGrp="1" noRot="1" noChangeAspect="1"/>
-          </p:cNvSpPr>
-          <p:nvPr>
-            <p:ph type="sldImg"/>
-          </p:nvPr>
-        </p:nvSpPr>
-        <p:spPr/>
-      </p:sp>
-      <p:sp>
-        <p:nvSpPr>
-          <p:cNvPr id="3" name="Notes Placeholder 2"/>
-          <p:cNvSpPr>
-            <a:spLocks noGrp="1"/>
-          </p:cNvSpPr>
-          <p:nvPr>
-            <p:ph type="body" idx="1"/>
-          </p:nvPr>
-        </p:nvSpPr>
-        <p:spPr/>
-        <p:txBody>
-          <a:bodyPr/>
-          <a:lstStyle/>
-          <a:p>
-            <a:r>
-              <a:rPr lang="en-US" dirty="0"/>
-              <a:t>TO put this into context. For a 64-poort 100-Gbits/switch, if we assume 2**20 slots, that’s a memory requirement of 256 </a:t>
-            </a:r>
-            <a:r>
-              <a:rPr lang="en-US" dirty="0" err="1"/>
-              <a:t>Mbits</a:t>
-            </a:r>
-            <a:r>
-              <a:rPr lang="en-US" dirty="0"/>
-              <a:t>, which is about 7.5% of the switching chip’s area. Assuming typical traffic patterns for this switch, this translates into an eviction rate of 8M records every second, which we estimate can be handled by a 32-core server. So the way to think about this is that we can service the eviction rate for a 64 server cluster connected to a TOR switch by using a single 32-core server for typical workloads. This is a simplified summary of the results. The paper has many more details on this.</a:t>
-            </a:r>
-          </a:p>
-        </p:txBody>
-      </p:sp>
-      <p:sp>
-        <p:nvSpPr>
-          <p:cNvPr id="4" name="Slide Number Placeholder 3"/>
-          <p:cNvSpPr>
-            <a:spLocks noGrp="1"/>
-          </p:cNvSpPr>
-          <p:nvPr>
-            <p:ph type="sldNum" sz="quarter" idx="10"/>
-          </p:nvPr>
-        </p:nvSpPr>
-        <p:spPr/>
-        <p:txBody>
-          <a:bodyPr/>
-          <a:lstStyle/>
-          <a:p>
-            <a:fld id="{33793ACE-A489-1C41-B163-D1FF0130F898}" type="slidenum">
-              <a:rPr lang="en-US" smtClean="0"/>
-              <a:t>41</a:t>
-            </a:fld>
-            <a:endParaRPr lang="en-US"/>
-          </a:p>
-        </p:txBody>
-      </p:sp>
-    </p:spTree>
-    <p:extLst>
-      <p:ext uri="{BB962C8B-B14F-4D97-AF65-F5344CB8AC3E}">
-        <p14:creationId xmlns:p14="http://schemas.microsoft.com/office/powerpoint/2010/main" val="1066101504"/>
       </p:ext>
     </p:extLst>
   </p:cSld>
@@ -10679,6 +10575,215 @@
           </a:p>
         </p:txBody>
       </p:sp>
+      <p:sp>
+        <p:nvSpPr>
+          <p:cNvPr id="19" name="Oval 18">
+            <a:extLst>
+              <a:ext uri="{FF2B5EF4-FFF2-40B4-BE49-F238E27FC236}">
+                <a16:creationId xmlns:a16="http://schemas.microsoft.com/office/drawing/2014/main" id="{54A18775-B0F0-F743-B351-5195A239B725}"/>
+              </a:ext>
+            </a:extLst>
+          </p:cNvPr>
+          <p:cNvSpPr/>
+          <p:nvPr/>
+        </p:nvSpPr>
+        <p:spPr>
+          <a:xfrm>
+            <a:off x="2426711" y="1579640"/>
+            <a:ext cx="3807181" cy="1210870"/>
+          </a:xfrm>
+          <a:prstGeom prst="ellipse">
+            <a:avLst/>
+          </a:prstGeom>
+          <a:noFill/>
+          <a:ln w="50800">
+            <a:solidFill>
+              <a:srgbClr val="A31E34"/>
+            </a:solidFill>
+          </a:ln>
+        </p:spPr>
+        <p:style>
+          <a:lnRef idx="2">
+            <a:schemeClr val="accent1">
+              <a:shade val="50000"/>
+            </a:schemeClr>
+          </a:lnRef>
+          <a:fillRef idx="1">
+            <a:schemeClr val="accent1"/>
+          </a:fillRef>
+          <a:effectRef idx="0">
+            <a:schemeClr val="accent1"/>
+          </a:effectRef>
+          <a:fontRef idx="minor">
+            <a:schemeClr val="lt1"/>
+          </a:fontRef>
+        </p:style>
+        <p:txBody>
+          <a:bodyPr rtlCol="0" anchor="ctr"/>
+          <a:lstStyle/>
+          <a:p>
+            <a:pPr algn="ctr"/>
+            <a:endParaRPr lang="en-US"/>
+          </a:p>
+        </p:txBody>
+      </p:sp>
+      <p:sp>
+        <p:nvSpPr>
+          <p:cNvPr id="21" name="TextBox 20">
+            <a:extLst>
+              <a:ext uri="{FF2B5EF4-FFF2-40B4-BE49-F238E27FC236}">
+                <a16:creationId xmlns:a16="http://schemas.microsoft.com/office/drawing/2014/main" id="{F5C4F86C-2166-2047-8CA3-69175F54D6E4}"/>
+              </a:ext>
+            </a:extLst>
+          </p:cNvPr>
+          <p:cNvSpPr txBox="1"/>
+          <p:nvPr/>
+        </p:nvSpPr>
+        <p:spPr>
+          <a:xfrm>
+            <a:off x="1509067" y="2810516"/>
+            <a:ext cx="3504464" cy="523220"/>
+          </a:xfrm>
+          <a:prstGeom prst="rect">
+            <a:avLst/>
+          </a:prstGeom>
+          <a:noFill/>
+        </p:spPr>
+        <p:txBody>
+          <a:bodyPr wrap="square" rtlCol="0">
+            <a:spAutoFit/>
+          </a:bodyPr>
+          <a:lstStyle/>
+          <a:p>
+            <a:pPr algn="ctr"/>
+            <a:r>
+              <a:rPr lang="en-US" sz="2800" dirty="0"/>
+              <a:t>Part of the packet</a:t>
+            </a:r>
+            <a:endParaRPr lang="en-US" sz="2000" dirty="0"/>
+          </a:p>
+        </p:txBody>
+      </p:sp>
+      <p:grpSp>
+        <p:nvGrpSpPr>
+          <p:cNvPr id="3" name="Group 2">
+            <a:extLst>
+              <a:ext uri="{FF2B5EF4-FFF2-40B4-BE49-F238E27FC236}">
+                <a16:creationId xmlns:a16="http://schemas.microsoft.com/office/drawing/2014/main" id="{AAEC4E06-A858-DD4C-9964-584651BF6D5E}"/>
+              </a:ext>
+            </a:extLst>
+          </p:cNvPr>
+          <p:cNvGrpSpPr/>
+          <p:nvPr/>
+        </p:nvGrpSpPr>
+        <p:grpSpPr>
+          <a:xfrm>
+            <a:off x="8192350" y="4343860"/>
+            <a:ext cx="2348759" cy="874596"/>
+            <a:chOff x="8328421" y="4482054"/>
+            <a:chExt cx="2348759" cy="874596"/>
+          </a:xfrm>
+        </p:grpSpPr>
+        <p:sp>
+          <p:nvSpPr>
+            <p:cNvPr id="26" name="Rounded Rectangle 25">
+              <a:extLst>
+                <a:ext uri="{FF2B5EF4-FFF2-40B4-BE49-F238E27FC236}">
+                  <a16:creationId xmlns:a16="http://schemas.microsoft.com/office/drawing/2014/main" id="{43D20B74-91DC-5A4B-BD31-9924A0720549}"/>
+                </a:ext>
+              </a:extLst>
+            </p:cNvPr>
+            <p:cNvSpPr/>
+            <p:nvPr/>
+          </p:nvSpPr>
+          <p:spPr>
+            <a:xfrm>
+              <a:off x="8328421" y="4482054"/>
+              <a:ext cx="2348759" cy="874596"/>
+            </a:xfrm>
+            <a:prstGeom prst="roundRect">
+              <a:avLst/>
+            </a:prstGeom>
+            <a:solidFill>
+              <a:srgbClr val="A31E34"/>
+            </a:solidFill>
+            <a:ln w="50800">
+              <a:solidFill>
+                <a:srgbClr val="A31E34"/>
+              </a:solidFill>
+            </a:ln>
+          </p:spPr>
+          <p:style>
+            <a:lnRef idx="2">
+              <a:schemeClr val="accent1">
+                <a:shade val="50000"/>
+              </a:schemeClr>
+            </a:lnRef>
+            <a:fillRef idx="1">
+              <a:schemeClr val="accent1"/>
+            </a:fillRef>
+            <a:effectRef idx="0">
+              <a:schemeClr val="accent1"/>
+            </a:effectRef>
+            <a:fontRef idx="minor">
+              <a:schemeClr val="lt1"/>
+            </a:fontRef>
+          </p:style>
+          <p:txBody>
+            <a:bodyPr rtlCol="0" anchor="ctr"/>
+            <a:lstStyle/>
+            <a:p>
+              <a:pPr algn="ctr"/>
+              <a:endParaRPr lang="en-US"/>
+            </a:p>
+          </p:txBody>
+        </p:sp>
+        <p:sp>
+          <p:nvSpPr>
+            <p:cNvPr id="27" name="TextBox 26">
+              <a:extLst>
+                <a:ext uri="{FF2B5EF4-FFF2-40B4-BE49-F238E27FC236}">
+                  <a16:creationId xmlns:a16="http://schemas.microsoft.com/office/drawing/2014/main" id="{F34A5DD6-C41D-3745-9446-CD76BA64ED20}"/>
+                </a:ext>
+              </a:extLst>
+            </p:cNvPr>
+            <p:cNvSpPr txBox="1"/>
+            <p:nvPr/>
+          </p:nvSpPr>
+          <p:spPr>
+            <a:xfrm>
+              <a:off x="8489622" y="4638444"/>
+              <a:ext cx="2026355" cy="584775"/>
+            </a:xfrm>
+            <a:prstGeom prst="rect">
+              <a:avLst/>
+            </a:prstGeom>
+            <a:noFill/>
+          </p:spPr>
+          <p:txBody>
+            <a:bodyPr wrap="square" rtlCol="0">
+              <a:spAutoFit/>
+            </a:bodyPr>
+            <a:lstStyle/>
+            <a:p>
+              <a:pPr algn="ctr"/>
+              <a:r>
+                <a:rPr lang="en-US" sz="3200" dirty="0" err="1">
+                  <a:solidFill>
+                    <a:schemeClr val="bg1"/>
+                  </a:solidFill>
+                </a:rPr>
+                <a:t>groupby</a:t>
+              </a:r>
+              <a:endParaRPr lang="en-US" sz="3200" dirty="0">
+                <a:solidFill>
+                  <a:schemeClr val="bg1"/>
+                </a:solidFill>
+              </a:endParaRPr>
+            </a:p>
+          </p:txBody>
+        </p:sp>
+      </p:grpSp>
     </p:spTree>
     <p:custDataLst>
       <p:tags r:id="rId1"/>
@@ -10721,7 +10826,7 @@
                             </p:stCondLst>
                             <p:childTnLst>
                               <p:par>
-                                <p:cTn id="5" presetID="1" presetClass="entr" presetSubtype="0" fill="hold" grpId="0" nodeType="clickEffect">
+                                <p:cTn id="5" presetID="1" presetClass="entr" presetSubtype="0" fill="hold" grpId="1" nodeType="clickEffect">
                                   <p:stCondLst>
                                     <p:cond delay="0"/>
                                   </p:stCondLst>
@@ -10734,7 +10839,7 @@
                                           </p:stCondLst>
                                         </p:cTn>
                                         <p:tgtEl>
-                                          <p:spTgt spid="18"/>
+                                          <p:spTgt spid="19"/>
                                         </p:tgtEl>
                                         <p:attrNameLst>
                                           <p:attrName>style.visibility</p:attrName>
@@ -10761,7 +10866,7 @@
                                           </p:stCondLst>
                                         </p:cTn>
                                         <p:tgtEl>
-                                          <p:spTgt spid="20"/>
+                                          <p:spTgt spid="21"/>
                                         </p:tgtEl>
                                         <p:attrNameLst>
                                           <p:attrName>style.visibility</p:attrName>
@@ -10806,7 +10911,7 @@
                                           </p:stCondLst>
                                         </p:cTn>
                                         <p:tgtEl>
-                                          <p:spTgt spid="14"/>
+                                          <p:spTgt spid="18"/>
                                         </p:tgtEl>
                                         <p:attrNameLst>
                                           <p:attrName>style.visibility</p:attrName>
@@ -10833,7 +10938,124 @@
                                           </p:stCondLst>
                                         </p:cTn>
                                         <p:tgtEl>
+                                          <p:spTgt spid="20"/>
+                                        </p:tgtEl>
+                                        <p:attrNameLst>
+                                          <p:attrName>style.visibility</p:attrName>
+                                        </p:attrNameLst>
+                                      </p:cBhvr>
+                                      <p:to>
+                                        <p:strVal val="visible"/>
+                                      </p:to>
+                                    </p:set>
+                                  </p:childTnLst>
+                                </p:cTn>
+                              </p:par>
+                            </p:childTnLst>
+                          </p:cTn>
+                        </p:par>
+                      </p:childTnLst>
+                    </p:cTn>
+                  </p:par>
+                  <p:par>
+                    <p:cTn id="15" fill="hold">
+                      <p:stCondLst>
+                        <p:cond delay="indefinite"/>
+                      </p:stCondLst>
+                      <p:childTnLst>
+                        <p:par>
+                          <p:cTn id="16" fill="hold">
+                            <p:stCondLst>
+                              <p:cond delay="0"/>
+                            </p:stCondLst>
+                            <p:childTnLst>
+                              <p:par>
+                                <p:cTn id="17" presetID="1" presetClass="entr" presetSubtype="0" fill="hold" grpId="0" nodeType="clickEffect">
+                                  <p:stCondLst>
+                                    <p:cond delay="0"/>
+                                  </p:stCondLst>
+                                  <p:childTnLst>
+                                    <p:set>
+                                      <p:cBhvr>
+                                        <p:cTn id="18" dur="1" fill="hold">
+                                          <p:stCondLst>
+                                            <p:cond delay="0"/>
+                                          </p:stCondLst>
+                                        </p:cTn>
+                                        <p:tgtEl>
+                                          <p:spTgt spid="14"/>
+                                        </p:tgtEl>
+                                        <p:attrNameLst>
+                                          <p:attrName>style.visibility</p:attrName>
+                                        </p:attrNameLst>
+                                      </p:cBhvr>
+                                      <p:to>
+                                        <p:strVal val="visible"/>
+                                      </p:to>
+                                    </p:set>
+                                  </p:childTnLst>
+                                </p:cTn>
+                              </p:par>
+                              <p:par>
+                                <p:cTn id="19" presetID="1" presetClass="entr" presetSubtype="0" fill="hold" grpId="0" nodeType="withEffect">
+                                  <p:stCondLst>
+                                    <p:cond delay="0"/>
+                                  </p:stCondLst>
+                                  <p:childTnLst>
+                                    <p:set>
+                                      <p:cBhvr>
+                                        <p:cTn id="20" dur="1" fill="hold">
+                                          <p:stCondLst>
+                                            <p:cond delay="0"/>
+                                          </p:stCondLst>
+                                        </p:cTn>
+                                        <p:tgtEl>
                                           <p:spTgt spid="15"/>
+                                        </p:tgtEl>
+                                        <p:attrNameLst>
+                                          <p:attrName>style.visibility</p:attrName>
+                                        </p:attrNameLst>
+                                      </p:cBhvr>
+                                      <p:to>
+                                        <p:strVal val="visible"/>
+                                      </p:to>
+                                    </p:set>
+                                  </p:childTnLst>
+                                </p:cTn>
+                              </p:par>
+                            </p:childTnLst>
+                          </p:cTn>
+                        </p:par>
+                      </p:childTnLst>
+                    </p:cTn>
+                  </p:par>
+                  <p:par>
+                    <p:cTn id="21" fill="hold">
+                      <p:stCondLst>
+                        <p:cond delay="indefinite"/>
+                      </p:stCondLst>
+                      <p:childTnLst>
+                        <p:par>
+                          <p:cTn id="22" fill="hold">
+                            <p:stCondLst>
+                              <p:cond delay="0"/>
+                            </p:stCondLst>
+                            <p:childTnLst>
+                              <p:par>
+                                <p:cTn id="23" presetID="1" presetClass="entr" presetSubtype="0" fill="hold" nodeType="clickEffect">
+                                  <p:stCondLst>
+                                    <p:cond delay="0"/>
+                                  </p:stCondLst>
+                                  <p:childTnLst>
+                                    <p:set>
+                                      <p:cBhvr>
+                                        <p:cTn id="24" dur="1" fill="hold">
+                                          <p:stCondLst>
+                                            <p:cond delay="0"/>
+                                          </p:stCondLst>
+                                        </p:cTn>
+                                        <p:tgtEl>
+                                          <p:spTgt spid="3"/>
                                         </p:tgtEl>
                                         <p:attrNameLst>
                                           <p:attrName>style.visibility</p:attrName>
@@ -10878,738 +11100,14 @@
       <p:bldP spid="15" grpId="0"/>
       <p:bldP spid="18" grpId="0" animBg="1"/>
       <p:bldP spid="20" grpId="0"/>
+      <p:bldP spid="19" grpId="1" animBg="1"/>
+      <p:bldP spid="21" grpId="0"/>
     </p:bldLst>
   </p:timing>
 </p:sld>
 </file>
 
 <file path=ppt/slides/slide17.xml><?xml version="1.0" encoding="utf-8"?>
-<p:sld xmlns:a="http://schemas.openxmlformats.org/drawingml/2006/main" xmlns:r="http://schemas.openxmlformats.org/officeDocument/2006/relationships" xmlns:p="http://schemas.openxmlformats.org/presentationml/2006/main">
-  <p:cSld>
-    <p:spTree>
-      <p:nvGrpSpPr>
-        <p:cNvPr id="1" name=""/>
-        <p:cNvGrpSpPr/>
-        <p:nvPr/>
-      </p:nvGrpSpPr>
-      <p:grpSpPr>
-        <a:xfrm>
-          <a:off x="0" y="0"/>
-          <a:ext cx="0" cy="0"/>
-          <a:chOff x="0" y="0"/>
-          <a:chExt cx="0" cy="0"/>
-        </a:xfrm>
-      </p:grpSpPr>
-      <p:sp>
-        <p:nvSpPr>
-          <p:cNvPr id="5" name="Rounded Rectangle 4"/>
-          <p:cNvSpPr/>
-          <p:nvPr/>
-        </p:nvSpPr>
-        <p:spPr>
-          <a:xfrm>
-            <a:off x="1930063" y="4329654"/>
-            <a:ext cx="1958458" cy="874596"/>
-          </a:xfrm>
-          <a:prstGeom prst="roundRect">
-            <a:avLst/>
-          </a:prstGeom>
-          <a:noFill/>
-          <a:ln w="50800">
-            <a:solidFill>
-              <a:srgbClr val="A31E34"/>
-            </a:solidFill>
-          </a:ln>
-        </p:spPr>
-        <p:style>
-          <a:lnRef idx="2">
-            <a:schemeClr val="accent1">
-              <a:shade val="50000"/>
-            </a:schemeClr>
-          </a:lnRef>
-          <a:fillRef idx="1">
-            <a:schemeClr val="accent1"/>
-          </a:fillRef>
-          <a:effectRef idx="0">
-            <a:schemeClr val="accent1"/>
-          </a:effectRef>
-          <a:fontRef idx="minor">
-            <a:schemeClr val="lt1"/>
-          </a:fontRef>
-        </p:style>
-        <p:txBody>
-          <a:bodyPr rtlCol="0" anchor="ctr"/>
-          <a:lstStyle/>
-          <a:p>
-            <a:pPr algn="ctr"/>
-            <a:endParaRPr lang="en-US"/>
-          </a:p>
-        </p:txBody>
-      </p:sp>
-      <p:sp>
-        <p:nvSpPr>
-          <p:cNvPr id="6" name="TextBox 5"/>
-          <p:cNvSpPr txBox="1"/>
-          <p:nvPr/>
-        </p:nvSpPr>
-        <p:spPr>
-          <a:xfrm>
-            <a:off x="2064477" y="4486044"/>
-            <a:ext cx="1689629" cy="584775"/>
-          </a:xfrm>
-          <a:prstGeom prst="rect">
-            <a:avLst/>
-          </a:prstGeom>
-          <a:noFill/>
-        </p:spPr>
-        <p:txBody>
-          <a:bodyPr wrap="square" rtlCol="0">
-            <a:spAutoFit/>
-          </a:bodyPr>
-          <a:lstStyle/>
-          <a:p>
-            <a:pPr algn="ctr"/>
-            <a:r>
-              <a:rPr lang="en-US" sz="3200" dirty="0">
-                <a:solidFill>
-                  <a:srgbClr val="C00000"/>
-                </a:solidFill>
-              </a:rPr>
-              <a:t>filter</a:t>
-            </a:r>
-          </a:p>
-        </p:txBody>
-      </p:sp>
-      <p:sp>
-        <p:nvSpPr>
-          <p:cNvPr id="7" name="Rounded Rectangle 6"/>
-          <p:cNvSpPr/>
-          <p:nvPr/>
-        </p:nvSpPr>
-        <p:spPr>
-          <a:xfrm>
-            <a:off x="4022935" y="4336926"/>
-            <a:ext cx="1958458" cy="874596"/>
-          </a:xfrm>
-          <a:prstGeom prst="roundRect">
-            <a:avLst/>
-          </a:prstGeom>
-          <a:noFill/>
-          <a:ln w="50800">
-            <a:solidFill>
-              <a:srgbClr val="A31E34"/>
-            </a:solidFill>
-          </a:ln>
-        </p:spPr>
-        <p:style>
-          <a:lnRef idx="2">
-            <a:schemeClr val="accent1">
-              <a:shade val="50000"/>
-            </a:schemeClr>
-          </a:lnRef>
-          <a:fillRef idx="1">
-            <a:schemeClr val="accent1"/>
-          </a:fillRef>
-          <a:effectRef idx="0">
-            <a:schemeClr val="accent1"/>
-          </a:effectRef>
-          <a:fontRef idx="minor">
-            <a:schemeClr val="lt1"/>
-          </a:fontRef>
-        </p:style>
-        <p:txBody>
-          <a:bodyPr rtlCol="0" anchor="ctr"/>
-          <a:lstStyle/>
-          <a:p>
-            <a:pPr algn="ctr"/>
-            <a:endParaRPr lang="en-US"/>
-          </a:p>
-        </p:txBody>
-      </p:sp>
-      <p:sp>
-        <p:nvSpPr>
-          <p:cNvPr id="8" name="TextBox 7"/>
-          <p:cNvSpPr txBox="1"/>
-          <p:nvPr/>
-        </p:nvSpPr>
-        <p:spPr>
-          <a:xfrm>
-            <a:off x="4157349" y="4493316"/>
-            <a:ext cx="1689629" cy="584775"/>
-          </a:xfrm>
-          <a:prstGeom prst="rect">
-            <a:avLst/>
-          </a:prstGeom>
-          <a:noFill/>
-        </p:spPr>
-        <p:txBody>
-          <a:bodyPr wrap="square" rtlCol="0">
-            <a:spAutoFit/>
-          </a:bodyPr>
-          <a:lstStyle/>
-          <a:p>
-            <a:pPr algn="ctr"/>
-            <a:r>
-              <a:rPr lang="en-US" sz="3200" dirty="0">
-                <a:solidFill>
-                  <a:srgbClr val="C00000"/>
-                </a:solidFill>
-              </a:rPr>
-              <a:t>map</a:t>
-            </a:r>
-          </a:p>
-        </p:txBody>
-      </p:sp>
-      <p:sp>
-        <p:nvSpPr>
-          <p:cNvPr id="9" name="Rounded Rectangle 8"/>
-          <p:cNvSpPr/>
-          <p:nvPr/>
-        </p:nvSpPr>
-        <p:spPr>
-          <a:xfrm>
-            <a:off x="6099478" y="4332381"/>
-            <a:ext cx="1958458" cy="874596"/>
-          </a:xfrm>
-          <a:prstGeom prst="roundRect">
-            <a:avLst/>
-          </a:prstGeom>
-          <a:noFill/>
-          <a:ln w="50800">
-            <a:solidFill>
-              <a:srgbClr val="A31E34"/>
-            </a:solidFill>
-          </a:ln>
-        </p:spPr>
-        <p:style>
-          <a:lnRef idx="2">
-            <a:schemeClr val="accent1">
-              <a:shade val="50000"/>
-            </a:schemeClr>
-          </a:lnRef>
-          <a:fillRef idx="1">
-            <a:schemeClr val="accent1"/>
-          </a:fillRef>
-          <a:effectRef idx="0">
-            <a:schemeClr val="accent1"/>
-          </a:effectRef>
-          <a:fontRef idx="minor">
-            <a:schemeClr val="lt1"/>
-          </a:fontRef>
-        </p:style>
-        <p:txBody>
-          <a:bodyPr rtlCol="0" anchor="ctr"/>
-          <a:lstStyle/>
-          <a:p>
-            <a:pPr algn="ctr"/>
-            <a:endParaRPr lang="en-US"/>
-          </a:p>
-        </p:txBody>
-      </p:sp>
-      <p:sp>
-        <p:nvSpPr>
-          <p:cNvPr id="10" name="TextBox 9"/>
-          <p:cNvSpPr txBox="1"/>
-          <p:nvPr/>
-        </p:nvSpPr>
-        <p:spPr>
-          <a:xfrm>
-            <a:off x="6233892" y="4488771"/>
-            <a:ext cx="1689629" cy="584775"/>
-          </a:xfrm>
-          <a:prstGeom prst="rect">
-            <a:avLst/>
-          </a:prstGeom>
-          <a:noFill/>
-        </p:spPr>
-        <p:txBody>
-          <a:bodyPr wrap="square" rtlCol="0">
-            <a:spAutoFit/>
-          </a:bodyPr>
-          <a:lstStyle/>
-          <a:p>
-            <a:pPr algn="ctr"/>
-            <a:r>
-              <a:rPr lang="en-US" sz="3200" dirty="0">
-                <a:solidFill>
-                  <a:srgbClr val="C00000"/>
-                </a:solidFill>
-              </a:rPr>
-              <a:t>zip</a:t>
-            </a:r>
-          </a:p>
-        </p:txBody>
-      </p:sp>
-      <p:sp>
-        <p:nvSpPr>
-          <p:cNvPr id="11" name="Rounded Rectangle 10"/>
-          <p:cNvSpPr/>
-          <p:nvPr/>
-        </p:nvSpPr>
-        <p:spPr>
-          <a:xfrm>
-            <a:off x="8176021" y="4329654"/>
-            <a:ext cx="2348759" cy="874596"/>
-          </a:xfrm>
-          <a:prstGeom prst="roundRect">
-            <a:avLst/>
-          </a:prstGeom>
-          <a:solidFill>
-            <a:srgbClr val="A31E34"/>
-          </a:solidFill>
-          <a:ln w="50800">
-            <a:solidFill>
-              <a:srgbClr val="A31E34"/>
-            </a:solidFill>
-          </a:ln>
-        </p:spPr>
-        <p:style>
-          <a:lnRef idx="2">
-            <a:schemeClr val="accent1">
-              <a:shade val="50000"/>
-            </a:schemeClr>
-          </a:lnRef>
-          <a:fillRef idx="1">
-            <a:schemeClr val="accent1"/>
-          </a:fillRef>
-          <a:effectRef idx="0">
-            <a:schemeClr val="accent1"/>
-          </a:effectRef>
-          <a:fontRef idx="minor">
-            <a:schemeClr val="lt1"/>
-          </a:fontRef>
-        </p:style>
-        <p:txBody>
-          <a:bodyPr rtlCol="0" anchor="ctr"/>
-          <a:lstStyle/>
-          <a:p>
-            <a:pPr algn="ctr"/>
-            <a:endParaRPr lang="en-US"/>
-          </a:p>
-        </p:txBody>
-      </p:sp>
-      <p:sp>
-        <p:nvSpPr>
-          <p:cNvPr id="12" name="TextBox 11"/>
-          <p:cNvSpPr txBox="1"/>
-          <p:nvPr/>
-        </p:nvSpPr>
-        <p:spPr>
-          <a:xfrm>
-            <a:off x="8337222" y="4486044"/>
-            <a:ext cx="2026355" cy="584775"/>
-          </a:xfrm>
-          <a:prstGeom prst="rect">
-            <a:avLst/>
-          </a:prstGeom>
-          <a:noFill/>
-        </p:spPr>
-        <p:txBody>
-          <a:bodyPr wrap="square" rtlCol="0">
-            <a:spAutoFit/>
-          </a:bodyPr>
-          <a:lstStyle/>
-          <a:p>
-            <a:pPr algn="ctr"/>
-            <a:r>
-              <a:rPr lang="en-US" sz="3200" dirty="0" err="1">
-                <a:solidFill>
-                  <a:schemeClr val="bg1"/>
-                </a:solidFill>
-              </a:rPr>
-              <a:t>groupby</a:t>
-            </a:r>
-            <a:endParaRPr lang="en-US" sz="3200" dirty="0">
-              <a:solidFill>
-                <a:schemeClr val="bg1"/>
-              </a:solidFill>
-            </a:endParaRPr>
-          </a:p>
-        </p:txBody>
-      </p:sp>
-      <p:sp>
-        <p:nvSpPr>
-          <p:cNvPr id="13" name="Title 1"/>
-          <p:cNvSpPr>
-            <a:spLocks noGrp="1"/>
-          </p:cNvSpPr>
-          <p:nvPr>
-            <p:ph type="title"/>
-          </p:nvPr>
-        </p:nvSpPr>
-        <p:spPr>
-          <a:xfrm>
-            <a:off x="838200" y="365125"/>
-            <a:ext cx="10515600" cy="1325563"/>
-          </a:xfrm>
-        </p:spPr>
-        <p:txBody>
-          <a:bodyPr/>
-          <a:lstStyle/>
-          <a:p>
-            <a:r>
-              <a:rPr lang="en-US" dirty="0"/>
-              <a:t>Implementing Marple on switches</a:t>
-            </a:r>
-          </a:p>
-        </p:txBody>
-      </p:sp>
-      <p:sp>
-        <p:nvSpPr>
-          <p:cNvPr id="14" name="Right Brace 13"/>
-          <p:cNvSpPr/>
-          <p:nvPr/>
-        </p:nvSpPr>
-        <p:spPr>
-          <a:xfrm rot="5400000">
-            <a:off x="4687104" y="2510654"/>
-            <a:ext cx="613790" cy="6127873"/>
-          </a:xfrm>
-          <a:prstGeom prst="rightBrace">
-            <a:avLst/>
-          </a:prstGeom>
-          <a:ln w="44450">
-            <a:solidFill>
-              <a:schemeClr val="tx1"/>
-            </a:solidFill>
-          </a:ln>
-        </p:spPr>
-        <p:style>
-          <a:lnRef idx="1">
-            <a:schemeClr val="accent1"/>
-          </a:lnRef>
-          <a:fillRef idx="0">
-            <a:schemeClr val="accent1"/>
-          </a:fillRef>
-          <a:effectRef idx="0">
-            <a:schemeClr val="accent1"/>
-          </a:effectRef>
-          <a:fontRef idx="minor">
-            <a:schemeClr val="tx1"/>
-          </a:fontRef>
-        </p:style>
-        <p:txBody>
-          <a:bodyPr rtlCol="0" anchor="ctr"/>
-          <a:lstStyle/>
-          <a:p>
-            <a:pPr algn="ctr"/>
-            <a:endParaRPr lang="en-US"/>
-          </a:p>
-        </p:txBody>
-      </p:sp>
-      <p:sp>
-        <p:nvSpPr>
-          <p:cNvPr id="15" name="TextBox 14"/>
-          <p:cNvSpPr txBox="1"/>
-          <p:nvPr/>
-        </p:nvSpPr>
-        <p:spPr>
-          <a:xfrm>
-            <a:off x="1509067" y="5901493"/>
-            <a:ext cx="6969863" cy="1261884"/>
-          </a:xfrm>
-          <a:prstGeom prst="rect">
-            <a:avLst/>
-          </a:prstGeom>
-          <a:noFill/>
-        </p:spPr>
-        <p:txBody>
-          <a:bodyPr wrap="square" rtlCol="0">
-            <a:spAutoFit/>
-          </a:bodyPr>
-          <a:lstStyle/>
-          <a:p>
-            <a:pPr algn="ctr"/>
-            <a:r>
-              <a:rPr lang="en-US" sz="2800"/>
-              <a:t>Stateless match-action rules</a:t>
-            </a:r>
-            <a:endParaRPr lang="en-US" sz="2800" dirty="0"/>
-          </a:p>
-          <a:p>
-            <a:pPr algn="ctr"/>
-            <a:r>
-              <a:rPr lang="en-US" sz="2000" dirty="0"/>
-              <a:t>[RMT SIGCOMM’13]</a:t>
-            </a:r>
-          </a:p>
-          <a:p>
-            <a:pPr algn="ctr"/>
-            <a:endParaRPr lang="en-US" sz="2800" dirty="0"/>
-          </a:p>
-        </p:txBody>
-      </p:sp>
-      <p:sp>
-        <p:nvSpPr>
-          <p:cNvPr id="16" name="Rectangle 15"/>
-          <p:cNvSpPr/>
-          <p:nvPr/>
-        </p:nvSpPr>
-        <p:spPr>
-          <a:xfrm>
-            <a:off x="840521" y="1911089"/>
-            <a:ext cx="10513279" cy="523220"/>
-          </a:xfrm>
-          <a:prstGeom prst="rect">
-            <a:avLst/>
-          </a:prstGeom>
-        </p:spPr>
-        <p:txBody>
-          <a:bodyPr wrap="square">
-            <a:spAutoFit/>
-          </a:bodyPr>
-          <a:lstStyle/>
-          <a:p>
-            <a:pPr lvl="1" algn="ctr"/>
-            <a:r>
-              <a:rPr lang="en-US" sz="2800" dirty="0">
-                <a:latin typeface="Ayuthaya" charset="-34"/>
-                <a:ea typeface="Ayuthaya" charset="-34"/>
-                <a:cs typeface="Ayuthaya" charset="-34"/>
-              </a:rPr>
-              <a:t>S:= (switch, </a:t>
-            </a:r>
-            <a:r>
-              <a:rPr lang="en-US" sz="2800" dirty="0" err="1">
-                <a:latin typeface="Ayuthaya" charset="-34"/>
-                <a:ea typeface="Ayuthaya" charset="-34"/>
-                <a:cs typeface="Ayuthaya" charset="-34"/>
-              </a:rPr>
-              <a:t>hdrs</a:t>
-            </a:r>
-            <a:r>
-              <a:rPr lang="en-US" sz="2800" dirty="0">
-                <a:latin typeface="Ayuthaya" charset="-34"/>
-                <a:ea typeface="Ayuthaya" charset="-34"/>
-                <a:cs typeface="Ayuthaya" charset="-34"/>
-              </a:rPr>
-              <a:t>, </a:t>
-            </a:r>
-            <a:r>
-              <a:rPr lang="en-US" sz="2800" dirty="0" err="1">
-                <a:latin typeface="Ayuthaya" charset="-34"/>
-                <a:ea typeface="Ayuthaya" charset="-34"/>
-                <a:cs typeface="Ayuthaya" charset="-34"/>
-              </a:rPr>
-              <a:t>uid</a:t>
-            </a:r>
-            <a:r>
-              <a:rPr lang="en-US" sz="2800" dirty="0">
-                <a:latin typeface="Ayuthaya" charset="-34"/>
-                <a:ea typeface="Ayuthaya" charset="-34"/>
-                <a:cs typeface="Ayuthaya" charset="-34"/>
-              </a:rPr>
-              <a:t>, </a:t>
-            </a:r>
-            <a:r>
-              <a:rPr lang="en-US" sz="2800" dirty="0" err="1">
-                <a:latin typeface="Ayuthaya" charset="-34"/>
-                <a:ea typeface="Ayuthaya" charset="-34"/>
-                <a:cs typeface="Ayuthaya" charset="-34"/>
-              </a:rPr>
-              <a:t>qid</a:t>
-            </a:r>
-            <a:r>
-              <a:rPr lang="en-US" sz="2800" dirty="0">
-                <a:latin typeface="Ayuthaya" charset="-34"/>
-                <a:ea typeface="Ayuthaya" charset="-34"/>
-                <a:cs typeface="Ayuthaya" charset="-34"/>
-              </a:rPr>
-              <a:t>, tin, tout, </a:t>
-            </a:r>
-            <a:r>
-              <a:rPr lang="en-US" sz="2800" dirty="0" err="1">
-                <a:latin typeface="Ayuthaya" charset="-34"/>
-                <a:ea typeface="Ayuthaya" charset="-34"/>
-                <a:cs typeface="Ayuthaya" charset="-34"/>
-              </a:rPr>
-              <a:t>qsize</a:t>
-            </a:r>
-            <a:r>
-              <a:rPr lang="en-US" sz="2800" dirty="0">
-                <a:latin typeface="Ayuthaya" charset="-34"/>
-                <a:ea typeface="Ayuthaya" charset="-34"/>
-                <a:cs typeface="Ayuthaya" charset="-34"/>
-              </a:rPr>
-              <a:t>) </a:t>
-            </a:r>
-          </a:p>
-        </p:txBody>
-      </p:sp>
-      <p:sp>
-        <p:nvSpPr>
-          <p:cNvPr id="17" name="Down Arrow 16"/>
-          <p:cNvSpPr/>
-          <p:nvPr/>
-        </p:nvSpPr>
-        <p:spPr>
-          <a:xfrm>
-            <a:off x="5257434" y="2856190"/>
-            <a:ext cx="1716745" cy="1033175"/>
-          </a:xfrm>
-          <a:prstGeom prst="downArrow">
-            <a:avLst/>
-          </a:prstGeom>
-          <a:noFill/>
-          <a:ln w="63500">
-            <a:solidFill>
-              <a:schemeClr val="tx1"/>
-            </a:solidFill>
-          </a:ln>
-        </p:spPr>
-        <p:style>
-          <a:lnRef idx="2">
-            <a:schemeClr val="accent1">
-              <a:shade val="50000"/>
-            </a:schemeClr>
-          </a:lnRef>
-          <a:fillRef idx="1">
-            <a:schemeClr val="accent1"/>
-          </a:fillRef>
-          <a:effectRef idx="0">
-            <a:schemeClr val="accent1"/>
-          </a:effectRef>
-          <a:fontRef idx="minor">
-            <a:schemeClr val="lt1"/>
-          </a:fontRef>
-        </p:style>
-        <p:txBody>
-          <a:bodyPr rtlCol="0" anchor="ctr"/>
-          <a:lstStyle/>
-          <a:p>
-            <a:pPr algn="ctr"/>
-            <a:endParaRPr lang="en-US"/>
-          </a:p>
-        </p:txBody>
-      </p:sp>
-      <p:sp>
-        <p:nvSpPr>
-          <p:cNvPr id="20" name="TextBox 19"/>
-          <p:cNvSpPr txBox="1"/>
-          <p:nvPr/>
-        </p:nvSpPr>
-        <p:spPr>
-          <a:xfrm>
-            <a:off x="6936385" y="2787198"/>
-            <a:ext cx="5136793" cy="830997"/>
-          </a:xfrm>
-          <a:prstGeom prst="rect">
-            <a:avLst/>
-          </a:prstGeom>
-          <a:noFill/>
-        </p:spPr>
-        <p:txBody>
-          <a:bodyPr wrap="square" rtlCol="0">
-            <a:spAutoFit/>
-          </a:bodyPr>
-          <a:lstStyle/>
-          <a:p>
-            <a:pPr algn="ctr"/>
-            <a:r>
-              <a:rPr lang="en-US" sz="2800" dirty="0"/>
-              <a:t>Switch telemetry</a:t>
-            </a:r>
-          </a:p>
-          <a:p>
-            <a:pPr algn="ctr"/>
-            <a:r>
-              <a:rPr lang="en-US" sz="2000" dirty="0"/>
-              <a:t>[INT SOSR’15]</a:t>
-            </a:r>
-          </a:p>
-        </p:txBody>
-      </p:sp>
-      <p:sp>
-        <p:nvSpPr>
-          <p:cNvPr id="19" name="Oval 18"/>
-          <p:cNvSpPr/>
-          <p:nvPr/>
-        </p:nvSpPr>
-        <p:spPr>
-          <a:xfrm>
-            <a:off x="6233893" y="1582952"/>
-            <a:ext cx="5150904" cy="1210870"/>
-          </a:xfrm>
-          <a:prstGeom prst="ellipse">
-            <a:avLst/>
-          </a:prstGeom>
-          <a:noFill/>
-          <a:ln w="50800">
-            <a:solidFill>
-              <a:srgbClr val="A31E34"/>
-            </a:solidFill>
-          </a:ln>
-        </p:spPr>
-        <p:style>
-          <a:lnRef idx="2">
-            <a:schemeClr val="accent1">
-              <a:shade val="50000"/>
-            </a:schemeClr>
-          </a:lnRef>
-          <a:fillRef idx="1">
-            <a:schemeClr val="accent1"/>
-          </a:fillRef>
-          <a:effectRef idx="0">
-            <a:schemeClr val="accent1"/>
-          </a:effectRef>
-          <a:fontRef idx="minor">
-            <a:schemeClr val="lt1"/>
-          </a:fontRef>
-        </p:style>
-        <p:txBody>
-          <a:bodyPr rtlCol="0" anchor="ctr"/>
-          <a:lstStyle/>
-          <a:p>
-            <a:pPr algn="ctr"/>
-            <a:endParaRPr lang="en-US"/>
-          </a:p>
-        </p:txBody>
-      </p:sp>
-      <p:sp>
-        <p:nvSpPr>
-          <p:cNvPr id="2" name="Slide Number Placeholder 1"/>
-          <p:cNvSpPr>
-            <a:spLocks noGrp="1"/>
-          </p:cNvSpPr>
-          <p:nvPr>
-            <p:ph type="sldNum" sz="quarter" idx="12"/>
-          </p:nvPr>
-        </p:nvSpPr>
-        <p:spPr/>
-        <p:txBody>
-          <a:bodyPr/>
-          <a:lstStyle/>
-          <a:p>
-            <a:fld id="{7ADDFCCE-7BFB-9F43-8A65-C6CBBDF8F088}" type="slidenum">
-              <a:rPr lang="en-US" smtClean="0"/>
-              <a:t>17</a:t>
-            </a:fld>
-            <a:endParaRPr lang="en-US"/>
-          </a:p>
-        </p:txBody>
-      </p:sp>
-    </p:spTree>
-    <p:extLst>
-      <p:ext uri="{BB962C8B-B14F-4D97-AF65-F5344CB8AC3E}">
-        <p14:creationId xmlns:p14="http://schemas.microsoft.com/office/powerpoint/2010/main" val="1330700229"/>
-      </p:ext>
-    </p:extLst>
-  </p:cSld>
-  <p:clrMapOvr>
-    <a:masterClrMapping/>
-  </p:clrMapOvr>
-  <mc:AlternateContent xmlns:mc="http://schemas.openxmlformats.org/markup-compatibility/2006" xmlns:p14="http://schemas.microsoft.com/office/powerpoint/2010/main">
-    <mc:Choice Requires="p14">
-      <p:transition spd="slow" p14:dur="2000" advTm="5900"/>
-    </mc:Choice>
-    <mc:Fallback xmlns="">
-      <p:transition spd="slow" advTm="5900"/>
-    </mc:Fallback>
-  </mc:AlternateContent>
-</p:sld>
-</file>
-
-<file path=ppt/slides/slide18.xml><?xml version="1.0" encoding="utf-8"?>
 <p:sld xmlns:a="http://schemas.openxmlformats.org/drawingml/2006/main" xmlns:r="http://schemas.openxmlformats.org/officeDocument/2006/relationships" xmlns:p="http://schemas.openxmlformats.org/presentationml/2006/main">
   <p:cSld>
     <p:spTree>
@@ -11923,7 +11421,7 @@
           <a:p>
             <a:fld id="{7ADDFCCE-7BFB-9F43-8A65-C6CBBDF8F088}" type="slidenum">
               <a:rPr lang="en-US" smtClean="0"/>
-              <a:t>18</a:t>
+              <a:t>17</a:t>
             </a:fld>
             <a:endParaRPr lang="en-US"/>
           </a:p>
@@ -12081,7 +11579,7 @@
 </p:sld>
 </file>
 
-<file path=ppt/slides/slide19.xml><?xml version="1.0" encoding="utf-8"?>
+<file path=ppt/slides/slide18.xml><?xml version="1.0" encoding="utf-8"?>
 <p:sld xmlns:a="http://schemas.openxmlformats.org/drawingml/2006/main" xmlns:r="http://schemas.openxmlformats.org/officeDocument/2006/relationships" xmlns:p="http://schemas.openxmlformats.org/presentationml/2006/main">
   <p:cSld>
     <p:spTree>
@@ -12115,7 +11613,7 @@
           <a:p>
             <a:fld id="{7ADDFCCE-7BFB-9F43-8A65-C6CBBDF8F088}" type="slidenum">
               <a:rPr lang="en-US" smtClean="0"/>
-              <a:t>19</a:t>
+              <a:t>18</a:t>
             </a:fld>
             <a:endParaRPr lang="en-US"/>
           </a:p>
@@ -12188,6 +11686,303 @@
   <p:clrMapOvr>
     <a:masterClrMapping/>
   </p:clrMapOvr>
+</p:sld>
+</file>
+
+<file path=ppt/slides/slide19.xml><?xml version="1.0" encoding="utf-8"?>
+<p:sld xmlns:a="http://schemas.openxmlformats.org/drawingml/2006/main" xmlns:r="http://schemas.openxmlformats.org/officeDocument/2006/relationships" xmlns:p="http://schemas.openxmlformats.org/presentationml/2006/main">
+  <p:cSld>
+    <p:spTree>
+      <p:nvGrpSpPr>
+        <p:cNvPr id="1" name=""/>
+        <p:cNvGrpSpPr/>
+        <p:nvPr/>
+      </p:nvGrpSpPr>
+      <p:grpSpPr>
+        <a:xfrm>
+          <a:off x="0" y="0"/>
+          <a:ext cx="0" cy="0"/>
+          <a:chOff x="0" y="0"/>
+          <a:chExt cx="0" cy="0"/>
+        </a:xfrm>
+      </p:grpSpPr>
+      <p:sp>
+        <p:nvSpPr>
+          <p:cNvPr id="5" name="Title 1">
+            <a:extLst>
+              <a:ext uri="{FF2B5EF4-FFF2-40B4-BE49-F238E27FC236}">
+                <a16:creationId xmlns:a16="http://schemas.microsoft.com/office/drawing/2014/main" id="{7F22244B-F93B-D849-B790-051D3AA07B61}"/>
+              </a:ext>
+            </a:extLst>
+          </p:cNvPr>
+          <p:cNvSpPr>
+            <a:spLocks noGrp="1"/>
+          </p:cNvSpPr>
+          <p:nvPr>
+            <p:ph type="title"/>
+          </p:nvPr>
+        </p:nvSpPr>
+        <p:spPr/>
+        <p:txBody>
+          <a:bodyPr/>
+          <a:lstStyle/>
+          <a:p>
+            <a:r>
+              <a:rPr lang="en-US" dirty="0"/>
+              <a:t>The classical solution: caching</a:t>
+            </a:r>
+          </a:p>
+        </p:txBody>
+      </p:sp>
+      <p:sp>
+        <p:nvSpPr>
+          <p:cNvPr id="6" name="Content Placeholder 2">
+            <a:extLst>
+              <a:ext uri="{FF2B5EF4-FFF2-40B4-BE49-F238E27FC236}">
+                <a16:creationId xmlns:a16="http://schemas.microsoft.com/office/drawing/2014/main" id="{12D1FCC3-AB60-2741-A18D-022996429B6A}"/>
+              </a:ext>
+            </a:extLst>
+          </p:cNvPr>
+          <p:cNvSpPr>
+            <a:spLocks noGrp="1"/>
+          </p:cNvSpPr>
+          <p:nvPr>
+            <p:ph idx="1"/>
+          </p:nvPr>
+        </p:nvSpPr>
+        <p:spPr/>
+        <p:txBody>
+          <a:bodyPr>
+            <a:normAutofit/>
+          </a:bodyPr>
+          <a:lstStyle/>
+          <a:p>
+            <a:r>
+              <a:rPr lang="en-US" dirty="0"/>
+              <a:t>Structure stats measurement as key-value store</a:t>
+            </a:r>
+          </a:p>
+          <a:p>
+            <a:endParaRPr lang="en-US" dirty="0"/>
+          </a:p>
+          <a:p>
+            <a:r>
+              <a:rPr lang="en-US" dirty="0"/>
+              <a:t>Key=flow, value=statistic being measured</a:t>
+            </a:r>
+          </a:p>
+          <a:p>
+            <a:endParaRPr lang="en-US" dirty="0"/>
+          </a:p>
+          <a:p>
+            <a:r>
+              <a:rPr lang="en-US" dirty="0"/>
+              <a:t>Cache key-value store in SRAM; maintain authoritative copy in DRAM.</a:t>
+            </a:r>
+          </a:p>
+          <a:p>
+            <a:endParaRPr lang="en-US" dirty="0"/>
+          </a:p>
+          <a:p>
+            <a:endParaRPr lang="en-US" dirty="0"/>
+          </a:p>
+        </p:txBody>
+      </p:sp>
+    </p:spTree>
+    <p:extLst>
+      <p:ext uri="{BB962C8B-B14F-4D97-AF65-F5344CB8AC3E}">
+        <p14:creationId xmlns:p14="http://schemas.microsoft.com/office/powerpoint/2010/main" val="521330179"/>
+      </p:ext>
+    </p:extLst>
+  </p:cSld>
+  <p:clrMapOvr>
+    <a:masterClrMapping/>
+  </p:clrMapOvr>
+  <mc:AlternateContent xmlns:mc="http://schemas.openxmlformats.org/markup-compatibility/2006" xmlns:p14="http://schemas.microsoft.com/office/powerpoint/2010/main">
+    <mc:Choice Requires="p14">
+      <p:transition spd="slow" p14:dur="2000" advTm="9896"/>
+    </mc:Choice>
+    <mc:Fallback xmlns="">
+      <p:transition spd="slow" advTm="9896"/>
+    </mc:Fallback>
+  </mc:AlternateContent>
+  <p:timing>
+    <p:tnLst>
+      <p:par>
+        <p:cTn id="1" dur="indefinite" restart="never" nodeType="tmRoot">
+          <p:childTnLst>
+            <p:seq concurrent="1" nextAc="seek">
+              <p:cTn id="2" dur="indefinite" nodeType="mainSeq">
+                <p:childTnLst>
+                  <p:par>
+                    <p:cTn id="3" fill="hold">
+                      <p:stCondLst>
+                        <p:cond delay="indefinite"/>
+                      </p:stCondLst>
+                      <p:childTnLst>
+                        <p:par>
+                          <p:cTn id="4" fill="hold">
+                            <p:stCondLst>
+                              <p:cond delay="0"/>
+                            </p:stCondLst>
+                            <p:childTnLst>
+                              <p:par>
+                                <p:cTn id="5" presetID="1" presetClass="entr" presetSubtype="0" fill="hold" nodeType="clickEffect">
+                                  <p:stCondLst>
+                                    <p:cond delay="0"/>
+                                  </p:stCondLst>
+                                  <p:childTnLst>
+                                    <p:set>
+                                      <p:cBhvr>
+                                        <p:cTn id="6" dur="1" fill="hold">
+                                          <p:stCondLst>
+                                            <p:cond delay="0"/>
+                                          </p:stCondLst>
+                                        </p:cTn>
+                                        <p:tgtEl>
+                                          <p:spTgt spid="6">
+                                            <p:txEl>
+                                              <p:pRg st="0" end="0"/>
+                                            </p:txEl>
+                                          </p:spTgt>
+                                        </p:tgtEl>
+                                        <p:attrNameLst>
+                                          <p:attrName>style.visibility</p:attrName>
+                                        </p:attrNameLst>
+                                      </p:cBhvr>
+                                      <p:to>
+                                        <p:strVal val="visible"/>
+                                      </p:to>
+                                    </p:set>
+                                  </p:childTnLst>
+                                </p:cTn>
+                              </p:par>
+                            </p:childTnLst>
+                          </p:cTn>
+                        </p:par>
+                      </p:childTnLst>
+                    </p:cTn>
+                  </p:par>
+                  <p:par>
+                    <p:cTn id="7" fill="hold">
+                      <p:stCondLst>
+                        <p:cond delay="indefinite"/>
+                      </p:stCondLst>
+                      <p:childTnLst>
+                        <p:par>
+                          <p:cTn id="8" fill="hold">
+                            <p:stCondLst>
+                              <p:cond delay="0"/>
+                            </p:stCondLst>
+                            <p:childTnLst>
+                              <p:par>
+                                <p:cTn id="9" presetID="1" presetClass="entr" presetSubtype="0" fill="hold" nodeType="clickEffect">
+                                  <p:stCondLst>
+                                    <p:cond delay="0"/>
+                                  </p:stCondLst>
+                                  <p:childTnLst>
+                                    <p:set>
+                                      <p:cBhvr>
+                                        <p:cTn id="10" dur="1" fill="hold">
+                                          <p:stCondLst>
+                                            <p:cond delay="0"/>
+                                          </p:stCondLst>
+                                        </p:cTn>
+                                        <p:tgtEl>
+                                          <p:spTgt spid="6">
+                                            <p:txEl>
+                                              <p:pRg st="2" end="2"/>
+                                            </p:txEl>
+                                          </p:spTgt>
+                                        </p:tgtEl>
+                                        <p:attrNameLst>
+                                          <p:attrName>style.visibility</p:attrName>
+                                        </p:attrNameLst>
+                                      </p:cBhvr>
+                                      <p:to>
+                                        <p:strVal val="visible"/>
+                                      </p:to>
+                                    </p:set>
+                                  </p:childTnLst>
+                                </p:cTn>
+                              </p:par>
+                            </p:childTnLst>
+                          </p:cTn>
+                        </p:par>
+                      </p:childTnLst>
+                    </p:cTn>
+                  </p:par>
+                  <p:par>
+                    <p:cTn id="11" fill="hold">
+                      <p:stCondLst>
+                        <p:cond delay="indefinite"/>
+                      </p:stCondLst>
+                      <p:childTnLst>
+                        <p:par>
+                          <p:cTn id="12" fill="hold">
+                            <p:stCondLst>
+                              <p:cond delay="0"/>
+                            </p:stCondLst>
+                            <p:childTnLst>
+                              <p:par>
+                                <p:cTn id="13" presetID="1" presetClass="entr" presetSubtype="0" fill="hold" nodeType="clickEffect">
+                                  <p:stCondLst>
+                                    <p:cond delay="0"/>
+                                  </p:stCondLst>
+                                  <p:childTnLst>
+                                    <p:set>
+                                      <p:cBhvr>
+                                        <p:cTn id="14" dur="1" fill="hold">
+                                          <p:stCondLst>
+                                            <p:cond delay="0"/>
+                                          </p:stCondLst>
+                                        </p:cTn>
+                                        <p:tgtEl>
+                                          <p:spTgt spid="6">
+                                            <p:txEl>
+                                              <p:pRg st="4" end="4"/>
+                                            </p:txEl>
+                                          </p:spTgt>
+                                        </p:tgtEl>
+                                        <p:attrNameLst>
+                                          <p:attrName>style.visibility</p:attrName>
+                                        </p:attrNameLst>
+                                      </p:cBhvr>
+                                      <p:to>
+                                        <p:strVal val="visible"/>
+                                      </p:to>
+                                    </p:set>
+                                  </p:childTnLst>
+                                </p:cTn>
+                              </p:par>
+                            </p:childTnLst>
+                          </p:cTn>
+                        </p:par>
+                      </p:childTnLst>
+                    </p:cTn>
+                  </p:par>
+                </p:childTnLst>
+              </p:cTn>
+              <p:prevCondLst>
+                <p:cond evt="onPrev" delay="0">
+                  <p:tgtEl>
+                    <p:sldTgt/>
+                  </p:tgtEl>
+                </p:cond>
+              </p:prevCondLst>
+              <p:nextCondLst>
+                <p:cond evt="onNext" delay="0">
+                  <p:tgtEl>
+                    <p:sldTgt/>
+                  </p:tgtEl>
+                </p:cond>
+              </p:nextCondLst>
+            </p:seq>
+          </p:childTnLst>
+        </p:cTn>
+      </p:par>
+    </p:tnLst>
+  </p:timing>
 </p:sld>
 </file>
 
@@ -15075,303 +14870,6 @@
       </p:grpSpPr>
       <p:sp>
         <p:nvSpPr>
-          <p:cNvPr id="5" name="Title 1">
-            <a:extLst>
-              <a:ext uri="{FF2B5EF4-FFF2-40B4-BE49-F238E27FC236}">
-                <a16:creationId xmlns:a16="http://schemas.microsoft.com/office/drawing/2014/main" id="{7F22244B-F93B-D849-B790-051D3AA07B61}"/>
-              </a:ext>
-            </a:extLst>
-          </p:cNvPr>
-          <p:cNvSpPr>
-            <a:spLocks noGrp="1"/>
-          </p:cNvSpPr>
-          <p:nvPr>
-            <p:ph type="title"/>
-          </p:nvPr>
-        </p:nvSpPr>
-        <p:spPr/>
-        <p:txBody>
-          <a:bodyPr/>
-          <a:lstStyle/>
-          <a:p>
-            <a:r>
-              <a:rPr lang="en-US" dirty="0"/>
-              <a:t>The classical solution: caching</a:t>
-            </a:r>
-          </a:p>
-        </p:txBody>
-      </p:sp>
-      <p:sp>
-        <p:nvSpPr>
-          <p:cNvPr id="6" name="Content Placeholder 2">
-            <a:extLst>
-              <a:ext uri="{FF2B5EF4-FFF2-40B4-BE49-F238E27FC236}">
-                <a16:creationId xmlns:a16="http://schemas.microsoft.com/office/drawing/2014/main" id="{12D1FCC3-AB60-2741-A18D-022996429B6A}"/>
-              </a:ext>
-            </a:extLst>
-          </p:cNvPr>
-          <p:cNvSpPr>
-            <a:spLocks noGrp="1"/>
-          </p:cNvSpPr>
-          <p:nvPr>
-            <p:ph idx="1"/>
-          </p:nvPr>
-        </p:nvSpPr>
-        <p:spPr/>
-        <p:txBody>
-          <a:bodyPr>
-            <a:normAutofit/>
-          </a:bodyPr>
-          <a:lstStyle/>
-          <a:p>
-            <a:r>
-              <a:rPr lang="en-US" dirty="0"/>
-              <a:t>Structure stats measurement as key-value store</a:t>
-            </a:r>
-          </a:p>
-          <a:p>
-            <a:endParaRPr lang="en-US" dirty="0"/>
-          </a:p>
-          <a:p>
-            <a:r>
-              <a:rPr lang="en-US" dirty="0"/>
-              <a:t>Key=flow, value=statistic being measured</a:t>
-            </a:r>
-          </a:p>
-          <a:p>
-            <a:endParaRPr lang="en-US" dirty="0"/>
-          </a:p>
-          <a:p>
-            <a:r>
-              <a:rPr lang="en-US" dirty="0"/>
-              <a:t>Cache key-value store in SRAM; maintain authoritative copy in DRAM.</a:t>
-            </a:r>
-          </a:p>
-          <a:p>
-            <a:endParaRPr lang="en-US" dirty="0"/>
-          </a:p>
-          <a:p>
-            <a:endParaRPr lang="en-US" dirty="0"/>
-          </a:p>
-        </p:txBody>
-      </p:sp>
-    </p:spTree>
-    <p:extLst>
-      <p:ext uri="{BB962C8B-B14F-4D97-AF65-F5344CB8AC3E}">
-        <p14:creationId xmlns:p14="http://schemas.microsoft.com/office/powerpoint/2010/main" val="521330179"/>
-      </p:ext>
-    </p:extLst>
-  </p:cSld>
-  <p:clrMapOvr>
-    <a:masterClrMapping/>
-  </p:clrMapOvr>
-  <mc:AlternateContent xmlns:mc="http://schemas.openxmlformats.org/markup-compatibility/2006" xmlns:p14="http://schemas.microsoft.com/office/powerpoint/2010/main">
-    <mc:Choice Requires="p14">
-      <p:transition spd="slow" p14:dur="2000" advTm="9896"/>
-    </mc:Choice>
-    <mc:Fallback xmlns="">
-      <p:transition spd="slow" advTm="9896"/>
-    </mc:Fallback>
-  </mc:AlternateContent>
-  <p:timing>
-    <p:tnLst>
-      <p:par>
-        <p:cTn id="1" dur="indefinite" restart="never" nodeType="tmRoot">
-          <p:childTnLst>
-            <p:seq concurrent="1" nextAc="seek">
-              <p:cTn id="2" dur="indefinite" nodeType="mainSeq">
-                <p:childTnLst>
-                  <p:par>
-                    <p:cTn id="3" fill="hold">
-                      <p:stCondLst>
-                        <p:cond delay="indefinite"/>
-                      </p:stCondLst>
-                      <p:childTnLst>
-                        <p:par>
-                          <p:cTn id="4" fill="hold">
-                            <p:stCondLst>
-                              <p:cond delay="0"/>
-                            </p:stCondLst>
-                            <p:childTnLst>
-                              <p:par>
-                                <p:cTn id="5" presetID="1" presetClass="entr" presetSubtype="0" fill="hold" nodeType="clickEffect">
-                                  <p:stCondLst>
-                                    <p:cond delay="0"/>
-                                  </p:stCondLst>
-                                  <p:childTnLst>
-                                    <p:set>
-                                      <p:cBhvr>
-                                        <p:cTn id="6" dur="1" fill="hold">
-                                          <p:stCondLst>
-                                            <p:cond delay="0"/>
-                                          </p:stCondLst>
-                                        </p:cTn>
-                                        <p:tgtEl>
-                                          <p:spTgt spid="6">
-                                            <p:txEl>
-                                              <p:pRg st="0" end="0"/>
-                                            </p:txEl>
-                                          </p:spTgt>
-                                        </p:tgtEl>
-                                        <p:attrNameLst>
-                                          <p:attrName>style.visibility</p:attrName>
-                                        </p:attrNameLst>
-                                      </p:cBhvr>
-                                      <p:to>
-                                        <p:strVal val="visible"/>
-                                      </p:to>
-                                    </p:set>
-                                  </p:childTnLst>
-                                </p:cTn>
-                              </p:par>
-                            </p:childTnLst>
-                          </p:cTn>
-                        </p:par>
-                      </p:childTnLst>
-                    </p:cTn>
-                  </p:par>
-                  <p:par>
-                    <p:cTn id="7" fill="hold">
-                      <p:stCondLst>
-                        <p:cond delay="indefinite"/>
-                      </p:stCondLst>
-                      <p:childTnLst>
-                        <p:par>
-                          <p:cTn id="8" fill="hold">
-                            <p:stCondLst>
-                              <p:cond delay="0"/>
-                            </p:stCondLst>
-                            <p:childTnLst>
-                              <p:par>
-                                <p:cTn id="9" presetID="1" presetClass="entr" presetSubtype="0" fill="hold" nodeType="clickEffect">
-                                  <p:stCondLst>
-                                    <p:cond delay="0"/>
-                                  </p:stCondLst>
-                                  <p:childTnLst>
-                                    <p:set>
-                                      <p:cBhvr>
-                                        <p:cTn id="10" dur="1" fill="hold">
-                                          <p:stCondLst>
-                                            <p:cond delay="0"/>
-                                          </p:stCondLst>
-                                        </p:cTn>
-                                        <p:tgtEl>
-                                          <p:spTgt spid="6">
-                                            <p:txEl>
-                                              <p:pRg st="2" end="2"/>
-                                            </p:txEl>
-                                          </p:spTgt>
-                                        </p:tgtEl>
-                                        <p:attrNameLst>
-                                          <p:attrName>style.visibility</p:attrName>
-                                        </p:attrNameLst>
-                                      </p:cBhvr>
-                                      <p:to>
-                                        <p:strVal val="visible"/>
-                                      </p:to>
-                                    </p:set>
-                                  </p:childTnLst>
-                                </p:cTn>
-                              </p:par>
-                            </p:childTnLst>
-                          </p:cTn>
-                        </p:par>
-                      </p:childTnLst>
-                    </p:cTn>
-                  </p:par>
-                  <p:par>
-                    <p:cTn id="11" fill="hold">
-                      <p:stCondLst>
-                        <p:cond delay="indefinite"/>
-                      </p:stCondLst>
-                      <p:childTnLst>
-                        <p:par>
-                          <p:cTn id="12" fill="hold">
-                            <p:stCondLst>
-                              <p:cond delay="0"/>
-                            </p:stCondLst>
-                            <p:childTnLst>
-                              <p:par>
-                                <p:cTn id="13" presetID="1" presetClass="entr" presetSubtype="0" fill="hold" nodeType="clickEffect">
-                                  <p:stCondLst>
-                                    <p:cond delay="0"/>
-                                  </p:stCondLst>
-                                  <p:childTnLst>
-                                    <p:set>
-                                      <p:cBhvr>
-                                        <p:cTn id="14" dur="1" fill="hold">
-                                          <p:stCondLst>
-                                            <p:cond delay="0"/>
-                                          </p:stCondLst>
-                                        </p:cTn>
-                                        <p:tgtEl>
-                                          <p:spTgt spid="6">
-                                            <p:txEl>
-                                              <p:pRg st="4" end="4"/>
-                                            </p:txEl>
-                                          </p:spTgt>
-                                        </p:tgtEl>
-                                        <p:attrNameLst>
-                                          <p:attrName>style.visibility</p:attrName>
-                                        </p:attrNameLst>
-                                      </p:cBhvr>
-                                      <p:to>
-                                        <p:strVal val="visible"/>
-                                      </p:to>
-                                    </p:set>
-                                  </p:childTnLst>
-                                </p:cTn>
-                              </p:par>
-                            </p:childTnLst>
-                          </p:cTn>
-                        </p:par>
-                      </p:childTnLst>
-                    </p:cTn>
-                  </p:par>
-                </p:childTnLst>
-              </p:cTn>
-              <p:prevCondLst>
-                <p:cond evt="onPrev" delay="0">
-                  <p:tgtEl>
-                    <p:sldTgt/>
-                  </p:tgtEl>
-                </p:cond>
-              </p:prevCondLst>
-              <p:nextCondLst>
-                <p:cond evt="onNext" delay="0">
-                  <p:tgtEl>
-                    <p:sldTgt/>
-                  </p:tgtEl>
-                </p:cond>
-              </p:nextCondLst>
-            </p:seq>
-          </p:childTnLst>
-        </p:cTn>
-      </p:par>
-    </p:tnLst>
-  </p:timing>
-</p:sld>
-</file>
-
-<file path=ppt/slides/slide21.xml><?xml version="1.0" encoding="utf-8"?>
-<p:sld xmlns:a="http://schemas.openxmlformats.org/drawingml/2006/main" xmlns:r="http://schemas.openxmlformats.org/officeDocument/2006/relationships" xmlns:p="http://schemas.openxmlformats.org/presentationml/2006/main">
-  <p:cSld>
-    <p:spTree>
-      <p:nvGrpSpPr>
-        <p:cNvPr id="1" name=""/>
-        <p:cNvGrpSpPr/>
-        <p:nvPr/>
-      </p:nvGrpSpPr>
-      <p:grpSpPr>
-        <a:xfrm>
-          <a:off x="0" y="0"/>
-          <a:ext cx="0" cy="0"/>
-          <a:chOff x="0" y="0"/>
-          <a:chExt cx="0" cy="0"/>
-        </a:xfrm>
-      </p:grpSpPr>
-      <p:sp>
-        <p:nvSpPr>
           <p:cNvPr id="2" name="Title 1"/>
           <p:cNvSpPr>
             <a:spLocks noGrp="1"/>
@@ -17168,7 +16666,7 @@
 </p:sld>
 </file>
 
-<file path=ppt/slides/slide22.xml><?xml version="1.0" encoding="utf-8"?>
+<file path=ppt/slides/slide21.xml><?xml version="1.0" encoding="utf-8"?>
 <p:sld xmlns:a="http://schemas.openxmlformats.org/drawingml/2006/main" xmlns:r="http://schemas.openxmlformats.org/officeDocument/2006/relationships" xmlns:p="http://schemas.openxmlformats.org/presentationml/2006/main">
   <p:cSld>
     <p:spTree>
@@ -18688,7 +18186,7 @@
 </p:sld>
 </file>
 
-<file path=ppt/slides/slide23.xml><?xml version="1.0" encoding="utf-8"?>
+<file path=ppt/slides/slide22.xml><?xml version="1.0" encoding="utf-8"?>
 <p:sld xmlns:a="http://schemas.openxmlformats.org/drawingml/2006/main" xmlns:r="http://schemas.openxmlformats.org/officeDocument/2006/relationships" xmlns:p="http://schemas.openxmlformats.org/presentationml/2006/main">
   <p:cSld>
     <p:spTree>
@@ -20329,7 +19827,7 @@
 </p:sld>
 </file>
 
-<file path=ppt/slides/slide24.xml><?xml version="1.0" encoding="utf-8"?>
+<file path=ppt/slides/slide23.xml><?xml version="1.0" encoding="utf-8"?>
 <p:sld xmlns:a="http://schemas.openxmlformats.org/drawingml/2006/main" xmlns:r="http://schemas.openxmlformats.org/officeDocument/2006/relationships" xmlns:p="http://schemas.openxmlformats.org/presentationml/2006/main">
   <p:cSld>
     <p:spTree>
@@ -20430,7 +19928,7 @@
 </p:sld>
 </file>
 
-<file path=ppt/slides/slide25.xml><?xml version="1.0" encoding="utf-8"?>
+<file path=ppt/slides/slide24.xml><?xml version="1.0" encoding="utf-8"?>
 <p:sld xmlns:a="http://schemas.openxmlformats.org/drawingml/2006/main" xmlns:r="http://schemas.openxmlformats.org/officeDocument/2006/relationships" xmlns:p="http://schemas.openxmlformats.org/presentationml/2006/main">
   <p:cSld>
     <p:spTree>
@@ -21931,7 +21429,7 @@
 </p:sld>
 </file>
 
-<file path=ppt/slides/slide26.xml><?xml version="1.0" encoding="utf-8"?>
+<file path=ppt/slides/slide25.xml><?xml version="1.0" encoding="utf-8"?>
 <p:sld xmlns:a="http://schemas.openxmlformats.org/drawingml/2006/main" xmlns:r="http://schemas.openxmlformats.org/officeDocument/2006/relationships" xmlns:p="http://schemas.openxmlformats.org/presentationml/2006/main">
   <p:cSld>
     <p:spTree>
@@ -23520,7 +23018,7 @@
 </p:sld>
 </file>
 
-<file path=ppt/slides/slide27.xml><?xml version="1.0" encoding="utf-8"?>
+<file path=ppt/slides/slide26.xml><?xml version="1.0" encoding="utf-8"?>
 <p:sld xmlns:a="http://schemas.openxmlformats.org/drawingml/2006/main" xmlns:r="http://schemas.openxmlformats.org/officeDocument/2006/relationships" xmlns:p="http://schemas.openxmlformats.org/presentationml/2006/main">
   <p:cSld>
     <p:spTree>
@@ -25080,7 +24578,7 @@
 </p:sld>
 </file>
 
-<file path=ppt/slides/slide28.xml><?xml version="1.0" encoding="utf-8"?>
+<file path=ppt/slides/slide27.xml><?xml version="1.0" encoding="utf-8"?>
 <p:sld xmlns:a="http://schemas.openxmlformats.org/drawingml/2006/main" xmlns:r="http://schemas.openxmlformats.org/officeDocument/2006/relationships" xmlns:p="http://schemas.openxmlformats.org/presentationml/2006/main">
   <p:cSld>
     <p:spTree>
@@ -26698,7 +26196,7 @@
 </p:sld>
 </file>
 
-<file path=ppt/slides/slide29.xml><?xml version="1.0" encoding="utf-8"?>
+<file path=ppt/slides/slide28.xml><?xml version="1.0" encoding="utf-8"?>
 <p:sld xmlns:a="http://schemas.openxmlformats.org/drawingml/2006/main" xmlns:r="http://schemas.openxmlformats.org/officeDocument/2006/relationships" xmlns:p="http://schemas.openxmlformats.org/presentationml/2006/main">
   <p:cSld>
     <p:spTree>
@@ -27264,90 +26762,7 @@
 </p:sld>
 </file>
 
-<file path=ppt/slides/slide3.xml><?xml version="1.0" encoding="utf-8"?>
-<p:sld xmlns:a="http://schemas.openxmlformats.org/drawingml/2006/main" xmlns:r="http://schemas.openxmlformats.org/officeDocument/2006/relationships" xmlns:p="http://schemas.openxmlformats.org/presentationml/2006/main">
-  <p:cSld>
-    <p:spTree>
-      <p:nvGrpSpPr>
-        <p:cNvPr id="1" name=""/>
-        <p:cNvGrpSpPr/>
-        <p:nvPr/>
-      </p:nvGrpSpPr>
-      <p:grpSpPr>
-        <a:xfrm>
-          <a:off x="0" y="0"/>
-          <a:ext cx="0" cy="0"/>
-          <a:chOff x="0" y="0"/>
-          <a:chExt cx="0" cy="0"/>
-        </a:xfrm>
-      </p:grpSpPr>
-      <p:sp>
-        <p:nvSpPr>
-          <p:cNvPr id="4" name="Slide Number Placeholder 3"/>
-          <p:cNvSpPr>
-            <a:spLocks noGrp="1"/>
-          </p:cNvSpPr>
-          <p:nvPr>
-            <p:ph type="sldNum" sz="quarter" idx="12"/>
-          </p:nvPr>
-        </p:nvSpPr>
-        <p:spPr/>
-        <p:txBody>
-          <a:bodyPr/>
-          <a:lstStyle/>
-          <a:p>
-            <a:fld id="{7ADDFCCE-7BFB-9F43-8A65-C6CBBDF8F088}" type="slidenum">
-              <a:rPr lang="en-US" smtClean="0"/>
-              <a:t>3</a:t>
-            </a:fld>
-            <a:endParaRPr lang="en-US"/>
-          </a:p>
-        </p:txBody>
-      </p:sp>
-      <p:sp>
-        <p:nvSpPr>
-          <p:cNvPr id="5" name="TextBox 4"/>
-          <p:cNvSpPr txBox="1"/>
-          <p:nvPr/>
-        </p:nvSpPr>
-        <p:spPr>
-          <a:xfrm>
-            <a:off x="589935" y="2645031"/>
-            <a:ext cx="10913807" cy="1446550"/>
-          </a:xfrm>
-          <a:prstGeom prst="rect">
-            <a:avLst/>
-          </a:prstGeom>
-          <a:noFill/>
-        </p:spPr>
-        <p:txBody>
-          <a:bodyPr wrap="square" rtlCol="0">
-            <a:spAutoFit/>
-          </a:bodyPr>
-          <a:lstStyle/>
-          <a:p>
-            <a:pPr algn="ctr"/>
-            <a:r>
-              <a:rPr lang="en-US" sz="4400" dirty="0"/>
-              <a:t>Switches should be first-class citizens in performance monitoring.</a:t>
-            </a:r>
-          </a:p>
-        </p:txBody>
-      </p:sp>
-    </p:spTree>
-    <p:extLst>
-      <p:ext uri="{BB962C8B-B14F-4D97-AF65-F5344CB8AC3E}">
-        <p14:creationId xmlns:p14="http://schemas.microsoft.com/office/powerpoint/2010/main" val="711579087"/>
-      </p:ext>
-    </p:extLst>
-  </p:cSld>
-  <p:clrMapOvr>
-    <a:masterClrMapping/>
-  </p:clrMapOvr>
-</p:sld>
-</file>
-
-<file path=ppt/slides/slide30.xml><?xml version="1.0" encoding="utf-8"?>
+<file path=ppt/slides/slide29.xml><?xml version="1.0" encoding="utf-8"?>
 <p:sld xmlns:a="http://schemas.openxmlformats.org/drawingml/2006/main" xmlns:r="http://schemas.openxmlformats.org/officeDocument/2006/relationships" xmlns:p="http://schemas.openxmlformats.org/presentationml/2006/main">
   <p:cSld>
     <p:spTree>
@@ -28352,7 +27767,90 @@
 </p:sld>
 </file>
 
-<file path=ppt/slides/slide31.xml><?xml version="1.0" encoding="utf-8"?>
+<file path=ppt/slides/slide3.xml><?xml version="1.0" encoding="utf-8"?>
+<p:sld xmlns:a="http://schemas.openxmlformats.org/drawingml/2006/main" xmlns:r="http://schemas.openxmlformats.org/officeDocument/2006/relationships" xmlns:p="http://schemas.openxmlformats.org/presentationml/2006/main">
+  <p:cSld>
+    <p:spTree>
+      <p:nvGrpSpPr>
+        <p:cNvPr id="1" name=""/>
+        <p:cNvGrpSpPr/>
+        <p:nvPr/>
+      </p:nvGrpSpPr>
+      <p:grpSpPr>
+        <a:xfrm>
+          <a:off x="0" y="0"/>
+          <a:ext cx="0" cy="0"/>
+          <a:chOff x="0" y="0"/>
+          <a:chExt cx="0" cy="0"/>
+        </a:xfrm>
+      </p:grpSpPr>
+      <p:sp>
+        <p:nvSpPr>
+          <p:cNvPr id="4" name="Slide Number Placeholder 3"/>
+          <p:cNvSpPr>
+            <a:spLocks noGrp="1"/>
+          </p:cNvSpPr>
+          <p:nvPr>
+            <p:ph type="sldNum" sz="quarter" idx="12"/>
+          </p:nvPr>
+        </p:nvSpPr>
+        <p:spPr/>
+        <p:txBody>
+          <a:bodyPr/>
+          <a:lstStyle/>
+          <a:p>
+            <a:fld id="{7ADDFCCE-7BFB-9F43-8A65-C6CBBDF8F088}" type="slidenum">
+              <a:rPr lang="en-US" smtClean="0"/>
+              <a:t>3</a:t>
+            </a:fld>
+            <a:endParaRPr lang="en-US"/>
+          </a:p>
+        </p:txBody>
+      </p:sp>
+      <p:sp>
+        <p:nvSpPr>
+          <p:cNvPr id="5" name="TextBox 4"/>
+          <p:cNvSpPr txBox="1"/>
+          <p:nvPr/>
+        </p:nvSpPr>
+        <p:spPr>
+          <a:xfrm>
+            <a:off x="589935" y="2645031"/>
+            <a:ext cx="10913807" cy="1446550"/>
+          </a:xfrm>
+          <a:prstGeom prst="rect">
+            <a:avLst/>
+          </a:prstGeom>
+          <a:noFill/>
+        </p:spPr>
+        <p:txBody>
+          <a:bodyPr wrap="square" rtlCol="0">
+            <a:spAutoFit/>
+          </a:bodyPr>
+          <a:lstStyle/>
+          <a:p>
+            <a:pPr algn="ctr"/>
+            <a:r>
+              <a:rPr lang="en-US" sz="4400" dirty="0"/>
+              <a:t>Switches should be first-class citizens in performance monitoring.</a:t>
+            </a:r>
+          </a:p>
+        </p:txBody>
+      </p:sp>
+    </p:spTree>
+    <p:extLst>
+      <p:ext uri="{BB962C8B-B14F-4D97-AF65-F5344CB8AC3E}">
+        <p14:creationId xmlns:p14="http://schemas.microsoft.com/office/powerpoint/2010/main" val="711579087"/>
+      </p:ext>
+    </p:extLst>
+  </p:cSld>
+  <p:clrMapOvr>
+    <a:masterClrMapping/>
+  </p:clrMapOvr>
+</p:sld>
+</file>
+
+<file path=ppt/slides/slide30.xml><?xml version="1.0" encoding="utf-8"?>
 <p:sld xmlns:a="http://schemas.openxmlformats.org/drawingml/2006/main" xmlns:r="http://schemas.openxmlformats.org/officeDocument/2006/relationships" xmlns:p="http://schemas.openxmlformats.org/presentationml/2006/main">
   <p:cSld>
     <p:spTree>
@@ -28695,7 +28193,7 @@
 </p:sld>
 </file>
 
-<file path=ppt/slides/slide32.xml><?xml version="1.0" encoding="utf-8"?>
+<file path=ppt/slides/slide31.xml><?xml version="1.0" encoding="utf-8"?>
 <p:sld xmlns:a="http://schemas.openxmlformats.org/drawingml/2006/main" xmlns:r="http://schemas.openxmlformats.org/officeDocument/2006/relationships" xmlns:p="http://schemas.openxmlformats.org/presentationml/2006/main">
   <p:cSld>
     <p:spTree>
@@ -29268,7 +28766,7 @@
 </p:sld>
 </file>
 
-<file path=ppt/slides/slide33.xml><?xml version="1.0" encoding="utf-8"?>
+<file path=ppt/slides/slide32.xml><?xml version="1.0" encoding="utf-8"?>
 <p:sld xmlns:a="http://schemas.openxmlformats.org/drawingml/2006/main" xmlns:r="http://schemas.openxmlformats.org/officeDocument/2006/relationships" xmlns:p="http://schemas.openxmlformats.org/presentationml/2006/main">
   <p:cSld>
     <p:spTree>
@@ -30944,7 +30442,7 @@
 </p:sld>
 </file>
 
-<file path=ppt/slides/slide34.xml><?xml version="1.0" encoding="utf-8"?>
+<file path=ppt/slides/slide33.xml><?xml version="1.0" encoding="utf-8"?>
 <p:sld xmlns:a="http://schemas.openxmlformats.org/drawingml/2006/main" xmlns:r="http://schemas.openxmlformats.org/officeDocument/2006/relationships" xmlns:p="http://schemas.openxmlformats.org/presentationml/2006/main">
   <p:cSld>
     <p:spTree>
@@ -32382,7 +31880,7 @@
 </p:sld>
 </file>
 
-<file path=ppt/slides/slide35.xml><?xml version="1.0" encoding="utf-8"?>
+<file path=ppt/slides/slide34.xml><?xml version="1.0" encoding="utf-8"?>
 <p:sld xmlns:a="http://schemas.openxmlformats.org/drawingml/2006/main" xmlns:r="http://schemas.openxmlformats.org/officeDocument/2006/relationships" xmlns:p="http://schemas.openxmlformats.org/presentationml/2006/main">
   <p:cSld>
     <p:spTree>
@@ -32501,7 +31999,7 @@
           <a:p>
             <a:fld id="{7ADDFCCE-7BFB-9F43-8A65-C6CBBDF8F088}" type="slidenum">
               <a:rPr lang="en-US" smtClean="0"/>
-              <a:t>35</a:t>
+              <a:t>34</a:t>
             </a:fld>
             <a:endParaRPr lang="en-US"/>
           </a:p>
@@ -32780,7 +32278,7 @@
 </p:sld>
 </file>
 
-<file path=ppt/slides/slide36.xml><?xml version="1.0" encoding="utf-8"?>
+<file path=ppt/slides/slide35.xml><?xml version="1.0" encoding="utf-8"?>
 <p:sld xmlns:a="http://schemas.openxmlformats.org/drawingml/2006/main" xmlns:r="http://schemas.openxmlformats.org/officeDocument/2006/relationships" xmlns:p="http://schemas.openxmlformats.org/presentationml/2006/main">
   <p:cSld>
     <p:spTree>
@@ -32933,7 +32431,7 @@
 </p:sld>
 </file>
 
-<file path=ppt/slides/slide37.xml><?xml version="1.0" encoding="utf-8"?>
+<file path=ppt/slides/slide36.xml><?xml version="1.0" encoding="utf-8"?>
 <p:sld xmlns:a="http://schemas.openxmlformats.org/drawingml/2006/main" xmlns:r="http://schemas.openxmlformats.org/officeDocument/2006/relationships" xmlns:p="http://schemas.openxmlformats.org/presentationml/2006/main">
   <p:cSld>
     <p:spTree>
@@ -34207,7 +33705,7 @@
           <a:p>
             <a:fld id="{7ADDFCCE-7BFB-9F43-8A65-C6CBBDF8F088}" type="slidenum">
               <a:rPr lang="en-US" smtClean="0"/>
-              <a:t>37</a:t>
+              <a:t>36</a:t>
             </a:fld>
             <a:endParaRPr lang="en-US"/>
           </a:p>
@@ -34445,7 +33943,7 @@
 </p:sld>
 </file>
 
-<file path=ppt/slides/slide38.xml><?xml version="1.0" encoding="utf-8"?>
+<file path=ppt/slides/slide37.xml><?xml version="1.0" encoding="utf-8"?>
 <p:sld xmlns:a="http://schemas.openxmlformats.org/drawingml/2006/main" xmlns:r="http://schemas.openxmlformats.org/officeDocument/2006/relationships" xmlns:p="http://schemas.openxmlformats.org/presentationml/2006/main">
   <p:cSld>
     <p:spTree>
@@ -34611,7 +34109,7 @@
           <a:p>
             <a:fld id="{7ADDFCCE-7BFB-9F43-8A65-C6CBBDF8F088}" type="slidenum">
               <a:rPr lang="en-US" smtClean="0"/>
-              <a:t>38</a:t>
+              <a:t>37</a:t>
             </a:fld>
             <a:endParaRPr lang="en-US"/>
           </a:p>
@@ -34942,7 +34440,7 @@
 </p:sld>
 </file>
 
-<file path=ppt/slides/slide39.xml><?xml version="1.0" encoding="utf-8"?>
+<file path=ppt/slides/slide38.xml><?xml version="1.0" encoding="utf-8"?>
 <p:sld xmlns:a="http://schemas.openxmlformats.org/drawingml/2006/main" xmlns:r="http://schemas.openxmlformats.org/officeDocument/2006/relationships" xmlns:p="http://schemas.openxmlformats.org/presentationml/2006/main">
   <p:cSld>
     <p:spTree>
@@ -35028,7 +34526,7 @@
           <a:p>
             <a:fld id="{7ADDFCCE-7BFB-9F43-8A65-C6CBBDF8F088}" type="slidenum">
               <a:rPr lang="en-US" smtClean="0"/>
-              <a:t>39</a:t>
+              <a:t>38</a:t>
             </a:fld>
             <a:endParaRPr lang="en-US"/>
           </a:p>
@@ -35055,109 +34553,7 @@
 </p:sld>
 </file>
 
-<file path=ppt/slides/slide4.xml><?xml version="1.0" encoding="utf-8"?>
-<p:sld xmlns:a="http://schemas.openxmlformats.org/drawingml/2006/main" xmlns:r="http://schemas.openxmlformats.org/officeDocument/2006/relationships" xmlns:p="http://schemas.openxmlformats.org/presentationml/2006/main">
-  <p:cSld>
-    <p:spTree>
-      <p:nvGrpSpPr>
-        <p:cNvPr id="1" name=""/>
-        <p:cNvGrpSpPr/>
-        <p:nvPr/>
-      </p:nvGrpSpPr>
-      <p:grpSpPr>
-        <a:xfrm>
-          <a:off x="0" y="0"/>
-          <a:ext cx="0" cy="0"/>
-          <a:chOff x="0" y="0"/>
-          <a:chExt cx="0" cy="0"/>
-        </a:xfrm>
-      </p:grpSpPr>
-      <p:sp>
-        <p:nvSpPr>
-          <p:cNvPr id="4" name="TextBox 3"/>
-          <p:cNvSpPr txBox="1"/>
-          <p:nvPr/>
-        </p:nvSpPr>
-        <p:spPr>
-          <a:xfrm>
-            <a:off x="405860" y="2169272"/>
-            <a:ext cx="11317826" cy="1938992"/>
-          </a:xfrm>
-          <a:prstGeom prst="rect">
-            <a:avLst/>
-          </a:prstGeom>
-          <a:noFill/>
-        </p:spPr>
-        <p:txBody>
-          <a:bodyPr wrap="square" rtlCol="0">
-            <a:spAutoFit/>
-          </a:bodyPr>
-          <a:lstStyle/>
-          <a:p>
-            <a:pPr algn="ctr"/>
-            <a:r>
-              <a:rPr lang="en-US" sz="4000" dirty="0"/>
-              <a:t>We want to build future-proof switch hardware:</a:t>
-            </a:r>
-          </a:p>
-          <a:p>
-            <a:pPr algn="ctr"/>
-            <a:endParaRPr lang="en-US" sz="4000" dirty="0"/>
-          </a:p>
-          <a:p>
-            <a:pPr algn="ctr"/>
-            <a:r>
-              <a:rPr lang="en-US" sz="4000" dirty="0"/>
-              <a:t>Language-directed hardware design</a:t>
-            </a:r>
-          </a:p>
-        </p:txBody>
-      </p:sp>
-      <p:sp>
-        <p:nvSpPr>
-          <p:cNvPr id="2" name="Slide Number Placeholder 1"/>
-          <p:cNvSpPr>
-            <a:spLocks noGrp="1"/>
-          </p:cNvSpPr>
-          <p:nvPr>
-            <p:ph type="sldNum" sz="quarter" idx="12"/>
-          </p:nvPr>
-        </p:nvSpPr>
-        <p:spPr/>
-        <p:txBody>
-          <a:bodyPr/>
-          <a:lstStyle/>
-          <a:p>
-            <a:fld id="{7ADDFCCE-7BFB-9F43-8A65-C6CBBDF8F088}" type="slidenum">
-              <a:rPr lang="en-US" smtClean="0"/>
-              <a:t>4</a:t>
-            </a:fld>
-            <a:endParaRPr lang="en-US"/>
-          </a:p>
-        </p:txBody>
-      </p:sp>
-    </p:spTree>
-    <p:extLst>
-      <p:ext uri="{BB962C8B-B14F-4D97-AF65-F5344CB8AC3E}">
-        <p14:creationId xmlns:p14="http://schemas.microsoft.com/office/powerpoint/2010/main" val="605997881"/>
-      </p:ext>
-    </p:extLst>
-  </p:cSld>
-  <p:clrMapOvr>
-    <a:masterClrMapping/>
-  </p:clrMapOvr>
-  <mc:AlternateContent xmlns:mc="http://schemas.openxmlformats.org/markup-compatibility/2006" xmlns:p14="http://schemas.microsoft.com/office/powerpoint/2010/main">
-    <mc:Choice Requires="p14">
-      <p:transition spd="slow" p14:dur="2000" advTm="21014"/>
-    </mc:Choice>
-    <mc:Fallback xmlns="">
-      <p:transition spd="slow" advTm="21014"/>
-    </mc:Fallback>
-  </mc:AlternateContent>
-</p:sld>
-</file>
-
-<file path=ppt/slides/slide40.xml><?xml version="1.0" encoding="utf-8"?>
+<file path=ppt/slides/slide39.xml><?xml version="1.0" encoding="utf-8"?>
 <p:sld xmlns:a="http://schemas.openxmlformats.org/drawingml/2006/main" xmlns:r="http://schemas.openxmlformats.org/officeDocument/2006/relationships" xmlns:p="http://schemas.openxmlformats.org/presentationml/2006/main">
   <p:cSld>
     <p:spTree>
@@ -35341,7 +34737,7 @@
           <a:p>
             <a:fld id="{7ADDFCCE-7BFB-9F43-8A65-C6CBBDF8F088}" type="slidenum">
               <a:rPr lang="en-US" smtClean="0"/>
-              <a:t>40</a:t>
+              <a:t>39</a:t>
             </a:fld>
             <a:endParaRPr lang="en-US" dirty="0"/>
           </a:p>
@@ -35521,7 +34917,109 @@
 </p:sld>
 </file>
 
-<file path=ppt/slides/slide41.xml><?xml version="1.0" encoding="utf-8"?>
+<file path=ppt/slides/slide4.xml><?xml version="1.0" encoding="utf-8"?>
+<p:sld xmlns:a="http://schemas.openxmlformats.org/drawingml/2006/main" xmlns:r="http://schemas.openxmlformats.org/officeDocument/2006/relationships" xmlns:p="http://schemas.openxmlformats.org/presentationml/2006/main">
+  <p:cSld>
+    <p:spTree>
+      <p:nvGrpSpPr>
+        <p:cNvPr id="1" name=""/>
+        <p:cNvGrpSpPr/>
+        <p:nvPr/>
+      </p:nvGrpSpPr>
+      <p:grpSpPr>
+        <a:xfrm>
+          <a:off x="0" y="0"/>
+          <a:ext cx="0" cy="0"/>
+          <a:chOff x="0" y="0"/>
+          <a:chExt cx="0" cy="0"/>
+        </a:xfrm>
+      </p:grpSpPr>
+      <p:sp>
+        <p:nvSpPr>
+          <p:cNvPr id="4" name="TextBox 3"/>
+          <p:cNvSpPr txBox="1"/>
+          <p:nvPr/>
+        </p:nvSpPr>
+        <p:spPr>
+          <a:xfrm>
+            <a:off x="405860" y="2169272"/>
+            <a:ext cx="11317826" cy="1938992"/>
+          </a:xfrm>
+          <a:prstGeom prst="rect">
+            <a:avLst/>
+          </a:prstGeom>
+          <a:noFill/>
+        </p:spPr>
+        <p:txBody>
+          <a:bodyPr wrap="square" rtlCol="0">
+            <a:spAutoFit/>
+          </a:bodyPr>
+          <a:lstStyle/>
+          <a:p>
+            <a:pPr algn="ctr"/>
+            <a:r>
+              <a:rPr lang="en-US" sz="4000" dirty="0"/>
+              <a:t>We want to build future-proof switch hardware:</a:t>
+            </a:r>
+          </a:p>
+          <a:p>
+            <a:pPr algn="ctr"/>
+            <a:endParaRPr lang="en-US" sz="4000" dirty="0"/>
+          </a:p>
+          <a:p>
+            <a:pPr algn="ctr"/>
+            <a:r>
+              <a:rPr lang="en-US" sz="4000" dirty="0"/>
+              <a:t>Language-directed hardware design</a:t>
+            </a:r>
+          </a:p>
+        </p:txBody>
+      </p:sp>
+      <p:sp>
+        <p:nvSpPr>
+          <p:cNvPr id="2" name="Slide Number Placeholder 1"/>
+          <p:cNvSpPr>
+            <a:spLocks noGrp="1"/>
+          </p:cNvSpPr>
+          <p:nvPr>
+            <p:ph type="sldNum" sz="quarter" idx="12"/>
+          </p:nvPr>
+        </p:nvSpPr>
+        <p:spPr/>
+        <p:txBody>
+          <a:bodyPr/>
+          <a:lstStyle/>
+          <a:p>
+            <a:fld id="{7ADDFCCE-7BFB-9F43-8A65-C6CBBDF8F088}" type="slidenum">
+              <a:rPr lang="en-US" smtClean="0"/>
+              <a:t>4</a:t>
+            </a:fld>
+            <a:endParaRPr lang="en-US"/>
+          </a:p>
+        </p:txBody>
+      </p:sp>
+    </p:spTree>
+    <p:extLst>
+      <p:ext uri="{BB962C8B-B14F-4D97-AF65-F5344CB8AC3E}">
+        <p14:creationId xmlns:p14="http://schemas.microsoft.com/office/powerpoint/2010/main" val="605997881"/>
+      </p:ext>
+    </p:extLst>
+  </p:cSld>
+  <p:clrMapOvr>
+    <a:masterClrMapping/>
+  </p:clrMapOvr>
+  <mc:AlternateContent xmlns:mc="http://schemas.openxmlformats.org/markup-compatibility/2006" xmlns:p14="http://schemas.microsoft.com/office/powerpoint/2010/main">
+    <mc:Choice Requires="p14">
+      <p:transition spd="slow" p14:dur="2000" advTm="21014"/>
+    </mc:Choice>
+    <mc:Fallback xmlns="">
+      <p:transition spd="slow" advTm="21014"/>
+    </mc:Fallback>
+  </mc:AlternateContent>
+</p:sld>
+</file>
+
+<file path=ppt/slides/slide40.xml><?xml version="1.0" encoding="utf-8"?>
 <p:sld xmlns:a="http://schemas.openxmlformats.org/drawingml/2006/main" xmlns:r="http://schemas.openxmlformats.org/officeDocument/2006/relationships" xmlns:p="http://schemas.openxmlformats.org/presentationml/2006/main">
   <p:cSld>
     <p:spTree>
@@ -35690,7 +35188,7 @@
           <a:p>
             <a:fld id="{7ADDFCCE-7BFB-9F43-8A65-C6CBBDF8F088}" type="slidenum">
               <a:rPr lang="en-US" smtClean="0"/>
-              <a:t>41</a:t>
+              <a:t>40</a:t>
             </a:fld>
             <a:endParaRPr lang="en-US"/>
           </a:p>
@@ -35908,7 +35406,7 @@
           <a:lstStyle/>
           <a:p>
             <a:pPr algn="ctr"/>
-            <a:endParaRPr lang="en-US"/>
+            <a:endParaRPr lang="en-US" dirty="0"/>
           </a:p>
         </p:txBody>
       </p:sp>
@@ -36008,6 +35506,68 @@
           <a:p>
             <a:pPr algn="ctr"/>
             <a:endParaRPr lang="en-US"/>
+          </a:p>
+        </p:txBody>
+      </p:sp>
+      <p:sp>
+        <p:nvSpPr>
+          <p:cNvPr id="12" name="U-Turn Arrow 11">
+            <a:extLst>
+              <a:ext uri="{FF2B5EF4-FFF2-40B4-BE49-F238E27FC236}">
+                <a16:creationId xmlns:a16="http://schemas.microsoft.com/office/drawing/2014/main" id="{49E0B08E-DF37-1840-89A2-39B3AB2E2FAC}"/>
+              </a:ext>
+            </a:extLst>
+          </p:cNvPr>
+          <p:cNvSpPr/>
+          <p:nvPr/>
+        </p:nvSpPr>
+        <p:spPr>
+          <a:xfrm rot="16200000" flipV="1">
+            <a:off x="9726723" y="3934450"/>
+            <a:ext cx="2903955" cy="967503"/>
+          </a:xfrm>
+          <a:prstGeom prst="uturnArrow">
+            <a:avLst>
+              <a:gd name="adj1" fmla="val 25000"/>
+              <a:gd name="adj2" fmla="val 25000"/>
+              <a:gd name="adj3" fmla="val 25000"/>
+              <a:gd name="adj4" fmla="val 43750"/>
+              <a:gd name="adj5" fmla="val 100000"/>
+            </a:avLst>
+          </a:prstGeom>
+          <a:noFill/>
+          <a:ln w="63500">
+            <a:solidFill>
+              <a:schemeClr val="tx1"/>
+            </a:solidFill>
+          </a:ln>
+        </p:spPr>
+        <p:style>
+          <a:lnRef idx="2">
+            <a:schemeClr val="accent1">
+              <a:shade val="50000"/>
+            </a:schemeClr>
+          </a:lnRef>
+          <a:fillRef idx="1">
+            <a:schemeClr val="accent1"/>
+          </a:fillRef>
+          <a:effectRef idx="0">
+            <a:schemeClr val="accent1"/>
+          </a:effectRef>
+          <a:fontRef idx="minor">
+            <a:schemeClr val="lt1"/>
+          </a:fontRef>
+        </p:style>
+        <p:txBody>
+          <a:bodyPr rtlCol="0" anchor="ctr"/>
+          <a:lstStyle/>
+          <a:p>
+            <a:pPr algn="ctr"/>
+            <a:endParaRPr lang="en-US" dirty="0">
+              <a:solidFill>
+                <a:schemeClr val="tx1"/>
+              </a:solidFill>
+            </a:endParaRPr>
           </a:p>
         </p:txBody>
       </p:sp>

--- a/marple.pptx
+++ b/marple.pptx
@@ -865,7 +865,7 @@
             </a:r>
             <a:r>
               <a:rPr lang="en-US" dirty="0"/>
-              <a:t> tells you how to partition the original stream into sub-streams. Here, you partition the filtered stream R1 using the packet’s 5 tuple. Then you supply what’s called a fold function that tells you how to maintain and update state across packets in each sub stream. Here, the fold function maintains an exponentially weighted moving average filter over the packets of each sub stream by applying a gain of alpha to the queuing latency of each packet and a gain of 1-alpha to the previous value of the exponentially weight moving average.</a:t>
+              <a:t> tells you how to partition the original stream into sub-streams. Here, you partition the filtered stream R1 using the packet’s 5 tuple. Then you supply a function that tells you what per-sub-stream state to maintain and how to update it when a new packet arrives. Here, the function maintains an exponentially weighted moving average filter over the packets of each sub stream by applying a gain of alpha to the queuing latency of each packet and a gain of 1-alpha to the previous value of the exponentially weight moving average.</a:t>
             </a:r>
           </a:p>
         </p:txBody>
@@ -960,7 +960,7 @@
             </a:r>
             <a:r>
               <a:rPr lang="en-US" baseline="0" dirty="0"/>
-              <a:t> construct. Again, we divide up the packet stream by 5tuple like the previous example. The fold function is different now and we use the fold function </a:t>
+              <a:t> construct. Again, we divide up the packet stream by 5tuple like the previous example. The function is different now and we use the function </a:t>
             </a:r>
             <a:r>
               <a:rPr lang="en-US" baseline="0" dirty="0" err="1"/>
@@ -2444,15 +2444,6 @@
             <a:r>
               <a:rPr lang="en-US" dirty="0"/>
               <a:t>But how do I merge an old and new value for a given key? What does that even mean? Let’s look at this problem more formally. We want to merge the two values, old and new, so that it is as if the statistics function ran over the entire packet stream without any evictions. That way we can retain full accuracy while merging. Let’s introduce some notation for this. Let’s represent the statistics function as a function g over the packet sequence. For a simple counter, the function is the sum of the packet lengths (or any other packet header).</a:t>
-            </a:r>
-          </a:p>
-          <a:p>
-            <a:endParaRPr lang="en-US" dirty="0"/>
-          </a:p>
-          <a:p>
-            <a:r>
-              <a:rPr lang="en-US" dirty="0"/>
-              <a:t>The fold function that we talked about earlier is just an incremental version of the same g.</a:t>
             </a:r>
           </a:p>
         </p:txBody>
@@ -8848,103 +8839,6 @@
           </a:p>
         </p:txBody>
       </p:sp>
-      <p:grpSp>
-        <p:nvGrpSpPr>
-          <p:cNvPr id="6" name="Group 5"/>
-          <p:cNvGrpSpPr/>
-          <p:nvPr/>
-        </p:nvGrpSpPr>
-        <p:grpSpPr>
-          <a:xfrm>
-            <a:off x="7911735" y="3357175"/>
-            <a:ext cx="3720359" cy="1397398"/>
-            <a:chOff x="8351715" y="3793358"/>
-            <a:chExt cx="2348759" cy="1233609"/>
-          </a:xfrm>
-        </p:grpSpPr>
-        <p:sp>
-          <p:nvSpPr>
-            <p:cNvPr id="7" name="Rounded Rectangle 6"/>
-            <p:cNvSpPr/>
-            <p:nvPr/>
-          </p:nvSpPr>
-          <p:spPr>
-            <a:xfrm>
-              <a:off x="8351715" y="3793358"/>
-              <a:ext cx="2348759" cy="874596"/>
-            </a:xfrm>
-            <a:prstGeom prst="roundRect">
-              <a:avLst/>
-            </a:prstGeom>
-            <a:solidFill>
-              <a:srgbClr val="A31E34"/>
-            </a:solidFill>
-            <a:ln w="50800">
-              <a:solidFill>
-                <a:srgbClr val="A31E34"/>
-              </a:solidFill>
-            </a:ln>
-          </p:spPr>
-          <p:style>
-            <a:lnRef idx="2">
-              <a:schemeClr val="accent1">
-                <a:shade val="50000"/>
-              </a:schemeClr>
-            </a:lnRef>
-            <a:fillRef idx="1">
-              <a:schemeClr val="accent1"/>
-            </a:fillRef>
-            <a:effectRef idx="0">
-              <a:schemeClr val="accent1"/>
-            </a:effectRef>
-            <a:fontRef idx="minor">
-              <a:schemeClr val="lt1"/>
-            </a:fontRef>
-          </p:style>
-          <p:txBody>
-            <a:bodyPr rtlCol="0" anchor="ctr"/>
-            <a:lstStyle/>
-            <a:p>
-              <a:pPr algn="ctr"/>
-              <a:endParaRPr lang="en-US"/>
-            </a:p>
-          </p:txBody>
-        </p:sp>
-        <p:sp>
-          <p:nvSpPr>
-            <p:cNvPr id="8" name="TextBox 7"/>
-            <p:cNvSpPr txBox="1"/>
-            <p:nvPr/>
-          </p:nvSpPr>
-          <p:spPr>
-            <a:xfrm>
-              <a:off x="8512917" y="3949749"/>
-              <a:ext cx="2026355" cy="1077218"/>
-            </a:xfrm>
-            <a:prstGeom prst="rect">
-              <a:avLst/>
-            </a:prstGeom>
-            <a:noFill/>
-          </p:spPr>
-          <p:txBody>
-            <a:bodyPr wrap="square" rtlCol="0">
-              <a:spAutoFit/>
-            </a:bodyPr>
-            <a:lstStyle/>
-            <a:p>
-              <a:pPr algn="ctr"/>
-              <a:r>
-                <a:rPr lang="en-US" sz="3200" dirty="0">
-                  <a:solidFill>
-                    <a:schemeClr val="bg1"/>
-                  </a:solidFill>
-                </a:rPr>
-                <a:t>Fold function</a:t>
-              </a:r>
-            </a:p>
-          </p:txBody>
-        </p:sp>
-      </p:grpSp>
     </p:spTree>
     <p:custDataLst>
       <p:tags r:id="rId1"/>
@@ -9000,51 +8894,6 @@
                                           </p:stCondLst>
                                         </p:cTn>
                                         <p:tgtEl>
-                                          <p:spTgt spid="6"/>
-                                        </p:tgtEl>
-                                        <p:attrNameLst>
-                                          <p:attrName>style.visibility</p:attrName>
-                                        </p:attrNameLst>
-                                      </p:cBhvr>
-                                      <p:to>
-                                        <p:strVal val="visible"/>
-                                      </p:to>
-                                    </p:set>
-                                  </p:childTnLst>
-                                </p:cTn>
-                              </p:par>
-                            </p:childTnLst>
-                          </p:cTn>
-                        </p:par>
-                      </p:childTnLst>
-                    </p:cTn>
-                  </p:par>
-                  <p:par>
-                    <p:cTn id="7" fill="hold">
-                      <p:stCondLst>
-                        <p:cond delay="indefinite"/>
-                      </p:stCondLst>
-                      <p:childTnLst>
-                        <p:par>
-                          <p:cTn id="8" fill="hold">
-                            <p:stCondLst>
-                              <p:cond delay="0"/>
-                            </p:stCondLst>
-                            <p:childTnLst>
-                              <p:par>
-                                <p:cTn id="9" presetID="1" presetClass="entr" presetSubtype="0" fill="hold" nodeType="clickEffect">
-                                  <p:stCondLst>
-                                    <p:cond delay="0"/>
-                                  </p:stCondLst>
-                                  <p:childTnLst>
-                                    <p:set>
-                                      <p:cBhvr>
-                                        <p:cTn id="10" dur="1" fill="hold">
-                                          <p:stCondLst>
-                                            <p:cond delay="0"/>
-                                          </p:stCondLst>
-                                        </p:cTn>
-                                        <p:tgtEl>
                                           <p:spTgt spid="10"/>
                                         </p:tgtEl>
                                         <p:attrNameLst>
@@ -9059,14 +8908,14 @@
                                 </p:cTn>
                               </p:par>
                               <p:par>
-                                <p:cTn id="11" presetID="1" presetClass="entr" presetSubtype="0" fill="hold" nodeType="withEffect">
+                                <p:cTn id="7" presetID="1" presetClass="entr" presetSubtype="0" fill="hold" nodeType="withEffect">
                                   <p:stCondLst>
                                     <p:cond delay="0"/>
                                   </p:stCondLst>
                                   <p:childTnLst>
                                     <p:set>
                                       <p:cBhvr>
-                                        <p:cTn id="12" dur="1" fill="hold">
+                                        <p:cTn id="8" dur="1" fill="hold">
                                           <p:stCondLst>
                                             <p:cond delay="0"/>
                                           </p:stCondLst>
@@ -9090,14 +8939,14 @@
                                 </p:cTn>
                               </p:par>
                               <p:par>
-                                <p:cTn id="13" presetID="1" presetClass="entr" presetSubtype="0" fill="hold" nodeType="withEffect">
+                                <p:cTn id="9" presetID="1" presetClass="entr" presetSubtype="0" fill="hold" nodeType="withEffect">
                                   <p:stCondLst>
                                     <p:cond delay="0"/>
                                   </p:stCondLst>
                                   <p:childTnLst>
                                     <p:set>
                                       <p:cBhvr>
-                                        <p:cTn id="14" dur="1" fill="hold">
+                                        <p:cTn id="10" dur="1" fill="hold">
                                           <p:stCondLst>
                                             <p:cond delay="0"/>
                                           </p:stCondLst>
@@ -9121,14 +8970,14 @@
                                 </p:cTn>
                               </p:par>
                               <p:par>
-                                <p:cTn id="15" presetID="1" presetClass="entr" presetSubtype="0" fill="hold" nodeType="withEffect">
+                                <p:cTn id="11" presetID="1" presetClass="entr" presetSubtype="0" fill="hold" nodeType="withEffect">
                                   <p:stCondLst>
                                     <p:cond delay="0"/>
                                   </p:stCondLst>
                                   <p:childTnLst>
                                     <p:set>
                                       <p:cBhvr>
-                                        <p:cTn id="16" dur="1" fill="hold">
+                                        <p:cTn id="12" dur="1" fill="hold">
                                           <p:stCondLst>
                                             <p:cond delay="0"/>
                                           </p:stCondLst>
@@ -9242,12 +9091,39 @@
               <a:buNone/>
             </a:pPr>
             <a:r>
+              <a:rPr lang="en-US" sz="3200" dirty="0">
+                <a:latin typeface="Ayuthaya" charset="-34"/>
+                <a:ea typeface="Ayuthaya" charset="-34"/>
+                <a:cs typeface="Ayuthaya" charset="-34"/>
+              </a:rPr>
+              <a:t>result = </a:t>
+            </a:r>
+            <a:r>
+              <a:rPr lang="en-US" sz="3200" dirty="0" err="1">
+                <a:solidFill>
+                  <a:srgbClr val="A31E34"/>
+                </a:solidFill>
+                <a:latin typeface="Ayuthaya" charset="-34"/>
+                <a:ea typeface="Ayuthaya" charset="-34"/>
+                <a:cs typeface="Ayuthaya" charset="-34"/>
+              </a:rPr>
+              <a:t>groupby</a:t>
+            </a:r>
+            <a:r>
+              <a:rPr lang="en-US" sz="3200" dirty="0">
+                <a:latin typeface="Ayuthaya" charset="-34"/>
+                <a:ea typeface="Ayuthaya" charset="-34"/>
+                <a:cs typeface="Ayuthaya" charset="-34"/>
+              </a:rPr>
+              <a:t>(S, 5tuple, </a:t>
+            </a:r>
+            <a:r>
               <a:rPr lang="en-US" sz="3200" dirty="0" err="1">
                 <a:latin typeface="Ayuthaya" charset="-34"/>
                 <a:ea typeface="Ayuthaya" charset="-34"/>
                 <a:cs typeface="Ayuthaya" charset="-34"/>
               </a:rPr>
-              <a:t>def</a:t>
+              <a:t>bursty</a:t>
             </a:r>
             <a:r>
               <a:rPr lang="en-US" sz="3200" dirty="0">
@@ -9255,7 +9131,30 @@
                 <a:ea typeface="Ayuthaya" charset="-34"/>
                 <a:cs typeface="Ayuthaya" charset="-34"/>
               </a:rPr>
-              <a:t> </a:t>
+              <a:t>) </a:t>
+            </a:r>
+          </a:p>
+          <a:p>
+            <a:pPr marL="0" indent="0">
+              <a:buNone/>
+            </a:pPr>
+            <a:endParaRPr lang="en-US" sz="3200" dirty="0">
+              <a:latin typeface="Ayuthaya" charset="-34"/>
+              <a:ea typeface="Ayuthaya" charset="-34"/>
+              <a:cs typeface="Ayuthaya" charset="-34"/>
+            </a:endParaRPr>
+          </a:p>
+          <a:p>
+            <a:pPr marL="0" indent="0">
+              <a:buNone/>
+            </a:pPr>
+            <a:r>
+              <a:rPr lang="en-US" sz="3200" dirty="0">
+                <a:latin typeface="Ayuthaya" charset="-34"/>
+                <a:ea typeface="Ayuthaya" charset="-34"/>
+                <a:cs typeface="Ayuthaya" charset="-34"/>
+              </a:rPr>
+              <a:t>def </a:t>
             </a:r>
             <a:r>
               <a:rPr lang="en-US" sz="3200" dirty="0" err="1">
@@ -9437,54 +9336,6 @@
               <a:ea typeface="Ayuthaya" charset="-34"/>
               <a:cs typeface="Ayuthaya" charset="-34"/>
             </a:endParaRPr>
-          </a:p>
-          <a:p>
-            <a:pPr marL="0" indent="0">
-              <a:buNone/>
-            </a:pPr>
-            <a:r>
-              <a:rPr lang="en-US" sz="3200" dirty="0">
-                <a:latin typeface="Ayuthaya" charset="-34"/>
-                <a:ea typeface="Ayuthaya" charset="-34"/>
-                <a:cs typeface="Ayuthaya" charset="-34"/>
-              </a:rPr>
-              <a:t>result = </a:t>
-            </a:r>
-            <a:r>
-              <a:rPr lang="en-US" sz="3200" dirty="0" err="1">
-                <a:solidFill>
-                  <a:srgbClr val="A31E34"/>
-                </a:solidFill>
-                <a:latin typeface="Ayuthaya" charset="-34"/>
-                <a:ea typeface="Ayuthaya" charset="-34"/>
-                <a:cs typeface="Ayuthaya" charset="-34"/>
-              </a:rPr>
-              <a:t>groupby</a:t>
-            </a:r>
-            <a:r>
-              <a:rPr lang="en-US" sz="3200" dirty="0">
-                <a:latin typeface="Ayuthaya" charset="-34"/>
-                <a:ea typeface="Ayuthaya" charset="-34"/>
-                <a:cs typeface="Ayuthaya" charset="-34"/>
-              </a:rPr>
-              <a:t>(S, 5tuple, </a:t>
-            </a:r>
-            <a:r>
-              <a:rPr lang="en-US" sz="3200" dirty="0" err="1">
-                <a:latin typeface="Ayuthaya" charset="-34"/>
-                <a:ea typeface="Ayuthaya" charset="-34"/>
-                <a:cs typeface="Ayuthaya" charset="-34"/>
-              </a:rPr>
-              <a:t>bursty</a:t>
-            </a:r>
-            <a:r>
-              <a:rPr lang="en-US" sz="3200" dirty="0">
-                <a:latin typeface="Ayuthaya" charset="-34"/>
-                <a:ea typeface="Ayuthaya" charset="-34"/>
-                <a:cs typeface="Ayuthaya" charset="-34"/>
-              </a:rPr>
-              <a:t>) </a:t>
-            </a:r>
           </a:p>
           <a:p>
             <a:pPr marL="0" indent="0">
@@ -9521,6 +9372,50 @@
           </a:p>
         </p:txBody>
       </p:sp>
+      <p:cxnSp>
+        <p:nvCxnSpPr>
+          <p:cNvPr id="7" name="Straight Arrow Connector 6">
+            <a:extLst>
+              <a:ext uri="{FF2B5EF4-FFF2-40B4-BE49-F238E27FC236}">
+                <a16:creationId xmlns:a16="http://schemas.microsoft.com/office/drawing/2014/main" id="{79F8185C-1BAA-0D4B-8DEE-563F4226BD37}"/>
+              </a:ext>
+            </a:extLst>
+          </p:cNvPr>
+          <p:cNvCxnSpPr>
+            <a:cxnSpLocks/>
+          </p:cNvCxnSpPr>
+          <p:nvPr/>
+        </p:nvCxnSpPr>
+        <p:spPr>
+          <a:xfrm flipH="1">
+            <a:off x="3122341" y="2207941"/>
+            <a:ext cx="4638908" cy="825191"/>
+          </a:xfrm>
+          <a:prstGeom prst="straightConnector1">
+            <a:avLst/>
+          </a:prstGeom>
+          <a:ln w="50800">
+            <a:solidFill>
+              <a:schemeClr val="tx1"/>
+            </a:solidFill>
+            <a:tailEnd type="triangle" w="lg" len="med"/>
+          </a:ln>
+        </p:spPr>
+        <p:style>
+          <a:lnRef idx="1">
+            <a:schemeClr val="accent1"/>
+          </a:lnRef>
+          <a:fillRef idx="0">
+            <a:schemeClr val="accent1"/>
+          </a:fillRef>
+          <a:effectRef idx="0">
+            <a:schemeClr val="accent1"/>
+          </a:effectRef>
+          <a:fontRef idx="minor">
+            <a:schemeClr val="tx1"/>
+          </a:fontRef>
+        </p:style>
+      </p:cxnSp>
     </p:spTree>
     <p:custDataLst>
       <p:tags r:id="rId1"/>
@@ -11729,7 +11624,7 @@
           <a:p>
             <a:r>
               <a:rPr lang="en-US" dirty="0"/>
-              <a:t>The classical solution: caching</a:t>
+              <a:t>The standard solution: caching</a:t>
             </a:r>
           </a:p>
         </p:txBody>
@@ -12097,7 +11992,7 @@
           <a:effectLst/>
           <a:extLst>
             <a:ext uri="{909E8E84-426E-40dd-AFC4-6F175D3DCCD1}">
-              <a14:hiddenFill xmlns:a14="http://schemas.microsoft.com/office/drawing/2010/main" xmlns="">
+              <a14:hiddenFill xmlns="" xmlns:a14="http://schemas.microsoft.com/office/drawing/2010/main">
                 <a:blipFill dpi="0" rotWithShape="0">
                   <a:blip/>
                   <a:srcRect/>
@@ -12108,7 +12003,7 @@
               </a14:hiddenFill>
             </a:ext>
             <a:ext uri="{91240B29-F687-4f45-9708-019B960494DF}">
-              <a14:hiddenLine xmlns:a14="http://schemas.microsoft.com/office/drawing/2010/main" xmlns="" w="9525">
+              <a14:hiddenLine xmlns="" xmlns:a14="http://schemas.microsoft.com/office/drawing/2010/main" w="9525">
                 <a:solidFill>
                   <a:srgbClr val="000000"/>
                 </a:solidFill>
@@ -12118,7 +12013,7 @@
               </a14:hiddenLine>
             </a:ext>
             <a:ext uri="{AF507438-7753-43e0-B8FC-AC1667EBCBE1}">
-              <a14:hiddenEffects xmlns:a14="http://schemas.microsoft.com/office/drawing/2010/main" xmlns="">
+              <a14:hiddenEffects xmlns="" xmlns:a14="http://schemas.microsoft.com/office/drawing/2010/main">
                 <a:effectLst>
                   <a:outerShdw blurRad="63500" dist="38099" dir="2700000" algn="ctr" rotWithShape="0">
                     <a:srgbClr val="000000">
@@ -12167,7 +12062,7 @@
           <a:effectLst/>
           <a:extLst>
             <a:ext uri="{909E8E84-426E-40dd-AFC4-6F175D3DCCD1}">
-              <a14:hiddenFill xmlns:a14="http://schemas.microsoft.com/office/drawing/2010/main" xmlns="">
+              <a14:hiddenFill xmlns="" xmlns:a14="http://schemas.microsoft.com/office/drawing/2010/main">
                 <a:blipFill dpi="0" rotWithShape="0">
                   <a:blip/>
                   <a:srcRect/>
@@ -12178,7 +12073,7 @@
               </a14:hiddenFill>
             </a:ext>
             <a:ext uri="{91240B29-F687-4f45-9708-019B960494DF}">
-              <a14:hiddenLine xmlns:a14="http://schemas.microsoft.com/office/drawing/2010/main" xmlns="" w="9525">
+              <a14:hiddenLine xmlns="" xmlns:a14="http://schemas.microsoft.com/office/drawing/2010/main" w="9525">
                 <a:solidFill>
                   <a:srgbClr val="000000"/>
                 </a:solidFill>
@@ -12188,7 +12083,7 @@
               </a14:hiddenLine>
             </a:ext>
             <a:ext uri="{AF507438-7753-43e0-B8FC-AC1667EBCBE1}">
-              <a14:hiddenEffects xmlns:a14="http://schemas.microsoft.com/office/drawing/2010/main" xmlns="">
+              <a14:hiddenEffects xmlns="" xmlns:a14="http://schemas.microsoft.com/office/drawing/2010/main">
                 <a:effectLst>
                   <a:outerShdw blurRad="63500" dist="38099" dir="2700000" algn="ctr" rotWithShape="0">
                     <a:srgbClr val="000000">
@@ -12323,7 +12218,7 @@
             <a:effectLst/>
             <a:extLst>
               <a:ext uri="{909E8E84-426E-40dd-AFC4-6F175D3DCCD1}">
-                <a14:hiddenFill xmlns="" xmlns:a14="http://schemas.microsoft.com/office/drawing/2010/main">
+                <a14:hiddenFill xmlns:a14="http://schemas.microsoft.com/office/drawing/2010/main" xmlns="">
                   <a:blipFill dpi="0" rotWithShape="0">
                     <a:blip/>
                     <a:srcRect/>
@@ -12334,7 +12229,7 @@
                 </a14:hiddenFill>
               </a:ext>
               <a:ext uri="{91240B29-F687-4f45-9708-019B960494DF}">
-                <a14:hiddenLine xmlns="" xmlns:a14="http://schemas.microsoft.com/office/drawing/2010/main" w="9525">
+                <a14:hiddenLine xmlns:a14="http://schemas.microsoft.com/office/drawing/2010/main" xmlns="" w="9525">
                   <a:solidFill>
                     <a:srgbClr val="000000"/>
                   </a:solidFill>
@@ -12344,7 +12239,7 @@
                 </a14:hiddenLine>
               </a:ext>
               <a:ext uri="{AF507438-7753-43e0-B8FC-AC1667EBCBE1}">
-                <a14:hiddenEffects xmlns="" xmlns:a14="http://schemas.microsoft.com/office/drawing/2010/main">
+                <a14:hiddenEffects xmlns:a14="http://schemas.microsoft.com/office/drawing/2010/main" xmlns="">
                   <a:effectLst>
                     <a:outerShdw blurRad="63500" dist="38099" dir="2700000" algn="ctr" rotWithShape="0">
                       <a:srgbClr val="000000">
@@ -12393,7 +12288,7 @@
             <a:effectLst/>
             <a:extLst>
               <a:ext uri="{909E8E84-426E-40dd-AFC4-6F175D3DCCD1}">
-                <a14:hiddenFill xmlns="" xmlns:a14="http://schemas.microsoft.com/office/drawing/2010/main">
+                <a14:hiddenFill xmlns:a14="http://schemas.microsoft.com/office/drawing/2010/main" xmlns="">
                   <a:blipFill dpi="0" rotWithShape="0">
                     <a:blip/>
                     <a:srcRect/>
@@ -12404,7 +12299,7 @@
                 </a14:hiddenFill>
               </a:ext>
               <a:ext uri="{91240B29-F687-4f45-9708-019B960494DF}">
-                <a14:hiddenLine xmlns="" xmlns:a14="http://schemas.microsoft.com/office/drawing/2010/main" w="9525">
+                <a14:hiddenLine xmlns:a14="http://schemas.microsoft.com/office/drawing/2010/main" xmlns="" w="9525">
                   <a:solidFill>
                     <a:srgbClr val="000000"/>
                   </a:solidFill>
@@ -12414,7 +12309,7 @@
                 </a14:hiddenLine>
               </a:ext>
               <a:ext uri="{AF507438-7753-43e0-B8FC-AC1667EBCBE1}">
-                <a14:hiddenEffects xmlns="" xmlns:a14="http://schemas.microsoft.com/office/drawing/2010/main">
+                <a14:hiddenEffects xmlns:a14="http://schemas.microsoft.com/office/drawing/2010/main" xmlns="">
                   <a:effectLst>
                     <a:outerShdw blurRad="63500" dist="38099" dir="2700000" algn="ctr" rotWithShape="0">
                       <a:srgbClr val="000000">
@@ -12463,7 +12358,7 @@
             <a:effectLst/>
             <a:extLst>
               <a:ext uri="{909E8E84-426E-40dd-AFC4-6F175D3DCCD1}">
-                <a14:hiddenFill xmlns="" xmlns:a14="http://schemas.microsoft.com/office/drawing/2010/main">
+                <a14:hiddenFill xmlns:a14="http://schemas.microsoft.com/office/drawing/2010/main" xmlns="">
                   <a:blipFill dpi="0" rotWithShape="0">
                     <a:blip/>
                     <a:srcRect/>
@@ -12474,7 +12369,7 @@
                 </a14:hiddenFill>
               </a:ext>
               <a:ext uri="{91240B29-F687-4f45-9708-019B960494DF}">
-                <a14:hiddenLine xmlns="" xmlns:a14="http://schemas.microsoft.com/office/drawing/2010/main" w="9525">
+                <a14:hiddenLine xmlns:a14="http://schemas.microsoft.com/office/drawing/2010/main" xmlns="" w="9525">
                   <a:solidFill>
                     <a:srgbClr val="000000"/>
                   </a:solidFill>
@@ -12484,7 +12379,7 @@
                 </a14:hiddenLine>
               </a:ext>
               <a:ext uri="{AF507438-7753-43e0-B8FC-AC1667EBCBE1}">
-                <a14:hiddenEffects xmlns="" xmlns:a14="http://schemas.microsoft.com/office/drawing/2010/main">
+                <a14:hiddenEffects xmlns:a14="http://schemas.microsoft.com/office/drawing/2010/main" xmlns="">
                   <a:effectLst>
                     <a:outerShdw blurRad="63500" dist="38099" dir="2700000" algn="ctr" rotWithShape="0">
                       <a:srgbClr val="000000">
@@ -12525,12 +12420,12 @@
             <a:effectLst/>
             <a:extLst>
               <a:ext uri="{909E8E84-426E-40dd-AFC4-6F175D3DCCD1}">
-                <a14:hiddenFill xmlns="" xmlns:a14="http://schemas.microsoft.com/office/drawing/2010/main">
+                <a14:hiddenFill xmlns:a14="http://schemas.microsoft.com/office/drawing/2010/main" xmlns="">
                   <a:noFill/>
                 </a14:hiddenFill>
               </a:ext>
               <a:ext uri="{AF507438-7753-43e0-B8FC-AC1667EBCBE1}">
-                <a14:hiddenEffects xmlns="" xmlns:a14="http://schemas.microsoft.com/office/drawing/2010/main">
+                <a14:hiddenEffects xmlns:a14="http://schemas.microsoft.com/office/drawing/2010/main" xmlns="">
                   <a:effectLst>
                     <a:outerShdw blurRad="63500" dist="38099" dir="2700000" algn="ctr" rotWithShape="0">
                       <a:srgbClr val="000000">
@@ -12583,12 +12478,12 @@
             <a:effectLst/>
             <a:extLst>
               <a:ext uri="{909E8E84-426E-40dd-AFC4-6F175D3DCCD1}">
-                <a14:hiddenFill xmlns="" xmlns:a14="http://schemas.microsoft.com/office/drawing/2010/main">
+                <a14:hiddenFill xmlns:a14="http://schemas.microsoft.com/office/drawing/2010/main" xmlns="">
                   <a:noFill/>
                 </a14:hiddenFill>
               </a:ext>
               <a:ext uri="{AF507438-7753-43e0-B8FC-AC1667EBCBE1}">
-                <a14:hiddenEffects xmlns="" xmlns:a14="http://schemas.microsoft.com/office/drawing/2010/main">
+                <a14:hiddenEffects xmlns:a14="http://schemas.microsoft.com/office/drawing/2010/main" xmlns="">
                   <a:effectLst>
                     <a:outerShdw blurRad="63500" dist="38099" dir="2700000" algn="ctr" rotWithShape="0">
                       <a:srgbClr val="000000">
@@ -12641,12 +12536,12 @@
             <a:effectLst/>
             <a:extLst>
               <a:ext uri="{909E8E84-426E-40dd-AFC4-6F175D3DCCD1}">
-                <a14:hiddenFill xmlns="" xmlns:a14="http://schemas.microsoft.com/office/drawing/2010/main">
+                <a14:hiddenFill xmlns:a14="http://schemas.microsoft.com/office/drawing/2010/main" xmlns="">
                   <a:noFill/>
                 </a14:hiddenFill>
               </a:ext>
               <a:ext uri="{AF507438-7753-43e0-B8FC-AC1667EBCBE1}">
-                <a14:hiddenEffects xmlns="" xmlns:a14="http://schemas.microsoft.com/office/drawing/2010/main">
+                <a14:hiddenEffects xmlns:a14="http://schemas.microsoft.com/office/drawing/2010/main" xmlns="">
                   <a:effectLst>
                     <a:outerShdw blurRad="63500" dist="38099" dir="2700000" algn="ctr" rotWithShape="0">
                       <a:srgbClr val="000000">
@@ -12699,12 +12594,12 @@
             <a:effectLst/>
             <a:extLst>
               <a:ext uri="{909E8E84-426E-40dd-AFC4-6F175D3DCCD1}">
-                <a14:hiddenFill xmlns="" xmlns:a14="http://schemas.microsoft.com/office/drawing/2010/main">
+                <a14:hiddenFill xmlns:a14="http://schemas.microsoft.com/office/drawing/2010/main" xmlns="">
                   <a:noFill/>
                 </a14:hiddenFill>
               </a:ext>
               <a:ext uri="{AF507438-7753-43e0-B8FC-AC1667EBCBE1}">
-                <a14:hiddenEffects xmlns="" xmlns:a14="http://schemas.microsoft.com/office/drawing/2010/main">
+                <a14:hiddenEffects xmlns:a14="http://schemas.microsoft.com/office/drawing/2010/main" xmlns="">
                   <a:effectLst>
                     <a:outerShdw blurRad="63500" dist="38099" dir="2700000" algn="ctr" rotWithShape="0">
                       <a:srgbClr val="000000">
@@ -12757,12 +12652,12 @@
             <a:effectLst/>
             <a:extLst>
               <a:ext uri="{909E8E84-426E-40dd-AFC4-6F175D3DCCD1}">
-                <a14:hiddenFill xmlns="" xmlns:a14="http://schemas.microsoft.com/office/drawing/2010/main">
+                <a14:hiddenFill xmlns:a14="http://schemas.microsoft.com/office/drawing/2010/main" xmlns="">
                   <a:noFill/>
                 </a14:hiddenFill>
               </a:ext>
               <a:ext uri="{AF507438-7753-43e0-B8FC-AC1667EBCBE1}">
-                <a14:hiddenEffects xmlns="" xmlns:a14="http://schemas.microsoft.com/office/drawing/2010/main">
+                <a14:hiddenEffects xmlns:a14="http://schemas.microsoft.com/office/drawing/2010/main" xmlns="">
                   <a:effectLst>
                     <a:outerShdw blurRad="63500" dist="38099" dir="2700000" algn="ctr" rotWithShape="0">
                       <a:srgbClr val="000000">
@@ -12815,12 +12710,12 @@
             <a:effectLst/>
             <a:extLst>
               <a:ext uri="{909E8E84-426E-40dd-AFC4-6F175D3DCCD1}">
-                <a14:hiddenFill xmlns="" xmlns:a14="http://schemas.microsoft.com/office/drawing/2010/main">
+                <a14:hiddenFill xmlns:a14="http://schemas.microsoft.com/office/drawing/2010/main" xmlns="">
                   <a:noFill/>
                 </a14:hiddenFill>
               </a:ext>
               <a:ext uri="{AF507438-7753-43e0-B8FC-AC1667EBCBE1}">
-                <a14:hiddenEffects xmlns="" xmlns:a14="http://schemas.microsoft.com/office/drawing/2010/main">
+                <a14:hiddenEffects xmlns:a14="http://schemas.microsoft.com/office/drawing/2010/main" xmlns="">
                   <a:effectLst>
                     <a:outerShdw blurRad="63500" dist="38099" dir="2700000" algn="ctr" rotWithShape="0">
                       <a:srgbClr val="000000">
@@ -12873,12 +12768,12 @@
             <a:effectLst/>
             <a:extLst>
               <a:ext uri="{909E8E84-426E-40dd-AFC4-6F175D3DCCD1}">
-                <a14:hiddenFill xmlns="" xmlns:a14="http://schemas.microsoft.com/office/drawing/2010/main">
+                <a14:hiddenFill xmlns:a14="http://schemas.microsoft.com/office/drawing/2010/main" xmlns="">
                   <a:noFill/>
                 </a14:hiddenFill>
               </a:ext>
               <a:ext uri="{AF507438-7753-43e0-B8FC-AC1667EBCBE1}">
-                <a14:hiddenEffects xmlns="" xmlns:a14="http://schemas.microsoft.com/office/drawing/2010/main">
+                <a14:hiddenEffects xmlns:a14="http://schemas.microsoft.com/office/drawing/2010/main" xmlns="">
                   <a:effectLst>
                     <a:outerShdw blurRad="63500" dist="38099" dir="2700000" algn="ctr" rotWithShape="0">
                       <a:srgbClr val="000000">
@@ -12931,12 +12826,12 @@
             <a:effectLst/>
             <a:extLst>
               <a:ext uri="{909E8E84-426E-40dd-AFC4-6F175D3DCCD1}">
-                <a14:hiddenFill xmlns="" xmlns:a14="http://schemas.microsoft.com/office/drawing/2010/main">
+                <a14:hiddenFill xmlns:a14="http://schemas.microsoft.com/office/drawing/2010/main" xmlns="">
                   <a:noFill/>
                 </a14:hiddenFill>
               </a:ext>
               <a:ext uri="{AF507438-7753-43e0-B8FC-AC1667EBCBE1}">
-                <a14:hiddenEffects xmlns="" xmlns:a14="http://schemas.microsoft.com/office/drawing/2010/main">
+                <a14:hiddenEffects xmlns:a14="http://schemas.microsoft.com/office/drawing/2010/main" xmlns="">
                   <a:effectLst>
                     <a:outerShdw blurRad="63500" dist="38099" dir="2700000" algn="ctr" rotWithShape="0">
                       <a:srgbClr val="000000">
@@ -12989,12 +12884,12 @@
             <a:effectLst/>
             <a:extLst>
               <a:ext uri="{909E8E84-426E-40dd-AFC4-6F175D3DCCD1}">
-                <a14:hiddenFill xmlns="" xmlns:a14="http://schemas.microsoft.com/office/drawing/2010/main">
+                <a14:hiddenFill xmlns:a14="http://schemas.microsoft.com/office/drawing/2010/main" xmlns="">
                   <a:noFill/>
                 </a14:hiddenFill>
               </a:ext>
               <a:ext uri="{AF507438-7753-43e0-B8FC-AC1667EBCBE1}">
-                <a14:hiddenEffects xmlns="" xmlns:a14="http://schemas.microsoft.com/office/drawing/2010/main">
+                <a14:hiddenEffects xmlns:a14="http://schemas.microsoft.com/office/drawing/2010/main" xmlns="">
                   <a:effectLst>
                     <a:outerShdw blurRad="63500" dist="38099" dir="2700000" algn="ctr" rotWithShape="0">
                       <a:srgbClr val="000000">
@@ -13047,12 +12942,12 @@
             <a:effectLst/>
             <a:extLst>
               <a:ext uri="{909E8E84-426E-40dd-AFC4-6F175D3DCCD1}">
-                <a14:hiddenFill xmlns="" xmlns:a14="http://schemas.microsoft.com/office/drawing/2010/main">
+                <a14:hiddenFill xmlns:a14="http://schemas.microsoft.com/office/drawing/2010/main" xmlns="">
                   <a:noFill/>
                 </a14:hiddenFill>
               </a:ext>
               <a:ext uri="{AF507438-7753-43e0-B8FC-AC1667EBCBE1}">
-                <a14:hiddenEffects xmlns="" xmlns:a14="http://schemas.microsoft.com/office/drawing/2010/main">
+                <a14:hiddenEffects xmlns:a14="http://schemas.microsoft.com/office/drawing/2010/main" xmlns="">
                   <a:effectLst>
                     <a:outerShdw blurRad="63500" dist="38099" dir="2700000" algn="ctr" rotWithShape="0">
                       <a:srgbClr val="000000">
@@ -13113,7 +13008,7 @@
             <a:effectLst/>
             <a:extLst>
               <a:ext uri="{909E8E84-426E-40dd-AFC4-6F175D3DCCD1}">
-                <a14:hiddenFill xmlns="" xmlns:a14="http://schemas.microsoft.com/office/drawing/2010/main">
+                <a14:hiddenFill xmlns:a14="http://schemas.microsoft.com/office/drawing/2010/main" xmlns="">
                   <a:blipFill dpi="0" rotWithShape="0">
                     <a:blip/>
                     <a:srcRect/>
@@ -13124,7 +13019,7 @@
                 </a14:hiddenFill>
               </a:ext>
               <a:ext uri="{91240B29-F687-4f45-9708-019B960494DF}">
-                <a14:hiddenLine xmlns="" xmlns:a14="http://schemas.microsoft.com/office/drawing/2010/main" w="9525">
+                <a14:hiddenLine xmlns:a14="http://schemas.microsoft.com/office/drawing/2010/main" xmlns="" w="9525">
                   <a:solidFill>
                     <a:srgbClr val="000000"/>
                   </a:solidFill>
@@ -13134,7 +13029,7 @@
                 </a14:hiddenLine>
               </a:ext>
               <a:ext uri="{AF507438-7753-43e0-B8FC-AC1667EBCBE1}">
-                <a14:hiddenEffects xmlns="" xmlns:a14="http://schemas.microsoft.com/office/drawing/2010/main">
+                <a14:hiddenEffects xmlns:a14="http://schemas.microsoft.com/office/drawing/2010/main" xmlns="">
                   <a:effectLst>
                     <a:outerShdw blurRad="63500" dist="38099" dir="2700000" algn="ctr" rotWithShape="0">
                       <a:srgbClr val="000000">
@@ -13183,7 +13078,7 @@
             <a:effectLst/>
             <a:extLst>
               <a:ext uri="{909E8E84-426E-40dd-AFC4-6F175D3DCCD1}">
-                <a14:hiddenFill xmlns="" xmlns:a14="http://schemas.microsoft.com/office/drawing/2010/main">
+                <a14:hiddenFill xmlns:a14="http://schemas.microsoft.com/office/drawing/2010/main" xmlns="">
                   <a:blipFill dpi="0" rotWithShape="0">
                     <a:blip/>
                     <a:srcRect/>
@@ -13194,7 +13089,7 @@
                 </a14:hiddenFill>
               </a:ext>
               <a:ext uri="{91240B29-F687-4f45-9708-019B960494DF}">
-                <a14:hiddenLine xmlns="" xmlns:a14="http://schemas.microsoft.com/office/drawing/2010/main" w="9525">
+                <a14:hiddenLine xmlns:a14="http://schemas.microsoft.com/office/drawing/2010/main" xmlns="" w="9525">
                   <a:solidFill>
                     <a:srgbClr val="000000"/>
                   </a:solidFill>
@@ -13204,7 +13099,7 @@
                 </a14:hiddenLine>
               </a:ext>
               <a:ext uri="{AF507438-7753-43e0-B8FC-AC1667EBCBE1}">
-                <a14:hiddenEffects xmlns="" xmlns:a14="http://schemas.microsoft.com/office/drawing/2010/main">
+                <a14:hiddenEffects xmlns:a14="http://schemas.microsoft.com/office/drawing/2010/main" xmlns="">
                   <a:effectLst>
                     <a:outerShdw blurRad="63500" dist="38099" dir="2700000" algn="ctr" rotWithShape="0">
                       <a:srgbClr val="000000">
@@ -13253,7 +13148,7 @@
             <a:effectLst/>
             <a:extLst>
               <a:ext uri="{909E8E84-426E-40dd-AFC4-6F175D3DCCD1}">
-                <a14:hiddenFill xmlns="" xmlns:a14="http://schemas.microsoft.com/office/drawing/2010/main">
+                <a14:hiddenFill xmlns:a14="http://schemas.microsoft.com/office/drawing/2010/main" xmlns="">
                   <a:blipFill dpi="0" rotWithShape="0">
                     <a:blip/>
                     <a:srcRect/>
@@ -13264,7 +13159,7 @@
                 </a14:hiddenFill>
               </a:ext>
               <a:ext uri="{91240B29-F687-4f45-9708-019B960494DF}">
-                <a14:hiddenLine xmlns="" xmlns:a14="http://schemas.microsoft.com/office/drawing/2010/main" w="9525">
+                <a14:hiddenLine xmlns:a14="http://schemas.microsoft.com/office/drawing/2010/main" xmlns="" w="9525">
                   <a:solidFill>
                     <a:srgbClr val="000000"/>
                   </a:solidFill>
@@ -13274,7 +13169,7 @@
                 </a14:hiddenLine>
               </a:ext>
               <a:ext uri="{AF507438-7753-43e0-B8FC-AC1667EBCBE1}">
-                <a14:hiddenEffects xmlns="" xmlns:a14="http://schemas.microsoft.com/office/drawing/2010/main">
+                <a14:hiddenEffects xmlns:a14="http://schemas.microsoft.com/office/drawing/2010/main" xmlns="">
                   <a:effectLst>
                     <a:outerShdw blurRad="63500" dist="38099" dir="2700000" algn="ctr" rotWithShape="0">
                       <a:srgbClr val="000000">
@@ -13323,7 +13218,7 @@
             <a:effectLst/>
             <a:extLst>
               <a:ext uri="{909E8E84-426E-40dd-AFC4-6F175D3DCCD1}">
-                <a14:hiddenFill xmlns="" xmlns:a14="http://schemas.microsoft.com/office/drawing/2010/main">
+                <a14:hiddenFill xmlns:a14="http://schemas.microsoft.com/office/drawing/2010/main" xmlns="">
                   <a:blipFill dpi="0" rotWithShape="0">
                     <a:blip/>
                     <a:srcRect/>
@@ -13334,7 +13229,7 @@
                 </a14:hiddenFill>
               </a:ext>
               <a:ext uri="{91240B29-F687-4f45-9708-019B960494DF}">
-                <a14:hiddenLine xmlns="" xmlns:a14="http://schemas.microsoft.com/office/drawing/2010/main" w="9525">
+                <a14:hiddenLine xmlns:a14="http://schemas.microsoft.com/office/drawing/2010/main" xmlns="" w="9525">
                   <a:solidFill>
                     <a:srgbClr val="000000"/>
                   </a:solidFill>
@@ -13344,7 +13239,7 @@
                 </a14:hiddenLine>
               </a:ext>
               <a:ext uri="{AF507438-7753-43e0-B8FC-AC1667EBCBE1}">
-                <a14:hiddenEffects xmlns="" xmlns:a14="http://schemas.microsoft.com/office/drawing/2010/main">
+                <a14:hiddenEffects xmlns:a14="http://schemas.microsoft.com/office/drawing/2010/main" xmlns="">
                   <a:effectLst>
                     <a:outerShdw blurRad="63500" dist="38099" dir="2700000" algn="ctr" rotWithShape="0">
                       <a:srgbClr val="000000">
@@ -13393,7 +13288,7 @@
             <a:effectLst/>
             <a:extLst>
               <a:ext uri="{909E8E84-426E-40dd-AFC4-6F175D3DCCD1}">
-                <a14:hiddenFill xmlns="" xmlns:a14="http://schemas.microsoft.com/office/drawing/2010/main">
+                <a14:hiddenFill xmlns:a14="http://schemas.microsoft.com/office/drawing/2010/main" xmlns="">
                   <a:blipFill dpi="0" rotWithShape="0">
                     <a:blip/>
                     <a:srcRect/>
@@ -13404,7 +13299,7 @@
                 </a14:hiddenFill>
               </a:ext>
               <a:ext uri="{91240B29-F687-4f45-9708-019B960494DF}">
-                <a14:hiddenLine xmlns="" xmlns:a14="http://schemas.microsoft.com/office/drawing/2010/main" w="9525">
+                <a14:hiddenLine xmlns:a14="http://schemas.microsoft.com/office/drawing/2010/main" xmlns="" w="9525">
                   <a:solidFill>
                     <a:srgbClr val="000000"/>
                   </a:solidFill>
@@ -13414,7 +13309,7 @@
                 </a14:hiddenLine>
               </a:ext>
               <a:ext uri="{AF507438-7753-43e0-B8FC-AC1667EBCBE1}">
-                <a14:hiddenEffects xmlns="" xmlns:a14="http://schemas.microsoft.com/office/drawing/2010/main">
+                <a14:hiddenEffects xmlns:a14="http://schemas.microsoft.com/office/drawing/2010/main" xmlns="">
                   <a:effectLst>
                     <a:outerShdw blurRad="63500" dist="38099" dir="2700000" algn="ctr" rotWithShape="0">
                       <a:srgbClr val="000000">
@@ -13455,12 +13350,12 @@
             <a:effectLst/>
             <a:extLst>
               <a:ext uri="{909E8E84-426E-40dd-AFC4-6F175D3DCCD1}">
-                <a14:hiddenFill xmlns="" xmlns:a14="http://schemas.microsoft.com/office/drawing/2010/main">
+                <a14:hiddenFill xmlns:a14="http://schemas.microsoft.com/office/drawing/2010/main" xmlns="">
                   <a:noFill/>
                 </a14:hiddenFill>
               </a:ext>
               <a:ext uri="{AF507438-7753-43e0-B8FC-AC1667EBCBE1}">
-                <a14:hiddenEffects xmlns="" xmlns:a14="http://schemas.microsoft.com/office/drawing/2010/main">
+                <a14:hiddenEffects xmlns:a14="http://schemas.microsoft.com/office/drawing/2010/main" xmlns="">
                   <a:effectLst>
                     <a:outerShdw blurRad="63500" dist="38099" dir="2700000" algn="ctr" rotWithShape="0">
                       <a:srgbClr val="000000">
@@ -13513,12 +13408,12 @@
             <a:effectLst/>
             <a:extLst>
               <a:ext uri="{909E8E84-426E-40dd-AFC4-6F175D3DCCD1}">
-                <a14:hiddenFill xmlns="" xmlns:a14="http://schemas.microsoft.com/office/drawing/2010/main">
+                <a14:hiddenFill xmlns:a14="http://schemas.microsoft.com/office/drawing/2010/main" xmlns="">
                   <a:noFill/>
                 </a14:hiddenFill>
               </a:ext>
               <a:ext uri="{AF507438-7753-43e0-B8FC-AC1667EBCBE1}">
-                <a14:hiddenEffects xmlns="" xmlns:a14="http://schemas.microsoft.com/office/drawing/2010/main">
+                <a14:hiddenEffects xmlns:a14="http://schemas.microsoft.com/office/drawing/2010/main" xmlns="">
                   <a:effectLst>
                     <a:outerShdw blurRad="63500" dist="38099" dir="2700000" algn="ctr" rotWithShape="0">
                       <a:srgbClr val="000000">
@@ -13579,7 +13474,7 @@
             <a:effectLst/>
             <a:extLst>
               <a:ext uri="{909E8E84-426E-40dd-AFC4-6F175D3DCCD1}">
-                <a14:hiddenFill xmlns="" xmlns:a14="http://schemas.microsoft.com/office/drawing/2010/main">
+                <a14:hiddenFill xmlns:a14="http://schemas.microsoft.com/office/drawing/2010/main" xmlns="">
                   <a:blipFill dpi="0" rotWithShape="0">
                     <a:blip/>
                     <a:srcRect/>
@@ -13590,7 +13485,7 @@
                 </a14:hiddenFill>
               </a:ext>
               <a:ext uri="{91240B29-F687-4f45-9708-019B960494DF}">
-                <a14:hiddenLine xmlns="" xmlns:a14="http://schemas.microsoft.com/office/drawing/2010/main" w="9525">
+                <a14:hiddenLine xmlns:a14="http://schemas.microsoft.com/office/drawing/2010/main" xmlns="" w="9525">
                   <a:solidFill>
                     <a:srgbClr val="000000"/>
                   </a:solidFill>
@@ -13600,7 +13495,7 @@
                 </a14:hiddenLine>
               </a:ext>
               <a:ext uri="{AF507438-7753-43e0-B8FC-AC1667EBCBE1}">
-                <a14:hiddenEffects xmlns="" xmlns:a14="http://schemas.microsoft.com/office/drawing/2010/main">
+                <a14:hiddenEffects xmlns:a14="http://schemas.microsoft.com/office/drawing/2010/main" xmlns="">
                   <a:effectLst>
                     <a:outerShdw blurRad="63500" dist="38099" dir="2700000" algn="ctr" rotWithShape="0">
                       <a:srgbClr val="000000">
@@ -13733,7 +13628,7 @@
           <a:effectLst/>
           <a:extLst>
             <a:ext uri="{909E8E84-426E-40dd-AFC4-6F175D3DCCD1}">
-              <a14:hiddenFill xmlns:a14="http://schemas.microsoft.com/office/drawing/2010/main" xmlns="">
+              <a14:hiddenFill xmlns="" xmlns:a14="http://schemas.microsoft.com/office/drawing/2010/main">
                 <a:blipFill dpi="0" rotWithShape="0">
                   <a:blip/>
                   <a:srcRect/>
@@ -13744,7 +13639,7 @@
               </a14:hiddenFill>
             </a:ext>
             <a:ext uri="{91240B29-F687-4f45-9708-019B960494DF}">
-              <a14:hiddenLine xmlns:a14="http://schemas.microsoft.com/office/drawing/2010/main" xmlns="" w="9525">
+              <a14:hiddenLine xmlns="" xmlns:a14="http://schemas.microsoft.com/office/drawing/2010/main" w="9525">
                 <a:solidFill>
                   <a:srgbClr val="000000"/>
                 </a:solidFill>
@@ -13754,7 +13649,7 @@
               </a14:hiddenLine>
             </a:ext>
             <a:ext uri="{AF507438-7753-43e0-B8FC-AC1667EBCBE1}">
-              <a14:hiddenEffects xmlns:a14="http://schemas.microsoft.com/office/drawing/2010/main" xmlns="">
+              <a14:hiddenEffects xmlns="" xmlns:a14="http://schemas.microsoft.com/office/drawing/2010/main">
                 <a:effectLst>
                   <a:outerShdw blurRad="63500" dist="38099" dir="2700000" algn="ctr" rotWithShape="0">
                     <a:srgbClr val="000000">
@@ -13839,7 +13734,7 @@
           <a:effectLst/>
           <a:extLst>
             <a:ext uri="{909E8E84-426E-40dd-AFC4-6F175D3DCCD1}">
-              <a14:hiddenFill xmlns:a14="http://schemas.microsoft.com/office/drawing/2010/main" xmlns="">
+              <a14:hiddenFill xmlns="" xmlns:a14="http://schemas.microsoft.com/office/drawing/2010/main">
                 <a:blipFill dpi="0" rotWithShape="0">
                   <a:blip/>
                   <a:srcRect/>
@@ -13850,7 +13745,7 @@
               </a14:hiddenFill>
             </a:ext>
             <a:ext uri="{91240B29-F687-4f45-9708-019B960494DF}">
-              <a14:hiddenLine xmlns:a14="http://schemas.microsoft.com/office/drawing/2010/main" xmlns="" w="9525">
+              <a14:hiddenLine xmlns="" xmlns:a14="http://schemas.microsoft.com/office/drawing/2010/main" w="9525">
                 <a:solidFill>
                   <a:srgbClr val="000000"/>
                 </a:solidFill>
@@ -13860,7 +13755,7 @@
               </a14:hiddenLine>
             </a:ext>
             <a:ext uri="{AF507438-7753-43e0-B8FC-AC1667EBCBE1}">
-              <a14:hiddenEffects xmlns:a14="http://schemas.microsoft.com/office/drawing/2010/main" xmlns="">
+              <a14:hiddenEffects xmlns="" xmlns:a14="http://schemas.microsoft.com/office/drawing/2010/main">
                 <a:effectLst>
                   <a:outerShdw blurRad="63500" dist="38099" dir="2700000" algn="ctr" rotWithShape="0">
                     <a:srgbClr val="000000">
@@ -13945,7 +13840,7 @@
           <a:effectLst/>
           <a:extLst>
             <a:ext uri="{909E8E84-426E-40dd-AFC4-6F175D3DCCD1}">
-              <a14:hiddenFill xmlns:a14="http://schemas.microsoft.com/office/drawing/2010/main" xmlns="">
+              <a14:hiddenFill xmlns="" xmlns:a14="http://schemas.microsoft.com/office/drawing/2010/main">
                 <a:blipFill dpi="0" rotWithShape="0">
                   <a:blip/>
                   <a:srcRect/>
@@ -13956,7 +13851,7 @@
               </a14:hiddenFill>
             </a:ext>
             <a:ext uri="{91240B29-F687-4f45-9708-019B960494DF}">
-              <a14:hiddenLine xmlns:a14="http://schemas.microsoft.com/office/drawing/2010/main" xmlns="" w="9525">
+              <a14:hiddenLine xmlns="" xmlns:a14="http://schemas.microsoft.com/office/drawing/2010/main" w="9525">
                 <a:solidFill>
                   <a:srgbClr val="000000"/>
                 </a:solidFill>
@@ -13966,7 +13861,7 @@
               </a14:hiddenLine>
             </a:ext>
             <a:ext uri="{AF507438-7753-43e0-B8FC-AC1667EBCBE1}">
-              <a14:hiddenEffects xmlns:a14="http://schemas.microsoft.com/office/drawing/2010/main" xmlns="">
+              <a14:hiddenEffects xmlns="" xmlns:a14="http://schemas.microsoft.com/office/drawing/2010/main">
                 <a:effectLst>
                   <a:outerShdw blurRad="63500" dist="38099" dir="2700000" algn="ctr" rotWithShape="0">
                     <a:srgbClr val="000000">
@@ -14145,7 +14040,7 @@
           <a:effectLst/>
           <a:extLst>
             <a:ext uri="{909E8E84-426E-40dd-AFC4-6F175D3DCCD1}">
-              <a14:hiddenFill xmlns:a14="http://schemas.microsoft.com/office/drawing/2010/main" xmlns="">
+              <a14:hiddenFill xmlns="" xmlns:a14="http://schemas.microsoft.com/office/drawing/2010/main">
                 <a:blipFill dpi="0" rotWithShape="0">
                   <a:blip/>
                   <a:srcRect/>
@@ -14156,7 +14051,7 @@
               </a14:hiddenFill>
             </a:ext>
             <a:ext uri="{91240B29-F687-4f45-9708-019B960494DF}">
-              <a14:hiddenLine xmlns:a14="http://schemas.microsoft.com/office/drawing/2010/main" xmlns="" w="9525">
+              <a14:hiddenLine xmlns="" xmlns:a14="http://schemas.microsoft.com/office/drawing/2010/main" w="9525">
                 <a:solidFill>
                   <a:srgbClr val="000000"/>
                 </a:solidFill>
@@ -14166,7 +14061,7 @@
               </a14:hiddenLine>
             </a:ext>
             <a:ext uri="{AF507438-7753-43e0-B8FC-AC1667EBCBE1}">
-              <a14:hiddenEffects xmlns:a14="http://schemas.microsoft.com/office/drawing/2010/main" xmlns="">
+              <a14:hiddenEffects xmlns="" xmlns:a14="http://schemas.microsoft.com/office/drawing/2010/main">
                 <a:effectLst>
                   <a:outerShdw blurRad="63500" dist="38099" dir="2700000" algn="ctr" rotWithShape="0">
                     <a:srgbClr val="000000">
@@ -14244,7 +14139,7 @@
           <a:effectLst/>
           <a:extLst>
             <a:ext uri="{909E8E84-426E-40dd-AFC4-6F175D3DCCD1}">
-              <a14:hiddenFill xmlns:a14="http://schemas.microsoft.com/office/drawing/2010/main" xmlns="">
+              <a14:hiddenFill xmlns="" xmlns:a14="http://schemas.microsoft.com/office/drawing/2010/main">
                 <a:blipFill dpi="0" rotWithShape="0">
                   <a:blip/>
                   <a:srcRect/>
@@ -14255,7 +14150,7 @@
               </a14:hiddenFill>
             </a:ext>
             <a:ext uri="{91240B29-F687-4f45-9708-019B960494DF}">
-              <a14:hiddenLine xmlns:a14="http://schemas.microsoft.com/office/drawing/2010/main" xmlns="" w="9525">
+              <a14:hiddenLine xmlns="" xmlns:a14="http://schemas.microsoft.com/office/drawing/2010/main" w="9525">
                 <a:solidFill>
                   <a:srgbClr val="000000"/>
                 </a:solidFill>
@@ -14265,7 +14160,7 @@
               </a14:hiddenLine>
             </a:ext>
             <a:ext uri="{AF507438-7753-43e0-B8FC-AC1667EBCBE1}">
-              <a14:hiddenEffects xmlns:a14="http://schemas.microsoft.com/office/drawing/2010/main" xmlns="">
+              <a14:hiddenEffects xmlns="" xmlns:a14="http://schemas.microsoft.com/office/drawing/2010/main">
                 <a:effectLst>
                   <a:outerShdw blurRad="63500" dist="38099" dir="2700000" algn="ctr" rotWithShape="0">
                     <a:srgbClr val="000000">
@@ -16130,7 +16025,7 @@
           <a:effectLst/>
           <a:extLst>
             <a:ext uri="{909E8E84-426E-40dd-AFC4-6F175D3DCCD1}">
-              <a14:hiddenFill xmlns="" xmlns:a14="http://schemas.microsoft.com/office/drawing/2010/main">
+              <a14:hiddenFill xmlns:a14="http://schemas.microsoft.com/office/drawing/2010/main" xmlns="">
                 <a:blipFill dpi="0" rotWithShape="0">
                   <a:blip/>
                   <a:srcRect/>
@@ -16141,7 +16036,7 @@
               </a14:hiddenFill>
             </a:ext>
             <a:ext uri="{91240B29-F687-4f45-9708-019B960494DF}">
-              <a14:hiddenLine xmlns="" xmlns:a14="http://schemas.microsoft.com/office/drawing/2010/main" w="9525">
+              <a14:hiddenLine xmlns:a14="http://schemas.microsoft.com/office/drawing/2010/main" xmlns="" w="9525">
                 <a:solidFill>
                   <a:srgbClr val="000000"/>
                 </a:solidFill>
@@ -16151,7 +16046,7 @@
               </a14:hiddenLine>
             </a:ext>
             <a:ext uri="{AF507438-7753-43e0-B8FC-AC1667EBCBE1}">
-              <a14:hiddenEffects xmlns="" xmlns:a14="http://schemas.microsoft.com/office/drawing/2010/main">
+              <a14:hiddenEffects xmlns:a14="http://schemas.microsoft.com/office/drawing/2010/main" xmlns="">
                 <a:effectLst>
                   <a:outerShdw blurRad="63500" dist="38099" dir="2700000" algn="ctr" rotWithShape="0">
                     <a:srgbClr val="000000">
@@ -16311,7 +16206,7 @@
           <a:effectLst/>
           <a:extLst>
             <a:ext uri="{909E8E84-426E-40dd-AFC4-6F175D3DCCD1}">
-              <a14:hiddenFill xmlns="" xmlns:a14="http://schemas.microsoft.com/office/drawing/2010/main">
+              <a14:hiddenFill xmlns:a14="http://schemas.microsoft.com/office/drawing/2010/main" xmlns="">
                 <a:blipFill dpi="0" rotWithShape="0">
                   <a:blip/>
                   <a:srcRect/>
@@ -16322,7 +16217,7 @@
               </a14:hiddenFill>
             </a:ext>
             <a:ext uri="{91240B29-F687-4f45-9708-019B960494DF}">
-              <a14:hiddenLine xmlns="" xmlns:a14="http://schemas.microsoft.com/office/drawing/2010/main" w="9525">
+              <a14:hiddenLine xmlns:a14="http://schemas.microsoft.com/office/drawing/2010/main" xmlns="" w="9525">
                 <a:solidFill>
                   <a:srgbClr val="000000"/>
                 </a:solidFill>
@@ -16332,7 +16227,7 @@
               </a14:hiddenLine>
             </a:ext>
             <a:ext uri="{AF507438-7753-43e0-B8FC-AC1667EBCBE1}">
-              <a14:hiddenEffects xmlns="" xmlns:a14="http://schemas.microsoft.com/office/drawing/2010/main">
+              <a14:hiddenEffects xmlns:a14="http://schemas.microsoft.com/office/drawing/2010/main" xmlns="">
                 <a:effectLst>
                   <a:outerShdw blurRad="63500" dist="38099" dir="2700000" algn="ctr" rotWithShape="0">
                     <a:srgbClr val="000000">
@@ -18131,7 +18026,7 @@
           <a:effectLst/>
           <a:extLst>
             <a:ext uri="{909E8E84-426E-40dd-AFC4-6F175D3DCCD1}">
-              <a14:hiddenFill xmlns="" xmlns:a14="http://schemas.microsoft.com/office/drawing/2010/main">
+              <a14:hiddenFill xmlns:a14="http://schemas.microsoft.com/office/drawing/2010/main" xmlns="">
                 <a:blipFill dpi="0" rotWithShape="0">
                   <a:blip/>
                   <a:srcRect/>
@@ -18142,7 +18037,7 @@
               </a14:hiddenFill>
             </a:ext>
             <a:ext uri="{91240B29-F687-4f45-9708-019B960494DF}">
-              <a14:hiddenLine xmlns="" xmlns:a14="http://schemas.microsoft.com/office/drawing/2010/main" w="9525">
+              <a14:hiddenLine xmlns:a14="http://schemas.microsoft.com/office/drawing/2010/main" xmlns="" w="9525">
                 <a:solidFill>
                   <a:srgbClr val="000000"/>
                 </a:solidFill>
@@ -18152,7 +18047,7 @@
               </a14:hiddenLine>
             </a:ext>
             <a:ext uri="{AF507438-7753-43e0-B8FC-AC1667EBCBE1}">
-              <a14:hiddenEffects xmlns="" xmlns:a14="http://schemas.microsoft.com/office/drawing/2010/main">
+              <a14:hiddenEffects xmlns:a14="http://schemas.microsoft.com/office/drawing/2010/main" xmlns="">
                 <a:effectLst>
                   <a:outerShdw blurRad="63500" dist="38099" dir="2700000" algn="ctr" rotWithShape="0">
                     <a:srgbClr val="000000">
@@ -18245,7 +18140,7 @@
           <a:effectLst/>
           <a:extLst>
             <a:ext uri="{909E8E84-426E-40dd-AFC4-6F175D3DCCD1}">
-              <a14:hiddenFill xmlns="" xmlns:a14="http://schemas.microsoft.com/office/drawing/2010/main">
+              <a14:hiddenFill xmlns:a14="http://schemas.microsoft.com/office/drawing/2010/main" xmlns="">
                 <a:blipFill dpi="0" rotWithShape="0">
                   <a:blip/>
                   <a:srcRect/>
@@ -18256,7 +18151,7 @@
               </a14:hiddenFill>
             </a:ext>
             <a:ext uri="{91240B29-F687-4f45-9708-019B960494DF}">
-              <a14:hiddenLine xmlns="" xmlns:a14="http://schemas.microsoft.com/office/drawing/2010/main" w="9525">
+              <a14:hiddenLine xmlns:a14="http://schemas.microsoft.com/office/drawing/2010/main" xmlns="" w="9525">
                 <a:solidFill>
                   <a:srgbClr val="000000"/>
                 </a:solidFill>
@@ -18266,7 +18161,7 @@
               </a14:hiddenLine>
             </a:ext>
             <a:ext uri="{AF507438-7753-43e0-B8FC-AC1667EBCBE1}">
-              <a14:hiddenEffects xmlns="" xmlns:a14="http://schemas.microsoft.com/office/drawing/2010/main">
+              <a14:hiddenEffects xmlns:a14="http://schemas.microsoft.com/office/drawing/2010/main" xmlns="">
                 <a:effectLst>
                   <a:outerShdw blurRad="63500" dist="38099" dir="2700000" algn="ctr" rotWithShape="0">
                     <a:srgbClr val="000000">
@@ -21138,7 +21033,7 @@
           <a:effectLst/>
           <a:extLst>
             <a:ext uri="{909E8E84-426E-40dd-AFC4-6F175D3DCCD1}">
-              <a14:hiddenFill xmlns="" xmlns:a14="http://schemas.microsoft.com/office/drawing/2010/main">
+              <a14:hiddenFill xmlns:a14="http://schemas.microsoft.com/office/drawing/2010/main" xmlns="">
                 <a:blipFill dpi="0" rotWithShape="0">
                   <a:blip/>
                   <a:srcRect/>
@@ -21149,7 +21044,7 @@
               </a14:hiddenFill>
             </a:ext>
             <a:ext uri="{91240B29-F687-4f45-9708-019B960494DF}">
-              <a14:hiddenLine xmlns="" xmlns:a14="http://schemas.microsoft.com/office/drawing/2010/main" w="9525">
+              <a14:hiddenLine xmlns:a14="http://schemas.microsoft.com/office/drawing/2010/main" xmlns="" w="9525">
                 <a:solidFill>
                   <a:srgbClr val="000000"/>
                 </a:solidFill>
@@ -21159,7 +21054,7 @@
               </a14:hiddenLine>
             </a:ext>
             <a:ext uri="{AF507438-7753-43e0-B8FC-AC1667EBCBE1}">
-              <a14:hiddenEffects xmlns="" xmlns:a14="http://schemas.microsoft.com/office/drawing/2010/main">
+              <a14:hiddenEffects xmlns:a14="http://schemas.microsoft.com/office/drawing/2010/main" xmlns="">
                 <a:effectLst>
                   <a:outerShdw blurRad="63500" dist="38099" dir="2700000" algn="ctr" rotWithShape="0">
                     <a:srgbClr val="000000">
@@ -21238,7 +21133,7 @@
           <a:effectLst/>
           <a:extLst>
             <a:ext uri="{909E8E84-426E-40dd-AFC4-6F175D3DCCD1}">
-              <a14:hiddenFill xmlns="" xmlns:a14="http://schemas.microsoft.com/office/drawing/2010/main">
+              <a14:hiddenFill xmlns:a14="http://schemas.microsoft.com/office/drawing/2010/main" xmlns="">
                 <a:blipFill dpi="0" rotWithShape="0">
                   <a:blip/>
                   <a:srcRect/>
@@ -21249,7 +21144,7 @@
               </a14:hiddenFill>
             </a:ext>
             <a:ext uri="{91240B29-F687-4f45-9708-019B960494DF}">
-              <a14:hiddenLine xmlns="" xmlns:a14="http://schemas.microsoft.com/office/drawing/2010/main" w="9525">
+              <a14:hiddenLine xmlns:a14="http://schemas.microsoft.com/office/drawing/2010/main" xmlns="" w="9525">
                 <a:solidFill>
                   <a:srgbClr val="000000"/>
                 </a:solidFill>
@@ -21259,7 +21154,7 @@
               </a14:hiddenLine>
             </a:ext>
             <a:ext uri="{AF507438-7753-43e0-B8FC-AC1667EBCBE1}">
-              <a14:hiddenEffects xmlns="" xmlns:a14="http://schemas.microsoft.com/office/drawing/2010/main">
+              <a14:hiddenEffects xmlns:a14="http://schemas.microsoft.com/office/drawing/2010/main" xmlns="">
                 <a:effectLst>
                   <a:outerShdw blurRad="63500" dist="38099" dir="2700000" algn="ctr" rotWithShape="0">
                     <a:srgbClr val="000000">
@@ -22854,7 +22749,7 @@
           <a:effectLst/>
           <a:extLst>
             <a:ext uri="{909E8E84-426E-40dd-AFC4-6F175D3DCCD1}">
-              <a14:hiddenFill xmlns="" xmlns:a14="http://schemas.microsoft.com/office/drawing/2010/main">
+              <a14:hiddenFill xmlns:a14="http://schemas.microsoft.com/office/drawing/2010/main" xmlns="">
                 <a:blipFill dpi="0" rotWithShape="0">
                   <a:blip/>
                   <a:srcRect/>
@@ -22865,7 +22760,7 @@
               </a14:hiddenFill>
             </a:ext>
             <a:ext uri="{91240B29-F687-4f45-9708-019B960494DF}">
-              <a14:hiddenLine xmlns="" xmlns:a14="http://schemas.microsoft.com/office/drawing/2010/main" w="9525">
+              <a14:hiddenLine xmlns:a14="http://schemas.microsoft.com/office/drawing/2010/main" xmlns="" w="9525">
                 <a:solidFill>
                   <a:srgbClr val="000000"/>
                 </a:solidFill>
@@ -22875,7 +22770,7 @@
               </a14:hiddenLine>
             </a:ext>
             <a:ext uri="{AF507438-7753-43e0-B8FC-AC1667EBCBE1}">
-              <a14:hiddenEffects xmlns="" xmlns:a14="http://schemas.microsoft.com/office/drawing/2010/main">
+              <a14:hiddenEffects xmlns:a14="http://schemas.microsoft.com/office/drawing/2010/main" xmlns="">
                 <a:effectLst>
                   <a:outerShdw blurRad="63500" dist="38099" dir="2700000" algn="ctr" rotWithShape="0">
                     <a:srgbClr val="000000">
@@ -24523,7 +24418,7 @@
           <a:effectLst/>
           <a:extLst>
             <a:ext uri="{909E8E84-426E-40dd-AFC4-6F175D3DCCD1}">
-              <a14:hiddenFill xmlns="" xmlns:a14="http://schemas.microsoft.com/office/drawing/2010/main">
+              <a14:hiddenFill xmlns:a14="http://schemas.microsoft.com/office/drawing/2010/main" xmlns="">
                 <a:blipFill dpi="0" rotWithShape="0">
                   <a:blip/>
                   <a:srcRect/>
@@ -24534,7 +24429,7 @@
               </a14:hiddenFill>
             </a:ext>
             <a:ext uri="{91240B29-F687-4f45-9708-019B960494DF}">
-              <a14:hiddenLine xmlns="" xmlns:a14="http://schemas.microsoft.com/office/drawing/2010/main" w="9525">
+              <a14:hiddenLine xmlns:a14="http://schemas.microsoft.com/office/drawing/2010/main" xmlns="" w="9525">
                 <a:solidFill>
                   <a:srgbClr val="000000"/>
                 </a:solidFill>
@@ -24544,7 +24439,7 @@
               </a14:hiddenLine>
             </a:ext>
             <a:ext uri="{AF507438-7753-43e0-B8FC-AC1667EBCBE1}">
-              <a14:hiddenEffects xmlns="" xmlns:a14="http://schemas.microsoft.com/office/drawing/2010/main">
+              <a14:hiddenEffects xmlns:a14="http://schemas.microsoft.com/office/drawing/2010/main" xmlns="">
                 <a:effectLst>
                   <a:outerShdw blurRad="63500" dist="38099" dir="2700000" algn="ctr" rotWithShape="0">
                     <a:srgbClr val="000000">
@@ -25906,7 +25801,7 @@
           <a:effectLst/>
           <a:extLst>
             <a:ext uri="{909E8E84-426E-40dd-AFC4-6F175D3DCCD1}">
-              <a14:hiddenFill xmlns="" xmlns:a14="http://schemas.microsoft.com/office/drawing/2010/main">
+              <a14:hiddenFill xmlns:a14="http://schemas.microsoft.com/office/drawing/2010/main" xmlns="">
                 <a:blipFill dpi="0" rotWithShape="0">
                   <a:blip/>
                   <a:srcRect/>
@@ -25917,7 +25812,7 @@
               </a14:hiddenFill>
             </a:ext>
             <a:ext uri="{91240B29-F687-4f45-9708-019B960494DF}">
-              <a14:hiddenLine xmlns="" xmlns:a14="http://schemas.microsoft.com/office/drawing/2010/main" w="9525">
+              <a14:hiddenLine xmlns:a14="http://schemas.microsoft.com/office/drawing/2010/main" xmlns="" w="9525">
                 <a:solidFill>
                   <a:srgbClr val="000000"/>
                 </a:solidFill>
@@ -25927,7 +25822,7 @@
               </a14:hiddenLine>
             </a:ext>
             <a:ext uri="{AF507438-7753-43e0-B8FC-AC1667EBCBE1}">
-              <a14:hiddenEffects xmlns="" xmlns:a14="http://schemas.microsoft.com/office/drawing/2010/main">
+              <a14:hiddenEffects xmlns:a14="http://schemas.microsoft.com/office/drawing/2010/main" xmlns="">
                 <a:effectLst>
                   <a:outerShdw blurRad="63500" dist="38099" dir="2700000" algn="ctr" rotWithShape="0">
                     <a:srgbClr val="000000">
@@ -26058,7 +25953,7 @@
           <a:effectLst/>
           <a:extLst>
             <a:ext uri="{909E8E84-426E-40dd-AFC4-6F175D3DCCD1}">
-              <a14:hiddenFill xmlns="" xmlns:a14="http://schemas.microsoft.com/office/drawing/2010/main">
+              <a14:hiddenFill xmlns:a14="http://schemas.microsoft.com/office/drawing/2010/main" xmlns="">
                 <a:blipFill dpi="0" rotWithShape="0">
                   <a:blip/>
                   <a:srcRect/>
@@ -26069,7 +25964,7 @@
               </a14:hiddenFill>
             </a:ext>
             <a:ext uri="{91240B29-F687-4f45-9708-019B960494DF}">
-              <a14:hiddenLine xmlns="" xmlns:a14="http://schemas.microsoft.com/office/drawing/2010/main" w="9525">
+              <a14:hiddenLine xmlns:a14="http://schemas.microsoft.com/office/drawing/2010/main" xmlns="" w="9525">
                 <a:solidFill>
                   <a:srgbClr val="000000"/>
                 </a:solidFill>
@@ -26079,7 +25974,7 @@
               </a14:hiddenLine>
             </a:ext>
             <a:ext uri="{AF507438-7753-43e0-B8FC-AC1667EBCBE1}">
-              <a14:hiddenEffects xmlns="" xmlns:a14="http://schemas.microsoft.com/office/drawing/2010/main">
+              <a14:hiddenEffects xmlns:a14="http://schemas.microsoft.com/office/drawing/2010/main" xmlns="">
                 <a:effectLst>
                   <a:outerShdw blurRad="63500" dist="38099" dir="2700000" algn="ctr" rotWithShape="0">
                     <a:srgbClr val="000000">
@@ -33777,7 +33672,7 @@
           <a:effectLst/>
           <a:extLst>
             <a:ext uri="{909E8E84-426E-40dd-AFC4-6F175D3DCCD1}">
-              <a14:hiddenFill xmlns:a14="http://schemas.microsoft.com/office/drawing/2010/main" xmlns="">
+              <a14:hiddenFill xmlns="" xmlns:a14="http://schemas.microsoft.com/office/drawing/2010/main">
                 <a:blipFill dpi="0" rotWithShape="0">
                   <a:blip/>
                   <a:srcRect/>
@@ -33788,7 +33683,7 @@
               </a14:hiddenFill>
             </a:ext>
             <a:ext uri="{91240B29-F687-4f45-9708-019B960494DF}">
-              <a14:hiddenLine xmlns:a14="http://schemas.microsoft.com/office/drawing/2010/main" xmlns="" w="9525">
+              <a14:hiddenLine xmlns="" xmlns:a14="http://schemas.microsoft.com/office/drawing/2010/main" w="9525">
                 <a:solidFill>
                   <a:srgbClr val="000000"/>
                 </a:solidFill>
@@ -33798,7 +33693,7 @@
               </a14:hiddenLine>
             </a:ext>
             <a:ext uri="{AF507438-7753-43e0-B8FC-AC1667EBCBE1}">
-              <a14:hiddenEffects xmlns:a14="http://schemas.microsoft.com/office/drawing/2010/main" xmlns="">
+              <a14:hiddenEffects xmlns="" xmlns:a14="http://schemas.microsoft.com/office/drawing/2010/main">
                 <a:effectLst>
                   <a:outerShdw blurRad="63500" dist="38099" dir="2700000" algn="ctr" rotWithShape="0">
                     <a:srgbClr val="000000">

--- a/marple.pptx
+++ b/marple.pptx
@@ -11654,7 +11654,15 @@
           <a:p>
             <a:r>
               <a:rPr lang="en-US" dirty="0"/>
-              <a:t>Structure stats measurement as key-value store</a:t>
+              <a:t>Structure </a:t>
+            </a:r>
+            <a:r>
+              <a:rPr lang="en-US" dirty="0" err="1"/>
+              <a:t>groupby</a:t>
+            </a:r>
+            <a:r>
+              <a:rPr lang="en-US" dirty="0"/>
+              <a:t> as key-value store</a:t>
             </a:r>
           </a:p>
           <a:p>
@@ -11663,7 +11671,7 @@
           <a:p>
             <a:r>
               <a:rPr lang="en-US" dirty="0"/>
-              <a:t>Key=flow, value=statistic being measured</a:t>
+              <a:t>Key=flow, value=state being tracked</a:t>
             </a:r>
           </a:p>
           <a:p>
@@ -11992,7 +12000,7 @@
           <a:effectLst/>
           <a:extLst>
             <a:ext uri="{909E8E84-426E-40dd-AFC4-6F175D3DCCD1}">
-              <a14:hiddenFill xmlns="" xmlns:a14="http://schemas.microsoft.com/office/drawing/2010/main">
+              <a14:hiddenFill xmlns:a14="http://schemas.microsoft.com/office/drawing/2010/main" xmlns="">
                 <a:blipFill dpi="0" rotWithShape="0">
                   <a:blip/>
                   <a:srcRect/>
@@ -12003,7 +12011,7 @@
               </a14:hiddenFill>
             </a:ext>
             <a:ext uri="{91240B29-F687-4f45-9708-019B960494DF}">
-              <a14:hiddenLine xmlns="" xmlns:a14="http://schemas.microsoft.com/office/drawing/2010/main" w="9525">
+              <a14:hiddenLine xmlns:a14="http://schemas.microsoft.com/office/drawing/2010/main" xmlns="" w="9525">
                 <a:solidFill>
                   <a:srgbClr val="000000"/>
                 </a:solidFill>
@@ -12013,7 +12021,7 @@
               </a14:hiddenLine>
             </a:ext>
             <a:ext uri="{AF507438-7753-43e0-B8FC-AC1667EBCBE1}">
-              <a14:hiddenEffects xmlns="" xmlns:a14="http://schemas.microsoft.com/office/drawing/2010/main">
+              <a14:hiddenEffects xmlns:a14="http://schemas.microsoft.com/office/drawing/2010/main" xmlns="">
                 <a:effectLst>
                   <a:outerShdw blurRad="63500" dist="38099" dir="2700000" algn="ctr" rotWithShape="0">
                     <a:srgbClr val="000000">
@@ -12062,7 +12070,7 @@
           <a:effectLst/>
           <a:extLst>
             <a:ext uri="{909E8E84-426E-40dd-AFC4-6F175D3DCCD1}">
-              <a14:hiddenFill xmlns="" xmlns:a14="http://schemas.microsoft.com/office/drawing/2010/main">
+              <a14:hiddenFill xmlns:a14="http://schemas.microsoft.com/office/drawing/2010/main" xmlns="">
                 <a:blipFill dpi="0" rotWithShape="0">
                   <a:blip/>
                   <a:srcRect/>
@@ -12073,7 +12081,7 @@
               </a14:hiddenFill>
             </a:ext>
             <a:ext uri="{91240B29-F687-4f45-9708-019B960494DF}">
-              <a14:hiddenLine xmlns="" xmlns:a14="http://schemas.microsoft.com/office/drawing/2010/main" w="9525">
+              <a14:hiddenLine xmlns:a14="http://schemas.microsoft.com/office/drawing/2010/main" xmlns="" w="9525">
                 <a:solidFill>
                   <a:srgbClr val="000000"/>
                 </a:solidFill>
@@ -12083,7 +12091,7 @@
               </a14:hiddenLine>
             </a:ext>
             <a:ext uri="{AF507438-7753-43e0-B8FC-AC1667EBCBE1}">
-              <a14:hiddenEffects xmlns="" xmlns:a14="http://schemas.microsoft.com/office/drawing/2010/main">
+              <a14:hiddenEffects xmlns:a14="http://schemas.microsoft.com/office/drawing/2010/main" xmlns="">
                 <a:effectLst>
                   <a:outerShdw blurRad="63500" dist="38099" dir="2700000" algn="ctr" rotWithShape="0">
                     <a:srgbClr val="000000">
@@ -12218,7 +12226,7 @@
             <a:effectLst/>
             <a:extLst>
               <a:ext uri="{909E8E84-426E-40dd-AFC4-6F175D3DCCD1}">
-                <a14:hiddenFill xmlns:a14="http://schemas.microsoft.com/office/drawing/2010/main" xmlns="">
+                <a14:hiddenFill xmlns="" xmlns:a14="http://schemas.microsoft.com/office/drawing/2010/main">
                   <a:blipFill dpi="0" rotWithShape="0">
                     <a:blip/>
                     <a:srcRect/>
@@ -12229,7 +12237,7 @@
                 </a14:hiddenFill>
               </a:ext>
               <a:ext uri="{91240B29-F687-4f45-9708-019B960494DF}">
-                <a14:hiddenLine xmlns:a14="http://schemas.microsoft.com/office/drawing/2010/main" xmlns="" w="9525">
+                <a14:hiddenLine xmlns="" xmlns:a14="http://schemas.microsoft.com/office/drawing/2010/main" w="9525">
                   <a:solidFill>
                     <a:srgbClr val="000000"/>
                   </a:solidFill>
@@ -12239,7 +12247,7 @@
                 </a14:hiddenLine>
               </a:ext>
               <a:ext uri="{AF507438-7753-43e0-B8FC-AC1667EBCBE1}">
-                <a14:hiddenEffects xmlns:a14="http://schemas.microsoft.com/office/drawing/2010/main" xmlns="">
+                <a14:hiddenEffects xmlns="" xmlns:a14="http://schemas.microsoft.com/office/drawing/2010/main">
                   <a:effectLst>
                     <a:outerShdw blurRad="63500" dist="38099" dir="2700000" algn="ctr" rotWithShape="0">
                       <a:srgbClr val="000000">
@@ -12288,7 +12296,7 @@
             <a:effectLst/>
             <a:extLst>
               <a:ext uri="{909E8E84-426E-40dd-AFC4-6F175D3DCCD1}">
-                <a14:hiddenFill xmlns:a14="http://schemas.microsoft.com/office/drawing/2010/main" xmlns="">
+                <a14:hiddenFill xmlns="" xmlns:a14="http://schemas.microsoft.com/office/drawing/2010/main">
                   <a:blipFill dpi="0" rotWithShape="0">
                     <a:blip/>
                     <a:srcRect/>
@@ -12299,7 +12307,7 @@
                 </a14:hiddenFill>
               </a:ext>
               <a:ext uri="{91240B29-F687-4f45-9708-019B960494DF}">
-                <a14:hiddenLine xmlns:a14="http://schemas.microsoft.com/office/drawing/2010/main" xmlns="" w="9525">
+                <a14:hiddenLine xmlns="" xmlns:a14="http://schemas.microsoft.com/office/drawing/2010/main" w="9525">
                   <a:solidFill>
                     <a:srgbClr val="000000"/>
                   </a:solidFill>
@@ -12309,7 +12317,7 @@
                 </a14:hiddenLine>
               </a:ext>
               <a:ext uri="{AF507438-7753-43e0-B8FC-AC1667EBCBE1}">
-                <a14:hiddenEffects xmlns:a14="http://schemas.microsoft.com/office/drawing/2010/main" xmlns="">
+                <a14:hiddenEffects xmlns="" xmlns:a14="http://schemas.microsoft.com/office/drawing/2010/main">
                   <a:effectLst>
                     <a:outerShdw blurRad="63500" dist="38099" dir="2700000" algn="ctr" rotWithShape="0">
                       <a:srgbClr val="000000">
@@ -12358,7 +12366,7 @@
             <a:effectLst/>
             <a:extLst>
               <a:ext uri="{909E8E84-426E-40dd-AFC4-6F175D3DCCD1}">
-                <a14:hiddenFill xmlns:a14="http://schemas.microsoft.com/office/drawing/2010/main" xmlns="">
+                <a14:hiddenFill xmlns="" xmlns:a14="http://schemas.microsoft.com/office/drawing/2010/main">
                   <a:blipFill dpi="0" rotWithShape="0">
                     <a:blip/>
                     <a:srcRect/>
@@ -12369,7 +12377,7 @@
                 </a14:hiddenFill>
               </a:ext>
               <a:ext uri="{91240B29-F687-4f45-9708-019B960494DF}">
-                <a14:hiddenLine xmlns:a14="http://schemas.microsoft.com/office/drawing/2010/main" xmlns="" w="9525">
+                <a14:hiddenLine xmlns="" xmlns:a14="http://schemas.microsoft.com/office/drawing/2010/main" w="9525">
                   <a:solidFill>
                     <a:srgbClr val="000000"/>
                   </a:solidFill>
@@ -12379,7 +12387,7 @@
                 </a14:hiddenLine>
               </a:ext>
               <a:ext uri="{AF507438-7753-43e0-B8FC-AC1667EBCBE1}">
-                <a14:hiddenEffects xmlns:a14="http://schemas.microsoft.com/office/drawing/2010/main" xmlns="">
+                <a14:hiddenEffects xmlns="" xmlns:a14="http://schemas.microsoft.com/office/drawing/2010/main">
                   <a:effectLst>
                     <a:outerShdw blurRad="63500" dist="38099" dir="2700000" algn="ctr" rotWithShape="0">
                       <a:srgbClr val="000000">
@@ -12420,12 +12428,12 @@
             <a:effectLst/>
             <a:extLst>
               <a:ext uri="{909E8E84-426E-40dd-AFC4-6F175D3DCCD1}">
-                <a14:hiddenFill xmlns:a14="http://schemas.microsoft.com/office/drawing/2010/main" xmlns="">
+                <a14:hiddenFill xmlns="" xmlns:a14="http://schemas.microsoft.com/office/drawing/2010/main">
                   <a:noFill/>
                 </a14:hiddenFill>
               </a:ext>
               <a:ext uri="{AF507438-7753-43e0-B8FC-AC1667EBCBE1}">
-                <a14:hiddenEffects xmlns:a14="http://schemas.microsoft.com/office/drawing/2010/main" xmlns="">
+                <a14:hiddenEffects xmlns="" xmlns:a14="http://schemas.microsoft.com/office/drawing/2010/main">
                   <a:effectLst>
                     <a:outerShdw blurRad="63500" dist="38099" dir="2700000" algn="ctr" rotWithShape="0">
                       <a:srgbClr val="000000">
@@ -12478,12 +12486,12 @@
             <a:effectLst/>
             <a:extLst>
               <a:ext uri="{909E8E84-426E-40dd-AFC4-6F175D3DCCD1}">
-                <a14:hiddenFill xmlns:a14="http://schemas.microsoft.com/office/drawing/2010/main" xmlns="">
+                <a14:hiddenFill xmlns="" xmlns:a14="http://schemas.microsoft.com/office/drawing/2010/main">
                   <a:noFill/>
                 </a14:hiddenFill>
               </a:ext>
               <a:ext uri="{AF507438-7753-43e0-B8FC-AC1667EBCBE1}">
-                <a14:hiddenEffects xmlns:a14="http://schemas.microsoft.com/office/drawing/2010/main" xmlns="">
+                <a14:hiddenEffects xmlns="" xmlns:a14="http://schemas.microsoft.com/office/drawing/2010/main">
                   <a:effectLst>
                     <a:outerShdw blurRad="63500" dist="38099" dir="2700000" algn="ctr" rotWithShape="0">
                       <a:srgbClr val="000000">
@@ -12536,12 +12544,12 @@
             <a:effectLst/>
             <a:extLst>
               <a:ext uri="{909E8E84-426E-40dd-AFC4-6F175D3DCCD1}">
-                <a14:hiddenFill xmlns:a14="http://schemas.microsoft.com/office/drawing/2010/main" xmlns="">
+                <a14:hiddenFill xmlns="" xmlns:a14="http://schemas.microsoft.com/office/drawing/2010/main">
                   <a:noFill/>
                 </a14:hiddenFill>
               </a:ext>
               <a:ext uri="{AF507438-7753-43e0-B8FC-AC1667EBCBE1}">
-                <a14:hiddenEffects xmlns:a14="http://schemas.microsoft.com/office/drawing/2010/main" xmlns="">
+                <a14:hiddenEffects xmlns="" xmlns:a14="http://schemas.microsoft.com/office/drawing/2010/main">
                   <a:effectLst>
                     <a:outerShdw blurRad="63500" dist="38099" dir="2700000" algn="ctr" rotWithShape="0">
                       <a:srgbClr val="000000">
@@ -12594,12 +12602,12 @@
             <a:effectLst/>
             <a:extLst>
               <a:ext uri="{909E8E84-426E-40dd-AFC4-6F175D3DCCD1}">
-                <a14:hiddenFill xmlns:a14="http://schemas.microsoft.com/office/drawing/2010/main" xmlns="">
+                <a14:hiddenFill xmlns="" xmlns:a14="http://schemas.microsoft.com/office/drawing/2010/main">
                   <a:noFill/>
                 </a14:hiddenFill>
               </a:ext>
               <a:ext uri="{AF507438-7753-43e0-B8FC-AC1667EBCBE1}">
-                <a14:hiddenEffects xmlns:a14="http://schemas.microsoft.com/office/drawing/2010/main" xmlns="">
+                <a14:hiddenEffects xmlns="" xmlns:a14="http://schemas.microsoft.com/office/drawing/2010/main">
                   <a:effectLst>
                     <a:outerShdw blurRad="63500" dist="38099" dir="2700000" algn="ctr" rotWithShape="0">
                       <a:srgbClr val="000000">
@@ -12652,12 +12660,12 @@
             <a:effectLst/>
             <a:extLst>
               <a:ext uri="{909E8E84-426E-40dd-AFC4-6F175D3DCCD1}">
-                <a14:hiddenFill xmlns:a14="http://schemas.microsoft.com/office/drawing/2010/main" xmlns="">
+                <a14:hiddenFill xmlns="" xmlns:a14="http://schemas.microsoft.com/office/drawing/2010/main">
                   <a:noFill/>
                 </a14:hiddenFill>
               </a:ext>
               <a:ext uri="{AF507438-7753-43e0-B8FC-AC1667EBCBE1}">
-                <a14:hiddenEffects xmlns:a14="http://schemas.microsoft.com/office/drawing/2010/main" xmlns="">
+                <a14:hiddenEffects xmlns="" xmlns:a14="http://schemas.microsoft.com/office/drawing/2010/main">
                   <a:effectLst>
                     <a:outerShdw blurRad="63500" dist="38099" dir="2700000" algn="ctr" rotWithShape="0">
                       <a:srgbClr val="000000">
@@ -12710,12 +12718,12 @@
             <a:effectLst/>
             <a:extLst>
               <a:ext uri="{909E8E84-426E-40dd-AFC4-6F175D3DCCD1}">
-                <a14:hiddenFill xmlns:a14="http://schemas.microsoft.com/office/drawing/2010/main" xmlns="">
+                <a14:hiddenFill xmlns="" xmlns:a14="http://schemas.microsoft.com/office/drawing/2010/main">
                   <a:noFill/>
                 </a14:hiddenFill>
               </a:ext>
               <a:ext uri="{AF507438-7753-43e0-B8FC-AC1667EBCBE1}">
-                <a14:hiddenEffects xmlns:a14="http://schemas.microsoft.com/office/drawing/2010/main" xmlns="">
+                <a14:hiddenEffects xmlns="" xmlns:a14="http://schemas.microsoft.com/office/drawing/2010/main">
                   <a:effectLst>
                     <a:outerShdw blurRad="63500" dist="38099" dir="2700000" algn="ctr" rotWithShape="0">
                       <a:srgbClr val="000000">
@@ -12768,12 +12776,12 @@
             <a:effectLst/>
             <a:extLst>
               <a:ext uri="{909E8E84-426E-40dd-AFC4-6F175D3DCCD1}">
-                <a14:hiddenFill xmlns:a14="http://schemas.microsoft.com/office/drawing/2010/main" xmlns="">
+                <a14:hiddenFill xmlns="" xmlns:a14="http://schemas.microsoft.com/office/drawing/2010/main">
                   <a:noFill/>
                 </a14:hiddenFill>
               </a:ext>
               <a:ext uri="{AF507438-7753-43e0-B8FC-AC1667EBCBE1}">
-                <a14:hiddenEffects xmlns:a14="http://schemas.microsoft.com/office/drawing/2010/main" xmlns="">
+                <a14:hiddenEffects xmlns="" xmlns:a14="http://schemas.microsoft.com/office/drawing/2010/main">
                   <a:effectLst>
                     <a:outerShdw blurRad="63500" dist="38099" dir="2700000" algn="ctr" rotWithShape="0">
                       <a:srgbClr val="000000">
@@ -12826,12 +12834,12 @@
             <a:effectLst/>
             <a:extLst>
               <a:ext uri="{909E8E84-426E-40dd-AFC4-6F175D3DCCD1}">
-                <a14:hiddenFill xmlns:a14="http://schemas.microsoft.com/office/drawing/2010/main" xmlns="">
+                <a14:hiddenFill xmlns="" xmlns:a14="http://schemas.microsoft.com/office/drawing/2010/main">
                   <a:noFill/>
                 </a14:hiddenFill>
               </a:ext>
               <a:ext uri="{AF507438-7753-43e0-B8FC-AC1667EBCBE1}">
-                <a14:hiddenEffects xmlns:a14="http://schemas.microsoft.com/office/drawing/2010/main" xmlns="">
+                <a14:hiddenEffects xmlns="" xmlns:a14="http://schemas.microsoft.com/office/drawing/2010/main">
                   <a:effectLst>
                     <a:outerShdw blurRad="63500" dist="38099" dir="2700000" algn="ctr" rotWithShape="0">
                       <a:srgbClr val="000000">
@@ -12884,12 +12892,12 @@
             <a:effectLst/>
             <a:extLst>
               <a:ext uri="{909E8E84-426E-40dd-AFC4-6F175D3DCCD1}">
-                <a14:hiddenFill xmlns:a14="http://schemas.microsoft.com/office/drawing/2010/main" xmlns="">
+                <a14:hiddenFill xmlns="" xmlns:a14="http://schemas.microsoft.com/office/drawing/2010/main">
                   <a:noFill/>
                 </a14:hiddenFill>
               </a:ext>
               <a:ext uri="{AF507438-7753-43e0-B8FC-AC1667EBCBE1}">
-                <a14:hiddenEffects xmlns:a14="http://schemas.microsoft.com/office/drawing/2010/main" xmlns="">
+                <a14:hiddenEffects xmlns="" xmlns:a14="http://schemas.microsoft.com/office/drawing/2010/main">
                   <a:effectLst>
                     <a:outerShdw blurRad="63500" dist="38099" dir="2700000" algn="ctr" rotWithShape="0">
                       <a:srgbClr val="000000">
@@ -12942,12 +12950,12 @@
             <a:effectLst/>
             <a:extLst>
               <a:ext uri="{909E8E84-426E-40dd-AFC4-6F175D3DCCD1}">
-                <a14:hiddenFill xmlns:a14="http://schemas.microsoft.com/office/drawing/2010/main" xmlns="">
+                <a14:hiddenFill xmlns="" xmlns:a14="http://schemas.microsoft.com/office/drawing/2010/main">
                   <a:noFill/>
                 </a14:hiddenFill>
               </a:ext>
               <a:ext uri="{AF507438-7753-43e0-B8FC-AC1667EBCBE1}">
-                <a14:hiddenEffects xmlns:a14="http://schemas.microsoft.com/office/drawing/2010/main" xmlns="">
+                <a14:hiddenEffects xmlns="" xmlns:a14="http://schemas.microsoft.com/office/drawing/2010/main">
                   <a:effectLst>
                     <a:outerShdw blurRad="63500" dist="38099" dir="2700000" algn="ctr" rotWithShape="0">
                       <a:srgbClr val="000000">
@@ -13008,7 +13016,7 @@
             <a:effectLst/>
             <a:extLst>
               <a:ext uri="{909E8E84-426E-40dd-AFC4-6F175D3DCCD1}">
-                <a14:hiddenFill xmlns:a14="http://schemas.microsoft.com/office/drawing/2010/main" xmlns="">
+                <a14:hiddenFill xmlns="" xmlns:a14="http://schemas.microsoft.com/office/drawing/2010/main">
                   <a:blipFill dpi="0" rotWithShape="0">
                     <a:blip/>
                     <a:srcRect/>
@@ -13019,7 +13027,7 @@
                 </a14:hiddenFill>
               </a:ext>
               <a:ext uri="{91240B29-F687-4f45-9708-019B960494DF}">
-                <a14:hiddenLine xmlns:a14="http://schemas.microsoft.com/office/drawing/2010/main" xmlns="" w="9525">
+                <a14:hiddenLine xmlns="" xmlns:a14="http://schemas.microsoft.com/office/drawing/2010/main" w="9525">
                   <a:solidFill>
                     <a:srgbClr val="000000"/>
                   </a:solidFill>
@@ -13029,7 +13037,7 @@
                 </a14:hiddenLine>
               </a:ext>
               <a:ext uri="{AF507438-7753-43e0-B8FC-AC1667EBCBE1}">
-                <a14:hiddenEffects xmlns:a14="http://schemas.microsoft.com/office/drawing/2010/main" xmlns="">
+                <a14:hiddenEffects xmlns="" xmlns:a14="http://schemas.microsoft.com/office/drawing/2010/main">
                   <a:effectLst>
                     <a:outerShdw blurRad="63500" dist="38099" dir="2700000" algn="ctr" rotWithShape="0">
                       <a:srgbClr val="000000">
@@ -13078,7 +13086,7 @@
             <a:effectLst/>
             <a:extLst>
               <a:ext uri="{909E8E84-426E-40dd-AFC4-6F175D3DCCD1}">
-                <a14:hiddenFill xmlns:a14="http://schemas.microsoft.com/office/drawing/2010/main" xmlns="">
+                <a14:hiddenFill xmlns="" xmlns:a14="http://schemas.microsoft.com/office/drawing/2010/main">
                   <a:blipFill dpi="0" rotWithShape="0">
                     <a:blip/>
                     <a:srcRect/>
@@ -13089,7 +13097,7 @@
                 </a14:hiddenFill>
               </a:ext>
               <a:ext uri="{91240B29-F687-4f45-9708-019B960494DF}">
-                <a14:hiddenLine xmlns:a14="http://schemas.microsoft.com/office/drawing/2010/main" xmlns="" w="9525">
+                <a14:hiddenLine xmlns="" xmlns:a14="http://schemas.microsoft.com/office/drawing/2010/main" w="9525">
                   <a:solidFill>
                     <a:srgbClr val="000000"/>
                   </a:solidFill>
@@ -13099,7 +13107,7 @@
                 </a14:hiddenLine>
               </a:ext>
               <a:ext uri="{AF507438-7753-43e0-B8FC-AC1667EBCBE1}">
-                <a14:hiddenEffects xmlns:a14="http://schemas.microsoft.com/office/drawing/2010/main" xmlns="">
+                <a14:hiddenEffects xmlns="" xmlns:a14="http://schemas.microsoft.com/office/drawing/2010/main">
                   <a:effectLst>
                     <a:outerShdw blurRad="63500" dist="38099" dir="2700000" algn="ctr" rotWithShape="0">
                       <a:srgbClr val="000000">
@@ -13148,7 +13156,7 @@
             <a:effectLst/>
             <a:extLst>
               <a:ext uri="{909E8E84-426E-40dd-AFC4-6F175D3DCCD1}">
-                <a14:hiddenFill xmlns:a14="http://schemas.microsoft.com/office/drawing/2010/main" xmlns="">
+                <a14:hiddenFill xmlns="" xmlns:a14="http://schemas.microsoft.com/office/drawing/2010/main">
                   <a:blipFill dpi="0" rotWithShape="0">
                     <a:blip/>
                     <a:srcRect/>
@@ -13159,7 +13167,7 @@
                 </a14:hiddenFill>
               </a:ext>
               <a:ext uri="{91240B29-F687-4f45-9708-019B960494DF}">
-                <a14:hiddenLine xmlns:a14="http://schemas.microsoft.com/office/drawing/2010/main" xmlns="" w="9525">
+                <a14:hiddenLine xmlns="" xmlns:a14="http://schemas.microsoft.com/office/drawing/2010/main" w="9525">
                   <a:solidFill>
                     <a:srgbClr val="000000"/>
                   </a:solidFill>
@@ -13169,7 +13177,7 @@
                 </a14:hiddenLine>
               </a:ext>
               <a:ext uri="{AF507438-7753-43e0-B8FC-AC1667EBCBE1}">
-                <a14:hiddenEffects xmlns:a14="http://schemas.microsoft.com/office/drawing/2010/main" xmlns="">
+                <a14:hiddenEffects xmlns="" xmlns:a14="http://schemas.microsoft.com/office/drawing/2010/main">
                   <a:effectLst>
                     <a:outerShdw blurRad="63500" dist="38099" dir="2700000" algn="ctr" rotWithShape="0">
                       <a:srgbClr val="000000">
@@ -13218,7 +13226,7 @@
             <a:effectLst/>
             <a:extLst>
               <a:ext uri="{909E8E84-426E-40dd-AFC4-6F175D3DCCD1}">
-                <a14:hiddenFill xmlns:a14="http://schemas.microsoft.com/office/drawing/2010/main" xmlns="">
+                <a14:hiddenFill xmlns="" xmlns:a14="http://schemas.microsoft.com/office/drawing/2010/main">
                   <a:blipFill dpi="0" rotWithShape="0">
                     <a:blip/>
                     <a:srcRect/>
@@ -13229,7 +13237,7 @@
                 </a14:hiddenFill>
               </a:ext>
               <a:ext uri="{91240B29-F687-4f45-9708-019B960494DF}">
-                <a14:hiddenLine xmlns:a14="http://schemas.microsoft.com/office/drawing/2010/main" xmlns="" w="9525">
+                <a14:hiddenLine xmlns="" xmlns:a14="http://schemas.microsoft.com/office/drawing/2010/main" w="9525">
                   <a:solidFill>
                     <a:srgbClr val="000000"/>
                   </a:solidFill>
@@ -13239,7 +13247,7 @@
                 </a14:hiddenLine>
               </a:ext>
               <a:ext uri="{AF507438-7753-43e0-B8FC-AC1667EBCBE1}">
-                <a14:hiddenEffects xmlns:a14="http://schemas.microsoft.com/office/drawing/2010/main" xmlns="">
+                <a14:hiddenEffects xmlns="" xmlns:a14="http://schemas.microsoft.com/office/drawing/2010/main">
                   <a:effectLst>
                     <a:outerShdw blurRad="63500" dist="38099" dir="2700000" algn="ctr" rotWithShape="0">
                       <a:srgbClr val="000000">
@@ -13288,7 +13296,7 @@
             <a:effectLst/>
             <a:extLst>
               <a:ext uri="{909E8E84-426E-40dd-AFC4-6F175D3DCCD1}">
-                <a14:hiddenFill xmlns:a14="http://schemas.microsoft.com/office/drawing/2010/main" xmlns="">
+                <a14:hiddenFill xmlns="" xmlns:a14="http://schemas.microsoft.com/office/drawing/2010/main">
                   <a:blipFill dpi="0" rotWithShape="0">
                     <a:blip/>
                     <a:srcRect/>
@@ -13299,7 +13307,7 @@
                 </a14:hiddenFill>
               </a:ext>
               <a:ext uri="{91240B29-F687-4f45-9708-019B960494DF}">
-                <a14:hiddenLine xmlns:a14="http://schemas.microsoft.com/office/drawing/2010/main" xmlns="" w="9525">
+                <a14:hiddenLine xmlns="" xmlns:a14="http://schemas.microsoft.com/office/drawing/2010/main" w="9525">
                   <a:solidFill>
                     <a:srgbClr val="000000"/>
                   </a:solidFill>
@@ -13309,7 +13317,7 @@
                 </a14:hiddenLine>
               </a:ext>
               <a:ext uri="{AF507438-7753-43e0-B8FC-AC1667EBCBE1}">
-                <a14:hiddenEffects xmlns:a14="http://schemas.microsoft.com/office/drawing/2010/main" xmlns="">
+                <a14:hiddenEffects xmlns="" xmlns:a14="http://schemas.microsoft.com/office/drawing/2010/main">
                   <a:effectLst>
                     <a:outerShdw blurRad="63500" dist="38099" dir="2700000" algn="ctr" rotWithShape="0">
                       <a:srgbClr val="000000">
@@ -13350,12 +13358,12 @@
             <a:effectLst/>
             <a:extLst>
               <a:ext uri="{909E8E84-426E-40dd-AFC4-6F175D3DCCD1}">
-                <a14:hiddenFill xmlns:a14="http://schemas.microsoft.com/office/drawing/2010/main" xmlns="">
+                <a14:hiddenFill xmlns="" xmlns:a14="http://schemas.microsoft.com/office/drawing/2010/main">
                   <a:noFill/>
                 </a14:hiddenFill>
               </a:ext>
               <a:ext uri="{AF507438-7753-43e0-B8FC-AC1667EBCBE1}">
-                <a14:hiddenEffects xmlns:a14="http://schemas.microsoft.com/office/drawing/2010/main" xmlns="">
+                <a14:hiddenEffects xmlns="" xmlns:a14="http://schemas.microsoft.com/office/drawing/2010/main">
                   <a:effectLst>
                     <a:outerShdw blurRad="63500" dist="38099" dir="2700000" algn="ctr" rotWithShape="0">
                       <a:srgbClr val="000000">
@@ -13408,12 +13416,12 @@
             <a:effectLst/>
             <a:extLst>
               <a:ext uri="{909E8E84-426E-40dd-AFC4-6F175D3DCCD1}">
-                <a14:hiddenFill xmlns:a14="http://schemas.microsoft.com/office/drawing/2010/main" xmlns="">
+                <a14:hiddenFill xmlns="" xmlns:a14="http://schemas.microsoft.com/office/drawing/2010/main">
                   <a:noFill/>
                 </a14:hiddenFill>
               </a:ext>
               <a:ext uri="{AF507438-7753-43e0-B8FC-AC1667EBCBE1}">
-                <a14:hiddenEffects xmlns:a14="http://schemas.microsoft.com/office/drawing/2010/main" xmlns="">
+                <a14:hiddenEffects xmlns="" xmlns:a14="http://schemas.microsoft.com/office/drawing/2010/main">
                   <a:effectLst>
                     <a:outerShdw blurRad="63500" dist="38099" dir="2700000" algn="ctr" rotWithShape="0">
                       <a:srgbClr val="000000">
@@ -13474,7 +13482,7 @@
             <a:effectLst/>
             <a:extLst>
               <a:ext uri="{909E8E84-426E-40dd-AFC4-6F175D3DCCD1}">
-                <a14:hiddenFill xmlns:a14="http://schemas.microsoft.com/office/drawing/2010/main" xmlns="">
+                <a14:hiddenFill xmlns="" xmlns:a14="http://schemas.microsoft.com/office/drawing/2010/main">
                   <a:blipFill dpi="0" rotWithShape="0">
                     <a:blip/>
                     <a:srcRect/>
@@ -13485,7 +13493,7 @@
                 </a14:hiddenFill>
               </a:ext>
               <a:ext uri="{91240B29-F687-4f45-9708-019B960494DF}">
-                <a14:hiddenLine xmlns:a14="http://schemas.microsoft.com/office/drawing/2010/main" xmlns="" w="9525">
+                <a14:hiddenLine xmlns="" xmlns:a14="http://schemas.microsoft.com/office/drawing/2010/main" w="9525">
                   <a:solidFill>
                     <a:srgbClr val="000000"/>
                   </a:solidFill>
@@ -13495,7 +13503,7 @@
                 </a14:hiddenLine>
               </a:ext>
               <a:ext uri="{AF507438-7753-43e0-B8FC-AC1667EBCBE1}">
-                <a14:hiddenEffects xmlns:a14="http://schemas.microsoft.com/office/drawing/2010/main" xmlns="">
+                <a14:hiddenEffects xmlns="" xmlns:a14="http://schemas.microsoft.com/office/drawing/2010/main">
                   <a:effectLst>
                     <a:outerShdw blurRad="63500" dist="38099" dir="2700000" algn="ctr" rotWithShape="0">
                       <a:srgbClr val="000000">
@@ -13628,7 +13636,7 @@
           <a:effectLst/>
           <a:extLst>
             <a:ext uri="{909E8E84-426E-40dd-AFC4-6F175D3DCCD1}">
-              <a14:hiddenFill xmlns="" xmlns:a14="http://schemas.microsoft.com/office/drawing/2010/main">
+              <a14:hiddenFill xmlns:a14="http://schemas.microsoft.com/office/drawing/2010/main" xmlns="">
                 <a:blipFill dpi="0" rotWithShape="0">
                   <a:blip/>
                   <a:srcRect/>
@@ -13639,7 +13647,7 @@
               </a14:hiddenFill>
             </a:ext>
             <a:ext uri="{91240B29-F687-4f45-9708-019B960494DF}">
-              <a14:hiddenLine xmlns="" xmlns:a14="http://schemas.microsoft.com/office/drawing/2010/main" w="9525">
+              <a14:hiddenLine xmlns:a14="http://schemas.microsoft.com/office/drawing/2010/main" xmlns="" w="9525">
                 <a:solidFill>
                   <a:srgbClr val="000000"/>
                 </a:solidFill>
@@ -13649,7 +13657,7 @@
               </a14:hiddenLine>
             </a:ext>
             <a:ext uri="{AF507438-7753-43e0-B8FC-AC1667EBCBE1}">
-              <a14:hiddenEffects xmlns="" xmlns:a14="http://schemas.microsoft.com/office/drawing/2010/main">
+              <a14:hiddenEffects xmlns:a14="http://schemas.microsoft.com/office/drawing/2010/main" xmlns="">
                 <a:effectLst>
                   <a:outerShdw blurRad="63500" dist="38099" dir="2700000" algn="ctr" rotWithShape="0">
                     <a:srgbClr val="000000">
@@ -13734,7 +13742,7 @@
           <a:effectLst/>
           <a:extLst>
             <a:ext uri="{909E8E84-426E-40dd-AFC4-6F175D3DCCD1}">
-              <a14:hiddenFill xmlns="" xmlns:a14="http://schemas.microsoft.com/office/drawing/2010/main">
+              <a14:hiddenFill xmlns:a14="http://schemas.microsoft.com/office/drawing/2010/main" xmlns="">
                 <a:blipFill dpi="0" rotWithShape="0">
                   <a:blip/>
                   <a:srcRect/>
@@ -13745,7 +13753,7 @@
               </a14:hiddenFill>
             </a:ext>
             <a:ext uri="{91240B29-F687-4f45-9708-019B960494DF}">
-              <a14:hiddenLine xmlns="" xmlns:a14="http://schemas.microsoft.com/office/drawing/2010/main" w="9525">
+              <a14:hiddenLine xmlns:a14="http://schemas.microsoft.com/office/drawing/2010/main" xmlns="" w="9525">
                 <a:solidFill>
                   <a:srgbClr val="000000"/>
                 </a:solidFill>
@@ -13755,7 +13763,7 @@
               </a14:hiddenLine>
             </a:ext>
             <a:ext uri="{AF507438-7753-43e0-B8FC-AC1667EBCBE1}">
-              <a14:hiddenEffects xmlns="" xmlns:a14="http://schemas.microsoft.com/office/drawing/2010/main">
+              <a14:hiddenEffects xmlns:a14="http://schemas.microsoft.com/office/drawing/2010/main" xmlns="">
                 <a:effectLst>
                   <a:outerShdw blurRad="63500" dist="38099" dir="2700000" algn="ctr" rotWithShape="0">
                     <a:srgbClr val="000000">
@@ -13840,7 +13848,7 @@
           <a:effectLst/>
           <a:extLst>
             <a:ext uri="{909E8E84-426E-40dd-AFC4-6F175D3DCCD1}">
-              <a14:hiddenFill xmlns="" xmlns:a14="http://schemas.microsoft.com/office/drawing/2010/main">
+              <a14:hiddenFill xmlns:a14="http://schemas.microsoft.com/office/drawing/2010/main" xmlns="">
                 <a:blipFill dpi="0" rotWithShape="0">
                   <a:blip/>
                   <a:srcRect/>
@@ -13851,7 +13859,7 @@
               </a14:hiddenFill>
             </a:ext>
             <a:ext uri="{91240B29-F687-4f45-9708-019B960494DF}">
-              <a14:hiddenLine xmlns="" xmlns:a14="http://schemas.microsoft.com/office/drawing/2010/main" w="9525">
+              <a14:hiddenLine xmlns:a14="http://schemas.microsoft.com/office/drawing/2010/main" xmlns="" w="9525">
                 <a:solidFill>
                   <a:srgbClr val="000000"/>
                 </a:solidFill>
@@ -13861,7 +13869,7 @@
               </a14:hiddenLine>
             </a:ext>
             <a:ext uri="{AF507438-7753-43e0-B8FC-AC1667EBCBE1}">
-              <a14:hiddenEffects xmlns="" xmlns:a14="http://schemas.microsoft.com/office/drawing/2010/main">
+              <a14:hiddenEffects xmlns:a14="http://schemas.microsoft.com/office/drawing/2010/main" xmlns="">
                 <a:effectLst>
                   <a:outerShdw blurRad="63500" dist="38099" dir="2700000" algn="ctr" rotWithShape="0">
                     <a:srgbClr val="000000">
@@ -14040,7 +14048,7 @@
           <a:effectLst/>
           <a:extLst>
             <a:ext uri="{909E8E84-426E-40dd-AFC4-6F175D3DCCD1}">
-              <a14:hiddenFill xmlns="" xmlns:a14="http://schemas.microsoft.com/office/drawing/2010/main">
+              <a14:hiddenFill xmlns:a14="http://schemas.microsoft.com/office/drawing/2010/main" xmlns="">
                 <a:blipFill dpi="0" rotWithShape="0">
                   <a:blip/>
                   <a:srcRect/>
@@ -14051,7 +14059,7 @@
               </a14:hiddenFill>
             </a:ext>
             <a:ext uri="{91240B29-F687-4f45-9708-019B960494DF}">
-              <a14:hiddenLine xmlns="" xmlns:a14="http://schemas.microsoft.com/office/drawing/2010/main" w="9525">
+              <a14:hiddenLine xmlns:a14="http://schemas.microsoft.com/office/drawing/2010/main" xmlns="" w="9525">
                 <a:solidFill>
                   <a:srgbClr val="000000"/>
                 </a:solidFill>
@@ -14061,7 +14069,7 @@
               </a14:hiddenLine>
             </a:ext>
             <a:ext uri="{AF507438-7753-43e0-B8FC-AC1667EBCBE1}">
-              <a14:hiddenEffects xmlns="" xmlns:a14="http://schemas.microsoft.com/office/drawing/2010/main">
+              <a14:hiddenEffects xmlns:a14="http://schemas.microsoft.com/office/drawing/2010/main" xmlns="">
                 <a:effectLst>
                   <a:outerShdw blurRad="63500" dist="38099" dir="2700000" algn="ctr" rotWithShape="0">
                     <a:srgbClr val="000000">
@@ -14139,7 +14147,7 @@
           <a:effectLst/>
           <a:extLst>
             <a:ext uri="{909E8E84-426E-40dd-AFC4-6F175D3DCCD1}">
-              <a14:hiddenFill xmlns="" xmlns:a14="http://schemas.microsoft.com/office/drawing/2010/main">
+              <a14:hiddenFill xmlns:a14="http://schemas.microsoft.com/office/drawing/2010/main" xmlns="">
                 <a:blipFill dpi="0" rotWithShape="0">
                   <a:blip/>
                   <a:srcRect/>
@@ -14150,7 +14158,7 @@
               </a14:hiddenFill>
             </a:ext>
             <a:ext uri="{91240B29-F687-4f45-9708-019B960494DF}">
-              <a14:hiddenLine xmlns="" xmlns:a14="http://schemas.microsoft.com/office/drawing/2010/main" w="9525">
+              <a14:hiddenLine xmlns:a14="http://schemas.microsoft.com/office/drawing/2010/main" xmlns="" w="9525">
                 <a:solidFill>
                   <a:srgbClr val="000000"/>
                 </a:solidFill>
@@ -14160,7 +14168,7 @@
               </a14:hiddenLine>
             </a:ext>
             <a:ext uri="{AF507438-7753-43e0-B8FC-AC1667EBCBE1}">
-              <a14:hiddenEffects xmlns="" xmlns:a14="http://schemas.microsoft.com/office/drawing/2010/main">
+              <a14:hiddenEffects xmlns:a14="http://schemas.microsoft.com/office/drawing/2010/main" xmlns="">
                 <a:effectLst>
                   <a:outerShdw blurRad="63500" dist="38099" dir="2700000" algn="ctr" rotWithShape="0">
                     <a:srgbClr val="000000">
@@ -16025,7 +16033,7 @@
           <a:effectLst/>
           <a:extLst>
             <a:ext uri="{909E8E84-426E-40dd-AFC4-6F175D3DCCD1}">
-              <a14:hiddenFill xmlns:a14="http://schemas.microsoft.com/office/drawing/2010/main" xmlns="">
+              <a14:hiddenFill xmlns="" xmlns:a14="http://schemas.microsoft.com/office/drawing/2010/main">
                 <a:blipFill dpi="0" rotWithShape="0">
                   <a:blip/>
                   <a:srcRect/>
@@ -16036,7 +16044,7 @@
               </a14:hiddenFill>
             </a:ext>
             <a:ext uri="{91240B29-F687-4f45-9708-019B960494DF}">
-              <a14:hiddenLine xmlns:a14="http://schemas.microsoft.com/office/drawing/2010/main" xmlns="" w="9525">
+              <a14:hiddenLine xmlns="" xmlns:a14="http://schemas.microsoft.com/office/drawing/2010/main" w="9525">
                 <a:solidFill>
                   <a:srgbClr val="000000"/>
                 </a:solidFill>
@@ -16046,7 +16054,7 @@
               </a14:hiddenLine>
             </a:ext>
             <a:ext uri="{AF507438-7753-43e0-B8FC-AC1667EBCBE1}">
-              <a14:hiddenEffects xmlns:a14="http://schemas.microsoft.com/office/drawing/2010/main" xmlns="">
+              <a14:hiddenEffects xmlns="" xmlns:a14="http://schemas.microsoft.com/office/drawing/2010/main">
                 <a:effectLst>
                   <a:outerShdw blurRad="63500" dist="38099" dir="2700000" algn="ctr" rotWithShape="0">
                     <a:srgbClr val="000000">
@@ -16206,7 +16214,7 @@
           <a:effectLst/>
           <a:extLst>
             <a:ext uri="{909E8E84-426E-40dd-AFC4-6F175D3DCCD1}">
-              <a14:hiddenFill xmlns:a14="http://schemas.microsoft.com/office/drawing/2010/main" xmlns="">
+              <a14:hiddenFill xmlns="" xmlns:a14="http://schemas.microsoft.com/office/drawing/2010/main">
                 <a:blipFill dpi="0" rotWithShape="0">
                   <a:blip/>
                   <a:srcRect/>
@@ -16217,7 +16225,7 @@
               </a14:hiddenFill>
             </a:ext>
             <a:ext uri="{91240B29-F687-4f45-9708-019B960494DF}">
-              <a14:hiddenLine xmlns:a14="http://schemas.microsoft.com/office/drawing/2010/main" xmlns="" w="9525">
+              <a14:hiddenLine xmlns="" xmlns:a14="http://schemas.microsoft.com/office/drawing/2010/main" w="9525">
                 <a:solidFill>
                   <a:srgbClr val="000000"/>
                 </a:solidFill>
@@ -16227,7 +16235,7 @@
               </a14:hiddenLine>
             </a:ext>
             <a:ext uri="{AF507438-7753-43e0-B8FC-AC1667EBCBE1}">
-              <a14:hiddenEffects xmlns:a14="http://schemas.microsoft.com/office/drawing/2010/main" xmlns="">
+              <a14:hiddenEffects xmlns="" xmlns:a14="http://schemas.microsoft.com/office/drawing/2010/main">
                 <a:effectLst>
                   <a:outerShdw blurRad="63500" dist="38099" dir="2700000" algn="ctr" rotWithShape="0">
                     <a:srgbClr val="000000">
@@ -18026,7 +18034,7 @@
           <a:effectLst/>
           <a:extLst>
             <a:ext uri="{909E8E84-426E-40dd-AFC4-6F175D3DCCD1}">
-              <a14:hiddenFill xmlns:a14="http://schemas.microsoft.com/office/drawing/2010/main" xmlns="">
+              <a14:hiddenFill xmlns="" xmlns:a14="http://schemas.microsoft.com/office/drawing/2010/main">
                 <a:blipFill dpi="0" rotWithShape="0">
                   <a:blip/>
                   <a:srcRect/>
@@ -18037,7 +18045,7 @@
               </a14:hiddenFill>
             </a:ext>
             <a:ext uri="{91240B29-F687-4f45-9708-019B960494DF}">
-              <a14:hiddenLine xmlns:a14="http://schemas.microsoft.com/office/drawing/2010/main" xmlns="" w="9525">
+              <a14:hiddenLine xmlns="" xmlns:a14="http://schemas.microsoft.com/office/drawing/2010/main" w="9525">
                 <a:solidFill>
                   <a:srgbClr val="000000"/>
                 </a:solidFill>
@@ -18047,7 +18055,7 @@
               </a14:hiddenLine>
             </a:ext>
             <a:ext uri="{AF507438-7753-43e0-B8FC-AC1667EBCBE1}">
-              <a14:hiddenEffects xmlns:a14="http://schemas.microsoft.com/office/drawing/2010/main" xmlns="">
+              <a14:hiddenEffects xmlns="" xmlns:a14="http://schemas.microsoft.com/office/drawing/2010/main">
                 <a:effectLst>
                   <a:outerShdw blurRad="63500" dist="38099" dir="2700000" algn="ctr" rotWithShape="0">
                     <a:srgbClr val="000000">
@@ -18140,7 +18148,7 @@
           <a:effectLst/>
           <a:extLst>
             <a:ext uri="{909E8E84-426E-40dd-AFC4-6F175D3DCCD1}">
-              <a14:hiddenFill xmlns:a14="http://schemas.microsoft.com/office/drawing/2010/main" xmlns="">
+              <a14:hiddenFill xmlns="" xmlns:a14="http://schemas.microsoft.com/office/drawing/2010/main">
                 <a:blipFill dpi="0" rotWithShape="0">
                   <a:blip/>
                   <a:srcRect/>
@@ -18151,7 +18159,7 @@
               </a14:hiddenFill>
             </a:ext>
             <a:ext uri="{91240B29-F687-4f45-9708-019B960494DF}">
-              <a14:hiddenLine xmlns:a14="http://schemas.microsoft.com/office/drawing/2010/main" xmlns="" w="9525">
+              <a14:hiddenLine xmlns="" xmlns:a14="http://schemas.microsoft.com/office/drawing/2010/main" w="9525">
                 <a:solidFill>
                   <a:srgbClr val="000000"/>
                 </a:solidFill>
@@ -18161,7 +18169,7 @@
               </a14:hiddenLine>
             </a:ext>
             <a:ext uri="{AF507438-7753-43e0-B8FC-AC1667EBCBE1}">
-              <a14:hiddenEffects xmlns:a14="http://schemas.microsoft.com/office/drawing/2010/main" xmlns="">
+              <a14:hiddenEffects xmlns="" xmlns:a14="http://schemas.microsoft.com/office/drawing/2010/main">
                 <a:effectLst>
                   <a:outerShdw blurRad="63500" dist="38099" dir="2700000" algn="ctr" rotWithShape="0">
                     <a:srgbClr val="000000">
@@ -21033,7 +21041,7 @@
           <a:effectLst/>
           <a:extLst>
             <a:ext uri="{909E8E84-426E-40dd-AFC4-6F175D3DCCD1}">
-              <a14:hiddenFill xmlns:a14="http://schemas.microsoft.com/office/drawing/2010/main" xmlns="">
+              <a14:hiddenFill xmlns="" xmlns:a14="http://schemas.microsoft.com/office/drawing/2010/main">
                 <a:blipFill dpi="0" rotWithShape="0">
                   <a:blip/>
                   <a:srcRect/>
@@ -21044,7 +21052,7 @@
               </a14:hiddenFill>
             </a:ext>
             <a:ext uri="{91240B29-F687-4f45-9708-019B960494DF}">
-              <a14:hiddenLine xmlns:a14="http://schemas.microsoft.com/office/drawing/2010/main" xmlns="" w="9525">
+              <a14:hiddenLine xmlns="" xmlns:a14="http://schemas.microsoft.com/office/drawing/2010/main" w="9525">
                 <a:solidFill>
                   <a:srgbClr val="000000"/>
                 </a:solidFill>
@@ -21054,7 +21062,7 @@
               </a14:hiddenLine>
             </a:ext>
             <a:ext uri="{AF507438-7753-43e0-B8FC-AC1667EBCBE1}">
-              <a14:hiddenEffects xmlns:a14="http://schemas.microsoft.com/office/drawing/2010/main" xmlns="">
+              <a14:hiddenEffects xmlns="" xmlns:a14="http://schemas.microsoft.com/office/drawing/2010/main">
                 <a:effectLst>
                   <a:outerShdw blurRad="63500" dist="38099" dir="2700000" algn="ctr" rotWithShape="0">
                     <a:srgbClr val="000000">
@@ -21133,7 +21141,7 @@
           <a:effectLst/>
           <a:extLst>
             <a:ext uri="{909E8E84-426E-40dd-AFC4-6F175D3DCCD1}">
-              <a14:hiddenFill xmlns:a14="http://schemas.microsoft.com/office/drawing/2010/main" xmlns="">
+              <a14:hiddenFill xmlns="" xmlns:a14="http://schemas.microsoft.com/office/drawing/2010/main">
                 <a:blipFill dpi="0" rotWithShape="0">
                   <a:blip/>
                   <a:srcRect/>
@@ -21144,7 +21152,7 @@
               </a14:hiddenFill>
             </a:ext>
             <a:ext uri="{91240B29-F687-4f45-9708-019B960494DF}">
-              <a14:hiddenLine xmlns:a14="http://schemas.microsoft.com/office/drawing/2010/main" xmlns="" w="9525">
+              <a14:hiddenLine xmlns="" xmlns:a14="http://schemas.microsoft.com/office/drawing/2010/main" w="9525">
                 <a:solidFill>
                   <a:srgbClr val="000000"/>
                 </a:solidFill>
@@ -21154,7 +21162,7 @@
               </a14:hiddenLine>
             </a:ext>
             <a:ext uri="{AF507438-7753-43e0-B8FC-AC1667EBCBE1}">
-              <a14:hiddenEffects xmlns:a14="http://schemas.microsoft.com/office/drawing/2010/main" xmlns="">
+              <a14:hiddenEffects xmlns="" xmlns:a14="http://schemas.microsoft.com/office/drawing/2010/main">
                 <a:effectLst>
                   <a:outerShdw blurRad="63500" dist="38099" dir="2700000" algn="ctr" rotWithShape="0">
                     <a:srgbClr val="000000">
@@ -22749,7 +22757,7 @@
           <a:effectLst/>
           <a:extLst>
             <a:ext uri="{909E8E84-426E-40dd-AFC4-6F175D3DCCD1}">
-              <a14:hiddenFill xmlns:a14="http://schemas.microsoft.com/office/drawing/2010/main" xmlns="">
+              <a14:hiddenFill xmlns="" xmlns:a14="http://schemas.microsoft.com/office/drawing/2010/main">
                 <a:blipFill dpi="0" rotWithShape="0">
                   <a:blip/>
                   <a:srcRect/>
@@ -22760,7 +22768,7 @@
               </a14:hiddenFill>
             </a:ext>
             <a:ext uri="{91240B29-F687-4f45-9708-019B960494DF}">
-              <a14:hiddenLine xmlns:a14="http://schemas.microsoft.com/office/drawing/2010/main" xmlns="" w="9525">
+              <a14:hiddenLine xmlns="" xmlns:a14="http://schemas.microsoft.com/office/drawing/2010/main" w="9525">
                 <a:solidFill>
                   <a:srgbClr val="000000"/>
                 </a:solidFill>
@@ -22770,7 +22778,7 @@
               </a14:hiddenLine>
             </a:ext>
             <a:ext uri="{AF507438-7753-43e0-B8FC-AC1667EBCBE1}">
-              <a14:hiddenEffects xmlns:a14="http://schemas.microsoft.com/office/drawing/2010/main" xmlns="">
+              <a14:hiddenEffects xmlns="" xmlns:a14="http://schemas.microsoft.com/office/drawing/2010/main">
                 <a:effectLst>
                   <a:outerShdw blurRad="63500" dist="38099" dir="2700000" algn="ctr" rotWithShape="0">
                     <a:srgbClr val="000000">
@@ -24418,7 +24426,7 @@
           <a:effectLst/>
           <a:extLst>
             <a:ext uri="{909E8E84-426E-40dd-AFC4-6F175D3DCCD1}">
-              <a14:hiddenFill xmlns:a14="http://schemas.microsoft.com/office/drawing/2010/main" xmlns="">
+              <a14:hiddenFill xmlns="" xmlns:a14="http://schemas.microsoft.com/office/drawing/2010/main">
                 <a:blipFill dpi="0" rotWithShape="0">
                   <a:blip/>
                   <a:srcRect/>
@@ -24429,7 +24437,7 @@
               </a14:hiddenFill>
             </a:ext>
             <a:ext uri="{91240B29-F687-4f45-9708-019B960494DF}">
-              <a14:hiddenLine xmlns:a14="http://schemas.microsoft.com/office/drawing/2010/main" xmlns="" w="9525">
+              <a14:hiddenLine xmlns="" xmlns:a14="http://schemas.microsoft.com/office/drawing/2010/main" w="9525">
                 <a:solidFill>
                   <a:srgbClr val="000000"/>
                 </a:solidFill>
@@ -24439,7 +24447,7 @@
               </a14:hiddenLine>
             </a:ext>
             <a:ext uri="{AF507438-7753-43e0-B8FC-AC1667EBCBE1}">
-              <a14:hiddenEffects xmlns:a14="http://schemas.microsoft.com/office/drawing/2010/main" xmlns="">
+              <a14:hiddenEffects xmlns="" xmlns:a14="http://schemas.microsoft.com/office/drawing/2010/main">
                 <a:effectLst>
                   <a:outerShdw blurRad="63500" dist="38099" dir="2700000" algn="ctr" rotWithShape="0">
                     <a:srgbClr val="000000">
@@ -25801,7 +25809,7 @@
           <a:effectLst/>
           <a:extLst>
             <a:ext uri="{909E8E84-426E-40dd-AFC4-6F175D3DCCD1}">
-              <a14:hiddenFill xmlns:a14="http://schemas.microsoft.com/office/drawing/2010/main" xmlns="">
+              <a14:hiddenFill xmlns="" xmlns:a14="http://schemas.microsoft.com/office/drawing/2010/main">
                 <a:blipFill dpi="0" rotWithShape="0">
                   <a:blip/>
                   <a:srcRect/>
@@ -25812,7 +25820,7 @@
               </a14:hiddenFill>
             </a:ext>
             <a:ext uri="{91240B29-F687-4f45-9708-019B960494DF}">
-              <a14:hiddenLine xmlns:a14="http://schemas.microsoft.com/office/drawing/2010/main" xmlns="" w="9525">
+              <a14:hiddenLine xmlns="" xmlns:a14="http://schemas.microsoft.com/office/drawing/2010/main" w="9525">
                 <a:solidFill>
                   <a:srgbClr val="000000"/>
                 </a:solidFill>
@@ -25822,7 +25830,7 @@
               </a14:hiddenLine>
             </a:ext>
             <a:ext uri="{AF507438-7753-43e0-B8FC-AC1667EBCBE1}">
-              <a14:hiddenEffects xmlns:a14="http://schemas.microsoft.com/office/drawing/2010/main" xmlns="">
+              <a14:hiddenEffects xmlns="" xmlns:a14="http://schemas.microsoft.com/office/drawing/2010/main">
                 <a:effectLst>
                   <a:outerShdw blurRad="63500" dist="38099" dir="2700000" algn="ctr" rotWithShape="0">
                     <a:srgbClr val="000000">
@@ -25953,7 +25961,7 @@
           <a:effectLst/>
           <a:extLst>
             <a:ext uri="{909E8E84-426E-40dd-AFC4-6F175D3DCCD1}">
-              <a14:hiddenFill xmlns:a14="http://schemas.microsoft.com/office/drawing/2010/main" xmlns="">
+              <a14:hiddenFill xmlns="" xmlns:a14="http://schemas.microsoft.com/office/drawing/2010/main">
                 <a:blipFill dpi="0" rotWithShape="0">
                   <a:blip/>
                   <a:srcRect/>
@@ -25964,7 +25972,7 @@
               </a14:hiddenFill>
             </a:ext>
             <a:ext uri="{91240B29-F687-4f45-9708-019B960494DF}">
-              <a14:hiddenLine xmlns:a14="http://schemas.microsoft.com/office/drawing/2010/main" xmlns="" w="9525">
+              <a14:hiddenLine xmlns="" xmlns:a14="http://schemas.microsoft.com/office/drawing/2010/main" w="9525">
                 <a:solidFill>
                   <a:srgbClr val="000000"/>
                 </a:solidFill>
@@ -25974,7 +25982,7 @@
               </a14:hiddenLine>
             </a:ext>
             <a:ext uri="{AF507438-7753-43e0-B8FC-AC1667EBCBE1}">
-              <a14:hiddenEffects xmlns:a14="http://schemas.microsoft.com/office/drawing/2010/main" xmlns="">
+              <a14:hiddenEffects xmlns="" xmlns:a14="http://schemas.microsoft.com/office/drawing/2010/main">
                 <a:effectLst>
                   <a:outerShdw blurRad="63500" dist="38099" dir="2700000" algn="ctr" rotWithShape="0">
                     <a:srgbClr val="000000">
@@ -33672,7 +33680,7 @@
           <a:effectLst/>
           <a:extLst>
             <a:ext uri="{909E8E84-426E-40dd-AFC4-6F175D3DCCD1}">
-              <a14:hiddenFill xmlns="" xmlns:a14="http://schemas.microsoft.com/office/drawing/2010/main">
+              <a14:hiddenFill xmlns:a14="http://schemas.microsoft.com/office/drawing/2010/main" xmlns="">
                 <a:blipFill dpi="0" rotWithShape="0">
                   <a:blip/>
                   <a:srcRect/>
@@ -33683,7 +33691,7 @@
               </a14:hiddenFill>
             </a:ext>
             <a:ext uri="{91240B29-F687-4f45-9708-019B960494DF}">
-              <a14:hiddenLine xmlns="" xmlns:a14="http://schemas.microsoft.com/office/drawing/2010/main" w="9525">
+              <a14:hiddenLine xmlns:a14="http://schemas.microsoft.com/office/drawing/2010/main" xmlns="" w="9525">
                 <a:solidFill>
                   <a:srgbClr val="000000"/>
                 </a:solidFill>
@@ -33693,7 +33701,7 @@
               </a14:hiddenLine>
             </a:ext>
             <a:ext uri="{AF507438-7753-43e0-B8FC-AC1667EBCBE1}">
-              <a14:hiddenEffects xmlns="" xmlns:a14="http://schemas.microsoft.com/office/drawing/2010/main">
+              <a14:hiddenEffects xmlns:a14="http://schemas.microsoft.com/office/drawing/2010/main" xmlns="">
                 <a:effectLst>
                   <a:outerShdw blurRad="63500" dist="38099" dir="2700000" algn="ctr" rotWithShape="0">
                     <a:srgbClr val="000000">
@@ -37515,7 +37523,7 @@
                 <a:ea typeface="Ayuthaya" charset="-34"/>
                 <a:cs typeface="Ayuthaya" charset="-34"/>
               </a:rPr>
-              <a:t>INPUT PACKET STREAM:= </a:t>
+              <a:t>INPUT PACKET STREAM (S):= </a:t>
             </a:r>
           </a:p>
           <a:p>

--- a/marple.pptx
+++ b/marple.pptx
@@ -8343,7 +8343,7 @@
                 <a:ea typeface="Ayuthaya" charset="-34"/>
                 <a:cs typeface="Ayuthaya" charset="-34"/>
               </a:rPr>
-              <a:t>(S, tout – tin &gt; 1 </a:t>
+              <a:t>(P, tout – tin &gt; 1 </a:t>
             </a:r>
             <a:r>
               <a:rPr lang="en-US" sz="3200" dirty="0" err="1">
@@ -8509,7 +8509,7 @@
                 <a:ea typeface="Ayuthaya" charset="-34"/>
                 <a:cs typeface="Ayuthaya" charset="-34"/>
               </a:rPr>
-              <a:t>(S, proto == TCP)</a:t>
+              <a:t>(P, proto == TCP)</a:t>
             </a:r>
           </a:p>
           <a:p>
@@ -9115,7 +9115,7 @@
                 <a:ea typeface="Ayuthaya" charset="-34"/>
                 <a:cs typeface="Ayuthaya" charset="-34"/>
               </a:rPr>
-              <a:t>(S, 5tuple, </a:t>
+              <a:t>(P, 5tuple, </a:t>
             </a:r>
             <a:r>
               <a:rPr lang="en-US" sz="3200" dirty="0" err="1">
@@ -10249,7 +10249,7 @@
                 <a:ea typeface="Ayuthaya" charset="-34"/>
                 <a:cs typeface="Ayuthaya" charset="-34"/>
               </a:rPr>
-              <a:t>S:= (switch, </a:t>
+              <a:t>P:= (switch, </a:t>
             </a:r>
             <a:r>
               <a:rPr lang="en-US" sz="2800" dirty="0" err="1">
@@ -11112,7 +11112,7 @@
                 <a:ea typeface="Ayuthaya" charset="-34"/>
                 <a:cs typeface="Ayuthaya" charset="-34"/>
               </a:rPr>
-              <a:t>(S, 5tuple, </a:t>
+              <a:t>(P, 5tuple, </a:t>
             </a:r>
             <a:r>
               <a:rPr lang="en-US" dirty="0" err="1">
@@ -11645,7 +11645,12 @@
             <p:ph idx="1"/>
           </p:nvPr>
         </p:nvSpPr>
-        <p:spPr/>
+        <p:spPr>
+          <a:xfrm>
+            <a:off x="838200" y="1825625"/>
+            <a:ext cx="10959790" cy="4351338"/>
+          </a:xfrm>
+        </p:spPr>
         <p:txBody>
           <a:bodyPr>
             <a:normAutofit/>
@@ -11671,7 +11676,15 @@
           <a:p>
             <a:r>
               <a:rPr lang="en-US" dirty="0"/>
-              <a:t>Key=flow, value=state being tracked</a:t>
+              <a:t>Key=</a:t>
+            </a:r>
+            <a:r>
+              <a:rPr lang="en-US" dirty="0" err="1"/>
+              <a:t>groupby</a:t>
+            </a:r>
+            <a:r>
+              <a:rPr lang="en-US" dirty="0"/>
+              <a:t> partition (e.g., 5-tuple)</a:t>
             </a:r>
           </a:p>
           <a:p>
@@ -11680,7 +11693,16 @@
           <a:p>
             <a:r>
               <a:rPr lang="en-US" dirty="0"/>
-              <a:t>Cache key-value store in SRAM; maintain authoritative copy in DRAM.</a:t>
+              <a:t>Value=state being tracked (e.g., count)</a:t>
+            </a:r>
+          </a:p>
+          <a:p>
+            <a:endParaRPr lang="en-US" dirty="0"/>
+          </a:p>
+          <a:p>
+            <a:r>
+              <a:rPr lang="en-US" dirty="0"/>
+              <a:t>Cache key-value store in SRAM; maintain backing store in DRAM.</a:t>
             </a:r>
           </a:p>
           <a:p>
@@ -11864,6 +11886,55 @@
                       </p:childTnLst>
                     </p:cTn>
                   </p:par>
+                  <p:par>
+                    <p:cTn id="15" fill="hold">
+                      <p:stCondLst>
+                        <p:cond delay="indefinite"/>
+                      </p:stCondLst>
+                      <p:childTnLst>
+                        <p:par>
+                          <p:cTn id="16" fill="hold">
+                            <p:stCondLst>
+                              <p:cond delay="0"/>
+                            </p:stCondLst>
+                            <p:childTnLst>
+                              <p:par>
+                                <p:cTn id="17" presetID="1" presetClass="entr" presetSubtype="0" fill="hold" nodeType="clickEffect">
+                                  <p:stCondLst>
+                                    <p:cond delay="0"/>
+                                  </p:stCondLst>
+                                  <p:childTnLst>
+                                    <p:set>
+                                      <p:cBhvr>
+                                        <p:cTn id="18" dur="1" fill="hold">
+                                          <p:stCondLst>
+                                            <p:cond delay="0"/>
+                                          </p:stCondLst>
+                                        </p:cTn>
+                                        <p:tgtEl>
+                                          <p:spTgt spid="6">
+                                            <p:txEl>
+                                              <p:pRg st="6" end="6"/>
+                                            </p:txEl>
+                                          </p:spTgt>
+                                        </p:tgtEl>
+                                        <p:attrNameLst>
+                                          <p:attrName>style.visibility</p:attrName>
+                                        </p:attrNameLst>
+                                      </p:cBhvr>
+                                      <p:to>
+                                        <p:strVal val="visible"/>
+                                      </p:to>
+                                    </p:set>
+                                  </p:childTnLst>
+                                </p:cTn>
+                              </p:par>
+                            </p:childTnLst>
+                          </p:cTn>
+                        </p:par>
+                      </p:childTnLst>
+                    </p:cTn>
+                  </p:par>
                 </p:childTnLst>
               </p:cTn>
               <p:prevCondLst>
@@ -12000,7 +12071,7 @@
           <a:effectLst/>
           <a:extLst>
             <a:ext uri="{909E8E84-426E-40dd-AFC4-6F175D3DCCD1}">
-              <a14:hiddenFill xmlns:a14="http://schemas.microsoft.com/office/drawing/2010/main" xmlns="">
+              <a14:hiddenFill xmlns="" xmlns:a14="http://schemas.microsoft.com/office/drawing/2010/main">
                 <a:blipFill dpi="0" rotWithShape="0">
                   <a:blip/>
                   <a:srcRect/>
@@ -12011,7 +12082,7 @@
               </a14:hiddenFill>
             </a:ext>
             <a:ext uri="{91240B29-F687-4f45-9708-019B960494DF}">
-              <a14:hiddenLine xmlns:a14="http://schemas.microsoft.com/office/drawing/2010/main" xmlns="" w="9525">
+              <a14:hiddenLine xmlns="" xmlns:a14="http://schemas.microsoft.com/office/drawing/2010/main" w="9525">
                 <a:solidFill>
                   <a:srgbClr val="000000"/>
                 </a:solidFill>
@@ -12021,7 +12092,7 @@
               </a14:hiddenLine>
             </a:ext>
             <a:ext uri="{AF507438-7753-43e0-B8FC-AC1667EBCBE1}">
-              <a14:hiddenEffects xmlns:a14="http://schemas.microsoft.com/office/drawing/2010/main" xmlns="">
+              <a14:hiddenEffects xmlns="" xmlns:a14="http://schemas.microsoft.com/office/drawing/2010/main">
                 <a:effectLst>
                   <a:outerShdw blurRad="63500" dist="38099" dir="2700000" algn="ctr" rotWithShape="0">
                     <a:srgbClr val="000000">
@@ -12070,7 +12141,7 @@
           <a:effectLst/>
           <a:extLst>
             <a:ext uri="{909E8E84-426E-40dd-AFC4-6F175D3DCCD1}">
-              <a14:hiddenFill xmlns:a14="http://schemas.microsoft.com/office/drawing/2010/main" xmlns="">
+              <a14:hiddenFill xmlns="" xmlns:a14="http://schemas.microsoft.com/office/drawing/2010/main">
                 <a:blipFill dpi="0" rotWithShape="0">
                   <a:blip/>
                   <a:srcRect/>
@@ -12081,7 +12152,7 @@
               </a14:hiddenFill>
             </a:ext>
             <a:ext uri="{91240B29-F687-4f45-9708-019B960494DF}">
-              <a14:hiddenLine xmlns:a14="http://schemas.microsoft.com/office/drawing/2010/main" xmlns="" w="9525">
+              <a14:hiddenLine xmlns="" xmlns:a14="http://schemas.microsoft.com/office/drawing/2010/main" w="9525">
                 <a:solidFill>
                   <a:srgbClr val="000000"/>
                 </a:solidFill>
@@ -12091,7 +12162,7 @@
               </a14:hiddenLine>
             </a:ext>
             <a:ext uri="{AF507438-7753-43e0-B8FC-AC1667EBCBE1}">
-              <a14:hiddenEffects xmlns:a14="http://schemas.microsoft.com/office/drawing/2010/main" xmlns="">
+              <a14:hiddenEffects xmlns="" xmlns:a14="http://schemas.microsoft.com/office/drawing/2010/main">
                 <a:effectLst>
                   <a:outerShdw blurRad="63500" dist="38099" dir="2700000" algn="ctr" rotWithShape="0">
                     <a:srgbClr val="000000">
@@ -12226,7 +12297,7 @@
             <a:effectLst/>
             <a:extLst>
               <a:ext uri="{909E8E84-426E-40dd-AFC4-6F175D3DCCD1}">
-                <a14:hiddenFill xmlns="" xmlns:a14="http://schemas.microsoft.com/office/drawing/2010/main">
+                <a14:hiddenFill xmlns:a14="http://schemas.microsoft.com/office/drawing/2010/main" xmlns="">
                   <a:blipFill dpi="0" rotWithShape="0">
                     <a:blip/>
                     <a:srcRect/>
@@ -12237,7 +12308,7 @@
                 </a14:hiddenFill>
               </a:ext>
               <a:ext uri="{91240B29-F687-4f45-9708-019B960494DF}">
-                <a14:hiddenLine xmlns="" xmlns:a14="http://schemas.microsoft.com/office/drawing/2010/main" w="9525">
+                <a14:hiddenLine xmlns:a14="http://schemas.microsoft.com/office/drawing/2010/main" xmlns="" w="9525">
                   <a:solidFill>
                     <a:srgbClr val="000000"/>
                   </a:solidFill>
@@ -12247,7 +12318,7 @@
                 </a14:hiddenLine>
               </a:ext>
               <a:ext uri="{AF507438-7753-43e0-B8FC-AC1667EBCBE1}">
-                <a14:hiddenEffects xmlns="" xmlns:a14="http://schemas.microsoft.com/office/drawing/2010/main">
+                <a14:hiddenEffects xmlns:a14="http://schemas.microsoft.com/office/drawing/2010/main" xmlns="">
                   <a:effectLst>
                     <a:outerShdw blurRad="63500" dist="38099" dir="2700000" algn="ctr" rotWithShape="0">
                       <a:srgbClr val="000000">
@@ -12296,7 +12367,7 @@
             <a:effectLst/>
             <a:extLst>
               <a:ext uri="{909E8E84-426E-40dd-AFC4-6F175D3DCCD1}">
-                <a14:hiddenFill xmlns="" xmlns:a14="http://schemas.microsoft.com/office/drawing/2010/main">
+                <a14:hiddenFill xmlns:a14="http://schemas.microsoft.com/office/drawing/2010/main" xmlns="">
                   <a:blipFill dpi="0" rotWithShape="0">
                     <a:blip/>
                     <a:srcRect/>
@@ -12307,7 +12378,7 @@
                 </a14:hiddenFill>
               </a:ext>
               <a:ext uri="{91240B29-F687-4f45-9708-019B960494DF}">
-                <a14:hiddenLine xmlns="" xmlns:a14="http://schemas.microsoft.com/office/drawing/2010/main" w="9525">
+                <a14:hiddenLine xmlns:a14="http://schemas.microsoft.com/office/drawing/2010/main" xmlns="" w="9525">
                   <a:solidFill>
                     <a:srgbClr val="000000"/>
                   </a:solidFill>
@@ -12317,7 +12388,7 @@
                 </a14:hiddenLine>
               </a:ext>
               <a:ext uri="{AF507438-7753-43e0-B8FC-AC1667EBCBE1}">
-                <a14:hiddenEffects xmlns="" xmlns:a14="http://schemas.microsoft.com/office/drawing/2010/main">
+                <a14:hiddenEffects xmlns:a14="http://schemas.microsoft.com/office/drawing/2010/main" xmlns="">
                   <a:effectLst>
                     <a:outerShdw blurRad="63500" dist="38099" dir="2700000" algn="ctr" rotWithShape="0">
                       <a:srgbClr val="000000">
@@ -12366,7 +12437,7 @@
             <a:effectLst/>
             <a:extLst>
               <a:ext uri="{909E8E84-426E-40dd-AFC4-6F175D3DCCD1}">
-                <a14:hiddenFill xmlns="" xmlns:a14="http://schemas.microsoft.com/office/drawing/2010/main">
+                <a14:hiddenFill xmlns:a14="http://schemas.microsoft.com/office/drawing/2010/main" xmlns="">
                   <a:blipFill dpi="0" rotWithShape="0">
                     <a:blip/>
                     <a:srcRect/>
@@ -12377,7 +12448,7 @@
                 </a14:hiddenFill>
               </a:ext>
               <a:ext uri="{91240B29-F687-4f45-9708-019B960494DF}">
-                <a14:hiddenLine xmlns="" xmlns:a14="http://schemas.microsoft.com/office/drawing/2010/main" w="9525">
+                <a14:hiddenLine xmlns:a14="http://schemas.microsoft.com/office/drawing/2010/main" xmlns="" w="9525">
                   <a:solidFill>
                     <a:srgbClr val="000000"/>
                   </a:solidFill>
@@ -12387,7 +12458,7 @@
                 </a14:hiddenLine>
               </a:ext>
               <a:ext uri="{AF507438-7753-43e0-B8FC-AC1667EBCBE1}">
-                <a14:hiddenEffects xmlns="" xmlns:a14="http://schemas.microsoft.com/office/drawing/2010/main">
+                <a14:hiddenEffects xmlns:a14="http://schemas.microsoft.com/office/drawing/2010/main" xmlns="">
                   <a:effectLst>
                     <a:outerShdw blurRad="63500" dist="38099" dir="2700000" algn="ctr" rotWithShape="0">
                       <a:srgbClr val="000000">
@@ -12428,12 +12499,12 @@
             <a:effectLst/>
             <a:extLst>
               <a:ext uri="{909E8E84-426E-40dd-AFC4-6F175D3DCCD1}">
-                <a14:hiddenFill xmlns="" xmlns:a14="http://schemas.microsoft.com/office/drawing/2010/main">
+                <a14:hiddenFill xmlns:a14="http://schemas.microsoft.com/office/drawing/2010/main" xmlns="">
                   <a:noFill/>
                 </a14:hiddenFill>
               </a:ext>
               <a:ext uri="{AF507438-7753-43e0-B8FC-AC1667EBCBE1}">
-                <a14:hiddenEffects xmlns="" xmlns:a14="http://schemas.microsoft.com/office/drawing/2010/main">
+                <a14:hiddenEffects xmlns:a14="http://schemas.microsoft.com/office/drawing/2010/main" xmlns="">
                   <a:effectLst>
                     <a:outerShdw blurRad="63500" dist="38099" dir="2700000" algn="ctr" rotWithShape="0">
                       <a:srgbClr val="000000">
@@ -12486,12 +12557,12 @@
             <a:effectLst/>
             <a:extLst>
               <a:ext uri="{909E8E84-426E-40dd-AFC4-6F175D3DCCD1}">
-                <a14:hiddenFill xmlns="" xmlns:a14="http://schemas.microsoft.com/office/drawing/2010/main">
+                <a14:hiddenFill xmlns:a14="http://schemas.microsoft.com/office/drawing/2010/main" xmlns="">
                   <a:noFill/>
                 </a14:hiddenFill>
               </a:ext>
               <a:ext uri="{AF507438-7753-43e0-B8FC-AC1667EBCBE1}">
-                <a14:hiddenEffects xmlns="" xmlns:a14="http://schemas.microsoft.com/office/drawing/2010/main">
+                <a14:hiddenEffects xmlns:a14="http://schemas.microsoft.com/office/drawing/2010/main" xmlns="">
                   <a:effectLst>
                     <a:outerShdw blurRad="63500" dist="38099" dir="2700000" algn="ctr" rotWithShape="0">
                       <a:srgbClr val="000000">
@@ -12544,12 +12615,12 @@
             <a:effectLst/>
             <a:extLst>
               <a:ext uri="{909E8E84-426E-40dd-AFC4-6F175D3DCCD1}">
-                <a14:hiddenFill xmlns="" xmlns:a14="http://schemas.microsoft.com/office/drawing/2010/main">
+                <a14:hiddenFill xmlns:a14="http://schemas.microsoft.com/office/drawing/2010/main" xmlns="">
                   <a:noFill/>
                 </a14:hiddenFill>
               </a:ext>
               <a:ext uri="{AF507438-7753-43e0-B8FC-AC1667EBCBE1}">
-                <a14:hiddenEffects xmlns="" xmlns:a14="http://schemas.microsoft.com/office/drawing/2010/main">
+                <a14:hiddenEffects xmlns:a14="http://schemas.microsoft.com/office/drawing/2010/main" xmlns="">
                   <a:effectLst>
                     <a:outerShdw blurRad="63500" dist="38099" dir="2700000" algn="ctr" rotWithShape="0">
                       <a:srgbClr val="000000">
@@ -12602,12 +12673,12 @@
             <a:effectLst/>
             <a:extLst>
               <a:ext uri="{909E8E84-426E-40dd-AFC4-6F175D3DCCD1}">
-                <a14:hiddenFill xmlns="" xmlns:a14="http://schemas.microsoft.com/office/drawing/2010/main">
+                <a14:hiddenFill xmlns:a14="http://schemas.microsoft.com/office/drawing/2010/main" xmlns="">
                   <a:noFill/>
                 </a14:hiddenFill>
               </a:ext>
               <a:ext uri="{AF507438-7753-43e0-B8FC-AC1667EBCBE1}">
-                <a14:hiddenEffects xmlns="" xmlns:a14="http://schemas.microsoft.com/office/drawing/2010/main">
+                <a14:hiddenEffects xmlns:a14="http://schemas.microsoft.com/office/drawing/2010/main" xmlns="">
                   <a:effectLst>
                     <a:outerShdw blurRad="63500" dist="38099" dir="2700000" algn="ctr" rotWithShape="0">
                       <a:srgbClr val="000000">
@@ -12660,12 +12731,12 @@
             <a:effectLst/>
             <a:extLst>
               <a:ext uri="{909E8E84-426E-40dd-AFC4-6F175D3DCCD1}">
-                <a14:hiddenFill xmlns="" xmlns:a14="http://schemas.microsoft.com/office/drawing/2010/main">
+                <a14:hiddenFill xmlns:a14="http://schemas.microsoft.com/office/drawing/2010/main" xmlns="">
                   <a:noFill/>
                 </a14:hiddenFill>
               </a:ext>
               <a:ext uri="{AF507438-7753-43e0-B8FC-AC1667EBCBE1}">
-                <a14:hiddenEffects xmlns="" xmlns:a14="http://schemas.microsoft.com/office/drawing/2010/main">
+                <a14:hiddenEffects xmlns:a14="http://schemas.microsoft.com/office/drawing/2010/main" xmlns="">
                   <a:effectLst>
                     <a:outerShdw blurRad="63500" dist="38099" dir="2700000" algn="ctr" rotWithShape="0">
                       <a:srgbClr val="000000">
@@ -12718,12 +12789,12 @@
             <a:effectLst/>
             <a:extLst>
               <a:ext uri="{909E8E84-426E-40dd-AFC4-6F175D3DCCD1}">
-                <a14:hiddenFill xmlns="" xmlns:a14="http://schemas.microsoft.com/office/drawing/2010/main">
+                <a14:hiddenFill xmlns:a14="http://schemas.microsoft.com/office/drawing/2010/main" xmlns="">
                   <a:noFill/>
                 </a14:hiddenFill>
               </a:ext>
               <a:ext uri="{AF507438-7753-43e0-B8FC-AC1667EBCBE1}">
-                <a14:hiddenEffects xmlns="" xmlns:a14="http://schemas.microsoft.com/office/drawing/2010/main">
+                <a14:hiddenEffects xmlns:a14="http://schemas.microsoft.com/office/drawing/2010/main" xmlns="">
                   <a:effectLst>
                     <a:outerShdw blurRad="63500" dist="38099" dir="2700000" algn="ctr" rotWithShape="0">
                       <a:srgbClr val="000000">
@@ -12776,12 +12847,12 @@
             <a:effectLst/>
             <a:extLst>
               <a:ext uri="{909E8E84-426E-40dd-AFC4-6F175D3DCCD1}">
-                <a14:hiddenFill xmlns="" xmlns:a14="http://schemas.microsoft.com/office/drawing/2010/main">
+                <a14:hiddenFill xmlns:a14="http://schemas.microsoft.com/office/drawing/2010/main" xmlns="">
                   <a:noFill/>
                 </a14:hiddenFill>
               </a:ext>
               <a:ext uri="{AF507438-7753-43e0-B8FC-AC1667EBCBE1}">
-                <a14:hiddenEffects xmlns="" xmlns:a14="http://schemas.microsoft.com/office/drawing/2010/main">
+                <a14:hiddenEffects xmlns:a14="http://schemas.microsoft.com/office/drawing/2010/main" xmlns="">
                   <a:effectLst>
                     <a:outerShdw blurRad="63500" dist="38099" dir="2700000" algn="ctr" rotWithShape="0">
                       <a:srgbClr val="000000">
@@ -12834,12 +12905,12 @@
             <a:effectLst/>
             <a:extLst>
               <a:ext uri="{909E8E84-426E-40dd-AFC4-6F175D3DCCD1}">
-                <a14:hiddenFill xmlns="" xmlns:a14="http://schemas.microsoft.com/office/drawing/2010/main">
+                <a14:hiddenFill xmlns:a14="http://schemas.microsoft.com/office/drawing/2010/main" xmlns="">
                   <a:noFill/>
                 </a14:hiddenFill>
               </a:ext>
               <a:ext uri="{AF507438-7753-43e0-B8FC-AC1667EBCBE1}">
-                <a14:hiddenEffects xmlns="" xmlns:a14="http://schemas.microsoft.com/office/drawing/2010/main">
+                <a14:hiddenEffects xmlns:a14="http://schemas.microsoft.com/office/drawing/2010/main" xmlns="">
                   <a:effectLst>
                     <a:outerShdw blurRad="63500" dist="38099" dir="2700000" algn="ctr" rotWithShape="0">
                       <a:srgbClr val="000000">
@@ -12892,12 +12963,12 @@
             <a:effectLst/>
             <a:extLst>
               <a:ext uri="{909E8E84-426E-40dd-AFC4-6F175D3DCCD1}">
-                <a14:hiddenFill xmlns="" xmlns:a14="http://schemas.microsoft.com/office/drawing/2010/main">
+                <a14:hiddenFill xmlns:a14="http://schemas.microsoft.com/office/drawing/2010/main" xmlns="">
                   <a:noFill/>
                 </a14:hiddenFill>
               </a:ext>
               <a:ext uri="{AF507438-7753-43e0-B8FC-AC1667EBCBE1}">
-                <a14:hiddenEffects xmlns="" xmlns:a14="http://schemas.microsoft.com/office/drawing/2010/main">
+                <a14:hiddenEffects xmlns:a14="http://schemas.microsoft.com/office/drawing/2010/main" xmlns="">
                   <a:effectLst>
                     <a:outerShdw blurRad="63500" dist="38099" dir="2700000" algn="ctr" rotWithShape="0">
                       <a:srgbClr val="000000">
@@ -12950,12 +13021,12 @@
             <a:effectLst/>
             <a:extLst>
               <a:ext uri="{909E8E84-426E-40dd-AFC4-6F175D3DCCD1}">
-                <a14:hiddenFill xmlns="" xmlns:a14="http://schemas.microsoft.com/office/drawing/2010/main">
+                <a14:hiddenFill xmlns:a14="http://schemas.microsoft.com/office/drawing/2010/main" xmlns="">
                   <a:noFill/>
                 </a14:hiddenFill>
               </a:ext>
               <a:ext uri="{AF507438-7753-43e0-B8FC-AC1667EBCBE1}">
-                <a14:hiddenEffects xmlns="" xmlns:a14="http://schemas.microsoft.com/office/drawing/2010/main">
+                <a14:hiddenEffects xmlns:a14="http://schemas.microsoft.com/office/drawing/2010/main" xmlns="">
                   <a:effectLst>
                     <a:outerShdw blurRad="63500" dist="38099" dir="2700000" algn="ctr" rotWithShape="0">
                       <a:srgbClr val="000000">
@@ -13016,7 +13087,7 @@
             <a:effectLst/>
             <a:extLst>
               <a:ext uri="{909E8E84-426E-40dd-AFC4-6F175D3DCCD1}">
-                <a14:hiddenFill xmlns="" xmlns:a14="http://schemas.microsoft.com/office/drawing/2010/main">
+                <a14:hiddenFill xmlns:a14="http://schemas.microsoft.com/office/drawing/2010/main" xmlns="">
                   <a:blipFill dpi="0" rotWithShape="0">
                     <a:blip/>
                     <a:srcRect/>
@@ -13027,7 +13098,7 @@
                 </a14:hiddenFill>
               </a:ext>
               <a:ext uri="{91240B29-F687-4f45-9708-019B960494DF}">
-                <a14:hiddenLine xmlns="" xmlns:a14="http://schemas.microsoft.com/office/drawing/2010/main" w="9525">
+                <a14:hiddenLine xmlns:a14="http://schemas.microsoft.com/office/drawing/2010/main" xmlns="" w="9525">
                   <a:solidFill>
                     <a:srgbClr val="000000"/>
                   </a:solidFill>
@@ -13037,7 +13108,7 @@
                 </a14:hiddenLine>
               </a:ext>
               <a:ext uri="{AF507438-7753-43e0-B8FC-AC1667EBCBE1}">
-                <a14:hiddenEffects xmlns="" xmlns:a14="http://schemas.microsoft.com/office/drawing/2010/main">
+                <a14:hiddenEffects xmlns:a14="http://schemas.microsoft.com/office/drawing/2010/main" xmlns="">
                   <a:effectLst>
                     <a:outerShdw blurRad="63500" dist="38099" dir="2700000" algn="ctr" rotWithShape="0">
                       <a:srgbClr val="000000">
@@ -13086,7 +13157,7 @@
             <a:effectLst/>
             <a:extLst>
               <a:ext uri="{909E8E84-426E-40dd-AFC4-6F175D3DCCD1}">
-                <a14:hiddenFill xmlns="" xmlns:a14="http://schemas.microsoft.com/office/drawing/2010/main">
+                <a14:hiddenFill xmlns:a14="http://schemas.microsoft.com/office/drawing/2010/main" xmlns="">
                   <a:blipFill dpi="0" rotWithShape="0">
                     <a:blip/>
                     <a:srcRect/>
@@ -13097,7 +13168,7 @@
                 </a14:hiddenFill>
               </a:ext>
               <a:ext uri="{91240B29-F687-4f45-9708-019B960494DF}">
-                <a14:hiddenLine xmlns="" xmlns:a14="http://schemas.microsoft.com/office/drawing/2010/main" w="9525">
+                <a14:hiddenLine xmlns:a14="http://schemas.microsoft.com/office/drawing/2010/main" xmlns="" w="9525">
                   <a:solidFill>
                     <a:srgbClr val="000000"/>
                   </a:solidFill>
@@ -13107,7 +13178,7 @@
                 </a14:hiddenLine>
               </a:ext>
               <a:ext uri="{AF507438-7753-43e0-B8FC-AC1667EBCBE1}">
-                <a14:hiddenEffects xmlns="" xmlns:a14="http://schemas.microsoft.com/office/drawing/2010/main">
+                <a14:hiddenEffects xmlns:a14="http://schemas.microsoft.com/office/drawing/2010/main" xmlns="">
                   <a:effectLst>
                     <a:outerShdw blurRad="63500" dist="38099" dir="2700000" algn="ctr" rotWithShape="0">
                       <a:srgbClr val="000000">
@@ -13156,7 +13227,7 @@
             <a:effectLst/>
             <a:extLst>
               <a:ext uri="{909E8E84-426E-40dd-AFC4-6F175D3DCCD1}">
-                <a14:hiddenFill xmlns="" xmlns:a14="http://schemas.microsoft.com/office/drawing/2010/main">
+                <a14:hiddenFill xmlns:a14="http://schemas.microsoft.com/office/drawing/2010/main" xmlns="">
                   <a:blipFill dpi="0" rotWithShape="0">
                     <a:blip/>
                     <a:srcRect/>
@@ -13167,7 +13238,7 @@
                 </a14:hiddenFill>
               </a:ext>
               <a:ext uri="{91240B29-F687-4f45-9708-019B960494DF}">
-                <a14:hiddenLine xmlns="" xmlns:a14="http://schemas.microsoft.com/office/drawing/2010/main" w="9525">
+                <a14:hiddenLine xmlns:a14="http://schemas.microsoft.com/office/drawing/2010/main" xmlns="" w="9525">
                   <a:solidFill>
                     <a:srgbClr val="000000"/>
                   </a:solidFill>
@@ -13177,7 +13248,7 @@
                 </a14:hiddenLine>
               </a:ext>
               <a:ext uri="{AF507438-7753-43e0-B8FC-AC1667EBCBE1}">
-                <a14:hiddenEffects xmlns="" xmlns:a14="http://schemas.microsoft.com/office/drawing/2010/main">
+                <a14:hiddenEffects xmlns:a14="http://schemas.microsoft.com/office/drawing/2010/main" xmlns="">
                   <a:effectLst>
                     <a:outerShdw blurRad="63500" dist="38099" dir="2700000" algn="ctr" rotWithShape="0">
                       <a:srgbClr val="000000">
@@ -13226,7 +13297,7 @@
             <a:effectLst/>
             <a:extLst>
               <a:ext uri="{909E8E84-426E-40dd-AFC4-6F175D3DCCD1}">
-                <a14:hiddenFill xmlns="" xmlns:a14="http://schemas.microsoft.com/office/drawing/2010/main">
+                <a14:hiddenFill xmlns:a14="http://schemas.microsoft.com/office/drawing/2010/main" xmlns="">
                   <a:blipFill dpi="0" rotWithShape="0">
                     <a:blip/>
                     <a:srcRect/>
@@ -13237,7 +13308,7 @@
                 </a14:hiddenFill>
               </a:ext>
               <a:ext uri="{91240B29-F687-4f45-9708-019B960494DF}">
-                <a14:hiddenLine xmlns="" xmlns:a14="http://schemas.microsoft.com/office/drawing/2010/main" w="9525">
+                <a14:hiddenLine xmlns:a14="http://schemas.microsoft.com/office/drawing/2010/main" xmlns="" w="9525">
                   <a:solidFill>
                     <a:srgbClr val="000000"/>
                   </a:solidFill>
@@ -13247,7 +13318,7 @@
                 </a14:hiddenLine>
               </a:ext>
               <a:ext uri="{AF507438-7753-43e0-B8FC-AC1667EBCBE1}">
-                <a14:hiddenEffects xmlns="" xmlns:a14="http://schemas.microsoft.com/office/drawing/2010/main">
+                <a14:hiddenEffects xmlns:a14="http://schemas.microsoft.com/office/drawing/2010/main" xmlns="">
                   <a:effectLst>
                     <a:outerShdw blurRad="63500" dist="38099" dir="2700000" algn="ctr" rotWithShape="0">
                       <a:srgbClr val="000000">
@@ -13296,7 +13367,7 @@
             <a:effectLst/>
             <a:extLst>
               <a:ext uri="{909E8E84-426E-40dd-AFC4-6F175D3DCCD1}">
-                <a14:hiddenFill xmlns="" xmlns:a14="http://schemas.microsoft.com/office/drawing/2010/main">
+                <a14:hiddenFill xmlns:a14="http://schemas.microsoft.com/office/drawing/2010/main" xmlns="">
                   <a:blipFill dpi="0" rotWithShape="0">
                     <a:blip/>
                     <a:srcRect/>
@@ -13307,7 +13378,7 @@
                 </a14:hiddenFill>
               </a:ext>
               <a:ext uri="{91240B29-F687-4f45-9708-019B960494DF}">
-                <a14:hiddenLine xmlns="" xmlns:a14="http://schemas.microsoft.com/office/drawing/2010/main" w="9525">
+                <a14:hiddenLine xmlns:a14="http://schemas.microsoft.com/office/drawing/2010/main" xmlns="" w="9525">
                   <a:solidFill>
                     <a:srgbClr val="000000"/>
                   </a:solidFill>
@@ -13317,7 +13388,7 @@
                 </a14:hiddenLine>
               </a:ext>
               <a:ext uri="{AF507438-7753-43e0-B8FC-AC1667EBCBE1}">
-                <a14:hiddenEffects xmlns="" xmlns:a14="http://schemas.microsoft.com/office/drawing/2010/main">
+                <a14:hiddenEffects xmlns:a14="http://schemas.microsoft.com/office/drawing/2010/main" xmlns="">
                   <a:effectLst>
                     <a:outerShdw blurRad="63500" dist="38099" dir="2700000" algn="ctr" rotWithShape="0">
                       <a:srgbClr val="000000">
@@ -13358,12 +13429,12 @@
             <a:effectLst/>
             <a:extLst>
               <a:ext uri="{909E8E84-426E-40dd-AFC4-6F175D3DCCD1}">
-                <a14:hiddenFill xmlns="" xmlns:a14="http://schemas.microsoft.com/office/drawing/2010/main">
+                <a14:hiddenFill xmlns:a14="http://schemas.microsoft.com/office/drawing/2010/main" xmlns="">
                   <a:noFill/>
                 </a14:hiddenFill>
               </a:ext>
               <a:ext uri="{AF507438-7753-43e0-B8FC-AC1667EBCBE1}">
-                <a14:hiddenEffects xmlns="" xmlns:a14="http://schemas.microsoft.com/office/drawing/2010/main">
+                <a14:hiddenEffects xmlns:a14="http://schemas.microsoft.com/office/drawing/2010/main" xmlns="">
                   <a:effectLst>
                     <a:outerShdw blurRad="63500" dist="38099" dir="2700000" algn="ctr" rotWithShape="0">
                       <a:srgbClr val="000000">
@@ -13416,12 +13487,12 @@
             <a:effectLst/>
             <a:extLst>
               <a:ext uri="{909E8E84-426E-40dd-AFC4-6F175D3DCCD1}">
-                <a14:hiddenFill xmlns="" xmlns:a14="http://schemas.microsoft.com/office/drawing/2010/main">
+                <a14:hiddenFill xmlns:a14="http://schemas.microsoft.com/office/drawing/2010/main" xmlns="">
                   <a:noFill/>
                 </a14:hiddenFill>
               </a:ext>
               <a:ext uri="{AF507438-7753-43e0-B8FC-AC1667EBCBE1}">
-                <a14:hiddenEffects xmlns="" xmlns:a14="http://schemas.microsoft.com/office/drawing/2010/main">
+                <a14:hiddenEffects xmlns:a14="http://schemas.microsoft.com/office/drawing/2010/main" xmlns="">
                   <a:effectLst>
                     <a:outerShdw blurRad="63500" dist="38099" dir="2700000" algn="ctr" rotWithShape="0">
                       <a:srgbClr val="000000">
@@ -13482,7 +13553,7 @@
             <a:effectLst/>
             <a:extLst>
               <a:ext uri="{909E8E84-426E-40dd-AFC4-6F175D3DCCD1}">
-                <a14:hiddenFill xmlns="" xmlns:a14="http://schemas.microsoft.com/office/drawing/2010/main">
+                <a14:hiddenFill xmlns:a14="http://schemas.microsoft.com/office/drawing/2010/main" xmlns="">
                   <a:blipFill dpi="0" rotWithShape="0">
                     <a:blip/>
                     <a:srcRect/>
@@ -13493,7 +13564,7 @@
                 </a14:hiddenFill>
               </a:ext>
               <a:ext uri="{91240B29-F687-4f45-9708-019B960494DF}">
-                <a14:hiddenLine xmlns="" xmlns:a14="http://schemas.microsoft.com/office/drawing/2010/main" w="9525">
+                <a14:hiddenLine xmlns:a14="http://schemas.microsoft.com/office/drawing/2010/main" xmlns="" w="9525">
                   <a:solidFill>
                     <a:srgbClr val="000000"/>
                   </a:solidFill>
@@ -13503,7 +13574,7 @@
                 </a14:hiddenLine>
               </a:ext>
               <a:ext uri="{AF507438-7753-43e0-B8FC-AC1667EBCBE1}">
-                <a14:hiddenEffects xmlns="" xmlns:a14="http://schemas.microsoft.com/office/drawing/2010/main">
+                <a14:hiddenEffects xmlns:a14="http://schemas.microsoft.com/office/drawing/2010/main" xmlns="">
                   <a:effectLst>
                     <a:outerShdw blurRad="63500" dist="38099" dir="2700000" algn="ctr" rotWithShape="0">
                       <a:srgbClr val="000000">
@@ -13636,7 +13707,7 @@
           <a:effectLst/>
           <a:extLst>
             <a:ext uri="{909E8E84-426E-40dd-AFC4-6F175D3DCCD1}">
-              <a14:hiddenFill xmlns:a14="http://schemas.microsoft.com/office/drawing/2010/main" xmlns="">
+              <a14:hiddenFill xmlns="" xmlns:a14="http://schemas.microsoft.com/office/drawing/2010/main">
                 <a:blipFill dpi="0" rotWithShape="0">
                   <a:blip/>
                   <a:srcRect/>
@@ -13647,7 +13718,7 @@
               </a14:hiddenFill>
             </a:ext>
             <a:ext uri="{91240B29-F687-4f45-9708-019B960494DF}">
-              <a14:hiddenLine xmlns:a14="http://schemas.microsoft.com/office/drawing/2010/main" xmlns="" w="9525">
+              <a14:hiddenLine xmlns="" xmlns:a14="http://schemas.microsoft.com/office/drawing/2010/main" w="9525">
                 <a:solidFill>
                   <a:srgbClr val="000000"/>
                 </a:solidFill>
@@ -13657,7 +13728,7 @@
               </a14:hiddenLine>
             </a:ext>
             <a:ext uri="{AF507438-7753-43e0-B8FC-AC1667EBCBE1}">
-              <a14:hiddenEffects xmlns:a14="http://schemas.microsoft.com/office/drawing/2010/main" xmlns="">
+              <a14:hiddenEffects xmlns="" xmlns:a14="http://schemas.microsoft.com/office/drawing/2010/main">
                 <a:effectLst>
                   <a:outerShdw blurRad="63500" dist="38099" dir="2700000" algn="ctr" rotWithShape="0">
                     <a:srgbClr val="000000">
@@ -13742,7 +13813,7 @@
           <a:effectLst/>
           <a:extLst>
             <a:ext uri="{909E8E84-426E-40dd-AFC4-6F175D3DCCD1}">
-              <a14:hiddenFill xmlns:a14="http://schemas.microsoft.com/office/drawing/2010/main" xmlns="">
+              <a14:hiddenFill xmlns="" xmlns:a14="http://schemas.microsoft.com/office/drawing/2010/main">
                 <a:blipFill dpi="0" rotWithShape="0">
                   <a:blip/>
                   <a:srcRect/>
@@ -13753,7 +13824,7 @@
               </a14:hiddenFill>
             </a:ext>
             <a:ext uri="{91240B29-F687-4f45-9708-019B960494DF}">
-              <a14:hiddenLine xmlns:a14="http://schemas.microsoft.com/office/drawing/2010/main" xmlns="" w="9525">
+              <a14:hiddenLine xmlns="" xmlns:a14="http://schemas.microsoft.com/office/drawing/2010/main" w="9525">
                 <a:solidFill>
                   <a:srgbClr val="000000"/>
                 </a:solidFill>
@@ -13763,7 +13834,7 @@
               </a14:hiddenLine>
             </a:ext>
             <a:ext uri="{AF507438-7753-43e0-B8FC-AC1667EBCBE1}">
-              <a14:hiddenEffects xmlns:a14="http://schemas.microsoft.com/office/drawing/2010/main" xmlns="">
+              <a14:hiddenEffects xmlns="" xmlns:a14="http://schemas.microsoft.com/office/drawing/2010/main">
                 <a:effectLst>
                   <a:outerShdw blurRad="63500" dist="38099" dir="2700000" algn="ctr" rotWithShape="0">
                     <a:srgbClr val="000000">
@@ -13848,7 +13919,7 @@
           <a:effectLst/>
           <a:extLst>
             <a:ext uri="{909E8E84-426E-40dd-AFC4-6F175D3DCCD1}">
-              <a14:hiddenFill xmlns:a14="http://schemas.microsoft.com/office/drawing/2010/main" xmlns="">
+              <a14:hiddenFill xmlns="" xmlns:a14="http://schemas.microsoft.com/office/drawing/2010/main">
                 <a:blipFill dpi="0" rotWithShape="0">
                   <a:blip/>
                   <a:srcRect/>
@@ -13859,7 +13930,7 @@
               </a14:hiddenFill>
             </a:ext>
             <a:ext uri="{91240B29-F687-4f45-9708-019B960494DF}">
-              <a14:hiddenLine xmlns:a14="http://schemas.microsoft.com/office/drawing/2010/main" xmlns="" w="9525">
+              <a14:hiddenLine xmlns="" xmlns:a14="http://schemas.microsoft.com/office/drawing/2010/main" w="9525">
                 <a:solidFill>
                   <a:srgbClr val="000000"/>
                 </a:solidFill>
@@ -13869,7 +13940,7 @@
               </a14:hiddenLine>
             </a:ext>
             <a:ext uri="{AF507438-7753-43e0-B8FC-AC1667EBCBE1}">
-              <a14:hiddenEffects xmlns:a14="http://schemas.microsoft.com/office/drawing/2010/main" xmlns="">
+              <a14:hiddenEffects xmlns="" xmlns:a14="http://schemas.microsoft.com/office/drawing/2010/main">
                 <a:effectLst>
                   <a:outerShdw blurRad="63500" dist="38099" dir="2700000" algn="ctr" rotWithShape="0">
                     <a:srgbClr val="000000">
@@ -14048,7 +14119,7 @@
           <a:effectLst/>
           <a:extLst>
             <a:ext uri="{909E8E84-426E-40dd-AFC4-6F175D3DCCD1}">
-              <a14:hiddenFill xmlns:a14="http://schemas.microsoft.com/office/drawing/2010/main" xmlns="">
+              <a14:hiddenFill xmlns="" xmlns:a14="http://schemas.microsoft.com/office/drawing/2010/main">
                 <a:blipFill dpi="0" rotWithShape="0">
                   <a:blip/>
                   <a:srcRect/>
@@ -14059,7 +14130,7 @@
               </a14:hiddenFill>
             </a:ext>
             <a:ext uri="{91240B29-F687-4f45-9708-019B960494DF}">
-              <a14:hiddenLine xmlns:a14="http://schemas.microsoft.com/office/drawing/2010/main" xmlns="" w="9525">
+              <a14:hiddenLine xmlns="" xmlns:a14="http://schemas.microsoft.com/office/drawing/2010/main" w="9525">
                 <a:solidFill>
                   <a:srgbClr val="000000"/>
                 </a:solidFill>
@@ -14069,7 +14140,7 @@
               </a14:hiddenLine>
             </a:ext>
             <a:ext uri="{AF507438-7753-43e0-B8FC-AC1667EBCBE1}">
-              <a14:hiddenEffects xmlns:a14="http://schemas.microsoft.com/office/drawing/2010/main" xmlns="">
+              <a14:hiddenEffects xmlns="" xmlns:a14="http://schemas.microsoft.com/office/drawing/2010/main">
                 <a:effectLst>
                   <a:outerShdw blurRad="63500" dist="38099" dir="2700000" algn="ctr" rotWithShape="0">
                     <a:srgbClr val="000000">
@@ -14147,7 +14218,7 @@
           <a:effectLst/>
           <a:extLst>
             <a:ext uri="{909E8E84-426E-40dd-AFC4-6F175D3DCCD1}">
-              <a14:hiddenFill xmlns:a14="http://schemas.microsoft.com/office/drawing/2010/main" xmlns="">
+              <a14:hiddenFill xmlns="" xmlns:a14="http://schemas.microsoft.com/office/drawing/2010/main">
                 <a:blipFill dpi="0" rotWithShape="0">
                   <a:blip/>
                   <a:srcRect/>
@@ -14158,7 +14229,7 @@
               </a14:hiddenFill>
             </a:ext>
             <a:ext uri="{91240B29-F687-4f45-9708-019B960494DF}">
-              <a14:hiddenLine xmlns:a14="http://schemas.microsoft.com/office/drawing/2010/main" xmlns="" w="9525">
+              <a14:hiddenLine xmlns="" xmlns:a14="http://schemas.microsoft.com/office/drawing/2010/main" w="9525">
                 <a:solidFill>
                   <a:srgbClr val="000000"/>
                 </a:solidFill>
@@ -14168,7 +14239,7 @@
               </a14:hiddenLine>
             </a:ext>
             <a:ext uri="{AF507438-7753-43e0-B8FC-AC1667EBCBE1}">
-              <a14:hiddenEffects xmlns:a14="http://schemas.microsoft.com/office/drawing/2010/main" xmlns="">
+              <a14:hiddenEffects xmlns="" xmlns:a14="http://schemas.microsoft.com/office/drawing/2010/main">
                 <a:effectLst>
                   <a:outerShdw blurRad="63500" dist="38099" dir="2700000" algn="ctr" rotWithShape="0">
                     <a:srgbClr val="000000">
@@ -15238,7 +15309,7 @@
             </a:r>
             <a:r>
               <a:rPr lang="en-US" sz="2800" dirty="0"/>
-              <a:t> value for 5-tuple key K</a:t>
+              <a:t> value for 5-tuple T</a:t>
             </a:r>
           </a:p>
         </p:txBody>
@@ -15917,7 +15988,7 @@
           <a:p>
             <a:r>
               <a:rPr lang="en-US" sz="2800" dirty="0"/>
-              <a:t>Req. key K</a:t>
+              <a:t>Req. key T</a:t>
             </a:r>
           </a:p>
         </p:txBody>
@@ -15987,7 +16058,7 @@
             </a:r>
             <a:r>
               <a:rPr lang="en-US" sz="2800" dirty="0" err="1"/>
-              <a:t>V</a:t>
+              <a:t>S</a:t>
             </a:r>
             <a:r>
               <a:rPr lang="en-US" sz="2800" baseline="-25000" dirty="0" err="1"/>
@@ -16033,7 +16104,7 @@
           <a:effectLst/>
           <a:extLst>
             <a:ext uri="{909E8E84-426E-40dd-AFC4-6F175D3DCCD1}">
-              <a14:hiddenFill xmlns="" xmlns:a14="http://schemas.microsoft.com/office/drawing/2010/main">
+              <a14:hiddenFill xmlns:a14="http://schemas.microsoft.com/office/drawing/2010/main" xmlns="">
                 <a:blipFill dpi="0" rotWithShape="0">
                   <a:blip/>
                   <a:srcRect/>
@@ -16044,7 +16115,7 @@
               </a14:hiddenFill>
             </a:ext>
             <a:ext uri="{91240B29-F687-4f45-9708-019B960494DF}">
-              <a14:hiddenLine xmlns="" xmlns:a14="http://schemas.microsoft.com/office/drawing/2010/main" w="9525">
+              <a14:hiddenLine xmlns:a14="http://schemas.microsoft.com/office/drawing/2010/main" xmlns="" w="9525">
                 <a:solidFill>
                   <a:srgbClr val="000000"/>
                 </a:solidFill>
@@ -16054,7 +16125,7 @@
               </a14:hiddenLine>
             </a:ext>
             <a:ext uri="{AF507438-7753-43e0-B8FC-AC1667EBCBE1}">
-              <a14:hiddenEffects xmlns="" xmlns:a14="http://schemas.microsoft.com/office/drawing/2010/main">
+              <a14:hiddenEffects xmlns:a14="http://schemas.microsoft.com/office/drawing/2010/main" xmlns="">
                 <a:effectLst>
                   <a:outerShdw blurRad="63500" dist="38099" dir="2700000" algn="ctr" rotWithShape="0">
                     <a:srgbClr val="000000">
@@ -16094,7 +16165,7 @@
                 <a:ea typeface="Gadugi" charset="0"/>
                 <a:cs typeface="Gadugi" charset="0"/>
               </a:rPr>
-              <a:t>V</a:t>
+              <a:t>S</a:t>
             </a:r>
             <a:r>
               <a:rPr lang="en-US" sz="2800" baseline="-25000" dirty="0" err="1">
@@ -16119,7 +16190,7 @@
         <p:spPr>
           <a:xfrm>
             <a:off x="8811244" y="2839930"/>
-            <a:ext cx="444352" cy="523220"/>
+            <a:ext cx="404278" cy="523220"/>
           </a:xfrm>
           <a:prstGeom prst="rect">
             <a:avLst/>
@@ -16137,7 +16208,7 @@
                 <a:ea typeface="Gadugi" charset="0"/>
                 <a:cs typeface="Gadugi" charset="0"/>
               </a:rPr>
-              <a:t>K</a:t>
+              <a:t>T</a:t>
             </a:r>
           </a:p>
         </p:txBody>
@@ -16214,7 +16285,7 @@
           <a:effectLst/>
           <a:extLst>
             <a:ext uri="{909E8E84-426E-40dd-AFC4-6F175D3DCCD1}">
-              <a14:hiddenFill xmlns="" xmlns:a14="http://schemas.microsoft.com/office/drawing/2010/main">
+              <a14:hiddenFill xmlns:a14="http://schemas.microsoft.com/office/drawing/2010/main" xmlns="">
                 <a:blipFill dpi="0" rotWithShape="0">
                   <a:blip/>
                   <a:srcRect/>
@@ -16225,7 +16296,7 @@
               </a14:hiddenFill>
             </a:ext>
             <a:ext uri="{91240B29-F687-4f45-9708-019B960494DF}">
-              <a14:hiddenLine xmlns="" xmlns:a14="http://schemas.microsoft.com/office/drawing/2010/main" w="9525">
+              <a14:hiddenLine xmlns:a14="http://schemas.microsoft.com/office/drawing/2010/main" xmlns="" w="9525">
                 <a:solidFill>
                   <a:srgbClr val="000000"/>
                 </a:solidFill>
@@ -16235,7 +16306,7 @@
               </a14:hiddenLine>
             </a:ext>
             <a:ext uri="{AF507438-7753-43e0-B8FC-AC1667EBCBE1}">
-              <a14:hiddenEffects xmlns="" xmlns:a14="http://schemas.microsoft.com/office/drawing/2010/main">
+              <a14:hiddenEffects xmlns:a14="http://schemas.microsoft.com/office/drawing/2010/main" xmlns="">
                 <a:effectLst>
                   <a:outerShdw blurRad="63500" dist="38099" dir="2700000" algn="ctr" rotWithShape="0">
                     <a:srgbClr val="000000">
@@ -17669,7 +17740,7 @@
           <a:p>
             <a:r>
               <a:rPr lang="en-US" sz="2800" dirty="0"/>
-              <a:t>Req. key K</a:t>
+              <a:t>Req. key T</a:t>
             </a:r>
           </a:p>
         </p:txBody>
@@ -17739,7 +17810,7 @@
             </a:r>
             <a:r>
               <a:rPr lang="en-US" sz="2800" dirty="0" err="1"/>
-              <a:t>V</a:t>
+              <a:t>S</a:t>
             </a:r>
             <a:r>
               <a:rPr lang="en-US" sz="2800" baseline="-25000" dirty="0" err="1"/>
@@ -17758,7 +17829,7 @@
         <p:spPr>
           <a:xfrm>
             <a:off x="8811244" y="2839930"/>
-            <a:ext cx="444352" cy="523220"/>
+            <a:ext cx="404278" cy="523220"/>
           </a:xfrm>
           <a:prstGeom prst="rect">
             <a:avLst/>
@@ -17776,7 +17847,7 @@
                 <a:ea typeface="Gadugi" charset="0"/>
                 <a:cs typeface="Gadugi" charset="0"/>
               </a:rPr>
-              <a:t>K</a:t>
+              <a:t>T</a:t>
             </a:r>
           </a:p>
         </p:txBody>
@@ -17808,7 +17879,7 @@
                 <a:ea typeface="Gadugi" charset="0"/>
                 <a:cs typeface="Gadugi" charset="0"/>
               </a:rPr>
-              <a:t>V</a:t>
+              <a:t>S</a:t>
             </a:r>
             <a:r>
               <a:rPr lang="en-US" sz="2800" baseline="-25000" dirty="0" err="1">
@@ -17852,7 +17923,7 @@
             </a:r>
             <a:r>
               <a:rPr lang="en-US" sz="2800" dirty="0"/>
-              <a:t> value for 5-tuple key K</a:t>
+              <a:t> value for 5-tuple T</a:t>
             </a:r>
           </a:p>
         </p:txBody>
@@ -17896,7 +17967,7 @@
         <p:spPr>
           <a:xfrm>
             <a:off x="3730351" y="3666307"/>
-            <a:ext cx="444352" cy="523220"/>
+            <a:ext cx="404278" cy="523220"/>
           </a:xfrm>
           <a:prstGeom prst="rect">
             <a:avLst/>
@@ -17914,7 +17985,7 @@
                 <a:ea typeface="Gadugi" charset="0"/>
                 <a:cs typeface="Gadugi" charset="0"/>
               </a:rPr>
-              <a:t>K</a:t>
+              <a:t>T</a:t>
             </a:r>
           </a:p>
         </p:txBody>
@@ -17946,7 +18017,7 @@
                 <a:ea typeface="Gadugi" charset="0"/>
                 <a:cs typeface="Gadugi" charset="0"/>
               </a:rPr>
-              <a:t>V</a:t>
+              <a:t>S</a:t>
             </a:r>
             <a:r>
               <a:rPr lang="en-US" sz="2800" baseline="-25000" dirty="0" err="1">
@@ -18034,7 +18105,7 @@
           <a:effectLst/>
           <a:extLst>
             <a:ext uri="{909E8E84-426E-40dd-AFC4-6F175D3DCCD1}">
-              <a14:hiddenFill xmlns="" xmlns:a14="http://schemas.microsoft.com/office/drawing/2010/main">
+              <a14:hiddenFill xmlns:a14="http://schemas.microsoft.com/office/drawing/2010/main" xmlns="">
                 <a:blipFill dpi="0" rotWithShape="0">
                   <a:blip/>
                   <a:srcRect/>
@@ -18045,7 +18116,7 @@
               </a14:hiddenFill>
             </a:ext>
             <a:ext uri="{91240B29-F687-4f45-9708-019B960494DF}">
-              <a14:hiddenLine xmlns="" xmlns:a14="http://schemas.microsoft.com/office/drawing/2010/main" w="9525">
+              <a14:hiddenLine xmlns:a14="http://schemas.microsoft.com/office/drawing/2010/main" xmlns="" w="9525">
                 <a:solidFill>
                   <a:srgbClr val="000000"/>
                 </a:solidFill>
@@ -18055,7 +18126,7 @@
               </a14:hiddenLine>
             </a:ext>
             <a:ext uri="{AF507438-7753-43e0-B8FC-AC1667EBCBE1}">
-              <a14:hiddenEffects xmlns="" xmlns:a14="http://schemas.microsoft.com/office/drawing/2010/main">
+              <a14:hiddenEffects xmlns:a14="http://schemas.microsoft.com/office/drawing/2010/main" xmlns="">
                 <a:effectLst>
                   <a:outerShdw blurRad="63500" dist="38099" dir="2700000" algn="ctr" rotWithShape="0">
                     <a:srgbClr val="000000">
@@ -18148,7 +18219,7 @@
           <a:effectLst/>
           <a:extLst>
             <a:ext uri="{909E8E84-426E-40dd-AFC4-6F175D3DCCD1}">
-              <a14:hiddenFill xmlns="" xmlns:a14="http://schemas.microsoft.com/office/drawing/2010/main">
+              <a14:hiddenFill xmlns:a14="http://schemas.microsoft.com/office/drawing/2010/main" xmlns="">
                 <a:blipFill dpi="0" rotWithShape="0">
                   <a:blip/>
                   <a:srcRect/>
@@ -18159,7 +18230,7 @@
               </a14:hiddenFill>
             </a:ext>
             <a:ext uri="{91240B29-F687-4f45-9708-019B960494DF}">
-              <a14:hiddenLine xmlns="" xmlns:a14="http://schemas.microsoft.com/office/drawing/2010/main" w="9525">
+              <a14:hiddenLine xmlns:a14="http://schemas.microsoft.com/office/drawing/2010/main" xmlns="" w="9525">
                 <a:solidFill>
                   <a:srgbClr val="000000"/>
                 </a:solidFill>
@@ -18169,7 +18240,7 @@
               </a14:hiddenLine>
             </a:ext>
             <a:ext uri="{AF507438-7753-43e0-B8FC-AC1667EBCBE1}">
-              <a14:hiddenEffects xmlns="" xmlns:a14="http://schemas.microsoft.com/office/drawing/2010/main">
+              <a14:hiddenEffects xmlns:a14="http://schemas.microsoft.com/office/drawing/2010/main" xmlns="">
                 <a:effectLst>
                   <a:outerShdw blurRad="63500" dist="38099" dir="2700000" algn="ctr" rotWithShape="0">
                     <a:srgbClr val="000000">
@@ -20880,7 +20951,7 @@
         <p:spPr>
           <a:xfrm>
             <a:off x="3794525" y="3713753"/>
-            <a:ext cx="444352" cy="523220"/>
+            <a:ext cx="404278" cy="523220"/>
           </a:xfrm>
           <a:prstGeom prst="rect">
             <a:avLst/>
@@ -20898,7 +20969,7 @@
                 <a:ea typeface="Gadugi" charset="0"/>
                 <a:cs typeface="Gadugi" charset="0"/>
               </a:rPr>
-              <a:t>K</a:t>
+              <a:t>T</a:t>
             </a:r>
           </a:p>
         </p:txBody>
@@ -20930,7 +21001,7 @@
                 <a:ea typeface="Gadugi" charset="0"/>
                 <a:cs typeface="Gadugi" charset="0"/>
               </a:rPr>
-              <a:t>V</a:t>
+              <a:t>S</a:t>
             </a:r>
             <a:r>
               <a:rPr lang="en-US" sz="2800" baseline="-25000" dirty="0">
@@ -20970,7 +21041,7 @@
             </a:r>
             <a:r>
               <a:rPr lang="en-US" sz="2800" dirty="0"/>
-              <a:t> value for key K</a:t>
+              <a:t> value for 5-tuple T</a:t>
             </a:r>
           </a:p>
         </p:txBody>
@@ -21041,7 +21112,7 @@
           <a:effectLst/>
           <a:extLst>
             <a:ext uri="{909E8E84-426E-40dd-AFC4-6F175D3DCCD1}">
-              <a14:hiddenFill xmlns="" xmlns:a14="http://schemas.microsoft.com/office/drawing/2010/main">
+              <a14:hiddenFill xmlns:a14="http://schemas.microsoft.com/office/drawing/2010/main" xmlns="">
                 <a:blipFill dpi="0" rotWithShape="0">
                   <a:blip/>
                   <a:srcRect/>
@@ -21052,7 +21123,7 @@
               </a14:hiddenFill>
             </a:ext>
             <a:ext uri="{91240B29-F687-4f45-9708-019B960494DF}">
-              <a14:hiddenLine xmlns="" xmlns:a14="http://schemas.microsoft.com/office/drawing/2010/main" w="9525">
+              <a14:hiddenLine xmlns:a14="http://schemas.microsoft.com/office/drawing/2010/main" xmlns="" w="9525">
                 <a:solidFill>
                   <a:srgbClr val="000000"/>
                 </a:solidFill>
@@ -21062,7 +21133,7 @@
               </a14:hiddenLine>
             </a:ext>
             <a:ext uri="{AF507438-7753-43e0-B8FC-AC1667EBCBE1}">
-              <a14:hiddenEffects xmlns="" xmlns:a14="http://schemas.microsoft.com/office/drawing/2010/main">
+              <a14:hiddenEffects xmlns:a14="http://schemas.microsoft.com/office/drawing/2010/main" xmlns="">
                 <a:effectLst>
                   <a:outerShdw blurRad="63500" dist="38099" dir="2700000" algn="ctr" rotWithShape="0">
                     <a:srgbClr val="000000">
@@ -21141,7 +21212,7 @@
           <a:effectLst/>
           <a:extLst>
             <a:ext uri="{909E8E84-426E-40dd-AFC4-6F175D3DCCD1}">
-              <a14:hiddenFill xmlns="" xmlns:a14="http://schemas.microsoft.com/office/drawing/2010/main">
+              <a14:hiddenFill xmlns:a14="http://schemas.microsoft.com/office/drawing/2010/main" xmlns="">
                 <a:blipFill dpi="0" rotWithShape="0">
                   <a:blip/>
                   <a:srcRect/>
@@ -21152,7 +21223,7 @@
               </a14:hiddenFill>
             </a:ext>
             <a:ext uri="{91240B29-F687-4f45-9708-019B960494DF}">
-              <a14:hiddenLine xmlns="" xmlns:a14="http://schemas.microsoft.com/office/drawing/2010/main" w="9525">
+              <a14:hiddenLine xmlns:a14="http://schemas.microsoft.com/office/drawing/2010/main" xmlns="" w="9525">
                 <a:solidFill>
                   <a:srgbClr val="000000"/>
                 </a:solidFill>
@@ -21162,7 +21233,7 @@
               </a14:hiddenLine>
             </a:ext>
             <a:ext uri="{AF507438-7753-43e0-B8FC-AC1667EBCBE1}">
-              <a14:hiddenEffects xmlns="" xmlns:a14="http://schemas.microsoft.com/office/drawing/2010/main">
+              <a14:hiddenEffects xmlns:a14="http://schemas.microsoft.com/office/drawing/2010/main" xmlns="">
                 <a:effectLst>
                   <a:outerShdw blurRad="63500" dist="38099" dir="2700000" algn="ctr" rotWithShape="0">
                     <a:srgbClr val="000000">
@@ -22440,7 +22511,7 @@
                   <a:srgbClr val="FF0000"/>
                 </a:solidFill>
               </a:rPr>
-              <a:t>K</a:t>
+              <a:t>T</a:t>
             </a:r>
             <a:r>
               <a:rPr lang="en-US" sz="2800" dirty="0" err="1"/>
@@ -22452,7 +22523,7 @@
                   <a:srgbClr val="FF0000"/>
                 </a:solidFill>
               </a:rPr>
-              <a:t>V</a:t>
+              <a:t>S</a:t>
             </a:r>
             <a:r>
               <a:rPr lang="en-US" sz="2800" baseline="-25000" dirty="0" err="1">
@@ -22479,7 +22550,7 @@
         <p:spPr>
           <a:xfrm>
             <a:off x="8811244" y="2839930"/>
-            <a:ext cx="370614" cy="523220"/>
+            <a:ext cx="404278" cy="523220"/>
           </a:xfrm>
           <a:prstGeom prst="rect">
             <a:avLst/>
@@ -22500,7 +22571,7 @@
                 <a:ea typeface="Gadugi" charset="0"/>
                 <a:cs typeface="Gadugi" charset="0"/>
               </a:rPr>
-              <a:t>K</a:t>
+              <a:t>T</a:t>
             </a:r>
           </a:p>
         </p:txBody>
@@ -22514,7 +22585,7 @@
         <p:spPr>
           <a:xfrm>
             <a:off x="9713689" y="2830092"/>
-            <a:ext cx="838691" cy="523220"/>
+            <a:ext cx="930063" cy="523220"/>
           </a:xfrm>
           <a:prstGeom prst="rect">
             <a:avLst/>
@@ -22535,7 +22606,7 @@
                 <a:ea typeface="Gadugi" charset="0"/>
                 <a:cs typeface="Gadugi" charset="0"/>
               </a:rPr>
-              <a:t>V</a:t>
+              <a:t>S</a:t>
             </a:r>
             <a:r>
               <a:rPr lang="en-US" sz="2800" baseline="-25000" dirty="0" err="1">
@@ -22566,7 +22637,7 @@
         <p:spPr>
           <a:xfrm>
             <a:off x="3794525" y="3713753"/>
-            <a:ext cx="444352" cy="523220"/>
+            <a:ext cx="404278" cy="523220"/>
           </a:xfrm>
           <a:prstGeom prst="rect">
             <a:avLst/>
@@ -22584,7 +22655,7 @@
                 <a:ea typeface="Gadugi" charset="0"/>
                 <a:cs typeface="Gadugi" charset="0"/>
               </a:rPr>
-              <a:t>K</a:t>
+              <a:t>T</a:t>
             </a:r>
           </a:p>
         </p:txBody>
@@ -22616,7 +22687,7 @@
                 <a:ea typeface="Gadugi" charset="0"/>
                 <a:cs typeface="Gadugi" charset="0"/>
               </a:rPr>
-              <a:t>V</a:t>
+              <a:t>S</a:t>
             </a:r>
             <a:r>
               <a:rPr lang="en-US" sz="2800" baseline="-25000" dirty="0">
@@ -22656,7 +22727,7 @@
             </a:r>
             <a:r>
               <a:rPr lang="en-US" sz="2800" dirty="0"/>
-              <a:t> value for key K</a:t>
+              <a:t> value for 5-tuple T</a:t>
             </a:r>
           </a:p>
         </p:txBody>
@@ -22757,7 +22828,7 @@
           <a:effectLst/>
           <a:extLst>
             <a:ext uri="{909E8E84-426E-40dd-AFC4-6F175D3DCCD1}">
-              <a14:hiddenFill xmlns="" xmlns:a14="http://schemas.microsoft.com/office/drawing/2010/main">
+              <a14:hiddenFill xmlns:a14="http://schemas.microsoft.com/office/drawing/2010/main" xmlns="">
                 <a:blipFill dpi="0" rotWithShape="0">
                   <a:blip/>
                   <a:srcRect/>
@@ -22768,7 +22839,7 @@
               </a14:hiddenFill>
             </a:ext>
             <a:ext uri="{91240B29-F687-4f45-9708-019B960494DF}">
-              <a14:hiddenLine xmlns="" xmlns:a14="http://schemas.microsoft.com/office/drawing/2010/main" w="9525">
+              <a14:hiddenLine xmlns:a14="http://schemas.microsoft.com/office/drawing/2010/main" xmlns="" w="9525">
                 <a:solidFill>
                   <a:srgbClr val="000000"/>
                 </a:solidFill>
@@ -22778,7 +22849,7 @@
               </a14:hiddenLine>
             </a:ext>
             <a:ext uri="{AF507438-7753-43e0-B8FC-AC1667EBCBE1}">
-              <a14:hiddenEffects xmlns="" xmlns:a14="http://schemas.microsoft.com/office/drawing/2010/main">
+              <a14:hiddenEffects xmlns:a14="http://schemas.microsoft.com/office/drawing/2010/main" xmlns="">
                 <a:effectLst>
                   <a:outerShdw blurRad="63500" dist="38099" dir="2700000" algn="ctr" rotWithShape="0">
                     <a:srgbClr val="000000">
@@ -24029,7 +24100,7 @@
                   <a:srgbClr val="FF0000"/>
                 </a:solidFill>
               </a:rPr>
-              <a:t>K,V</a:t>
+              <a:t>T,S</a:t>
             </a:r>
             <a:r>
               <a:rPr lang="en-US" sz="2800" baseline="-25000" dirty="0" err="1">
@@ -24056,7 +24127,7 @@
         <p:spPr>
           <a:xfrm>
             <a:off x="8811244" y="2839930"/>
-            <a:ext cx="370614" cy="523220"/>
+            <a:ext cx="404278" cy="523220"/>
           </a:xfrm>
           <a:prstGeom prst="rect">
             <a:avLst/>
@@ -24077,7 +24148,7 @@
                 <a:ea typeface="Gadugi" charset="0"/>
                 <a:cs typeface="Gadugi" charset="0"/>
               </a:rPr>
-              <a:t>K</a:t>
+              <a:t>T</a:t>
             </a:r>
           </a:p>
         </p:txBody>
@@ -24091,7 +24162,7 @@
         <p:spPr>
           <a:xfrm>
             <a:off x="3794525" y="3713753"/>
-            <a:ext cx="444352" cy="523220"/>
+            <a:ext cx="404278" cy="523220"/>
           </a:xfrm>
           <a:prstGeom prst="rect">
             <a:avLst/>
@@ -24109,7 +24180,7 @@
                 <a:ea typeface="Gadugi" charset="0"/>
                 <a:cs typeface="Gadugi" charset="0"/>
               </a:rPr>
-              <a:t>K</a:t>
+              <a:t>T</a:t>
             </a:r>
           </a:p>
         </p:txBody>
@@ -24141,7 +24212,7 @@
                 <a:ea typeface="Gadugi" charset="0"/>
                 <a:cs typeface="Gadugi" charset="0"/>
               </a:rPr>
-              <a:t>V</a:t>
+              <a:t>S</a:t>
             </a:r>
             <a:r>
               <a:rPr lang="en-US" sz="2800" baseline="-25000" dirty="0">
@@ -24181,7 +24252,7 @@
             </a:r>
             <a:r>
               <a:rPr lang="en-US" sz="2800" dirty="0"/>
-              <a:t> value for key K</a:t>
+              <a:t> value for 5-tuple T</a:t>
             </a:r>
           </a:p>
         </p:txBody>
@@ -24317,7 +24388,7 @@
         <p:spPr>
           <a:xfrm>
             <a:off x="9713689" y="2830092"/>
-            <a:ext cx="838691" cy="523220"/>
+            <a:ext cx="930063" cy="523220"/>
           </a:xfrm>
           <a:prstGeom prst="rect">
             <a:avLst/>
@@ -24338,7 +24409,7 @@
                 <a:ea typeface="Gadugi" charset="0"/>
                 <a:cs typeface="Gadugi" charset="0"/>
               </a:rPr>
-              <a:t>V</a:t>
+              <a:t>S</a:t>
             </a:r>
             <a:r>
               <a:rPr lang="en-US" sz="2800" baseline="-25000" dirty="0" err="1">
@@ -24426,7 +24497,7 @@
           <a:effectLst/>
           <a:extLst>
             <a:ext uri="{909E8E84-426E-40dd-AFC4-6F175D3DCCD1}">
-              <a14:hiddenFill xmlns="" xmlns:a14="http://schemas.microsoft.com/office/drawing/2010/main">
+              <a14:hiddenFill xmlns:a14="http://schemas.microsoft.com/office/drawing/2010/main" xmlns="">
                 <a:blipFill dpi="0" rotWithShape="0">
                   <a:blip/>
                   <a:srcRect/>
@@ -24437,7 +24508,7 @@
               </a14:hiddenFill>
             </a:ext>
             <a:ext uri="{91240B29-F687-4f45-9708-019B960494DF}">
-              <a14:hiddenLine xmlns="" xmlns:a14="http://schemas.microsoft.com/office/drawing/2010/main" w="9525">
+              <a14:hiddenLine xmlns:a14="http://schemas.microsoft.com/office/drawing/2010/main" xmlns="" w="9525">
                 <a:solidFill>
                   <a:srgbClr val="000000"/>
                 </a:solidFill>
@@ -24447,7 +24518,7 @@
               </a14:hiddenLine>
             </a:ext>
             <a:ext uri="{AF507438-7753-43e0-B8FC-AC1667EBCBE1}">
-              <a14:hiddenEffects xmlns="" xmlns:a14="http://schemas.microsoft.com/office/drawing/2010/main">
+              <a14:hiddenEffects xmlns:a14="http://schemas.microsoft.com/office/drawing/2010/main" xmlns="">
                 <a:effectLst>
                   <a:outerShdw blurRad="63500" dist="38099" dir="2700000" algn="ctr" rotWithShape="0">
                     <a:srgbClr val="000000">
@@ -25589,7 +25660,7 @@
                   <a:srgbClr val="FF0000"/>
                 </a:solidFill>
               </a:rPr>
-              <a:t>K,V</a:t>
+              <a:t>T,S</a:t>
             </a:r>
             <a:r>
               <a:rPr lang="en-US" sz="2800" baseline="-25000" dirty="0" err="1">
@@ -25616,7 +25687,7 @@
         <p:spPr>
           <a:xfrm>
             <a:off x="8811244" y="2839930"/>
-            <a:ext cx="370614" cy="523220"/>
+            <a:ext cx="404278" cy="523220"/>
           </a:xfrm>
           <a:prstGeom prst="rect">
             <a:avLst/>
@@ -25637,7 +25708,7 @@
                 <a:ea typeface="Gadugi" charset="0"/>
                 <a:cs typeface="Gadugi" charset="0"/>
               </a:rPr>
-              <a:t>K</a:t>
+              <a:t>T</a:t>
             </a:r>
           </a:p>
         </p:txBody>
@@ -25670,7 +25741,7 @@
             </a:r>
             <a:r>
               <a:rPr lang="en-US" sz="2800" dirty="0"/>
-              <a:t> value for key K</a:t>
+              <a:t> value for 5-tuple T</a:t>
             </a:r>
           </a:p>
         </p:txBody>
@@ -25809,7 +25880,7 @@
           <a:effectLst/>
           <a:extLst>
             <a:ext uri="{909E8E84-426E-40dd-AFC4-6F175D3DCCD1}">
-              <a14:hiddenFill xmlns="" xmlns:a14="http://schemas.microsoft.com/office/drawing/2010/main">
+              <a14:hiddenFill xmlns:a14="http://schemas.microsoft.com/office/drawing/2010/main" xmlns="">
                 <a:blipFill dpi="0" rotWithShape="0">
                   <a:blip/>
                   <a:srcRect/>
@@ -25820,7 +25891,7 @@
               </a14:hiddenFill>
             </a:ext>
             <a:ext uri="{91240B29-F687-4f45-9708-019B960494DF}">
-              <a14:hiddenLine xmlns="" xmlns:a14="http://schemas.microsoft.com/office/drawing/2010/main" w="9525">
+              <a14:hiddenLine xmlns:a14="http://schemas.microsoft.com/office/drawing/2010/main" xmlns="" w="9525">
                 <a:solidFill>
                   <a:srgbClr val="000000"/>
                 </a:solidFill>
@@ -25830,7 +25901,7 @@
               </a14:hiddenLine>
             </a:ext>
             <a:ext uri="{AF507438-7753-43e0-B8FC-AC1667EBCBE1}">
-              <a14:hiddenEffects xmlns="" xmlns:a14="http://schemas.microsoft.com/office/drawing/2010/main">
+              <a14:hiddenEffects xmlns:a14="http://schemas.microsoft.com/office/drawing/2010/main" xmlns="">
                 <a:effectLst>
                   <a:outerShdw blurRad="63500" dist="38099" dir="2700000" algn="ctr" rotWithShape="0">
                     <a:srgbClr val="000000">
@@ -25852,7 +25923,7 @@
         <p:spPr>
           <a:xfrm>
             <a:off x="9713689" y="2830092"/>
-            <a:ext cx="838691" cy="523220"/>
+            <a:ext cx="930063" cy="523220"/>
           </a:xfrm>
           <a:prstGeom prst="rect">
             <a:avLst/>
@@ -25873,7 +25944,7 @@
                 <a:ea typeface="Gadugi" charset="0"/>
                 <a:cs typeface="Gadugi" charset="0"/>
               </a:rPr>
-              <a:t>V</a:t>
+              <a:t>S</a:t>
             </a:r>
             <a:r>
               <a:rPr lang="en-US" sz="2800" baseline="-25000" dirty="0" err="1">
@@ -25961,7 +26032,7 @@
           <a:effectLst/>
           <a:extLst>
             <a:ext uri="{909E8E84-426E-40dd-AFC4-6F175D3DCCD1}">
-              <a14:hiddenFill xmlns="" xmlns:a14="http://schemas.microsoft.com/office/drawing/2010/main">
+              <a14:hiddenFill xmlns:a14="http://schemas.microsoft.com/office/drawing/2010/main" xmlns="">
                 <a:blipFill dpi="0" rotWithShape="0">
                   <a:blip/>
                   <a:srcRect/>
@@ -25972,7 +26043,7 @@
               </a14:hiddenFill>
             </a:ext>
             <a:ext uri="{91240B29-F687-4f45-9708-019B960494DF}">
-              <a14:hiddenLine xmlns="" xmlns:a14="http://schemas.microsoft.com/office/drawing/2010/main" w="9525">
+              <a14:hiddenLine xmlns:a14="http://schemas.microsoft.com/office/drawing/2010/main" xmlns="" w="9525">
                 <a:solidFill>
                   <a:srgbClr val="000000"/>
                 </a:solidFill>
@@ -25982,7 +26053,7 @@
               </a14:hiddenLine>
             </a:ext>
             <a:ext uri="{AF507438-7753-43e0-B8FC-AC1667EBCBE1}">
-              <a14:hiddenEffects xmlns="" xmlns:a14="http://schemas.microsoft.com/office/drawing/2010/main">
+              <a14:hiddenEffects xmlns:a14="http://schemas.microsoft.com/office/drawing/2010/main" xmlns="">
                 <a:effectLst>
                   <a:outerShdw blurRad="63500" dist="38099" dir="2700000" algn="ctr" rotWithShape="0">
                     <a:srgbClr val="000000">
@@ -26010,7 +26081,7 @@
         <p:spPr>
           <a:xfrm>
             <a:off x="3794525" y="3713753"/>
-            <a:ext cx="444352" cy="523220"/>
+            <a:ext cx="404278" cy="523220"/>
           </a:xfrm>
           <a:prstGeom prst="rect">
             <a:avLst/>
@@ -26028,7 +26099,7 @@
                 <a:ea typeface="Gadugi" charset="0"/>
                 <a:cs typeface="Gadugi" charset="0"/>
               </a:rPr>
-              <a:t>K</a:t>
+              <a:t>T</a:t>
             </a:r>
           </a:p>
         </p:txBody>
@@ -26066,7 +26137,7 @@
                 <a:ea typeface="Gadugi" charset="0"/>
                 <a:cs typeface="Gadugi" charset="0"/>
               </a:rPr>
-              <a:t>V</a:t>
+              <a:t>S</a:t>
             </a:r>
             <a:r>
               <a:rPr lang="en-US" sz="2800" baseline="-25000" dirty="0">
@@ -26166,7 +26237,7 @@
           <a:p>
             <a:r>
               <a:rPr lang="en-US" dirty="0"/>
-              <a:t>Let’s represent the statistic to be computed as a function </a:t>
+              <a:t>Let’s represent the state update function as a function </a:t>
             </a:r>
             <a:r>
               <a:rPr lang="en-US" dirty="0">
@@ -26892,7 +26963,7 @@
           <a:p>
             <a:r>
               <a:rPr lang="en-US" sz="3300" dirty="0"/>
-              <a:t>Can generalize to associative stats: min, max, product, union, intersection, etc.)</a:t>
+              <a:t>Can generalize to associative operations: min, max, product, union, intersection, etc.)</a:t>
             </a:r>
           </a:p>
           <a:p>
@@ -26929,7 +27000,7 @@
                   <a:srgbClr val="A31E34"/>
                 </a:solidFill>
               </a:rPr>
-              <a:t>V</a:t>
+              <a:t>S</a:t>
             </a:r>
             <a:r>
               <a:rPr lang="en-US" sz="4000" baseline="-25000" dirty="0" err="1">
@@ -27019,7 +27090,7 @@
                   <a:srgbClr val="A31E34"/>
                 </a:solidFill>
               </a:rPr>
-              <a:t>V</a:t>
+              <a:t>S</a:t>
             </a:r>
             <a:r>
               <a:rPr lang="en-US" sz="4000" baseline="-25000" dirty="0" err="1">
@@ -27155,7 +27226,7 @@
                   <a:srgbClr val="A31E34"/>
                 </a:solidFill>
               </a:rPr>
-              <a:t>Statistic computed over the</a:t>
+              <a:t>State computed over the</a:t>
             </a:r>
           </a:p>
           <a:p>
@@ -27185,7 +27256,7 @@
                   <a:srgbClr val="A31E34"/>
                 </a:solidFill>
               </a:rPr>
-              <a:t>V</a:t>
+              <a:t>S</a:t>
             </a:r>
             <a:r>
               <a:rPr lang="en-US" sz="2800" baseline="-25000" dirty="0" err="1">
@@ -27787,7 +27858,7 @@
           <a:p>
             <a:r>
               <a:rPr lang="en-US" dirty="0"/>
-              <a:t>Mergeability beyond associative statistics</a:t>
+              <a:t>Mergeability beyond associativity</a:t>
             </a:r>
           </a:p>
         </p:txBody>
@@ -27809,7 +27880,7 @@
           <a:p>
             <a:r>
               <a:rPr lang="en-US" dirty="0"/>
-              <a:t>Can merge any statistic </a:t>
+              <a:t>Can merge any </a:t>
             </a:r>
             <a:r>
               <a:rPr lang="en-US" dirty="0">
@@ -28248,8 +28319,13 @@
             <a:pPr algn="ctr"/>
             <a:r>
               <a:rPr lang="en-US" sz="2800" dirty="0"/>
-              <a:t>State maintained by the statistics function</a:t>
-            </a:r>
+              <a:t>State maintained by </a:t>
+            </a:r>
+            <a:r>
+              <a:rPr lang="en-US" sz="2800" dirty="0" err="1"/>
+              <a:t>groupby</a:t>
+            </a:r>
+            <a:endParaRPr lang="en-US" sz="2800" dirty="0"/>
           </a:p>
         </p:txBody>
       </p:sp>
@@ -30384,8 +30460,8 @@
           </a:p>
         </p:txBody>
       </p:sp>
-      <mc:AlternateContent xmlns:mc="http://schemas.openxmlformats.org/markup-compatibility/2006" xmlns:a14="http://schemas.microsoft.com/office/drawing/2010/main">
-        <mc:Choice Requires="a14">
+      <mc:AlternateContent xmlns:mc="http://schemas.openxmlformats.org/markup-compatibility/2006">
+        <mc:Choice xmlns:a14="http://schemas.microsoft.com/office/drawing/2010/main" Requires="a14">
           <p:sp>
             <p:nvSpPr>
               <p:cNvPr id="3" name="Content Placeholder 2"/>
@@ -30443,15 +30519,15 @@
                           <a:ea typeface="Ayuthaya" charset="-34"/>
                           <a:cs typeface="Consolas" charset="0"/>
                         </a:rPr>
-                        <m:t> = </m:t>
+                        <m:t> =</m:t>
                       </m:r>
                       <m:r>
-                        <a:rPr lang="en-US" sz="2800" i="1" dirty="0" smtClean="0">
+                        <a:rPr lang="en-US" sz="2800" b="0" i="1" dirty="0" smtClean="0">
                           <a:latin typeface="Cambria Math" panose="02040503050406030204" pitchFamily="18" charset="0"/>
                           <a:ea typeface="Ayuthaya" charset="-34"/>
                           <a:cs typeface="Consolas" charset="0"/>
                         </a:rPr>
-                        <m:t>𝑉</m:t>
+                        <m:t>𝑆</m:t>
                       </m:r>
                       <m:r>
                         <a:rPr lang="en-US" sz="2800" i="1" baseline="-25000" dirty="0" smtClean="0">
@@ -30573,15 +30649,15 @@
                           <a:ea typeface="Ayuthaya" charset="-34"/>
                           <a:cs typeface="Consolas" charset="0"/>
                         </a:rPr>
-                        <m:t> = </m:t>
+                        <m:t> =</m:t>
                       </m:r>
                       <m:r>
-                        <a:rPr lang="en-US" sz="2800" i="1" dirty="0" err="1" smtClean="0">
+                        <a:rPr lang="en-US" sz="2800" b="0" i="1" dirty="0" smtClean="0">
                           <a:latin typeface="Cambria Math" panose="02040503050406030204" pitchFamily="18" charset="0"/>
                           <a:ea typeface="Ayuthaya" charset="-34"/>
                           <a:cs typeface="Consolas" charset="0"/>
                         </a:rPr>
-                        <m:t>𝑉</m:t>
+                        <m:t>𝑆</m:t>
                       </m:r>
                       <m:r>
                         <a:rPr lang="en-US" sz="2800" i="1" baseline="-25000" dirty="0" err="1" smtClean="0">
@@ -30608,12 +30684,12 @@
                         <m:t>(</m:t>
                       </m:r>
                       <m:r>
-                        <a:rPr lang="en-US" sz="2800" i="1" dirty="0">
+                        <a:rPr lang="en-US" sz="2800" b="0" i="1" dirty="0" smtClean="0">
                           <a:latin typeface="Cambria Math" panose="02040503050406030204" pitchFamily="18" charset="0"/>
                           <a:ea typeface="Ayuthaya" charset="-34"/>
                           <a:cs typeface="Consolas" charset="0"/>
                         </a:rPr>
-                        <m:t>𝑣𝑎𝑙𝑢𝑒</m:t>
+                        <m:t>𝑠𝑡𝑎𝑡𝑒</m:t>
                       </m:r>
                       <m:r>
                         <a:rPr lang="en-US" sz="2800" i="1" dirty="0">
@@ -30719,15 +30795,15 @@
                           <a:ea typeface="Ayuthaya" charset="-34"/>
                           <a:cs typeface="Consolas" charset="0"/>
                         </a:rPr>
-                        <m:t> = </m:t>
+                        <m:t> =</m:t>
                       </m:r>
                       <m:r>
-                        <a:rPr lang="en-US" sz="2800" i="1" dirty="0" err="1" smtClean="0">
+                        <a:rPr lang="en-US" sz="2800" b="0" i="1" dirty="0" smtClean="0">
                           <a:latin typeface="Cambria Math" panose="02040503050406030204" pitchFamily="18" charset="0"/>
                           <a:ea typeface="Ayuthaya" charset="-34"/>
                           <a:cs typeface="Consolas" charset="0"/>
                         </a:rPr>
-                        <m:t>𝑉</m:t>
+                        <m:t>𝑆</m:t>
                       </m:r>
                       <m:r>
                         <a:rPr lang="en-US" sz="2800" i="1" baseline="-25000" dirty="0" err="1" smtClean="0">
@@ -30746,12 +30822,12 @@
                         <m:t> (</m:t>
                       </m:r>
                       <m:r>
-                        <a:rPr lang="en-US" sz="2800" i="1" dirty="0" smtClean="0">
+                        <a:rPr lang="en-US" sz="2800" b="0" i="1" dirty="0" smtClean="0">
                           <a:latin typeface="Cambria Math" panose="02040503050406030204" pitchFamily="18" charset="0"/>
                           <a:ea typeface="Ayuthaya" charset="-34"/>
                           <a:cs typeface="Consolas" charset="0"/>
                         </a:rPr>
-                        <m:t>𝑣𝑎𝑙𝑢𝑒</m:t>
+                        <m:t>𝑠𝑡𝑎𝑡𝑒</m:t>
                       </m:r>
                       <m:r>
                         <a:rPr lang="en-US" sz="2800" i="1" dirty="0" smtClean="0">
@@ -30876,12 +30952,12 @@
                         <m:t> </m:t>
                       </m:r>
                       <m:r>
-                        <a:rPr lang="en-US" sz="2800" i="1" dirty="0">
+                        <a:rPr lang="en-US" sz="2800" b="0" i="1" dirty="0" smtClean="0">
                           <a:latin typeface="Cambria Math" panose="02040503050406030204" pitchFamily="18" charset="0"/>
                           <a:ea typeface="Ayuthaya" charset="-34"/>
                           <a:cs typeface="Consolas" charset="0"/>
                         </a:rPr>
-                        <m:t>𝑣𝑎𝑙𝑢𝑒</m:t>
+                        <m:t>𝑠𝑡𝑎𝑡𝑒</m:t>
                       </m:r>
                       <m:r>
                         <a:rPr lang="en-US" sz="2800" i="1" dirty="0">
@@ -30889,15 +30965,15 @@
                           <a:ea typeface="Ayuthaya" charset="-34"/>
                           <a:cs typeface="Consolas" charset="0"/>
                         </a:rPr>
-                        <m:t> = </m:t>
+                        <m:t> =</m:t>
                       </m:r>
                       <m:r>
-                        <a:rPr lang="en-US" sz="2800" i="1" dirty="0" err="1">
+                        <a:rPr lang="en-US" sz="2800" b="0" i="1" dirty="0" smtClean="0">
                           <a:latin typeface="Cambria Math" panose="02040503050406030204" pitchFamily="18" charset="0"/>
                           <a:ea typeface="Ayuthaya" charset="-34"/>
                           <a:cs typeface="Consolas" charset="0"/>
                         </a:rPr>
-                        <m:t>𝑉</m:t>
+                        <m:t>𝑆</m:t>
                       </m:r>
                       <m:r>
                         <a:rPr lang="en-US" sz="2800" i="1" baseline="-25000" dirty="0" err="1">
@@ -30948,10 +31024,10 @@
                         <m:t> (</m:t>
                       </m:r>
                       <m:r>
-                        <a:rPr lang="en-US" sz="2800" i="1" dirty="0" smtClean="0">
+                        <a:rPr lang="en-US" sz="2800" b="0" i="1" dirty="0" smtClean="0">
                           <a:latin typeface="Cambria Math" panose="02040503050406030204" pitchFamily="18" charset="0"/>
                         </a:rPr>
-                        <m:t>𝑉</m:t>
+                        <m:t>𝑆</m:t>
                       </m:r>
                       <m:r>
                         <a:rPr lang="en-US" sz="2800" i="1" baseline="-25000" dirty="0" smtClean="0">
@@ -30969,13 +31045,13 @@
                         <a:rPr lang="en-US" sz="2800" i="1" dirty="0">
                           <a:latin typeface="Cambria Math" panose="02040503050406030204" pitchFamily="18" charset="0"/>
                         </a:rPr>
-                        <m:t>– </m:t>
+                        <m:t>–</m:t>
                       </m:r>
                       <m:r>
-                        <a:rPr lang="en-US" sz="2800" i="1" dirty="0" err="1" smtClean="0">
+                        <a:rPr lang="en-US" sz="2800" b="0" i="1" dirty="0" smtClean="0">
                           <a:latin typeface="Cambria Math" panose="02040503050406030204" pitchFamily="18" charset="0"/>
                         </a:rPr>
-                        <m:t>𝑉</m:t>
+                        <m:t>𝑆</m:t>
                       </m:r>
                       <m:r>
                         <a:rPr lang="en-US" sz="2800" i="1" baseline="-25000" dirty="0" err="1" smtClean="0">
@@ -31018,7 +31094,7 @@
             </p:txBody>
           </p:sp>
         </mc:Choice>
-        <mc:Fallback xmlns="">
+        <mc:Fallback>
           <p:sp>
             <p:nvSpPr>
               <p:cNvPr id="3" name="Content Placeholder 2"/>
@@ -31494,7 +31570,11 @@
                                           </p:stCondLst>
                                         </p:cTn>
                                         <p:tgtEl>
-                                          <p:spTgt spid="13"/>
+                                          <p:spTgt spid="3">
+                                            <p:txEl>
+                                              <p:pRg st="1" end="1"/>
+                                            </p:txEl>
+                                          </p:spTgt>
                                         </p:tgtEl>
                                         <p:attrNameLst>
                                           <p:attrName>style.visibility</p:attrName>
@@ -31541,7 +31621,7 @@
                                         <p:tgtEl>
                                           <p:spTgt spid="3">
                                             <p:txEl>
-                                              <p:pRg st="1" end="1"/>
+                                              <p:pRg st="2" end="2"/>
                                             </p:txEl>
                                           </p:spTgt>
                                         </p:tgtEl>
@@ -31639,7 +31719,7 @@
                                         <p:tgtEl>
                                           <p:spTgt spid="3">
                                             <p:txEl>
-                                              <p:pRg st="2" end="2"/>
+                                              <p:pRg st="4" end="4"/>
                                             </p:txEl>
                                           </p:spTgt>
                                         </p:tgtEl>
@@ -31688,7 +31768,7 @@
                                         <p:tgtEl>
                                           <p:spTgt spid="3">
                                             <p:txEl>
-                                              <p:pRg st="4" end="4"/>
+                                              <p:pRg st="6" end="6"/>
                                             </p:txEl>
                                           </p:spTgt>
                                         </p:tgtEl>
@@ -31735,11 +31815,7 @@
                                           </p:stCondLst>
                                         </p:cTn>
                                         <p:tgtEl>
-                                          <p:spTgt spid="3">
-                                            <p:txEl>
-                                              <p:pRg st="6" end="6"/>
-                                            </p:txEl>
-                                          </p:spTgt>
+                                          <p:spTgt spid="13"/>
                                         </p:tgtEl>
                                         <p:attrNameLst>
                                           <p:attrName>style.visibility</p:attrName>
@@ -33680,7 +33756,7 @@
           <a:effectLst/>
           <a:extLst>
             <a:ext uri="{909E8E84-426E-40dd-AFC4-6F175D3DCCD1}">
-              <a14:hiddenFill xmlns:a14="http://schemas.microsoft.com/office/drawing/2010/main" xmlns="">
+              <a14:hiddenFill xmlns="" xmlns:a14="http://schemas.microsoft.com/office/drawing/2010/main">
                 <a:blipFill dpi="0" rotWithShape="0">
                   <a:blip/>
                   <a:srcRect/>
@@ -33691,7 +33767,7 @@
               </a14:hiddenFill>
             </a:ext>
             <a:ext uri="{91240B29-F687-4f45-9708-019B960494DF}">
-              <a14:hiddenLine xmlns:a14="http://schemas.microsoft.com/office/drawing/2010/main" xmlns="" w="9525">
+              <a14:hiddenLine xmlns="" xmlns:a14="http://schemas.microsoft.com/office/drawing/2010/main" w="9525">
                 <a:solidFill>
                   <a:srgbClr val="000000"/>
                 </a:solidFill>
@@ -33701,7 +33777,7 @@
               </a14:hiddenLine>
             </a:ext>
             <a:ext uri="{AF507438-7753-43e0-B8FC-AC1667EBCBE1}">
-              <a14:hiddenEffects xmlns:a14="http://schemas.microsoft.com/office/drawing/2010/main" xmlns="">
+              <a14:hiddenEffects xmlns="" xmlns:a14="http://schemas.microsoft.com/office/drawing/2010/main">
                 <a:effectLst>
                   <a:outerShdw blurRad="63500" dist="38099" dir="2700000" algn="ctr" rotWithShape="0">
                     <a:srgbClr val="000000">
@@ -37523,7 +37599,7 @@
                 <a:ea typeface="Ayuthaya" charset="-34"/>
                 <a:cs typeface="Ayuthaya" charset="-34"/>
               </a:rPr>
-              <a:t>INPUT PACKET STREAM (S):= </a:t>
+              <a:t>INPUT PACKET STREAM (P):= </a:t>
             </a:r>
           </a:p>
           <a:p>

--- a/marple.pptx
+++ b/marple.pptx
@@ -8839,6 +8839,116 @@
           </a:p>
         </p:txBody>
       </p:sp>
+      <p:grpSp>
+        <p:nvGrpSpPr>
+          <p:cNvPr id="6" name="Group 5">
+            <a:extLst>
+              <a:ext uri="{FF2B5EF4-FFF2-40B4-BE49-F238E27FC236}">
+                <a16:creationId xmlns:a16="http://schemas.microsoft.com/office/drawing/2014/main" id="{F8DCEB60-FA2E-824E-9C84-B06AB639D0E0}"/>
+              </a:ext>
+            </a:extLst>
+          </p:cNvPr>
+          <p:cNvGrpSpPr/>
+          <p:nvPr/>
+        </p:nvGrpSpPr>
+        <p:grpSpPr>
+          <a:xfrm>
+            <a:off x="8287132" y="3220875"/>
+            <a:ext cx="3066668" cy="1219198"/>
+            <a:chOff x="5896254" y="3905507"/>
+            <a:chExt cx="3066668" cy="1219198"/>
+          </a:xfrm>
+        </p:grpSpPr>
+        <p:sp>
+          <p:nvSpPr>
+            <p:cNvPr id="7" name="Rectangle 6">
+              <a:extLst>
+                <a:ext uri="{FF2B5EF4-FFF2-40B4-BE49-F238E27FC236}">
+                  <a16:creationId xmlns:a16="http://schemas.microsoft.com/office/drawing/2014/main" id="{358A2329-492D-CE40-8EC3-B5C12FA8962E}"/>
+                </a:ext>
+              </a:extLst>
+            </p:cNvPr>
+            <p:cNvSpPr/>
+            <p:nvPr/>
+          </p:nvSpPr>
+          <p:spPr>
+            <a:xfrm>
+              <a:off x="5896254" y="3905507"/>
+              <a:ext cx="3066668" cy="1219197"/>
+            </a:xfrm>
+            <a:prstGeom prst="rect">
+              <a:avLst/>
+            </a:prstGeom>
+            <a:solidFill>
+              <a:srgbClr val="A31E34"/>
+            </a:solidFill>
+          </p:spPr>
+          <p:style>
+            <a:lnRef idx="2">
+              <a:schemeClr val="accent1">
+                <a:shade val="50000"/>
+              </a:schemeClr>
+            </a:lnRef>
+            <a:fillRef idx="1">
+              <a:schemeClr val="accent1"/>
+            </a:fillRef>
+            <a:effectRef idx="0">
+              <a:schemeClr val="accent1"/>
+            </a:effectRef>
+            <a:fontRef idx="minor">
+              <a:schemeClr val="lt1"/>
+            </a:fontRef>
+          </p:style>
+          <p:txBody>
+            <a:bodyPr rtlCol="0" anchor="ctr"/>
+            <a:lstStyle/>
+            <a:p>
+              <a:pPr algn="ctr"/>
+              <a:endParaRPr lang="en-US"/>
+            </a:p>
+          </p:txBody>
+        </p:sp>
+        <p:sp>
+          <p:nvSpPr>
+            <p:cNvPr id="8" name="TextBox 7">
+              <a:extLst>
+                <a:ext uri="{FF2B5EF4-FFF2-40B4-BE49-F238E27FC236}">
+                  <a16:creationId xmlns:a16="http://schemas.microsoft.com/office/drawing/2014/main" id="{7AB5DCAE-169C-4249-8E10-8CB825058817}"/>
+                </a:ext>
+              </a:extLst>
+            </p:cNvPr>
+            <p:cNvSpPr txBox="1"/>
+            <p:nvPr/>
+          </p:nvSpPr>
+          <p:spPr>
+            <a:xfrm>
+              <a:off x="6139318" y="4047487"/>
+              <a:ext cx="2643326" cy="1077218"/>
+            </a:xfrm>
+            <a:prstGeom prst="rect">
+              <a:avLst/>
+            </a:prstGeom>
+            <a:noFill/>
+          </p:spPr>
+          <p:txBody>
+            <a:bodyPr wrap="square" rtlCol="0">
+              <a:spAutoFit/>
+            </a:bodyPr>
+            <a:lstStyle/>
+            <a:p>
+              <a:pPr algn="ctr"/>
+              <a:r>
+                <a:rPr lang="en-US" sz="3200" dirty="0">
+                  <a:solidFill>
+                    <a:schemeClr val="bg1"/>
+                  </a:solidFill>
+                </a:rPr>
+                <a:t>Aggregation Function</a:t>
+              </a:r>
+            </a:p>
+          </p:txBody>
+        </p:sp>
+      </p:grpSp>
     </p:spTree>
     <p:custDataLst>
       <p:tags r:id="rId1"/>
@@ -8894,6 +9004,51 @@
                                           </p:stCondLst>
                                         </p:cTn>
                                         <p:tgtEl>
+                                          <p:spTgt spid="6"/>
+                                        </p:tgtEl>
+                                        <p:attrNameLst>
+                                          <p:attrName>style.visibility</p:attrName>
+                                        </p:attrNameLst>
+                                      </p:cBhvr>
+                                      <p:to>
+                                        <p:strVal val="visible"/>
+                                      </p:to>
+                                    </p:set>
+                                  </p:childTnLst>
+                                </p:cTn>
+                              </p:par>
+                            </p:childTnLst>
+                          </p:cTn>
+                        </p:par>
+                      </p:childTnLst>
+                    </p:cTn>
+                  </p:par>
+                  <p:par>
+                    <p:cTn id="7" fill="hold">
+                      <p:stCondLst>
+                        <p:cond delay="indefinite"/>
+                      </p:stCondLst>
+                      <p:childTnLst>
+                        <p:par>
+                          <p:cTn id="8" fill="hold">
+                            <p:stCondLst>
+                              <p:cond delay="0"/>
+                            </p:stCondLst>
+                            <p:childTnLst>
+                              <p:par>
+                                <p:cTn id="9" presetID="1" presetClass="entr" presetSubtype="0" fill="hold" nodeType="clickEffect">
+                                  <p:stCondLst>
+                                    <p:cond delay="0"/>
+                                  </p:stCondLst>
+                                  <p:childTnLst>
+                                    <p:set>
+                                      <p:cBhvr>
+                                        <p:cTn id="10" dur="1" fill="hold">
+                                          <p:stCondLst>
+                                            <p:cond delay="0"/>
+                                          </p:stCondLst>
+                                        </p:cTn>
+                                        <p:tgtEl>
                                           <p:spTgt spid="10"/>
                                         </p:tgtEl>
                                         <p:attrNameLst>
@@ -8908,14 +9063,14 @@
                                 </p:cTn>
                               </p:par>
                               <p:par>
-                                <p:cTn id="7" presetID="1" presetClass="entr" presetSubtype="0" fill="hold" nodeType="withEffect">
+                                <p:cTn id="11" presetID="1" presetClass="entr" presetSubtype="0" fill="hold" nodeType="withEffect">
                                   <p:stCondLst>
                                     <p:cond delay="0"/>
                                   </p:stCondLst>
                                   <p:childTnLst>
                                     <p:set>
                                       <p:cBhvr>
-                                        <p:cTn id="8" dur="1" fill="hold">
+                                        <p:cTn id="12" dur="1" fill="hold">
                                           <p:stCondLst>
                                             <p:cond delay="0"/>
                                           </p:stCondLst>
@@ -8939,14 +9094,14 @@
                                 </p:cTn>
                               </p:par>
                               <p:par>
-                                <p:cTn id="9" presetID="1" presetClass="entr" presetSubtype="0" fill="hold" nodeType="withEffect">
+                                <p:cTn id="13" presetID="1" presetClass="entr" presetSubtype="0" fill="hold" nodeType="withEffect">
                                   <p:stCondLst>
                                     <p:cond delay="0"/>
                                   </p:stCondLst>
                                   <p:childTnLst>
                                     <p:set>
                                       <p:cBhvr>
-                                        <p:cTn id="10" dur="1" fill="hold">
+                                        <p:cTn id="14" dur="1" fill="hold">
                                           <p:stCondLst>
                                             <p:cond delay="0"/>
                                           </p:stCondLst>
@@ -8970,14 +9125,14 @@
                                 </p:cTn>
                               </p:par>
                               <p:par>
-                                <p:cTn id="11" presetID="1" presetClass="entr" presetSubtype="0" fill="hold" nodeType="withEffect">
+                                <p:cTn id="15" presetID="1" presetClass="entr" presetSubtype="0" fill="hold" nodeType="withEffect">
                                   <p:stCondLst>
                                     <p:cond delay="0"/>
                                   </p:stCondLst>
                                   <p:childTnLst>
                                     <p:set>
                                       <p:cBhvr>
-                                        <p:cTn id="12" dur="1" fill="hold">
+                                        <p:cTn id="16" dur="1" fill="hold">
                                           <p:stCondLst>
                                             <p:cond delay="0"/>
                                           </p:stCondLst>
@@ -9372,50 +9527,6 @@
           </a:p>
         </p:txBody>
       </p:sp>
-      <p:cxnSp>
-        <p:nvCxnSpPr>
-          <p:cNvPr id="7" name="Straight Arrow Connector 6">
-            <a:extLst>
-              <a:ext uri="{FF2B5EF4-FFF2-40B4-BE49-F238E27FC236}">
-                <a16:creationId xmlns:a16="http://schemas.microsoft.com/office/drawing/2014/main" id="{79F8185C-1BAA-0D4B-8DEE-563F4226BD37}"/>
-              </a:ext>
-            </a:extLst>
-          </p:cNvPr>
-          <p:cNvCxnSpPr>
-            <a:cxnSpLocks/>
-          </p:cNvCxnSpPr>
-          <p:nvPr/>
-        </p:nvCxnSpPr>
-        <p:spPr>
-          <a:xfrm flipH="1">
-            <a:off x="3122341" y="2207941"/>
-            <a:ext cx="4638908" cy="825191"/>
-          </a:xfrm>
-          <a:prstGeom prst="straightConnector1">
-            <a:avLst/>
-          </a:prstGeom>
-          <a:ln w="50800">
-            <a:solidFill>
-              <a:schemeClr val="tx1"/>
-            </a:solidFill>
-            <a:tailEnd type="triangle" w="lg" len="med"/>
-          </a:ln>
-        </p:spPr>
-        <p:style>
-          <a:lnRef idx="1">
-            <a:schemeClr val="accent1"/>
-          </a:lnRef>
-          <a:fillRef idx="0">
-            <a:schemeClr val="accent1"/>
-          </a:fillRef>
-          <a:effectRef idx="0">
-            <a:schemeClr val="accent1"/>
-          </a:effectRef>
-          <a:fontRef idx="minor">
-            <a:schemeClr val="tx1"/>
-          </a:fontRef>
-        </p:style>
-      </p:cxnSp>
     </p:spTree>
     <p:custDataLst>
       <p:tags r:id="rId1"/>
@@ -11270,11 +11381,11 @@
           <a:p>
             <a:r>
               <a:rPr lang="en-US" dirty="0"/>
-              <a:t>Compute &amp; update values </a:t>
+              <a:t>Aggregate state </a:t>
             </a:r>
             <a:r>
               <a:rPr lang="is-IS" dirty="0"/>
-              <a:t>at switch line rate (1 pkt/ns)</a:t>
+              <a:t>at switch‘s line rate (1 pkt/ns)</a:t>
             </a:r>
           </a:p>
           <a:p>
@@ -11693,7 +11804,15 @@
           <a:p>
             <a:r>
               <a:rPr lang="en-US" dirty="0"/>
-              <a:t>Value=state being tracked (e.g., count)</a:t>
+              <a:t>Value=state being tracked (e.g., count, </a:t>
+            </a:r>
+            <a:r>
+              <a:rPr lang="en-US" dirty="0" err="1"/>
+              <a:t>ewma</a:t>
+            </a:r>
+            <a:r>
+              <a:rPr lang="en-US" dirty="0"/>
+              <a:t>)</a:t>
             </a:r>
           </a:p>
           <a:p>
@@ -12071,7 +12190,7 @@
           <a:effectLst/>
           <a:extLst>
             <a:ext uri="{909E8E84-426E-40dd-AFC4-6F175D3DCCD1}">
-              <a14:hiddenFill xmlns="" xmlns:a14="http://schemas.microsoft.com/office/drawing/2010/main">
+              <a14:hiddenFill xmlns:a14="http://schemas.microsoft.com/office/drawing/2010/main" xmlns="">
                 <a:blipFill dpi="0" rotWithShape="0">
                   <a:blip/>
                   <a:srcRect/>
@@ -12082,7 +12201,7 @@
               </a14:hiddenFill>
             </a:ext>
             <a:ext uri="{91240B29-F687-4f45-9708-019B960494DF}">
-              <a14:hiddenLine xmlns="" xmlns:a14="http://schemas.microsoft.com/office/drawing/2010/main" w="9525">
+              <a14:hiddenLine xmlns:a14="http://schemas.microsoft.com/office/drawing/2010/main" xmlns="" w="9525">
                 <a:solidFill>
                   <a:srgbClr val="000000"/>
                 </a:solidFill>
@@ -12092,7 +12211,7 @@
               </a14:hiddenLine>
             </a:ext>
             <a:ext uri="{AF507438-7753-43e0-B8FC-AC1667EBCBE1}">
-              <a14:hiddenEffects xmlns="" xmlns:a14="http://schemas.microsoft.com/office/drawing/2010/main">
+              <a14:hiddenEffects xmlns:a14="http://schemas.microsoft.com/office/drawing/2010/main" xmlns="">
                 <a:effectLst>
                   <a:outerShdw blurRad="63500" dist="38099" dir="2700000" algn="ctr" rotWithShape="0">
                     <a:srgbClr val="000000">
@@ -12141,7 +12260,7 @@
           <a:effectLst/>
           <a:extLst>
             <a:ext uri="{909E8E84-426E-40dd-AFC4-6F175D3DCCD1}">
-              <a14:hiddenFill xmlns="" xmlns:a14="http://schemas.microsoft.com/office/drawing/2010/main">
+              <a14:hiddenFill xmlns:a14="http://schemas.microsoft.com/office/drawing/2010/main" xmlns="">
                 <a:blipFill dpi="0" rotWithShape="0">
                   <a:blip/>
                   <a:srcRect/>
@@ -12152,7 +12271,7 @@
               </a14:hiddenFill>
             </a:ext>
             <a:ext uri="{91240B29-F687-4f45-9708-019B960494DF}">
-              <a14:hiddenLine xmlns="" xmlns:a14="http://schemas.microsoft.com/office/drawing/2010/main" w="9525">
+              <a14:hiddenLine xmlns:a14="http://schemas.microsoft.com/office/drawing/2010/main" xmlns="" w="9525">
                 <a:solidFill>
                   <a:srgbClr val="000000"/>
                 </a:solidFill>
@@ -12162,7 +12281,7 @@
               </a14:hiddenLine>
             </a:ext>
             <a:ext uri="{AF507438-7753-43e0-B8FC-AC1667EBCBE1}">
-              <a14:hiddenEffects xmlns="" xmlns:a14="http://schemas.microsoft.com/office/drawing/2010/main">
+              <a14:hiddenEffects xmlns:a14="http://schemas.microsoft.com/office/drawing/2010/main" xmlns="">
                 <a:effectLst>
                   <a:outerShdw blurRad="63500" dist="38099" dir="2700000" algn="ctr" rotWithShape="0">
                     <a:srgbClr val="000000">
@@ -12297,7 +12416,7 @@
             <a:effectLst/>
             <a:extLst>
               <a:ext uri="{909E8E84-426E-40dd-AFC4-6F175D3DCCD1}">
-                <a14:hiddenFill xmlns:a14="http://schemas.microsoft.com/office/drawing/2010/main" xmlns="">
+                <a14:hiddenFill xmlns="" xmlns:a14="http://schemas.microsoft.com/office/drawing/2010/main">
                   <a:blipFill dpi="0" rotWithShape="0">
                     <a:blip/>
                     <a:srcRect/>
@@ -12308,7 +12427,7 @@
                 </a14:hiddenFill>
               </a:ext>
               <a:ext uri="{91240B29-F687-4f45-9708-019B960494DF}">
-                <a14:hiddenLine xmlns:a14="http://schemas.microsoft.com/office/drawing/2010/main" xmlns="" w="9525">
+                <a14:hiddenLine xmlns="" xmlns:a14="http://schemas.microsoft.com/office/drawing/2010/main" w="9525">
                   <a:solidFill>
                     <a:srgbClr val="000000"/>
                   </a:solidFill>
@@ -12318,7 +12437,7 @@
                 </a14:hiddenLine>
               </a:ext>
               <a:ext uri="{AF507438-7753-43e0-B8FC-AC1667EBCBE1}">
-                <a14:hiddenEffects xmlns:a14="http://schemas.microsoft.com/office/drawing/2010/main" xmlns="">
+                <a14:hiddenEffects xmlns="" xmlns:a14="http://schemas.microsoft.com/office/drawing/2010/main">
                   <a:effectLst>
                     <a:outerShdw blurRad="63500" dist="38099" dir="2700000" algn="ctr" rotWithShape="0">
                       <a:srgbClr val="000000">
@@ -12367,7 +12486,7 @@
             <a:effectLst/>
             <a:extLst>
               <a:ext uri="{909E8E84-426E-40dd-AFC4-6F175D3DCCD1}">
-                <a14:hiddenFill xmlns:a14="http://schemas.microsoft.com/office/drawing/2010/main" xmlns="">
+                <a14:hiddenFill xmlns="" xmlns:a14="http://schemas.microsoft.com/office/drawing/2010/main">
                   <a:blipFill dpi="0" rotWithShape="0">
                     <a:blip/>
                     <a:srcRect/>
@@ -12378,7 +12497,7 @@
                 </a14:hiddenFill>
               </a:ext>
               <a:ext uri="{91240B29-F687-4f45-9708-019B960494DF}">
-                <a14:hiddenLine xmlns:a14="http://schemas.microsoft.com/office/drawing/2010/main" xmlns="" w="9525">
+                <a14:hiddenLine xmlns="" xmlns:a14="http://schemas.microsoft.com/office/drawing/2010/main" w="9525">
                   <a:solidFill>
                     <a:srgbClr val="000000"/>
                   </a:solidFill>
@@ -12388,7 +12507,7 @@
                 </a14:hiddenLine>
               </a:ext>
               <a:ext uri="{AF507438-7753-43e0-B8FC-AC1667EBCBE1}">
-                <a14:hiddenEffects xmlns:a14="http://schemas.microsoft.com/office/drawing/2010/main" xmlns="">
+                <a14:hiddenEffects xmlns="" xmlns:a14="http://schemas.microsoft.com/office/drawing/2010/main">
                   <a:effectLst>
                     <a:outerShdw blurRad="63500" dist="38099" dir="2700000" algn="ctr" rotWithShape="0">
                       <a:srgbClr val="000000">
@@ -12437,7 +12556,7 @@
             <a:effectLst/>
             <a:extLst>
               <a:ext uri="{909E8E84-426E-40dd-AFC4-6F175D3DCCD1}">
-                <a14:hiddenFill xmlns:a14="http://schemas.microsoft.com/office/drawing/2010/main" xmlns="">
+                <a14:hiddenFill xmlns="" xmlns:a14="http://schemas.microsoft.com/office/drawing/2010/main">
                   <a:blipFill dpi="0" rotWithShape="0">
                     <a:blip/>
                     <a:srcRect/>
@@ -12448,7 +12567,7 @@
                 </a14:hiddenFill>
               </a:ext>
               <a:ext uri="{91240B29-F687-4f45-9708-019B960494DF}">
-                <a14:hiddenLine xmlns:a14="http://schemas.microsoft.com/office/drawing/2010/main" xmlns="" w="9525">
+                <a14:hiddenLine xmlns="" xmlns:a14="http://schemas.microsoft.com/office/drawing/2010/main" w="9525">
                   <a:solidFill>
                     <a:srgbClr val="000000"/>
                   </a:solidFill>
@@ -12458,7 +12577,7 @@
                 </a14:hiddenLine>
               </a:ext>
               <a:ext uri="{AF507438-7753-43e0-B8FC-AC1667EBCBE1}">
-                <a14:hiddenEffects xmlns:a14="http://schemas.microsoft.com/office/drawing/2010/main" xmlns="">
+                <a14:hiddenEffects xmlns="" xmlns:a14="http://schemas.microsoft.com/office/drawing/2010/main">
                   <a:effectLst>
                     <a:outerShdw blurRad="63500" dist="38099" dir="2700000" algn="ctr" rotWithShape="0">
                       <a:srgbClr val="000000">
@@ -12499,12 +12618,12 @@
             <a:effectLst/>
             <a:extLst>
               <a:ext uri="{909E8E84-426E-40dd-AFC4-6F175D3DCCD1}">
-                <a14:hiddenFill xmlns:a14="http://schemas.microsoft.com/office/drawing/2010/main" xmlns="">
+                <a14:hiddenFill xmlns="" xmlns:a14="http://schemas.microsoft.com/office/drawing/2010/main">
                   <a:noFill/>
                 </a14:hiddenFill>
               </a:ext>
               <a:ext uri="{AF507438-7753-43e0-B8FC-AC1667EBCBE1}">
-                <a14:hiddenEffects xmlns:a14="http://schemas.microsoft.com/office/drawing/2010/main" xmlns="">
+                <a14:hiddenEffects xmlns="" xmlns:a14="http://schemas.microsoft.com/office/drawing/2010/main">
                   <a:effectLst>
                     <a:outerShdw blurRad="63500" dist="38099" dir="2700000" algn="ctr" rotWithShape="0">
                       <a:srgbClr val="000000">
@@ -12557,12 +12676,12 @@
             <a:effectLst/>
             <a:extLst>
               <a:ext uri="{909E8E84-426E-40dd-AFC4-6F175D3DCCD1}">
-                <a14:hiddenFill xmlns:a14="http://schemas.microsoft.com/office/drawing/2010/main" xmlns="">
+                <a14:hiddenFill xmlns="" xmlns:a14="http://schemas.microsoft.com/office/drawing/2010/main">
                   <a:noFill/>
                 </a14:hiddenFill>
               </a:ext>
               <a:ext uri="{AF507438-7753-43e0-B8FC-AC1667EBCBE1}">
-                <a14:hiddenEffects xmlns:a14="http://schemas.microsoft.com/office/drawing/2010/main" xmlns="">
+                <a14:hiddenEffects xmlns="" xmlns:a14="http://schemas.microsoft.com/office/drawing/2010/main">
                   <a:effectLst>
                     <a:outerShdw blurRad="63500" dist="38099" dir="2700000" algn="ctr" rotWithShape="0">
                       <a:srgbClr val="000000">
@@ -12615,12 +12734,12 @@
             <a:effectLst/>
             <a:extLst>
               <a:ext uri="{909E8E84-426E-40dd-AFC4-6F175D3DCCD1}">
-                <a14:hiddenFill xmlns:a14="http://schemas.microsoft.com/office/drawing/2010/main" xmlns="">
+                <a14:hiddenFill xmlns="" xmlns:a14="http://schemas.microsoft.com/office/drawing/2010/main">
                   <a:noFill/>
                 </a14:hiddenFill>
               </a:ext>
               <a:ext uri="{AF507438-7753-43e0-B8FC-AC1667EBCBE1}">
-                <a14:hiddenEffects xmlns:a14="http://schemas.microsoft.com/office/drawing/2010/main" xmlns="">
+                <a14:hiddenEffects xmlns="" xmlns:a14="http://schemas.microsoft.com/office/drawing/2010/main">
                   <a:effectLst>
                     <a:outerShdw blurRad="63500" dist="38099" dir="2700000" algn="ctr" rotWithShape="0">
                       <a:srgbClr val="000000">
@@ -12673,12 +12792,12 @@
             <a:effectLst/>
             <a:extLst>
               <a:ext uri="{909E8E84-426E-40dd-AFC4-6F175D3DCCD1}">
-                <a14:hiddenFill xmlns:a14="http://schemas.microsoft.com/office/drawing/2010/main" xmlns="">
+                <a14:hiddenFill xmlns="" xmlns:a14="http://schemas.microsoft.com/office/drawing/2010/main">
                   <a:noFill/>
                 </a14:hiddenFill>
               </a:ext>
               <a:ext uri="{AF507438-7753-43e0-B8FC-AC1667EBCBE1}">
-                <a14:hiddenEffects xmlns:a14="http://schemas.microsoft.com/office/drawing/2010/main" xmlns="">
+                <a14:hiddenEffects xmlns="" xmlns:a14="http://schemas.microsoft.com/office/drawing/2010/main">
                   <a:effectLst>
                     <a:outerShdw blurRad="63500" dist="38099" dir="2700000" algn="ctr" rotWithShape="0">
                       <a:srgbClr val="000000">
@@ -12731,12 +12850,12 @@
             <a:effectLst/>
             <a:extLst>
               <a:ext uri="{909E8E84-426E-40dd-AFC4-6F175D3DCCD1}">
-                <a14:hiddenFill xmlns:a14="http://schemas.microsoft.com/office/drawing/2010/main" xmlns="">
+                <a14:hiddenFill xmlns="" xmlns:a14="http://schemas.microsoft.com/office/drawing/2010/main">
                   <a:noFill/>
                 </a14:hiddenFill>
               </a:ext>
               <a:ext uri="{AF507438-7753-43e0-B8FC-AC1667EBCBE1}">
-                <a14:hiddenEffects xmlns:a14="http://schemas.microsoft.com/office/drawing/2010/main" xmlns="">
+                <a14:hiddenEffects xmlns="" xmlns:a14="http://schemas.microsoft.com/office/drawing/2010/main">
                   <a:effectLst>
                     <a:outerShdw blurRad="63500" dist="38099" dir="2700000" algn="ctr" rotWithShape="0">
                       <a:srgbClr val="000000">
@@ -12789,12 +12908,12 @@
             <a:effectLst/>
             <a:extLst>
               <a:ext uri="{909E8E84-426E-40dd-AFC4-6F175D3DCCD1}">
-                <a14:hiddenFill xmlns:a14="http://schemas.microsoft.com/office/drawing/2010/main" xmlns="">
+                <a14:hiddenFill xmlns="" xmlns:a14="http://schemas.microsoft.com/office/drawing/2010/main">
                   <a:noFill/>
                 </a14:hiddenFill>
               </a:ext>
               <a:ext uri="{AF507438-7753-43e0-B8FC-AC1667EBCBE1}">
-                <a14:hiddenEffects xmlns:a14="http://schemas.microsoft.com/office/drawing/2010/main" xmlns="">
+                <a14:hiddenEffects xmlns="" xmlns:a14="http://schemas.microsoft.com/office/drawing/2010/main">
                   <a:effectLst>
                     <a:outerShdw blurRad="63500" dist="38099" dir="2700000" algn="ctr" rotWithShape="0">
                       <a:srgbClr val="000000">
@@ -12847,12 +12966,12 @@
             <a:effectLst/>
             <a:extLst>
               <a:ext uri="{909E8E84-426E-40dd-AFC4-6F175D3DCCD1}">
-                <a14:hiddenFill xmlns:a14="http://schemas.microsoft.com/office/drawing/2010/main" xmlns="">
+                <a14:hiddenFill xmlns="" xmlns:a14="http://schemas.microsoft.com/office/drawing/2010/main">
                   <a:noFill/>
                 </a14:hiddenFill>
               </a:ext>
               <a:ext uri="{AF507438-7753-43e0-B8FC-AC1667EBCBE1}">
-                <a14:hiddenEffects xmlns:a14="http://schemas.microsoft.com/office/drawing/2010/main" xmlns="">
+                <a14:hiddenEffects xmlns="" xmlns:a14="http://schemas.microsoft.com/office/drawing/2010/main">
                   <a:effectLst>
                     <a:outerShdw blurRad="63500" dist="38099" dir="2700000" algn="ctr" rotWithShape="0">
                       <a:srgbClr val="000000">
@@ -12905,12 +13024,12 @@
             <a:effectLst/>
             <a:extLst>
               <a:ext uri="{909E8E84-426E-40dd-AFC4-6F175D3DCCD1}">
-                <a14:hiddenFill xmlns:a14="http://schemas.microsoft.com/office/drawing/2010/main" xmlns="">
+                <a14:hiddenFill xmlns="" xmlns:a14="http://schemas.microsoft.com/office/drawing/2010/main">
                   <a:noFill/>
                 </a14:hiddenFill>
               </a:ext>
               <a:ext uri="{AF507438-7753-43e0-B8FC-AC1667EBCBE1}">
-                <a14:hiddenEffects xmlns:a14="http://schemas.microsoft.com/office/drawing/2010/main" xmlns="">
+                <a14:hiddenEffects xmlns="" xmlns:a14="http://schemas.microsoft.com/office/drawing/2010/main">
                   <a:effectLst>
                     <a:outerShdw blurRad="63500" dist="38099" dir="2700000" algn="ctr" rotWithShape="0">
                       <a:srgbClr val="000000">
@@ -12963,12 +13082,12 @@
             <a:effectLst/>
             <a:extLst>
               <a:ext uri="{909E8E84-426E-40dd-AFC4-6F175D3DCCD1}">
-                <a14:hiddenFill xmlns:a14="http://schemas.microsoft.com/office/drawing/2010/main" xmlns="">
+                <a14:hiddenFill xmlns="" xmlns:a14="http://schemas.microsoft.com/office/drawing/2010/main">
                   <a:noFill/>
                 </a14:hiddenFill>
               </a:ext>
               <a:ext uri="{AF507438-7753-43e0-B8FC-AC1667EBCBE1}">
-                <a14:hiddenEffects xmlns:a14="http://schemas.microsoft.com/office/drawing/2010/main" xmlns="">
+                <a14:hiddenEffects xmlns="" xmlns:a14="http://schemas.microsoft.com/office/drawing/2010/main">
                   <a:effectLst>
                     <a:outerShdw blurRad="63500" dist="38099" dir="2700000" algn="ctr" rotWithShape="0">
                       <a:srgbClr val="000000">
@@ -13021,12 +13140,12 @@
             <a:effectLst/>
             <a:extLst>
               <a:ext uri="{909E8E84-426E-40dd-AFC4-6F175D3DCCD1}">
-                <a14:hiddenFill xmlns:a14="http://schemas.microsoft.com/office/drawing/2010/main" xmlns="">
+                <a14:hiddenFill xmlns="" xmlns:a14="http://schemas.microsoft.com/office/drawing/2010/main">
                   <a:noFill/>
                 </a14:hiddenFill>
               </a:ext>
               <a:ext uri="{AF507438-7753-43e0-B8FC-AC1667EBCBE1}">
-                <a14:hiddenEffects xmlns:a14="http://schemas.microsoft.com/office/drawing/2010/main" xmlns="">
+                <a14:hiddenEffects xmlns="" xmlns:a14="http://schemas.microsoft.com/office/drawing/2010/main">
                   <a:effectLst>
                     <a:outerShdw blurRad="63500" dist="38099" dir="2700000" algn="ctr" rotWithShape="0">
                       <a:srgbClr val="000000">
@@ -13087,7 +13206,7 @@
             <a:effectLst/>
             <a:extLst>
               <a:ext uri="{909E8E84-426E-40dd-AFC4-6F175D3DCCD1}">
-                <a14:hiddenFill xmlns:a14="http://schemas.microsoft.com/office/drawing/2010/main" xmlns="">
+                <a14:hiddenFill xmlns="" xmlns:a14="http://schemas.microsoft.com/office/drawing/2010/main">
                   <a:blipFill dpi="0" rotWithShape="0">
                     <a:blip/>
                     <a:srcRect/>
@@ -13098,7 +13217,7 @@
                 </a14:hiddenFill>
               </a:ext>
               <a:ext uri="{91240B29-F687-4f45-9708-019B960494DF}">
-                <a14:hiddenLine xmlns:a14="http://schemas.microsoft.com/office/drawing/2010/main" xmlns="" w="9525">
+                <a14:hiddenLine xmlns="" xmlns:a14="http://schemas.microsoft.com/office/drawing/2010/main" w="9525">
                   <a:solidFill>
                     <a:srgbClr val="000000"/>
                   </a:solidFill>
@@ -13108,7 +13227,7 @@
                 </a14:hiddenLine>
               </a:ext>
               <a:ext uri="{AF507438-7753-43e0-B8FC-AC1667EBCBE1}">
-                <a14:hiddenEffects xmlns:a14="http://schemas.microsoft.com/office/drawing/2010/main" xmlns="">
+                <a14:hiddenEffects xmlns="" xmlns:a14="http://schemas.microsoft.com/office/drawing/2010/main">
                   <a:effectLst>
                     <a:outerShdw blurRad="63500" dist="38099" dir="2700000" algn="ctr" rotWithShape="0">
                       <a:srgbClr val="000000">
@@ -13157,7 +13276,7 @@
             <a:effectLst/>
             <a:extLst>
               <a:ext uri="{909E8E84-426E-40dd-AFC4-6F175D3DCCD1}">
-                <a14:hiddenFill xmlns:a14="http://schemas.microsoft.com/office/drawing/2010/main" xmlns="">
+                <a14:hiddenFill xmlns="" xmlns:a14="http://schemas.microsoft.com/office/drawing/2010/main">
                   <a:blipFill dpi="0" rotWithShape="0">
                     <a:blip/>
                     <a:srcRect/>
@@ -13168,7 +13287,7 @@
                 </a14:hiddenFill>
               </a:ext>
               <a:ext uri="{91240B29-F687-4f45-9708-019B960494DF}">
-                <a14:hiddenLine xmlns:a14="http://schemas.microsoft.com/office/drawing/2010/main" xmlns="" w="9525">
+                <a14:hiddenLine xmlns="" xmlns:a14="http://schemas.microsoft.com/office/drawing/2010/main" w="9525">
                   <a:solidFill>
                     <a:srgbClr val="000000"/>
                   </a:solidFill>
@@ -13178,7 +13297,7 @@
                 </a14:hiddenLine>
               </a:ext>
               <a:ext uri="{AF507438-7753-43e0-B8FC-AC1667EBCBE1}">
-                <a14:hiddenEffects xmlns:a14="http://schemas.microsoft.com/office/drawing/2010/main" xmlns="">
+                <a14:hiddenEffects xmlns="" xmlns:a14="http://schemas.microsoft.com/office/drawing/2010/main">
                   <a:effectLst>
                     <a:outerShdw blurRad="63500" dist="38099" dir="2700000" algn="ctr" rotWithShape="0">
                       <a:srgbClr val="000000">
@@ -13227,7 +13346,7 @@
             <a:effectLst/>
             <a:extLst>
               <a:ext uri="{909E8E84-426E-40dd-AFC4-6F175D3DCCD1}">
-                <a14:hiddenFill xmlns:a14="http://schemas.microsoft.com/office/drawing/2010/main" xmlns="">
+                <a14:hiddenFill xmlns="" xmlns:a14="http://schemas.microsoft.com/office/drawing/2010/main">
                   <a:blipFill dpi="0" rotWithShape="0">
                     <a:blip/>
                     <a:srcRect/>
@@ -13238,7 +13357,7 @@
                 </a14:hiddenFill>
               </a:ext>
               <a:ext uri="{91240B29-F687-4f45-9708-019B960494DF}">
-                <a14:hiddenLine xmlns:a14="http://schemas.microsoft.com/office/drawing/2010/main" xmlns="" w="9525">
+                <a14:hiddenLine xmlns="" xmlns:a14="http://schemas.microsoft.com/office/drawing/2010/main" w="9525">
                   <a:solidFill>
                     <a:srgbClr val="000000"/>
                   </a:solidFill>
@@ -13248,7 +13367,7 @@
                 </a14:hiddenLine>
               </a:ext>
               <a:ext uri="{AF507438-7753-43e0-B8FC-AC1667EBCBE1}">
-                <a14:hiddenEffects xmlns:a14="http://schemas.microsoft.com/office/drawing/2010/main" xmlns="">
+                <a14:hiddenEffects xmlns="" xmlns:a14="http://schemas.microsoft.com/office/drawing/2010/main">
                   <a:effectLst>
                     <a:outerShdw blurRad="63500" dist="38099" dir="2700000" algn="ctr" rotWithShape="0">
                       <a:srgbClr val="000000">
@@ -13297,7 +13416,7 @@
             <a:effectLst/>
             <a:extLst>
               <a:ext uri="{909E8E84-426E-40dd-AFC4-6F175D3DCCD1}">
-                <a14:hiddenFill xmlns:a14="http://schemas.microsoft.com/office/drawing/2010/main" xmlns="">
+                <a14:hiddenFill xmlns="" xmlns:a14="http://schemas.microsoft.com/office/drawing/2010/main">
                   <a:blipFill dpi="0" rotWithShape="0">
                     <a:blip/>
                     <a:srcRect/>
@@ -13308,7 +13427,7 @@
                 </a14:hiddenFill>
               </a:ext>
               <a:ext uri="{91240B29-F687-4f45-9708-019B960494DF}">
-                <a14:hiddenLine xmlns:a14="http://schemas.microsoft.com/office/drawing/2010/main" xmlns="" w="9525">
+                <a14:hiddenLine xmlns="" xmlns:a14="http://schemas.microsoft.com/office/drawing/2010/main" w="9525">
                   <a:solidFill>
                     <a:srgbClr val="000000"/>
                   </a:solidFill>
@@ -13318,7 +13437,7 @@
                 </a14:hiddenLine>
               </a:ext>
               <a:ext uri="{AF507438-7753-43e0-B8FC-AC1667EBCBE1}">
-                <a14:hiddenEffects xmlns:a14="http://schemas.microsoft.com/office/drawing/2010/main" xmlns="">
+                <a14:hiddenEffects xmlns="" xmlns:a14="http://schemas.microsoft.com/office/drawing/2010/main">
                   <a:effectLst>
                     <a:outerShdw blurRad="63500" dist="38099" dir="2700000" algn="ctr" rotWithShape="0">
                       <a:srgbClr val="000000">
@@ -13367,7 +13486,7 @@
             <a:effectLst/>
             <a:extLst>
               <a:ext uri="{909E8E84-426E-40dd-AFC4-6F175D3DCCD1}">
-                <a14:hiddenFill xmlns:a14="http://schemas.microsoft.com/office/drawing/2010/main" xmlns="">
+                <a14:hiddenFill xmlns="" xmlns:a14="http://schemas.microsoft.com/office/drawing/2010/main">
                   <a:blipFill dpi="0" rotWithShape="0">
                     <a:blip/>
                     <a:srcRect/>
@@ -13378,7 +13497,7 @@
                 </a14:hiddenFill>
               </a:ext>
               <a:ext uri="{91240B29-F687-4f45-9708-019B960494DF}">
-                <a14:hiddenLine xmlns:a14="http://schemas.microsoft.com/office/drawing/2010/main" xmlns="" w="9525">
+                <a14:hiddenLine xmlns="" xmlns:a14="http://schemas.microsoft.com/office/drawing/2010/main" w="9525">
                   <a:solidFill>
                     <a:srgbClr val="000000"/>
                   </a:solidFill>
@@ -13388,7 +13507,7 @@
                 </a14:hiddenLine>
               </a:ext>
               <a:ext uri="{AF507438-7753-43e0-B8FC-AC1667EBCBE1}">
-                <a14:hiddenEffects xmlns:a14="http://schemas.microsoft.com/office/drawing/2010/main" xmlns="">
+                <a14:hiddenEffects xmlns="" xmlns:a14="http://schemas.microsoft.com/office/drawing/2010/main">
                   <a:effectLst>
                     <a:outerShdw blurRad="63500" dist="38099" dir="2700000" algn="ctr" rotWithShape="0">
                       <a:srgbClr val="000000">
@@ -13429,12 +13548,12 @@
             <a:effectLst/>
             <a:extLst>
               <a:ext uri="{909E8E84-426E-40dd-AFC4-6F175D3DCCD1}">
-                <a14:hiddenFill xmlns:a14="http://schemas.microsoft.com/office/drawing/2010/main" xmlns="">
+                <a14:hiddenFill xmlns="" xmlns:a14="http://schemas.microsoft.com/office/drawing/2010/main">
                   <a:noFill/>
                 </a14:hiddenFill>
               </a:ext>
               <a:ext uri="{AF507438-7753-43e0-B8FC-AC1667EBCBE1}">
-                <a14:hiddenEffects xmlns:a14="http://schemas.microsoft.com/office/drawing/2010/main" xmlns="">
+                <a14:hiddenEffects xmlns="" xmlns:a14="http://schemas.microsoft.com/office/drawing/2010/main">
                   <a:effectLst>
                     <a:outerShdw blurRad="63500" dist="38099" dir="2700000" algn="ctr" rotWithShape="0">
                       <a:srgbClr val="000000">
@@ -13487,12 +13606,12 @@
             <a:effectLst/>
             <a:extLst>
               <a:ext uri="{909E8E84-426E-40dd-AFC4-6F175D3DCCD1}">
-                <a14:hiddenFill xmlns:a14="http://schemas.microsoft.com/office/drawing/2010/main" xmlns="">
+                <a14:hiddenFill xmlns="" xmlns:a14="http://schemas.microsoft.com/office/drawing/2010/main">
                   <a:noFill/>
                 </a14:hiddenFill>
               </a:ext>
               <a:ext uri="{AF507438-7753-43e0-B8FC-AC1667EBCBE1}">
-                <a14:hiddenEffects xmlns:a14="http://schemas.microsoft.com/office/drawing/2010/main" xmlns="">
+                <a14:hiddenEffects xmlns="" xmlns:a14="http://schemas.microsoft.com/office/drawing/2010/main">
                   <a:effectLst>
                     <a:outerShdw blurRad="63500" dist="38099" dir="2700000" algn="ctr" rotWithShape="0">
                       <a:srgbClr val="000000">
@@ -13553,7 +13672,7 @@
             <a:effectLst/>
             <a:extLst>
               <a:ext uri="{909E8E84-426E-40dd-AFC4-6F175D3DCCD1}">
-                <a14:hiddenFill xmlns:a14="http://schemas.microsoft.com/office/drawing/2010/main" xmlns="">
+                <a14:hiddenFill xmlns="" xmlns:a14="http://schemas.microsoft.com/office/drawing/2010/main">
                   <a:blipFill dpi="0" rotWithShape="0">
                     <a:blip/>
                     <a:srcRect/>
@@ -13564,7 +13683,7 @@
                 </a14:hiddenFill>
               </a:ext>
               <a:ext uri="{91240B29-F687-4f45-9708-019B960494DF}">
-                <a14:hiddenLine xmlns:a14="http://schemas.microsoft.com/office/drawing/2010/main" xmlns="" w="9525">
+                <a14:hiddenLine xmlns="" xmlns:a14="http://schemas.microsoft.com/office/drawing/2010/main" w="9525">
                   <a:solidFill>
                     <a:srgbClr val="000000"/>
                   </a:solidFill>
@@ -13574,7 +13693,7 @@
                 </a14:hiddenLine>
               </a:ext>
               <a:ext uri="{AF507438-7753-43e0-B8FC-AC1667EBCBE1}">
-                <a14:hiddenEffects xmlns:a14="http://schemas.microsoft.com/office/drawing/2010/main" xmlns="">
+                <a14:hiddenEffects xmlns="" xmlns:a14="http://schemas.microsoft.com/office/drawing/2010/main">
                   <a:effectLst>
                     <a:outerShdw blurRad="63500" dist="38099" dir="2700000" algn="ctr" rotWithShape="0">
                       <a:srgbClr val="000000">
@@ -13707,7 +13826,7 @@
           <a:effectLst/>
           <a:extLst>
             <a:ext uri="{909E8E84-426E-40dd-AFC4-6F175D3DCCD1}">
-              <a14:hiddenFill xmlns="" xmlns:a14="http://schemas.microsoft.com/office/drawing/2010/main">
+              <a14:hiddenFill xmlns:a14="http://schemas.microsoft.com/office/drawing/2010/main" xmlns="">
                 <a:blipFill dpi="0" rotWithShape="0">
                   <a:blip/>
                   <a:srcRect/>
@@ -13718,7 +13837,7 @@
               </a14:hiddenFill>
             </a:ext>
             <a:ext uri="{91240B29-F687-4f45-9708-019B960494DF}">
-              <a14:hiddenLine xmlns="" xmlns:a14="http://schemas.microsoft.com/office/drawing/2010/main" w="9525">
+              <a14:hiddenLine xmlns:a14="http://schemas.microsoft.com/office/drawing/2010/main" xmlns="" w="9525">
                 <a:solidFill>
                   <a:srgbClr val="000000"/>
                 </a:solidFill>
@@ -13728,7 +13847,7 @@
               </a14:hiddenLine>
             </a:ext>
             <a:ext uri="{AF507438-7753-43e0-B8FC-AC1667EBCBE1}">
-              <a14:hiddenEffects xmlns="" xmlns:a14="http://schemas.microsoft.com/office/drawing/2010/main">
+              <a14:hiddenEffects xmlns:a14="http://schemas.microsoft.com/office/drawing/2010/main" xmlns="">
                 <a:effectLst>
                   <a:outerShdw blurRad="63500" dist="38099" dir="2700000" algn="ctr" rotWithShape="0">
                     <a:srgbClr val="000000">
@@ -13813,7 +13932,7 @@
           <a:effectLst/>
           <a:extLst>
             <a:ext uri="{909E8E84-426E-40dd-AFC4-6F175D3DCCD1}">
-              <a14:hiddenFill xmlns="" xmlns:a14="http://schemas.microsoft.com/office/drawing/2010/main">
+              <a14:hiddenFill xmlns:a14="http://schemas.microsoft.com/office/drawing/2010/main" xmlns="">
                 <a:blipFill dpi="0" rotWithShape="0">
                   <a:blip/>
                   <a:srcRect/>
@@ -13824,7 +13943,7 @@
               </a14:hiddenFill>
             </a:ext>
             <a:ext uri="{91240B29-F687-4f45-9708-019B960494DF}">
-              <a14:hiddenLine xmlns="" xmlns:a14="http://schemas.microsoft.com/office/drawing/2010/main" w="9525">
+              <a14:hiddenLine xmlns:a14="http://schemas.microsoft.com/office/drawing/2010/main" xmlns="" w="9525">
                 <a:solidFill>
                   <a:srgbClr val="000000"/>
                 </a:solidFill>
@@ -13834,7 +13953,7 @@
               </a14:hiddenLine>
             </a:ext>
             <a:ext uri="{AF507438-7753-43e0-B8FC-AC1667EBCBE1}">
-              <a14:hiddenEffects xmlns="" xmlns:a14="http://schemas.microsoft.com/office/drawing/2010/main">
+              <a14:hiddenEffects xmlns:a14="http://schemas.microsoft.com/office/drawing/2010/main" xmlns="">
                 <a:effectLst>
                   <a:outerShdw blurRad="63500" dist="38099" dir="2700000" algn="ctr" rotWithShape="0">
                     <a:srgbClr val="000000">
@@ -13919,7 +14038,7 @@
           <a:effectLst/>
           <a:extLst>
             <a:ext uri="{909E8E84-426E-40dd-AFC4-6F175D3DCCD1}">
-              <a14:hiddenFill xmlns="" xmlns:a14="http://schemas.microsoft.com/office/drawing/2010/main">
+              <a14:hiddenFill xmlns:a14="http://schemas.microsoft.com/office/drawing/2010/main" xmlns="">
                 <a:blipFill dpi="0" rotWithShape="0">
                   <a:blip/>
                   <a:srcRect/>
@@ -13930,7 +14049,7 @@
               </a14:hiddenFill>
             </a:ext>
             <a:ext uri="{91240B29-F687-4f45-9708-019B960494DF}">
-              <a14:hiddenLine xmlns="" xmlns:a14="http://schemas.microsoft.com/office/drawing/2010/main" w="9525">
+              <a14:hiddenLine xmlns:a14="http://schemas.microsoft.com/office/drawing/2010/main" xmlns="" w="9525">
                 <a:solidFill>
                   <a:srgbClr val="000000"/>
                 </a:solidFill>
@@ -13940,7 +14059,7 @@
               </a14:hiddenLine>
             </a:ext>
             <a:ext uri="{AF507438-7753-43e0-B8FC-AC1667EBCBE1}">
-              <a14:hiddenEffects xmlns="" xmlns:a14="http://schemas.microsoft.com/office/drawing/2010/main">
+              <a14:hiddenEffects xmlns:a14="http://schemas.microsoft.com/office/drawing/2010/main" xmlns="">
                 <a:effectLst>
                   <a:outerShdw blurRad="63500" dist="38099" dir="2700000" algn="ctr" rotWithShape="0">
                     <a:srgbClr val="000000">
@@ -14119,7 +14238,7 @@
           <a:effectLst/>
           <a:extLst>
             <a:ext uri="{909E8E84-426E-40dd-AFC4-6F175D3DCCD1}">
-              <a14:hiddenFill xmlns="" xmlns:a14="http://schemas.microsoft.com/office/drawing/2010/main">
+              <a14:hiddenFill xmlns:a14="http://schemas.microsoft.com/office/drawing/2010/main" xmlns="">
                 <a:blipFill dpi="0" rotWithShape="0">
                   <a:blip/>
                   <a:srcRect/>
@@ -14130,7 +14249,7 @@
               </a14:hiddenFill>
             </a:ext>
             <a:ext uri="{91240B29-F687-4f45-9708-019B960494DF}">
-              <a14:hiddenLine xmlns="" xmlns:a14="http://schemas.microsoft.com/office/drawing/2010/main" w="9525">
+              <a14:hiddenLine xmlns:a14="http://schemas.microsoft.com/office/drawing/2010/main" xmlns="" w="9525">
                 <a:solidFill>
                   <a:srgbClr val="000000"/>
                 </a:solidFill>
@@ -14140,7 +14259,7 @@
               </a14:hiddenLine>
             </a:ext>
             <a:ext uri="{AF507438-7753-43e0-B8FC-AC1667EBCBE1}">
-              <a14:hiddenEffects xmlns="" xmlns:a14="http://schemas.microsoft.com/office/drawing/2010/main">
+              <a14:hiddenEffects xmlns:a14="http://schemas.microsoft.com/office/drawing/2010/main" xmlns="">
                 <a:effectLst>
                   <a:outerShdw blurRad="63500" dist="38099" dir="2700000" algn="ctr" rotWithShape="0">
                     <a:srgbClr val="000000">
@@ -14218,7 +14337,7 @@
           <a:effectLst/>
           <a:extLst>
             <a:ext uri="{909E8E84-426E-40dd-AFC4-6F175D3DCCD1}">
-              <a14:hiddenFill xmlns="" xmlns:a14="http://schemas.microsoft.com/office/drawing/2010/main">
+              <a14:hiddenFill xmlns:a14="http://schemas.microsoft.com/office/drawing/2010/main" xmlns="">
                 <a:blipFill dpi="0" rotWithShape="0">
                   <a:blip/>
                   <a:srcRect/>
@@ -14229,7 +14348,7 @@
               </a14:hiddenFill>
             </a:ext>
             <a:ext uri="{91240B29-F687-4f45-9708-019B960494DF}">
-              <a14:hiddenLine xmlns="" xmlns:a14="http://schemas.microsoft.com/office/drawing/2010/main" w="9525">
+              <a14:hiddenLine xmlns:a14="http://schemas.microsoft.com/office/drawing/2010/main" xmlns="" w="9525">
                 <a:solidFill>
                   <a:srgbClr val="000000"/>
                 </a:solidFill>
@@ -14239,7 +14358,7 @@
               </a14:hiddenLine>
             </a:ext>
             <a:ext uri="{AF507438-7753-43e0-B8FC-AC1667EBCBE1}">
-              <a14:hiddenEffects xmlns="" xmlns:a14="http://schemas.microsoft.com/office/drawing/2010/main">
+              <a14:hiddenEffects xmlns:a14="http://schemas.microsoft.com/office/drawing/2010/main" xmlns="">
                 <a:effectLst>
                   <a:outerShdw blurRad="63500" dist="38099" dir="2700000" algn="ctr" rotWithShape="0">
                     <a:srgbClr val="000000">
@@ -15988,7 +16107,7 @@
           <a:p>
             <a:r>
               <a:rPr lang="en-US" sz="2800" dirty="0"/>
-              <a:t>Req. key T</a:t>
+              <a:t>Req.  T</a:t>
             </a:r>
           </a:p>
         </p:txBody>
@@ -16104,7 +16223,7 @@
           <a:effectLst/>
           <a:extLst>
             <a:ext uri="{909E8E84-426E-40dd-AFC4-6F175D3DCCD1}">
-              <a14:hiddenFill xmlns:a14="http://schemas.microsoft.com/office/drawing/2010/main" xmlns="">
+              <a14:hiddenFill xmlns="" xmlns:a14="http://schemas.microsoft.com/office/drawing/2010/main">
                 <a:blipFill dpi="0" rotWithShape="0">
                   <a:blip/>
                   <a:srcRect/>
@@ -16115,7 +16234,7 @@
               </a14:hiddenFill>
             </a:ext>
             <a:ext uri="{91240B29-F687-4f45-9708-019B960494DF}">
-              <a14:hiddenLine xmlns:a14="http://schemas.microsoft.com/office/drawing/2010/main" xmlns="" w="9525">
+              <a14:hiddenLine xmlns="" xmlns:a14="http://schemas.microsoft.com/office/drawing/2010/main" w="9525">
                 <a:solidFill>
                   <a:srgbClr val="000000"/>
                 </a:solidFill>
@@ -16125,7 +16244,7 @@
               </a14:hiddenLine>
             </a:ext>
             <a:ext uri="{AF507438-7753-43e0-B8FC-AC1667EBCBE1}">
-              <a14:hiddenEffects xmlns:a14="http://schemas.microsoft.com/office/drawing/2010/main" xmlns="">
+              <a14:hiddenEffects xmlns="" xmlns:a14="http://schemas.microsoft.com/office/drawing/2010/main">
                 <a:effectLst>
                   <a:outerShdw blurRad="63500" dist="38099" dir="2700000" algn="ctr" rotWithShape="0">
                     <a:srgbClr val="000000">
@@ -16285,7 +16404,7 @@
           <a:effectLst/>
           <a:extLst>
             <a:ext uri="{909E8E84-426E-40dd-AFC4-6F175D3DCCD1}">
-              <a14:hiddenFill xmlns:a14="http://schemas.microsoft.com/office/drawing/2010/main" xmlns="">
+              <a14:hiddenFill xmlns="" xmlns:a14="http://schemas.microsoft.com/office/drawing/2010/main">
                 <a:blipFill dpi="0" rotWithShape="0">
                   <a:blip/>
                   <a:srcRect/>
@@ -16296,7 +16415,7 @@
               </a14:hiddenFill>
             </a:ext>
             <a:ext uri="{91240B29-F687-4f45-9708-019B960494DF}">
-              <a14:hiddenLine xmlns:a14="http://schemas.microsoft.com/office/drawing/2010/main" xmlns="" w="9525">
+              <a14:hiddenLine xmlns="" xmlns:a14="http://schemas.microsoft.com/office/drawing/2010/main" w="9525">
                 <a:solidFill>
                   <a:srgbClr val="000000"/>
                 </a:solidFill>
@@ -16306,7 +16425,7 @@
               </a14:hiddenLine>
             </a:ext>
             <a:ext uri="{AF507438-7753-43e0-B8FC-AC1667EBCBE1}">
-              <a14:hiddenEffects xmlns:a14="http://schemas.microsoft.com/office/drawing/2010/main" xmlns="">
+              <a14:hiddenEffects xmlns="" xmlns:a14="http://schemas.microsoft.com/office/drawing/2010/main">
                 <a:effectLst>
                   <a:outerShdw blurRad="63500" dist="38099" dir="2700000" algn="ctr" rotWithShape="0">
                     <a:srgbClr val="000000">
@@ -17740,7 +17859,7 @@
           <a:p>
             <a:r>
               <a:rPr lang="en-US" sz="2800" dirty="0"/>
-              <a:t>Req. key T</a:t>
+              <a:t>Req. T</a:t>
             </a:r>
           </a:p>
         </p:txBody>
@@ -18105,7 +18224,7 @@
           <a:effectLst/>
           <a:extLst>
             <a:ext uri="{909E8E84-426E-40dd-AFC4-6F175D3DCCD1}">
-              <a14:hiddenFill xmlns:a14="http://schemas.microsoft.com/office/drawing/2010/main" xmlns="">
+              <a14:hiddenFill xmlns="" xmlns:a14="http://schemas.microsoft.com/office/drawing/2010/main">
                 <a:blipFill dpi="0" rotWithShape="0">
                   <a:blip/>
                   <a:srcRect/>
@@ -18116,7 +18235,7 @@
               </a14:hiddenFill>
             </a:ext>
             <a:ext uri="{91240B29-F687-4f45-9708-019B960494DF}">
-              <a14:hiddenLine xmlns:a14="http://schemas.microsoft.com/office/drawing/2010/main" xmlns="" w="9525">
+              <a14:hiddenLine xmlns="" xmlns:a14="http://schemas.microsoft.com/office/drawing/2010/main" w="9525">
                 <a:solidFill>
                   <a:srgbClr val="000000"/>
                 </a:solidFill>
@@ -18126,7 +18245,7 @@
               </a14:hiddenLine>
             </a:ext>
             <a:ext uri="{AF507438-7753-43e0-B8FC-AC1667EBCBE1}">
-              <a14:hiddenEffects xmlns:a14="http://schemas.microsoft.com/office/drawing/2010/main" xmlns="">
+              <a14:hiddenEffects xmlns="" xmlns:a14="http://schemas.microsoft.com/office/drawing/2010/main">
                 <a:effectLst>
                   <a:outerShdw blurRad="63500" dist="38099" dir="2700000" algn="ctr" rotWithShape="0">
                     <a:srgbClr val="000000">
@@ -18219,7 +18338,7 @@
           <a:effectLst/>
           <a:extLst>
             <a:ext uri="{909E8E84-426E-40dd-AFC4-6F175D3DCCD1}">
-              <a14:hiddenFill xmlns:a14="http://schemas.microsoft.com/office/drawing/2010/main" xmlns="">
+              <a14:hiddenFill xmlns="" xmlns:a14="http://schemas.microsoft.com/office/drawing/2010/main">
                 <a:blipFill dpi="0" rotWithShape="0">
                   <a:blip/>
                   <a:srcRect/>
@@ -18230,7 +18349,7 @@
               </a14:hiddenFill>
             </a:ext>
             <a:ext uri="{91240B29-F687-4f45-9708-019B960494DF}">
-              <a14:hiddenLine xmlns:a14="http://schemas.microsoft.com/office/drawing/2010/main" xmlns="" w="9525">
+              <a14:hiddenLine xmlns="" xmlns:a14="http://schemas.microsoft.com/office/drawing/2010/main" w="9525">
                 <a:solidFill>
                   <a:srgbClr val="000000"/>
                 </a:solidFill>
@@ -18240,7 +18359,7 @@
               </a14:hiddenLine>
             </a:ext>
             <a:ext uri="{AF507438-7753-43e0-B8FC-AC1667EBCBE1}">
-              <a14:hiddenEffects xmlns:a14="http://schemas.microsoft.com/office/drawing/2010/main" xmlns="">
+              <a14:hiddenEffects xmlns="" xmlns:a14="http://schemas.microsoft.com/office/drawing/2010/main">
                 <a:effectLst>
                   <a:outerShdw blurRad="63500" dist="38099" dir="2700000" algn="ctr" rotWithShape="0">
                     <a:srgbClr val="000000">
@@ -21112,7 +21231,7 @@
           <a:effectLst/>
           <a:extLst>
             <a:ext uri="{909E8E84-426E-40dd-AFC4-6F175D3DCCD1}">
-              <a14:hiddenFill xmlns:a14="http://schemas.microsoft.com/office/drawing/2010/main" xmlns="">
+              <a14:hiddenFill xmlns="" xmlns:a14="http://schemas.microsoft.com/office/drawing/2010/main">
                 <a:blipFill dpi="0" rotWithShape="0">
                   <a:blip/>
                   <a:srcRect/>
@@ -21123,7 +21242,7 @@
               </a14:hiddenFill>
             </a:ext>
             <a:ext uri="{91240B29-F687-4f45-9708-019B960494DF}">
-              <a14:hiddenLine xmlns:a14="http://schemas.microsoft.com/office/drawing/2010/main" xmlns="" w="9525">
+              <a14:hiddenLine xmlns="" xmlns:a14="http://schemas.microsoft.com/office/drawing/2010/main" w="9525">
                 <a:solidFill>
                   <a:srgbClr val="000000"/>
                 </a:solidFill>
@@ -21133,7 +21252,7 @@
               </a14:hiddenLine>
             </a:ext>
             <a:ext uri="{AF507438-7753-43e0-B8FC-AC1667EBCBE1}">
-              <a14:hiddenEffects xmlns:a14="http://schemas.microsoft.com/office/drawing/2010/main" xmlns="">
+              <a14:hiddenEffects xmlns="" xmlns:a14="http://schemas.microsoft.com/office/drawing/2010/main">
                 <a:effectLst>
                   <a:outerShdw blurRad="63500" dist="38099" dir="2700000" algn="ctr" rotWithShape="0">
                     <a:srgbClr val="000000">
@@ -21212,7 +21331,7 @@
           <a:effectLst/>
           <a:extLst>
             <a:ext uri="{909E8E84-426E-40dd-AFC4-6F175D3DCCD1}">
-              <a14:hiddenFill xmlns:a14="http://schemas.microsoft.com/office/drawing/2010/main" xmlns="">
+              <a14:hiddenFill xmlns="" xmlns:a14="http://schemas.microsoft.com/office/drawing/2010/main">
                 <a:blipFill dpi="0" rotWithShape="0">
                   <a:blip/>
                   <a:srcRect/>
@@ -21223,7 +21342,7 @@
               </a14:hiddenFill>
             </a:ext>
             <a:ext uri="{91240B29-F687-4f45-9708-019B960494DF}">
-              <a14:hiddenLine xmlns:a14="http://schemas.microsoft.com/office/drawing/2010/main" xmlns="" w="9525">
+              <a14:hiddenLine xmlns="" xmlns:a14="http://schemas.microsoft.com/office/drawing/2010/main" w="9525">
                 <a:solidFill>
                   <a:srgbClr val="000000"/>
                 </a:solidFill>
@@ -21233,7 +21352,7 @@
               </a14:hiddenLine>
             </a:ext>
             <a:ext uri="{AF507438-7753-43e0-B8FC-AC1667EBCBE1}">
-              <a14:hiddenEffects xmlns:a14="http://schemas.microsoft.com/office/drawing/2010/main" xmlns="">
+              <a14:hiddenEffects xmlns="" xmlns:a14="http://schemas.microsoft.com/office/drawing/2010/main">
                 <a:effectLst>
                   <a:outerShdw blurRad="63500" dist="38099" dir="2700000" algn="ctr" rotWithShape="0">
                     <a:srgbClr val="000000">
@@ -22511,19 +22630,7 @@
                   <a:srgbClr val="FF0000"/>
                 </a:solidFill>
               </a:rPr>
-              <a:t>T</a:t>
-            </a:r>
-            <a:r>
-              <a:rPr lang="en-US" sz="2800" dirty="0" err="1"/>
-              <a:t>,</a:t>
-            </a:r>
-            <a:r>
-              <a:rPr lang="en-US" sz="2800" dirty="0" err="1">
-                <a:solidFill>
-                  <a:srgbClr val="FF0000"/>
-                </a:solidFill>
-              </a:rPr>
-              <a:t>S</a:t>
+              <a:t>T,S</a:t>
             </a:r>
             <a:r>
               <a:rPr lang="en-US" sz="2800" baseline="-25000" dirty="0" err="1">
@@ -22828,7 +22935,7 @@
           <a:effectLst/>
           <a:extLst>
             <a:ext uri="{909E8E84-426E-40dd-AFC4-6F175D3DCCD1}">
-              <a14:hiddenFill xmlns:a14="http://schemas.microsoft.com/office/drawing/2010/main" xmlns="">
+              <a14:hiddenFill xmlns="" xmlns:a14="http://schemas.microsoft.com/office/drawing/2010/main">
                 <a:blipFill dpi="0" rotWithShape="0">
                   <a:blip/>
                   <a:srcRect/>
@@ -22839,7 +22946,7 @@
               </a14:hiddenFill>
             </a:ext>
             <a:ext uri="{91240B29-F687-4f45-9708-019B960494DF}">
-              <a14:hiddenLine xmlns:a14="http://schemas.microsoft.com/office/drawing/2010/main" xmlns="" w="9525">
+              <a14:hiddenLine xmlns="" xmlns:a14="http://schemas.microsoft.com/office/drawing/2010/main" w="9525">
                 <a:solidFill>
                   <a:srgbClr val="000000"/>
                 </a:solidFill>
@@ -22849,7 +22956,7 @@
               </a14:hiddenLine>
             </a:ext>
             <a:ext uri="{AF507438-7753-43e0-B8FC-AC1667EBCBE1}">
-              <a14:hiddenEffects xmlns:a14="http://schemas.microsoft.com/office/drawing/2010/main" xmlns="">
+              <a14:hiddenEffects xmlns="" xmlns:a14="http://schemas.microsoft.com/office/drawing/2010/main">
                 <a:effectLst>
                   <a:outerShdw blurRad="63500" dist="38099" dir="2700000" algn="ctr" rotWithShape="0">
                     <a:srgbClr val="000000">
@@ -24497,7 +24604,7 @@
           <a:effectLst/>
           <a:extLst>
             <a:ext uri="{909E8E84-426E-40dd-AFC4-6F175D3DCCD1}">
-              <a14:hiddenFill xmlns:a14="http://schemas.microsoft.com/office/drawing/2010/main" xmlns="">
+              <a14:hiddenFill xmlns="" xmlns:a14="http://schemas.microsoft.com/office/drawing/2010/main">
                 <a:blipFill dpi="0" rotWithShape="0">
                   <a:blip/>
                   <a:srcRect/>
@@ -24508,7 +24615,7 @@
               </a14:hiddenFill>
             </a:ext>
             <a:ext uri="{91240B29-F687-4f45-9708-019B960494DF}">
-              <a14:hiddenLine xmlns:a14="http://schemas.microsoft.com/office/drawing/2010/main" xmlns="" w="9525">
+              <a14:hiddenLine xmlns="" xmlns:a14="http://schemas.microsoft.com/office/drawing/2010/main" w="9525">
                 <a:solidFill>
                   <a:srgbClr val="000000"/>
                 </a:solidFill>
@@ -24518,7 +24625,7 @@
               </a14:hiddenLine>
             </a:ext>
             <a:ext uri="{AF507438-7753-43e0-B8FC-AC1667EBCBE1}">
-              <a14:hiddenEffects xmlns:a14="http://schemas.microsoft.com/office/drawing/2010/main" xmlns="">
+              <a14:hiddenEffects xmlns="" xmlns:a14="http://schemas.microsoft.com/office/drawing/2010/main">
                 <a:effectLst>
                   <a:outerShdw blurRad="63500" dist="38099" dir="2700000" algn="ctr" rotWithShape="0">
                     <a:srgbClr val="000000">
@@ -25880,7 +25987,7 @@
           <a:effectLst/>
           <a:extLst>
             <a:ext uri="{909E8E84-426E-40dd-AFC4-6F175D3DCCD1}">
-              <a14:hiddenFill xmlns:a14="http://schemas.microsoft.com/office/drawing/2010/main" xmlns="">
+              <a14:hiddenFill xmlns="" xmlns:a14="http://schemas.microsoft.com/office/drawing/2010/main">
                 <a:blipFill dpi="0" rotWithShape="0">
                   <a:blip/>
                   <a:srcRect/>
@@ -25891,7 +25998,7 @@
               </a14:hiddenFill>
             </a:ext>
             <a:ext uri="{91240B29-F687-4f45-9708-019B960494DF}">
-              <a14:hiddenLine xmlns:a14="http://schemas.microsoft.com/office/drawing/2010/main" xmlns="" w="9525">
+              <a14:hiddenLine xmlns="" xmlns:a14="http://schemas.microsoft.com/office/drawing/2010/main" w="9525">
                 <a:solidFill>
                   <a:srgbClr val="000000"/>
                 </a:solidFill>
@@ -25901,7 +26008,7 @@
               </a14:hiddenLine>
             </a:ext>
             <a:ext uri="{AF507438-7753-43e0-B8FC-AC1667EBCBE1}">
-              <a14:hiddenEffects xmlns:a14="http://schemas.microsoft.com/office/drawing/2010/main" xmlns="">
+              <a14:hiddenEffects xmlns="" xmlns:a14="http://schemas.microsoft.com/office/drawing/2010/main">
                 <a:effectLst>
                   <a:outerShdw blurRad="63500" dist="38099" dir="2700000" algn="ctr" rotWithShape="0">
                     <a:srgbClr val="000000">
@@ -26032,7 +26139,7 @@
           <a:effectLst/>
           <a:extLst>
             <a:ext uri="{909E8E84-426E-40dd-AFC4-6F175D3DCCD1}">
-              <a14:hiddenFill xmlns:a14="http://schemas.microsoft.com/office/drawing/2010/main" xmlns="">
+              <a14:hiddenFill xmlns="" xmlns:a14="http://schemas.microsoft.com/office/drawing/2010/main">
                 <a:blipFill dpi="0" rotWithShape="0">
                   <a:blip/>
                   <a:srcRect/>
@@ -26043,7 +26150,7 @@
               </a14:hiddenFill>
             </a:ext>
             <a:ext uri="{91240B29-F687-4f45-9708-019B960494DF}">
-              <a14:hiddenLine xmlns:a14="http://schemas.microsoft.com/office/drawing/2010/main" xmlns="" w="9525">
+              <a14:hiddenLine xmlns="" xmlns:a14="http://schemas.microsoft.com/office/drawing/2010/main" w="9525">
                 <a:solidFill>
                   <a:srgbClr val="000000"/>
                 </a:solidFill>
@@ -26053,7 +26160,7 @@
               </a14:hiddenLine>
             </a:ext>
             <a:ext uri="{AF507438-7753-43e0-B8FC-AC1667EBCBE1}">
-              <a14:hiddenEffects xmlns:a14="http://schemas.microsoft.com/office/drawing/2010/main" xmlns="">
+              <a14:hiddenEffects xmlns="" xmlns:a14="http://schemas.microsoft.com/office/drawing/2010/main">
                 <a:effectLst>
                   <a:outerShdw blurRad="63500" dist="38099" dir="2700000" algn="ctr" rotWithShape="0">
                     <a:srgbClr val="000000">
@@ -26237,7 +26344,7 @@
           <a:p>
             <a:r>
               <a:rPr lang="en-US" dirty="0"/>
-              <a:t>Let’s represent the state update function as a function </a:t>
+              <a:t>Let’s represent the aggregation function as a function </a:t>
             </a:r>
             <a:r>
               <a:rPr lang="en-US" dirty="0">
@@ -28388,10 +28495,9 @@
           <a:lstStyle/>
           <a:p>
             <a:r>
-              <a:rPr lang="en-US" sz="2800"/>
-              <a:t>Functions of a bounded number of packets in the past</a:t>
-            </a:r>
-            <a:endParaRPr lang="en-US" sz="2800" dirty="0"/>
+              <a:rPr lang="en-US" sz="2800" dirty="0"/>
+              <a:t>Functions of a constant number of packets in the past</a:t>
+            </a:r>
           </a:p>
         </p:txBody>
       </p:sp>
@@ -30586,12 +30692,12 @@
                         <m:t> </m:t>
                       </m:r>
                       <m:r>
-                        <a:rPr lang="en-US" sz="2800" i="1" dirty="0">
+                        <a:rPr lang="en-US" sz="2800" b="0" i="1" dirty="0" smtClean="0">
                           <a:latin typeface="Cambria Math" panose="02040503050406030204" pitchFamily="18" charset="0"/>
                           <a:ea typeface="Ayuthaya" charset="-34"/>
                           <a:cs typeface="Consolas" charset="0"/>
                         </a:rPr>
-                        <m:t>𝑣𝑎𝑙𝑢𝑒</m:t>
+                        <m:t>𝑠𝑡𝑎𝑡𝑒</m:t>
                       </m:r>
                       <m:r>
                         <a:rPr lang="en-US" sz="2800" i="1" dirty="0">
@@ -31085,7 +31191,7 @@
                     <a:ea typeface="Ayuthaya" charset="-34"/>
                     <a:cs typeface="Consolas" charset="0"/>
                   </a:rPr>
-                  <a:t>Small extra state: only number of packets (N), instead of storing each packet</a:t>
+                  <a:t>Small extra state: only number of packets (N), instead of storing per-packet information</a:t>
                 </a:r>
               </a:p>
               <a:p>
@@ -31570,11 +31676,7 @@
                                           </p:stCondLst>
                                         </p:cTn>
                                         <p:tgtEl>
-                                          <p:spTgt spid="3">
-                                            <p:txEl>
-                                              <p:pRg st="1" end="1"/>
-                                            </p:txEl>
-                                          </p:spTgt>
+                                          <p:spTgt spid="13"/>
                                         </p:tgtEl>
                                         <p:attrNameLst>
                                           <p:attrName>style.visibility</p:attrName>
@@ -31621,7 +31723,7 @@
                                         <p:tgtEl>
                                           <p:spTgt spid="3">
                                             <p:txEl>
-                                              <p:pRg st="2" end="2"/>
+                                              <p:pRg st="1" end="1"/>
                                             </p:txEl>
                                           </p:spTgt>
                                         </p:tgtEl>
@@ -31670,7 +31772,7 @@
                                         <p:tgtEl>
                                           <p:spTgt spid="3">
                                             <p:txEl>
-                                              <p:pRg st="3" end="3"/>
+                                              <p:pRg st="2" end="2"/>
                                             </p:txEl>
                                           </p:spTgt>
                                         </p:tgtEl>
@@ -31719,7 +31821,7 @@
                                         <p:tgtEl>
                                           <p:spTgt spid="3">
                                             <p:txEl>
-                                              <p:pRg st="4" end="4"/>
+                                              <p:pRg st="3" end="3"/>
                                             </p:txEl>
                                           </p:spTgt>
                                         </p:tgtEl>
@@ -31768,7 +31870,7 @@
                                         <p:tgtEl>
                                           <p:spTgt spid="3">
                                             <p:txEl>
-                                              <p:pRg st="6" end="6"/>
+                                              <p:pRg st="4" end="4"/>
                                             </p:txEl>
                                           </p:spTgt>
                                         </p:tgtEl>
@@ -31815,7 +31917,11 @@
                                           </p:stCondLst>
                                         </p:cTn>
                                         <p:tgtEl>
-                                          <p:spTgt spid="13"/>
+                                          <p:spTgt spid="3">
+                                            <p:txEl>
+                                              <p:pRg st="6" end="6"/>
+                                            </p:txEl>
+                                          </p:spTgt>
                                         </p:tgtEl>
                                         <p:attrNameLst>
                                           <p:attrName>style.visibility</p:attrName>
@@ -33756,7 +33862,7 @@
           <a:effectLst/>
           <a:extLst>
             <a:ext uri="{909E8E84-426E-40dd-AFC4-6F175D3DCCD1}">
-              <a14:hiddenFill xmlns="" xmlns:a14="http://schemas.microsoft.com/office/drawing/2010/main">
+              <a14:hiddenFill xmlns:a14="http://schemas.microsoft.com/office/drawing/2010/main" xmlns="">
                 <a:blipFill dpi="0" rotWithShape="0">
                   <a:blip/>
                   <a:srcRect/>
@@ -33767,7 +33873,7 @@
               </a14:hiddenFill>
             </a:ext>
             <a:ext uri="{91240B29-F687-4f45-9708-019B960494DF}">
-              <a14:hiddenLine xmlns="" xmlns:a14="http://schemas.microsoft.com/office/drawing/2010/main" w="9525">
+              <a14:hiddenLine xmlns:a14="http://schemas.microsoft.com/office/drawing/2010/main" xmlns="" w="9525">
                 <a:solidFill>
                   <a:srgbClr val="000000"/>
                 </a:solidFill>
@@ -33777,7 +33883,7 @@
               </a14:hiddenLine>
             </a:ext>
             <a:ext uri="{AF507438-7753-43e0-B8FC-AC1667EBCBE1}">
-              <a14:hiddenEffects xmlns="" xmlns:a14="http://schemas.microsoft.com/office/drawing/2010/main">
+              <a14:hiddenEffects xmlns:a14="http://schemas.microsoft.com/office/drawing/2010/main" xmlns="">
                 <a:effectLst>
                   <a:outerShdw blurRad="63500" dist="38099" dir="2700000" algn="ctr" rotWithShape="0">
                     <a:srgbClr val="000000">

--- a/marple.pptx
+++ b/marple.pptx
@@ -11385,7 +11385,7 @@
             </a:r>
             <a:r>
               <a:rPr lang="is-IS" dirty="0"/>
-              <a:t>at switch‘s line rate (1 pkt/ns)</a:t>
+              <a:t>at line rate (1 pkt/ns)</a:t>
             </a:r>
           </a:p>
           <a:p>
@@ -12190,7 +12190,7 @@
           <a:effectLst/>
           <a:extLst>
             <a:ext uri="{909E8E84-426E-40dd-AFC4-6F175D3DCCD1}">
-              <a14:hiddenFill xmlns:a14="http://schemas.microsoft.com/office/drawing/2010/main" xmlns="">
+              <a14:hiddenFill xmlns="" xmlns:a14="http://schemas.microsoft.com/office/drawing/2010/main">
                 <a:blipFill dpi="0" rotWithShape="0">
                   <a:blip/>
                   <a:srcRect/>
@@ -12201,7 +12201,7 @@
               </a14:hiddenFill>
             </a:ext>
             <a:ext uri="{91240B29-F687-4f45-9708-019B960494DF}">
-              <a14:hiddenLine xmlns:a14="http://schemas.microsoft.com/office/drawing/2010/main" xmlns="" w="9525">
+              <a14:hiddenLine xmlns="" xmlns:a14="http://schemas.microsoft.com/office/drawing/2010/main" w="9525">
                 <a:solidFill>
                   <a:srgbClr val="000000"/>
                 </a:solidFill>
@@ -12211,7 +12211,7 @@
               </a14:hiddenLine>
             </a:ext>
             <a:ext uri="{AF507438-7753-43e0-B8FC-AC1667EBCBE1}">
-              <a14:hiddenEffects xmlns:a14="http://schemas.microsoft.com/office/drawing/2010/main" xmlns="">
+              <a14:hiddenEffects xmlns="" xmlns:a14="http://schemas.microsoft.com/office/drawing/2010/main">
                 <a:effectLst>
                   <a:outerShdw blurRad="63500" dist="38099" dir="2700000" algn="ctr" rotWithShape="0">
                     <a:srgbClr val="000000">
@@ -12260,7 +12260,7 @@
           <a:effectLst/>
           <a:extLst>
             <a:ext uri="{909E8E84-426E-40dd-AFC4-6F175D3DCCD1}">
-              <a14:hiddenFill xmlns:a14="http://schemas.microsoft.com/office/drawing/2010/main" xmlns="">
+              <a14:hiddenFill xmlns="" xmlns:a14="http://schemas.microsoft.com/office/drawing/2010/main">
                 <a:blipFill dpi="0" rotWithShape="0">
                   <a:blip/>
                   <a:srcRect/>
@@ -12271,7 +12271,7 @@
               </a14:hiddenFill>
             </a:ext>
             <a:ext uri="{91240B29-F687-4f45-9708-019B960494DF}">
-              <a14:hiddenLine xmlns:a14="http://schemas.microsoft.com/office/drawing/2010/main" xmlns="" w="9525">
+              <a14:hiddenLine xmlns="" xmlns:a14="http://schemas.microsoft.com/office/drawing/2010/main" w="9525">
                 <a:solidFill>
                   <a:srgbClr val="000000"/>
                 </a:solidFill>
@@ -12281,7 +12281,7 @@
               </a14:hiddenLine>
             </a:ext>
             <a:ext uri="{AF507438-7753-43e0-B8FC-AC1667EBCBE1}">
-              <a14:hiddenEffects xmlns:a14="http://schemas.microsoft.com/office/drawing/2010/main" xmlns="">
+              <a14:hiddenEffects xmlns="" xmlns:a14="http://schemas.microsoft.com/office/drawing/2010/main">
                 <a:effectLst>
                   <a:outerShdw blurRad="63500" dist="38099" dir="2700000" algn="ctr" rotWithShape="0">
                     <a:srgbClr val="000000">
@@ -12416,7 +12416,7 @@
             <a:effectLst/>
             <a:extLst>
               <a:ext uri="{909E8E84-426E-40dd-AFC4-6F175D3DCCD1}">
-                <a14:hiddenFill xmlns="" xmlns:a14="http://schemas.microsoft.com/office/drawing/2010/main">
+                <a14:hiddenFill xmlns:a14="http://schemas.microsoft.com/office/drawing/2010/main" xmlns="">
                   <a:blipFill dpi="0" rotWithShape="0">
                     <a:blip/>
                     <a:srcRect/>
@@ -12427,7 +12427,7 @@
                 </a14:hiddenFill>
               </a:ext>
               <a:ext uri="{91240B29-F687-4f45-9708-019B960494DF}">
-                <a14:hiddenLine xmlns="" xmlns:a14="http://schemas.microsoft.com/office/drawing/2010/main" w="9525">
+                <a14:hiddenLine xmlns:a14="http://schemas.microsoft.com/office/drawing/2010/main" xmlns="" w="9525">
                   <a:solidFill>
                     <a:srgbClr val="000000"/>
                   </a:solidFill>
@@ -12437,7 +12437,7 @@
                 </a14:hiddenLine>
               </a:ext>
               <a:ext uri="{AF507438-7753-43e0-B8FC-AC1667EBCBE1}">
-                <a14:hiddenEffects xmlns="" xmlns:a14="http://schemas.microsoft.com/office/drawing/2010/main">
+                <a14:hiddenEffects xmlns:a14="http://schemas.microsoft.com/office/drawing/2010/main" xmlns="">
                   <a:effectLst>
                     <a:outerShdw blurRad="63500" dist="38099" dir="2700000" algn="ctr" rotWithShape="0">
                       <a:srgbClr val="000000">
@@ -12486,7 +12486,7 @@
             <a:effectLst/>
             <a:extLst>
               <a:ext uri="{909E8E84-426E-40dd-AFC4-6F175D3DCCD1}">
-                <a14:hiddenFill xmlns="" xmlns:a14="http://schemas.microsoft.com/office/drawing/2010/main">
+                <a14:hiddenFill xmlns:a14="http://schemas.microsoft.com/office/drawing/2010/main" xmlns="">
                   <a:blipFill dpi="0" rotWithShape="0">
                     <a:blip/>
                     <a:srcRect/>
@@ -12497,7 +12497,7 @@
                 </a14:hiddenFill>
               </a:ext>
               <a:ext uri="{91240B29-F687-4f45-9708-019B960494DF}">
-                <a14:hiddenLine xmlns="" xmlns:a14="http://schemas.microsoft.com/office/drawing/2010/main" w="9525">
+                <a14:hiddenLine xmlns:a14="http://schemas.microsoft.com/office/drawing/2010/main" xmlns="" w="9525">
                   <a:solidFill>
                     <a:srgbClr val="000000"/>
                   </a:solidFill>
@@ -12507,7 +12507,7 @@
                 </a14:hiddenLine>
               </a:ext>
               <a:ext uri="{AF507438-7753-43e0-B8FC-AC1667EBCBE1}">
-                <a14:hiddenEffects xmlns="" xmlns:a14="http://schemas.microsoft.com/office/drawing/2010/main">
+                <a14:hiddenEffects xmlns:a14="http://schemas.microsoft.com/office/drawing/2010/main" xmlns="">
                   <a:effectLst>
                     <a:outerShdw blurRad="63500" dist="38099" dir="2700000" algn="ctr" rotWithShape="0">
                       <a:srgbClr val="000000">
@@ -12556,7 +12556,7 @@
             <a:effectLst/>
             <a:extLst>
               <a:ext uri="{909E8E84-426E-40dd-AFC4-6F175D3DCCD1}">
-                <a14:hiddenFill xmlns="" xmlns:a14="http://schemas.microsoft.com/office/drawing/2010/main">
+                <a14:hiddenFill xmlns:a14="http://schemas.microsoft.com/office/drawing/2010/main" xmlns="">
                   <a:blipFill dpi="0" rotWithShape="0">
                     <a:blip/>
                     <a:srcRect/>
@@ -12567,7 +12567,7 @@
                 </a14:hiddenFill>
               </a:ext>
               <a:ext uri="{91240B29-F687-4f45-9708-019B960494DF}">
-                <a14:hiddenLine xmlns="" xmlns:a14="http://schemas.microsoft.com/office/drawing/2010/main" w="9525">
+                <a14:hiddenLine xmlns:a14="http://schemas.microsoft.com/office/drawing/2010/main" xmlns="" w="9525">
                   <a:solidFill>
                     <a:srgbClr val="000000"/>
                   </a:solidFill>
@@ -12577,7 +12577,7 @@
                 </a14:hiddenLine>
               </a:ext>
               <a:ext uri="{AF507438-7753-43e0-B8FC-AC1667EBCBE1}">
-                <a14:hiddenEffects xmlns="" xmlns:a14="http://schemas.microsoft.com/office/drawing/2010/main">
+                <a14:hiddenEffects xmlns:a14="http://schemas.microsoft.com/office/drawing/2010/main" xmlns="">
                   <a:effectLst>
                     <a:outerShdw blurRad="63500" dist="38099" dir="2700000" algn="ctr" rotWithShape="0">
                       <a:srgbClr val="000000">
@@ -12618,12 +12618,12 @@
             <a:effectLst/>
             <a:extLst>
               <a:ext uri="{909E8E84-426E-40dd-AFC4-6F175D3DCCD1}">
-                <a14:hiddenFill xmlns="" xmlns:a14="http://schemas.microsoft.com/office/drawing/2010/main">
+                <a14:hiddenFill xmlns:a14="http://schemas.microsoft.com/office/drawing/2010/main" xmlns="">
                   <a:noFill/>
                 </a14:hiddenFill>
               </a:ext>
               <a:ext uri="{AF507438-7753-43e0-B8FC-AC1667EBCBE1}">
-                <a14:hiddenEffects xmlns="" xmlns:a14="http://schemas.microsoft.com/office/drawing/2010/main">
+                <a14:hiddenEffects xmlns:a14="http://schemas.microsoft.com/office/drawing/2010/main" xmlns="">
                   <a:effectLst>
                     <a:outerShdw blurRad="63500" dist="38099" dir="2700000" algn="ctr" rotWithShape="0">
                       <a:srgbClr val="000000">
@@ -12676,12 +12676,12 @@
             <a:effectLst/>
             <a:extLst>
               <a:ext uri="{909E8E84-426E-40dd-AFC4-6F175D3DCCD1}">
-                <a14:hiddenFill xmlns="" xmlns:a14="http://schemas.microsoft.com/office/drawing/2010/main">
+                <a14:hiddenFill xmlns:a14="http://schemas.microsoft.com/office/drawing/2010/main" xmlns="">
                   <a:noFill/>
                 </a14:hiddenFill>
               </a:ext>
               <a:ext uri="{AF507438-7753-43e0-B8FC-AC1667EBCBE1}">
-                <a14:hiddenEffects xmlns="" xmlns:a14="http://schemas.microsoft.com/office/drawing/2010/main">
+                <a14:hiddenEffects xmlns:a14="http://schemas.microsoft.com/office/drawing/2010/main" xmlns="">
                   <a:effectLst>
                     <a:outerShdw blurRad="63500" dist="38099" dir="2700000" algn="ctr" rotWithShape="0">
                       <a:srgbClr val="000000">
@@ -12734,12 +12734,12 @@
             <a:effectLst/>
             <a:extLst>
               <a:ext uri="{909E8E84-426E-40dd-AFC4-6F175D3DCCD1}">
-                <a14:hiddenFill xmlns="" xmlns:a14="http://schemas.microsoft.com/office/drawing/2010/main">
+                <a14:hiddenFill xmlns:a14="http://schemas.microsoft.com/office/drawing/2010/main" xmlns="">
                   <a:noFill/>
                 </a14:hiddenFill>
               </a:ext>
               <a:ext uri="{AF507438-7753-43e0-B8FC-AC1667EBCBE1}">
-                <a14:hiddenEffects xmlns="" xmlns:a14="http://schemas.microsoft.com/office/drawing/2010/main">
+                <a14:hiddenEffects xmlns:a14="http://schemas.microsoft.com/office/drawing/2010/main" xmlns="">
                   <a:effectLst>
                     <a:outerShdw blurRad="63500" dist="38099" dir="2700000" algn="ctr" rotWithShape="0">
                       <a:srgbClr val="000000">
@@ -12792,12 +12792,12 @@
             <a:effectLst/>
             <a:extLst>
               <a:ext uri="{909E8E84-426E-40dd-AFC4-6F175D3DCCD1}">
-                <a14:hiddenFill xmlns="" xmlns:a14="http://schemas.microsoft.com/office/drawing/2010/main">
+                <a14:hiddenFill xmlns:a14="http://schemas.microsoft.com/office/drawing/2010/main" xmlns="">
                   <a:noFill/>
                 </a14:hiddenFill>
               </a:ext>
               <a:ext uri="{AF507438-7753-43e0-B8FC-AC1667EBCBE1}">
-                <a14:hiddenEffects xmlns="" xmlns:a14="http://schemas.microsoft.com/office/drawing/2010/main">
+                <a14:hiddenEffects xmlns:a14="http://schemas.microsoft.com/office/drawing/2010/main" xmlns="">
                   <a:effectLst>
                     <a:outerShdw blurRad="63500" dist="38099" dir="2700000" algn="ctr" rotWithShape="0">
                       <a:srgbClr val="000000">
@@ -12850,12 +12850,12 @@
             <a:effectLst/>
             <a:extLst>
               <a:ext uri="{909E8E84-426E-40dd-AFC4-6F175D3DCCD1}">
-                <a14:hiddenFill xmlns="" xmlns:a14="http://schemas.microsoft.com/office/drawing/2010/main">
+                <a14:hiddenFill xmlns:a14="http://schemas.microsoft.com/office/drawing/2010/main" xmlns="">
                   <a:noFill/>
                 </a14:hiddenFill>
               </a:ext>
               <a:ext uri="{AF507438-7753-43e0-B8FC-AC1667EBCBE1}">
-                <a14:hiddenEffects xmlns="" xmlns:a14="http://schemas.microsoft.com/office/drawing/2010/main">
+                <a14:hiddenEffects xmlns:a14="http://schemas.microsoft.com/office/drawing/2010/main" xmlns="">
                   <a:effectLst>
                     <a:outerShdw blurRad="63500" dist="38099" dir="2700000" algn="ctr" rotWithShape="0">
                       <a:srgbClr val="000000">
@@ -12908,12 +12908,12 @@
             <a:effectLst/>
             <a:extLst>
               <a:ext uri="{909E8E84-426E-40dd-AFC4-6F175D3DCCD1}">
-                <a14:hiddenFill xmlns="" xmlns:a14="http://schemas.microsoft.com/office/drawing/2010/main">
+                <a14:hiddenFill xmlns:a14="http://schemas.microsoft.com/office/drawing/2010/main" xmlns="">
                   <a:noFill/>
                 </a14:hiddenFill>
               </a:ext>
               <a:ext uri="{AF507438-7753-43e0-B8FC-AC1667EBCBE1}">
-                <a14:hiddenEffects xmlns="" xmlns:a14="http://schemas.microsoft.com/office/drawing/2010/main">
+                <a14:hiddenEffects xmlns:a14="http://schemas.microsoft.com/office/drawing/2010/main" xmlns="">
                   <a:effectLst>
                     <a:outerShdw blurRad="63500" dist="38099" dir="2700000" algn="ctr" rotWithShape="0">
                       <a:srgbClr val="000000">
@@ -12966,12 +12966,12 @@
             <a:effectLst/>
             <a:extLst>
               <a:ext uri="{909E8E84-426E-40dd-AFC4-6F175D3DCCD1}">
-                <a14:hiddenFill xmlns="" xmlns:a14="http://schemas.microsoft.com/office/drawing/2010/main">
+                <a14:hiddenFill xmlns:a14="http://schemas.microsoft.com/office/drawing/2010/main" xmlns="">
                   <a:noFill/>
                 </a14:hiddenFill>
               </a:ext>
               <a:ext uri="{AF507438-7753-43e0-B8FC-AC1667EBCBE1}">
-                <a14:hiddenEffects xmlns="" xmlns:a14="http://schemas.microsoft.com/office/drawing/2010/main">
+                <a14:hiddenEffects xmlns:a14="http://schemas.microsoft.com/office/drawing/2010/main" xmlns="">
                   <a:effectLst>
                     <a:outerShdw blurRad="63500" dist="38099" dir="2700000" algn="ctr" rotWithShape="0">
                       <a:srgbClr val="000000">
@@ -13024,12 +13024,12 @@
             <a:effectLst/>
             <a:extLst>
               <a:ext uri="{909E8E84-426E-40dd-AFC4-6F175D3DCCD1}">
-                <a14:hiddenFill xmlns="" xmlns:a14="http://schemas.microsoft.com/office/drawing/2010/main">
+                <a14:hiddenFill xmlns:a14="http://schemas.microsoft.com/office/drawing/2010/main" xmlns="">
                   <a:noFill/>
                 </a14:hiddenFill>
               </a:ext>
               <a:ext uri="{AF507438-7753-43e0-B8FC-AC1667EBCBE1}">
-                <a14:hiddenEffects xmlns="" xmlns:a14="http://schemas.microsoft.com/office/drawing/2010/main">
+                <a14:hiddenEffects xmlns:a14="http://schemas.microsoft.com/office/drawing/2010/main" xmlns="">
                   <a:effectLst>
                     <a:outerShdw blurRad="63500" dist="38099" dir="2700000" algn="ctr" rotWithShape="0">
                       <a:srgbClr val="000000">
@@ -13082,12 +13082,12 @@
             <a:effectLst/>
             <a:extLst>
               <a:ext uri="{909E8E84-426E-40dd-AFC4-6F175D3DCCD1}">
-                <a14:hiddenFill xmlns="" xmlns:a14="http://schemas.microsoft.com/office/drawing/2010/main">
+                <a14:hiddenFill xmlns:a14="http://schemas.microsoft.com/office/drawing/2010/main" xmlns="">
                   <a:noFill/>
                 </a14:hiddenFill>
               </a:ext>
               <a:ext uri="{AF507438-7753-43e0-B8FC-AC1667EBCBE1}">
-                <a14:hiddenEffects xmlns="" xmlns:a14="http://schemas.microsoft.com/office/drawing/2010/main">
+                <a14:hiddenEffects xmlns:a14="http://schemas.microsoft.com/office/drawing/2010/main" xmlns="">
                   <a:effectLst>
                     <a:outerShdw blurRad="63500" dist="38099" dir="2700000" algn="ctr" rotWithShape="0">
                       <a:srgbClr val="000000">
@@ -13140,12 +13140,12 @@
             <a:effectLst/>
             <a:extLst>
               <a:ext uri="{909E8E84-426E-40dd-AFC4-6F175D3DCCD1}">
-                <a14:hiddenFill xmlns="" xmlns:a14="http://schemas.microsoft.com/office/drawing/2010/main">
+                <a14:hiddenFill xmlns:a14="http://schemas.microsoft.com/office/drawing/2010/main" xmlns="">
                   <a:noFill/>
                 </a14:hiddenFill>
               </a:ext>
               <a:ext uri="{AF507438-7753-43e0-B8FC-AC1667EBCBE1}">
-                <a14:hiddenEffects xmlns="" xmlns:a14="http://schemas.microsoft.com/office/drawing/2010/main">
+                <a14:hiddenEffects xmlns:a14="http://schemas.microsoft.com/office/drawing/2010/main" xmlns="">
                   <a:effectLst>
                     <a:outerShdw blurRad="63500" dist="38099" dir="2700000" algn="ctr" rotWithShape="0">
                       <a:srgbClr val="000000">
@@ -13206,7 +13206,7 @@
             <a:effectLst/>
             <a:extLst>
               <a:ext uri="{909E8E84-426E-40dd-AFC4-6F175D3DCCD1}">
-                <a14:hiddenFill xmlns="" xmlns:a14="http://schemas.microsoft.com/office/drawing/2010/main">
+                <a14:hiddenFill xmlns:a14="http://schemas.microsoft.com/office/drawing/2010/main" xmlns="">
                   <a:blipFill dpi="0" rotWithShape="0">
                     <a:blip/>
                     <a:srcRect/>
@@ -13217,7 +13217,7 @@
                 </a14:hiddenFill>
               </a:ext>
               <a:ext uri="{91240B29-F687-4f45-9708-019B960494DF}">
-                <a14:hiddenLine xmlns="" xmlns:a14="http://schemas.microsoft.com/office/drawing/2010/main" w="9525">
+                <a14:hiddenLine xmlns:a14="http://schemas.microsoft.com/office/drawing/2010/main" xmlns="" w="9525">
                   <a:solidFill>
                     <a:srgbClr val="000000"/>
                   </a:solidFill>
@@ -13227,7 +13227,7 @@
                 </a14:hiddenLine>
               </a:ext>
               <a:ext uri="{AF507438-7753-43e0-B8FC-AC1667EBCBE1}">
-                <a14:hiddenEffects xmlns="" xmlns:a14="http://schemas.microsoft.com/office/drawing/2010/main">
+                <a14:hiddenEffects xmlns:a14="http://schemas.microsoft.com/office/drawing/2010/main" xmlns="">
                   <a:effectLst>
                     <a:outerShdw blurRad="63500" dist="38099" dir="2700000" algn="ctr" rotWithShape="0">
                       <a:srgbClr val="000000">
@@ -13276,7 +13276,7 @@
             <a:effectLst/>
             <a:extLst>
               <a:ext uri="{909E8E84-426E-40dd-AFC4-6F175D3DCCD1}">
-                <a14:hiddenFill xmlns="" xmlns:a14="http://schemas.microsoft.com/office/drawing/2010/main">
+                <a14:hiddenFill xmlns:a14="http://schemas.microsoft.com/office/drawing/2010/main" xmlns="">
                   <a:blipFill dpi="0" rotWithShape="0">
                     <a:blip/>
                     <a:srcRect/>
@@ -13287,7 +13287,7 @@
                 </a14:hiddenFill>
               </a:ext>
               <a:ext uri="{91240B29-F687-4f45-9708-019B960494DF}">
-                <a14:hiddenLine xmlns="" xmlns:a14="http://schemas.microsoft.com/office/drawing/2010/main" w="9525">
+                <a14:hiddenLine xmlns:a14="http://schemas.microsoft.com/office/drawing/2010/main" xmlns="" w="9525">
                   <a:solidFill>
                     <a:srgbClr val="000000"/>
                   </a:solidFill>
@@ -13297,7 +13297,7 @@
                 </a14:hiddenLine>
               </a:ext>
               <a:ext uri="{AF507438-7753-43e0-B8FC-AC1667EBCBE1}">
-                <a14:hiddenEffects xmlns="" xmlns:a14="http://schemas.microsoft.com/office/drawing/2010/main">
+                <a14:hiddenEffects xmlns:a14="http://schemas.microsoft.com/office/drawing/2010/main" xmlns="">
                   <a:effectLst>
                     <a:outerShdw blurRad="63500" dist="38099" dir="2700000" algn="ctr" rotWithShape="0">
                       <a:srgbClr val="000000">
@@ -13346,7 +13346,7 @@
             <a:effectLst/>
             <a:extLst>
               <a:ext uri="{909E8E84-426E-40dd-AFC4-6F175D3DCCD1}">
-                <a14:hiddenFill xmlns="" xmlns:a14="http://schemas.microsoft.com/office/drawing/2010/main">
+                <a14:hiddenFill xmlns:a14="http://schemas.microsoft.com/office/drawing/2010/main" xmlns="">
                   <a:blipFill dpi="0" rotWithShape="0">
                     <a:blip/>
                     <a:srcRect/>
@@ -13357,7 +13357,7 @@
                 </a14:hiddenFill>
               </a:ext>
               <a:ext uri="{91240B29-F687-4f45-9708-019B960494DF}">
-                <a14:hiddenLine xmlns="" xmlns:a14="http://schemas.microsoft.com/office/drawing/2010/main" w="9525">
+                <a14:hiddenLine xmlns:a14="http://schemas.microsoft.com/office/drawing/2010/main" xmlns="" w="9525">
                   <a:solidFill>
                     <a:srgbClr val="000000"/>
                   </a:solidFill>
@@ -13367,7 +13367,7 @@
                 </a14:hiddenLine>
               </a:ext>
               <a:ext uri="{AF507438-7753-43e0-B8FC-AC1667EBCBE1}">
-                <a14:hiddenEffects xmlns="" xmlns:a14="http://schemas.microsoft.com/office/drawing/2010/main">
+                <a14:hiddenEffects xmlns:a14="http://schemas.microsoft.com/office/drawing/2010/main" xmlns="">
                   <a:effectLst>
                     <a:outerShdw blurRad="63500" dist="38099" dir="2700000" algn="ctr" rotWithShape="0">
                       <a:srgbClr val="000000">
@@ -13416,7 +13416,7 @@
             <a:effectLst/>
             <a:extLst>
               <a:ext uri="{909E8E84-426E-40dd-AFC4-6F175D3DCCD1}">
-                <a14:hiddenFill xmlns="" xmlns:a14="http://schemas.microsoft.com/office/drawing/2010/main">
+                <a14:hiddenFill xmlns:a14="http://schemas.microsoft.com/office/drawing/2010/main" xmlns="">
                   <a:blipFill dpi="0" rotWithShape="0">
                     <a:blip/>
                     <a:srcRect/>
@@ -13427,7 +13427,7 @@
                 </a14:hiddenFill>
               </a:ext>
               <a:ext uri="{91240B29-F687-4f45-9708-019B960494DF}">
-                <a14:hiddenLine xmlns="" xmlns:a14="http://schemas.microsoft.com/office/drawing/2010/main" w="9525">
+                <a14:hiddenLine xmlns:a14="http://schemas.microsoft.com/office/drawing/2010/main" xmlns="" w="9525">
                   <a:solidFill>
                     <a:srgbClr val="000000"/>
                   </a:solidFill>
@@ -13437,7 +13437,7 @@
                 </a14:hiddenLine>
               </a:ext>
               <a:ext uri="{AF507438-7753-43e0-B8FC-AC1667EBCBE1}">
-                <a14:hiddenEffects xmlns="" xmlns:a14="http://schemas.microsoft.com/office/drawing/2010/main">
+                <a14:hiddenEffects xmlns:a14="http://schemas.microsoft.com/office/drawing/2010/main" xmlns="">
                   <a:effectLst>
                     <a:outerShdw blurRad="63500" dist="38099" dir="2700000" algn="ctr" rotWithShape="0">
                       <a:srgbClr val="000000">
@@ -13486,7 +13486,7 @@
             <a:effectLst/>
             <a:extLst>
               <a:ext uri="{909E8E84-426E-40dd-AFC4-6F175D3DCCD1}">
-                <a14:hiddenFill xmlns="" xmlns:a14="http://schemas.microsoft.com/office/drawing/2010/main">
+                <a14:hiddenFill xmlns:a14="http://schemas.microsoft.com/office/drawing/2010/main" xmlns="">
                   <a:blipFill dpi="0" rotWithShape="0">
                     <a:blip/>
                     <a:srcRect/>
@@ -13497,7 +13497,7 @@
                 </a14:hiddenFill>
               </a:ext>
               <a:ext uri="{91240B29-F687-4f45-9708-019B960494DF}">
-                <a14:hiddenLine xmlns="" xmlns:a14="http://schemas.microsoft.com/office/drawing/2010/main" w="9525">
+                <a14:hiddenLine xmlns:a14="http://schemas.microsoft.com/office/drawing/2010/main" xmlns="" w="9525">
                   <a:solidFill>
                     <a:srgbClr val="000000"/>
                   </a:solidFill>
@@ -13507,7 +13507,7 @@
                 </a14:hiddenLine>
               </a:ext>
               <a:ext uri="{AF507438-7753-43e0-B8FC-AC1667EBCBE1}">
-                <a14:hiddenEffects xmlns="" xmlns:a14="http://schemas.microsoft.com/office/drawing/2010/main">
+                <a14:hiddenEffects xmlns:a14="http://schemas.microsoft.com/office/drawing/2010/main" xmlns="">
                   <a:effectLst>
                     <a:outerShdw blurRad="63500" dist="38099" dir="2700000" algn="ctr" rotWithShape="0">
                       <a:srgbClr val="000000">
@@ -13548,12 +13548,12 @@
             <a:effectLst/>
             <a:extLst>
               <a:ext uri="{909E8E84-426E-40dd-AFC4-6F175D3DCCD1}">
-                <a14:hiddenFill xmlns="" xmlns:a14="http://schemas.microsoft.com/office/drawing/2010/main">
+                <a14:hiddenFill xmlns:a14="http://schemas.microsoft.com/office/drawing/2010/main" xmlns="">
                   <a:noFill/>
                 </a14:hiddenFill>
               </a:ext>
               <a:ext uri="{AF507438-7753-43e0-B8FC-AC1667EBCBE1}">
-                <a14:hiddenEffects xmlns="" xmlns:a14="http://schemas.microsoft.com/office/drawing/2010/main">
+                <a14:hiddenEffects xmlns:a14="http://schemas.microsoft.com/office/drawing/2010/main" xmlns="">
                   <a:effectLst>
                     <a:outerShdw blurRad="63500" dist="38099" dir="2700000" algn="ctr" rotWithShape="0">
                       <a:srgbClr val="000000">
@@ -13606,12 +13606,12 @@
             <a:effectLst/>
             <a:extLst>
               <a:ext uri="{909E8E84-426E-40dd-AFC4-6F175D3DCCD1}">
-                <a14:hiddenFill xmlns="" xmlns:a14="http://schemas.microsoft.com/office/drawing/2010/main">
+                <a14:hiddenFill xmlns:a14="http://schemas.microsoft.com/office/drawing/2010/main" xmlns="">
                   <a:noFill/>
                 </a14:hiddenFill>
               </a:ext>
               <a:ext uri="{AF507438-7753-43e0-B8FC-AC1667EBCBE1}">
-                <a14:hiddenEffects xmlns="" xmlns:a14="http://schemas.microsoft.com/office/drawing/2010/main">
+                <a14:hiddenEffects xmlns:a14="http://schemas.microsoft.com/office/drawing/2010/main" xmlns="">
                   <a:effectLst>
                     <a:outerShdw blurRad="63500" dist="38099" dir="2700000" algn="ctr" rotWithShape="0">
                       <a:srgbClr val="000000">
@@ -13672,7 +13672,7 @@
             <a:effectLst/>
             <a:extLst>
               <a:ext uri="{909E8E84-426E-40dd-AFC4-6F175D3DCCD1}">
-                <a14:hiddenFill xmlns="" xmlns:a14="http://schemas.microsoft.com/office/drawing/2010/main">
+                <a14:hiddenFill xmlns:a14="http://schemas.microsoft.com/office/drawing/2010/main" xmlns="">
                   <a:blipFill dpi="0" rotWithShape="0">
                     <a:blip/>
                     <a:srcRect/>
@@ -13683,7 +13683,7 @@
                 </a14:hiddenFill>
               </a:ext>
               <a:ext uri="{91240B29-F687-4f45-9708-019B960494DF}">
-                <a14:hiddenLine xmlns="" xmlns:a14="http://schemas.microsoft.com/office/drawing/2010/main" w="9525">
+                <a14:hiddenLine xmlns:a14="http://schemas.microsoft.com/office/drawing/2010/main" xmlns="" w="9525">
                   <a:solidFill>
                     <a:srgbClr val="000000"/>
                   </a:solidFill>
@@ -13693,7 +13693,7 @@
                 </a14:hiddenLine>
               </a:ext>
               <a:ext uri="{AF507438-7753-43e0-B8FC-AC1667EBCBE1}">
-                <a14:hiddenEffects xmlns="" xmlns:a14="http://schemas.microsoft.com/office/drawing/2010/main">
+                <a14:hiddenEffects xmlns:a14="http://schemas.microsoft.com/office/drawing/2010/main" xmlns="">
                   <a:effectLst>
                     <a:outerShdw blurRad="63500" dist="38099" dir="2700000" algn="ctr" rotWithShape="0">
                       <a:srgbClr val="000000">
@@ -13826,7 +13826,7 @@
           <a:effectLst/>
           <a:extLst>
             <a:ext uri="{909E8E84-426E-40dd-AFC4-6F175D3DCCD1}">
-              <a14:hiddenFill xmlns:a14="http://schemas.microsoft.com/office/drawing/2010/main" xmlns="">
+              <a14:hiddenFill xmlns="" xmlns:a14="http://schemas.microsoft.com/office/drawing/2010/main">
                 <a:blipFill dpi="0" rotWithShape="0">
                   <a:blip/>
                   <a:srcRect/>
@@ -13837,7 +13837,7 @@
               </a14:hiddenFill>
             </a:ext>
             <a:ext uri="{91240B29-F687-4f45-9708-019B960494DF}">
-              <a14:hiddenLine xmlns:a14="http://schemas.microsoft.com/office/drawing/2010/main" xmlns="" w="9525">
+              <a14:hiddenLine xmlns="" xmlns:a14="http://schemas.microsoft.com/office/drawing/2010/main" w="9525">
                 <a:solidFill>
                   <a:srgbClr val="000000"/>
                 </a:solidFill>
@@ -13847,7 +13847,7 @@
               </a14:hiddenLine>
             </a:ext>
             <a:ext uri="{AF507438-7753-43e0-B8FC-AC1667EBCBE1}">
-              <a14:hiddenEffects xmlns:a14="http://schemas.microsoft.com/office/drawing/2010/main" xmlns="">
+              <a14:hiddenEffects xmlns="" xmlns:a14="http://schemas.microsoft.com/office/drawing/2010/main">
                 <a:effectLst>
                   <a:outerShdw blurRad="63500" dist="38099" dir="2700000" algn="ctr" rotWithShape="0">
                     <a:srgbClr val="000000">
@@ -13932,7 +13932,7 @@
           <a:effectLst/>
           <a:extLst>
             <a:ext uri="{909E8E84-426E-40dd-AFC4-6F175D3DCCD1}">
-              <a14:hiddenFill xmlns:a14="http://schemas.microsoft.com/office/drawing/2010/main" xmlns="">
+              <a14:hiddenFill xmlns="" xmlns:a14="http://schemas.microsoft.com/office/drawing/2010/main">
                 <a:blipFill dpi="0" rotWithShape="0">
                   <a:blip/>
                   <a:srcRect/>
@@ -13943,7 +13943,7 @@
               </a14:hiddenFill>
             </a:ext>
             <a:ext uri="{91240B29-F687-4f45-9708-019B960494DF}">
-              <a14:hiddenLine xmlns:a14="http://schemas.microsoft.com/office/drawing/2010/main" xmlns="" w="9525">
+              <a14:hiddenLine xmlns="" xmlns:a14="http://schemas.microsoft.com/office/drawing/2010/main" w="9525">
                 <a:solidFill>
                   <a:srgbClr val="000000"/>
                 </a:solidFill>
@@ -13953,7 +13953,7 @@
               </a14:hiddenLine>
             </a:ext>
             <a:ext uri="{AF507438-7753-43e0-B8FC-AC1667EBCBE1}">
-              <a14:hiddenEffects xmlns:a14="http://schemas.microsoft.com/office/drawing/2010/main" xmlns="">
+              <a14:hiddenEffects xmlns="" xmlns:a14="http://schemas.microsoft.com/office/drawing/2010/main">
                 <a:effectLst>
                   <a:outerShdw blurRad="63500" dist="38099" dir="2700000" algn="ctr" rotWithShape="0">
                     <a:srgbClr val="000000">
@@ -14038,7 +14038,7 @@
           <a:effectLst/>
           <a:extLst>
             <a:ext uri="{909E8E84-426E-40dd-AFC4-6F175D3DCCD1}">
-              <a14:hiddenFill xmlns:a14="http://schemas.microsoft.com/office/drawing/2010/main" xmlns="">
+              <a14:hiddenFill xmlns="" xmlns:a14="http://schemas.microsoft.com/office/drawing/2010/main">
                 <a:blipFill dpi="0" rotWithShape="0">
                   <a:blip/>
                   <a:srcRect/>
@@ -14049,7 +14049,7 @@
               </a14:hiddenFill>
             </a:ext>
             <a:ext uri="{91240B29-F687-4f45-9708-019B960494DF}">
-              <a14:hiddenLine xmlns:a14="http://schemas.microsoft.com/office/drawing/2010/main" xmlns="" w="9525">
+              <a14:hiddenLine xmlns="" xmlns:a14="http://schemas.microsoft.com/office/drawing/2010/main" w="9525">
                 <a:solidFill>
                   <a:srgbClr val="000000"/>
                 </a:solidFill>
@@ -14059,7 +14059,7 @@
               </a14:hiddenLine>
             </a:ext>
             <a:ext uri="{AF507438-7753-43e0-B8FC-AC1667EBCBE1}">
-              <a14:hiddenEffects xmlns:a14="http://schemas.microsoft.com/office/drawing/2010/main" xmlns="">
+              <a14:hiddenEffects xmlns="" xmlns:a14="http://schemas.microsoft.com/office/drawing/2010/main">
                 <a:effectLst>
                   <a:outerShdw blurRad="63500" dist="38099" dir="2700000" algn="ctr" rotWithShape="0">
                     <a:srgbClr val="000000">
@@ -14238,7 +14238,7 @@
           <a:effectLst/>
           <a:extLst>
             <a:ext uri="{909E8E84-426E-40dd-AFC4-6F175D3DCCD1}">
-              <a14:hiddenFill xmlns:a14="http://schemas.microsoft.com/office/drawing/2010/main" xmlns="">
+              <a14:hiddenFill xmlns="" xmlns:a14="http://schemas.microsoft.com/office/drawing/2010/main">
                 <a:blipFill dpi="0" rotWithShape="0">
                   <a:blip/>
                   <a:srcRect/>
@@ -14249,7 +14249,7 @@
               </a14:hiddenFill>
             </a:ext>
             <a:ext uri="{91240B29-F687-4f45-9708-019B960494DF}">
-              <a14:hiddenLine xmlns:a14="http://schemas.microsoft.com/office/drawing/2010/main" xmlns="" w="9525">
+              <a14:hiddenLine xmlns="" xmlns:a14="http://schemas.microsoft.com/office/drawing/2010/main" w="9525">
                 <a:solidFill>
                   <a:srgbClr val="000000"/>
                 </a:solidFill>
@@ -14259,7 +14259,7 @@
               </a14:hiddenLine>
             </a:ext>
             <a:ext uri="{AF507438-7753-43e0-B8FC-AC1667EBCBE1}">
-              <a14:hiddenEffects xmlns:a14="http://schemas.microsoft.com/office/drawing/2010/main" xmlns="">
+              <a14:hiddenEffects xmlns="" xmlns:a14="http://schemas.microsoft.com/office/drawing/2010/main">
                 <a:effectLst>
                   <a:outerShdw blurRad="63500" dist="38099" dir="2700000" algn="ctr" rotWithShape="0">
                     <a:srgbClr val="000000">
@@ -14337,7 +14337,7 @@
           <a:effectLst/>
           <a:extLst>
             <a:ext uri="{909E8E84-426E-40dd-AFC4-6F175D3DCCD1}">
-              <a14:hiddenFill xmlns:a14="http://schemas.microsoft.com/office/drawing/2010/main" xmlns="">
+              <a14:hiddenFill xmlns="" xmlns:a14="http://schemas.microsoft.com/office/drawing/2010/main">
                 <a:blipFill dpi="0" rotWithShape="0">
                   <a:blip/>
                   <a:srcRect/>
@@ -14348,7 +14348,7 @@
               </a14:hiddenFill>
             </a:ext>
             <a:ext uri="{91240B29-F687-4f45-9708-019B960494DF}">
-              <a14:hiddenLine xmlns:a14="http://schemas.microsoft.com/office/drawing/2010/main" xmlns="" w="9525">
+              <a14:hiddenLine xmlns="" xmlns:a14="http://schemas.microsoft.com/office/drawing/2010/main" w="9525">
                 <a:solidFill>
                   <a:srgbClr val="000000"/>
                 </a:solidFill>
@@ -14358,7 +14358,7 @@
               </a14:hiddenLine>
             </a:ext>
             <a:ext uri="{AF507438-7753-43e0-B8FC-AC1667EBCBE1}">
-              <a14:hiddenEffects xmlns:a14="http://schemas.microsoft.com/office/drawing/2010/main" xmlns="">
+              <a14:hiddenEffects xmlns="" xmlns:a14="http://schemas.microsoft.com/office/drawing/2010/main">
                 <a:effectLst>
                   <a:outerShdw blurRad="63500" dist="38099" dir="2700000" algn="ctr" rotWithShape="0">
                     <a:srgbClr val="000000">
@@ -16223,7 +16223,7 @@
           <a:effectLst/>
           <a:extLst>
             <a:ext uri="{909E8E84-426E-40dd-AFC4-6F175D3DCCD1}">
-              <a14:hiddenFill xmlns="" xmlns:a14="http://schemas.microsoft.com/office/drawing/2010/main">
+              <a14:hiddenFill xmlns:a14="http://schemas.microsoft.com/office/drawing/2010/main" xmlns="">
                 <a:blipFill dpi="0" rotWithShape="0">
                   <a:blip/>
                   <a:srcRect/>
@@ -16234,7 +16234,7 @@
               </a14:hiddenFill>
             </a:ext>
             <a:ext uri="{91240B29-F687-4f45-9708-019B960494DF}">
-              <a14:hiddenLine xmlns="" xmlns:a14="http://schemas.microsoft.com/office/drawing/2010/main" w="9525">
+              <a14:hiddenLine xmlns:a14="http://schemas.microsoft.com/office/drawing/2010/main" xmlns="" w="9525">
                 <a:solidFill>
                   <a:srgbClr val="000000"/>
                 </a:solidFill>
@@ -16244,7 +16244,7 @@
               </a14:hiddenLine>
             </a:ext>
             <a:ext uri="{AF507438-7753-43e0-B8FC-AC1667EBCBE1}">
-              <a14:hiddenEffects xmlns="" xmlns:a14="http://schemas.microsoft.com/office/drawing/2010/main">
+              <a14:hiddenEffects xmlns:a14="http://schemas.microsoft.com/office/drawing/2010/main" xmlns="">
                 <a:effectLst>
                   <a:outerShdw blurRad="63500" dist="38099" dir="2700000" algn="ctr" rotWithShape="0">
                     <a:srgbClr val="000000">
@@ -16404,7 +16404,7 @@
           <a:effectLst/>
           <a:extLst>
             <a:ext uri="{909E8E84-426E-40dd-AFC4-6F175D3DCCD1}">
-              <a14:hiddenFill xmlns="" xmlns:a14="http://schemas.microsoft.com/office/drawing/2010/main">
+              <a14:hiddenFill xmlns:a14="http://schemas.microsoft.com/office/drawing/2010/main" xmlns="">
                 <a:blipFill dpi="0" rotWithShape="0">
                   <a:blip/>
                   <a:srcRect/>
@@ -16415,7 +16415,7 @@
               </a14:hiddenFill>
             </a:ext>
             <a:ext uri="{91240B29-F687-4f45-9708-019B960494DF}">
-              <a14:hiddenLine xmlns="" xmlns:a14="http://schemas.microsoft.com/office/drawing/2010/main" w="9525">
+              <a14:hiddenLine xmlns:a14="http://schemas.microsoft.com/office/drawing/2010/main" xmlns="" w="9525">
                 <a:solidFill>
                   <a:srgbClr val="000000"/>
                 </a:solidFill>
@@ -16425,7 +16425,7 @@
               </a14:hiddenLine>
             </a:ext>
             <a:ext uri="{AF507438-7753-43e0-B8FC-AC1667EBCBE1}">
-              <a14:hiddenEffects xmlns="" xmlns:a14="http://schemas.microsoft.com/office/drawing/2010/main">
+              <a14:hiddenEffects xmlns:a14="http://schemas.microsoft.com/office/drawing/2010/main" xmlns="">
                 <a:effectLst>
                   <a:outerShdw blurRad="63500" dist="38099" dir="2700000" algn="ctr" rotWithShape="0">
                     <a:srgbClr val="000000">
@@ -17859,7 +17859,7 @@
           <a:p>
             <a:r>
               <a:rPr lang="en-US" sz="2800" dirty="0"/>
-              <a:t>Req. T</a:t>
+              <a:t>Req.  T</a:t>
             </a:r>
           </a:p>
         </p:txBody>
@@ -18224,7 +18224,7 @@
           <a:effectLst/>
           <a:extLst>
             <a:ext uri="{909E8E84-426E-40dd-AFC4-6F175D3DCCD1}">
-              <a14:hiddenFill xmlns="" xmlns:a14="http://schemas.microsoft.com/office/drawing/2010/main">
+              <a14:hiddenFill xmlns:a14="http://schemas.microsoft.com/office/drawing/2010/main" xmlns="">
                 <a:blipFill dpi="0" rotWithShape="0">
                   <a:blip/>
                   <a:srcRect/>
@@ -18235,7 +18235,7 @@
               </a14:hiddenFill>
             </a:ext>
             <a:ext uri="{91240B29-F687-4f45-9708-019B960494DF}">
-              <a14:hiddenLine xmlns="" xmlns:a14="http://schemas.microsoft.com/office/drawing/2010/main" w="9525">
+              <a14:hiddenLine xmlns:a14="http://schemas.microsoft.com/office/drawing/2010/main" xmlns="" w="9525">
                 <a:solidFill>
                   <a:srgbClr val="000000"/>
                 </a:solidFill>
@@ -18245,7 +18245,7 @@
               </a14:hiddenLine>
             </a:ext>
             <a:ext uri="{AF507438-7753-43e0-B8FC-AC1667EBCBE1}">
-              <a14:hiddenEffects xmlns="" xmlns:a14="http://schemas.microsoft.com/office/drawing/2010/main">
+              <a14:hiddenEffects xmlns:a14="http://schemas.microsoft.com/office/drawing/2010/main" xmlns="">
                 <a:effectLst>
                   <a:outerShdw blurRad="63500" dist="38099" dir="2700000" algn="ctr" rotWithShape="0">
                     <a:srgbClr val="000000">
@@ -18338,7 +18338,7 @@
           <a:effectLst/>
           <a:extLst>
             <a:ext uri="{909E8E84-426E-40dd-AFC4-6F175D3DCCD1}">
-              <a14:hiddenFill xmlns="" xmlns:a14="http://schemas.microsoft.com/office/drawing/2010/main">
+              <a14:hiddenFill xmlns:a14="http://schemas.microsoft.com/office/drawing/2010/main" xmlns="">
                 <a:blipFill dpi="0" rotWithShape="0">
                   <a:blip/>
                   <a:srcRect/>
@@ -18349,7 +18349,7 @@
               </a14:hiddenFill>
             </a:ext>
             <a:ext uri="{91240B29-F687-4f45-9708-019B960494DF}">
-              <a14:hiddenLine xmlns="" xmlns:a14="http://schemas.microsoft.com/office/drawing/2010/main" w="9525">
+              <a14:hiddenLine xmlns:a14="http://schemas.microsoft.com/office/drawing/2010/main" xmlns="" w="9525">
                 <a:solidFill>
                   <a:srgbClr val="000000"/>
                 </a:solidFill>
@@ -18359,7 +18359,7 @@
               </a14:hiddenLine>
             </a:ext>
             <a:ext uri="{AF507438-7753-43e0-B8FC-AC1667EBCBE1}">
-              <a14:hiddenEffects xmlns="" xmlns:a14="http://schemas.microsoft.com/office/drawing/2010/main">
+              <a14:hiddenEffects xmlns:a14="http://schemas.microsoft.com/office/drawing/2010/main" xmlns="">
                 <a:effectLst>
                   <a:outerShdw blurRad="63500" dist="38099" dir="2700000" algn="ctr" rotWithShape="0">
                     <a:srgbClr val="000000">
@@ -21231,7 +21231,7 @@
           <a:effectLst/>
           <a:extLst>
             <a:ext uri="{909E8E84-426E-40dd-AFC4-6F175D3DCCD1}">
-              <a14:hiddenFill xmlns="" xmlns:a14="http://schemas.microsoft.com/office/drawing/2010/main">
+              <a14:hiddenFill xmlns:a14="http://schemas.microsoft.com/office/drawing/2010/main" xmlns="">
                 <a:blipFill dpi="0" rotWithShape="0">
                   <a:blip/>
                   <a:srcRect/>
@@ -21242,7 +21242,7 @@
               </a14:hiddenFill>
             </a:ext>
             <a:ext uri="{91240B29-F687-4f45-9708-019B960494DF}">
-              <a14:hiddenLine xmlns="" xmlns:a14="http://schemas.microsoft.com/office/drawing/2010/main" w="9525">
+              <a14:hiddenLine xmlns:a14="http://schemas.microsoft.com/office/drawing/2010/main" xmlns="" w="9525">
                 <a:solidFill>
                   <a:srgbClr val="000000"/>
                 </a:solidFill>
@@ -21252,7 +21252,7 @@
               </a14:hiddenLine>
             </a:ext>
             <a:ext uri="{AF507438-7753-43e0-B8FC-AC1667EBCBE1}">
-              <a14:hiddenEffects xmlns="" xmlns:a14="http://schemas.microsoft.com/office/drawing/2010/main">
+              <a14:hiddenEffects xmlns:a14="http://schemas.microsoft.com/office/drawing/2010/main" xmlns="">
                 <a:effectLst>
                   <a:outerShdw blurRad="63500" dist="38099" dir="2700000" algn="ctr" rotWithShape="0">
                     <a:srgbClr val="000000">
@@ -21331,7 +21331,7 @@
           <a:effectLst/>
           <a:extLst>
             <a:ext uri="{909E8E84-426E-40dd-AFC4-6F175D3DCCD1}">
-              <a14:hiddenFill xmlns="" xmlns:a14="http://schemas.microsoft.com/office/drawing/2010/main">
+              <a14:hiddenFill xmlns:a14="http://schemas.microsoft.com/office/drawing/2010/main" xmlns="">
                 <a:blipFill dpi="0" rotWithShape="0">
                   <a:blip/>
                   <a:srcRect/>
@@ -21342,7 +21342,7 @@
               </a14:hiddenFill>
             </a:ext>
             <a:ext uri="{91240B29-F687-4f45-9708-019B960494DF}">
-              <a14:hiddenLine xmlns="" xmlns:a14="http://schemas.microsoft.com/office/drawing/2010/main" w="9525">
+              <a14:hiddenLine xmlns:a14="http://schemas.microsoft.com/office/drawing/2010/main" xmlns="" w="9525">
                 <a:solidFill>
                   <a:srgbClr val="000000"/>
                 </a:solidFill>
@@ -21352,7 +21352,7 @@
               </a14:hiddenLine>
             </a:ext>
             <a:ext uri="{AF507438-7753-43e0-B8FC-AC1667EBCBE1}">
-              <a14:hiddenEffects xmlns="" xmlns:a14="http://schemas.microsoft.com/office/drawing/2010/main">
+              <a14:hiddenEffects xmlns:a14="http://schemas.microsoft.com/office/drawing/2010/main" xmlns="">
                 <a:effectLst>
                   <a:outerShdw blurRad="63500" dist="38099" dir="2700000" algn="ctr" rotWithShape="0">
                     <a:srgbClr val="000000">
@@ -22935,7 +22935,7 @@
           <a:effectLst/>
           <a:extLst>
             <a:ext uri="{909E8E84-426E-40dd-AFC4-6F175D3DCCD1}">
-              <a14:hiddenFill xmlns="" xmlns:a14="http://schemas.microsoft.com/office/drawing/2010/main">
+              <a14:hiddenFill xmlns:a14="http://schemas.microsoft.com/office/drawing/2010/main" xmlns="">
                 <a:blipFill dpi="0" rotWithShape="0">
                   <a:blip/>
                   <a:srcRect/>
@@ -22946,7 +22946,7 @@
               </a14:hiddenFill>
             </a:ext>
             <a:ext uri="{91240B29-F687-4f45-9708-019B960494DF}">
-              <a14:hiddenLine xmlns="" xmlns:a14="http://schemas.microsoft.com/office/drawing/2010/main" w="9525">
+              <a14:hiddenLine xmlns:a14="http://schemas.microsoft.com/office/drawing/2010/main" xmlns="" w="9525">
                 <a:solidFill>
                   <a:srgbClr val="000000"/>
                 </a:solidFill>
@@ -22956,7 +22956,7 @@
               </a14:hiddenLine>
             </a:ext>
             <a:ext uri="{AF507438-7753-43e0-B8FC-AC1667EBCBE1}">
-              <a14:hiddenEffects xmlns="" xmlns:a14="http://schemas.microsoft.com/office/drawing/2010/main">
+              <a14:hiddenEffects xmlns:a14="http://schemas.microsoft.com/office/drawing/2010/main" xmlns="">
                 <a:effectLst>
                   <a:outerShdw blurRad="63500" dist="38099" dir="2700000" algn="ctr" rotWithShape="0">
                     <a:srgbClr val="000000">
@@ -24604,7 +24604,7 @@
           <a:effectLst/>
           <a:extLst>
             <a:ext uri="{909E8E84-426E-40dd-AFC4-6F175D3DCCD1}">
-              <a14:hiddenFill xmlns="" xmlns:a14="http://schemas.microsoft.com/office/drawing/2010/main">
+              <a14:hiddenFill xmlns:a14="http://schemas.microsoft.com/office/drawing/2010/main" xmlns="">
                 <a:blipFill dpi="0" rotWithShape="0">
                   <a:blip/>
                   <a:srcRect/>
@@ -24615,7 +24615,7 @@
               </a14:hiddenFill>
             </a:ext>
             <a:ext uri="{91240B29-F687-4f45-9708-019B960494DF}">
-              <a14:hiddenLine xmlns="" xmlns:a14="http://schemas.microsoft.com/office/drawing/2010/main" w="9525">
+              <a14:hiddenLine xmlns:a14="http://schemas.microsoft.com/office/drawing/2010/main" xmlns="" w="9525">
                 <a:solidFill>
                   <a:srgbClr val="000000"/>
                 </a:solidFill>
@@ -24625,7 +24625,7 @@
               </a14:hiddenLine>
             </a:ext>
             <a:ext uri="{AF507438-7753-43e0-B8FC-AC1667EBCBE1}">
-              <a14:hiddenEffects xmlns="" xmlns:a14="http://schemas.microsoft.com/office/drawing/2010/main">
+              <a14:hiddenEffects xmlns:a14="http://schemas.microsoft.com/office/drawing/2010/main" xmlns="">
                 <a:effectLst>
                   <a:outerShdw blurRad="63500" dist="38099" dir="2700000" algn="ctr" rotWithShape="0">
                     <a:srgbClr val="000000">
@@ -25987,7 +25987,7 @@
           <a:effectLst/>
           <a:extLst>
             <a:ext uri="{909E8E84-426E-40dd-AFC4-6F175D3DCCD1}">
-              <a14:hiddenFill xmlns="" xmlns:a14="http://schemas.microsoft.com/office/drawing/2010/main">
+              <a14:hiddenFill xmlns:a14="http://schemas.microsoft.com/office/drawing/2010/main" xmlns="">
                 <a:blipFill dpi="0" rotWithShape="0">
                   <a:blip/>
                   <a:srcRect/>
@@ -25998,7 +25998,7 @@
               </a14:hiddenFill>
             </a:ext>
             <a:ext uri="{91240B29-F687-4f45-9708-019B960494DF}">
-              <a14:hiddenLine xmlns="" xmlns:a14="http://schemas.microsoft.com/office/drawing/2010/main" w="9525">
+              <a14:hiddenLine xmlns:a14="http://schemas.microsoft.com/office/drawing/2010/main" xmlns="" w="9525">
                 <a:solidFill>
                   <a:srgbClr val="000000"/>
                 </a:solidFill>
@@ -26008,7 +26008,7 @@
               </a14:hiddenLine>
             </a:ext>
             <a:ext uri="{AF507438-7753-43e0-B8FC-AC1667EBCBE1}">
-              <a14:hiddenEffects xmlns="" xmlns:a14="http://schemas.microsoft.com/office/drawing/2010/main">
+              <a14:hiddenEffects xmlns:a14="http://schemas.microsoft.com/office/drawing/2010/main" xmlns="">
                 <a:effectLst>
                   <a:outerShdw blurRad="63500" dist="38099" dir="2700000" algn="ctr" rotWithShape="0">
                     <a:srgbClr val="000000">
@@ -26139,7 +26139,7 @@
           <a:effectLst/>
           <a:extLst>
             <a:ext uri="{909E8E84-426E-40dd-AFC4-6F175D3DCCD1}">
-              <a14:hiddenFill xmlns="" xmlns:a14="http://schemas.microsoft.com/office/drawing/2010/main">
+              <a14:hiddenFill xmlns:a14="http://schemas.microsoft.com/office/drawing/2010/main" xmlns="">
                 <a:blipFill dpi="0" rotWithShape="0">
                   <a:blip/>
                   <a:srcRect/>
@@ -26150,7 +26150,7 @@
               </a14:hiddenFill>
             </a:ext>
             <a:ext uri="{91240B29-F687-4f45-9708-019B960494DF}">
-              <a14:hiddenLine xmlns="" xmlns:a14="http://schemas.microsoft.com/office/drawing/2010/main" w="9525">
+              <a14:hiddenLine xmlns:a14="http://schemas.microsoft.com/office/drawing/2010/main" xmlns="" w="9525">
                 <a:solidFill>
                   <a:srgbClr val="000000"/>
                 </a:solidFill>
@@ -26160,7 +26160,7 @@
               </a14:hiddenLine>
             </a:ext>
             <a:ext uri="{AF507438-7753-43e0-B8FC-AC1667EBCBE1}">
-              <a14:hiddenEffects xmlns="" xmlns:a14="http://schemas.microsoft.com/office/drawing/2010/main">
+              <a14:hiddenEffects xmlns:a14="http://schemas.microsoft.com/office/drawing/2010/main" xmlns="">
                 <a:effectLst>
                   <a:outerShdw blurRad="63500" dist="38099" dir="2700000" algn="ctr" rotWithShape="0">
                     <a:srgbClr val="000000">
@@ -30566,8 +30566,8 @@
           </a:p>
         </p:txBody>
       </p:sp>
-      <mc:AlternateContent xmlns:mc="http://schemas.openxmlformats.org/markup-compatibility/2006">
-        <mc:Choice xmlns:a14="http://schemas.microsoft.com/office/drawing/2010/main" Requires="a14">
+      <mc:AlternateContent xmlns:mc="http://schemas.openxmlformats.org/markup-compatibility/2006" xmlns:a14="http://schemas.microsoft.com/office/drawing/2010/main">
+        <mc:Choice Requires="a14">
           <p:sp>
             <p:nvSpPr>
               <p:cNvPr id="3" name="Content Placeholder 2"/>
@@ -31200,7 +31200,7 @@
             </p:txBody>
           </p:sp>
         </mc:Choice>
-        <mc:Fallback>
+        <mc:Fallback xmlns="">
           <p:sp>
             <p:nvSpPr>
               <p:cNvPr id="3" name="Content Placeholder 2"/>
@@ -31772,7 +31772,7 @@
                                         <p:tgtEl>
                                           <p:spTgt spid="3">
                                             <p:txEl>
-                                              <p:pRg st="2" end="2"/>
+                                              <p:pRg st="3" end="3"/>
                                             </p:txEl>
                                           </p:spTgt>
                                         </p:tgtEl>
@@ -31821,7 +31821,7 @@
                                         <p:tgtEl>
                                           <p:spTgt spid="3">
                                             <p:txEl>
-                                              <p:pRg st="3" end="3"/>
+                                              <p:pRg st="2" end="2"/>
                                             </p:txEl>
                                           </p:spTgt>
                                         </p:tgtEl>
@@ -33862,7 +33862,7 @@
           <a:effectLst/>
           <a:extLst>
             <a:ext uri="{909E8E84-426E-40dd-AFC4-6F175D3DCCD1}">
-              <a14:hiddenFill xmlns:a14="http://schemas.microsoft.com/office/drawing/2010/main" xmlns="">
+              <a14:hiddenFill xmlns="" xmlns:a14="http://schemas.microsoft.com/office/drawing/2010/main">
                 <a:blipFill dpi="0" rotWithShape="0">
                   <a:blip/>
                   <a:srcRect/>
@@ -33873,7 +33873,7 @@
               </a14:hiddenFill>
             </a:ext>
             <a:ext uri="{91240B29-F687-4f45-9708-019B960494DF}">
-              <a14:hiddenLine xmlns:a14="http://schemas.microsoft.com/office/drawing/2010/main" xmlns="" w="9525">
+              <a14:hiddenLine xmlns="" xmlns:a14="http://schemas.microsoft.com/office/drawing/2010/main" w="9525">
                 <a:solidFill>
                   <a:srgbClr val="000000"/>
                 </a:solidFill>
@@ -33883,7 +33883,7 @@
               </a14:hiddenLine>
             </a:ext>
             <a:ext uri="{AF507438-7753-43e0-B8FC-AC1667EBCBE1}">
-              <a14:hiddenEffects xmlns:a14="http://schemas.microsoft.com/office/drawing/2010/main" xmlns="">
+              <a14:hiddenEffects xmlns="" xmlns:a14="http://schemas.microsoft.com/office/drawing/2010/main">
                 <a:effectLst>
                   <a:outerShdw blurRad="63500" dist="38099" dir="2700000" algn="ctr" rotWithShape="0">
                     <a:srgbClr val="000000">

--- a/marple.pptx
+++ b/marple.pptx
@@ -12190,7 +12190,7 @@
           <a:effectLst/>
           <a:extLst>
             <a:ext uri="{909E8E84-426E-40dd-AFC4-6F175D3DCCD1}">
-              <a14:hiddenFill xmlns="" xmlns:a14="http://schemas.microsoft.com/office/drawing/2010/main">
+              <a14:hiddenFill xmlns:a14="http://schemas.microsoft.com/office/drawing/2010/main" xmlns="">
                 <a:blipFill dpi="0" rotWithShape="0">
                   <a:blip/>
                   <a:srcRect/>
@@ -12201,7 +12201,7 @@
               </a14:hiddenFill>
             </a:ext>
             <a:ext uri="{91240B29-F687-4f45-9708-019B960494DF}">
-              <a14:hiddenLine xmlns="" xmlns:a14="http://schemas.microsoft.com/office/drawing/2010/main" w="9525">
+              <a14:hiddenLine xmlns:a14="http://schemas.microsoft.com/office/drawing/2010/main" xmlns="" w="9525">
                 <a:solidFill>
                   <a:srgbClr val="000000"/>
                 </a:solidFill>
@@ -12211,7 +12211,7 @@
               </a14:hiddenLine>
             </a:ext>
             <a:ext uri="{AF507438-7753-43e0-B8FC-AC1667EBCBE1}">
-              <a14:hiddenEffects xmlns="" xmlns:a14="http://schemas.microsoft.com/office/drawing/2010/main">
+              <a14:hiddenEffects xmlns:a14="http://schemas.microsoft.com/office/drawing/2010/main" xmlns="">
                 <a:effectLst>
                   <a:outerShdw blurRad="63500" dist="38099" dir="2700000" algn="ctr" rotWithShape="0">
                     <a:srgbClr val="000000">
@@ -12260,7 +12260,7 @@
           <a:effectLst/>
           <a:extLst>
             <a:ext uri="{909E8E84-426E-40dd-AFC4-6F175D3DCCD1}">
-              <a14:hiddenFill xmlns="" xmlns:a14="http://schemas.microsoft.com/office/drawing/2010/main">
+              <a14:hiddenFill xmlns:a14="http://schemas.microsoft.com/office/drawing/2010/main" xmlns="">
                 <a:blipFill dpi="0" rotWithShape="0">
                   <a:blip/>
                   <a:srcRect/>
@@ -12271,7 +12271,7 @@
               </a14:hiddenFill>
             </a:ext>
             <a:ext uri="{91240B29-F687-4f45-9708-019B960494DF}">
-              <a14:hiddenLine xmlns="" xmlns:a14="http://schemas.microsoft.com/office/drawing/2010/main" w="9525">
+              <a14:hiddenLine xmlns:a14="http://schemas.microsoft.com/office/drawing/2010/main" xmlns="" w="9525">
                 <a:solidFill>
                   <a:srgbClr val="000000"/>
                 </a:solidFill>
@@ -12281,7 +12281,7 @@
               </a14:hiddenLine>
             </a:ext>
             <a:ext uri="{AF507438-7753-43e0-B8FC-AC1667EBCBE1}">
-              <a14:hiddenEffects xmlns="" xmlns:a14="http://schemas.microsoft.com/office/drawing/2010/main">
+              <a14:hiddenEffects xmlns:a14="http://schemas.microsoft.com/office/drawing/2010/main" xmlns="">
                 <a:effectLst>
                   <a:outerShdw blurRad="63500" dist="38099" dir="2700000" algn="ctr" rotWithShape="0">
                     <a:srgbClr val="000000">
@@ -12416,7 +12416,7 @@
             <a:effectLst/>
             <a:extLst>
               <a:ext uri="{909E8E84-426E-40dd-AFC4-6F175D3DCCD1}">
-                <a14:hiddenFill xmlns:a14="http://schemas.microsoft.com/office/drawing/2010/main" xmlns="">
+                <a14:hiddenFill xmlns="" xmlns:a14="http://schemas.microsoft.com/office/drawing/2010/main">
                   <a:blipFill dpi="0" rotWithShape="0">
                     <a:blip/>
                     <a:srcRect/>
@@ -12427,7 +12427,7 @@
                 </a14:hiddenFill>
               </a:ext>
               <a:ext uri="{91240B29-F687-4f45-9708-019B960494DF}">
-                <a14:hiddenLine xmlns:a14="http://schemas.microsoft.com/office/drawing/2010/main" xmlns="" w="9525">
+                <a14:hiddenLine xmlns="" xmlns:a14="http://schemas.microsoft.com/office/drawing/2010/main" w="9525">
                   <a:solidFill>
                     <a:srgbClr val="000000"/>
                   </a:solidFill>
@@ -12437,7 +12437,7 @@
                 </a14:hiddenLine>
               </a:ext>
               <a:ext uri="{AF507438-7753-43e0-B8FC-AC1667EBCBE1}">
-                <a14:hiddenEffects xmlns:a14="http://schemas.microsoft.com/office/drawing/2010/main" xmlns="">
+                <a14:hiddenEffects xmlns="" xmlns:a14="http://schemas.microsoft.com/office/drawing/2010/main">
                   <a:effectLst>
                     <a:outerShdw blurRad="63500" dist="38099" dir="2700000" algn="ctr" rotWithShape="0">
                       <a:srgbClr val="000000">
@@ -12486,7 +12486,7 @@
             <a:effectLst/>
             <a:extLst>
               <a:ext uri="{909E8E84-426E-40dd-AFC4-6F175D3DCCD1}">
-                <a14:hiddenFill xmlns:a14="http://schemas.microsoft.com/office/drawing/2010/main" xmlns="">
+                <a14:hiddenFill xmlns="" xmlns:a14="http://schemas.microsoft.com/office/drawing/2010/main">
                   <a:blipFill dpi="0" rotWithShape="0">
                     <a:blip/>
                     <a:srcRect/>
@@ -12497,7 +12497,7 @@
                 </a14:hiddenFill>
               </a:ext>
               <a:ext uri="{91240B29-F687-4f45-9708-019B960494DF}">
-                <a14:hiddenLine xmlns:a14="http://schemas.microsoft.com/office/drawing/2010/main" xmlns="" w="9525">
+                <a14:hiddenLine xmlns="" xmlns:a14="http://schemas.microsoft.com/office/drawing/2010/main" w="9525">
                   <a:solidFill>
                     <a:srgbClr val="000000"/>
                   </a:solidFill>
@@ -12507,7 +12507,7 @@
                 </a14:hiddenLine>
               </a:ext>
               <a:ext uri="{AF507438-7753-43e0-B8FC-AC1667EBCBE1}">
-                <a14:hiddenEffects xmlns:a14="http://schemas.microsoft.com/office/drawing/2010/main" xmlns="">
+                <a14:hiddenEffects xmlns="" xmlns:a14="http://schemas.microsoft.com/office/drawing/2010/main">
                   <a:effectLst>
                     <a:outerShdw blurRad="63500" dist="38099" dir="2700000" algn="ctr" rotWithShape="0">
                       <a:srgbClr val="000000">
@@ -12556,7 +12556,7 @@
             <a:effectLst/>
             <a:extLst>
               <a:ext uri="{909E8E84-426E-40dd-AFC4-6F175D3DCCD1}">
-                <a14:hiddenFill xmlns:a14="http://schemas.microsoft.com/office/drawing/2010/main" xmlns="">
+                <a14:hiddenFill xmlns="" xmlns:a14="http://schemas.microsoft.com/office/drawing/2010/main">
                   <a:blipFill dpi="0" rotWithShape="0">
                     <a:blip/>
                     <a:srcRect/>
@@ -12567,7 +12567,7 @@
                 </a14:hiddenFill>
               </a:ext>
               <a:ext uri="{91240B29-F687-4f45-9708-019B960494DF}">
-                <a14:hiddenLine xmlns:a14="http://schemas.microsoft.com/office/drawing/2010/main" xmlns="" w="9525">
+                <a14:hiddenLine xmlns="" xmlns:a14="http://schemas.microsoft.com/office/drawing/2010/main" w="9525">
                   <a:solidFill>
                     <a:srgbClr val="000000"/>
                   </a:solidFill>
@@ -12577,7 +12577,7 @@
                 </a14:hiddenLine>
               </a:ext>
               <a:ext uri="{AF507438-7753-43e0-B8FC-AC1667EBCBE1}">
-                <a14:hiddenEffects xmlns:a14="http://schemas.microsoft.com/office/drawing/2010/main" xmlns="">
+                <a14:hiddenEffects xmlns="" xmlns:a14="http://schemas.microsoft.com/office/drawing/2010/main">
                   <a:effectLst>
                     <a:outerShdw blurRad="63500" dist="38099" dir="2700000" algn="ctr" rotWithShape="0">
                       <a:srgbClr val="000000">
@@ -12618,12 +12618,12 @@
             <a:effectLst/>
             <a:extLst>
               <a:ext uri="{909E8E84-426E-40dd-AFC4-6F175D3DCCD1}">
-                <a14:hiddenFill xmlns:a14="http://schemas.microsoft.com/office/drawing/2010/main" xmlns="">
+                <a14:hiddenFill xmlns="" xmlns:a14="http://schemas.microsoft.com/office/drawing/2010/main">
                   <a:noFill/>
                 </a14:hiddenFill>
               </a:ext>
               <a:ext uri="{AF507438-7753-43e0-B8FC-AC1667EBCBE1}">
-                <a14:hiddenEffects xmlns:a14="http://schemas.microsoft.com/office/drawing/2010/main" xmlns="">
+                <a14:hiddenEffects xmlns="" xmlns:a14="http://schemas.microsoft.com/office/drawing/2010/main">
                   <a:effectLst>
                     <a:outerShdw blurRad="63500" dist="38099" dir="2700000" algn="ctr" rotWithShape="0">
                       <a:srgbClr val="000000">
@@ -12676,12 +12676,12 @@
             <a:effectLst/>
             <a:extLst>
               <a:ext uri="{909E8E84-426E-40dd-AFC4-6F175D3DCCD1}">
-                <a14:hiddenFill xmlns:a14="http://schemas.microsoft.com/office/drawing/2010/main" xmlns="">
+                <a14:hiddenFill xmlns="" xmlns:a14="http://schemas.microsoft.com/office/drawing/2010/main">
                   <a:noFill/>
                 </a14:hiddenFill>
               </a:ext>
               <a:ext uri="{AF507438-7753-43e0-B8FC-AC1667EBCBE1}">
-                <a14:hiddenEffects xmlns:a14="http://schemas.microsoft.com/office/drawing/2010/main" xmlns="">
+                <a14:hiddenEffects xmlns="" xmlns:a14="http://schemas.microsoft.com/office/drawing/2010/main">
                   <a:effectLst>
                     <a:outerShdw blurRad="63500" dist="38099" dir="2700000" algn="ctr" rotWithShape="0">
                       <a:srgbClr val="000000">
@@ -12734,12 +12734,12 @@
             <a:effectLst/>
             <a:extLst>
               <a:ext uri="{909E8E84-426E-40dd-AFC4-6F175D3DCCD1}">
-                <a14:hiddenFill xmlns:a14="http://schemas.microsoft.com/office/drawing/2010/main" xmlns="">
+                <a14:hiddenFill xmlns="" xmlns:a14="http://schemas.microsoft.com/office/drawing/2010/main">
                   <a:noFill/>
                 </a14:hiddenFill>
               </a:ext>
               <a:ext uri="{AF507438-7753-43e0-B8FC-AC1667EBCBE1}">
-                <a14:hiddenEffects xmlns:a14="http://schemas.microsoft.com/office/drawing/2010/main" xmlns="">
+                <a14:hiddenEffects xmlns="" xmlns:a14="http://schemas.microsoft.com/office/drawing/2010/main">
                   <a:effectLst>
                     <a:outerShdw blurRad="63500" dist="38099" dir="2700000" algn="ctr" rotWithShape="0">
                       <a:srgbClr val="000000">
@@ -12792,12 +12792,12 @@
             <a:effectLst/>
             <a:extLst>
               <a:ext uri="{909E8E84-426E-40dd-AFC4-6F175D3DCCD1}">
-                <a14:hiddenFill xmlns:a14="http://schemas.microsoft.com/office/drawing/2010/main" xmlns="">
+                <a14:hiddenFill xmlns="" xmlns:a14="http://schemas.microsoft.com/office/drawing/2010/main">
                   <a:noFill/>
                 </a14:hiddenFill>
               </a:ext>
               <a:ext uri="{AF507438-7753-43e0-B8FC-AC1667EBCBE1}">
-                <a14:hiddenEffects xmlns:a14="http://schemas.microsoft.com/office/drawing/2010/main" xmlns="">
+                <a14:hiddenEffects xmlns="" xmlns:a14="http://schemas.microsoft.com/office/drawing/2010/main">
                   <a:effectLst>
                     <a:outerShdw blurRad="63500" dist="38099" dir="2700000" algn="ctr" rotWithShape="0">
                       <a:srgbClr val="000000">
@@ -12850,12 +12850,12 @@
             <a:effectLst/>
             <a:extLst>
               <a:ext uri="{909E8E84-426E-40dd-AFC4-6F175D3DCCD1}">
-                <a14:hiddenFill xmlns:a14="http://schemas.microsoft.com/office/drawing/2010/main" xmlns="">
+                <a14:hiddenFill xmlns="" xmlns:a14="http://schemas.microsoft.com/office/drawing/2010/main">
                   <a:noFill/>
                 </a14:hiddenFill>
               </a:ext>
               <a:ext uri="{AF507438-7753-43e0-B8FC-AC1667EBCBE1}">
-                <a14:hiddenEffects xmlns:a14="http://schemas.microsoft.com/office/drawing/2010/main" xmlns="">
+                <a14:hiddenEffects xmlns="" xmlns:a14="http://schemas.microsoft.com/office/drawing/2010/main">
                   <a:effectLst>
                     <a:outerShdw blurRad="63500" dist="38099" dir="2700000" algn="ctr" rotWithShape="0">
                       <a:srgbClr val="000000">
@@ -12908,12 +12908,12 @@
             <a:effectLst/>
             <a:extLst>
               <a:ext uri="{909E8E84-426E-40dd-AFC4-6F175D3DCCD1}">
-                <a14:hiddenFill xmlns:a14="http://schemas.microsoft.com/office/drawing/2010/main" xmlns="">
+                <a14:hiddenFill xmlns="" xmlns:a14="http://schemas.microsoft.com/office/drawing/2010/main">
                   <a:noFill/>
                 </a14:hiddenFill>
               </a:ext>
               <a:ext uri="{AF507438-7753-43e0-B8FC-AC1667EBCBE1}">
-                <a14:hiddenEffects xmlns:a14="http://schemas.microsoft.com/office/drawing/2010/main" xmlns="">
+                <a14:hiddenEffects xmlns="" xmlns:a14="http://schemas.microsoft.com/office/drawing/2010/main">
                   <a:effectLst>
                     <a:outerShdw blurRad="63500" dist="38099" dir="2700000" algn="ctr" rotWithShape="0">
                       <a:srgbClr val="000000">
@@ -12966,12 +12966,12 @@
             <a:effectLst/>
             <a:extLst>
               <a:ext uri="{909E8E84-426E-40dd-AFC4-6F175D3DCCD1}">
-                <a14:hiddenFill xmlns:a14="http://schemas.microsoft.com/office/drawing/2010/main" xmlns="">
+                <a14:hiddenFill xmlns="" xmlns:a14="http://schemas.microsoft.com/office/drawing/2010/main">
                   <a:noFill/>
                 </a14:hiddenFill>
               </a:ext>
               <a:ext uri="{AF507438-7753-43e0-B8FC-AC1667EBCBE1}">
-                <a14:hiddenEffects xmlns:a14="http://schemas.microsoft.com/office/drawing/2010/main" xmlns="">
+                <a14:hiddenEffects xmlns="" xmlns:a14="http://schemas.microsoft.com/office/drawing/2010/main">
                   <a:effectLst>
                     <a:outerShdw blurRad="63500" dist="38099" dir="2700000" algn="ctr" rotWithShape="0">
                       <a:srgbClr val="000000">
@@ -13024,12 +13024,12 @@
             <a:effectLst/>
             <a:extLst>
               <a:ext uri="{909E8E84-426E-40dd-AFC4-6F175D3DCCD1}">
-                <a14:hiddenFill xmlns:a14="http://schemas.microsoft.com/office/drawing/2010/main" xmlns="">
+                <a14:hiddenFill xmlns="" xmlns:a14="http://schemas.microsoft.com/office/drawing/2010/main">
                   <a:noFill/>
                 </a14:hiddenFill>
               </a:ext>
               <a:ext uri="{AF507438-7753-43e0-B8FC-AC1667EBCBE1}">
-                <a14:hiddenEffects xmlns:a14="http://schemas.microsoft.com/office/drawing/2010/main" xmlns="">
+                <a14:hiddenEffects xmlns="" xmlns:a14="http://schemas.microsoft.com/office/drawing/2010/main">
                   <a:effectLst>
                     <a:outerShdw blurRad="63500" dist="38099" dir="2700000" algn="ctr" rotWithShape="0">
                       <a:srgbClr val="000000">
@@ -13082,12 +13082,12 @@
             <a:effectLst/>
             <a:extLst>
               <a:ext uri="{909E8E84-426E-40dd-AFC4-6F175D3DCCD1}">
-                <a14:hiddenFill xmlns:a14="http://schemas.microsoft.com/office/drawing/2010/main" xmlns="">
+                <a14:hiddenFill xmlns="" xmlns:a14="http://schemas.microsoft.com/office/drawing/2010/main">
                   <a:noFill/>
                 </a14:hiddenFill>
               </a:ext>
               <a:ext uri="{AF507438-7753-43e0-B8FC-AC1667EBCBE1}">
-                <a14:hiddenEffects xmlns:a14="http://schemas.microsoft.com/office/drawing/2010/main" xmlns="">
+                <a14:hiddenEffects xmlns="" xmlns:a14="http://schemas.microsoft.com/office/drawing/2010/main">
                   <a:effectLst>
                     <a:outerShdw blurRad="63500" dist="38099" dir="2700000" algn="ctr" rotWithShape="0">
                       <a:srgbClr val="000000">
@@ -13140,12 +13140,12 @@
             <a:effectLst/>
             <a:extLst>
               <a:ext uri="{909E8E84-426E-40dd-AFC4-6F175D3DCCD1}">
-                <a14:hiddenFill xmlns:a14="http://schemas.microsoft.com/office/drawing/2010/main" xmlns="">
+                <a14:hiddenFill xmlns="" xmlns:a14="http://schemas.microsoft.com/office/drawing/2010/main">
                   <a:noFill/>
                 </a14:hiddenFill>
               </a:ext>
               <a:ext uri="{AF507438-7753-43e0-B8FC-AC1667EBCBE1}">
-                <a14:hiddenEffects xmlns:a14="http://schemas.microsoft.com/office/drawing/2010/main" xmlns="">
+                <a14:hiddenEffects xmlns="" xmlns:a14="http://schemas.microsoft.com/office/drawing/2010/main">
                   <a:effectLst>
                     <a:outerShdw blurRad="63500" dist="38099" dir="2700000" algn="ctr" rotWithShape="0">
                       <a:srgbClr val="000000">
@@ -13206,7 +13206,7 @@
             <a:effectLst/>
             <a:extLst>
               <a:ext uri="{909E8E84-426E-40dd-AFC4-6F175D3DCCD1}">
-                <a14:hiddenFill xmlns:a14="http://schemas.microsoft.com/office/drawing/2010/main" xmlns="">
+                <a14:hiddenFill xmlns="" xmlns:a14="http://schemas.microsoft.com/office/drawing/2010/main">
                   <a:blipFill dpi="0" rotWithShape="0">
                     <a:blip/>
                     <a:srcRect/>
@@ -13217,7 +13217,7 @@
                 </a14:hiddenFill>
               </a:ext>
               <a:ext uri="{91240B29-F687-4f45-9708-019B960494DF}">
-                <a14:hiddenLine xmlns:a14="http://schemas.microsoft.com/office/drawing/2010/main" xmlns="" w="9525">
+                <a14:hiddenLine xmlns="" xmlns:a14="http://schemas.microsoft.com/office/drawing/2010/main" w="9525">
                   <a:solidFill>
                     <a:srgbClr val="000000"/>
                   </a:solidFill>
@@ -13227,7 +13227,7 @@
                 </a14:hiddenLine>
               </a:ext>
               <a:ext uri="{AF507438-7753-43e0-B8FC-AC1667EBCBE1}">
-                <a14:hiddenEffects xmlns:a14="http://schemas.microsoft.com/office/drawing/2010/main" xmlns="">
+                <a14:hiddenEffects xmlns="" xmlns:a14="http://schemas.microsoft.com/office/drawing/2010/main">
                   <a:effectLst>
                     <a:outerShdw blurRad="63500" dist="38099" dir="2700000" algn="ctr" rotWithShape="0">
                       <a:srgbClr val="000000">
@@ -13276,7 +13276,7 @@
             <a:effectLst/>
             <a:extLst>
               <a:ext uri="{909E8E84-426E-40dd-AFC4-6F175D3DCCD1}">
-                <a14:hiddenFill xmlns:a14="http://schemas.microsoft.com/office/drawing/2010/main" xmlns="">
+                <a14:hiddenFill xmlns="" xmlns:a14="http://schemas.microsoft.com/office/drawing/2010/main">
                   <a:blipFill dpi="0" rotWithShape="0">
                     <a:blip/>
                     <a:srcRect/>
@@ -13287,7 +13287,7 @@
                 </a14:hiddenFill>
               </a:ext>
               <a:ext uri="{91240B29-F687-4f45-9708-019B960494DF}">
-                <a14:hiddenLine xmlns:a14="http://schemas.microsoft.com/office/drawing/2010/main" xmlns="" w="9525">
+                <a14:hiddenLine xmlns="" xmlns:a14="http://schemas.microsoft.com/office/drawing/2010/main" w="9525">
                   <a:solidFill>
                     <a:srgbClr val="000000"/>
                   </a:solidFill>
@@ -13297,7 +13297,7 @@
                 </a14:hiddenLine>
               </a:ext>
               <a:ext uri="{AF507438-7753-43e0-B8FC-AC1667EBCBE1}">
-                <a14:hiddenEffects xmlns:a14="http://schemas.microsoft.com/office/drawing/2010/main" xmlns="">
+                <a14:hiddenEffects xmlns="" xmlns:a14="http://schemas.microsoft.com/office/drawing/2010/main">
                   <a:effectLst>
                     <a:outerShdw blurRad="63500" dist="38099" dir="2700000" algn="ctr" rotWithShape="0">
                       <a:srgbClr val="000000">
@@ -13346,7 +13346,7 @@
             <a:effectLst/>
             <a:extLst>
               <a:ext uri="{909E8E84-426E-40dd-AFC4-6F175D3DCCD1}">
-                <a14:hiddenFill xmlns:a14="http://schemas.microsoft.com/office/drawing/2010/main" xmlns="">
+                <a14:hiddenFill xmlns="" xmlns:a14="http://schemas.microsoft.com/office/drawing/2010/main">
                   <a:blipFill dpi="0" rotWithShape="0">
                     <a:blip/>
                     <a:srcRect/>
@@ -13357,7 +13357,7 @@
                 </a14:hiddenFill>
               </a:ext>
               <a:ext uri="{91240B29-F687-4f45-9708-019B960494DF}">
-                <a14:hiddenLine xmlns:a14="http://schemas.microsoft.com/office/drawing/2010/main" xmlns="" w="9525">
+                <a14:hiddenLine xmlns="" xmlns:a14="http://schemas.microsoft.com/office/drawing/2010/main" w="9525">
                   <a:solidFill>
                     <a:srgbClr val="000000"/>
                   </a:solidFill>
@@ -13367,7 +13367,7 @@
                 </a14:hiddenLine>
               </a:ext>
               <a:ext uri="{AF507438-7753-43e0-B8FC-AC1667EBCBE1}">
-                <a14:hiddenEffects xmlns:a14="http://schemas.microsoft.com/office/drawing/2010/main" xmlns="">
+                <a14:hiddenEffects xmlns="" xmlns:a14="http://schemas.microsoft.com/office/drawing/2010/main">
                   <a:effectLst>
                     <a:outerShdw blurRad="63500" dist="38099" dir="2700000" algn="ctr" rotWithShape="0">
                       <a:srgbClr val="000000">
@@ -13416,7 +13416,7 @@
             <a:effectLst/>
             <a:extLst>
               <a:ext uri="{909E8E84-426E-40dd-AFC4-6F175D3DCCD1}">
-                <a14:hiddenFill xmlns:a14="http://schemas.microsoft.com/office/drawing/2010/main" xmlns="">
+                <a14:hiddenFill xmlns="" xmlns:a14="http://schemas.microsoft.com/office/drawing/2010/main">
                   <a:blipFill dpi="0" rotWithShape="0">
                     <a:blip/>
                     <a:srcRect/>
@@ -13427,7 +13427,7 @@
                 </a14:hiddenFill>
               </a:ext>
               <a:ext uri="{91240B29-F687-4f45-9708-019B960494DF}">
-                <a14:hiddenLine xmlns:a14="http://schemas.microsoft.com/office/drawing/2010/main" xmlns="" w="9525">
+                <a14:hiddenLine xmlns="" xmlns:a14="http://schemas.microsoft.com/office/drawing/2010/main" w="9525">
                   <a:solidFill>
                     <a:srgbClr val="000000"/>
                   </a:solidFill>
@@ -13437,7 +13437,7 @@
                 </a14:hiddenLine>
               </a:ext>
               <a:ext uri="{AF507438-7753-43e0-B8FC-AC1667EBCBE1}">
-                <a14:hiddenEffects xmlns:a14="http://schemas.microsoft.com/office/drawing/2010/main" xmlns="">
+                <a14:hiddenEffects xmlns="" xmlns:a14="http://schemas.microsoft.com/office/drawing/2010/main">
                   <a:effectLst>
                     <a:outerShdw blurRad="63500" dist="38099" dir="2700000" algn="ctr" rotWithShape="0">
                       <a:srgbClr val="000000">
@@ -13486,7 +13486,7 @@
             <a:effectLst/>
             <a:extLst>
               <a:ext uri="{909E8E84-426E-40dd-AFC4-6F175D3DCCD1}">
-                <a14:hiddenFill xmlns:a14="http://schemas.microsoft.com/office/drawing/2010/main" xmlns="">
+                <a14:hiddenFill xmlns="" xmlns:a14="http://schemas.microsoft.com/office/drawing/2010/main">
                   <a:blipFill dpi="0" rotWithShape="0">
                     <a:blip/>
                     <a:srcRect/>
@@ -13497,7 +13497,7 @@
                 </a14:hiddenFill>
               </a:ext>
               <a:ext uri="{91240B29-F687-4f45-9708-019B960494DF}">
-                <a14:hiddenLine xmlns:a14="http://schemas.microsoft.com/office/drawing/2010/main" xmlns="" w="9525">
+                <a14:hiddenLine xmlns="" xmlns:a14="http://schemas.microsoft.com/office/drawing/2010/main" w="9525">
                   <a:solidFill>
                     <a:srgbClr val="000000"/>
                   </a:solidFill>
@@ -13507,7 +13507,7 @@
                 </a14:hiddenLine>
               </a:ext>
               <a:ext uri="{AF507438-7753-43e0-B8FC-AC1667EBCBE1}">
-                <a14:hiddenEffects xmlns:a14="http://schemas.microsoft.com/office/drawing/2010/main" xmlns="">
+                <a14:hiddenEffects xmlns="" xmlns:a14="http://schemas.microsoft.com/office/drawing/2010/main">
                   <a:effectLst>
                     <a:outerShdw blurRad="63500" dist="38099" dir="2700000" algn="ctr" rotWithShape="0">
                       <a:srgbClr val="000000">
@@ -13548,12 +13548,12 @@
             <a:effectLst/>
             <a:extLst>
               <a:ext uri="{909E8E84-426E-40dd-AFC4-6F175D3DCCD1}">
-                <a14:hiddenFill xmlns:a14="http://schemas.microsoft.com/office/drawing/2010/main" xmlns="">
+                <a14:hiddenFill xmlns="" xmlns:a14="http://schemas.microsoft.com/office/drawing/2010/main">
                   <a:noFill/>
                 </a14:hiddenFill>
               </a:ext>
               <a:ext uri="{AF507438-7753-43e0-B8FC-AC1667EBCBE1}">
-                <a14:hiddenEffects xmlns:a14="http://schemas.microsoft.com/office/drawing/2010/main" xmlns="">
+                <a14:hiddenEffects xmlns="" xmlns:a14="http://schemas.microsoft.com/office/drawing/2010/main">
                   <a:effectLst>
                     <a:outerShdw blurRad="63500" dist="38099" dir="2700000" algn="ctr" rotWithShape="0">
                       <a:srgbClr val="000000">
@@ -13606,12 +13606,12 @@
             <a:effectLst/>
             <a:extLst>
               <a:ext uri="{909E8E84-426E-40dd-AFC4-6F175D3DCCD1}">
-                <a14:hiddenFill xmlns:a14="http://schemas.microsoft.com/office/drawing/2010/main" xmlns="">
+                <a14:hiddenFill xmlns="" xmlns:a14="http://schemas.microsoft.com/office/drawing/2010/main">
                   <a:noFill/>
                 </a14:hiddenFill>
               </a:ext>
               <a:ext uri="{AF507438-7753-43e0-B8FC-AC1667EBCBE1}">
-                <a14:hiddenEffects xmlns:a14="http://schemas.microsoft.com/office/drawing/2010/main" xmlns="">
+                <a14:hiddenEffects xmlns="" xmlns:a14="http://schemas.microsoft.com/office/drawing/2010/main">
                   <a:effectLst>
                     <a:outerShdw blurRad="63500" dist="38099" dir="2700000" algn="ctr" rotWithShape="0">
                       <a:srgbClr val="000000">
@@ -13672,7 +13672,7 @@
             <a:effectLst/>
             <a:extLst>
               <a:ext uri="{909E8E84-426E-40dd-AFC4-6F175D3DCCD1}">
-                <a14:hiddenFill xmlns:a14="http://schemas.microsoft.com/office/drawing/2010/main" xmlns="">
+                <a14:hiddenFill xmlns="" xmlns:a14="http://schemas.microsoft.com/office/drawing/2010/main">
                   <a:blipFill dpi="0" rotWithShape="0">
                     <a:blip/>
                     <a:srcRect/>
@@ -13683,7 +13683,7 @@
                 </a14:hiddenFill>
               </a:ext>
               <a:ext uri="{91240B29-F687-4f45-9708-019B960494DF}">
-                <a14:hiddenLine xmlns:a14="http://schemas.microsoft.com/office/drawing/2010/main" xmlns="" w="9525">
+                <a14:hiddenLine xmlns="" xmlns:a14="http://schemas.microsoft.com/office/drawing/2010/main" w="9525">
                   <a:solidFill>
                     <a:srgbClr val="000000"/>
                   </a:solidFill>
@@ -13693,7 +13693,7 @@
                 </a14:hiddenLine>
               </a:ext>
               <a:ext uri="{AF507438-7753-43e0-B8FC-AC1667EBCBE1}">
-                <a14:hiddenEffects xmlns:a14="http://schemas.microsoft.com/office/drawing/2010/main" xmlns="">
+                <a14:hiddenEffects xmlns="" xmlns:a14="http://schemas.microsoft.com/office/drawing/2010/main">
                   <a:effectLst>
                     <a:outerShdw blurRad="63500" dist="38099" dir="2700000" algn="ctr" rotWithShape="0">
                       <a:srgbClr val="000000">
@@ -13826,7 +13826,7 @@
           <a:effectLst/>
           <a:extLst>
             <a:ext uri="{909E8E84-426E-40dd-AFC4-6F175D3DCCD1}">
-              <a14:hiddenFill xmlns="" xmlns:a14="http://schemas.microsoft.com/office/drawing/2010/main">
+              <a14:hiddenFill xmlns:a14="http://schemas.microsoft.com/office/drawing/2010/main" xmlns="">
                 <a:blipFill dpi="0" rotWithShape="0">
                   <a:blip/>
                   <a:srcRect/>
@@ -13837,7 +13837,7 @@
               </a14:hiddenFill>
             </a:ext>
             <a:ext uri="{91240B29-F687-4f45-9708-019B960494DF}">
-              <a14:hiddenLine xmlns="" xmlns:a14="http://schemas.microsoft.com/office/drawing/2010/main" w="9525">
+              <a14:hiddenLine xmlns:a14="http://schemas.microsoft.com/office/drawing/2010/main" xmlns="" w="9525">
                 <a:solidFill>
                   <a:srgbClr val="000000"/>
                 </a:solidFill>
@@ -13847,7 +13847,7 @@
               </a14:hiddenLine>
             </a:ext>
             <a:ext uri="{AF507438-7753-43e0-B8FC-AC1667EBCBE1}">
-              <a14:hiddenEffects xmlns="" xmlns:a14="http://schemas.microsoft.com/office/drawing/2010/main">
+              <a14:hiddenEffects xmlns:a14="http://schemas.microsoft.com/office/drawing/2010/main" xmlns="">
                 <a:effectLst>
                   <a:outerShdw blurRad="63500" dist="38099" dir="2700000" algn="ctr" rotWithShape="0">
                     <a:srgbClr val="000000">
@@ -13932,7 +13932,7 @@
           <a:effectLst/>
           <a:extLst>
             <a:ext uri="{909E8E84-426E-40dd-AFC4-6F175D3DCCD1}">
-              <a14:hiddenFill xmlns="" xmlns:a14="http://schemas.microsoft.com/office/drawing/2010/main">
+              <a14:hiddenFill xmlns:a14="http://schemas.microsoft.com/office/drawing/2010/main" xmlns="">
                 <a:blipFill dpi="0" rotWithShape="0">
                   <a:blip/>
                   <a:srcRect/>
@@ -13943,7 +13943,7 @@
               </a14:hiddenFill>
             </a:ext>
             <a:ext uri="{91240B29-F687-4f45-9708-019B960494DF}">
-              <a14:hiddenLine xmlns="" xmlns:a14="http://schemas.microsoft.com/office/drawing/2010/main" w="9525">
+              <a14:hiddenLine xmlns:a14="http://schemas.microsoft.com/office/drawing/2010/main" xmlns="" w="9525">
                 <a:solidFill>
                   <a:srgbClr val="000000"/>
                 </a:solidFill>
@@ -13953,7 +13953,7 @@
               </a14:hiddenLine>
             </a:ext>
             <a:ext uri="{AF507438-7753-43e0-B8FC-AC1667EBCBE1}">
-              <a14:hiddenEffects xmlns="" xmlns:a14="http://schemas.microsoft.com/office/drawing/2010/main">
+              <a14:hiddenEffects xmlns:a14="http://schemas.microsoft.com/office/drawing/2010/main" xmlns="">
                 <a:effectLst>
                   <a:outerShdw blurRad="63500" dist="38099" dir="2700000" algn="ctr" rotWithShape="0">
                     <a:srgbClr val="000000">
@@ -14038,7 +14038,7 @@
           <a:effectLst/>
           <a:extLst>
             <a:ext uri="{909E8E84-426E-40dd-AFC4-6F175D3DCCD1}">
-              <a14:hiddenFill xmlns="" xmlns:a14="http://schemas.microsoft.com/office/drawing/2010/main">
+              <a14:hiddenFill xmlns:a14="http://schemas.microsoft.com/office/drawing/2010/main" xmlns="">
                 <a:blipFill dpi="0" rotWithShape="0">
                   <a:blip/>
                   <a:srcRect/>
@@ -14049,7 +14049,7 @@
               </a14:hiddenFill>
             </a:ext>
             <a:ext uri="{91240B29-F687-4f45-9708-019B960494DF}">
-              <a14:hiddenLine xmlns="" xmlns:a14="http://schemas.microsoft.com/office/drawing/2010/main" w="9525">
+              <a14:hiddenLine xmlns:a14="http://schemas.microsoft.com/office/drawing/2010/main" xmlns="" w="9525">
                 <a:solidFill>
                   <a:srgbClr val="000000"/>
                 </a:solidFill>
@@ -14059,7 +14059,7 @@
               </a14:hiddenLine>
             </a:ext>
             <a:ext uri="{AF507438-7753-43e0-B8FC-AC1667EBCBE1}">
-              <a14:hiddenEffects xmlns="" xmlns:a14="http://schemas.microsoft.com/office/drawing/2010/main">
+              <a14:hiddenEffects xmlns:a14="http://schemas.microsoft.com/office/drawing/2010/main" xmlns="">
                 <a:effectLst>
                   <a:outerShdw blurRad="63500" dist="38099" dir="2700000" algn="ctr" rotWithShape="0">
                     <a:srgbClr val="000000">
@@ -14238,7 +14238,7 @@
           <a:effectLst/>
           <a:extLst>
             <a:ext uri="{909E8E84-426E-40dd-AFC4-6F175D3DCCD1}">
-              <a14:hiddenFill xmlns="" xmlns:a14="http://schemas.microsoft.com/office/drawing/2010/main">
+              <a14:hiddenFill xmlns:a14="http://schemas.microsoft.com/office/drawing/2010/main" xmlns="">
                 <a:blipFill dpi="0" rotWithShape="0">
                   <a:blip/>
                   <a:srcRect/>
@@ -14249,7 +14249,7 @@
               </a14:hiddenFill>
             </a:ext>
             <a:ext uri="{91240B29-F687-4f45-9708-019B960494DF}">
-              <a14:hiddenLine xmlns="" xmlns:a14="http://schemas.microsoft.com/office/drawing/2010/main" w="9525">
+              <a14:hiddenLine xmlns:a14="http://schemas.microsoft.com/office/drawing/2010/main" xmlns="" w="9525">
                 <a:solidFill>
                   <a:srgbClr val="000000"/>
                 </a:solidFill>
@@ -14259,7 +14259,7 @@
               </a14:hiddenLine>
             </a:ext>
             <a:ext uri="{AF507438-7753-43e0-B8FC-AC1667EBCBE1}">
-              <a14:hiddenEffects xmlns="" xmlns:a14="http://schemas.microsoft.com/office/drawing/2010/main">
+              <a14:hiddenEffects xmlns:a14="http://schemas.microsoft.com/office/drawing/2010/main" xmlns="">
                 <a:effectLst>
                   <a:outerShdw blurRad="63500" dist="38099" dir="2700000" algn="ctr" rotWithShape="0">
                     <a:srgbClr val="000000">
@@ -14337,7 +14337,7 @@
           <a:effectLst/>
           <a:extLst>
             <a:ext uri="{909E8E84-426E-40dd-AFC4-6F175D3DCCD1}">
-              <a14:hiddenFill xmlns="" xmlns:a14="http://schemas.microsoft.com/office/drawing/2010/main">
+              <a14:hiddenFill xmlns:a14="http://schemas.microsoft.com/office/drawing/2010/main" xmlns="">
                 <a:blipFill dpi="0" rotWithShape="0">
                   <a:blip/>
                   <a:srcRect/>
@@ -14348,7 +14348,7 @@
               </a14:hiddenFill>
             </a:ext>
             <a:ext uri="{91240B29-F687-4f45-9708-019B960494DF}">
-              <a14:hiddenLine xmlns="" xmlns:a14="http://schemas.microsoft.com/office/drawing/2010/main" w="9525">
+              <a14:hiddenLine xmlns:a14="http://schemas.microsoft.com/office/drawing/2010/main" xmlns="" w="9525">
                 <a:solidFill>
                   <a:srgbClr val="000000"/>
                 </a:solidFill>
@@ -14358,7 +14358,7 @@
               </a14:hiddenLine>
             </a:ext>
             <a:ext uri="{AF507438-7753-43e0-B8FC-AC1667EBCBE1}">
-              <a14:hiddenEffects xmlns="" xmlns:a14="http://schemas.microsoft.com/office/drawing/2010/main">
+              <a14:hiddenEffects xmlns:a14="http://schemas.microsoft.com/office/drawing/2010/main" xmlns="">
                 <a:effectLst>
                   <a:outerShdw blurRad="63500" dist="38099" dir="2700000" algn="ctr" rotWithShape="0">
                     <a:srgbClr val="000000">
@@ -16223,7 +16223,7 @@
           <a:effectLst/>
           <a:extLst>
             <a:ext uri="{909E8E84-426E-40dd-AFC4-6F175D3DCCD1}">
-              <a14:hiddenFill xmlns:a14="http://schemas.microsoft.com/office/drawing/2010/main" xmlns="">
+              <a14:hiddenFill xmlns="" xmlns:a14="http://schemas.microsoft.com/office/drawing/2010/main">
                 <a:blipFill dpi="0" rotWithShape="0">
                   <a:blip/>
                   <a:srcRect/>
@@ -16234,7 +16234,7 @@
               </a14:hiddenFill>
             </a:ext>
             <a:ext uri="{91240B29-F687-4f45-9708-019B960494DF}">
-              <a14:hiddenLine xmlns:a14="http://schemas.microsoft.com/office/drawing/2010/main" xmlns="" w="9525">
+              <a14:hiddenLine xmlns="" xmlns:a14="http://schemas.microsoft.com/office/drawing/2010/main" w="9525">
                 <a:solidFill>
                   <a:srgbClr val="000000"/>
                 </a:solidFill>
@@ -16244,7 +16244,7 @@
               </a14:hiddenLine>
             </a:ext>
             <a:ext uri="{AF507438-7753-43e0-B8FC-AC1667EBCBE1}">
-              <a14:hiddenEffects xmlns:a14="http://schemas.microsoft.com/office/drawing/2010/main" xmlns="">
+              <a14:hiddenEffects xmlns="" xmlns:a14="http://schemas.microsoft.com/office/drawing/2010/main">
                 <a:effectLst>
                   <a:outerShdw blurRad="63500" dist="38099" dir="2700000" algn="ctr" rotWithShape="0">
                     <a:srgbClr val="000000">
@@ -16404,7 +16404,7 @@
           <a:effectLst/>
           <a:extLst>
             <a:ext uri="{909E8E84-426E-40dd-AFC4-6F175D3DCCD1}">
-              <a14:hiddenFill xmlns:a14="http://schemas.microsoft.com/office/drawing/2010/main" xmlns="">
+              <a14:hiddenFill xmlns="" xmlns:a14="http://schemas.microsoft.com/office/drawing/2010/main">
                 <a:blipFill dpi="0" rotWithShape="0">
                   <a:blip/>
                   <a:srcRect/>
@@ -16415,7 +16415,7 @@
               </a14:hiddenFill>
             </a:ext>
             <a:ext uri="{91240B29-F687-4f45-9708-019B960494DF}">
-              <a14:hiddenLine xmlns:a14="http://schemas.microsoft.com/office/drawing/2010/main" xmlns="" w="9525">
+              <a14:hiddenLine xmlns="" xmlns:a14="http://schemas.microsoft.com/office/drawing/2010/main" w="9525">
                 <a:solidFill>
                   <a:srgbClr val="000000"/>
                 </a:solidFill>
@@ -16425,7 +16425,7 @@
               </a14:hiddenLine>
             </a:ext>
             <a:ext uri="{AF507438-7753-43e0-B8FC-AC1667EBCBE1}">
-              <a14:hiddenEffects xmlns:a14="http://schemas.microsoft.com/office/drawing/2010/main" xmlns="">
+              <a14:hiddenEffects xmlns="" xmlns:a14="http://schemas.microsoft.com/office/drawing/2010/main">
                 <a:effectLst>
                   <a:outerShdw blurRad="63500" dist="38099" dir="2700000" algn="ctr" rotWithShape="0">
                     <a:srgbClr val="000000">
@@ -18224,7 +18224,7 @@
           <a:effectLst/>
           <a:extLst>
             <a:ext uri="{909E8E84-426E-40dd-AFC4-6F175D3DCCD1}">
-              <a14:hiddenFill xmlns:a14="http://schemas.microsoft.com/office/drawing/2010/main" xmlns="">
+              <a14:hiddenFill xmlns="" xmlns:a14="http://schemas.microsoft.com/office/drawing/2010/main">
                 <a:blipFill dpi="0" rotWithShape="0">
                   <a:blip/>
                   <a:srcRect/>
@@ -18235,7 +18235,7 @@
               </a14:hiddenFill>
             </a:ext>
             <a:ext uri="{91240B29-F687-4f45-9708-019B960494DF}">
-              <a14:hiddenLine xmlns:a14="http://schemas.microsoft.com/office/drawing/2010/main" xmlns="" w="9525">
+              <a14:hiddenLine xmlns="" xmlns:a14="http://schemas.microsoft.com/office/drawing/2010/main" w="9525">
                 <a:solidFill>
                   <a:srgbClr val="000000"/>
                 </a:solidFill>
@@ -18245,7 +18245,7 @@
               </a14:hiddenLine>
             </a:ext>
             <a:ext uri="{AF507438-7753-43e0-B8FC-AC1667EBCBE1}">
-              <a14:hiddenEffects xmlns:a14="http://schemas.microsoft.com/office/drawing/2010/main" xmlns="">
+              <a14:hiddenEffects xmlns="" xmlns:a14="http://schemas.microsoft.com/office/drawing/2010/main">
                 <a:effectLst>
                   <a:outerShdw blurRad="63500" dist="38099" dir="2700000" algn="ctr" rotWithShape="0">
                     <a:srgbClr val="000000">
@@ -18338,7 +18338,7 @@
           <a:effectLst/>
           <a:extLst>
             <a:ext uri="{909E8E84-426E-40dd-AFC4-6F175D3DCCD1}">
-              <a14:hiddenFill xmlns:a14="http://schemas.microsoft.com/office/drawing/2010/main" xmlns="">
+              <a14:hiddenFill xmlns="" xmlns:a14="http://schemas.microsoft.com/office/drawing/2010/main">
                 <a:blipFill dpi="0" rotWithShape="0">
                   <a:blip/>
                   <a:srcRect/>
@@ -18349,7 +18349,7 @@
               </a14:hiddenFill>
             </a:ext>
             <a:ext uri="{91240B29-F687-4f45-9708-019B960494DF}">
-              <a14:hiddenLine xmlns:a14="http://schemas.microsoft.com/office/drawing/2010/main" xmlns="" w="9525">
+              <a14:hiddenLine xmlns="" xmlns:a14="http://schemas.microsoft.com/office/drawing/2010/main" w="9525">
                 <a:solidFill>
                   <a:srgbClr val="000000"/>
                 </a:solidFill>
@@ -18359,7 +18359,7 @@
               </a14:hiddenLine>
             </a:ext>
             <a:ext uri="{AF507438-7753-43e0-B8FC-AC1667EBCBE1}">
-              <a14:hiddenEffects xmlns:a14="http://schemas.microsoft.com/office/drawing/2010/main" xmlns="">
+              <a14:hiddenEffects xmlns="" xmlns:a14="http://schemas.microsoft.com/office/drawing/2010/main">
                 <a:effectLst>
                   <a:outerShdw blurRad="63500" dist="38099" dir="2700000" algn="ctr" rotWithShape="0">
                     <a:srgbClr val="000000">
@@ -21231,7 +21231,7 @@
           <a:effectLst/>
           <a:extLst>
             <a:ext uri="{909E8E84-426E-40dd-AFC4-6F175D3DCCD1}">
-              <a14:hiddenFill xmlns:a14="http://schemas.microsoft.com/office/drawing/2010/main" xmlns="">
+              <a14:hiddenFill xmlns="" xmlns:a14="http://schemas.microsoft.com/office/drawing/2010/main">
                 <a:blipFill dpi="0" rotWithShape="0">
                   <a:blip/>
                   <a:srcRect/>
@@ -21242,7 +21242,7 @@
               </a14:hiddenFill>
             </a:ext>
             <a:ext uri="{91240B29-F687-4f45-9708-019B960494DF}">
-              <a14:hiddenLine xmlns:a14="http://schemas.microsoft.com/office/drawing/2010/main" xmlns="" w="9525">
+              <a14:hiddenLine xmlns="" xmlns:a14="http://schemas.microsoft.com/office/drawing/2010/main" w="9525">
                 <a:solidFill>
                   <a:srgbClr val="000000"/>
                 </a:solidFill>
@@ -21252,7 +21252,7 @@
               </a14:hiddenLine>
             </a:ext>
             <a:ext uri="{AF507438-7753-43e0-B8FC-AC1667EBCBE1}">
-              <a14:hiddenEffects xmlns:a14="http://schemas.microsoft.com/office/drawing/2010/main" xmlns="">
+              <a14:hiddenEffects xmlns="" xmlns:a14="http://schemas.microsoft.com/office/drawing/2010/main">
                 <a:effectLst>
                   <a:outerShdw blurRad="63500" dist="38099" dir="2700000" algn="ctr" rotWithShape="0">
                     <a:srgbClr val="000000">
@@ -21331,7 +21331,7 @@
           <a:effectLst/>
           <a:extLst>
             <a:ext uri="{909E8E84-426E-40dd-AFC4-6F175D3DCCD1}">
-              <a14:hiddenFill xmlns:a14="http://schemas.microsoft.com/office/drawing/2010/main" xmlns="">
+              <a14:hiddenFill xmlns="" xmlns:a14="http://schemas.microsoft.com/office/drawing/2010/main">
                 <a:blipFill dpi="0" rotWithShape="0">
                   <a:blip/>
                   <a:srcRect/>
@@ -21342,7 +21342,7 @@
               </a14:hiddenFill>
             </a:ext>
             <a:ext uri="{91240B29-F687-4f45-9708-019B960494DF}">
-              <a14:hiddenLine xmlns:a14="http://schemas.microsoft.com/office/drawing/2010/main" xmlns="" w="9525">
+              <a14:hiddenLine xmlns="" xmlns:a14="http://schemas.microsoft.com/office/drawing/2010/main" w="9525">
                 <a:solidFill>
                   <a:srgbClr val="000000"/>
                 </a:solidFill>
@@ -21352,7 +21352,7 @@
               </a14:hiddenLine>
             </a:ext>
             <a:ext uri="{AF507438-7753-43e0-B8FC-AC1667EBCBE1}">
-              <a14:hiddenEffects xmlns:a14="http://schemas.microsoft.com/office/drawing/2010/main" xmlns="">
+              <a14:hiddenEffects xmlns="" xmlns:a14="http://schemas.microsoft.com/office/drawing/2010/main">
                 <a:effectLst>
                   <a:outerShdw blurRad="63500" dist="38099" dir="2700000" algn="ctr" rotWithShape="0">
                     <a:srgbClr val="000000">
@@ -22935,7 +22935,7 @@
           <a:effectLst/>
           <a:extLst>
             <a:ext uri="{909E8E84-426E-40dd-AFC4-6F175D3DCCD1}">
-              <a14:hiddenFill xmlns:a14="http://schemas.microsoft.com/office/drawing/2010/main" xmlns="">
+              <a14:hiddenFill xmlns="" xmlns:a14="http://schemas.microsoft.com/office/drawing/2010/main">
                 <a:blipFill dpi="0" rotWithShape="0">
                   <a:blip/>
                   <a:srcRect/>
@@ -22946,7 +22946,7 @@
               </a14:hiddenFill>
             </a:ext>
             <a:ext uri="{91240B29-F687-4f45-9708-019B960494DF}">
-              <a14:hiddenLine xmlns:a14="http://schemas.microsoft.com/office/drawing/2010/main" xmlns="" w="9525">
+              <a14:hiddenLine xmlns="" xmlns:a14="http://schemas.microsoft.com/office/drawing/2010/main" w="9525">
                 <a:solidFill>
                   <a:srgbClr val="000000"/>
                 </a:solidFill>
@@ -22956,7 +22956,7 @@
               </a14:hiddenLine>
             </a:ext>
             <a:ext uri="{AF507438-7753-43e0-B8FC-AC1667EBCBE1}">
-              <a14:hiddenEffects xmlns:a14="http://schemas.microsoft.com/office/drawing/2010/main" xmlns="">
+              <a14:hiddenEffects xmlns="" xmlns:a14="http://schemas.microsoft.com/office/drawing/2010/main">
                 <a:effectLst>
                   <a:outerShdw blurRad="63500" dist="38099" dir="2700000" algn="ctr" rotWithShape="0">
                     <a:srgbClr val="000000">
@@ -24604,7 +24604,7 @@
           <a:effectLst/>
           <a:extLst>
             <a:ext uri="{909E8E84-426E-40dd-AFC4-6F175D3DCCD1}">
-              <a14:hiddenFill xmlns:a14="http://schemas.microsoft.com/office/drawing/2010/main" xmlns="">
+              <a14:hiddenFill xmlns="" xmlns:a14="http://schemas.microsoft.com/office/drawing/2010/main">
                 <a:blipFill dpi="0" rotWithShape="0">
                   <a:blip/>
                   <a:srcRect/>
@@ -24615,7 +24615,7 @@
               </a14:hiddenFill>
             </a:ext>
             <a:ext uri="{91240B29-F687-4f45-9708-019B960494DF}">
-              <a14:hiddenLine xmlns:a14="http://schemas.microsoft.com/office/drawing/2010/main" xmlns="" w="9525">
+              <a14:hiddenLine xmlns="" xmlns:a14="http://schemas.microsoft.com/office/drawing/2010/main" w="9525">
                 <a:solidFill>
                   <a:srgbClr val="000000"/>
                 </a:solidFill>
@@ -24625,7 +24625,7 @@
               </a14:hiddenLine>
             </a:ext>
             <a:ext uri="{AF507438-7753-43e0-B8FC-AC1667EBCBE1}">
-              <a14:hiddenEffects xmlns:a14="http://schemas.microsoft.com/office/drawing/2010/main" xmlns="">
+              <a14:hiddenEffects xmlns="" xmlns:a14="http://schemas.microsoft.com/office/drawing/2010/main">
                 <a:effectLst>
                   <a:outerShdw blurRad="63500" dist="38099" dir="2700000" algn="ctr" rotWithShape="0">
                     <a:srgbClr val="000000">
@@ -25987,7 +25987,7 @@
           <a:effectLst/>
           <a:extLst>
             <a:ext uri="{909E8E84-426E-40dd-AFC4-6F175D3DCCD1}">
-              <a14:hiddenFill xmlns:a14="http://schemas.microsoft.com/office/drawing/2010/main" xmlns="">
+              <a14:hiddenFill xmlns="" xmlns:a14="http://schemas.microsoft.com/office/drawing/2010/main">
                 <a:blipFill dpi="0" rotWithShape="0">
                   <a:blip/>
                   <a:srcRect/>
@@ -25998,7 +25998,7 @@
               </a14:hiddenFill>
             </a:ext>
             <a:ext uri="{91240B29-F687-4f45-9708-019B960494DF}">
-              <a14:hiddenLine xmlns:a14="http://schemas.microsoft.com/office/drawing/2010/main" xmlns="" w="9525">
+              <a14:hiddenLine xmlns="" xmlns:a14="http://schemas.microsoft.com/office/drawing/2010/main" w="9525">
                 <a:solidFill>
                   <a:srgbClr val="000000"/>
                 </a:solidFill>
@@ -26008,7 +26008,7 @@
               </a14:hiddenLine>
             </a:ext>
             <a:ext uri="{AF507438-7753-43e0-B8FC-AC1667EBCBE1}">
-              <a14:hiddenEffects xmlns:a14="http://schemas.microsoft.com/office/drawing/2010/main" xmlns="">
+              <a14:hiddenEffects xmlns="" xmlns:a14="http://schemas.microsoft.com/office/drawing/2010/main">
                 <a:effectLst>
                   <a:outerShdw blurRad="63500" dist="38099" dir="2700000" algn="ctr" rotWithShape="0">
                     <a:srgbClr val="000000">
@@ -26139,7 +26139,7 @@
           <a:effectLst/>
           <a:extLst>
             <a:ext uri="{909E8E84-426E-40dd-AFC4-6F175D3DCCD1}">
-              <a14:hiddenFill xmlns:a14="http://schemas.microsoft.com/office/drawing/2010/main" xmlns="">
+              <a14:hiddenFill xmlns="" xmlns:a14="http://schemas.microsoft.com/office/drawing/2010/main">
                 <a:blipFill dpi="0" rotWithShape="0">
                   <a:blip/>
                   <a:srcRect/>
@@ -26150,7 +26150,7 @@
               </a14:hiddenFill>
             </a:ext>
             <a:ext uri="{91240B29-F687-4f45-9708-019B960494DF}">
-              <a14:hiddenLine xmlns:a14="http://schemas.microsoft.com/office/drawing/2010/main" xmlns="" w="9525">
+              <a14:hiddenLine xmlns="" xmlns:a14="http://schemas.microsoft.com/office/drawing/2010/main" w="9525">
                 <a:solidFill>
                   <a:srgbClr val="000000"/>
                 </a:solidFill>
@@ -26160,7 +26160,7 @@
               </a14:hiddenLine>
             </a:ext>
             <a:ext uri="{AF507438-7753-43e0-B8FC-AC1667EBCBE1}">
-              <a14:hiddenEffects xmlns:a14="http://schemas.microsoft.com/office/drawing/2010/main" xmlns="">
+              <a14:hiddenEffects xmlns="" xmlns:a14="http://schemas.microsoft.com/office/drawing/2010/main">
                 <a:effectLst>
                   <a:outerShdw blurRad="63500" dist="38099" dir="2700000" algn="ctr" rotWithShape="0">
                     <a:srgbClr val="000000">
@@ -33862,7 +33862,7 @@
           <a:effectLst/>
           <a:extLst>
             <a:ext uri="{909E8E84-426E-40dd-AFC4-6F175D3DCCD1}">
-              <a14:hiddenFill xmlns="" xmlns:a14="http://schemas.microsoft.com/office/drawing/2010/main">
+              <a14:hiddenFill xmlns:a14="http://schemas.microsoft.com/office/drawing/2010/main" xmlns="">
                 <a:blipFill dpi="0" rotWithShape="0">
                   <a:blip/>
                   <a:srcRect/>
@@ -33873,7 +33873,7 @@
               </a14:hiddenFill>
             </a:ext>
             <a:ext uri="{91240B29-F687-4f45-9708-019B960494DF}">
-              <a14:hiddenLine xmlns="" xmlns:a14="http://schemas.microsoft.com/office/drawing/2010/main" w="9525">
+              <a14:hiddenLine xmlns:a14="http://schemas.microsoft.com/office/drawing/2010/main" xmlns="" w="9525">
                 <a:solidFill>
                   <a:srgbClr val="000000"/>
                 </a:solidFill>
@@ -33883,7 +33883,7 @@
               </a14:hiddenLine>
             </a:ext>
             <a:ext uri="{AF507438-7753-43e0-B8FC-AC1667EBCBE1}">
-              <a14:hiddenEffects xmlns="" xmlns:a14="http://schemas.microsoft.com/office/drawing/2010/main">
+              <a14:hiddenEffects xmlns:a14="http://schemas.microsoft.com/office/drawing/2010/main" xmlns="">
                 <a:effectLst>
                   <a:outerShdw blurRad="63500" dist="38099" dir="2700000" algn="ctr" rotWithShape="0">
                     <a:srgbClr val="000000">

--- a/marple.pptx
+++ b/marple.pptx
@@ -236,7 +236,7 @@
           <a:p>
             <a:fld id="{4D1C7D58-6592-1846-B3DB-D549DDE8371F}" type="datetimeFigureOut">
               <a:rPr lang="en-US" smtClean="0"/>
-              <a:t>7/8/18</a:t>
+              <a:t>7/9/18</a:t>
             </a:fld>
             <a:endParaRPr lang="en-US"/>
           </a:p>
@@ -4532,7 +4532,7 @@
           <a:p>
             <a:fld id="{322F8514-B853-0C46-A81F-E0731AB349E8}" type="datetime1">
               <a:rPr lang="en-US" smtClean="0"/>
-              <a:t>7/8/18</a:t>
+              <a:t>7/9/18</a:t>
             </a:fld>
             <a:endParaRPr lang="en-US"/>
           </a:p>
@@ -4700,7 +4700,7 @@
           <a:p>
             <a:fld id="{23C5F1DA-22DA-D940-A217-FFBE15E0DDE8}" type="datetime1">
               <a:rPr lang="en-US" smtClean="0"/>
-              <a:t>7/8/18</a:t>
+              <a:t>7/9/18</a:t>
             </a:fld>
             <a:endParaRPr lang="en-US"/>
           </a:p>
@@ -4878,7 +4878,7 @@
           <a:p>
             <a:fld id="{1A558203-445F-D64D-B862-54D95728A44C}" type="datetime1">
               <a:rPr lang="en-US" smtClean="0"/>
-              <a:t>7/8/18</a:t>
+              <a:t>7/9/18</a:t>
             </a:fld>
             <a:endParaRPr lang="en-US"/>
           </a:p>
@@ -5050,7 +5050,7 @@
           <a:p>
             <a:fld id="{A94C3D64-A7CF-E345-8135-82052729E57F}" type="datetime1">
               <a:rPr lang="en-US" smtClean="0"/>
-              <a:t>7/8/18</a:t>
+              <a:t>7/9/18</a:t>
             </a:fld>
             <a:endParaRPr lang="en-US"/>
           </a:p>
@@ -5295,7 +5295,7 @@
           <a:p>
             <a:fld id="{A2360604-B943-F842-B0A2-A9270375B0F4}" type="datetime1">
               <a:rPr lang="en-US" smtClean="0"/>
-              <a:t>7/8/18</a:t>
+              <a:t>7/9/18</a:t>
             </a:fld>
             <a:endParaRPr lang="en-US"/>
           </a:p>
@@ -5524,7 +5524,7 @@
           <a:p>
             <a:fld id="{E98D8315-B472-DE40-9FE5-5E88F15B417F}" type="datetime1">
               <a:rPr lang="en-US" smtClean="0"/>
-              <a:t>7/8/18</a:t>
+              <a:t>7/9/18</a:t>
             </a:fld>
             <a:endParaRPr lang="en-US"/>
           </a:p>
@@ -5888,7 +5888,7 @@
           <a:p>
             <a:fld id="{A67FB5DB-6186-5241-90BB-5F644CFF2E1A}" type="datetime1">
               <a:rPr lang="en-US" smtClean="0"/>
-              <a:t>7/8/18</a:t>
+              <a:t>7/9/18</a:t>
             </a:fld>
             <a:endParaRPr lang="en-US"/>
           </a:p>
@@ -6005,7 +6005,7 @@
           <a:p>
             <a:fld id="{EDF6AEAB-0CFD-5744-A7B0-E3AD8533E672}" type="datetime1">
               <a:rPr lang="en-US" smtClean="0"/>
-              <a:t>7/8/18</a:t>
+              <a:t>7/9/18</a:t>
             </a:fld>
             <a:endParaRPr lang="en-US"/>
           </a:p>
@@ -6100,7 +6100,7 @@
           <a:p>
             <a:fld id="{0FF14B85-2279-734D-A5F8-F7888835E992}" type="datetime1">
               <a:rPr lang="en-US" smtClean="0"/>
-              <a:t>7/8/18</a:t>
+              <a:t>7/9/18</a:t>
             </a:fld>
             <a:endParaRPr lang="en-US"/>
           </a:p>
@@ -6375,7 +6375,7 @@
           <a:p>
             <a:fld id="{A95E9814-BD68-6C42-A851-02A28615CD15}" type="datetime1">
               <a:rPr lang="en-US" smtClean="0"/>
-              <a:t>7/8/18</a:t>
+              <a:t>7/9/18</a:t>
             </a:fld>
             <a:endParaRPr lang="en-US"/>
           </a:p>
@@ -6627,7 +6627,7 @@
           <a:p>
             <a:fld id="{DC1B7620-F13D-D84C-9B55-138232F1E6E3}" type="datetime1">
               <a:rPr lang="en-US" smtClean="0"/>
-              <a:t>7/8/18</a:t>
+              <a:t>7/9/18</a:t>
             </a:fld>
             <a:endParaRPr lang="en-US"/>
           </a:p>
@@ -6838,7 +6838,7 @@
           <a:p>
             <a:fld id="{85935A7D-0949-144C-9583-9EA17A42DAAD}" type="datetime1">
               <a:rPr lang="en-US" smtClean="0"/>
-              <a:t>7/8/18</a:t>
+              <a:t>7/9/18</a:t>
             </a:fld>
             <a:endParaRPr lang="en-US"/>
           </a:p>
@@ -12190,7 +12190,7 @@
           <a:effectLst/>
           <a:extLst>
             <a:ext uri="{909E8E84-426E-40dd-AFC4-6F175D3DCCD1}">
-              <a14:hiddenFill xmlns:a14="http://schemas.microsoft.com/office/drawing/2010/main" xmlns="">
+              <a14:hiddenFill xmlns="" xmlns:a14="http://schemas.microsoft.com/office/drawing/2010/main">
                 <a:blipFill dpi="0" rotWithShape="0">
                   <a:blip/>
                   <a:srcRect/>
@@ -12201,7 +12201,7 @@
               </a14:hiddenFill>
             </a:ext>
             <a:ext uri="{91240B29-F687-4f45-9708-019B960494DF}">
-              <a14:hiddenLine xmlns:a14="http://schemas.microsoft.com/office/drawing/2010/main" xmlns="" w="9525">
+              <a14:hiddenLine xmlns="" xmlns:a14="http://schemas.microsoft.com/office/drawing/2010/main" w="9525">
                 <a:solidFill>
                   <a:srgbClr val="000000"/>
                 </a:solidFill>
@@ -12211,7 +12211,7 @@
               </a14:hiddenLine>
             </a:ext>
             <a:ext uri="{AF507438-7753-43e0-B8FC-AC1667EBCBE1}">
-              <a14:hiddenEffects xmlns:a14="http://schemas.microsoft.com/office/drawing/2010/main" xmlns="">
+              <a14:hiddenEffects xmlns="" xmlns:a14="http://schemas.microsoft.com/office/drawing/2010/main">
                 <a:effectLst>
                   <a:outerShdw blurRad="63500" dist="38099" dir="2700000" algn="ctr" rotWithShape="0">
                     <a:srgbClr val="000000">
@@ -12260,7 +12260,7 @@
           <a:effectLst/>
           <a:extLst>
             <a:ext uri="{909E8E84-426E-40dd-AFC4-6F175D3DCCD1}">
-              <a14:hiddenFill xmlns:a14="http://schemas.microsoft.com/office/drawing/2010/main" xmlns="">
+              <a14:hiddenFill xmlns="" xmlns:a14="http://schemas.microsoft.com/office/drawing/2010/main">
                 <a:blipFill dpi="0" rotWithShape="0">
                   <a:blip/>
                   <a:srcRect/>
@@ -12271,7 +12271,7 @@
               </a14:hiddenFill>
             </a:ext>
             <a:ext uri="{91240B29-F687-4f45-9708-019B960494DF}">
-              <a14:hiddenLine xmlns:a14="http://schemas.microsoft.com/office/drawing/2010/main" xmlns="" w="9525">
+              <a14:hiddenLine xmlns="" xmlns:a14="http://schemas.microsoft.com/office/drawing/2010/main" w="9525">
                 <a:solidFill>
                   <a:srgbClr val="000000"/>
                 </a:solidFill>
@@ -12281,7 +12281,7 @@
               </a14:hiddenLine>
             </a:ext>
             <a:ext uri="{AF507438-7753-43e0-B8FC-AC1667EBCBE1}">
-              <a14:hiddenEffects xmlns:a14="http://schemas.microsoft.com/office/drawing/2010/main" xmlns="">
+              <a14:hiddenEffects xmlns="" xmlns:a14="http://schemas.microsoft.com/office/drawing/2010/main">
                 <a:effectLst>
                   <a:outerShdw blurRad="63500" dist="38099" dir="2700000" algn="ctr" rotWithShape="0">
                     <a:srgbClr val="000000">
@@ -12416,7 +12416,7 @@
             <a:effectLst/>
             <a:extLst>
               <a:ext uri="{909E8E84-426E-40dd-AFC4-6F175D3DCCD1}">
-                <a14:hiddenFill xmlns="" xmlns:a14="http://schemas.microsoft.com/office/drawing/2010/main">
+                <a14:hiddenFill xmlns:a14="http://schemas.microsoft.com/office/drawing/2010/main" xmlns="">
                   <a:blipFill dpi="0" rotWithShape="0">
                     <a:blip/>
                     <a:srcRect/>
@@ -12427,7 +12427,7 @@
                 </a14:hiddenFill>
               </a:ext>
               <a:ext uri="{91240B29-F687-4f45-9708-019B960494DF}">
-                <a14:hiddenLine xmlns="" xmlns:a14="http://schemas.microsoft.com/office/drawing/2010/main" w="9525">
+                <a14:hiddenLine xmlns:a14="http://schemas.microsoft.com/office/drawing/2010/main" xmlns="" w="9525">
                   <a:solidFill>
                     <a:srgbClr val="000000"/>
                   </a:solidFill>
@@ -12437,7 +12437,7 @@
                 </a14:hiddenLine>
               </a:ext>
               <a:ext uri="{AF507438-7753-43e0-B8FC-AC1667EBCBE1}">
-                <a14:hiddenEffects xmlns="" xmlns:a14="http://schemas.microsoft.com/office/drawing/2010/main">
+                <a14:hiddenEffects xmlns:a14="http://schemas.microsoft.com/office/drawing/2010/main" xmlns="">
                   <a:effectLst>
                     <a:outerShdw blurRad="63500" dist="38099" dir="2700000" algn="ctr" rotWithShape="0">
                       <a:srgbClr val="000000">
@@ -12486,7 +12486,7 @@
             <a:effectLst/>
             <a:extLst>
               <a:ext uri="{909E8E84-426E-40dd-AFC4-6F175D3DCCD1}">
-                <a14:hiddenFill xmlns="" xmlns:a14="http://schemas.microsoft.com/office/drawing/2010/main">
+                <a14:hiddenFill xmlns:a14="http://schemas.microsoft.com/office/drawing/2010/main" xmlns="">
                   <a:blipFill dpi="0" rotWithShape="0">
                     <a:blip/>
                     <a:srcRect/>
@@ -12497,7 +12497,7 @@
                 </a14:hiddenFill>
               </a:ext>
               <a:ext uri="{91240B29-F687-4f45-9708-019B960494DF}">
-                <a14:hiddenLine xmlns="" xmlns:a14="http://schemas.microsoft.com/office/drawing/2010/main" w="9525">
+                <a14:hiddenLine xmlns:a14="http://schemas.microsoft.com/office/drawing/2010/main" xmlns="" w="9525">
                   <a:solidFill>
                     <a:srgbClr val="000000"/>
                   </a:solidFill>
@@ -12507,7 +12507,7 @@
                 </a14:hiddenLine>
               </a:ext>
               <a:ext uri="{AF507438-7753-43e0-B8FC-AC1667EBCBE1}">
-                <a14:hiddenEffects xmlns="" xmlns:a14="http://schemas.microsoft.com/office/drawing/2010/main">
+                <a14:hiddenEffects xmlns:a14="http://schemas.microsoft.com/office/drawing/2010/main" xmlns="">
                   <a:effectLst>
                     <a:outerShdw blurRad="63500" dist="38099" dir="2700000" algn="ctr" rotWithShape="0">
                       <a:srgbClr val="000000">
@@ -12556,7 +12556,7 @@
             <a:effectLst/>
             <a:extLst>
               <a:ext uri="{909E8E84-426E-40dd-AFC4-6F175D3DCCD1}">
-                <a14:hiddenFill xmlns="" xmlns:a14="http://schemas.microsoft.com/office/drawing/2010/main">
+                <a14:hiddenFill xmlns:a14="http://schemas.microsoft.com/office/drawing/2010/main" xmlns="">
                   <a:blipFill dpi="0" rotWithShape="0">
                     <a:blip/>
                     <a:srcRect/>
@@ -12567,7 +12567,7 @@
                 </a14:hiddenFill>
               </a:ext>
               <a:ext uri="{91240B29-F687-4f45-9708-019B960494DF}">
-                <a14:hiddenLine xmlns="" xmlns:a14="http://schemas.microsoft.com/office/drawing/2010/main" w="9525">
+                <a14:hiddenLine xmlns:a14="http://schemas.microsoft.com/office/drawing/2010/main" xmlns="" w="9525">
                   <a:solidFill>
                     <a:srgbClr val="000000"/>
                   </a:solidFill>
@@ -12577,7 +12577,7 @@
                 </a14:hiddenLine>
               </a:ext>
               <a:ext uri="{AF507438-7753-43e0-B8FC-AC1667EBCBE1}">
-                <a14:hiddenEffects xmlns="" xmlns:a14="http://schemas.microsoft.com/office/drawing/2010/main">
+                <a14:hiddenEffects xmlns:a14="http://schemas.microsoft.com/office/drawing/2010/main" xmlns="">
                   <a:effectLst>
                     <a:outerShdw blurRad="63500" dist="38099" dir="2700000" algn="ctr" rotWithShape="0">
                       <a:srgbClr val="000000">
@@ -12618,12 +12618,12 @@
             <a:effectLst/>
             <a:extLst>
               <a:ext uri="{909E8E84-426E-40dd-AFC4-6F175D3DCCD1}">
-                <a14:hiddenFill xmlns="" xmlns:a14="http://schemas.microsoft.com/office/drawing/2010/main">
+                <a14:hiddenFill xmlns:a14="http://schemas.microsoft.com/office/drawing/2010/main" xmlns="">
                   <a:noFill/>
                 </a14:hiddenFill>
               </a:ext>
               <a:ext uri="{AF507438-7753-43e0-B8FC-AC1667EBCBE1}">
-                <a14:hiddenEffects xmlns="" xmlns:a14="http://schemas.microsoft.com/office/drawing/2010/main">
+                <a14:hiddenEffects xmlns:a14="http://schemas.microsoft.com/office/drawing/2010/main" xmlns="">
                   <a:effectLst>
                     <a:outerShdw blurRad="63500" dist="38099" dir="2700000" algn="ctr" rotWithShape="0">
                       <a:srgbClr val="000000">
@@ -12676,12 +12676,12 @@
             <a:effectLst/>
             <a:extLst>
               <a:ext uri="{909E8E84-426E-40dd-AFC4-6F175D3DCCD1}">
-                <a14:hiddenFill xmlns="" xmlns:a14="http://schemas.microsoft.com/office/drawing/2010/main">
+                <a14:hiddenFill xmlns:a14="http://schemas.microsoft.com/office/drawing/2010/main" xmlns="">
                   <a:noFill/>
                 </a14:hiddenFill>
               </a:ext>
               <a:ext uri="{AF507438-7753-43e0-B8FC-AC1667EBCBE1}">
-                <a14:hiddenEffects xmlns="" xmlns:a14="http://schemas.microsoft.com/office/drawing/2010/main">
+                <a14:hiddenEffects xmlns:a14="http://schemas.microsoft.com/office/drawing/2010/main" xmlns="">
                   <a:effectLst>
                     <a:outerShdw blurRad="63500" dist="38099" dir="2700000" algn="ctr" rotWithShape="0">
                       <a:srgbClr val="000000">
@@ -12734,12 +12734,12 @@
             <a:effectLst/>
             <a:extLst>
               <a:ext uri="{909E8E84-426E-40dd-AFC4-6F175D3DCCD1}">
-                <a14:hiddenFill xmlns="" xmlns:a14="http://schemas.microsoft.com/office/drawing/2010/main">
+                <a14:hiddenFill xmlns:a14="http://schemas.microsoft.com/office/drawing/2010/main" xmlns="">
                   <a:noFill/>
                 </a14:hiddenFill>
               </a:ext>
               <a:ext uri="{AF507438-7753-43e0-B8FC-AC1667EBCBE1}">
-                <a14:hiddenEffects xmlns="" xmlns:a14="http://schemas.microsoft.com/office/drawing/2010/main">
+                <a14:hiddenEffects xmlns:a14="http://schemas.microsoft.com/office/drawing/2010/main" xmlns="">
                   <a:effectLst>
                     <a:outerShdw blurRad="63500" dist="38099" dir="2700000" algn="ctr" rotWithShape="0">
                       <a:srgbClr val="000000">
@@ -12792,12 +12792,12 @@
             <a:effectLst/>
             <a:extLst>
               <a:ext uri="{909E8E84-426E-40dd-AFC4-6F175D3DCCD1}">
-                <a14:hiddenFill xmlns="" xmlns:a14="http://schemas.microsoft.com/office/drawing/2010/main">
+                <a14:hiddenFill xmlns:a14="http://schemas.microsoft.com/office/drawing/2010/main" xmlns="">
                   <a:noFill/>
                 </a14:hiddenFill>
               </a:ext>
               <a:ext uri="{AF507438-7753-43e0-B8FC-AC1667EBCBE1}">
-                <a14:hiddenEffects xmlns="" xmlns:a14="http://schemas.microsoft.com/office/drawing/2010/main">
+                <a14:hiddenEffects xmlns:a14="http://schemas.microsoft.com/office/drawing/2010/main" xmlns="">
                   <a:effectLst>
                     <a:outerShdw blurRad="63500" dist="38099" dir="2700000" algn="ctr" rotWithShape="0">
                       <a:srgbClr val="000000">
@@ -12850,12 +12850,12 @@
             <a:effectLst/>
             <a:extLst>
               <a:ext uri="{909E8E84-426E-40dd-AFC4-6F175D3DCCD1}">
-                <a14:hiddenFill xmlns="" xmlns:a14="http://schemas.microsoft.com/office/drawing/2010/main">
+                <a14:hiddenFill xmlns:a14="http://schemas.microsoft.com/office/drawing/2010/main" xmlns="">
                   <a:noFill/>
                 </a14:hiddenFill>
               </a:ext>
               <a:ext uri="{AF507438-7753-43e0-B8FC-AC1667EBCBE1}">
-                <a14:hiddenEffects xmlns="" xmlns:a14="http://schemas.microsoft.com/office/drawing/2010/main">
+                <a14:hiddenEffects xmlns:a14="http://schemas.microsoft.com/office/drawing/2010/main" xmlns="">
                   <a:effectLst>
                     <a:outerShdw blurRad="63500" dist="38099" dir="2700000" algn="ctr" rotWithShape="0">
                       <a:srgbClr val="000000">
@@ -12908,12 +12908,12 @@
             <a:effectLst/>
             <a:extLst>
               <a:ext uri="{909E8E84-426E-40dd-AFC4-6F175D3DCCD1}">
-                <a14:hiddenFill xmlns="" xmlns:a14="http://schemas.microsoft.com/office/drawing/2010/main">
+                <a14:hiddenFill xmlns:a14="http://schemas.microsoft.com/office/drawing/2010/main" xmlns="">
                   <a:noFill/>
                 </a14:hiddenFill>
               </a:ext>
               <a:ext uri="{AF507438-7753-43e0-B8FC-AC1667EBCBE1}">
-                <a14:hiddenEffects xmlns="" xmlns:a14="http://schemas.microsoft.com/office/drawing/2010/main">
+                <a14:hiddenEffects xmlns:a14="http://schemas.microsoft.com/office/drawing/2010/main" xmlns="">
                   <a:effectLst>
                     <a:outerShdw blurRad="63500" dist="38099" dir="2700000" algn="ctr" rotWithShape="0">
                       <a:srgbClr val="000000">
@@ -12966,12 +12966,12 @@
             <a:effectLst/>
             <a:extLst>
               <a:ext uri="{909E8E84-426E-40dd-AFC4-6F175D3DCCD1}">
-                <a14:hiddenFill xmlns="" xmlns:a14="http://schemas.microsoft.com/office/drawing/2010/main">
+                <a14:hiddenFill xmlns:a14="http://schemas.microsoft.com/office/drawing/2010/main" xmlns="">
                   <a:noFill/>
                 </a14:hiddenFill>
               </a:ext>
               <a:ext uri="{AF507438-7753-43e0-B8FC-AC1667EBCBE1}">
-                <a14:hiddenEffects xmlns="" xmlns:a14="http://schemas.microsoft.com/office/drawing/2010/main">
+                <a14:hiddenEffects xmlns:a14="http://schemas.microsoft.com/office/drawing/2010/main" xmlns="">
                   <a:effectLst>
                     <a:outerShdw blurRad="63500" dist="38099" dir="2700000" algn="ctr" rotWithShape="0">
                       <a:srgbClr val="000000">
@@ -13024,12 +13024,12 @@
             <a:effectLst/>
             <a:extLst>
               <a:ext uri="{909E8E84-426E-40dd-AFC4-6F175D3DCCD1}">
-                <a14:hiddenFill xmlns="" xmlns:a14="http://schemas.microsoft.com/office/drawing/2010/main">
+                <a14:hiddenFill xmlns:a14="http://schemas.microsoft.com/office/drawing/2010/main" xmlns="">
                   <a:noFill/>
                 </a14:hiddenFill>
               </a:ext>
               <a:ext uri="{AF507438-7753-43e0-B8FC-AC1667EBCBE1}">
-                <a14:hiddenEffects xmlns="" xmlns:a14="http://schemas.microsoft.com/office/drawing/2010/main">
+                <a14:hiddenEffects xmlns:a14="http://schemas.microsoft.com/office/drawing/2010/main" xmlns="">
                   <a:effectLst>
                     <a:outerShdw blurRad="63500" dist="38099" dir="2700000" algn="ctr" rotWithShape="0">
                       <a:srgbClr val="000000">
@@ -13082,12 +13082,12 @@
             <a:effectLst/>
             <a:extLst>
               <a:ext uri="{909E8E84-426E-40dd-AFC4-6F175D3DCCD1}">
-                <a14:hiddenFill xmlns="" xmlns:a14="http://schemas.microsoft.com/office/drawing/2010/main">
+                <a14:hiddenFill xmlns:a14="http://schemas.microsoft.com/office/drawing/2010/main" xmlns="">
                   <a:noFill/>
                 </a14:hiddenFill>
               </a:ext>
               <a:ext uri="{AF507438-7753-43e0-B8FC-AC1667EBCBE1}">
-                <a14:hiddenEffects xmlns="" xmlns:a14="http://schemas.microsoft.com/office/drawing/2010/main">
+                <a14:hiddenEffects xmlns:a14="http://schemas.microsoft.com/office/drawing/2010/main" xmlns="">
                   <a:effectLst>
                     <a:outerShdw blurRad="63500" dist="38099" dir="2700000" algn="ctr" rotWithShape="0">
                       <a:srgbClr val="000000">
@@ -13140,12 +13140,12 @@
             <a:effectLst/>
             <a:extLst>
               <a:ext uri="{909E8E84-426E-40dd-AFC4-6F175D3DCCD1}">
-                <a14:hiddenFill xmlns="" xmlns:a14="http://schemas.microsoft.com/office/drawing/2010/main">
+                <a14:hiddenFill xmlns:a14="http://schemas.microsoft.com/office/drawing/2010/main" xmlns="">
                   <a:noFill/>
                 </a14:hiddenFill>
               </a:ext>
               <a:ext uri="{AF507438-7753-43e0-B8FC-AC1667EBCBE1}">
-                <a14:hiddenEffects xmlns="" xmlns:a14="http://schemas.microsoft.com/office/drawing/2010/main">
+                <a14:hiddenEffects xmlns:a14="http://schemas.microsoft.com/office/drawing/2010/main" xmlns="">
                   <a:effectLst>
                     <a:outerShdw blurRad="63500" dist="38099" dir="2700000" algn="ctr" rotWithShape="0">
                       <a:srgbClr val="000000">
@@ -13206,7 +13206,7 @@
             <a:effectLst/>
             <a:extLst>
               <a:ext uri="{909E8E84-426E-40dd-AFC4-6F175D3DCCD1}">
-                <a14:hiddenFill xmlns="" xmlns:a14="http://schemas.microsoft.com/office/drawing/2010/main">
+                <a14:hiddenFill xmlns:a14="http://schemas.microsoft.com/office/drawing/2010/main" xmlns="">
                   <a:blipFill dpi="0" rotWithShape="0">
                     <a:blip/>
                     <a:srcRect/>
@@ -13217,7 +13217,7 @@
                 </a14:hiddenFill>
               </a:ext>
               <a:ext uri="{91240B29-F687-4f45-9708-019B960494DF}">
-                <a14:hiddenLine xmlns="" xmlns:a14="http://schemas.microsoft.com/office/drawing/2010/main" w="9525">
+                <a14:hiddenLine xmlns:a14="http://schemas.microsoft.com/office/drawing/2010/main" xmlns="" w="9525">
                   <a:solidFill>
                     <a:srgbClr val="000000"/>
                   </a:solidFill>
@@ -13227,7 +13227,7 @@
                 </a14:hiddenLine>
               </a:ext>
               <a:ext uri="{AF507438-7753-43e0-B8FC-AC1667EBCBE1}">
-                <a14:hiddenEffects xmlns="" xmlns:a14="http://schemas.microsoft.com/office/drawing/2010/main">
+                <a14:hiddenEffects xmlns:a14="http://schemas.microsoft.com/office/drawing/2010/main" xmlns="">
                   <a:effectLst>
                     <a:outerShdw blurRad="63500" dist="38099" dir="2700000" algn="ctr" rotWithShape="0">
                       <a:srgbClr val="000000">
@@ -13276,7 +13276,7 @@
             <a:effectLst/>
             <a:extLst>
               <a:ext uri="{909E8E84-426E-40dd-AFC4-6F175D3DCCD1}">
-                <a14:hiddenFill xmlns="" xmlns:a14="http://schemas.microsoft.com/office/drawing/2010/main">
+                <a14:hiddenFill xmlns:a14="http://schemas.microsoft.com/office/drawing/2010/main" xmlns="">
                   <a:blipFill dpi="0" rotWithShape="0">
                     <a:blip/>
                     <a:srcRect/>
@@ -13287,7 +13287,7 @@
                 </a14:hiddenFill>
               </a:ext>
               <a:ext uri="{91240B29-F687-4f45-9708-019B960494DF}">
-                <a14:hiddenLine xmlns="" xmlns:a14="http://schemas.microsoft.com/office/drawing/2010/main" w="9525">
+                <a14:hiddenLine xmlns:a14="http://schemas.microsoft.com/office/drawing/2010/main" xmlns="" w="9525">
                   <a:solidFill>
                     <a:srgbClr val="000000"/>
                   </a:solidFill>
@@ -13297,7 +13297,7 @@
                 </a14:hiddenLine>
               </a:ext>
               <a:ext uri="{AF507438-7753-43e0-B8FC-AC1667EBCBE1}">
-                <a14:hiddenEffects xmlns="" xmlns:a14="http://schemas.microsoft.com/office/drawing/2010/main">
+                <a14:hiddenEffects xmlns:a14="http://schemas.microsoft.com/office/drawing/2010/main" xmlns="">
                   <a:effectLst>
                     <a:outerShdw blurRad="63500" dist="38099" dir="2700000" algn="ctr" rotWithShape="0">
                       <a:srgbClr val="000000">
@@ -13346,7 +13346,7 @@
             <a:effectLst/>
             <a:extLst>
               <a:ext uri="{909E8E84-426E-40dd-AFC4-6F175D3DCCD1}">
-                <a14:hiddenFill xmlns="" xmlns:a14="http://schemas.microsoft.com/office/drawing/2010/main">
+                <a14:hiddenFill xmlns:a14="http://schemas.microsoft.com/office/drawing/2010/main" xmlns="">
                   <a:blipFill dpi="0" rotWithShape="0">
                     <a:blip/>
                     <a:srcRect/>
@@ -13357,7 +13357,7 @@
                 </a14:hiddenFill>
               </a:ext>
               <a:ext uri="{91240B29-F687-4f45-9708-019B960494DF}">
-                <a14:hiddenLine xmlns="" xmlns:a14="http://schemas.microsoft.com/office/drawing/2010/main" w="9525">
+                <a14:hiddenLine xmlns:a14="http://schemas.microsoft.com/office/drawing/2010/main" xmlns="" w="9525">
                   <a:solidFill>
                     <a:srgbClr val="000000"/>
                   </a:solidFill>
@@ -13367,7 +13367,7 @@
                 </a14:hiddenLine>
               </a:ext>
               <a:ext uri="{AF507438-7753-43e0-B8FC-AC1667EBCBE1}">
-                <a14:hiddenEffects xmlns="" xmlns:a14="http://schemas.microsoft.com/office/drawing/2010/main">
+                <a14:hiddenEffects xmlns:a14="http://schemas.microsoft.com/office/drawing/2010/main" xmlns="">
                   <a:effectLst>
                     <a:outerShdw blurRad="63500" dist="38099" dir="2700000" algn="ctr" rotWithShape="0">
                       <a:srgbClr val="000000">
@@ -13416,7 +13416,7 @@
             <a:effectLst/>
             <a:extLst>
               <a:ext uri="{909E8E84-426E-40dd-AFC4-6F175D3DCCD1}">
-                <a14:hiddenFill xmlns="" xmlns:a14="http://schemas.microsoft.com/office/drawing/2010/main">
+                <a14:hiddenFill xmlns:a14="http://schemas.microsoft.com/office/drawing/2010/main" xmlns="">
                   <a:blipFill dpi="0" rotWithShape="0">
                     <a:blip/>
                     <a:srcRect/>
@@ -13427,7 +13427,7 @@
                 </a14:hiddenFill>
               </a:ext>
               <a:ext uri="{91240B29-F687-4f45-9708-019B960494DF}">
-                <a14:hiddenLine xmlns="" xmlns:a14="http://schemas.microsoft.com/office/drawing/2010/main" w="9525">
+                <a14:hiddenLine xmlns:a14="http://schemas.microsoft.com/office/drawing/2010/main" xmlns="" w="9525">
                   <a:solidFill>
                     <a:srgbClr val="000000"/>
                   </a:solidFill>
@@ -13437,7 +13437,7 @@
                 </a14:hiddenLine>
               </a:ext>
               <a:ext uri="{AF507438-7753-43e0-B8FC-AC1667EBCBE1}">
-                <a14:hiddenEffects xmlns="" xmlns:a14="http://schemas.microsoft.com/office/drawing/2010/main">
+                <a14:hiddenEffects xmlns:a14="http://schemas.microsoft.com/office/drawing/2010/main" xmlns="">
                   <a:effectLst>
                     <a:outerShdw blurRad="63500" dist="38099" dir="2700000" algn="ctr" rotWithShape="0">
                       <a:srgbClr val="000000">
@@ -13486,7 +13486,7 @@
             <a:effectLst/>
             <a:extLst>
               <a:ext uri="{909E8E84-426E-40dd-AFC4-6F175D3DCCD1}">
-                <a14:hiddenFill xmlns="" xmlns:a14="http://schemas.microsoft.com/office/drawing/2010/main">
+                <a14:hiddenFill xmlns:a14="http://schemas.microsoft.com/office/drawing/2010/main" xmlns="">
                   <a:blipFill dpi="0" rotWithShape="0">
                     <a:blip/>
                     <a:srcRect/>
@@ -13497,7 +13497,7 @@
                 </a14:hiddenFill>
               </a:ext>
               <a:ext uri="{91240B29-F687-4f45-9708-019B960494DF}">
-                <a14:hiddenLine xmlns="" xmlns:a14="http://schemas.microsoft.com/office/drawing/2010/main" w="9525">
+                <a14:hiddenLine xmlns:a14="http://schemas.microsoft.com/office/drawing/2010/main" xmlns="" w="9525">
                   <a:solidFill>
                     <a:srgbClr val="000000"/>
                   </a:solidFill>
@@ -13507,7 +13507,7 @@
                 </a14:hiddenLine>
               </a:ext>
               <a:ext uri="{AF507438-7753-43e0-B8FC-AC1667EBCBE1}">
-                <a14:hiddenEffects xmlns="" xmlns:a14="http://schemas.microsoft.com/office/drawing/2010/main">
+                <a14:hiddenEffects xmlns:a14="http://schemas.microsoft.com/office/drawing/2010/main" xmlns="">
                   <a:effectLst>
                     <a:outerShdw blurRad="63500" dist="38099" dir="2700000" algn="ctr" rotWithShape="0">
                       <a:srgbClr val="000000">
@@ -13548,12 +13548,12 @@
             <a:effectLst/>
             <a:extLst>
               <a:ext uri="{909E8E84-426E-40dd-AFC4-6F175D3DCCD1}">
-                <a14:hiddenFill xmlns="" xmlns:a14="http://schemas.microsoft.com/office/drawing/2010/main">
+                <a14:hiddenFill xmlns:a14="http://schemas.microsoft.com/office/drawing/2010/main" xmlns="">
                   <a:noFill/>
                 </a14:hiddenFill>
               </a:ext>
               <a:ext uri="{AF507438-7753-43e0-B8FC-AC1667EBCBE1}">
-                <a14:hiddenEffects xmlns="" xmlns:a14="http://schemas.microsoft.com/office/drawing/2010/main">
+                <a14:hiddenEffects xmlns:a14="http://schemas.microsoft.com/office/drawing/2010/main" xmlns="">
                   <a:effectLst>
                     <a:outerShdw blurRad="63500" dist="38099" dir="2700000" algn="ctr" rotWithShape="0">
                       <a:srgbClr val="000000">
@@ -13606,12 +13606,12 @@
             <a:effectLst/>
             <a:extLst>
               <a:ext uri="{909E8E84-426E-40dd-AFC4-6F175D3DCCD1}">
-                <a14:hiddenFill xmlns="" xmlns:a14="http://schemas.microsoft.com/office/drawing/2010/main">
+                <a14:hiddenFill xmlns:a14="http://schemas.microsoft.com/office/drawing/2010/main" xmlns="">
                   <a:noFill/>
                 </a14:hiddenFill>
               </a:ext>
               <a:ext uri="{AF507438-7753-43e0-B8FC-AC1667EBCBE1}">
-                <a14:hiddenEffects xmlns="" xmlns:a14="http://schemas.microsoft.com/office/drawing/2010/main">
+                <a14:hiddenEffects xmlns:a14="http://schemas.microsoft.com/office/drawing/2010/main" xmlns="">
                   <a:effectLst>
                     <a:outerShdw blurRad="63500" dist="38099" dir="2700000" algn="ctr" rotWithShape="0">
                       <a:srgbClr val="000000">
@@ -13672,7 +13672,7 @@
             <a:effectLst/>
             <a:extLst>
               <a:ext uri="{909E8E84-426E-40dd-AFC4-6F175D3DCCD1}">
-                <a14:hiddenFill xmlns="" xmlns:a14="http://schemas.microsoft.com/office/drawing/2010/main">
+                <a14:hiddenFill xmlns:a14="http://schemas.microsoft.com/office/drawing/2010/main" xmlns="">
                   <a:blipFill dpi="0" rotWithShape="0">
                     <a:blip/>
                     <a:srcRect/>
@@ -13683,7 +13683,7 @@
                 </a14:hiddenFill>
               </a:ext>
               <a:ext uri="{91240B29-F687-4f45-9708-019B960494DF}">
-                <a14:hiddenLine xmlns="" xmlns:a14="http://schemas.microsoft.com/office/drawing/2010/main" w="9525">
+                <a14:hiddenLine xmlns:a14="http://schemas.microsoft.com/office/drawing/2010/main" xmlns="" w="9525">
                   <a:solidFill>
                     <a:srgbClr val="000000"/>
                   </a:solidFill>
@@ -13693,7 +13693,7 @@
                 </a14:hiddenLine>
               </a:ext>
               <a:ext uri="{AF507438-7753-43e0-B8FC-AC1667EBCBE1}">
-                <a14:hiddenEffects xmlns="" xmlns:a14="http://schemas.microsoft.com/office/drawing/2010/main">
+                <a14:hiddenEffects xmlns:a14="http://schemas.microsoft.com/office/drawing/2010/main" xmlns="">
                   <a:effectLst>
                     <a:outerShdw blurRad="63500" dist="38099" dir="2700000" algn="ctr" rotWithShape="0">
                       <a:srgbClr val="000000">
@@ -13826,7 +13826,7 @@
           <a:effectLst/>
           <a:extLst>
             <a:ext uri="{909E8E84-426E-40dd-AFC4-6F175D3DCCD1}">
-              <a14:hiddenFill xmlns:a14="http://schemas.microsoft.com/office/drawing/2010/main" xmlns="">
+              <a14:hiddenFill xmlns="" xmlns:a14="http://schemas.microsoft.com/office/drawing/2010/main">
                 <a:blipFill dpi="0" rotWithShape="0">
                   <a:blip/>
                   <a:srcRect/>
@@ -13837,7 +13837,7 @@
               </a14:hiddenFill>
             </a:ext>
             <a:ext uri="{91240B29-F687-4f45-9708-019B960494DF}">
-              <a14:hiddenLine xmlns:a14="http://schemas.microsoft.com/office/drawing/2010/main" xmlns="" w="9525">
+              <a14:hiddenLine xmlns="" xmlns:a14="http://schemas.microsoft.com/office/drawing/2010/main" w="9525">
                 <a:solidFill>
                   <a:srgbClr val="000000"/>
                 </a:solidFill>
@@ -13847,7 +13847,7 @@
               </a14:hiddenLine>
             </a:ext>
             <a:ext uri="{AF507438-7753-43e0-B8FC-AC1667EBCBE1}">
-              <a14:hiddenEffects xmlns:a14="http://schemas.microsoft.com/office/drawing/2010/main" xmlns="">
+              <a14:hiddenEffects xmlns="" xmlns:a14="http://schemas.microsoft.com/office/drawing/2010/main">
                 <a:effectLst>
                   <a:outerShdw blurRad="63500" dist="38099" dir="2700000" algn="ctr" rotWithShape="0">
                     <a:srgbClr val="000000">
@@ -13932,7 +13932,7 @@
           <a:effectLst/>
           <a:extLst>
             <a:ext uri="{909E8E84-426E-40dd-AFC4-6F175D3DCCD1}">
-              <a14:hiddenFill xmlns:a14="http://schemas.microsoft.com/office/drawing/2010/main" xmlns="">
+              <a14:hiddenFill xmlns="" xmlns:a14="http://schemas.microsoft.com/office/drawing/2010/main">
                 <a:blipFill dpi="0" rotWithShape="0">
                   <a:blip/>
                   <a:srcRect/>
@@ -13943,7 +13943,7 @@
               </a14:hiddenFill>
             </a:ext>
             <a:ext uri="{91240B29-F687-4f45-9708-019B960494DF}">
-              <a14:hiddenLine xmlns:a14="http://schemas.microsoft.com/office/drawing/2010/main" xmlns="" w="9525">
+              <a14:hiddenLine xmlns="" xmlns:a14="http://schemas.microsoft.com/office/drawing/2010/main" w="9525">
                 <a:solidFill>
                   <a:srgbClr val="000000"/>
                 </a:solidFill>
@@ -13953,7 +13953,7 @@
               </a14:hiddenLine>
             </a:ext>
             <a:ext uri="{AF507438-7753-43e0-B8FC-AC1667EBCBE1}">
-              <a14:hiddenEffects xmlns:a14="http://schemas.microsoft.com/office/drawing/2010/main" xmlns="">
+              <a14:hiddenEffects xmlns="" xmlns:a14="http://schemas.microsoft.com/office/drawing/2010/main">
                 <a:effectLst>
                   <a:outerShdw blurRad="63500" dist="38099" dir="2700000" algn="ctr" rotWithShape="0">
                     <a:srgbClr val="000000">
@@ -14038,7 +14038,7 @@
           <a:effectLst/>
           <a:extLst>
             <a:ext uri="{909E8E84-426E-40dd-AFC4-6F175D3DCCD1}">
-              <a14:hiddenFill xmlns:a14="http://schemas.microsoft.com/office/drawing/2010/main" xmlns="">
+              <a14:hiddenFill xmlns="" xmlns:a14="http://schemas.microsoft.com/office/drawing/2010/main">
                 <a:blipFill dpi="0" rotWithShape="0">
                   <a:blip/>
                   <a:srcRect/>
@@ -14049,7 +14049,7 @@
               </a14:hiddenFill>
             </a:ext>
             <a:ext uri="{91240B29-F687-4f45-9708-019B960494DF}">
-              <a14:hiddenLine xmlns:a14="http://schemas.microsoft.com/office/drawing/2010/main" xmlns="" w="9525">
+              <a14:hiddenLine xmlns="" xmlns:a14="http://schemas.microsoft.com/office/drawing/2010/main" w="9525">
                 <a:solidFill>
                   <a:srgbClr val="000000"/>
                 </a:solidFill>
@@ -14059,7 +14059,7 @@
               </a14:hiddenLine>
             </a:ext>
             <a:ext uri="{AF507438-7753-43e0-B8FC-AC1667EBCBE1}">
-              <a14:hiddenEffects xmlns:a14="http://schemas.microsoft.com/office/drawing/2010/main" xmlns="">
+              <a14:hiddenEffects xmlns="" xmlns:a14="http://schemas.microsoft.com/office/drawing/2010/main">
                 <a:effectLst>
                   <a:outerShdw blurRad="63500" dist="38099" dir="2700000" algn="ctr" rotWithShape="0">
                     <a:srgbClr val="000000">
@@ -14238,7 +14238,7 @@
           <a:effectLst/>
           <a:extLst>
             <a:ext uri="{909E8E84-426E-40dd-AFC4-6F175D3DCCD1}">
-              <a14:hiddenFill xmlns:a14="http://schemas.microsoft.com/office/drawing/2010/main" xmlns="">
+              <a14:hiddenFill xmlns="" xmlns:a14="http://schemas.microsoft.com/office/drawing/2010/main">
                 <a:blipFill dpi="0" rotWithShape="0">
                   <a:blip/>
                   <a:srcRect/>
@@ -14249,7 +14249,7 @@
               </a14:hiddenFill>
             </a:ext>
             <a:ext uri="{91240B29-F687-4f45-9708-019B960494DF}">
-              <a14:hiddenLine xmlns:a14="http://schemas.microsoft.com/office/drawing/2010/main" xmlns="" w="9525">
+              <a14:hiddenLine xmlns="" xmlns:a14="http://schemas.microsoft.com/office/drawing/2010/main" w="9525">
                 <a:solidFill>
                   <a:srgbClr val="000000"/>
                 </a:solidFill>
@@ -14259,7 +14259,7 @@
               </a14:hiddenLine>
             </a:ext>
             <a:ext uri="{AF507438-7753-43e0-B8FC-AC1667EBCBE1}">
-              <a14:hiddenEffects xmlns:a14="http://schemas.microsoft.com/office/drawing/2010/main" xmlns="">
+              <a14:hiddenEffects xmlns="" xmlns:a14="http://schemas.microsoft.com/office/drawing/2010/main">
                 <a:effectLst>
                   <a:outerShdw blurRad="63500" dist="38099" dir="2700000" algn="ctr" rotWithShape="0">
                     <a:srgbClr val="000000">
@@ -14337,7 +14337,7 @@
           <a:effectLst/>
           <a:extLst>
             <a:ext uri="{909E8E84-426E-40dd-AFC4-6F175D3DCCD1}">
-              <a14:hiddenFill xmlns:a14="http://schemas.microsoft.com/office/drawing/2010/main" xmlns="">
+              <a14:hiddenFill xmlns="" xmlns:a14="http://schemas.microsoft.com/office/drawing/2010/main">
                 <a:blipFill dpi="0" rotWithShape="0">
                   <a:blip/>
                   <a:srcRect/>
@@ -14348,7 +14348,7 @@
               </a14:hiddenFill>
             </a:ext>
             <a:ext uri="{91240B29-F687-4f45-9708-019B960494DF}">
-              <a14:hiddenLine xmlns:a14="http://schemas.microsoft.com/office/drawing/2010/main" xmlns="" w="9525">
+              <a14:hiddenLine xmlns="" xmlns:a14="http://schemas.microsoft.com/office/drawing/2010/main" w="9525">
                 <a:solidFill>
                   <a:srgbClr val="000000"/>
                 </a:solidFill>
@@ -14358,7 +14358,7 @@
               </a14:hiddenLine>
             </a:ext>
             <a:ext uri="{AF507438-7753-43e0-B8FC-AC1667EBCBE1}">
-              <a14:hiddenEffects xmlns:a14="http://schemas.microsoft.com/office/drawing/2010/main" xmlns="">
+              <a14:hiddenEffects xmlns="" xmlns:a14="http://schemas.microsoft.com/office/drawing/2010/main">
                 <a:effectLst>
                   <a:outerShdw blurRad="63500" dist="38099" dir="2700000" algn="ctr" rotWithShape="0">
                     <a:srgbClr val="000000">
@@ -16223,7 +16223,7 @@
           <a:effectLst/>
           <a:extLst>
             <a:ext uri="{909E8E84-426E-40dd-AFC4-6F175D3DCCD1}">
-              <a14:hiddenFill xmlns="" xmlns:a14="http://schemas.microsoft.com/office/drawing/2010/main">
+              <a14:hiddenFill xmlns:a14="http://schemas.microsoft.com/office/drawing/2010/main" xmlns="">
                 <a:blipFill dpi="0" rotWithShape="0">
                   <a:blip/>
                   <a:srcRect/>
@@ -16234,7 +16234,7 @@
               </a14:hiddenFill>
             </a:ext>
             <a:ext uri="{91240B29-F687-4f45-9708-019B960494DF}">
-              <a14:hiddenLine xmlns="" xmlns:a14="http://schemas.microsoft.com/office/drawing/2010/main" w="9525">
+              <a14:hiddenLine xmlns:a14="http://schemas.microsoft.com/office/drawing/2010/main" xmlns="" w="9525">
                 <a:solidFill>
                   <a:srgbClr val="000000"/>
                 </a:solidFill>
@@ -16244,7 +16244,7 @@
               </a14:hiddenLine>
             </a:ext>
             <a:ext uri="{AF507438-7753-43e0-B8FC-AC1667EBCBE1}">
-              <a14:hiddenEffects xmlns="" xmlns:a14="http://schemas.microsoft.com/office/drawing/2010/main">
+              <a14:hiddenEffects xmlns:a14="http://schemas.microsoft.com/office/drawing/2010/main" xmlns="">
                 <a:effectLst>
                   <a:outerShdw blurRad="63500" dist="38099" dir="2700000" algn="ctr" rotWithShape="0">
                     <a:srgbClr val="000000">
@@ -16404,7 +16404,7 @@
           <a:effectLst/>
           <a:extLst>
             <a:ext uri="{909E8E84-426E-40dd-AFC4-6F175D3DCCD1}">
-              <a14:hiddenFill xmlns="" xmlns:a14="http://schemas.microsoft.com/office/drawing/2010/main">
+              <a14:hiddenFill xmlns:a14="http://schemas.microsoft.com/office/drawing/2010/main" xmlns="">
                 <a:blipFill dpi="0" rotWithShape="0">
                   <a:blip/>
                   <a:srcRect/>
@@ -16415,7 +16415,7 @@
               </a14:hiddenFill>
             </a:ext>
             <a:ext uri="{91240B29-F687-4f45-9708-019B960494DF}">
-              <a14:hiddenLine xmlns="" xmlns:a14="http://schemas.microsoft.com/office/drawing/2010/main" w="9525">
+              <a14:hiddenLine xmlns:a14="http://schemas.microsoft.com/office/drawing/2010/main" xmlns="" w="9525">
                 <a:solidFill>
                   <a:srgbClr val="000000"/>
                 </a:solidFill>
@@ -16425,7 +16425,7 @@
               </a14:hiddenLine>
             </a:ext>
             <a:ext uri="{AF507438-7753-43e0-B8FC-AC1667EBCBE1}">
-              <a14:hiddenEffects xmlns="" xmlns:a14="http://schemas.microsoft.com/office/drawing/2010/main">
+              <a14:hiddenEffects xmlns:a14="http://schemas.microsoft.com/office/drawing/2010/main" xmlns="">
                 <a:effectLst>
                   <a:outerShdw blurRad="63500" dist="38099" dir="2700000" algn="ctr" rotWithShape="0">
                     <a:srgbClr val="000000">
@@ -18224,7 +18224,7 @@
           <a:effectLst/>
           <a:extLst>
             <a:ext uri="{909E8E84-426E-40dd-AFC4-6F175D3DCCD1}">
-              <a14:hiddenFill xmlns="" xmlns:a14="http://schemas.microsoft.com/office/drawing/2010/main">
+              <a14:hiddenFill xmlns:a14="http://schemas.microsoft.com/office/drawing/2010/main" xmlns="">
                 <a:blipFill dpi="0" rotWithShape="0">
                   <a:blip/>
                   <a:srcRect/>
@@ -18235,7 +18235,7 @@
               </a14:hiddenFill>
             </a:ext>
             <a:ext uri="{91240B29-F687-4f45-9708-019B960494DF}">
-              <a14:hiddenLine xmlns="" xmlns:a14="http://schemas.microsoft.com/office/drawing/2010/main" w="9525">
+              <a14:hiddenLine xmlns:a14="http://schemas.microsoft.com/office/drawing/2010/main" xmlns="" w="9525">
                 <a:solidFill>
                   <a:srgbClr val="000000"/>
                 </a:solidFill>
@@ -18245,7 +18245,7 @@
               </a14:hiddenLine>
             </a:ext>
             <a:ext uri="{AF507438-7753-43e0-B8FC-AC1667EBCBE1}">
-              <a14:hiddenEffects xmlns="" xmlns:a14="http://schemas.microsoft.com/office/drawing/2010/main">
+              <a14:hiddenEffects xmlns:a14="http://schemas.microsoft.com/office/drawing/2010/main" xmlns="">
                 <a:effectLst>
                   <a:outerShdw blurRad="63500" dist="38099" dir="2700000" algn="ctr" rotWithShape="0">
                     <a:srgbClr val="000000">
@@ -18338,7 +18338,7 @@
           <a:effectLst/>
           <a:extLst>
             <a:ext uri="{909E8E84-426E-40dd-AFC4-6F175D3DCCD1}">
-              <a14:hiddenFill xmlns="" xmlns:a14="http://schemas.microsoft.com/office/drawing/2010/main">
+              <a14:hiddenFill xmlns:a14="http://schemas.microsoft.com/office/drawing/2010/main" xmlns="">
                 <a:blipFill dpi="0" rotWithShape="0">
                   <a:blip/>
                   <a:srcRect/>
@@ -18349,7 +18349,7 @@
               </a14:hiddenFill>
             </a:ext>
             <a:ext uri="{91240B29-F687-4f45-9708-019B960494DF}">
-              <a14:hiddenLine xmlns="" xmlns:a14="http://schemas.microsoft.com/office/drawing/2010/main" w="9525">
+              <a14:hiddenLine xmlns:a14="http://schemas.microsoft.com/office/drawing/2010/main" xmlns="" w="9525">
                 <a:solidFill>
                   <a:srgbClr val="000000"/>
                 </a:solidFill>
@@ -18359,7 +18359,7 @@
               </a14:hiddenLine>
             </a:ext>
             <a:ext uri="{AF507438-7753-43e0-B8FC-AC1667EBCBE1}">
-              <a14:hiddenEffects xmlns="" xmlns:a14="http://schemas.microsoft.com/office/drawing/2010/main">
+              <a14:hiddenEffects xmlns:a14="http://schemas.microsoft.com/office/drawing/2010/main" xmlns="">
                 <a:effectLst>
                   <a:outerShdw blurRad="63500" dist="38099" dir="2700000" algn="ctr" rotWithShape="0">
                     <a:srgbClr val="000000">
@@ -21231,7 +21231,7 @@
           <a:effectLst/>
           <a:extLst>
             <a:ext uri="{909E8E84-426E-40dd-AFC4-6F175D3DCCD1}">
-              <a14:hiddenFill xmlns="" xmlns:a14="http://schemas.microsoft.com/office/drawing/2010/main">
+              <a14:hiddenFill xmlns:a14="http://schemas.microsoft.com/office/drawing/2010/main" xmlns="">
                 <a:blipFill dpi="0" rotWithShape="0">
                   <a:blip/>
                   <a:srcRect/>
@@ -21242,7 +21242,7 @@
               </a14:hiddenFill>
             </a:ext>
             <a:ext uri="{91240B29-F687-4f45-9708-019B960494DF}">
-              <a14:hiddenLine xmlns="" xmlns:a14="http://schemas.microsoft.com/office/drawing/2010/main" w="9525">
+              <a14:hiddenLine xmlns:a14="http://schemas.microsoft.com/office/drawing/2010/main" xmlns="" w="9525">
                 <a:solidFill>
                   <a:srgbClr val="000000"/>
                 </a:solidFill>
@@ -21252,7 +21252,7 @@
               </a14:hiddenLine>
             </a:ext>
             <a:ext uri="{AF507438-7753-43e0-B8FC-AC1667EBCBE1}">
-              <a14:hiddenEffects xmlns="" xmlns:a14="http://schemas.microsoft.com/office/drawing/2010/main">
+              <a14:hiddenEffects xmlns:a14="http://schemas.microsoft.com/office/drawing/2010/main" xmlns="">
                 <a:effectLst>
                   <a:outerShdw blurRad="63500" dist="38099" dir="2700000" algn="ctr" rotWithShape="0">
                     <a:srgbClr val="000000">
@@ -21331,7 +21331,7 @@
           <a:effectLst/>
           <a:extLst>
             <a:ext uri="{909E8E84-426E-40dd-AFC4-6F175D3DCCD1}">
-              <a14:hiddenFill xmlns="" xmlns:a14="http://schemas.microsoft.com/office/drawing/2010/main">
+              <a14:hiddenFill xmlns:a14="http://schemas.microsoft.com/office/drawing/2010/main" xmlns="">
                 <a:blipFill dpi="0" rotWithShape="0">
                   <a:blip/>
                   <a:srcRect/>
@@ -21342,7 +21342,7 @@
               </a14:hiddenFill>
             </a:ext>
             <a:ext uri="{91240B29-F687-4f45-9708-019B960494DF}">
-              <a14:hiddenLine xmlns="" xmlns:a14="http://schemas.microsoft.com/office/drawing/2010/main" w="9525">
+              <a14:hiddenLine xmlns:a14="http://schemas.microsoft.com/office/drawing/2010/main" xmlns="" w="9525">
                 <a:solidFill>
                   <a:srgbClr val="000000"/>
                 </a:solidFill>
@@ -21352,7 +21352,7 @@
               </a14:hiddenLine>
             </a:ext>
             <a:ext uri="{AF507438-7753-43e0-B8FC-AC1667EBCBE1}">
-              <a14:hiddenEffects xmlns="" xmlns:a14="http://schemas.microsoft.com/office/drawing/2010/main">
+              <a14:hiddenEffects xmlns:a14="http://schemas.microsoft.com/office/drawing/2010/main" xmlns="">
                 <a:effectLst>
                   <a:outerShdw blurRad="63500" dist="38099" dir="2700000" algn="ctr" rotWithShape="0">
                     <a:srgbClr val="000000">
@@ -22935,7 +22935,7 @@
           <a:effectLst/>
           <a:extLst>
             <a:ext uri="{909E8E84-426E-40dd-AFC4-6F175D3DCCD1}">
-              <a14:hiddenFill xmlns="" xmlns:a14="http://schemas.microsoft.com/office/drawing/2010/main">
+              <a14:hiddenFill xmlns:a14="http://schemas.microsoft.com/office/drawing/2010/main" xmlns="">
                 <a:blipFill dpi="0" rotWithShape="0">
                   <a:blip/>
                   <a:srcRect/>
@@ -22946,7 +22946,7 @@
               </a14:hiddenFill>
             </a:ext>
             <a:ext uri="{91240B29-F687-4f45-9708-019B960494DF}">
-              <a14:hiddenLine xmlns="" xmlns:a14="http://schemas.microsoft.com/office/drawing/2010/main" w="9525">
+              <a14:hiddenLine xmlns:a14="http://schemas.microsoft.com/office/drawing/2010/main" xmlns="" w="9525">
                 <a:solidFill>
                   <a:srgbClr val="000000"/>
                 </a:solidFill>
@@ -22956,7 +22956,7 @@
               </a14:hiddenLine>
             </a:ext>
             <a:ext uri="{AF507438-7753-43e0-B8FC-AC1667EBCBE1}">
-              <a14:hiddenEffects xmlns="" xmlns:a14="http://schemas.microsoft.com/office/drawing/2010/main">
+              <a14:hiddenEffects xmlns:a14="http://schemas.microsoft.com/office/drawing/2010/main" xmlns="">
                 <a:effectLst>
                   <a:outerShdw blurRad="63500" dist="38099" dir="2700000" algn="ctr" rotWithShape="0">
                     <a:srgbClr val="000000">
@@ -24604,7 +24604,7 @@
           <a:effectLst/>
           <a:extLst>
             <a:ext uri="{909E8E84-426E-40dd-AFC4-6F175D3DCCD1}">
-              <a14:hiddenFill xmlns="" xmlns:a14="http://schemas.microsoft.com/office/drawing/2010/main">
+              <a14:hiddenFill xmlns:a14="http://schemas.microsoft.com/office/drawing/2010/main" xmlns="">
                 <a:blipFill dpi="0" rotWithShape="0">
                   <a:blip/>
                   <a:srcRect/>
@@ -24615,7 +24615,7 @@
               </a14:hiddenFill>
             </a:ext>
             <a:ext uri="{91240B29-F687-4f45-9708-019B960494DF}">
-              <a14:hiddenLine xmlns="" xmlns:a14="http://schemas.microsoft.com/office/drawing/2010/main" w="9525">
+              <a14:hiddenLine xmlns:a14="http://schemas.microsoft.com/office/drawing/2010/main" xmlns="" w="9525">
                 <a:solidFill>
                   <a:srgbClr val="000000"/>
                 </a:solidFill>
@@ -24625,7 +24625,7 @@
               </a14:hiddenLine>
             </a:ext>
             <a:ext uri="{AF507438-7753-43e0-B8FC-AC1667EBCBE1}">
-              <a14:hiddenEffects xmlns="" xmlns:a14="http://schemas.microsoft.com/office/drawing/2010/main">
+              <a14:hiddenEffects xmlns:a14="http://schemas.microsoft.com/office/drawing/2010/main" xmlns="">
                 <a:effectLst>
                   <a:outerShdw blurRad="63500" dist="38099" dir="2700000" algn="ctr" rotWithShape="0">
                     <a:srgbClr val="000000">
@@ -25987,7 +25987,7 @@
           <a:effectLst/>
           <a:extLst>
             <a:ext uri="{909E8E84-426E-40dd-AFC4-6F175D3DCCD1}">
-              <a14:hiddenFill xmlns="" xmlns:a14="http://schemas.microsoft.com/office/drawing/2010/main">
+              <a14:hiddenFill xmlns:a14="http://schemas.microsoft.com/office/drawing/2010/main" xmlns="">
                 <a:blipFill dpi="0" rotWithShape="0">
                   <a:blip/>
                   <a:srcRect/>
@@ -25998,7 +25998,7 @@
               </a14:hiddenFill>
             </a:ext>
             <a:ext uri="{91240B29-F687-4f45-9708-019B960494DF}">
-              <a14:hiddenLine xmlns="" xmlns:a14="http://schemas.microsoft.com/office/drawing/2010/main" w="9525">
+              <a14:hiddenLine xmlns:a14="http://schemas.microsoft.com/office/drawing/2010/main" xmlns="" w="9525">
                 <a:solidFill>
                   <a:srgbClr val="000000"/>
                 </a:solidFill>
@@ -26008,7 +26008,7 @@
               </a14:hiddenLine>
             </a:ext>
             <a:ext uri="{AF507438-7753-43e0-B8FC-AC1667EBCBE1}">
-              <a14:hiddenEffects xmlns="" xmlns:a14="http://schemas.microsoft.com/office/drawing/2010/main">
+              <a14:hiddenEffects xmlns:a14="http://schemas.microsoft.com/office/drawing/2010/main" xmlns="">
                 <a:effectLst>
                   <a:outerShdw blurRad="63500" dist="38099" dir="2700000" algn="ctr" rotWithShape="0">
                     <a:srgbClr val="000000">
@@ -26139,7 +26139,7 @@
           <a:effectLst/>
           <a:extLst>
             <a:ext uri="{909E8E84-426E-40dd-AFC4-6F175D3DCCD1}">
-              <a14:hiddenFill xmlns="" xmlns:a14="http://schemas.microsoft.com/office/drawing/2010/main">
+              <a14:hiddenFill xmlns:a14="http://schemas.microsoft.com/office/drawing/2010/main" xmlns="">
                 <a:blipFill dpi="0" rotWithShape="0">
                   <a:blip/>
                   <a:srcRect/>
@@ -26150,7 +26150,7 @@
               </a14:hiddenFill>
             </a:ext>
             <a:ext uri="{91240B29-F687-4f45-9708-019B960494DF}">
-              <a14:hiddenLine xmlns="" xmlns:a14="http://schemas.microsoft.com/office/drawing/2010/main" w="9525">
+              <a14:hiddenLine xmlns:a14="http://schemas.microsoft.com/office/drawing/2010/main" xmlns="" w="9525">
                 <a:solidFill>
                   <a:srgbClr val="000000"/>
                 </a:solidFill>
@@ -26160,7 +26160,7 @@
               </a14:hiddenLine>
             </a:ext>
             <a:ext uri="{AF507438-7753-43e0-B8FC-AC1667EBCBE1}">
-              <a14:hiddenEffects xmlns="" xmlns:a14="http://schemas.microsoft.com/office/drawing/2010/main">
+              <a14:hiddenEffects xmlns:a14="http://schemas.microsoft.com/office/drawing/2010/main" xmlns="">
                 <a:effectLst>
                   <a:outerShdw blurRad="63500" dist="38099" dir="2700000" algn="ctr" rotWithShape="0">
                     <a:srgbClr val="000000">
@@ -28890,8 +28890,8 @@
           </a:p>
         </p:txBody>
       </p:sp>
-      <mc:AlternateContent xmlns:mc="http://schemas.openxmlformats.org/markup-compatibility/2006" xmlns:a14="http://schemas.microsoft.com/office/drawing/2010/main">
-        <mc:Choice Requires="a14">
+      <mc:AlternateContent xmlns:mc="http://schemas.openxmlformats.org/markup-compatibility/2006">
+        <mc:Choice xmlns:a14="http://schemas.microsoft.com/office/drawing/2010/main" Requires="a14">
           <p:sp>
             <p:nvSpPr>
               <p:cNvPr id="3" name="Content Placeholder 2"/>
@@ -29130,7 +29130,7 @@
                     <a:ea typeface="Ayuthaya" charset="-34"/>
                     <a:cs typeface="Consolas" charset="0"/>
                   </a:rPr>
-                  <a:t>   after </a:t>
+                  <a:t>   after the same sequence of </a:t>
                 </a:r>
                 <a14:m>
                   <m:oMath xmlns:m="http://schemas.openxmlformats.org/officeDocument/2006/math">
@@ -29700,7 +29700,7 @@
             </p:txBody>
           </p:sp>
         </mc:Choice>
-        <mc:Fallback xmlns="">
+        <mc:Fallback>
           <p:sp>
             <p:nvSpPr>
               <p:cNvPr id="3" name="Content Placeholder 2"/>
@@ -30242,39 +30242,26 @@
                                   </p:childTnLst>
                                 </p:cTn>
                               </p:par>
+                            </p:childTnLst>
+                          </p:cTn>
+                        </p:par>
+                      </p:childTnLst>
+                    </p:cTn>
+                  </p:par>
+                  <p:par>
+                    <p:cTn id="15" fill="hold">
+                      <p:stCondLst>
+                        <p:cond delay="indefinite"/>
+                      </p:stCondLst>
+                      <p:childTnLst>
+                        <p:par>
+                          <p:cTn id="16" fill="hold">
+                            <p:stCondLst>
+                              <p:cond delay="0"/>
+                            </p:stCondLst>
+                            <p:childTnLst>
                               <p:par>
-                                <p:cTn id="15" presetID="1" presetClass="entr" presetSubtype="0" fill="hold" nodeType="withEffect">
-                                  <p:stCondLst>
-                                    <p:cond delay="0"/>
-                                  </p:stCondLst>
-                                  <p:childTnLst>
-                                    <p:set>
-                                      <p:cBhvr>
-                                        <p:cTn id="16" dur="1" fill="hold">
-                                          <p:stCondLst>
-                                            <p:cond delay="0"/>
-                                          </p:stCondLst>
-                                        </p:cTn>
-                                        <p:tgtEl>
-                                          <p:spTgt spid="3">
-                                            <p:txEl>
-                                              <p:pRg st="4" end="4"/>
-                                            </p:txEl>
-                                          </p:spTgt>
-                                        </p:tgtEl>
-                                        <p:attrNameLst>
-                                          <p:attrName>style.visibility</p:attrName>
-                                        </p:attrNameLst>
-                                      </p:cBhvr>
-                                      <p:to>
-                                        <p:strVal val="visible"/>
-                                      </p:to>
-                                    </p:set>
-                                  </p:childTnLst>
-                                </p:cTn>
-                              </p:par>
-                              <p:par>
-                                <p:cTn id="17" presetID="1" presetClass="entr" presetSubtype="0" fill="hold" nodeType="withEffect">
+                                <p:cTn id="17" presetID="1" presetClass="entr" presetSubtype="0" fill="hold" nodeType="clickEffect">
                                   <p:stCondLst>
                                     <p:cond delay="0"/>
                                   </p:stCondLst>
@@ -30287,7 +30274,11 @@
                                           </p:stCondLst>
                                         </p:cTn>
                                         <p:tgtEl>
-                                          <p:spTgt spid="12"/>
+                                          <p:spTgt spid="3">
+                                            <p:txEl>
+                                              <p:pRg st="4" end="4"/>
+                                            </p:txEl>
+                                          </p:spTgt>
                                         </p:tgtEl>
                                         <p:attrNameLst>
                                           <p:attrName>style.visibility</p:attrName>
@@ -30484,6 +30475,33 @@
                                               <p:pRg st="8" end="8"/>
                                             </p:txEl>
                                           </p:spTgt>
+                                        </p:tgtEl>
+                                        <p:attrNameLst>
+                                          <p:attrName>style.visibility</p:attrName>
+                                        </p:attrNameLst>
+                                      </p:cBhvr>
+                                      <p:to>
+                                        <p:strVal val="visible"/>
+                                      </p:to>
+                                    </p:set>
+                                  </p:childTnLst>
+                                </p:cTn>
+                              </p:par>
+                              <p:par>
+                                <p:cTn id="35" presetID="1" presetClass="entr" presetSubtype="0" fill="hold" nodeType="withEffect">
+                                  <p:stCondLst>
+                                    <p:cond delay="0"/>
+                                  </p:stCondLst>
+                                  <p:childTnLst>
+                                    <p:set>
+                                      <p:cBhvr>
+                                        <p:cTn id="36" dur="1" fill="hold">
+                                          <p:stCondLst>
+                                            <p:cond delay="0"/>
+                                          </p:stCondLst>
+                                        </p:cTn>
+                                        <p:tgtEl>
+                                          <p:spTgt spid="12"/>
                                         </p:tgtEl>
                                         <p:attrNameLst>
                                           <p:attrName>style.visibility</p:attrName>
@@ -33862,7 +33880,7 @@
           <a:effectLst/>
           <a:extLst>
             <a:ext uri="{909E8E84-426E-40dd-AFC4-6F175D3DCCD1}">
-              <a14:hiddenFill xmlns:a14="http://schemas.microsoft.com/office/drawing/2010/main" xmlns="">
+              <a14:hiddenFill xmlns="" xmlns:a14="http://schemas.microsoft.com/office/drawing/2010/main">
                 <a:blipFill dpi="0" rotWithShape="0">
                   <a:blip/>
                   <a:srcRect/>
@@ -33873,7 +33891,7 @@
               </a14:hiddenFill>
             </a:ext>
             <a:ext uri="{91240B29-F687-4f45-9708-019B960494DF}">
-              <a14:hiddenLine xmlns:a14="http://schemas.microsoft.com/office/drawing/2010/main" xmlns="" w="9525">
+              <a14:hiddenLine xmlns="" xmlns:a14="http://schemas.microsoft.com/office/drawing/2010/main" w="9525">
                 <a:solidFill>
                   <a:srgbClr val="000000"/>
                 </a:solidFill>
@@ -33883,7 +33901,7 @@
               </a14:hiddenLine>
             </a:ext>
             <a:ext uri="{AF507438-7753-43e0-B8FC-AC1667EBCBE1}">
-              <a14:hiddenEffects xmlns:a14="http://schemas.microsoft.com/office/drawing/2010/main" xmlns="">
+              <a14:hiddenEffects xmlns="" xmlns:a14="http://schemas.microsoft.com/office/drawing/2010/main">
                 <a:effectLst>
                   <a:outerShdw blurRad="63500" dist="38099" dir="2700000" algn="ctr" rotWithShape="0">
                     <a:srgbClr val="000000">

--- a/marple.pptx
+++ b/marple.pptx
@@ -960,7 +960,7 @@
             </a:r>
             <a:r>
               <a:rPr lang="en-US" baseline="0" dirty="0"/>
-              <a:t> construct. Again, we divide up the packet stream by 5tuple like the previous example. The function is different now and we use the function </a:t>
+              <a:t> construct. Again, we divide up the packet stream by 5-tuple like the previous example. The function is different now and we use the function </a:t>
             </a:r>
             <a:r>
               <a:rPr lang="en-US" baseline="0" dirty="0" err="1"/>
@@ -4344,7 +4344,7 @@
           <a:p>
             <a:r>
               <a:rPr lang="en-US" dirty="0"/>
-              <a:t>Since we wanted the language to be as high level as possible, we chose a query language as the format for expressing these queries. Let me describe the query language’s constructs one by one. The first language construct is that of a stream. You can think of the query language as consisting of operators that take streams of tuples as inputs and produce streams of tuples as outputs---like standard stream processing systems. This allows us to easily compose operators in the language.</a:t>
+              <a:t>Since we wanted the language to be as high level as possible, we chose a query language as the format for expressing these queries. Let me describe the query language’s constructs one by one. The first language construct is that of a stream. You can think of the query language as consisting of operators that take streams as inputs and produce streams as outputs---like standard stream processing systems. This allows us to easily compose operators in the language.</a:t>
             </a:r>
           </a:p>
           <a:p>
@@ -8544,7 +8544,7 @@
                 <a:ea typeface="Ayuthaya" charset="-34"/>
                 <a:cs typeface="Ayuthaya" charset="-34"/>
               </a:rPr>
-              <a:t>(R1, 5tuple, </a:t>
+              <a:t>(R1, 5-tuple, </a:t>
             </a:r>
             <a:r>
               <a:rPr lang="en-US" sz="3200" dirty="0" err="1">
@@ -9270,7 +9270,7 @@
                 <a:ea typeface="Ayuthaya" charset="-34"/>
                 <a:cs typeface="Ayuthaya" charset="-34"/>
               </a:rPr>
-              <a:t>(P, 5tuple, </a:t>
+              <a:t>(P, 5-tuple, </a:t>
             </a:r>
             <a:r>
               <a:rPr lang="en-US" sz="3200" dirty="0" err="1">
@@ -11223,7 +11223,7 @@
                 <a:ea typeface="Ayuthaya" charset="-34"/>
                 <a:cs typeface="Ayuthaya" charset="-34"/>
               </a:rPr>
-              <a:t>(P, 5tuple, </a:t>
+              <a:t>(P, 5-tuple, </a:t>
             </a:r>
             <a:r>
               <a:rPr lang="en-US" dirty="0" err="1">
@@ -12190,7 +12190,7 @@
           <a:effectLst/>
           <a:extLst>
             <a:ext uri="{909E8E84-426E-40dd-AFC4-6F175D3DCCD1}">
-              <a14:hiddenFill xmlns="" xmlns:a14="http://schemas.microsoft.com/office/drawing/2010/main">
+              <a14:hiddenFill xmlns:a14="http://schemas.microsoft.com/office/drawing/2010/main" xmlns="">
                 <a:blipFill dpi="0" rotWithShape="0">
                   <a:blip/>
                   <a:srcRect/>
@@ -12201,7 +12201,7 @@
               </a14:hiddenFill>
             </a:ext>
             <a:ext uri="{91240B29-F687-4f45-9708-019B960494DF}">
-              <a14:hiddenLine xmlns="" xmlns:a14="http://schemas.microsoft.com/office/drawing/2010/main" w="9525">
+              <a14:hiddenLine xmlns:a14="http://schemas.microsoft.com/office/drawing/2010/main" xmlns="" w="9525">
                 <a:solidFill>
                   <a:srgbClr val="000000"/>
                 </a:solidFill>
@@ -12211,7 +12211,7 @@
               </a14:hiddenLine>
             </a:ext>
             <a:ext uri="{AF507438-7753-43e0-B8FC-AC1667EBCBE1}">
-              <a14:hiddenEffects xmlns="" xmlns:a14="http://schemas.microsoft.com/office/drawing/2010/main">
+              <a14:hiddenEffects xmlns:a14="http://schemas.microsoft.com/office/drawing/2010/main" xmlns="">
                 <a:effectLst>
                   <a:outerShdw blurRad="63500" dist="38099" dir="2700000" algn="ctr" rotWithShape="0">
                     <a:srgbClr val="000000">
@@ -12260,7 +12260,7 @@
           <a:effectLst/>
           <a:extLst>
             <a:ext uri="{909E8E84-426E-40dd-AFC4-6F175D3DCCD1}">
-              <a14:hiddenFill xmlns="" xmlns:a14="http://schemas.microsoft.com/office/drawing/2010/main">
+              <a14:hiddenFill xmlns:a14="http://schemas.microsoft.com/office/drawing/2010/main" xmlns="">
                 <a:blipFill dpi="0" rotWithShape="0">
                   <a:blip/>
                   <a:srcRect/>
@@ -12271,7 +12271,7 @@
               </a14:hiddenFill>
             </a:ext>
             <a:ext uri="{91240B29-F687-4f45-9708-019B960494DF}">
-              <a14:hiddenLine xmlns="" xmlns:a14="http://schemas.microsoft.com/office/drawing/2010/main" w="9525">
+              <a14:hiddenLine xmlns:a14="http://schemas.microsoft.com/office/drawing/2010/main" xmlns="" w="9525">
                 <a:solidFill>
                   <a:srgbClr val="000000"/>
                 </a:solidFill>
@@ -12281,7 +12281,7 @@
               </a14:hiddenLine>
             </a:ext>
             <a:ext uri="{AF507438-7753-43e0-B8FC-AC1667EBCBE1}">
-              <a14:hiddenEffects xmlns="" xmlns:a14="http://schemas.microsoft.com/office/drawing/2010/main">
+              <a14:hiddenEffects xmlns:a14="http://schemas.microsoft.com/office/drawing/2010/main" xmlns="">
                 <a:effectLst>
                   <a:outerShdw blurRad="63500" dist="38099" dir="2700000" algn="ctr" rotWithShape="0">
                     <a:srgbClr val="000000">
@@ -12416,7 +12416,7 @@
             <a:effectLst/>
             <a:extLst>
               <a:ext uri="{909E8E84-426E-40dd-AFC4-6F175D3DCCD1}">
-                <a14:hiddenFill xmlns:a14="http://schemas.microsoft.com/office/drawing/2010/main" xmlns="">
+                <a14:hiddenFill xmlns="" xmlns:a14="http://schemas.microsoft.com/office/drawing/2010/main">
                   <a:blipFill dpi="0" rotWithShape="0">
                     <a:blip/>
                     <a:srcRect/>
@@ -12427,7 +12427,7 @@
                 </a14:hiddenFill>
               </a:ext>
               <a:ext uri="{91240B29-F687-4f45-9708-019B960494DF}">
-                <a14:hiddenLine xmlns:a14="http://schemas.microsoft.com/office/drawing/2010/main" xmlns="" w="9525">
+                <a14:hiddenLine xmlns="" xmlns:a14="http://schemas.microsoft.com/office/drawing/2010/main" w="9525">
                   <a:solidFill>
                     <a:srgbClr val="000000"/>
                   </a:solidFill>
@@ -12437,7 +12437,7 @@
                 </a14:hiddenLine>
               </a:ext>
               <a:ext uri="{AF507438-7753-43e0-B8FC-AC1667EBCBE1}">
-                <a14:hiddenEffects xmlns:a14="http://schemas.microsoft.com/office/drawing/2010/main" xmlns="">
+                <a14:hiddenEffects xmlns="" xmlns:a14="http://schemas.microsoft.com/office/drawing/2010/main">
                   <a:effectLst>
                     <a:outerShdw blurRad="63500" dist="38099" dir="2700000" algn="ctr" rotWithShape="0">
                       <a:srgbClr val="000000">
@@ -12486,7 +12486,7 @@
             <a:effectLst/>
             <a:extLst>
               <a:ext uri="{909E8E84-426E-40dd-AFC4-6F175D3DCCD1}">
-                <a14:hiddenFill xmlns:a14="http://schemas.microsoft.com/office/drawing/2010/main" xmlns="">
+                <a14:hiddenFill xmlns="" xmlns:a14="http://schemas.microsoft.com/office/drawing/2010/main">
                   <a:blipFill dpi="0" rotWithShape="0">
                     <a:blip/>
                     <a:srcRect/>
@@ -12497,7 +12497,7 @@
                 </a14:hiddenFill>
               </a:ext>
               <a:ext uri="{91240B29-F687-4f45-9708-019B960494DF}">
-                <a14:hiddenLine xmlns:a14="http://schemas.microsoft.com/office/drawing/2010/main" xmlns="" w="9525">
+                <a14:hiddenLine xmlns="" xmlns:a14="http://schemas.microsoft.com/office/drawing/2010/main" w="9525">
                   <a:solidFill>
                     <a:srgbClr val="000000"/>
                   </a:solidFill>
@@ -12507,7 +12507,7 @@
                 </a14:hiddenLine>
               </a:ext>
               <a:ext uri="{AF507438-7753-43e0-B8FC-AC1667EBCBE1}">
-                <a14:hiddenEffects xmlns:a14="http://schemas.microsoft.com/office/drawing/2010/main" xmlns="">
+                <a14:hiddenEffects xmlns="" xmlns:a14="http://schemas.microsoft.com/office/drawing/2010/main">
                   <a:effectLst>
                     <a:outerShdw blurRad="63500" dist="38099" dir="2700000" algn="ctr" rotWithShape="0">
                       <a:srgbClr val="000000">
@@ -12556,7 +12556,7 @@
             <a:effectLst/>
             <a:extLst>
               <a:ext uri="{909E8E84-426E-40dd-AFC4-6F175D3DCCD1}">
-                <a14:hiddenFill xmlns:a14="http://schemas.microsoft.com/office/drawing/2010/main" xmlns="">
+                <a14:hiddenFill xmlns="" xmlns:a14="http://schemas.microsoft.com/office/drawing/2010/main">
                   <a:blipFill dpi="0" rotWithShape="0">
                     <a:blip/>
                     <a:srcRect/>
@@ -12567,7 +12567,7 @@
                 </a14:hiddenFill>
               </a:ext>
               <a:ext uri="{91240B29-F687-4f45-9708-019B960494DF}">
-                <a14:hiddenLine xmlns:a14="http://schemas.microsoft.com/office/drawing/2010/main" xmlns="" w="9525">
+                <a14:hiddenLine xmlns="" xmlns:a14="http://schemas.microsoft.com/office/drawing/2010/main" w="9525">
                   <a:solidFill>
                     <a:srgbClr val="000000"/>
                   </a:solidFill>
@@ -12577,7 +12577,7 @@
                 </a14:hiddenLine>
               </a:ext>
               <a:ext uri="{AF507438-7753-43e0-B8FC-AC1667EBCBE1}">
-                <a14:hiddenEffects xmlns:a14="http://schemas.microsoft.com/office/drawing/2010/main" xmlns="">
+                <a14:hiddenEffects xmlns="" xmlns:a14="http://schemas.microsoft.com/office/drawing/2010/main">
                   <a:effectLst>
                     <a:outerShdw blurRad="63500" dist="38099" dir="2700000" algn="ctr" rotWithShape="0">
                       <a:srgbClr val="000000">
@@ -12618,12 +12618,12 @@
             <a:effectLst/>
             <a:extLst>
               <a:ext uri="{909E8E84-426E-40dd-AFC4-6F175D3DCCD1}">
-                <a14:hiddenFill xmlns:a14="http://schemas.microsoft.com/office/drawing/2010/main" xmlns="">
+                <a14:hiddenFill xmlns="" xmlns:a14="http://schemas.microsoft.com/office/drawing/2010/main">
                   <a:noFill/>
                 </a14:hiddenFill>
               </a:ext>
               <a:ext uri="{AF507438-7753-43e0-B8FC-AC1667EBCBE1}">
-                <a14:hiddenEffects xmlns:a14="http://schemas.microsoft.com/office/drawing/2010/main" xmlns="">
+                <a14:hiddenEffects xmlns="" xmlns:a14="http://schemas.microsoft.com/office/drawing/2010/main">
                   <a:effectLst>
                     <a:outerShdw blurRad="63500" dist="38099" dir="2700000" algn="ctr" rotWithShape="0">
                       <a:srgbClr val="000000">
@@ -12676,12 +12676,12 @@
             <a:effectLst/>
             <a:extLst>
               <a:ext uri="{909E8E84-426E-40dd-AFC4-6F175D3DCCD1}">
-                <a14:hiddenFill xmlns:a14="http://schemas.microsoft.com/office/drawing/2010/main" xmlns="">
+                <a14:hiddenFill xmlns="" xmlns:a14="http://schemas.microsoft.com/office/drawing/2010/main">
                   <a:noFill/>
                 </a14:hiddenFill>
               </a:ext>
               <a:ext uri="{AF507438-7753-43e0-B8FC-AC1667EBCBE1}">
-                <a14:hiddenEffects xmlns:a14="http://schemas.microsoft.com/office/drawing/2010/main" xmlns="">
+                <a14:hiddenEffects xmlns="" xmlns:a14="http://schemas.microsoft.com/office/drawing/2010/main">
                   <a:effectLst>
                     <a:outerShdw blurRad="63500" dist="38099" dir="2700000" algn="ctr" rotWithShape="0">
                       <a:srgbClr val="000000">
@@ -12734,12 +12734,12 @@
             <a:effectLst/>
             <a:extLst>
               <a:ext uri="{909E8E84-426E-40dd-AFC4-6F175D3DCCD1}">
-                <a14:hiddenFill xmlns:a14="http://schemas.microsoft.com/office/drawing/2010/main" xmlns="">
+                <a14:hiddenFill xmlns="" xmlns:a14="http://schemas.microsoft.com/office/drawing/2010/main">
                   <a:noFill/>
                 </a14:hiddenFill>
               </a:ext>
               <a:ext uri="{AF507438-7753-43e0-B8FC-AC1667EBCBE1}">
-                <a14:hiddenEffects xmlns:a14="http://schemas.microsoft.com/office/drawing/2010/main" xmlns="">
+                <a14:hiddenEffects xmlns="" xmlns:a14="http://schemas.microsoft.com/office/drawing/2010/main">
                   <a:effectLst>
                     <a:outerShdw blurRad="63500" dist="38099" dir="2700000" algn="ctr" rotWithShape="0">
                       <a:srgbClr val="000000">
@@ -12792,12 +12792,12 @@
             <a:effectLst/>
             <a:extLst>
               <a:ext uri="{909E8E84-426E-40dd-AFC4-6F175D3DCCD1}">
-                <a14:hiddenFill xmlns:a14="http://schemas.microsoft.com/office/drawing/2010/main" xmlns="">
+                <a14:hiddenFill xmlns="" xmlns:a14="http://schemas.microsoft.com/office/drawing/2010/main">
                   <a:noFill/>
                 </a14:hiddenFill>
               </a:ext>
               <a:ext uri="{AF507438-7753-43e0-B8FC-AC1667EBCBE1}">
-                <a14:hiddenEffects xmlns:a14="http://schemas.microsoft.com/office/drawing/2010/main" xmlns="">
+                <a14:hiddenEffects xmlns="" xmlns:a14="http://schemas.microsoft.com/office/drawing/2010/main">
                   <a:effectLst>
                     <a:outerShdw blurRad="63500" dist="38099" dir="2700000" algn="ctr" rotWithShape="0">
                       <a:srgbClr val="000000">
@@ -12850,12 +12850,12 @@
             <a:effectLst/>
             <a:extLst>
               <a:ext uri="{909E8E84-426E-40dd-AFC4-6F175D3DCCD1}">
-                <a14:hiddenFill xmlns:a14="http://schemas.microsoft.com/office/drawing/2010/main" xmlns="">
+                <a14:hiddenFill xmlns="" xmlns:a14="http://schemas.microsoft.com/office/drawing/2010/main">
                   <a:noFill/>
                 </a14:hiddenFill>
               </a:ext>
               <a:ext uri="{AF507438-7753-43e0-B8FC-AC1667EBCBE1}">
-                <a14:hiddenEffects xmlns:a14="http://schemas.microsoft.com/office/drawing/2010/main" xmlns="">
+                <a14:hiddenEffects xmlns="" xmlns:a14="http://schemas.microsoft.com/office/drawing/2010/main">
                   <a:effectLst>
                     <a:outerShdw blurRad="63500" dist="38099" dir="2700000" algn="ctr" rotWithShape="0">
                       <a:srgbClr val="000000">
@@ -12908,12 +12908,12 @@
             <a:effectLst/>
             <a:extLst>
               <a:ext uri="{909E8E84-426E-40dd-AFC4-6F175D3DCCD1}">
-                <a14:hiddenFill xmlns:a14="http://schemas.microsoft.com/office/drawing/2010/main" xmlns="">
+                <a14:hiddenFill xmlns="" xmlns:a14="http://schemas.microsoft.com/office/drawing/2010/main">
                   <a:noFill/>
                 </a14:hiddenFill>
               </a:ext>
               <a:ext uri="{AF507438-7753-43e0-B8FC-AC1667EBCBE1}">
-                <a14:hiddenEffects xmlns:a14="http://schemas.microsoft.com/office/drawing/2010/main" xmlns="">
+                <a14:hiddenEffects xmlns="" xmlns:a14="http://schemas.microsoft.com/office/drawing/2010/main">
                   <a:effectLst>
                     <a:outerShdw blurRad="63500" dist="38099" dir="2700000" algn="ctr" rotWithShape="0">
                       <a:srgbClr val="000000">
@@ -12966,12 +12966,12 @@
             <a:effectLst/>
             <a:extLst>
               <a:ext uri="{909E8E84-426E-40dd-AFC4-6F175D3DCCD1}">
-                <a14:hiddenFill xmlns:a14="http://schemas.microsoft.com/office/drawing/2010/main" xmlns="">
+                <a14:hiddenFill xmlns="" xmlns:a14="http://schemas.microsoft.com/office/drawing/2010/main">
                   <a:noFill/>
                 </a14:hiddenFill>
               </a:ext>
               <a:ext uri="{AF507438-7753-43e0-B8FC-AC1667EBCBE1}">
-                <a14:hiddenEffects xmlns:a14="http://schemas.microsoft.com/office/drawing/2010/main" xmlns="">
+                <a14:hiddenEffects xmlns="" xmlns:a14="http://schemas.microsoft.com/office/drawing/2010/main">
                   <a:effectLst>
                     <a:outerShdw blurRad="63500" dist="38099" dir="2700000" algn="ctr" rotWithShape="0">
                       <a:srgbClr val="000000">
@@ -13024,12 +13024,12 @@
             <a:effectLst/>
             <a:extLst>
               <a:ext uri="{909E8E84-426E-40dd-AFC4-6F175D3DCCD1}">
-                <a14:hiddenFill xmlns:a14="http://schemas.microsoft.com/office/drawing/2010/main" xmlns="">
+                <a14:hiddenFill xmlns="" xmlns:a14="http://schemas.microsoft.com/office/drawing/2010/main">
                   <a:noFill/>
                 </a14:hiddenFill>
               </a:ext>
               <a:ext uri="{AF507438-7753-43e0-B8FC-AC1667EBCBE1}">
-                <a14:hiddenEffects xmlns:a14="http://schemas.microsoft.com/office/drawing/2010/main" xmlns="">
+                <a14:hiddenEffects xmlns="" xmlns:a14="http://schemas.microsoft.com/office/drawing/2010/main">
                   <a:effectLst>
                     <a:outerShdw blurRad="63500" dist="38099" dir="2700000" algn="ctr" rotWithShape="0">
                       <a:srgbClr val="000000">
@@ -13082,12 +13082,12 @@
             <a:effectLst/>
             <a:extLst>
               <a:ext uri="{909E8E84-426E-40dd-AFC4-6F175D3DCCD1}">
-                <a14:hiddenFill xmlns:a14="http://schemas.microsoft.com/office/drawing/2010/main" xmlns="">
+                <a14:hiddenFill xmlns="" xmlns:a14="http://schemas.microsoft.com/office/drawing/2010/main">
                   <a:noFill/>
                 </a14:hiddenFill>
               </a:ext>
               <a:ext uri="{AF507438-7753-43e0-B8FC-AC1667EBCBE1}">
-                <a14:hiddenEffects xmlns:a14="http://schemas.microsoft.com/office/drawing/2010/main" xmlns="">
+                <a14:hiddenEffects xmlns="" xmlns:a14="http://schemas.microsoft.com/office/drawing/2010/main">
                   <a:effectLst>
                     <a:outerShdw blurRad="63500" dist="38099" dir="2700000" algn="ctr" rotWithShape="0">
                       <a:srgbClr val="000000">
@@ -13140,12 +13140,12 @@
             <a:effectLst/>
             <a:extLst>
               <a:ext uri="{909E8E84-426E-40dd-AFC4-6F175D3DCCD1}">
-                <a14:hiddenFill xmlns:a14="http://schemas.microsoft.com/office/drawing/2010/main" xmlns="">
+                <a14:hiddenFill xmlns="" xmlns:a14="http://schemas.microsoft.com/office/drawing/2010/main">
                   <a:noFill/>
                 </a14:hiddenFill>
               </a:ext>
               <a:ext uri="{AF507438-7753-43e0-B8FC-AC1667EBCBE1}">
-                <a14:hiddenEffects xmlns:a14="http://schemas.microsoft.com/office/drawing/2010/main" xmlns="">
+                <a14:hiddenEffects xmlns="" xmlns:a14="http://schemas.microsoft.com/office/drawing/2010/main">
                   <a:effectLst>
                     <a:outerShdw blurRad="63500" dist="38099" dir="2700000" algn="ctr" rotWithShape="0">
                       <a:srgbClr val="000000">
@@ -13206,7 +13206,7 @@
             <a:effectLst/>
             <a:extLst>
               <a:ext uri="{909E8E84-426E-40dd-AFC4-6F175D3DCCD1}">
-                <a14:hiddenFill xmlns:a14="http://schemas.microsoft.com/office/drawing/2010/main" xmlns="">
+                <a14:hiddenFill xmlns="" xmlns:a14="http://schemas.microsoft.com/office/drawing/2010/main">
                   <a:blipFill dpi="0" rotWithShape="0">
                     <a:blip/>
                     <a:srcRect/>
@@ -13217,7 +13217,7 @@
                 </a14:hiddenFill>
               </a:ext>
               <a:ext uri="{91240B29-F687-4f45-9708-019B960494DF}">
-                <a14:hiddenLine xmlns:a14="http://schemas.microsoft.com/office/drawing/2010/main" xmlns="" w="9525">
+                <a14:hiddenLine xmlns="" xmlns:a14="http://schemas.microsoft.com/office/drawing/2010/main" w="9525">
                   <a:solidFill>
                     <a:srgbClr val="000000"/>
                   </a:solidFill>
@@ -13227,7 +13227,7 @@
                 </a14:hiddenLine>
               </a:ext>
               <a:ext uri="{AF507438-7753-43e0-B8FC-AC1667EBCBE1}">
-                <a14:hiddenEffects xmlns:a14="http://schemas.microsoft.com/office/drawing/2010/main" xmlns="">
+                <a14:hiddenEffects xmlns="" xmlns:a14="http://schemas.microsoft.com/office/drawing/2010/main">
                   <a:effectLst>
                     <a:outerShdw blurRad="63500" dist="38099" dir="2700000" algn="ctr" rotWithShape="0">
                       <a:srgbClr val="000000">
@@ -13276,7 +13276,7 @@
             <a:effectLst/>
             <a:extLst>
               <a:ext uri="{909E8E84-426E-40dd-AFC4-6F175D3DCCD1}">
-                <a14:hiddenFill xmlns:a14="http://schemas.microsoft.com/office/drawing/2010/main" xmlns="">
+                <a14:hiddenFill xmlns="" xmlns:a14="http://schemas.microsoft.com/office/drawing/2010/main">
                   <a:blipFill dpi="0" rotWithShape="0">
                     <a:blip/>
                     <a:srcRect/>
@@ -13287,7 +13287,7 @@
                 </a14:hiddenFill>
               </a:ext>
               <a:ext uri="{91240B29-F687-4f45-9708-019B960494DF}">
-                <a14:hiddenLine xmlns:a14="http://schemas.microsoft.com/office/drawing/2010/main" xmlns="" w="9525">
+                <a14:hiddenLine xmlns="" xmlns:a14="http://schemas.microsoft.com/office/drawing/2010/main" w="9525">
                   <a:solidFill>
                     <a:srgbClr val="000000"/>
                   </a:solidFill>
@@ -13297,7 +13297,7 @@
                 </a14:hiddenLine>
               </a:ext>
               <a:ext uri="{AF507438-7753-43e0-B8FC-AC1667EBCBE1}">
-                <a14:hiddenEffects xmlns:a14="http://schemas.microsoft.com/office/drawing/2010/main" xmlns="">
+                <a14:hiddenEffects xmlns="" xmlns:a14="http://schemas.microsoft.com/office/drawing/2010/main">
                   <a:effectLst>
                     <a:outerShdw blurRad="63500" dist="38099" dir="2700000" algn="ctr" rotWithShape="0">
                       <a:srgbClr val="000000">
@@ -13346,7 +13346,7 @@
             <a:effectLst/>
             <a:extLst>
               <a:ext uri="{909E8E84-426E-40dd-AFC4-6F175D3DCCD1}">
-                <a14:hiddenFill xmlns:a14="http://schemas.microsoft.com/office/drawing/2010/main" xmlns="">
+                <a14:hiddenFill xmlns="" xmlns:a14="http://schemas.microsoft.com/office/drawing/2010/main">
                   <a:blipFill dpi="0" rotWithShape="0">
                     <a:blip/>
                     <a:srcRect/>
@@ -13357,7 +13357,7 @@
                 </a14:hiddenFill>
               </a:ext>
               <a:ext uri="{91240B29-F687-4f45-9708-019B960494DF}">
-                <a14:hiddenLine xmlns:a14="http://schemas.microsoft.com/office/drawing/2010/main" xmlns="" w="9525">
+                <a14:hiddenLine xmlns="" xmlns:a14="http://schemas.microsoft.com/office/drawing/2010/main" w="9525">
                   <a:solidFill>
                     <a:srgbClr val="000000"/>
                   </a:solidFill>
@@ -13367,7 +13367,7 @@
                 </a14:hiddenLine>
               </a:ext>
               <a:ext uri="{AF507438-7753-43e0-B8FC-AC1667EBCBE1}">
-                <a14:hiddenEffects xmlns:a14="http://schemas.microsoft.com/office/drawing/2010/main" xmlns="">
+                <a14:hiddenEffects xmlns="" xmlns:a14="http://schemas.microsoft.com/office/drawing/2010/main">
                   <a:effectLst>
                     <a:outerShdw blurRad="63500" dist="38099" dir="2700000" algn="ctr" rotWithShape="0">
                       <a:srgbClr val="000000">
@@ -13416,7 +13416,7 @@
             <a:effectLst/>
             <a:extLst>
               <a:ext uri="{909E8E84-426E-40dd-AFC4-6F175D3DCCD1}">
-                <a14:hiddenFill xmlns:a14="http://schemas.microsoft.com/office/drawing/2010/main" xmlns="">
+                <a14:hiddenFill xmlns="" xmlns:a14="http://schemas.microsoft.com/office/drawing/2010/main">
                   <a:blipFill dpi="0" rotWithShape="0">
                     <a:blip/>
                     <a:srcRect/>
@@ -13427,7 +13427,7 @@
                 </a14:hiddenFill>
               </a:ext>
               <a:ext uri="{91240B29-F687-4f45-9708-019B960494DF}">
-                <a14:hiddenLine xmlns:a14="http://schemas.microsoft.com/office/drawing/2010/main" xmlns="" w="9525">
+                <a14:hiddenLine xmlns="" xmlns:a14="http://schemas.microsoft.com/office/drawing/2010/main" w="9525">
                   <a:solidFill>
                     <a:srgbClr val="000000"/>
                   </a:solidFill>
@@ -13437,7 +13437,7 @@
                 </a14:hiddenLine>
               </a:ext>
               <a:ext uri="{AF507438-7753-43e0-B8FC-AC1667EBCBE1}">
-                <a14:hiddenEffects xmlns:a14="http://schemas.microsoft.com/office/drawing/2010/main" xmlns="">
+                <a14:hiddenEffects xmlns="" xmlns:a14="http://schemas.microsoft.com/office/drawing/2010/main">
                   <a:effectLst>
                     <a:outerShdw blurRad="63500" dist="38099" dir="2700000" algn="ctr" rotWithShape="0">
                       <a:srgbClr val="000000">
@@ -13486,7 +13486,7 @@
             <a:effectLst/>
             <a:extLst>
               <a:ext uri="{909E8E84-426E-40dd-AFC4-6F175D3DCCD1}">
-                <a14:hiddenFill xmlns:a14="http://schemas.microsoft.com/office/drawing/2010/main" xmlns="">
+                <a14:hiddenFill xmlns="" xmlns:a14="http://schemas.microsoft.com/office/drawing/2010/main">
                   <a:blipFill dpi="0" rotWithShape="0">
                     <a:blip/>
                     <a:srcRect/>
@@ -13497,7 +13497,7 @@
                 </a14:hiddenFill>
               </a:ext>
               <a:ext uri="{91240B29-F687-4f45-9708-019B960494DF}">
-                <a14:hiddenLine xmlns:a14="http://schemas.microsoft.com/office/drawing/2010/main" xmlns="" w="9525">
+                <a14:hiddenLine xmlns="" xmlns:a14="http://schemas.microsoft.com/office/drawing/2010/main" w="9525">
                   <a:solidFill>
                     <a:srgbClr val="000000"/>
                   </a:solidFill>
@@ -13507,7 +13507,7 @@
                 </a14:hiddenLine>
               </a:ext>
               <a:ext uri="{AF507438-7753-43e0-B8FC-AC1667EBCBE1}">
-                <a14:hiddenEffects xmlns:a14="http://schemas.microsoft.com/office/drawing/2010/main" xmlns="">
+                <a14:hiddenEffects xmlns="" xmlns:a14="http://schemas.microsoft.com/office/drawing/2010/main">
                   <a:effectLst>
                     <a:outerShdw blurRad="63500" dist="38099" dir="2700000" algn="ctr" rotWithShape="0">
                       <a:srgbClr val="000000">
@@ -13548,12 +13548,12 @@
             <a:effectLst/>
             <a:extLst>
               <a:ext uri="{909E8E84-426E-40dd-AFC4-6F175D3DCCD1}">
-                <a14:hiddenFill xmlns:a14="http://schemas.microsoft.com/office/drawing/2010/main" xmlns="">
+                <a14:hiddenFill xmlns="" xmlns:a14="http://schemas.microsoft.com/office/drawing/2010/main">
                   <a:noFill/>
                 </a14:hiddenFill>
               </a:ext>
               <a:ext uri="{AF507438-7753-43e0-B8FC-AC1667EBCBE1}">
-                <a14:hiddenEffects xmlns:a14="http://schemas.microsoft.com/office/drawing/2010/main" xmlns="">
+                <a14:hiddenEffects xmlns="" xmlns:a14="http://schemas.microsoft.com/office/drawing/2010/main">
                   <a:effectLst>
                     <a:outerShdw blurRad="63500" dist="38099" dir="2700000" algn="ctr" rotWithShape="0">
                       <a:srgbClr val="000000">
@@ -13606,12 +13606,12 @@
             <a:effectLst/>
             <a:extLst>
               <a:ext uri="{909E8E84-426E-40dd-AFC4-6F175D3DCCD1}">
-                <a14:hiddenFill xmlns:a14="http://schemas.microsoft.com/office/drawing/2010/main" xmlns="">
+                <a14:hiddenFill xmlns="" xmlns:a14="http://schemas.microsoft.com/office/drawing/2010/main">
                   <a:noFill/>
                 </a14:hiddenFill>
               </a:ext>
               <a:ext uri="{AF507438-7753-43e0-B8FC-AC1667EBCBE1}">
-                <a14:hiddenEffects xmlns:a14="http://schemas.microsoft.com/office/drawing/2010/main" xmlns="">
+                <a14:hiddenEffects xmlns="" xmlns:a14="http://schemas.microsoft.com/office/drawing/2010/main">
                   <a:effectLst>
                     <a:outerShdw blurRad="63500" dist="38099" dir="2700000" algn="ctr" rotWithShape="0">
                       <a:srgbClr val="000000">
@@ -13672,7 +13672,7 @@
             <a:effectLst/>
             <a:extLst>
               <a:ext uri="{909E8E84-426E-40dd-AFC4-6F175D3DCCD1}">
-                <a14:hiddenFill xmlns:a14="http://schemas.microsoft.com/office/drawing/2010/main" xmlns="">
+                <a14:hiddenFill xmlns="" xmlns:a14="http://schemas.microsoft.com/office/drawing/2010/main">
                   <a:blipFill dpi="0" rotWithShape="0">
                     <a:blip/>
                     <a:srcRect/>
@@ -13683,7 +13683,7 @@
                 </a14:hiddenFill>
               </a:ext>
               <a:ext uri="{91240B29-F687-4f45-9708-019B960494DF}">
-                <a14:hiddenLine xmlns:a14="http://schemas.microsoft.com/office/drawing/2010/main" xmlns="" w="9525">
+                <a14:hiddenLine xmlns="" xmlns:a14="http://schemas.microsoft.com/office/drawing/2010/main" w="9525">
                   <a:solidFill>
                     <a:srgbClr val="000000"/>
                   </a:solidFill>
@@ -13693,7 +13693,7 @@
                 </a14:hiddenLine>
               </a:ext>
               <a:ext uri="{AF507438-7753-43e0-B8FC-AC1667EBCBE1}">
-                <a14:hiddenEffects xmlns:a14="http://schemas.microsoft.com/office/drawing/2010/main" xmlns="">
+                <a14:hiddenEffects xmlns="" xmlns:a14="http://schemas.microsoft.com/office/drawing/2010/main">
                   <a:effectLst>
                     <a:outerShdw blurRad="63500" dist="38099" dir="2700000" algn="ctr" rotWithShape="0">
                       <a:srgbClr val="000000">
@@ -13826,7 +13826,7 @@
           <a:effectLst/>
           <a:extLst>
             <a:ext uri="{909E8E84-426E-40dd-AFC4-6F175D3DCCD1}">
-              <a14:hiddenFill xmlns="" xmlns:a14="http://schemas.microsoft.com/office/drawing/2010/main">
+              <a14:hiddenFill xmlns:a14="http://schemas.microsoft.com/office/drawing/2010/main" xmlns="">
                 <a:blipFill dpi="0" rotWithShape="0">
                   <a:blip/>
                   <a:srcRect/>
@@ -13837,7 +13837,7 @@
               </a14:hiddenFill>
             </a:ext>
             <a:ext uri="{91240B29-F687-4f45-9708-019B960494DF}">
-              <a14:hiddenLine xmlns="" xmlns:a14="http://schemas.microsoft.com/office/drawing/2010/main" w="9525">
+              <a14:hiddenLine xmlns:a14="http://schemas.microsoft.com/office/drawing/2010/main" xmlns="" w="9525">
                 <a:solidFill>
                   <a:srgbClr val="000000"/>
                 </a:solidFill>
@@ -13847,7 +13847,7 @@
               </a14:hiddenLine>
             </a:ext>
             <a:ext uri="{AF507438-7753-43e0-B8FC-AC1667EBCBE1}">
-              <a14:hiddenEffects xmlns="" xmlns:a14="http://schemas.microsoft.com/office/drawing/2010/main">
+              <a14:hiddenEffects xmlns:a14="http://schemas.microsoft.com/office/drawing/2010/main" xmlns="">
                 <a:effectLst>
                   <a:outerShdw blurRad="63500" dist="38099" dir="2700000" algn="ctr" rotWithShape="0">
                     <a:srgbClr val="000000">
@@ -13932,7 +13932,7 @@
           <a:effectLst/>
           <a:extLst>
             <a:ext uri="{909E8E84-426E-40dd-AFC4-6F175D3DCCD1}">
-              <a14:hiddenFill xmlns="" xmlns:a14="http://schemas.microsoft.com/office/drawing/2010/main">
+              <a14:hiddenFill xmlns:a14="http://schemas.microsoft.com/office/drawing/2010/main" xmlns="">
                 <a:blipFill dpi="0" rotWithShape="0">
                   <a:blip/>
                   <a:srcRect/>
@@ -13943,7 +13943,7 @@
               </a14:hiddenFill>
             </a:ext>
             <a:ext uri="{91240B29-F687-4f45-9708-019B960494DF}">
-              <a14:hiddenLine xmlns="" xmlns:a14="http://schemas.microsoft.com/office/drawing/2010/main" w="9525">
+              <a14:hiddenLine xmlns:a14="http://schemas.microsoft.com/office/drawing/2010/main" xmlns="" w="9525">
                 <a:solidFill>
                   <a:srgbClr val="000000"/>
                 </a:solidFill>
@@ -13953,7 +13953,7 @@
               </a14:hiddenLine>
             </a:ext>
             <a:ext uri="{AF507438-7753-43e0-B8FC-AC1667EBCBE1}">
-              <a14:hiddenEffects xmlns="" xmlns:a14="http://schemas.microsoft.com/office/drawing/2010/main">
+              <a14:hiddenEffects xmlns:a14="http://schemas.microsoft.com/office/drawing/2010/main" xmlns="">
                 <a:effectLst>
                   <a:outerShdw blurRad="63500" dist="38099" dir="2700000" algn="ctr" rotWithShape="0">
                     <a:srgbClr val="000000">
@@ -14038,7 +14038,7 @@
           <a:effectLst/>
           <a:extLst>
             <a:ext uri="{909E8E84-426E-40dd-AFC4-6F175D3DCCD1}">
-              <a14:hiddenFill xmlns="" xmlns:a14="http://schemas.microsoft.com/office/drawing/2010/main">
+              <a14:hiddenFill xmlns:a14="http://schemas.microsoft.com/office/drawing/2010/main" xmlns="">
                 <a:blipFill dpi="0" rotWithShape="0">
                   <a:blip/>
                   <a:srcRect/>
@@ -14049,7 +14049,7 @@
               </a14:hiddenFill>
             </a:ext>
             <a:ext uri="{91240B29-F687-4f45-9708-019B960494DF}">
-              <a14:hiddenLine xmlns="" xmlns:a14="http://schemas.microsoft.com/office/drawing/2010/main" w="9525">
+              <a14:hiddenLine xmlns:a14="http://schemas.microsoft.com/office/drawing/2010/main" xmlns="" w="9525">
                 <a:solidFill>
                   <a:srgbClr val="000000"/>
                 </a:solidFill>
@@ -14059,7 +14059,7 @@
               </a14:hiddenLine>
             </a:ext>
             <a:ext uri="{AF507438-7753-43e0-B8FC-AC1667EBCBE1}">
-              <a14:hiddenEffects xmlns="" xmlns:a14="http://schemas.microsoft.com/office/drawing/2010/main">
+              <a14:hiddenEffects xmlns:a14="http://schemas.microsoft.com/office/drawing/2010/main" xmlns="">
                 <a:effectLst>
                   <a:outerShdw blurRad="63500" dist="38099" dir="2700000" algn="ctr" rotWithShape="0">
                     <a:srgbClr val="000000">
@@ -14238,7 +14238,7 @@
           <a:effectLst/>
           <a:extLst>
             <a:ext uri="{909E8E84-426E-40dd-AFC4-6F175D3DCCD1}">
-              <a14:hiddenFill xmlns="" xmlns:a14="http://schemas.microsoft.com/office/drawing/2010/main">
+              <a14:hiddenFill xmlns:a14="http://schemas.microsoft.com/office/drawing/2010/main" xmlns="">
                 <a:blipFill dpi="0" rotWithShape="0">
                   <a:blip/>
                   <a:srcRect/>
@@ -14249,7 +14249,7 @@
               </a14:hiddenFill>
             </a:ext>
             <a:ext uri="{91240B29-F687-4f45-9708-019B960494DF}">
-              <a14:hiddenLine xmlns="" xmlns:a14="http://schemas.microsoft.com/office/drawing/2010/main" w="9525">
+              <a14:hiddenLine xmlns:a14="http://schemas.microsoft.com/office/drawing/2010/main" xmlns="" w="9525">
                 <a:solidFill>
                   <a:srgbClr val="000000"/>
                 </a:solidFill>
@@ -14259,7 +14259,7 @@
               </a14:hiddenLine>
             </a:ext>
             <a:ext uri="{AF507438-7753-43e0-B8FC-AC1667EBCBE1}">
-              <a14:hiddenEffects xmlns="" xmlns:a14="http://schemas.microsoft.com/office/drawing/2010/main">
+              <a14:hiddenEffects xmlns:a14="http://schemas.microsoft.com/office/drawing/2010/main" xmlns="">
                 <a:effectLst>
                   <a:outerShdw blurRad="63500" dist="38099" dir="2700000" algn="ctr" rotWithShape="0">
                     <a:srgbClr val="000000">
@@ -14337,7 +14337,7 @@
           <a:effectLst/>
           <a:extLst>
             <a:ext uri="{909E8E84-426E-40dd-AFC4-6F175D3DCCD1}">
-              <a14:hiddenFill xmlns="" xmlns:a14="http://schemas.microsoft.com/office/drawing/2010/main">
+              <a14:hiddenFill xmlns:a14="http://schemas.microsoft.com/office/drawing/2010/main" xmlns="">
                 <a:blipFill dpi="0" rotWithShape="0">
                   <a:blip/>
                   <a:srcRect/>
@@ -14348,7 +14348,7 @@
               </a14:hiddenFill>
             </a:ext>
             <a:ext uri="{91240B29-F687-4f45-9708-019B960494DF}">
-              <a14:hiddenLine xmlns="" xmlns:a14="http://schemas.microsoft.com/office/drawing/2010/main" w="9525">
+              <a14:hiddenLine xmlns:a14="http://schemas.microsoft.com/office/drawing/2010/main" xmlns="" w="9525">
                 <a:solidFill>
                   <a:srgbClr val="000000"/>
                 </a:solidFill>
@@ -14358,7 +14358,7 @@
               </a14:hiddenLine>
             </a:ext>
             <a:ext uri="{AF507438-7753-43e0-B8FC-AC1667EBCBE1}">
-              <a14:hiddenEffects xmlns="" xmlns:a14="http://schemas.microsoft.com/office/drawing/2010/main">
+              <a14:hiddenEffects xmlns:a14="http://schemas.microsoft.com/office/drawing/2010/main" xmlns="">
                 <a:effectLst>
                   <a:outerShdw blurRad="63500" dist="38099" dir="2700000" algn="ctr" rotWithShape="0">
                     <a:srgbClr val="000000">
@@ -16223,7 +16223,7 @@
           <a:effectLst/>
           <a:extLst>
             <a:ext uri="{909E8E84-426E-40dd-AFC4-6F175D3DCCD1}">
-              <a14:hiddenFill xmlns:a14="http://schemas.microsoft.com/office/drawing/2010/main" xmlns="">
+              <a14:hiddenFill xmlns="" xmlns:a14="http://schemas.microsoft.com/office/drawing/2010/main">
                 <a:blipFill dpi="0" rotWithShape="0">
                   <a:blip/>
                   <a:srcRect/>
@@ -16234,7 +16234,7 @@
               </a14:hiddenFill>
             </a:ext>
             <a:ext uri="{91240B29-F687-4f45-9708-019B960494DF}">
-              <a14:hiddenLine xmlns:a14="http://schemas.microsoft.com/office/drawing/2010/main" xmlns="" w="9525">
+              <a14:hiddenLine xmlns="" xmlns:a14="http://schemas.microsoft.com/office/drawing/2010/main" w="9525">
                 <a:solidFill>
                   <a:srgbClr val="000000"/>
                 </a:solidFill>
@@ -16244,7 +16244,7 @@
               </a14:hiddenLine>
             </a:ext>
             <a:ext uri="{AF507438-7753-43e0-B8FC-AC1667EBCBE1}">
-              <a14:hiddenEffects xmlns:a14="http://schemas.microsoft.com/office/drawing/2010/main" xmlns="">
+              <a14:hiddenEffects xmlns="" xmlns:a14="http://schemas.microsoft.com/office/drawing/2010/main">
                 <a:effectLst>
                   <a:outerShdw blurRad="63500" dist="38099" dir="2700000" algn="ctr" rotWithShape="0">
                     <a:srgbClr val="000000">
@@ -16404,7 +16404,7 @@
           <a:effectLst/>
           <a:extLst>
             <a:ext uri="{909E8E84-426E-40dd-AFC4-6F175D3DCCD1}">
-              <a14:hiddenFill xmlns:a14="http://schemas.microsoft.com/office/drawing/2010/main" xmlns="">
+              <a14:hiddenFill xmlns="" xmlns:a14="http://schemas.microsoft.com/office/drawing/2010/main">
                 <a:blipFill dpi="0" rotWithShape="0">
                   <a:blip/>
                   <a:srcRect/>
@@ -16415,7 +16415,7 @@
               </a14:hiddenFill>
             </a:ext>
             <a:ext uri="{91240B29-F687-4f45-9708-019B960494DF}">
-              <a14:hiddenLine xmlns:a14="http://schemas.microsoft.com/office/drawing/2010/main" xmlns="" w="9525">
+              <a14:hiddenLine xmlns="" xmlns:a14="http://schemas.microsoft.com/office/drawing/2010/main" w="9525">
                 <a:solidFill>
                   <a:srgbClr val="000000"/>
                 </a:solidFill>
@@ -16425,7 +16425,7 @@
               </a14:hiddenLine>
             </a:ext>
             <a:ext uri="{AF507438-7753-43e0-B8FC-AC1667EBCBE1}">
-              <a14:hiddenEffects xmlns:a14="http://schemas.microsoft.com/office/drawing/2010/main" xmlns="">
+              <a14:hiddenEffects xmlns="" xmlns:a14="http://schemas.microsoft.com/office/drawing/2010/main">
                 <a:effectLst>
                   <a:outerShdw blurRad="63500" dist="38099" dir="2700000" algn="ctr" rotWithShape="0">
                     <a:srgbClr val="000000">
@@ -18224,7 +18224,7 @@
           <a:effectLst/>
           <a:extLst>
             <a:ext uri="{909E8E84-426E-40dd-AFC4-6F175D3DCCD1}">
-              <a14:hiddenFill xmlns:a14="http://schemas.microsoft.com/office/drawing/2010/main" xmlns="">
+              <a14:hiddenFill xmlns="" xmlns:a14="http://schemas.microsoft.com/office/drawing/2010/main">
                 <a:blipFill dpi="0" rotWithShape="0">
                   <a:blip/>
                   <a:srcRect/>
@@ -18235,7 +18235,7 @@
               </a14:hiddenFill>
             </a:ext>
             <a:ext uri="{91240B29-F687-4f45-9708-019B960494DF}">
-              <a14:hiddenLine xmlns:a14="http://schemas.microsoft.com/office/drawing/2010/main" xmlns="" w="9525">
+              <a14:hiddenLine xmlns="" xmlns:a14="http://schemas.microsoft.com/office/drawing/2010/main" w="9525">
                 <a:solidFill>
                   <a:srgbClr val="000000"/>
                 </a:solidFill>
@@ -18245,7 +18245,7 @@
               </a14:hiddenLine>
             </a:ext>
             <a:ext uri="{AF507438-7753-43e0-B8FC-AC1667EBCBE1}">
-              <a14:hiddenEffects xmlns:a14="http://schemas.microsoft.com/office/drawing/2010/main" xmlns="">
+              <a14:hiddenEffects xmlns="" xmlns:a14="http://schemas.microsoft.com/office/drawing/2010/main">
                 <a:effectLst>
                   <a:outerShdw blurRad="63500" dist="38099" dir="2700000" algn="ctr" rotWithShape="0">
                     <a:srgbClr val="000000">
@@ -18338,7 +18338,7 @@
           <a:effectLst/>
           <a:extLst>
             <a:ext uri="{909E8E84-426E-40dd-AFC4-6F175D3DCCD1}">
-              <a14:hiddenFill xmlns:a14="http://schemas.microsoft.com/office/drawing/2010/main" xmlns="">
+              <a14:hiddenFill xmlns="" xmlns:a14="http://schemas.microsoft.com/office/drawing/2010/main">
                 <a:blipFill dpi="0" rotWithShape="0">
                   <a:blip/>
                   <a:srcRect/>
@@ -18349,7 +18349,7 @@
               </a14:hiddenFill>
             </a:ext>
             <a:ext uri="{91240B29-F687-4f45-9708-019B960494DF}">
-              <a14:hiddenLine xmlns:a14="http://schemas.microsoft.com/office/drawing/2010/main" xmlns="" w="9525">
+              <a14:hiddenLine xmlns="" xmlns:a14="http://schemas.microsoft.com/office/drawing/2010/main" w="9525">
                 <a:solidFill>
                   <a:srgbClr val="000000"/>
                 </a:solidFill>
@@ -18359,7 +18359,7 @@
               </a14:hiddenLine>
             </a:ext>
             <a:ext uri="{AF507438-7753-43e0-B8FC-AC1667EBCBE1}">
-              <a14:hiddenEffects xmlns:a14="http://schemas.microsoft.com/office/drawing/2010/main" xmlns="">
+              <a14:hiddenEffects xmlns="" xmlns:a14="http://schemas.microsoft.com/office/drawing/2010/main">
                 <a:effectLst>
                   <a:outerShdw blurRad="63500" dist="38099" dir="2700000" algn="ctr" rotWithShape="0">
                     <a:srgbClr val="000000">
@@ -21231,7 +21231,7 @@
           <a:effectLst/>
           <a:extLst>
             <a:ext uri="{909E8E84-426E-40dd-AFC4-6F175D3DCCD1}">
-              <a14:hiddenFill xmlns:a14="http://schemas.microsoft.com/office/drawing/2010/main" xmlns="">
+              <a14:hiddenFill xmlns="" xmlns:a14="http://schemas.microsoft.com/office/drawing/2010/main">
                 <a:blipFill dpi="0" rotWithShape="0">
                   <a:blip/>
                   <a:srcRect/>
@@ -21242,7 +21242,7 @@
               </a14:hiddenFill>
             </a:ext>
             <a:ext uri="{91240B29-F687-4f45-9708-019B960494DF}">
-              <a14:hiddenLine xmlns:a14="http://schemas.microsoft.com/office/drawing/2010/main" xmlns="" w="9525">
+              <a14:hiddenLine xmlns="" xmlns:a14="http://schemas.microsoft.com/office/drawing/2010/main" w="9525">
                 <a:solidFill>
                   <a:srgbClr val="000000"/>
                 </a:solidFill>
@@ -21252,7 +21252,7 @@
               </a14:hiddenLine>
             </a:ext>
             <a:ext uri="{AF507438-7753-43e0-B8FC-AC1667EBCBE1}">
-              <a14:hiddenEffects xmlns:a14="http://schemas.microsoft.com/office/drawing/2010/main" xmlns="">
+              <a14:hiddenEffects xmlns="" xmlns:a14="http://schemas.microsoft.com/office/drawing/2010/main">
                 <a:effectLst>
                   <a:outerShdw blurRad="63500" dist="38099" dir="2700000" algn="ctr" rotWithShape="0">
                     <a:srgbClr val="000000">
@@ -21331,7 +21331,7 @@
           <a:effectLst/>
           <a:extLst>
             <a:ext uri="{909E8E84-426E-40dd-AFC4-6F175D3DCCD1}">
-              <a14:hiddenFill xmlns:a14="http://schemas.microsoft.com/office/drawing/2010/main" xmlns="">
+              <a14:hiddenFill xmlns="" xmlns:a14="http://schemas.microsoft.com/office/drawing/2010/main">
                 <a:blipFill dpi="0" rotWithShape="0">
                   <a:blip/>
                   <a:srcRect/>
@@ -21342,7 +21342,7 @@
               </a14:hiddenFill>
             </a:ext>
             <a:ext uri="{91240B29-F687-4f45-9708-019B960494DF}">
-              <a14:hiddenLine xmlns:a14="http://schemas.microsoft.com/office/drawing/2010/main" xmlns="" w="9525">
+              <a14:hiddenLine xmlns="" xmlns:a14="http://schemas.microsoft.com/office/drawing/2010/main" w="9525">
                 <a:solidFill>
                   <a:srgbClr val="000000"/>
                 </a:solidFill>
@@ -21352,7 +21352,7 @@
               </a14:hiddenLine>
             </a:ext>
             <a:ext uri="{AF507438-7753-43e0-B8FC-AC1667EBCBE1}">
-              <a14:hiddenEffects xmlns:a14="http://schemas.microsoft.com/office/drawing/2010/main" xmlns="">
+              <a14:hiddenEffects xmlns="" xmlns:a14="http://schemas.microsoft.com/office/drawing/2010/main">
                 <a:effectLst>
                   <a:outerShdw blurRad="63500" dist="38099" dir="2700000" algn="ctr" rotWithShape="0">
                     <a:srgbClr val="000000">
@@ -22935,7 +22935,7 @@
           <a:effectLst/>
           <a:extLst>
             <a:ext uri="{909E8E84-426E-40dd-AFC4-6F175D3DCCD1}">
-              <a14:hiddenFill xmlns:a14="http://schemas.microsoft.com/office/drawing/2010/main" xmlns="">
+              <a14:hiddenFill xmlns="" xmlns:a14="http://schemas.microsoft.com/office/drawing/2010/main">
                 <a:blipFill dpi="0" rotWithShape="0">
                   <a:blip/>
                   <a:srcRect/>
@@ -22946,7 +22946,7 @@
               </a14:hiddenFill>
             </a:ext>
             <a:ext uri="{91240B29-F687-4f45-9708-019B960494DF}">
-              <a14:hiddenLine xmlns:a14="http://schemas.microsoft.com/office/drawing/2010/main" xmlns="" w="9525">
+              <a14:hiddenLine xmlns="" xmlns:a14="http://schemas.microsoft.com/office/drawing/2010/main" w="9525">
                 <a:solidFill>
                   <a:srgbClr val="000000"/>
                 </a:solidFill>
@@ -22956,7 +22956,7 @@
               </a14:hiddenLine>
             </a:ext>
             <a:ext uri="{AF507438-7753-43e0-B8FC-AC1667EBCBE1}">
-              <a14:hiddenEffects xmlns:a14="http://schemas.microsoft.com/office/drawing/2010/main" xmlns="">
+              <a14:hiddenEffects xmlns="" xmlns:a14="http://schemas.microsoft.com/office/drawing/2010/main">
                 <a:effectLst>
                   <a:outerShdw blurRad="63500" dist="38099" dir="2700000" algn="ctr" rotWithShape="0">
                     <a:srgbClr val="000000">
@@ -24604,7 +24604,7 @@
           <a:effectLst/>
           <a:extLst>
             <a:ext uri="{909E8E84-426E-40dd-AFC4-6F175D3DCCD1}">
-              <a14:hiddenFill xmlns:a14="http://schemas.microsoft.com/office/drawing/2010/main" xmlns="">
+              <a14:hiddenFill xmlns="" xmlns:a14="http://schemas.microsoft.com/office/drawing/2010/main">
                 <a:blipFill dpi="0" rotWithShape="0">
                   <a:blip/>
                   <a:srcRect/>
@@ -24615,7 +24615,7 @@
               </a14:hiddenFill>
             </a:ext>
             <a:ext uri="{91240B29-F687-4f45-9708-019B960494DF}">
-              <a14:hiddenLine xmlns:a14="http://schemas.microsoft.com/office/drawing/2010/main" xmlns="" w="9525">
+              <a14:hiddenLine xmlns="" xmlns:a14="http://schemas.microsoft.com/office/drawing/2010/main" w="9525">
                 <a:solidFill>
                   <a:srgbClr val="000000"/>
                 </a:solidFill>
@@ -24625,7 +24625,7 @@
               </a14:hiddenLine>
             </a:ext>
             <a:ext uri="{AF507438-7753-43e0-B8FC-AC1667EBCBE1}">
-              <a14:hiddenEffects xmlns:a14="http://schemas.microsoft.com/office/drawing/2010/main" xmlns="">
+              <a14:hiddenEffects xmlns="" xmlns:a14="http://schemas.microsoft.com/office/drawing/2010/main">
                 <a:effectLst>
                   <a:outerShdw blurRad="63500" dist="38099" dir="2700000" algn="ctr" rotWithShape="0">
                     <a:srgbClr val="000000">
@@ -25987,7 +25987,7 @@
           <a:effectLst/>
           <a:extLst>
             <a:ext uri="{909E8E84-426E-40dd-AFC4-6F175D3DCCD1}">
-              <a14:hiddenFill xmlns:a14="http://schemas.microsoft.com/office/drawing/2010/main" xmlns="">
+              <a14:hiddenFill xmlns="" xmlns:a14="http://schemas.microsoft.com/office/drawing/2010/main">
                 <a:blipFill dpi="0" rotWithShape="0">
                   <a:blip/>
                   <a:srcRect/>
@@ -25998,7 +25998,7 @@
               </a14:hiddenFill>
             </a:ext>
             <a:ext uri="{91240B29-F687-4f45-9708-019B960494DF}">
-              <a14:hiddenLine xmlns:a14="http://schemas.microsoft.com/office/drawing/2010/main" xmlns="" w="9525">
+              <a14:hiddenLine xmlns="" xmlns:a14="http://schemas.microsoft.com/office/drawing/2010/main" w="9525">
                 <a:solidFill>
                   <a:srgbClr val="000000"/>
                 </a:solidFill>
@@ -26008,7 +26008,7 @@
               </a14:hiddenLine>
             </a:ext>
             <a:ext uri="{AF507438-7753-43e0-B8FC-AC1667EBCBE1}">
-              <a14:hiddenEffects xmlns:a14="http://schemas.microsoft.com/office/drawing/2010/main" xmlns="">
+              <a14:hiddenEffects xmlns="" xmlns:a14="http://schemas.microsoft.com/office/drawing/2010/main">
                 <a:effectLst>
                   <a:outerShdw blurRad="63500" dist="38099" dir="2700000" algn="ctr" rotWithShape="0">
                     <a:srgbClr val="000000">
@@ -26139,7 +26139,7 @@
           <a:effectLst/>
           <a:extLst>
             <a:ext uri="{909E8E84-426E-40dd-AFC4-6F175D3DCCD1}">
-              <a14:hiddenFill xmlns:a14="http://schemas.microsoft.com/office/drawing/2010/main" xmlns="">
+              <a14:hiddenFill xmlns="" xmlns:a14="http://schemas.microsoft.com/office/drawing/2010/main">
                 <a:blipFill dpi="0" rotWithShape="0">
                   <a:blip/>
                   <a:srcRect/>
@@ -26150,7 +26150,7 @@
               </a14:hiddenFill>
             </a:ext>
             <a:ext uri="{91240B29-F687-4f45-9708-019B960494DF}">
-              <a14:hiddenLine xmlns:a14="http://schemas.microsoft.com/office/drawing/2010/main" xmlns="" w="9525">
+              <a14:hiddenLine xmlns="" xmlns:a14="http://schemas.microsoft.com/office/drawing/2010/main" w="9525">
                 <a:solidFill>
                   <a:srgbClr val="000000"/>
                 </a:solidFill>
@@ -26160,7 +26160,7 @@
               </a14:hiddenLine>
             </a:ext>
             <a:ext uri="{AF507438-7753-43e0-B8FC-AC1667EBCBE1}">
-              <a14:hiddenEffects xmlns:a14="http://schemas.microsoft.com/office/drawing/2010/main" xmlns="">
+              <a14:hiddenEffects xmlns="" xmlns:a14="http://schemas.microsoft.com/office/drawing/2010/main">
                 <a:effectLst>
                   <a:outerShdw blurRad="63500" dist="38099" dir="2700000" algn="ctr" rotWithShape="0">
                     <a:srgbClr val="000000">
@@ -28890,8 +28890,8 @@
           </a:p>
         </p:txBody>
       </p:sp>
-      <mc:AlternateContent xmlns:mc="http://schemas.openxmlformats.org/markup-compatibility/2006">
-        <mc:Choice xmlns:a14="http://schemas.microsoft.com/office/drawing/2010/main" Requires="a14">
+      <mc:AlternateContent xmlns:mc="http://schemas.openxmlformats.org/markup-compatibility/2006" xmlns:a14="http://schemas.microsoft.com/office/drawing/2010/main">
+        <mc:Choice Requires="a14">
           <p:sp>
             <p:nvSpPr>
               <p:cNvPr id="3" name="Content Placeholder 2"/>
@@ -29700,7 +29700,7 @@
             </p:txBody>
           </p:sp>
         </mc:Choice>
-        <mc:Fallback>
+        <mc:Fallback xmlns="">
           <p:sp>
             <p:nvSpPr>
               <p:cNvPr id="3" name="Content Placeholder 2"/>
@@ -33880,7 +33880,7 @@
           <a:effectLst/>
           <a:extLst>
             <a:ext uri="{909E8E84-426E-40dd-AFC4-6F175D3DCCD1}">
-              <a14:hiddenFill xmlns="" xmlns:a14="http://schemas.microsoft.com/office/drawing/2010/main">
+              <a14:hiddenFill xmlns:a14="http://schemas.microsoft.com/office/drawing/2010/main" xmlns="">
                 <a:blipFill dpi="0" rotWithShape="0">
                   <a:blip/>
                   <a:srcRect/>
@@ -33891,7 +33891,7 @@
               </a14:hiddenFill>
             </a:ext>
             <a:ext uri="{91240B29-F687-4f45-9708-019B960494DF}">
-              <a14:hiddenLine xmlns="" xmlns:a14="http://schemas.microsoft.com/office/drawing/2010/main" w="9525">
+              <a14:hiddenLine xmlns:a14="http://schemas.microsoft.com/office/drawing/2010/main" xmlns="" w="9525">
                 <a:solidFill>
                   <a:srgbClr val="000000"/>
                 </a:solidFill>
@@ -33901,7 +33901,7 @@
               </a14:hiddenLine>
             </a:ext>
             <a:ext uri="{AF507438-7753-43e0-B8FC-AC1667EBCBE1}">
-              <a14:hiddenEffects xmlns="" xmlns:a14="http://schemas.microsoft.com/office/drawing/2010/main">
+              <a14:hiddenEffects xmlns:a14="http://schemas.microsoft.com/office/drawing/2010/main" xmlns="">
                 <a:effectLst>
                   <a:outerShdw blurRad="63500" dist="38099" dir="2700000" algn="ctr" rotWithShape="0">
                     <a:srgbClr val="000000">
@@ -37702,7 +37702,7 @@
             </a:pPr>
             <a:r>
               <a:rPr lang="en-US" dirty="0"/>
-              <a:t>Core language construct: streams of tuples</a:t>
+              <a:t>Core language construct: streams of packets</a:t>
             </a:r>
           </a:p>
           <a:p>

--- a/marple.pptx
+++ b/marple.pptx
@@ -12190,7 +12190,7 @@
           <a:effectLst/>
           <a:extLst>
             <a:ext uri="{909E8E84-426E-40dd-AFC4-6F175D3DCCD1}">
-              <a14:hiddenFill xmlns:a14="http://schemas.microsoft.com/office/drawing/2010/main" xmlns="">
+              <a14:hiddenFill xmlns="" xmlns:a14="http://schemas.microsoft.com/office/drawing/2010/main">
                 <a:blipFill dpi="0" rotWithShape="0">
                   <a:blip/>
                   <a:srcRect/>
@@ -12201,7 +12201,7 @@
               </a14:hiddenFill>
             </a:ext>
             <a:ext uri="{91240B29-F687-4f45-9708-019B960494DF}">
-              <a14:hiddenLine xmlns:a14="http://schemas.microsoft.com/office/drawing/2010/main" xmlns="" w="9525">
+              <a14:hiddenLine xmlns="" xmlns:a14="http://schemas.microsoft.com/office/drawing/2010/main" w="9525">
                 <a:solidFill>
                   <a:srgbClr val="000000"/>
                 </a:solidFill>
@@ -12211,7 +12211,7 @@
               </a14:hiddenLine>
             </a:ext>
             <a:ext uri="{AF507438-7753-43e0-B8FC-AC1667EBCBE1}">
-              <a14:hiddenEffects xmlns:a14="http://schemas.microsoft.com/office/drawing/2010/main" xmlns="">
+              <a14:hiddenEffects xmlns="" xmlns:a14="http://schemas.microsoft.com/office/drawing/2010/main">
                 <a:effectLst>
                   <a:outerShdw blurRad="63500" dist="38099" dir="2700000" algn="ctr" rotWithShape="0">
                     <a:srgbClr val="000000">
@@ -12260,7 +12260,7 @@
           <a:effectLst/>
           <a:extLst>
             <a:ext uri="{909E8E84-426E-40dd-AFC4-6F175D3DCCD1}">
-              <a14:hiddenFill xmlns:a14="http://schemas.microsoft.com/office/drawing/2010/main" xmlns="">
+              <a14:hiddenFill xmlns="" xmlns:a14="http://schemas.microsoft.com/office/drawing/2010/main">
                 <a:blipFill dpi="0" rotWithShape="0">
                   <a:blip/>
                   <a:srcRect/>
@@ -12271,7 +12271,7 @@
               </a14:hiddenFill>
             </a:ext>
             <a:ext uri="{91240B29-F687-4f45-9708-019B960494DF}">
-              <a14:hiddenLine xmlns:a14="http://schemas.microsoft.com/office/drawing/2010/main" xmlns="" w="9525">
+              <a14:hiddenLine xmlns="" xmlns:a14="http://schemas.microsoft.com/office/drawing/2010/main" w="9525">
                 <a:solidFill>
                   <a:srgbClr val="000000"/>
                 </a:solidFill>
@@ -12281,7 +12281,7 @@
               </a14:hiddenLine>
             </a:ext>
             <a:ext uri="{AF507438-7753-43e0-B8FC-AC1667EBCBE1}">
-              <a14:hiddenEffects xmlns:a14="http://schemas.microsoft.com/office/drawing/2010/main" xmlns="">
+              <a14:hiddenEffects xmlns="" xmlns:a14="http://schemas.microsoft.com/office/drawing/2010/main">
                 <a:effectLst>
                   <a:outerShdw blurRad="63500" dist="38099" dir="2700000" algn="ctr" rotWithShape="0">
                     <a:srgbClr val="000000">
@@ -12416,7 +12416,7 @@
             <a:effectLst/>
             <a:extLst>
               <a:ext uri="{909E8E84-426E-40dd-AFC4-6F175D3DCCD1}">
-                <a14:hiddenFill xmlns="" xmlns:a14="http://schemas.microsoft.com/office/drawing/2010/main">
+                <a14:hiddenFill xmlns:a14="http://schemas.microsoft.com/office/drawing/2010/main" xmlns="">
                   <a:blipFill dpi="0" rotWithShape="0">
                     <a:blip/>
                     <a:srcRect/>
@@ -12427,7 +12427,7 @@
                 </a14:hiddenFill>
               </a:ext>
               <a:ext uri="{91240B29-F687-4f45-9708-019B960494DF}">
-                <a14:hiddenLine xmlns="" xmlns:a14="http://schemas.microsoft.com/office/drawing/2010/main" w="9525">
+                <a14:hiddenLine xmlns:a14="http://schemas.microsoft.com/office/drawing/2010/main" xmlns="" w="9525">
                   <a:solidFill>
                     <a:srgbClr val="000000"/>
                   </a:solidFill>
@@ -12437,7 +12437,7 @@
                 </a14:hiddenLine>
               </a:ext>
               <a:ext uri="{AF507438-7753-43e0-B8FC-AC1667EBCBE1}">
-                <a14:hiddenEffects xmlns="" xmlns:a14="http://schemas.microsoft.com/office/drawing/2010/main">
+                <a14:hiddenEffects xmlns:a14="http://schemas.microsoft.com/office/drawing/2010/main" xmlns="">
                   <a:effectLst>
                     <a:outerShdw blurRad="63500" dist="38099" dir="2700000" algn="ctr" rotWithShape="0">
                       <a:srgbClr val="000000">
@@ -12486,7 +12486,7 @@
             <a:effectLst/>
             <a:extLst>
               <a:ext uri="{909E8E84-426E-40dd-AFC4-6F175D3DCCD1}">
-                <a14:hiddenFill xmlns="" xmlns:a14="http://schemas.microsoft.com/office/drawing/2010/main">
+                <a14:hiddenFill xmlns:a14="http://schemas.microsoft.com/office/drawing/2010/main" xmlns="">
                   <a:blipFill dpi="0" rotWithShape="0">
                     <a:blip/>
                     <a:srcRect/>
@@ -12497,7 +12497,7 @@
                 </a14:hiddenFill>
               </a:ext>
               <a:ext uri="{91240B29-F687-4f45-9708-019B960494DF}">
-                <a14:hiddenLine xmlns="" xmlns:a14="http://schemas.microsoft.com/office/drawing/2010/main" w="9525">
+                <a14:hiddenLine xmlns:a14="http://schemas.microsoft.com/office/drawing/2010/main" xmlns="" w="9525">
                   <a:solidFill>
                     <a:srgbClr val="000000"/>
                   </a:solidFill>
@@ -12507,7 +12507,7 @@
                 </a14:hiddenLine>
               </a:ext>
               <a:ext uri="{AF507438-7753-43e0-B8FC-AC1667EBCBE1}">
-                <a14:hiddenEffects xmlns="" xmlns:a14="http://schemas.microsoft.com/office/drawing/2010/main">
+                <a14:hiddenEffects xmlns:a14="http://schemas.microsoft.com/office/drawing/2010/main" xmlns="">
                   <a:effectLst>
                     <a:outerShdw blurRad="63500" dist="38099" dir="2700000" algn="ctr" rotWithShape="0">
                       <a:srgbClr val="000000">
@@ -12556,7 +12556,7 @@
             <a:effectLst/>
             <a:extLst>
               <a:ext uri="{909E8E84-426E-40dd-AFC4-6F175D3DCCD1}">
-                <a14:hiddenFill xmlns="" xmlns:a14="http://schemas.microsoft.com/office/drawing/2010/main">
+                <a14:hiddenFill xmlns:a14="http://schemas.microsoft.com/office/drawing/2010/main" xmlns="">
                   <a:blipFill dpi="0" rotWithShape="0">
                     <a:blip/>
                     <a:srcRect/>
@@ -12567,7 +12567,7 @@
                 </a14:hiddenFill>
               </a:ext>
               <a:ext uri="{91240B29-F687-4f45-9708-019B960494DF}">
-                <a14:hiddenLine xmlns="" xmlns:a14="http://schemas.microsoft.com/office/drawing/2010/main" w="9525">
+                <a14:hiddenLine xmlns:a14="http://schemas.microsoft.com/office/drawing/2010/main" xmlns="" w="9525">
                   <a:solidFill>
                     <a:srgbClr val="000000"/>
                   </a:solidFill>
@@ -12577,7 +12577,7 @@
                 </a14:hiddenLine>
               </a:ext>
               <a:ext uri="{AF507438-7753-43e0-B8FC-AC1667EBCBE1}">
-                <a14:hiddenEffects xmlns="" xmlns:a14="http://schemas.microsoft.com/office/drawing/2010/main">
+                <a14:hiddenEffects xmlns:a14="http://schemas.microsoft.com/office/drawing/2010/main" xmlns="">
                   <a:effectLst>
                     <a:outerShdw blurRad="63500" dist="38099" dir="2700000" algn="ctr" rotWithShape="0">
                       <a:srgbClr val="000000">
@@ -12618,12 +12618,12 @@
             <a:effectLst/>
             <a:extLst>
               <a:ext uri="{909E8E84-426E-40dd-AFC4-6F175D3DCCD1}">
-                <a14:hiddenFill xmlns="" xmlns:a14="http://schemas.microsoft.com/office/drawing/2010/main">
+                <a14:hiddenFill xmlns:a14="http://schemas.microsoft.com/office/drawing/2010/main" xmlns="">
                   <a:noFill/>
                 </a14:hiddenFill>
               </a:ext>
               <a:ext uri="{AF507438-7753-43e0-B8FC-AC1667EBCBE1}">
-                <a14:hiddenEffects xmlns="" xmlns:a14="http://schemas.microsoft.com/office/drawing/2010/main">
+                <a14:hiddenEffects xmlns:a14="http://schemas.microsoft.com/office/drawing/2010/main" xmlns="">
                   <a:effectLst>
                     <a:outerShdw blurRad="63500" dist="38099" dir="2700000" algn="ctr" rotWithShape="0">
                       <a:srgbClr val="000000">
@@ -12676,12 +12676,12 @@
             <a:effectLst/>
             <a:extLst>
               <a:ext uri="{909E8E84-426E-40dd-AFC4-6F175D3DCCD1}">
-                <a14:hiddenFill xmlns="" xmlns:a14="http://schemas.microsoft.com/office/drawing/2010/main">
+                <a14:hiddenFill xmlns:a14="http://schemas.microsoft.com/office/drawing/2010/main" xmlns="">
                   <a:noFill/>
                 </a14:hiddenFill>
               </a:ext>
               <a:ext uri="{AF507438-7753-43e0-B8FC-AC1667EBCBE1}">
-                <a14:hiddenEffects xmlns="" xmlns:a14="http://schemas.microsoft.com/office/drawing/2010/main">
+                <a14:hiddenEffects xmlns:a14="http://schemas.microsoft.com/office/drawing/2010/main" xmlns="">
                   <a:effectLst>
                     <a:outerShdw blurRad="63500" dist="38099" dir="2700000" algn="ctr" rotWithShape="0">
                       <a:srgbClr val="000000">
@@ -12734,12 +12734,12 @@
             <a:effectLst/>
             <a:extLst>
               <a:ext uri="{909E8E84-426E-40dd-AFC4-6F175D3DCCD1}">
-                <a14:hiddenFill xmlns="" xmlns:a14="http://schemas.microsoft.com/office/drawing/2010/main">
+                <a14:hiddenFill xmlns:a14="http://schemas.microsoft.com/office/drawing/2010/main" xmlns="">
                   <a:noFill/>
                 </a14:hiddenFill>
               </a:ext>
               <a:ext uri="{AF507438-7753-43e0-B8FC-AC1667EBCBE1}">
-                <a14:hiddenEffects xmlns="" xmlns:a14="http://schemas.microsoft.com/office/drawing/2010/main">
+                <a14:hiddenEffects xmlns:a14="http://schemas.microsoft.com/office/drawing/2010/main" xmlns="">
                   <a:effectLst>
                     <a:outerShdw blurRad="63500" dist="38099" dir="2700000" algn="ctr" rotWithShape="0">
                       <a:srgbClr val="000000">
@@ -12792,12 +12792,12 @@
             <a:effectLst/>
             <a:extLst>
               <a:ext uri="{909E8E84-426E-40dd-AFC4-6F175D3DCCD1}">
-                <a14:hiddenFill xmlns="" xmlns:a14="http://schemas.microsoft.com/office/drawing/2010/main">
+                <a14:hiddenFill xmlns:a14="http://schemas.microsoft.com/office/drawing/2010/main" xmlns="">
                   <a:noFill/>
                 </a14:hiddenFill>
               </a:ext>
               <a:ext uri="{AF507438-7753-43e0-B8FC-AC1667EBCBE1}">
-                <a14:hiddenEffects xmlns="" xmlns:a14="http://schemas.microsoft.com/office/drawing/2010/main">
+                <a14:hiddenEffects xmlns:a14="http://schemas.microsoft.com/office/drawing/2010/main" xmlns="">
                   <a:effectLst>
                     <a:outerShdw blurRad="63500" dist="38099" dir="2700000" algn="ctr" rotWithShape="0">
                       <a:srgbClr val="000000">
@@ -12850,12 +12850,12 @@
             <a:effectLst/>
             <a:extLst>
               <a:ext uri="{909E8E84-426E-40dd-AFC4-6F175D3DCCD1}">
-                <a14:hiddenFill xmlns="" xmlns:a14="http://schemas.microsoft.com/office/drawing/2010/main">
+                <a14:hiddenFill xmlns:a14="http://schemas.microsoft.com/office/drawing/2010/main" xmlns="">
                   <a:noFill/>
                 </a14:hiddenFill>
               </a:ext>
               <a:ext uri="{AF507438-7753-43e0-B8FC-AC1667EBCBE1}">
-                <a14:hiddenEffects xmlns="" xmlns:a14="http://schemas.microsoft.com/office/drawing/2010/main">
+                <a14:hiddenEffects xmlns:a14="http://schemas.microsoft.com/office/drawing/2010/main" xmlns="">
                   <a:effectLst>
                     <a:outerShdw blurRad="63500" dist="38099" dir="2700000" algn="ctr" rotWithShape="0">
                       <a:srgbClr val="000000">
@@ -12908,12 +12908,12 @@
             <a:effectLst/>
             <a:extLst>
               <a:ext uri="{909E8E84-426E-40dd-AFC4-6F175D3DCCD1}">
-                <a14:hiddenFill xmlns="" xmlns:a14="http://schemas.microsoft.com/office/drawing/2010/main">
+                <a14:hiddenFill xmlns:a14="http://schemas.microsoft.com/office/drawing/2010/main" xmlns="">
                   <a:noFill/>
                 </a14:hiddenFill>
               </a:ext>
               <a:ext uri="{AF507438-7753-43e0-B8FC-AC1667EBCBE1}">
-                <a14:hiddenEffects xmlns="" xmlns:a14="http://schemas.microsoft.com/office/drawing/2010/main">
+                <a14:hiddenEffects xmlns:a14="http://schemas.microsoft.com/office/drawing/2010/main" xmlns="">
                   <a:effectLst>
                     <a:outerShdw blurRad="63500" dist="38099" dir="2700000" algn="ctr" rotWithShape="0">
                       <a:srgbClr val="000000">
@@ -12966,12 +12966,12 @@
             <a:effectLst/>
             <a:extLst>
               <a:ext uri="{909E8E84-426E-40dd-AFC4-6F175D3DCCD1}">
-                <a14:hiddenFill xmlns="" xmlns:a14="http://schemas.microsoft.com/office/drawing/2010/main">
+                <a14:hiddenFill xmlns:a14="http://schemas.microsoft.com/office/drawing/2010/main" xmlns="">
                   <a:noFill/>
                 </a14:hiddenFill>
               </a:ext>
               <a:ext uri="{AF507438-7753-43e0-B8FC-AC1667EBCBE1}">
-                <a14:hiddenEffects xmlns="" xmlns:a14="http://schemas.microsoft.com/office/drawing/2010/main">
+                <a14:hiddenEffects xmlns:a14="http://schemas.microsoft.com/office/drawing/2010/main" xmlns="">
                   <a:effectLst>
                     <a:outerShdw blurRad="63500" dist="38099" dir="2700000" algn="ctr" rotWithShape="0">
                       <a:srgbClr val="000000">
@@ -13024,12 +13024,12 @@
             <a:effectLst/>
             <a:extLst>
               <a:ext uri="{909E8E84-426E-40dd-AFC4-6F175D3DCCD1}">
-                <a14:hiddenFill xmlns="" xmlns:a14="http://schemas.microsoft.com/office/drawing/2010/main">
+                <a14:hiddenFill xmlns:a14="http://schemas.microsoft.com/office/drawing/2010/main" xmlns="">
                   <a:noFill/>
                 </a14:hiddenFill>
               </a:ext>
               <a:ext uri="{AF507438-7753-43e0-B8FC-AC1667EBCBE1}">
-                <a14:hiddenEffects xmlns="" xmlns:a14="http://schemas.microsoft.com/office/drawing/2010/main">
+                <a14:hiddenEffects xmlns:a14="http://schemas.microsoft.com/office/drawing/2010/main" xmlns="">
                   <a:effectLst>
                     <a:outerShdw blurRad="63500" dist="38099" dir="2700000" algn="ctr" rotWithShape="0">
                       <a:srgbClr val="000000">
@@ -13082,12 +13082,12 @@
             <a:effectLst/>
             <a:extLst>
               <a:ext uri="{909E8E84-426E-40dd-AFC4-6F175D3DCCD1}">
-                <a14:hiddenFill xmlns="" xmlns:a14="http://schemas.microsoft.com/office/drawing/2010/main">
+                <a14:hiddenFill xmlns:a14="http://schemas.microsoft.com/office/drawing/2010/main" xmlns="">
                   <a:noFill/>
                 </a14:hiddenFill>
               </a:ext>
               <a:ext uri="{AF507438-7753-43e0-B8FC-AC1667EBCBE1}">
-                <a14:hiddenEffects xmlns="" xmlns:a14="http://schemas.microsoft.com/office/drawing/2010/main">
+                <a14:hiddenEffects xmlns:a14="http://schemas.microsoft.com/office/drawing/2010/main" xmlns="">
                   <a:effectLst>
                     <a:outerShdw blurRad="63500" dist="38099" dir="2700000" algn="ctr" rotWithShape="0">
                       <a:srgbClr val="000000">
@@ -13140,12 +13140,12 @@
             <a:effectLst/>
             <a:extLst>
               <a:ext uri="{909E8E84-426E-40dd-AFC4-6F175D3DCCD1}">
-                <a14:hiddenFill xmlns="" xmlns:a14="http://schemas.microsoft.com/office/drawing/2010/main">
+                <a14:hiddenFill xmlns:a14="http://schemas.microsoft.com/office/drawing/2010/main" xmlns="">
                   <a:noFill/>
                 </a14:hiddenFill>
               </a:ext>
               <a:ext uri="{AF507438-7753-43e0-B8FC-AC1667EBCBE1}">
-                <a14:hiddenEffects xmlns="" xmlns:a14="http://schemas.microsoft.com/office/drawing/2010/main">
+                <a14:hiddenEffects xmlns:a14="http://schemas.microsoft.com/office/drawing/2010/main" xmlns="">
                   <a:effectLst>
                     <a:outerShdw blurRad="63500" dist="38099" dir="2700000" algn="ctr" rotWithShape="0">
                       <a:srgbClr val="000000">
@@ -13206,7 +13206,7 @@
             <a:effectLst/>
             <a:extLst>
               <a:ext uri="{909E8E84-426E-40dd-AFC4-6F175D3DCCD1}">
-                <a14:hiddenFill xmlns="" xmlns:a14="http://schemas.microsoft.com/office/drawing/2010/main">
+                <a14:hiddenFill xmlns:a14="http://schemas.microsoft.com/office/drawing/2010/main" xmlns="">
                   <a:blipFill dpi="0" rotWithShape="0">
                     <a:blip/>
                     <a:srcRect/>
@@ -13217,7 +13217,7 @@
                 </a14:hiddenFill>
               </a:ext>
               <a:ext uri="{91240B29-F687-4f45-9708-019B960494DF}">
-                <a14:hiddenLine xmlns="" xmlns:a14="http://schemas.microsoft.com/office/drawing/2010/main" w="9525">
+                <a14:hiddenLine xmlns:a14="http://schemas.microsoft.com/office/drawing/2010/main" xmlns="" w="9525">
                   <a:solidFill>
                     <a:srgbClr val="000000"/>
                   </a:solidFill>
@@ -13227,7 +13227,7 @@
                 </a14:hiddenLine>
               </a:ext>
               <a:ext uri="{AF507438-7753-43e0-B8FC-AC1667EBCBE1}">
-                <a14:hiddenEffects xmlns="" xmlns:a14="http://schemas.microsoft.com/office/drawing/2010/main">
+                <a14:hiddenEffects xmlns:a14="http://schemas.microsoft.com/office/drawing/2010/main" xmlns="">
                   <a:effectLst>
                     <a:outerShdw blurRad="63500" dist="38099" dir="2700000" algn="ctr" rotWithShape="0">
                       <a:srgbClr val="000000">
@@ -13276,7 +13276,7 @@
             <a:effectLst/>
             <a:extLst>
               <a:ext uri="{909E8E84-426E-40dd-AFC4-6F175D3DCCD1}">
-                <a14:hiddenFill xmlns="" xmlns:a14="http://schemas.microsoft.com/office/drawing/2010/main">
+                <a14:hiddenFill xmlns:a14="http://schemas.microsoft.com/office/drawing/2010/main" xmlns="">
                   <a:blipFill dpi="0" rotWithShape="0">
                     <a:blip/>
                     <a:srcRect/>
@@ -13287,7 +13287,7 @@
                 </a14:hiddenFill>
               </a:ext>
               <a:ext uri="{91240B29-F687-4f45-9708-019B960494DF}">
-                <a14:hiddenLine xmlns="" xmlns:a14="http://schemas.microsoft.com/office/drawing/2010/main" w="9525">
+                <a14:hiddenLine xmlns:a14="http://schemas.microsoft.com/office/drawing/2010/main" xmlns="" w="9525">
                   <a:solidFill>
                     <a:srgbClr val="000000"/>
                   </a:solidFill>
@@ -13297,7 +13297,7 @@
                 </a14:hiddenLine>
               </a:ext>
               <a:ext uri="{AF507438-7753-43e0-B8FC-AC1667EBCBE1}">
-                <a14:hiddenEffects xmlns="" xmlns:a14="http://schemas.microsoft.com/office/drawing/2010/main">
+                <a14:hiddenEffects xmlns:a14="http://schemas.microsoft.com/office/drawing/2010/main" xmlns="">
                   <a:effectLst>
                     <a:outerShdw blurRad="63500" dist="38099" dir="2700000" algn="ctr" rotWithShape="0">
                       <a:srgbClr val="000000">
@@ -13346,7 +13346,7 @@
             <a:effectLst/>
             <a:extLst>
               <a:ext uri="{909E8E84-426E-40dd-AFC4-6F175D3DCCD1}">
-                <a14:hiddenFill xmlns="" xmlns:a14="http://schemas.microsoft.com/office/drawing/2010/main">
+                <a14:hiddenFill xmlns:a14="http://schemas.microsoft.com/office/drawing/2010/main" xmlns="">
                   <a:blipFill dpi="0" rotWithShape="0">
                     <a:blip/>
                     <a:srcRect/>
@@ -13357,7 +13357,7 @@
                 </a14:hiddenFill>
               </a:ext>
               <a:ext uri="{91240B29-F687-4f45-9708-019B960494DF}">
-                <a14:hiddenLine xmlns="" xmlns:a14="http://schemas.microsoft.com/office/drawing/2010/main" w="9525">
+                <a14:hiddenLine xmlns:a14="http://schemas.microsoft.com/office/drawing/2010/main" xmlns="" w="9525">
                   <a:solidFill>
                     <a:srgbClr val="000000"/>
                   </a:solidFill>
@@ -13367,7 +13367,7 @@
                 </a14:hiddenLine>
               </a:ext>
               <a:ext uri="{AF507438-7753-43e0-B8FC-AC1667EBCBE1}">
-                <a14:hiddenEffects xmlns="" xmlns:a14="http://schemas.microsoft.com/office/drawing/2010/main">
+                <a14:hiddenEffects xmlns:a14="http://schemas.microsoft.com/office/drawing/2010/main" xmlns="">
                   <a:effectLst>
                     <a:outerShdw blurRad="63500" dist="38099" dir="2700000" algn="ctr" rotWithShape="0">
                       <a:srgbClr val="000000">
@@ -13416,7 +13416,7 @@
             <a:effectLst/>
             <a:extLst>
               <a:ext uri="{909E8E84-426E-40dd-AFC4-6F175D3DCCD1}">
-                <a14:hiddenFill xmlns="" xmlns:a14="http://schemas.microsoft.com/office/drawing/2010/main">
+                <a14:hiddenFill xmlns:a14="http://schemas.microsoft.com/office/drawing/2010/main" xmlns="">
                   <a:blipFill dpi="0" rotWithShape="0">
                     <a:blip/>
                     <a:srcRect/>
@@ -13427,7 +13427,7 @@
                 </a14:hiddenFill>
               </a:ext>
               <a:ext uri="{91240B29-F687-4f45-9708-019B960494DF}">
-                <a14:hiddenLine xmlns="" xmlns:a14="http://schemas.microsoft.com/office/drawing/2010/main" w="9525">
+                <a14:hiddenLine xmlns:a14="http://schemas.microsoft.com/office/drawing/2010/main" xmlns="" w="9525">
                   <a:solidFill>
                     <a:srgbClr val="000000"/>
                   </a:solidFill>
@@ -13437,7 +13437,7 @@
                 </a14:hiddenLine>
               </a:ext>
               <a:ext uri="{AF507438-7753-43e0-B8FC-AC1667EBCBE1}">
-                <a14:hiddenEffects xmlns="" xmlns:a14="http://schemas.microsoft.com/office/drawing/2010/main">
+                <a14:hiddenEffects xmlns:a14="http://schemas.microsoft.com/office/drawing/2010/main" xmlns="">
                   <a:effectLst>
                     <a:outerShdw blurRad="63500" dist="38099" dir="2700000" algn="ctr" rotWithShape="0">
                       <a:srgbClr val="000000">
@@ -13486,7 +13486,7 @@
             <a:effectLst/>
             <a:extLst>
               <a:ext uri="{909E8E84-426E-40dd-AFC4-6F175D3DCCD1}">
-                <a14:hiddenFill xmlns="" xmlns:a14="http://schemas.microsoft.com/office/drawing/2010/main">
+                <a14:hiddenFill xmlns:a14="http://schemas.microsoft.com/office/drawing/2010/main" xmlns="">
                   <a:blipFill dpi="0" rotWithShape="0">
                     <a:blip/>
                     <a:srcRect/>
@@ -13497,7 +13497,7 @@
                 </a14:hiddenFill>
               </a:ext>
               <a:ext uri="{91240B29-F687-4f45-9708-019B960494DF}">
-                <a14:hiddenLine xmlns="" xmlns:a14="http://schemas.microsoft.com/office/drawing/2010/main" w="9525">
+                <a14:hiddenLine xmlns:a14="http://schemas.microsoft.com/office/drawing/2010/main" xmlns="" w="9525">
                   <a:solidFill>
                     <a:srgbClr val="000000"/>
                   </a:solidFill>
@@ -13507,7 +13507,7 @@
                 </a14:hiddenLine>
               </a:ext>
               <a:ext uri="{AF507438-7753-43e0-B8FC-AC1667EBCBE1}">
-                <a14:hiddenEffects xmlns="" xmlns:a14="http://schemas.microsoft.com/office/drawing/2010/main">
+                <a14:hiddenEffects xmlns:a14="http://schemas.microsoft.com/office/drawing/2010/main" xmlns="">
                   <a:effectLst>
                     <a:outerShdw blurRad="63500" dist="38099" dir="2700000" algn="ctr" rotWithShape="0">
                       <a:srgbClr val="000000">
@@ -13548,12 +13548,12 @@
             <a:effectLst/>
             <a:extLst>
               <a:ext uri="{909E8E84-426E-40dd-AFC4-6F175D3DCCD1}">
-                <a14:hiddenFill xmlns="" xmlns:a14="http://schemas.microsoft.com/office/drawing/2010/main">
+                <a14:hiddenFill xmlns:a14="http://schemas.microsoft.com/office/drawing/2010/main" xmlns="">
                   <a:noFill/>
                 </a14:hiddenFill>
               </a:ext>
               <a:ext uri="{AF507438-7753-43e0-B8FC-AC1667EBCBE1}">
-                <a14:hiddenEffects xmlns="" xmlns:a14="http://schemas.microsoft.com/office/drawing/2010/main">
+                <a14:hiddenEffects xmlns:a14="http://schemas.microsoft.com/office/drawing/2010/main" xmlns="">
                   <a:effectLst>
                     <a:outerShdw blurRad="63500" dist="38099" dir="2700000" algn="ctr" rotWithShape="0">
                       <a:srgbClr val="000000">
@@ -13606,12 +13606,12 @@
             <a:effectLst/>
             <a:extLst>
               <a:ext uri="{909E8E84-426E-40dd-AFC4-6F175D3DCCD1}">
-                <a14:hiddenFill xmlns="" xmlns:a14="http://schemas.microsoft.com/office/drawing/2010/main">
+                <a14:hiddenFill xmlns:a14="http://schemas.microsoft.com/office/drawing/2010/main" xmlns="">
                   <a:noFill/>
                 </a14:hiddenFill>
               </a:ext>
               <a:ext uri="{AF507438-7753-43e0-B8FC-AC1667EBCBE1}">
-                <a14:hiddenEffects xmlns="" xmlns:a14="http://schemas.microsoft.com/office/drawing/2010/main">
+                <a14:hiddenEffects xmlns:a14="http://schemas.microsoft.com/office/drawing/2010/main" xmlns="">
                   <a:effectLst>
                     <a:outerShdw blurRad="63500" dist="38099" dir="2700000" algn="ctr" rotWithShape="0">
                       <a:srgbClr val="000000">
@@ -13672,7 +13672,7 @@
             <a:effectLst/>
             <a:extLst>
               <a:ext uri="{909E8E84-426E-40dd-AFC4-6F175D3DCCD1}">
-                <a14:hiddenFill xmlns="" xmlns:a14="http://schemas.microsoft.com/office/drawing/2010/main">
+                <a14:hiddenFill xmlns:a14="http://schemas.microsoft.com/office/drawing/2010/main" xmlns="">
                   <a:blipFill dpi="0" rotWithShape="0">
                     <a:blip/>
                     <a:srcRect/>
@@ -13683,7 +13683,7 @@
                 </a14:hiddenFill>
               </a:ext>
               <a:ext uri="{91240B29-F687-4f45-9708-019B960494DF}">
-                <a14:hiddenLine xmlns="" xmlns:a14="http://schemas.microsoft.com/office/drawing/2010/main" w="9525">
+                <a14:hiddenLine xmlns:a14="http://schemas.microsoft.com/office/drawing/2010/main" xmlns="" w="9525">
                   <a:solidFill>
                     <a:srgbClr val="000000"/>
                   </a:solidFill>
@@ -13693,7 +13693,7 @@
                 </a14:hiddenLine>
               </a:ext>
               <a:ext uri="{AF507438-7753-43e0-B8FC-AC1667EBCBE1}">
-                <a14:hiddenEffects xmlns="" xmlns:a14="http://schemas.microsoft.com/office/drawing/2010/main">
+                <a14:hiddenEffects xmlns:a14="http://schemas.microsoft.com/office/drawing/2010/main" xmlns="">
                   <a:effectLst>
                     <a:outerShdw blurRad="63500" dist="38099" dir="2700000" algn="ctr" rotWithShape="0">
                       <a:srgbClr val="000000">
@@ -13826,7 +13826,7 @@
           <a:effectLst/>
           <a:extLst>
             <a:ext uri="{909E8E84-426E-40dd-AFC4-6F175D3DCCD1}">
-              <a14:hiddenFill xmlns:a14="http://schemas.microsoft.com/office/drawing/2010/main" xmlns="">
+              <a14:hiddenFill xmlns="" xmlns:a14="http://schemas.microsoft.com/office/drawing/2010/main">
                 <a:blipFill dpi="0" rotWithShape="0">
                   <a:blip/>
                   <a:srcRect/>
@@ -13837,7 +13837,7 @@
               </a14:hiddenFill>
             </a:ext>
             <a:ext uri="{91240B29-F687-4f45-9708-019B960494DF}">
-              <a14:hiddenLine xmlns:a14="http://schemas.microsoft.com/office/drawing/2010/main" xmlns="" w="9525">
+              <a14:hiddenLine xmlns="" xmlns:a14="http://schemas.microsoft.com/office/drawing/2010/main" w="9525">
                 <a:solidFill>
                   <a:srgbClr val="000000"/>
                 </a:solidFill>
@@ -13847,7 +13847,7 @@
               </a14:hiddenLine>
             </a:ext>
             <a:ext uri="{AF507438-7753-43e0-B8FC-AC1667EBCBE1}">
-              <a14:hiddenEffects xmlns:a14="http://schemas.microsoft.com/office/drawing/2010/main" xmlns="">
+              <a14:hiddenEffects xmlns="" xmlns:a14="http://schemas.microsoft.com/office/drawing/2010/main">
                 <a:effectLst>
                   <a:outerShdw blurRad="63500" dist="38099" dir="2700000" algn="ctr" rotWithShape="0">
                     <a:srgbClr val="000000">
@@ -13932,7 +13932,7 @@
           <a:effectLst/>
           <a:extLst>
             <a:ext uri="{909E8E84-426E-40dd-AFC4-6F175D3DCCD1}">
-              <a14:hiddenFill xmlns:a14="http://schemas.microsoft.com/office/drawing/2010/main" xmlns="">
+              <a14:hiddenFill xmlns="" xmlns:a14="http://schemas.microsoft.com/office/drawing/2010/main">
                 <a:blipFill dpi="0" rotWithShape="0">
                   <a:blip/>
                   <a:srcRect/>
@@ -13943,7 +13943,7 @@
               </a14:hiddenFill>
             </a:ext>
             <a:ext uri="{91240B29-F687-4f45-9708-019B960494DF}">
-              <a14:hiddenLine xmlns:a14="http://schemas.microsoft.com/office/drawing/2010/main" xmlns="" w="9525">
+              <a14:hiddenLine xmlns="" xmlns:a14="http://schemas.microsoft.com/office/drawing/2010/main" w="9525">
                 <a:solidFill>
                   <a:srgbClr val="000000"/>
                 </a:solidFill>
@@ -13953,7 +13953,7 @@
               </a14:hiddenLine>
             </a:ext>
             <a:ext uri="{AF507438-7753-43e0-B8FC-AC1667EBCBE1}">
-              <a14:hiddenEffects xmlns:a14="http://schemas.microsoft.com/office/drawing/2010/main" xmlns="">
+              <a14:hiddenEffects xmlns="" xmlns:a14="http://schemas.microsoft.com/office/drawing/2010/main">
                 <a:effectLst>
                   <a:outerShdw blurRad="63500" dist="38099" dir="2700000" algn="ctr" rotWithShape="0">
                     <a:srgbClr val="000000">
@@ -14038,7 +14038,7 @@
           <a:effectLst/>
           <a:extLst>
             <a:ext uri="{909E8E84-426E-40dd-AFC4-6F175D3DCCD1}">
-              <a14:hiddenFill xmlns:a14="http://schemas.microsoft.com/office/drawing/2010/main" xmlns="">
+              <a14:hiddenFill xmlns="" xmlns:a14="http://schemas.microsoft.com/office/drawing/2010/main">
                 <a:blipFill dpi="0" rotWithShape="0">
                   <a:blip/>
                   <a:srcRect/>
@@ -14049,7 +14049,7 @@
               </a14:hiddenFill>
             </a:ext>
             <a:ext uri="{91240B29-F687-4f45-9708-019B960494DF}">
-              <a14:hiddenLine xmlns:a14="http://schemas.microsoft.com/office/drawing/2010/main" xmlns="" w="9525">
+              <a14:hiddenLine xmlns="" xmlns:a14="http://schemas.microsoft.com/office/drawing/2010/main" w="9525">
                 <a:solidFill>
                   <a:srgbClr val="000000"/>
                 </a:solidFill>
@@ -14059,7 +14059,7 @@
               </a14:hiddenLine>
             </a:ext>
             <a:ext uri="{AF507438-7753-43e0-B8FC-AC1667EBCBE1}">
-              <a14:hiddenEffects xmlns:a14="http://schemas.microsoft.com/office/drawing/2010/main" xmlns="">
+              <a14:hiddenEffects xmlns="" xmlns:a14="http://schemas.microsoft.com/office/drawing/2010/main">
                 <a:effectLst>
                   <a:outerShdw blurRad="63500" dist="38099" dir="2700000" algn="ctr" rotWithShape="0">
                     <a:srgbClr val="000000">
@@ -14238,7 +14238,7 @@
           <a:effectLst/>
           <a:extLst>
             <a:ext uri="{909E8E84-426E-40dd-AFC4-6F175D3DCCD1}">
-              <a14:hiddenFill xmlns:a14="http://schemas.microsoft.com/office/drawing/2010/main" xmlns="">
+              <a14:hiddenFill xmlns="" xmlns:a14="http://schemas.microsoft.com/office/drawing/2010/main">
                 <a:blipFill dpi="0" rotWithShape="0">
                   <a:blip/>
                   <a:srcRect/>
@@ -14249,7 +14249,7 @@
               </a14:hiddenFill>
             </a:ext>
             <a:ext uri="{91240B29-F687-4f45-9708-019B960494DF}">
-              <a14:hiddenLine xmlns:a14="http://schemas.microsoft.com/office/drawing/2010/main" xmlns="" w="9525">
+              <a14:hiddenLine xmlns="" xmlns:a14="http://schemas.microsoft.com/office/drawing/2010/main" w="9525">
                 <a:solidFill>
                   <a:srgbClr val="000000"/>
                 </a:solidFill>
@@ -14259,7 +14259,7 @@
               </a14:hiddenLine>
             </a:ext>
             <a:ext uri="{AF507438-7753-43e0-B8FC-AC1667EBCBE1}">
-              <a14:hiddenEffects xmlns:a14="http://schemas.microsoft.com/office/drawing/2010/main" xmlns="">
+              <a14:hiddenEffects xmlns="" xmlns:a14="http://schemas.microsoft.com/office/drawing/2010/main">
                 <a:effectLst>
                   <a:outerShdw blurRad="63500" dist="38099" dir="2700000" algn="ctr" rotWithShape="0">
                     <a:srgbClr val="000000">
@@ -14337,7 +14337,7 @@
           <a:effectLst/>
           <a:extLst>
             <a:ext uri="{909E8E84-426E-40dd-AFC4-6F175D3DCCD1}">
-              <a14:hiddenFill xmlns:a14="http://schemas.microsoft.com/office/drawing/2010/main" xmlns="">
+              <a14:hiddenFill xmlns="" xmlns:a14="http://schemas.microsoft.com/office/drawing/2010/main">
                 <a:blipFill dpi="0" rotWithShape="0">
                   <a:blip/>
                   <a:srcRect/>
@@ -14348,7 +14348,7 @@
               </a14:hiddenFill>
             </a:ext>
             <a:ext uri="{91240B29-F687-4f45-9708-019B960494DF}">
-              <a14:hiddenLine xmlns:a14="http://schemas.microsoft.com/office/drawing/2010/main" xmlns="" w="9525">
+              <a14:hiddenLine xmlns="" xmlns:a14="http://schemas.microsoft.com/office/drawing/2010/main" w="9525">
                 <a:solidFill>
                   <a:srgbClr val="000000"/>
                 </a:solidFill>
@@ -14358,7 +14358,7 @@
               </a14:hiddenLine>
             </a:ext>
             <a:ext uri="{AF507438-7753-43e0-B8FC-AC1667EBCBE1}">
-              <a14:hiddenEffects xmlns:a14="http://schemas.microsoft.com/office/drawing/2010/main" xmlns="">
+              <a14:hiddenEffects xmlns="" xmlns:a14="http://schemas.microsoft.com/office/drawing/2010/main">
                 <a:effectLst>
                   <a:outerShdw blurRad="63500" dist="38099" dir="2700000" algn="ctr" rotWithShape="0">
                     <a:srgbClr val="000000">
@@ -16223,7 +16223,7 @@
           <a:effectLst/>
           <a:extLst>
             <a:ext uri="{909E8E84-426E-40dd-AFC4-6F175D3DCCD1}">
-              <a14:hiddenFill xmlns="" xmlns:a14="http://schemas.microsoft.com/office/drawing/2010/main">
+              <a14:hiddenFill xmlns:a14="http://schemas.microsoft.com/office/drawing/2010/main" xmlns="">
                 <a:blipFill dpi="0" rotWithShape="0">
                   <a:blip/>
                   <a:srcRect/>
@@ -16234,7 +16234,7 @@
               </a14:hiddenFill>
             </a:ext>
             <a:ext uri="{91240B29-F687-4f45-9708-019B960494DF}">
-              <a14:hiddenLine xmlns="" xmlns:a14="http://schemas.microsoft.com/office/drawing/2010/main" w="9525">
+              <a14:hiddenLine xmlns:a14="http://schemas.microsoft.com/office/drawing/2010/main" xmlns="" w="9525">
                 <a:solidFill>
                   <a:srgbClr val="000000"/>
                 </a:solidFill>
@@ -16244,7 +16244,7 @@
               </a14:hiddenLine>
             </a:ext>
             <a:ext uri="{AF507438-7753-43e0-B8FC-AC1667EBCBE1}">
-              <a14:hiddenEffects xmlns="" xmlns:a14="http://schemas.microsoft.com/office/drawing/2010/main">
+              <a14:hiddenEffects xmlns:a14="http://schemas.microsoft.com/office/drawing/2010/main" xmlns="">
                 <a:effectLst>
                   <a:outerShdw blurRad="63500" dist="38099" dir="2700000" algn="ctr" rotWithShape="0">
                     <a:srgbClr val="000000">
@@ -16404,7 +16404,7 @@
           <a:effectLst/>
           <a:extLst>
             <a:ext uri="{909E8E84-426E-40dd-AFC4-6F175D3DCCD1}">
-              <a14:hiddenFill xmlns="" xmlns:a14="http://schemas.microsoft.com/office/drawing/2010/main">
+              <a14:hiddenFill xmlns:a14="http://schemas.microsoft.com/office/drawing/2010/main" xmlns="">
                 <a:blipFill dpi="0" rotWithShape="0">
                   <a:blip/>
                   <a:srcRect/>
@@ -16415,7 +16415,7 @@
               </a14:hiddenFill>
             </a:ext>
             <a:ext uri="{91240B29-F687-4f45-9708-019B960494DF}">
-              <a14:hiddenLine xmlns="" xmlns:a14="http://schemas.microsoft.com/office/drawing/2010/main" w="9525">
+              <a14:hiddenLine xmlns:a14="http://schemas.microsoft.com/office/drawing/2010/main" xmlns="" w="9525">
                 <a:solidFill>
                   <a:srgbClr val="000000"/>
                 </a:solidFill>
@@ -16425,7 +16425,7 @@
               </a14:hiddenLine>
             </a:ext>
             <a:ext uri="{AF507438-7753-43e0-B8FC-AC1667EBCBE1}">
-              <a14:hiddenEffects xmlns="" xmlns:a14="http://schemas.microsoft.com/office/drawing/2010/main">
+              <a14:hiddenEffects xmlns:a14="http://schemas.microsoft.com/office/drawing/2010/main" xmlns="">
                 <a:effectLst>
                   <a:outerShdw blurRad="63500" dist="38099" dir="2700000" algn="ctr" rotWithShape="0">
                     <a:srgbClr val="000000">
@@ -18224,7 +18224,7 @@
           <a:effectLst/>
           <a:extLst>
             <a:ext uri="{909E8E84-426E-40dd-AFC4-6F175D3DCCD1}">
-              <a14:hiddenFill xmlns="" xmlns:a14="http://schemas.microsoft.com/office/drawing/2010/main">
+              <a14:hiddenFill xmlns:a14="http://schemas.microsoft.com/office/drawing/2010/main" xmlns="">
                 <a:blipFill dpi="0" rotWithShape="0">
                   <a:blip/>
                   <a:srcRect/>
@@ -18235,7 +18235,7 @@
               </a14:hiddenFill>
             </a:ext>
             <a:ext uri="{91240B29-F687-4f45-9708-019B960494DF}">
-              <a14:hiddenLine xmlns="" xmlns:a14="http://schemas.microsoft.com/office/drawing/2010/main" w="9525">
+              <a14:hiddenLine xmlns:a14="http://schemas.microsoft.com/office/drawing/2010/main" xmlns="" w="9525">
                 <a:solidFill>
                   <a:srgbClr val="000000"/>
                 </a:solidFill>
@@ -18245,7 +18245,7 @@
               </a14:hiddenLine>
             </a:ext>
             <a:ext uri="{AF507438-7753-43e0-B8FC-AC1667EBCBE1}">
-              <a14:hiddenEffects xmlns="" xmlns:a14="http://schemas.microsoft.com/office/drawing/2010/main">
+              <a14:hiddenEffects xmlns:a14="http://schemas.microsoft.com/office/drawing/2010/main" xmlns="">
                 <a:effectLst>
                   <a:outerShdw blurRad="63500" dist="38099" dir="2700000" algn="ctr" rotWithShape="0">
                     <a:srgbClr val="000000">
@@ -18338,7 +18338,7 @@
           <a:effectLst/>
           <a:extLst>
             <a:ext uri="{909E8E84-426E-40dd-AFC4-6F175D3DCCD1}">
-              <a14:hiddenFill xmlns="" xmlns:a14="http://schemas.microsoft.com/office/drawing/2010/main">
+              <a14:hiddenFill xmlns:a14="http://schemas.microsoft.com/office/drawing/2010/main" xmlns="">
                 <a:blipFill dpi="0" rotWithShape="0">
                   <a:blip/>
                   <a:srcRect/>
@@ -18349,7 +18349,7 @@
               </a14:hiddenFill>
             </a:ext>
             <a:ext uri="{91240B29-F687-4f45-9708-019B960494DF}">
-              <a14:hiddenLine xmlns="" xmlns:a14="http://schemas.microsoft.com/office/drawing/2010/main" w="9525">
+              <a14:hiddenLine xmlns:a14="http://schemas.microsoft.com/office/drawing/2010/main" xmlns="" w="9525">
                 <a:solidFill>
                   <a:srgbClr val="000000"/>
                 </a:solidFill>
@@ -18359,7 +18359,7 @@
               </a14:hiddenLine>
             </a:ext>
             <a:ext uri="{AF507438-7753-43e0-B8FC-AC1667EBCBE1}">
-              <a14:hiddenEffects xmlns="" xmlns:a14="http://schemas.microsoft.com/office/drawing/2010/main">
+              <a14:hiddenEffects xmlns:a14="http://schemas.microsoft.com/office/drawing/2010/main" xmlns="">
                 <a:effectLst>
                   <a:outerShdw blurRad="63500" dist="38099" dir="2700000" algn="ctr" rotWithShape="0">
                     <a:srgbClr val="000000">
@@ -21231,7 +21231,7 @@
           <a:effectLst/>
           <a:extLst>
             <a:ext uri="{909E8E84-426E-40dd-AFC4-6F175D3DCCD1}">
-              <a14:hiddenFill xmlns="" xmlns:a14="http://schemas.microsoft.com/office/drawing/2010/main">
+              <a14:hiddenFill xmlns:a14="http://schemas.microsoft.com/office/drawing/2010/main" xmlns="">
                 <a:blipFill dpi="0" rotWithShape="0">
                   <a:blip/>
                   <a:srcRect/>
@@ -21242,7 +21242,7 @@
               </a14:hiddenFill>
             </a:ext>
             <a:ext uri="{91240B29-F687-4f45-9708-019B960494DF}">
-              <a14:hiddenLine xmlns="" xmlns:a14="http://schemas.microsoft.com/office/drawing/2010/main" w="9525">
+              <a14:hiddenLine xmlns:a14="http://schemas.microsoft.com/office/drawing/2010/main" xmlns="" w="9525">
                 <a:solidFill>
                   <a:srgbClr val="000000"/>
                 </a:solidFill>
@@ -21252,7 +21252,7 @@
               </a14:hiddenLine>
             </a:ext>
             <a:ext uri="{AF507438-7753-43e0-B8FC-AC1667EBCBE1}">
-              <a14:hiddenEffects xmlns="" xmlns:a14="http://schemas.microsoft.com/office/drawing/2010/main">
+              <a14:hiddenEffects xmlns:a14="http://schemas.microsoft.com/office/drawing/2010/main" xmlns="">
                 <a:effectLst>
                   <a:outerShdw blurRad="63500" dist="38099" dir="2700000" algn="ctr" rotWithShape="0">
                     <a:srgbClr val="000000">
@@ -21331,7 +21331,7 @@
           <a:effectLst/>
           <a:extLst>
             <a:ext uri="{909E8E84-426E-40dd-AFC4-6F175D3DCCD1}">
-              <a14:hiddenFill xmlns="" xmlns:a14="http://schemas.microsoft.com/office/drawing/2010/main">
+              <a14:hiddenFill xmlns:a14="http://schemas.microsoft.com/office/drawing/2010/main" xmlns="">
                 <a:blipFill dpi="0" rotWithShape="0">
                   <a:blip/>
                   <a:srcRect/>
@@ -21342,7 +21342,7 @@
               </a14:hiddenFill>
             </a:ext>
             <a:ext uri="{91240B29-F687-4f45-9708-019B960494DF}">
-              <a14:hiddenLine xmlns="" xmlns:a14="http://schemas.microsoft.com/office/drawing/2010/main" w="9525">
+              <a14:hiddenLine xmlns:a14="http://schemas.microsoft.com/office/drawing/2010/main" xmlns="" w="9525">
                 <a:solidFill>
                   <a:srgbClr val="000000"/>
                 </a:solidFill>
@@ -21352,7 +21352,7 @@
               </a14:hiddenLine>
             </a:ext>
             <a:ext uri="{AF507438-7753-43e0-B8FC-AC1667EBCBE1}">
-              <a14:hiddenEffects xmlns="" xmlns:a14="http://schemas.microsoft.com/office/drawing/2010/main">
+              <a14:hiddenEffects xmlns:a14="http://schemas.microsoft.com/office/drawing/2010/main" xmlns="">
                 <a:effectLst>
                   <a:outerShdw blurRad="63500" dist="38099" dir="2700000" algn="ctr" rotWithShape="0">
                     <a:srgbClr val="000000">
@@ -22935,7 +22935,7 @@
           <a:effectLst/>
           <a:extLst>
             <a:ext uri="{909E8E84-426E-40dd-AFC4-6F175D3DCCD1}">
-              <a14:hiddenFill xmlns="" xmlns:a14="http://schemas.microsoft.com/office/drawing/2010/main">
+              <a14:hiddenFill xmlns:a14="http://schemas.microsoft.com/office/drawing/2010/main" xmlns="">
                 <a:blipFill dpi="0" rotWithShape="0">
                   <a:blip/>
                   <a:srcRect/>
@@ -22946,7 +22946,7 @@
               </a14:hiddenFill>
             </a:ext>
             <a:ext uri="{91240B29-F687-4f45-9708-019B960494DF}">
-              <a14:hiddenLine xmlns="" xmlns:a14="http://schemas.microsoft.com/office/drawing/2010/main" w="9525">
+              <a14:hiddenLine xmlns:a14="http://schemas.microsoft.com/office/drawing/2010/main" xmlns="" w="9525">
                 <a:solidFill>
                   <a:srgbClr val="000000"/>
                 </a:solidFill>
@@ -22956,7 +22956,7 @@
               </a14:hiddenLine>
             </a:ext>
             <a:ext uri="{AF507438-7753-43e0-B8FC-AC1667EBCBE1}">
-              <a14:hiddenEffects xmlns="" xmlns:a14="http://schemas.microsoft.com/office/drawing/2010/main">
+              <a14:hiddenEffects xmlns:a14="http://schemas.microsoft.com/office/drawing/2010/main" xmlns="">
                 <a:effectLst>
                   <a:outerShdw blurRad="63500" dist="38099" dir="2700000" algn="ctr" rotWithShape="0">
                     <a:srgbClr val="000000">
@@ -24604,7 +24604,7 @@
           <a:effectLst/>
           <a:extLst>
             <a:ext uri="{909E8E84-426E-40dd-AFC4-6F175D3DCCD1}">
-              <a14:hiddenFill xmlns="" xmlns:a14="http://schemas.microsoft.com/office/drawing/2010/main">
+              <a14:hiddenFill xmlns:a14="http://schemas.microsoft.com/office/drawing/2010/main" xmlns="">
                 <a:blipFill dpi="0" rotWithShape="0">
                   <a:blip/>
                   <a:srcRect/>
@@ -24615,7 +24615,7 @@
               </a14:hiddenFill>
             </a:ext>
             <a:ext uri="{91240B29-F687-4f45-9708-019B960494DF}">
-              <a14:hiddenLine xmlns="" xmlns:a14="http://schemas.microsoft.com/office/drawing/2010/main" w="9525">
+              <a14:hiddenLine xmlns:a14="http://schemas.microsoft.com/office/drawing/2010/main" xmlns="" w="9525">
                 <a:solidFill>
                   <a:srgbClr val="000000"/>
                 </a:solidFill>
@@ -24625,7 +24625,7 @@
               </a14:hiddenLine>
             </a:ext>
             <a:ext uri="{AF507438-7753-43e0-B8FC-AC1667EBCBE1}">
-              <a14:hiddenEffects xmlns="" xmlns:a14="http://schemas.microsoft.com/office/drawing/2010/main">
+              <a14:hiddenEffects xmlns:a14="http://schemas.microsoft.com/office/drawing/2010/main" xmlns="">
                 <a:effectLst>
                   <a:outerShdw blurRad="63500" dist="38099" dir="2700000" algn="ctr" rotWithShape="0">
                     <a:srgbClr val="000000">
@@ -25987,7 +25987,7 @@
           <a:effectLst/>
           <a:extLst>
             <a:ext uri="{909E8E84-426E-40dd-AFC4-6F175D3DCCD1}">
-              <a14:hiddenFill xmlns="" xmlns:a14="http://schemas.microsoft.com/office/drawing/2010/main">
+              <a14:hiddenFill xmlns:a14="http://schemas.microsoft.com/office/drawing/2010/main" xmlns="">
                 <a:blipFill dpi="0" rotWithShape="0">
                   <a:blip/>
                   <a:srcRect/>
@@ -25998,7 +25998,7 @@
               </a14:hiddenFill>
             </a:ext>
             <a:ext uri="{91240B29-F687-4f45-9708-019B960494DF}">
-              <a14:hiddenLine xmlns="" xmlns:a14="http://schemas.microsoft.com/office/drawing/2010/main" w="9525">
+              <a14:hiddenLine xmlns:a14="http://schemas.microsoft.com/office/drawing/2010/main" xmlns="" w="9525">
                 <a:solidFill>
                   <a:srgbClr val="000000"/>
                 </a:solidFill>
@@ -26008,7 +26008,7 @@
               </a14:hiddenLine>
             </a:ext>
             <a:ext uri="{AF507438-7753-43e0-B8FC-AC1667EBCBE1}">
-              <a14:hiddenEffects xmlns="" xmlns:a14="http://schemas.microsoft.com/office/drawing/2010/main">
+              <a14:hiddenEffects xmlns:a14="http://schemas.microsoft.com/office/drawing/2010/main" xmlns="">
                 <a:effectLst>
                   <a:outerShdw blurRad="63500" dist="38099" dir="2700000" algn="ctr" rotWithShape="0">
                     <a:srgbClr val="000000">
@@ -26139,7 +26139,7 @@
           <a:effectLst/>
           <a:extLst>
             <a:ext uri="{909E8E84-426E-40dd-AFC4-6F175D3DCCD1}">
-              <a14:hiddenFill xmlns="" xmlns:a14="http://schemas.microsoft.com/office/drawing/2010/main">
+              <a14:hiddenFill xmlns:a14="http://schemas.microsoft.com/office/drawing/2010/main" xmlns="">
                 <a:blipFill dpi="0" rotWithShape="0">
                   <a:blip/>
                   <a:srcRect/>
@@ -26150,7 +26150,7 @@
               </a14:hiddenFill>
             </a:ext>
             <a:ext uri="{91240B29-F687-4f45-9708-019B960494DF}">
-              <a14:hiddenLine xmlns="" xmlns:a14="http://schemas.microsoft.com/office/drawing/2010/main" w="9525">
+              <a14:hiddenLine xmlns:a14="http://schemas.microsoft.com/office/drawing/2010/main" xmlns="" w="9525">
                 <a:solidFill>
                   <a:srgbClr val="000000"/>
                 </a:solidFill>
@@ -26160,7 +26160,7 @@
               </a14:hiddenLine>
             </a:ext>
             <a:ext uri="{AF507438-7753-43e0-B8FC-AC1667EBCBE1}">
-              <a14:hiddenEffects xmlns="" xmlns:a14="http://schemas.microsoft.com/office/drawing/2010/main">
+              <a14:hiddenEffects xmlns:a14="http://schemas.microsoft.com/office/drawing/2010/main" xmlns="">
                 <a:effectLst>
                   <a:outerShdw blurRad="63500" dist="38099" dir="2700000" algn="ctr" rotWithShape="0">
                     <a:srgbClr val="000000">
@@ -33601,11 +33601,11 @@
           <a:p>
             <a:r>
               <a:rPr lang="en-US" sz="2800" dirty="0"/>
-              <a:t>Evict K’,</a:t>
+              <a:t>Evict </a:t>
             </a:r>
             <a:r>
               <a:rPr lang="en-US" sz="2800" dirty="0" err="1"/>
-              <a:t>V’</a:t>
+              <a:t>T,S</a:t>
             </a:r>
             <a:r>
               <a:rPr lang="en-US" sz="2800" baseline="-25000" dirty="0" err="1"/>
@@ -33624,7 +33624,7 @@
         <p:spPr>
           <a:xfrm>
             <a:off x="8811244" y="2839930"/>
-            <a:ext cx="503664" cy="523220"/>
+            <a:ext cx="404278" cy="523220"/>
           </a:xfrm>
           <a:prstGeom prst="rect">
             <a:avLst/>
@@ -33642,7 +33642,7 @@
                 <a:ea typeface="Gadugi" charset="0"/>
                 <a:cs typeface="Gadugi" charset="0"/>
               </a:rPr>
-              <a:t>K’</a:t>
+              <a:t>T</a:t>
             </a:r>
           </a:p>
         </p:txBody>
@@ -33656,7 +33656,7 @@
         <p:spPr>
           <a:xfrm>
             <a:off x="9713689" y="2830092"/>
-            <a:ext cx="1010213" cy="523220"/>
+            <a:ext cx="930063" cy="523220"/>
           </a:xfrm>
           <a:prstGeom prst="rect">
             <a:avLst/>
@@ -33674,7 +33674,7 @@
                 <a:ea typeface="Gadugi" charset="0"/>
                 <a:cs typeface="Gadugi" charset="0"/>
               </a:rPr>
-              <a:t>V’</a:t>
+              <a:t>S</a:t>
             </a:r>
             <a:r>
               <a:rPr lang="en-US" sz="2800" baseline="-25000" dirty="0" err="1">
@@ -33699,7 +33699,7 @@
         <p:spPr>
           <a:xfrm>
             <a:off x="3794525" y="3646847"/>
-            <a:ext cx="444352" cy="523220"/>
+            <a:ext cx="404278" cy="523220"/>
           </a:xfrm>
           <a:prstGeom prst="rect">
             <a:avLst/>
@@ -33717,7 +33717,7 @@
                 <a:ea typeface="Gadugi" charset="0"/>
                 <a:cs typeface="Gadugi" charset="0"/>
               </a:rPr>
-              <a:t>K</a:t>
+              <a:t>T</a:t>
             </a:r>
           </a:p>
         </p:txBody>
@@ -33749,7 +33749,7 @@
                 <a:ea typeface="Gadugi" charset="0"/>
                 <a:cs typeface="Gadugi" charset="0"/>
               </a:rPr>
-              <a:t>V</a:t>
+              <a:t>S</a:t>
             </a:r>
             <a:r>
               <a:rPr lang="en-US" sz="2800" baseline="-25000" dirty="0">
@@ -33880,7 +33880,7 @@
           <a:effectLst/>
           <a:extLst>
             <a:ext uri="{909E8E84-426E-40dd-AFC4-6F175D3DCCD1}">
-              <a14:hiddenFill xmlns:a14="http://schemas.microsoft.com/office/drawing/2010/main" xmlns="">
+              <a14:hiddenFill xmlns="" xmlns:a14="http://schemas.microsoft.com/office/drawing/2010/main">
                 <a:blipFill dpi="0" rotWithShape="0">
                   <a:blip/>
                   <a:srcRect/>
@@ -33891,7 +33891,7 @@
               </a14:hiddenFill>
             </a:ext>
             <a:ext uri="{91240B29-F687-4f45-9708-019B960494DF}">
-              <a14:hiddenLine xmlns:a14="http://schemas.microsoft.com/office/drawing/2010/main" xmlns="" w="9525">
+              <a14:hiddenLine xmlns="" xmlns:a14="http://schemas.microsoft.com/office/drawing/2010/main" w="9525">
                 <a:solidFill>
                   <a:srgbClr val="000000"/>
                 </a:solidFill>
@@ -33901,7 +33901,7 @@
               </a14:hiddenLine>
             </a:ext>
             <a:ext uri="{AF507438-7753-43e0-B8FC-AC1667EBCBE1}">
-              <a14:hiddenEffects xmlns:a14="http://schemas.microsoft.com/office/drawing/2010/main" xmlns="">
+              <a14:hiddenEffects xmlns="" xmlns:a14="http://schemas.microsoft.com/office/drawing/2010/main">
                 <a:effectLst>
                   <a:outerShdw blurRad="63500" dist="38099" dir="2700000" algn="ctr" rotWithShape="0">
                     <a:srgbClr val="000000">

--- a/marple.pptx
+++ b/marple.pptx
@@ -12190,7 +12190,7 @@
           <a:effectLst/>
           <a:extLst>
             <a:ext uri="{909E8E84-426E-40dd-AFC4-6F175D3DCCD1}">
-              <a14:hiddenFill xmlns="" xmlns:a14="http://schemas.microsoft.com/office/drawing/2010/main">
+              <a14:hiddenFill xmlns:a14="http://schemas.microsoft.com/office/drawing/2010/main" xmlns="">
                 <a:blipFill dpi="0" rotWithShape="0">
                   <a:blip/>
                   <a:srcRect/>
@@ -12201,7 +12201,7 @@
               </a14:hiddenFill>
             </a:ext>
             <a:ext uri="{91240B29-F687-4f45-9708-019B960494DF}">
-              <a14:hiddenLine xmlns="" xmlns:a14="http://schemas.microsoft.com/office/drawing/2010/main" w="9525">
+              <a14:hiddenLine xmlns:a14="http://schemas.microsoft.com/office/drawing/2010/main" xmlns="" w="9525">
                 <a:solidFill>
                   <a:srgbClr val="000000"/>
                 </a:solidFill>
@@ -12211,7 +12211,7 @@
               </a14:hiddenLine>
             </a:ext>
             <a:ext uri="{AF507438-7753-43e0-B8FC-AC1667EBCBE1}">
-              <a14:hiddenEffects xmlns="" xmlns:a14="http://schemas.microsoft.com/office/drawing/2010/main">
+              <a14:hiddenEffects xmlns:a14="http://schemas.microsoft.com/office/drawing/2010/main" xmlns="">
                 <a:effectLst>
                   <a:outerShdw blurRad="63500" dist="38099" dir="2700000" algn="ctr" rotWithShape="0">
                     <a:srgbClr val="000000">
@@ -12260,7 +12260,7 @@
           <a:effectLst/>
           <a:extLst>
             <a:ext uri="{909E8E84-426E-40dd-AFC4-6F175D3DCCD1}">
-              <a14:hiddenFill xmlns="" xmlns:a14="http://schemas.microsoft.com/office/drawing/2010/main">
+              <a14:hiddenFill xmlns:a14="http://schemas.microsoft.com/office/drawing/2010/main" xmlns="">
                 <a:blipFill dpi="0" rotWithShape="0">
                   <a:blip/>
                   <a:srcRect/>
@@ -12271,7 +12271,7 @@
               </a14:hiddenFill>
             </a:ext>
             <a:ext uri="{91240B29-F687-4f45-9708-019B960494DF}">
-              <a14:hiddenLine xmlns="" xmlns:a14="http://schemas.microsoft.com/office/drawing/2010/main" w="9525">
+              <a14:hiddenLine xmlns:a14="http://schemas.microsoft.com/office/drawing/2010/main" xmlns="" w="9525">
                 <a:solidFill>
                   <a:srgbClr val="000000"/>
                 </a:solidFill>
@@ -12281,7 +12281,7 @@
               </a14:hiddenLine>
             </a:ext>
             <a:ext uri="{AF507438-7753-43e0-B8FC-AC1667EBCBE1}">
-              <a14:hiddenEffects xmlns="" xmlns:a14="http://schemas.microsoft.com/office/drawing/2010/main">
+              <a14:hiddenEffects xmlns:a14="http://schemas.microsoft.com/office/drawing/2010/main" xmlns="">
                 <a:effectLst>
                   <a:outerShdw blurRad="63500" dist="38099" dir="2700000" algn="ctr" rotWithShape="0">
                     <a:srgbClr val="000000">
@@ -12416,7 +12416,7 @@
             <a:effectLst/>
             <a:extLst>
               <a:ext uri="{909E8E84-426E-40dd-AFC4-6F175D3DCCD1}">
-                <a14:hiddenFill xmlns:a14="http://schemas.microsoft.com/office/drawing/2010/main" xmlns="">
+                <a14:hiddenFill xmlns="" xmlns:a14="http://schemas.microsoft.com/office/drawing/2010/main">
                   <a:blipFill dpi="0" rotWithShape="0">
                     <a:blip/>
                     <a:srcRect/>
@@ -12427,7 +12427,7 @@
                 </a14:hiddenFill>
               </a:ext>
               <a:ext uri="{91240B29-F687-4f45-9708-019B960494DF}">
-                <a14:hiddenLine xmlns:a14="http://schemas.microsoft.com/office/drawing/2010/main" xmlns="" w="9525">
+                <a14:hiddenLine xmlns="" xmlns:a14="http://schemas.microsoft.com/office/drawing/2010/main" w="9525">
                   <a:solidFill>
                     <a:srgbClr val="000000"/>
                   </a:solidFill>
@@ -12437,7 +12437,7 @@
                 </a14:hiddenLine>
               </a:ext>
               <a:ext uri="{AF507438-7753-43e0-B8FC-AC1667EBCBE1}">
-                <a14:hiddenEffects xmlns:a14="http://schemas.microsoft.com/office/drawing/2010/main" xmlns="">
+                <a14:hiddenEffects xmlns="" xmlns:a14="http://schemas.microsoft.com/office/drawing/2010/main">
                   <a:effectLst>
                     <a:outerShdw blurRad="63500" dist="38099" dir="2700000" algn="ctr" rotWithShape="0">
                       <a:srgbClr val="000000">
@@ -12486,7 +12486,7 @@
             <a:effectLst/>
             <a:extLst>
               <a:ext uri="{909E8E84-426E-40dd-AFC4-6F175D3DCCD1}">
-                <a14:hiddenFill xmlns:a14="http://schemas.microsoft.com/office/drawing/2010/main" xmlns="">
+                <a14:hiddenFill xmlns="" xmlns:a14="http://schemas.microsoft.com/office/drawing/2010/main">
                   <a:blipFill dpi="0" rotWithShape="0">
                     <a:blip/>
                     <a:srcRect/>
@@ -12497,7 +12497,7 @@
                 </a14:hiddenFill>
               </a:ext>
               <a:ext uri="{91240B29-F687-4f45-9708-019B960494DF}">
-                <a14:hiddenLine xmlns:a14="http://schemas.microsoft.com/office/drawing/2010/main" xmlns="" w="9525">
+                <a14:hiddenLine xmlns="" xmlns:a14="http://schemas.microsoft.com/office/drawing/2010/main" w="9525">
                   <a:solidFill>
                     <a:srgbClr val="000000"/>
                   </a:solidFill>
@@ -12507,7 +12507,7 @@
                 </a14:hiddenLine>
               </a:ext>
               <a:ext uri="{AF507438-7753-43e0-B8FC-AC1667EBCBE1}">
-                <a14:hiddenEffects xmlns:a14="http://schemas.microsoft.com/office/drawing/2010/main" xmlns="">
+                <a14:hiddenEffects xmlns="" xmlns:a14="http://schemas.microsoft.com/office/drawing/2010/main">
                   <a:effectLst>
                     <a:outerShdw blurRad="63500" dist="38099" dir="2700000" algn="ctr" rotWithShape="0">
                       <a:srgbClr val="000000">
@@ -12556,7 +12556,7 @@
             <a:effectLst/>
             <a:extLst>
               <a:ext uri="{909E8E84-426E-40dd-AFC4-6F175D3DCCD1}">
-                <a14:hiddenFill xmlns:a14="http://schemas.microsoft.com/office/drawing/2010/main" xmlns="">
+                <a14:hiddenFill xmlns="" xmlns:a14="http://schemas.microsoft.com/office/drawing/2010/main">
                   <a:blipFill dpi="0" rotWithShape="0">
                     <a:blip/>
                     <a:srcRect/>
@@ -12567,7 +12567,7 @@
                 </a14:hiddenFill>
               </a:ext>
               <a:ext uri="{91240B29-F687-4f45-9708-019B960494DF}">
-                <a14:hiddenLine xmlns:a14="http://schemas.microsoft.com/office/drawing/2010/main" xmlns="" w="9525">
+                <a14:hiddenLine xmlns="" xmlns:a14="http://schemas.microsoft.com/office/drawing/2010/main" w="9525">
                   <a:solidFill>
                     <a:srgbClr val="000000"/>
                   </a:solidFill>
@@ -12577,7 +12577,7 @@
                 </a14:hiddenLine>
               </a:ext>
               <a:ext uri="{AF507438-7753-43e0-B8FC-AC1667EBCBE1}">
-                <a14:hiddenEffects xmlns:a14="http://schemas.microsoft.com/office/drawing/2010/main" xmlns="">
+                <a14:hiddenEffects xmlns="" xmlns:a14="http://schemas.microsoft.com/office/drawing/2010/main">
                   <a:effectLst>
                     <a:outerShdw blurRad="63500" dist="38099" dir="2700000" algn="ctr" rotWithShape="0">
                       <a:srgbClr val="000000">
@@ -12618,12 +12618,12 @@
             <a:effectLst/>
             <a:extLst>
               <a:ext uri="{909E8E84-426E-40dd-AFC4-6F175D3DCCD1}">
-                <a14:hiddenFill xmlns:a14="http://schemas.microsoft.com/office/drawing/2010/main" xmlns="">
+                <a14:hiddenFill xmlns="" xmlns:a14="http://schemas.microsoft.com/office/drawing/2010/main">
                   <a:noFill/>
                 </a14:hiddenFill>
               </a:ext>
               <a:ext uri="{AF507438-7753-43e0-B8FC-AC1667EBCBE1}">
-                <a14:hiddenEffects xmlns:a14="http://schemas.microsoft.com/office/drawing/2010/main" xmlns="">
+                <a14:hiddenEffects xmlns="" xmlns:a14="http://schemas.microsoft.com/office/drawing/2010/main">
                   <a:effectLst>
                     <a:outerShdw blurRad="63500" dist="38099" dir="2700000" algn="ctr" rotWithShape="0">
                       <a:srgbClr val="000000">
@@ -12676,12 +12676,12 @@
             <a:effectLst/>
             <a:extLst>
               <a:ext uri="{909E8E84-426E-40dd-AFC4-6F175D3DCCD1}">
-                <a14:hiddenFill xmlns:a14="http://schemas.microsoft.com/office/drawing/2010/main" xmlns="">
+                <a14:hiddenFill xmlns="" xmlns:a14="http://schemas.microsoft.com/office/drawing/2010/main">
                   <a:noFill/>
                 </a14:hiddenFill>
               </a:ext>
               <a:ext uri="{AF507438-7753-43e0-B8FC-AC1667EBCBE1}">
-                <a14:hiddenEffects xmlns:a14="http://schemas.microsoft.com/office/drawing/2010/main" xmlns="">
+                <a14:hiddenEffects xmlns="" xmlns:a14="http://schemas.microsoft.com/office/drawing/2010/main">
                   <a:effectLst>
                     <a:outerShdw blurRad="63500" dist="38099" dir="2700000" algn="ctr" rotWithShape="0">
                       <a:srgbClr val="000000">
@@ -12734,12 +12734,12 @@
             <a:effectLst/>
             <a:extLst>
               <a:ext uri="{909E8E84-426E-40dd-AFC4-6F175D3DCCD1}">
-                <a14:hiddenFill xmlns:a14="http://schemas.microsoft.com/office/drawing/2010/main" xmlns="">
+                <a14:hiddenFill xmlns="" xmlns:a14="http://schemas.microsoft.com/office/drawing/2010/main">
                   <a:noFill/>
                 </a14:hiddenFill>
               </a:ext>
               <a:ext uri="{AF507438-7753-43e0-B8FC-AC1667EBCBE1}">
-                <a14:hiddenEffects xmlns:a14="http://schemas.microsoft.com/office/drawing/2010/main" xmlns="">
+                <a14:hiddenEffects xmlns="" xmlns:a14="http://schemas.microsoft.com/office/drawing/2010/main">
                   <a:effectLst>
                     <a:outerShdw blurRad="63500" dist="38099" dir="2700000" algn="ctr" rotWithShape="0">
                       <a:srgbClr val="000000">
@@ -12792,12 +12792,12 @@
             <a:effectLst/>
             <a:extLst>
               <a:ext uri="{909E8E84-426E-40dd-AFC4-6F175D3DCCD1}">
-                <a14:hiddenFill xmlns:a14="http://schemas.microsoft.com/office/drawing/2010/main" xmlns="">
+                <a14:hiddenFill xmlns="" xmlns:a14="http://schemas.microsoft.com/office/drawing/2010/main">
                   <a:noFill/>
                 </a14:hiddenFill>
               </a:ext>
               <a:ext uri="{AF507438-7753-43e0-B8FC-AC1667EBCBE1}">
-                <a14:hiddenEffects xmlns:a14="http://schemas.microsoft.com/office/drawing/2010/main" xmlns="">
+                <a14:hiddenEffects xmlns="" xmlns:a14="http://schemas.microsoft.com/office/drawing/2010/main">
                   <a:effectLst>
                     <a:outerShdw blurRad="63500" dist="38099" dir="2700000" algn="ctr" rotWithShape="0">
                       <a:srgbClr val="000000">
@@ -12850,12 +12850,12 @@
             <a:effectLst/>
             <a:extLst>
               <a:ext uri="{909E8E84-426E-40dd-AFC4-6F175D3DCCD1}">
-                <a14:hiddenFill xmlns:a14="http://schemas.microsoft.com/office/drawing/2010/main" xmlns="">
+                <a14:hiddenFill xmlns="" xmlns:a14="http://schemas.microsoft.com/office/drawing/2010/main">
                   <a:noFill/>
                 </a14:hiddenFill>
               </a:ext>
               <a:ext uri="{AF507438-7753-43e0-B8FC-AC1667EBCBE1}">
-                <a14:hiddenEffects xmlns:a14="http://schemas.microsoft.com/office/drawing/2010/main" xmlns="">
+                <a14:hiddenEffects xmlns="" xmlns:a14="http://schemas.microsoft.com/office/drawing/2010/main">
                   <a:effectLst>
                     <a:outerShdw blurRad="63500" dist="38099" dir="2700000" algn="ctr" rotWithShape="0">
                       <a:srgbClr val="000000">
@@ -12908,12 +12908,12 @@
             <a:effectLst/>
             <a:extLst>
               <a:ext uri="{909E8E84-426E-40dd-AFC4-6F175D3DCCD1}">
-                <a14:hiddenFill xmlns:a14="http://schemas.microsoft.com/office/drawing/2010/main" xmlns="">
+                <a14:hiddenFill xmlns="" xmlns:a14="http://schemas.microsoft.com/office/drawing/2010/main">
                   <a:noFill/>
                 </a14:hiddenFill>
               </a:ext>
               <a:ext uri="{AF507438-7753-43e0-B8FC-AC1667EBCBE1}">
-                <a14:hiddenEffects xmlns:a14="http://schemas.microsoft.com/office/drawing/2010/main" xmlns="">
+                <a14:hiddenEffects xmlns="" xmlns:a14="http://schemas.microsoft.com/office/drawing/2010/main">
                   <a:effectLst>
                     <a:outerShdw blurRad="63500" dist="38099" dir="2700000" algn="ctr" rotWithShape="0">
                       <a:srgbClr val="000000">
@@ -12966,12 +12966,12 @@
             <a:effectLst/>
             <a:extLst>
               <a:ext uri="{909E8E84-426E-40dd-AFC4-6F175D3DCCD1}">
-                <a14:hiddenFill xmlns:a14="http://schemas.microsoft.com/office/drawing/2010/main" xmlns="">
+                <a14:hiddenFill xmlns="" xmlns:a14="http://schemas.microsoft.com/office/drawing/2010/main">
                   <a:noFill/>
                 </a14:hiddenFill>
               </a:ext>
               <a:ext uri="{AF507438-7753-43e0-B8FC-AC1667EBCBE1}">
-                <a14:hiddenEffects xmlns:a14="http://schemas.microsoft.com/office/drawing/2010/main" xmlns="">
+                <a14:hiddenEffects xmlns="" xmlns:a14="http://schemas.microsoft.com/office/drawing/2010/main">
                   <a:effectLst>
                     <a:outerShdw blurRad="63500" dist="38099" dir="2700000" algn="ctr" rotWithShape="0">
                       <a:srgbClr val="000000">
@@ -13024,12 +13024,12 @@
             <a:effectLst/>
             <a:extLst>
               <a:ext uri="{909E8E84-426E-40dd-AFC4-6F175D3DCCD1}">
-                <a14:hiddenFill xmlns:a14="http://schemas.microsoft.com/office/drawing/2010/main" xmlns="">
+                <a14:hiddenFill xmlns="" xmlns:a14="http://schemas.microsoft.com/office/drawing/2010/main">
                   <a:noFill/>
                 </a14:hiddenFill>
               </a:ext>
               <a:ext uri="{AF507438-7753-43e0-B8FC-AC1667EBCBE1}">
-                <a14:hiddenEffects xmlns:a14="http://schemas.microsoft.com/office/drawing/2010/main" xmlns="">
+                <a14:hiddenEffects xmlns="" xmlns:a14="http://schemas.microsoft.com/office/drawing/2010/main">
                   <a:effectLst>
                     <a:outerShdw blurRad="63500" dist="38099" dir="2700000" algn="ctr" rotWithShape="0">
                       <a:srgbClr val="000000">
@@ -13082,12 +13082,12 @@
             <a:effectLst/>
             <a:extLst>
               <a:ext uri="{909E8E84-426E-40dd-AFC4-6F175D3DCCD1}">
-                <a14:hiddenFill xmlns:a14="http://schemas.microsoft.com/office/drawing/2010/main" xmlns="">
+                <a14:hiddenFill xmlns="" xmlns:a14="http://schemas.microsoft.com/office/drawing/2010/main">
                   <a:noFill/>
                 </a14:hiddenFill>
               </a:ext>
               <a:ext uri="{AF507438-7753-43e0-B8FC-AC1667EBCBE1}">
-                <a14:hiddenEffects xmlns:a14="http://schemas.microsoft.com/office/drawing/2010/main" xmlns="">
+                <a14:hiddenEffects xmlns="" xmlns:a14="http://schemas.microsoft.com/office/drawing/2010/main">
                   <a:effectLst>
                     <a:outerShdw blurRad="63500" dist="38099" dir="2700000" algn="ctr" rotWithShape="0">
                       <a:srgbClr val="000000">
@@ -13140,12 +13140,12 @@
             <a:effectLst/>
             <a:extLst>
               <a:ext uri="{909E8E84-426E-40dd-AFC4-6F175D3DCCD1}">
-                <a14:hiddenFill xmlns:a14="http://schemas.microsoft.com/office/drawing/2010/main" xmlns="">
+                <a14:hiddenFill xmlns="" xmlns:a14="http://schemas.microsoft.com/office/drawing/2010/main">
                   <a:noFill/>
                 </a14:hiddenFill>
               </a:ext>
               <a:ext uri="{AF507438-7753-43e0-B8FC-AC1667EBCBE1}">
-                <a14:hiddenEffects xmlns:a14="http://schemas.microsoft.com/office/drawing/2010/main" xmlns="">
+                <a14:hiddenEffects xmlns="" xmlns:a14="http://schemas.microsoft.com/office/drawing/2010/main">
                   <a:effectLst>
                     <a:outerShdw blurRad="63500" dist="38099" dir="2700000" algn="ctr" rotWithShape="0">
                       <a:srgbClr val="000000">
@@ -13206,7 +13206,7 @@
             <a:effectLst/>
             <a:extLst>
               <a:ext uri="{909E8E84-426E-40dd-AFC4-6F175D3DCCD1}">
-                <a14:hiddenFill xmlns:a14="http://schemas.microsoft.com/office/drawing/2010/main" xmlns="">
+                <a14:hiddenFill xmlns="" xmlns:a14="http://schemas.microsoft.com/office/drawing/2010/main">
                   <a:blipFill dpi="0" rotWithShape="0">
                     <a:blip/>
                     <a:srcRect/>
@@ -13217,7 +13217,7 @@
                 </a14:hiddenFill>
               </a:ext>
               <a:ext uri="{91240B29-F687-4f45-9708-019B960494DF}">
-                <a14:hiddenLine xmlns:a14="http://schemas.microsoft.com/office/drawing/2010/main" xmlns="" w="9525">
+                <a14:hiddenLine xmlns="" xmlns:a14="http://schemas.microsoft.com/office/drawing/2010/main" w="9525">
                   <a:solidFill>
                     <a:srgbClr val="000000"/>
                   </a:solidFill>
@@ -13227,7 +13227,7 @@
                 </a14:hiddenLine>
               </a:ext>
               <a:ext uri="{AF507438-7753-43e0-B8FC-AC1667EBCBE1}">
-                <a14:hiddenEffects xmlns:a14="http://schemas.microsoft.com/office/drawing/2010/main" xmlns="">
+                <a14:hiddenEffects xmlns="" xmlns:a14="http://schemas.microsoft.com/office/drawing/2010/main">
                   <a:effectLst>
                     <a:outerShdw blurRad="63500" dist="38099" dir="2700000" algn="ctr" rotWithShape="0">
                       <a:srgbClr val="000000">
@@ -13276,7 +13276,7 @@
             <a:effectLst/>
             <a:extLst>
               <a:ext uri="{909E8E84-426E-40dd-AFC4-6F175D3DCCD1}">
-                <a14:hiddenFill xmlns:a14="http://schemas.microsoft.com/office/drawing/2010/main" xmlns="">
+                <a14:hiddenFill xmlns="" xmlns:a14="http://schemas.microsoft.com/office/drawing/2010/main">
                   <a:blipFill dpi="0" rotWithShape="0">
                     <a:blip/>
                     <a:srcRect/>
@@ -13287,7 +13287,7 @@
                 </a14:hiddenFill>
               </a:ext>
               <a:ext uri="{91240B29-F687-4f45-9708-019B960494DF}">
-                <a14:hiddenLine xmlns:a14="http://schemas.microsoft.com/office/drawing/2010/main" xmlns="" w="9525">
+                <a14:hiddenLine xmlns="" xmlns:a14="http://schemas.microsoft.com/office/drawing/2010/main" w="9525">
                   <a:solidFill>
                     <a:srgbClr val="000000"/>
                   </a:solidFill>
@@ -13297,7 +13297,7 @@
                 </a14:hiddenLine>
               </a:ext>
               <a:ext uri="{AF507438-7753-43e0-B8FC-AC1667EBCBE1}">
-                <a14:hiddenEffects xmlns:a14="http://schemas.microsoft.com/office/drawing/2010/main" xmlns="">
+                <a14:hiddenEffects xmlns="" xmlns:a14="http://schemas.microsoft.com/office/drawing/2010/main">
                   <a:effectLst>
                     <a:outerShdw blurRad="63500" dist="38099" dir="2700000" algn="ctr" rotWithShape="0">
                       <a:srgbClr val="000000">
@@ -13346,7 +13346,7 @@
             <a:effectLst/>
             <a:extLst>
               <a:ext uri="{909E8E84-426E-40dd-AFC4-6F175D3DCCD1}">
-                <a14:hiddenFill xmlns:a14="http://schemas.microsoft.com/office/drawing/2010/main" xmlns="">
+                <a14:hiddenFill xmlns="" xmlns:a14="http://schemas.microsoft.com/office/drawing/2010/main">
                   <a:blipFill dpi="0" rotWithShape="0">
                     <a:blip/>
                     <a:srcRect/>
@@ -13357,7 +13357,7 @@
                 </a14:hiddenFill>
               </a:ext>
               <a:ext uri="{91240B29-F687-4f45-9708-019B960494DF}">
-                <a14:hiddenLine xmlns:a14="http://schemas.microsoft.com/office/drawing/2010/main" xmlns="" w="9525">
+                <a14:hiddenLine xmlns="" xmlns:a14="http://schemas.microsoft.com/office/drawing/2010/main" w="9525">
                   <a:solidFill>
                     <a:srgbClr val="000000"/>
                   </a:solidFill>
@@ -13367,7 +13367,7 @@
                 </a14:hiddenLine>
               </a:ext>
               <a:ext uri="{AF507438-7753-43e0-B8FC-AC1667EBCBE1}">
-                <a14:hiddenEffects xmlns:a14="http://schemas.microsoft.com/office/drawing/2010/main" xmlns="">
+                <a14:hiddenEffects xmlns="" xmlns:a14="http://schemas.microsoft.com/office/drawing/2010/main">
                   <a:effectLst>
                     <a:outerShdw blurRad="63500" dist="38099" dir="2700000" algn="ctr" rotWithShape="0">
                       <a:srgbClr val="000000">
@@ -13416,7 +13416,7 @@
             <a:effectLst/>
             <a:extLst>
               <a:ext uri="{909E8E84-426E-40dd-AFC4-6F175D3DCCD1}">
-                <a14:hiddenFill xmlns:a14="http://schemas.microsoft.com/office/drawing/2010/main" xmlns="">
+                <a14:hiddenFill xmlns="" xmlns:a14="http://schemas.microsoft.com/office/drawing/2010/main">
                   <a:blipFill dpi="0" rotWithShape="0">
                     <a:blip/>
                     <a:srcRect/>
@@ -13427,7 +13427,7 @@
                 </a14:hiddenFill>
               </a:ext>
               <a:ext uri="{91240B29-F687-4f45-9708-019B960494DF}">
-                <a14:hiddenLine xmlns:a14="http://schemas.microsoft.com/office/drawing/2010/main" xmlns="" w="9525">
+                <a14:hiddenLine xmlns="" xmlns:a14="http://schemas.microsoft.com/office/drawing/2010/main" w="9525">
                   <a:solidFill>
                     <a:srgbClr val="000000"/>
                   </a:solidFill>
@@ -13437,7 +13437,7 @@
                 </a14:hiddenLine>
               </a:ext>
               <a:ext uri="{AF507438-7753-43e0-B8FC-AC1667EBCBE1}">
-                <a14:hiddenEffects xmlns:a14="http://schemas.microsoft.com/office/drawing/2010/main" xmlns="">
+                <a14:hiddenEffects xmlns="" xmlns:a14="http://schemas.microsoft.com/office/drawing/2010/main">
                   <a:effectLst>
                     <a:outerShdw blurRad="63500" dist="38099" dir="2700000" algn="ctr" rotWithShape="0">
                       <a:srgbClr val="000000">
@@ -13486,7 +13486,7 @@
             <a:effectLst/>
             <a:extLst>
               <a:ext uri="{909E8E84-426E-40dd-AFC4-6F175D3DCCD1}">
-                <a14:hiddenFill xmlns:a14="http://schemas.microsoft.com/office/drawing/2010/main" xmlns="">
+                <a14:hiddenFill xmlns="" xmlns:a14="http://schemas.microsoft.com/office/drawing/2010/main">
                   <a:blipFill dpi="0" rotWithShape="0">
                     <a:blip/>
                     <a:srcRect/>
@@ -13497,7 +13497,7 @@
                 </a14:hiddenFill>
               </a:ext>
               <a:ext uri="{91240B29-F687-4f45-9708-019B960494DF}">
-                <a14:hiddenLine xmlns:a14="http://schemas.microsoft.com/office/drawing/2010/main" xmlns="" w="9525">
+                <a14:hiddenLine xmlns="" xmlns:a14="http://schemas.microsoft.com/office/drawing/2010/main" w="9525">
                   <a:solidFill>
                     <a:srgbClr val="000000"/>
                   </a:solidFill>
@@ -13507,7 +13507,7 @@
                 </a14:hiddenLine>
               </a:ext>
               <a:ext uri="{AF507438-7753-43e0-B8FC-AC1667EBCBE1}">
-                <a14:hiddenEffects xmlns:a14="http://schemas.microsoft.com/office/drawing/2010/main" xmlns="">
+                <a14:hiddenEffects xmlns="" xmlns:a14="http://schemas.microsoft.com/office/drawing/2010/main">
                   <a:effectLst>
                     <a:outerShdw blurRad="63500" dist="38099" dir="2700000" algn="ctr" rotWithShape="0">
                       <a:srgbClr val="000000">
@@ -13548,12 +13548,12 @@
             <a:effectLst/>
             <a:extLst>
               <a:ext uri="{909E8E84-426E-40dd-AFC4-6F175D3DCCD1}">
-                <a14:hiddenFill xmlns:a14="http://schemas.microsoft.com/office/drawing/2010/main" xmlns="">
+                <a14:hiddenFill xmlns="" xmlns:a14="http://schemas.microsoft.com/office/drawing/2010/main">
                   <a:noFill/>
                 </a14:hiddenFill>
               </a:ext>
               <a:ext uri="{AF507438-7753-43e0-B8FC-AC1667EBCBE1}">
-                <a14:hiddenEffects xmlns:a14="http://schemas.microsoft.com/office/drawing/2010/main" xmlns="">
+                <a14:hiddenEffects xmlns="" xmlns:a14="http://schemas.microsoft.com/office/drawing/2010/main">
                   <a:effectLst>
                     <a:outerShdw blurRad="63500" dist="38099" dir="2700000" algn="ctr" rotWithShape="0">
                       <a:srgbClr val="000000">
@@ -13606,12 +13606,12 @@
             <a:effectLst/>
             <a:extLst>
               <a:ext uri="{909E8E84-426E-40dd-AFC4-6F175D3DCCD1}">
-                <a14:hiddenFill xmlns:a14="http://schemas.microsoft.com/office/drawing/2010/main" xmlns="">
+                <a14:hiddenFill xmlns="" xmlns:a14="http://schemas.microsoft.com/office/drawing/2010/main">
                   <a:noFill/>
                 </a14:hiddenFill>
               </a:ext>
               <a:ext uri="{AF507438-7753-43e0-B8FC-AC1667EBCBE1}">
-                <a14:hiddenEffects xmlns:a14="http://schemas.microsoft.com/office/drawing/2010/main" xmlns="">
+                <a14:hiddenEffects xmlns="" xmlns:a14="http://schemas.microsoft.com/office/drawing/2010/main">
                   <a:effectLst>
                     <a:outerShdw blurRad="63500" dist="38099" dir="2700000" algn="ctr" rotWithShape="0">
                       <a:srgbClr val="000000">
@@ -13672,7 +13672,7 @@
             <a:effectLst/>
             <a:extLst>
               <a:ext uri="{909E8E84-426E-40dd-AFC4-6F175D3DCCD1}">
-                <a14:hiddenFill xmlns:a14="http://schemas.microsoft.com/office/drawing/2010/main" xmlns="">
+                <a14:hiddenFill xmlns="" xmlns:a14="http://schemas.microsoft.com/office/drawing/2010/main">
                   <a:blipFill dpi="0" rotWithShape="0">
                     <a:blip/>
                     <a:srcRect/>
@@ -13683,7 +13683,7 @@
                 </a14:hiddenFill>
               </a:ext>
               <a:ext uri="{91240B29-F687-4f45-9708-019B960494DF}">
-                <a14:hiddenLine xmlns:a14="http://schemas.microsoft.com/office/drawing/2010/main" xmlns="" w="9525">
+                <a14:hiddenLine xmlns="" xmlns:a14="http://schemas.microsoft.com/office/drawing/2010/main" w="9525">
                   <a:solidFill>
                     <a:srgbClr val="000000"/>
                   </a:solidFill>
@@ -13693,7 +13693,7 @@
                 </a14:hiddenLine>
               </a:ext>
               <a:ext uri="{AF507438-7753-43e0-B8FC-AC1667EBCBE1}">
-                <a14:hiddenEffects xmlns:a14="http://schemas.microsoft.com/office/drawing/2010/main" xmlns="">
+                <a14:hiddenEffects xmlns="" xmlns:a14="http://schemas.microsoft.com/office/drawing/2010/main">
                   <a:effectLst>
                     <a:outerShdw blurRad="63500" dist="38099" dir="2700000" algn="ctr" rotWithShape="0">
                       <a:srgbClr val="000000">
@@ -13826,7 +13826,7 @@
           <a:effectLst/>
           <a:extLst>
             <a:ext uri="{909E8E84-426E-40dd-AFC4-6F175D3DCCD1}">
-              <a14:hiddenFill xmlns="" xmlns:a14="http://schemas.microsoft.com/office/drawing/2010/main">
+              <a14:hiddenFill xmlns:a14="http://schemas.microsoft.com/office/drawing/2010/main" xmlns="">
                 <a:blipFill dpi="0" rotWithShape="0">
                   <a:blip/>
                   <a:srcRect/>
@@ -13837,7 +13837,7 @@
               </a14:hiddenFill>
             </a:ext>
             <a:ext uri="{91240B29-F687-4f45-9708-019B960494DF}">
-              <a14:hiddenLine xmlns="" xmlns:a14="http://schemas.microsoft.com/office/drawing/2010/main" w="9525">
+              <a14:hiddenLine xmlns:a14="http://schemas.microsoft.com/office/drawing/2010/main" xmlns="" w="9525">
                 <a:solidFill>
                   <a:srgbClr val="000000"/>
                 </a:solidFill>
@@ -13847,7 +13847,7 @@
               </a14:hiddenLine>
             </a:ext>
             <a:ext uri="{AF507438-7753-43e0-B8FC-AC1667EBCBE1}">
-              <a14:hiddenEffects xmlns="" xmlns:a14="http://schemas.microsoft.com/office/drawing/2010/main">
+              <a14:hiddenEffects xmlns:a14="http://schemas.microsoft.com/office/drawing/2010/main" xmlns="">
                 <a:effectLst>
                   <a:outerShdw blurRad="63500" dist="38099" dir="2700000" algn="ctr" rotWithShape="0">
                     <a:srgbClr val="000000">
@@ -13932,7 +13932,7 @@
           <a:effectLst/>
           <a:extLst>
             <a:ext uri="{909E8E84-426E-40dd-AFC4-6F175D3DCCD1}">
-              <a14:hiddenFill xmlns="" xmlns:a14="http://schemas.microsoft.com/office/drawing/2010/main">
+              <a14:hiddenFill xmlns:a14="http://schemas.microsoft.com/office/drawing/2010/main" xmlns="">
                 <a:blipFill dpi="0" rotWithShape="0">
                   <a:blip/>
                   <a:srcRect/>
@@ -13943,7 +13943,7 @@
               </a14:hiddenFill>
             </a:ext>
             <a:ext uri="{91240B29-F687-4f45-9708-019B960494DF}">
-              <a14:hiddenLine xmlns="" xmlns:a14="http://schemas.microsoft.com/office/drawing/2010/main" w="9525">
+              <a14:hiddenLine xmlns:a14="http://schemas.microsoft.com/office/drawing/2010/main" xmlns="" w="9525">
                 <a:solidFill>
                   <a:srgbClr val="000000"/>
                 </a:solidFill>
@@ -13953,7 +13953,7 @@
               </a14:hiddenLine>
             </a:ext>
             <a:ext uri="{AF507438-7753-43e0-B8FC-AC1667EBCBE1}">
-              <a14:hiddenEffects xmlns="" xmlns:a14="http://schemas.microsoft.com/office/drawing/2010/main">
+              <a14:hiddenEffects xmlns:a14="http://schemas.microsoft.com/office/drawing/2010/main" xmlns="">
                 <a:effectLst>
                   <a:outerShdw blurRad="63500" dist="38099" dir="2700000" algn="ctr" rotWithShape="0">
                     <a:srgbClr val="000000">
@@ -14038,7 +14038,7 @@
           <a:effectLst/>
           <a:extLst>
             <a:ext uri="{909E8E84-426E-40dd-AFC4-6F175D3DCCD1}">
-              <a14:hiddenFill xmlns="" xmlns:a14="http://schemas.microsoft.com/office/drawing/2010/main">
+              <a14:hiddenFill xmlns:a14="http://schemas.microsoft.com/office/drawing/2010/main" xmlns="">
                 <a:blipFill dpi="0" rotWithShape="0">
                   <a:blip/>
                   <a:srcRect/>
@@ -14049,7 +14049,7 @@
               </a14:hiddenFill>
             </a:ext>
             <a:ext uri="{91240B29-F687-4f45-9708-019B960494DF}">
-              <a14:hiddenLine xmlns="" xmlns:a14="http://schemas.microsoft.com/office/drawing/2010/main" w="9525">
+              <a14:hiddenLine xmlns:a14="http://schemas.microsoft.com/office/drawing/2010/main" xmlns="" w="9525">
                 <a:solidFill>
                   <a:srgbClr val="000000"/>
                 </a:solidFill>
@@ -14059,7 +14059,7 @@
               </a14:hiddenLine>
             </a:ext>
             <a:ext uri="{AF507438-7753-43e0-B8FC-AC1667EBCBE1}">
-              <a14:hiddenEffects xmlns="" xmlns:a14="http://schemas.microsoft.com/office/drawing/2010/main">
+              <a14:hiddenEffects xmlns:a14="http://schemas.microsoft.com/office/drawing/2010/main" xmlns="">
                 <a:effectLst>
                   <a:outerShdw blurRad="63500" dist="38099" dir="2700000" algn="ctr" rotWithShape="0">
                     <a:srgbClr val="000000">
@@ -14163,7 +14163,19 @@
               <a:rPr lang="en-US" sz="2400" dirty="0">
                 <a:sym typeface="Wingdings"/>
               </a:rPr>
-              <a:t>6.4Tbit/s switch: Need </a:t>
+              <a:t>1 </a:t>
+            </a:r>
+            <a:r>
+              <a:rPr lang="en-US" sz="2400" dirty="0" err="1">
+                <a:sym typeface="Wingdings"/>
+              </a:rPr>
+              <a:t>Tbit</a:t>
+            </a:r>
+            <a:r>
+              <a:rPr lang="en-US" sz="2400" dirty="0">
+                <a:sym typeface="Wingdings"/>
+              </a:rPr>
+              <a:t>/s switch: Need </a:t>
             </a:r>
             <a:r>
               <a:rPr lang="en-US" sz="2400" dirty="0">
@@ -14238,7 +14250,7 @@
           <a:effectLst/>
           <a:extLst>
             <a:ext uri="{909E8E84-426E-40dd-AFC4-6F175D3DCCD1}">
-              <a14:hiddenFill xmlns="" xmlns:a14="http://schemas.microsoft.com/office/drawing/2010/main">
+              <a14:hiddenFill xmlns:a14="http://schemas.microsoft.com/office/drawing/2010/main" xmlns="">
                 <a:blipFill dpi="0" rotWithShape="0">
                   <a:blip/>
                   <a:srcRect/>
@@ -14249,7 +14261,7 @@
               </a14:hiddenFill>
             </a:ext>
             <a:ext uri="{91240B29-F687-4f45-9708-019B960494DF}">
-              <a14:hiddenLine xmlns="" xmlns:a14="http://schemas.microsoft.com/office/drawing/2010/main" w="9525">
+              <a14:hiddenLine xmlns:a14="http://schemas.microsoft.com/office/drawing/2010/main" xmlns="" w="9525">
                 <a:solidFill>
                   <a:srgbClr val="000000"/>
                 </a:solidFill>
@@ -14259,7 +14271,7 @@
               </a14:hiddenLine>
             </a:ext>
             <a:ext uri="{AF507438-7753-43e0-B8FC-AC1667EBCBE1}">
-              <a14:hiddenEffects xmlns="" xmlns:a14="http://schemas.microsoft.com/office/drawing/2010/main">
+              <a14:hiddenEffects xmlns:a14="http://schemas.microsoft.com/office/drawing/2010/main" xmlns="">
                 <a:effectLst>
                   <a:outerShdw blurRad="63500" dist="38099" dir="2700000" algn="ctr" rotWithShape="0">
                     <a:srgbClr val="000000">
@@ -14337,7 +14349,7 @@
           <a:effectLst/>
           <a:extLst>
             <a:ext uri="{909E8E84-426E-40dd-AFC4-6F175D3DCCD1}">
-              <a14:hiddenFill xmlns="" xmlns:a14="http://schemas.microsoft.com/office/drawing/2010/main">
+              <a14:hiddenFill xmlns:a14="http://schemas.microsoft.com/office/drawing/2010/main" xmlns="">
                 <a:blipFill dpi="0" rotWithShape="0">
                   <a:blip/>
                   <a:srcRect/>
@@ -14348,7 +14360,7 @@
               </a14:hiddenFill>
             </a:ext>
             <a:ext uri="{91240B29-F687-4f45-9708-019B960494DF}">
-              <a14:hiddenLine xmlns="" xmlns:a14="http://schemas.microsoft.com/office/drawing/2010/main" w="9525">
+              <a14:hiddenLine xmlns:a14="http://schemas.microsoft.com/office/drawing/2010/main" xmlns="" w="9525">
                 <a:solidFill>
                   <a:srgbClr val="000000"/>
                 </a:solidFill>
@@ -14358,7 +14370,7 @@
               </a14:hiddenLine>
             </a:ext>
             <a:ext uri="{AF507438-7753-43e0-B8FC-AC1667EBCBE1}">
-              <a14:hiddenEffects xmlns="" xmlns:a14="http://schemas.microsoft.com/office/drawing/2010/main">
+              <a14:hiddenEffects xmlns:a14="http://schemas.microsoft.com/office/drawing/2010/main" xmlns="">
                 <a:effectLst>
                   <a:outerShdw blurRad="63500" dist="38099" dir="2700000" algn="ctr" rotWithShape="0">
                     <a:srgbClr val="000000">
@@ -16223,7 +16235,7 @@
           <a:effectLst/>
           <a:extLst>
             <a:ext uri="{909E8E84-426E-40dd-AFC4-6F175D3DCCD1}">
-              <a14:hiddenFill xmlns:a14="http://schemas.microsoft.com/office/drawing/2010/main" xmlns="">
+              <a14:hiddenFill xmlns="" xmlns:a14="http://schemas.microsoft.com/office/drawing/2010/main">
                 <a:blipFill dpi="0" rotWithShape="0">
                   <a:blip/>
                   <a:srcRect/>
@@ -16234,7 +16246,7 @@
               </a14:hiddenFill>
             </a:ext>
             <a:ext uri="{91240B29-F687-4f45-9708-019B960494DF}">
-              <a14:hiddenLine xmlns:a14="http://schemas.microsoft.com/office/drawing/2010/main" xmlns="" w="9525">
+              <a14:hiddenLine xmlns="" xmlns:a14="http://schemas.microsoft.com/office/drawing/2010/main" w="9525">
                 <a:solidFill>
                   <a:srgbClr val="000000"/>
                 </a:solidFill>
@@ -16244,7 +16256,7 @@
               </a14:hiddenLine>
             </a:ext>
             <a:ext uri="{AF507438-7753-43e0-B8FC-AC1667EBCBE1}">
-              <a14:hiddenEffects xmlns:a14="http://schemas.microsoft.com/office/drawing/2010/main" xmlns="">
+              <a14:hiddenEffects xmlns="" xmlns:a14="http://schemas.microsoft.com/office/drawing/2010/main">
                 <a:effectLst>
                   <a:outerShdw blurRad="63500" dist="38099" dir="2700000" algn="ctr" rotWithShape="0">
                     <a:srgbClr val="000000">
@@ -16404,7 +16416,7 @@
           <a:effectLst/>
           <a:extLst>
             <a:ext uri="{909E8E84-426E-40dd-AFC4-6F175D3DCCD1}">
-              <a14:hiddenFill xmlns:a14="http://schemas.microsoft.com/office/drawing/2010/main" xmlns="">
+              <a14:hiddenFill xmlns="" xmlns:a14="http://schemas.microsoft.com/office/drawing/2010/main">
                 <a:blipFill dpi="0" rotWithShape="0">
                   <a:blip/>
                   <a:srcRect/>
@@ -16415,7 +16427,7 @@
               </a14:hiddenFill>
             </a:ext>
             <a:ext uri="{91240B29-F687-4f45-9708-019B960494DF}">
-              <a14:hiddenLine xmlns:a14="http://schemas.microsoft.com/office/drawing/2010/main" xmlns="" w="9525">
+              <a14:hiddenLine xmlns="" xmlns:a14="http://schemas.microsoft.com/office/drawing/2010/main" w="9525">
                 <a:solidFill>
                   <a:srgbClr val="000000"/>
                 </a:solidFill>
@@ -16425,7 +16437,7 @@
               </a14:hiddenLine>
             </a:ext>
             <a:ext uri="{AF507438-7753-43e0-B8FC-AC1667EBCBE1}">
-              <a14:hiddenEffects xmlns:a14="http://schemas.microsoft.com/office/drawing/2010/main" xmlns="">
+              <a14:hiddenEffects xmlns="" xmlns:a14="http://schemas.microsoft.com/office/drawing/2010/main">
                 <a:effectLst>
                   <a:outerShdw blurRad="63500" dist="38099" dir="2700000" algn="ctr" rotWithShape="0">
                     <a:srgbClr val="000000">
@@ -18224,7 +18236,7 @@
           <a:effectLst/>
           <a:extLst>
             <a:ext uri="{909E8E84-426E-40dd-AFC4-6F175D3DCCD1}">
-              <a14:hiddenFill xmlns:a14="http://schemas.microsoft.com/office/drawing/2010/main" xmlns="">
+              <a14:hiddenFill xmlns="" xmlns:a14="http://schemas.microsoft.com/office/drawing/2010/main">
                 <a:blipFill dpi="0" rotWithShape="0">
                   <a:blip/>
                   <a:srcRect/>
@@ -18235,7 +18247,7 @@
               </a14:hiddenFill>
             </a:ext>
             <a:ext uri="{91240B29-F687-4f45-9708-019B960494DF}">
-              <a14:hiddenLine xmlns:a14="http://schemas.microsoft.com/office/drawing/2010/main" xmlns="" w="9525">
+              <a14:hiddenLine xmlns="" xmlns:a14="http://schemas.microsoft.com/office/drawing/2010/main" w="9525">
                 <a:solidFill>
                   <a:srgbClr val="000000"/>
                 </a:solidFill>
@@ -18245,7 +18257,7 @@
               </a14:hiddenLine>
             </a:ext>
             <a:ext uri="{AF507438-7753-43e0-B8FC-AC1667EBCBE1}">
-              <a14:hiddenEffects xmlns:a14="http://schemas.microsoft.com/office/drawing/2010/main" xmlns="">
+              <a14:hiddenEffects xmlns="" xmlns:a14="http://schemas.microsoft.com/office/drawing/2010/main">
                 <a:effectLst>
                   <a:outerShdw blurRad="63500" dist="38099" dir="2700000" algn="ctr" rotWithShape="0">
                     <a:srgbClr val="000000">
@@ -18338,7 +18350,7 @@
           <a:effectLst/>
           <a:extLst>
             <a:ext uri="{909E8E84-426E-40dd-AFC4-6F175D3DCCD1}">
-              <a14:hiddenFill xmlns:a14="http://schemas.microsoft.com/office/drawing/2010/main" xmlns="">
+              <a14:hiddenFill xmlns="" xmlns:a14="http://schemas.microsoft.com/office/drawing/2010/main">
                 <a:blipFill dpi="0" rotWithShape="0">
                   <a:blip/>
                   <a:srcRect/>
@@ -18349,7 +18361,7 @@
               </a14:hiddenFill>
             </a:ext>
             <a:ext uri="{91240B29-F687-4f45-9708-019B960494DF}">
-              <a14:hiddenLine xmlns:a14="http://schemas.microsoft.com/office/drawing/2010/main" xmlns="" w="9525">
+              <a14:hiddenLine xmlns="" xmlns:a14="http://schemas.microsoft.com/office/drawing/2010/main" w="9525">
                 <a:solidFill>
                   <a:srgbClr val="000000"/>
                 </a:solidFill>
@@ -18359,7 +18371,7 @@
               </a14:hiddenLine>
             </a:ext>
             <a:ext uri="{AF507438-7753-43e0-B8FC-AC1667EBCBE1}">
-              <a14:hiddenEffects xmlns:a14="http://schemas.microsoft.com/office/drawing/2010/main" xmlns="">
+              <a14:hiddenEffects xmlns="" xmlns:a14="http://schemas.microsoft.com/office/drawing/2010/main">
                 <a:effectLst>
                   <a:outerShdw blurRad="63500" dist="38099" dir="2700000" algn="ctr" rotWithShape="0">
                     <a:srgbClr val="000000">
@@ -21231,7 +21243,7 @@
           <a:effectLst/>
           <a:extLst>
             <a:ext uri="{909E8E84-426E-40dd-AFC4-6F175D3DCCD1}">
-              <a14:hiddenFill xmlns:a14="http://schemas.microsoft.com/office/drawing/2010/main" xmlns="">
+              <a14:hiddenFill xmlns="" xmlns:a14="http://schemas.microsoft.com/office/drawing/2010/main">
                 <a:blipFill dpi="0" rotWithShape="0">
                   <a:blip/>
                   <a:srcRect/>
@@ -21242,7 +21254,7 @@
               </a14:hiddenFill>
             </a:ext>
             <a:ext uri="{91240B29-F687-4f45-9708-019B960494DF}">
-              <a14:hiddenLine xmlns:a14="http://schemas.microsoft.com/office/drawing/2010/main" xmlns="" w="9525">
+              <a14:hiddenLine xmlns="" xmlns:a14="http://schemas.microsoft.com/office/drawing/2010/main" w="9525">
                 <a:solidFill>
                   <a:srgbClr val="000000"/>
                 </a:solidFill>
@@ -21252,7 +21264,7 @@
               </a14:hiddenLine>
             </a:ext>
             <a:ext uri="{AF507438-7753-43e0-B8FC-AC1667EBCBE1}">
-              <a14:hiddenEffects xmlns:a14="http://schemas.microsoft.com/office/drawing/2010/main" xmlns="">
+              <a14:hiddenEffects xmlns="" xmlns:a14="http://schemas.microsoft.com/office/drawing/2010/main">
                 <a:effectLst>
                   <a:outerShdw blurRad="63500" dist="38099" dir="2700000" algn="ctr" rotWithShape="0">
                     <a:srgbClr val="000000">
@@ -21331,7 +21343,7 @@
           <a:effectLst/>
           <a:extLst>
             <a:ext uri="{909E8E84-426E-40dd-AFC4-6F175D3DCCD1}">
-              <a14:hiddenFill xmlns:a14="http://schemas.microsoft.com/office/drawing/2010/main" xmlns="">
+              <a14:hiddenFill xmlns="" xmlns:a14="http://schemas.microsoft.com/office/drawing/2010/main">
                 <a:blipFill dpi="0" rotWithShape="0">
                   <a:blip/>
                   <a:srcRect/>
@@ -21342,7 +21354,7 @@
               </a14:hiddenFill>
             </a:ext>
             <a:ext uri="{91240B29-F687-4f45-9708-019B960494DF}">
-              <a14:hiddenLine xmlns:a14="http://schemas.microsoft.com/office/drawing/2010/main" xmlns="" w="9525">
+              <a14:hiddenLine xmlns="" xmlns:a14="http://schemas.microsoft.com/office/drawing/2010/main" w="9525">
                 <a:solidFill>
                   <a:srgbClr val="000000"/>
                 </a:solidFill>
@@ -21352,7 +21364,7 @@
               </a14:hiddenLine>
             </a:ext>
             <a:ext uri="{AF507438-7753-43e0-B8FC-AC1667EBCBE1}">
-              <a14:hiddenEffects xmlns:a14="http://schemas.microsoft.com/office/drawing/2010/main" xmlns="">
+              <a14:hiddenEffects xmlns="" xmlns:a14="http://schemas.microsoft.com/office/drawing/2010/main">
                 <a:effectLst>
                   <a:outerShdw blurRad="63500" dist="38099" dir="2700000" algn="ctr" rotWithShape="0">
                     <a:srgbClr val="000000">
@@ -22935,7 +22947,7 @@
           <a:effectLst/>
           <a:extLst>
             <a:ext uri="{909E8E84-426E-40dd-AFC4-6F175D3DCCD1}">
-              <a14:hiddenFill xmlns:a14="http://schemas.microsoft.com/office/drawing/2010/main" xmlns="">
+              <a14:hiddenFill xmlns="" xmlns:a14="http://schemas.microsoft.com/office/drawing/2010/main">
                 <a:blipFill dpi="0" rotWithShape="0">
                   <a:blip/>
                   <a:srcRect/>
@@ -22946,7 +22958,7 @@
               </a14:hiddenFill>
             </a:ext>
             <a:ext uri="{91240B29-F687-4f45-9708-019B960494DF}">
-              <a14:hiddenLine xmlns:a14="http://schemas.microsoft.com/office/drawing/2010/main" xmlns="" w="9525">
+              <a14:hiddenLine xmlns="" xmlns:a14="http://schemas.microsoft.com/office/drawing/2010/main" w="9525">
                 <a:solidFill>
                   <a:srgbClr val="000000"/>
                 </a:solidFill>
@@ -22956,7 +22968,7 @@
               </a14:hiddenLine>
             </a:ext>
             <a:ext uri="{AF507438-7753-43e0-B8FC-AC1667EBCBE1}">
-              <a14:hiddenEffects xmlns:a14="http://schemas.microsoft.com/office/drawing/2010/main" xmlns="">
+              <a14:hiddenEffects xmlns="" xmlns:a14="http://schemas.microsoft.com/office/drawing/2010/main">
                 <a:effectLst>
                   <a:outerShdw blurRad="63500" dist="38099" dir="2700000" algn="ctr" rotWithShape="0">
                     <a:srgbClr val="000000">
@@ -24604,7 +24616,7 @@
           <a:effectLst/>
           <a:extLst>
             <a:ext uri="{909E8E84-426E-40dd-AFC4-6F175D3DCCD1}">
-              <a14:hiddenFill xmlns:a14="http://schemas.microsoft.com/office/drawing/2010/main" xmlns="">
+              <a14:hiddenFill xmlns="" xmlns:a14="http://schemas.microsoft.com/office/drawing/2010/main">
                 <a:blipFill dpi="0" rotWithShape="0">
                   <a:blip/>
                   <a:srcRect/>
@@ -24615,7 +24627,7 @@
               </a14:hiddenFill>
             </a:ext>
             <a:ext uri="{91240B29-F687-4f45-9708-019B960494DF}">
-              <a14:hiddenLine xmlns:a14="http://schemas.microsoft.com/office/drawing/2010/main" xmlns="" w="9525">
+              <a14:hiddenLine xmlns="" xmlns:a14="http://schemas.microsoft.com/office/drawing/2010/main" w="9525">
                 <a:solidFill>
                   <a:srgbClr val="000000"/>
                 </a:solidFill>
@@ -24625,7 +24637,7 @@
               </a14:hiddenLine>
             </a:ext>
             <a:ext uri="{AF507438-7753-43e0-B8FC-AC1667EBCBE1}">
-              <a14:hiddenEffects xmlns:a14="http://schemas.microsoft.com/office/drawing/2010/main" xmlns="">
+              <a14:hiddenEffects xmlns="" xmlns:a14="http://schemas.microsoft.com/office/drawing/2010/main">
                 <a:effectLst>
                   <a:outerShdw blurRad="63500" dist="38099" dir="2700000" algn="ctr" rotWithShape="0">
                     <a:srgbClr val="000000">
@@ -25987,7 +25999,7 @@
           <a:effectLst/>
           <a:extLst>
             <a:ext uri="{909E8E84-426E-40dd-AFC4-6F175D3DCCD1}">
-              <a14:hiddenFill xmlns:a14="http://schemas.microsoft.com/office/drawing/2010/main" xmlns="">
+              <a14:hiddenFill xmlns="" xmlns:a14="http://schemas.microsoft.com/office/drawing/2010/main">
                 <a:blipFill dpi="0" rotWithShape="0">
                   <a:blip/>
                   <a:srcRect/>
@@ -25998,7 +26010,7 @@
               </a14:hiddenFill>
             </a:ext>
             <a:ext uri="{91240B29-F687-4f45-9708-019B960494DF}">
-              <a14:hiddenLine xmlns:a14="http://schemas.microsoft.com/office/drawing/2010/main" xmlns="" w="9525">
+              <a14:hiddenLine xmlns="" xmlns:a14="http://schemas.microsoft.com/office/drawing/2010/main" w="9525">
                 <a:solidFill>
                   <a:srgbClr val="000000"/>
                 </a:solidFill>
@@ -26008,7 +26020,7 @@
               </a14:hiddenLine>
             </a:ext>
             <a:ext uri="{AF507438-7753-43e0-B8FC-AC1667EBCBE1}">
-              <a14:hiddenEffects xmlns:a14="http://schemas.microsoft.com/office/drawing/2010/main" xmlns="">
+              <a14:hiddenEffects xmlns="" xmlns:a14="http://schemas.microsoft.com/office/drawing/2010/main">
                 <a:effectLst>
                   <a:outerShdw blurRad="63500" dist="38099" dir="2700000" algn="ctr" rotWithShape="0">
                     <a:srgbClr val="000000">
@@ -26139,7 +26151,7 @@
           <a:effectLst/>
           <a:extLst>
             <a:ext uri="{909E8E84-426E-40dd-AFC4-6F175D3DCCD1}">
-              <a14:hiddenFill xmlns:a14="http://schemas.microsoft.com/office/drawing/2010/main" xmlns="">
+              <a14:hiddenFill xmlns="" xmlns:a14="http://schemas.microsoft.com/office/drawing/2010/main">
                 <a:blipFill dpi="0" rotWithShape="0">
                   <a:blip/>
                   <a:srcRect/>
@@ -26150,7 +26162,7 @@
               </a14:hiddenFill>
             </a:ext>
             <a:ext uri="{91240B29-F687-4f45-9708-019B960494DF}">
-              <a14:hiddenLine xmlns:a14="http://schemas.microsoft.com/office/drawing/2010/main" xmlns="" w="9525">
+              <a14:hiddenLine xmlns="" xmlns:a14="http://schemas.microsoft.com/office/drawing/2010/main" w="9525">
                 <a:solidFill>
                   <a:srgbClr val="000000"/>
                 </a:solidFill>
@@ -26160,7 +26172,7 @@
               </a14:hiddenLine>
             </a:ext>
             <a:ext uri="{AF507438-7753-43e0-B8FC-AC1667EBCBE1}">
-              <a14:hiddenEffects xmlns:a14="http://schemas.microsoft.com/office/drawing/2010/main" xmlns="">
+              <a14:hiddenEffects xmlns="" xmlns:a14="http://schemas.microsoft.com/office/drawing/2010/main">
                 <a:effectLst>
                   <a:outerShdw blurRad="63500" dist="38099" dir="2700000" algn="ctr" rotWithShape="0">
                     <a:srgbClr val="000000">
@@ -33880,7 +33892,7 @@
           <a:effectLst/>
           <a:extLst>
             <a:ext uri="{909E8E84-426E-40dd-AFC4-6F175D3DCCD1}">
-              <a14:hiddenFill xmlns="" xmlns:a14="http://schemas.microsoft.com/office/drawing/2010/main">
+              <a14:hiddenFill xmlns:a14="http://schemas.microsoft.com/office/drawing/2010/main" xmlns="">
                 <a:blipFill dpi="0" rotWithShape="0">
                   <a:blip/>
                   <a:srcRect/>
@@ -33891,7 +33903,7 @@
               </a14:hiddenFill>
             </a:ext>
             <a:ext uri="{91240B29-F687-4f45-9708-019B960494DF}">
-              <a14:hiddenLine xmlns="" xmlns:a14="http://schemas.microsoft.com/office/drawing/2010/main" w="9525">
+              <a14:hiddenLine xmlns:a14="http://schemas.microsoft.com/office/drawing/2010/main" xmlns="" w="9525">
                 <a:solidFill>
                   <a:srgbClr val="000000"/>
                 </a:solidFill>
@@ -33901,7 +33913,7 @@
               </a14:hiddenLine>
             </a:ext>
             <a:ext uri="{AF507438-7753-43e0-B8FC-AC1667EBCBE1}">
-              <a14:hiddenEffects xmlns="" xmlns:a14="http://schemas.microsoft.com/office/drawing/2010/main">
+              <a14:hiddenEffects xmlns:a14="http://schemas.microsoft.com/office/drawing/2010/main" xmlns="">
                 <a:effectLst>
                   <a:outerShdw blurRad="63500" dist="38099" dir="2700000" algn="ctr" rotWithShape="0">
                     <a:srgbClr val="000000">

--- a/marple.pptx
+++ b/marple.pptx
@@ -12190,7 +12190,7 @@
           <a:effectLst/>
           <a:extLst>
             <a:ext uri="{909E8E84-426E-40dd-AFC4-6F175D3DCCD1}">
-              <a14:hiddenFill xmlns:a14="http://schemas.microsoft.com/office/drawing/2010/main" xmlns="">
+              <a14:hiddenFill xmlns="" xmlns:a14="http://schemas.microsoft.com/office/drawing/2010/main">
                 <a:blipFill dpi="0" rotWithShape="0">
                   <a:blip/>
                   <a:srcRect/>
@@ -12201,7 +12201,7 @@
               </a14:hiddenFill>
             </a:ext>
             <a:ext uri="{91240B29-F687-4f45-9708-019B960494DF}">
-              <a14:hiddenLine xmlns:a14="http://schemas.microsoft.com/office/drawing/2010/main" xmlns="" w="9525">
+              <a14:hiddenLine xmlns="" xmlns:a14="http://schemas.microsoft.com/office/drawing/2010/main" w="9525">
                 <a:solidFill>
                   <a:srgbClr val="000000"/>
                 </a:solidFill>
@@ -12211,7 +12211,7 @@
               </a14:hiddenLine>
             </a:ext>
             <a:ext uri="{AF507438-7753-43e0-B8FC-AC1667EBCBE1}">
-              <a14:hiddenEffects xmlns:a14="http://schemas.microsoft.com/office/drawing/2010/main" xmlns="">
+              <a14:hiddenEffects xmlns="" xmlns:a14="http://schemas.microsoft.com/office/drawing/2010/main">
                 <a:effectLst>
                   <a:outerShdw blurRad="63500" dist="38099" dir="2700000" algn="ctr" rotWithShape="0">
                     <a:srgbClr val="000000">
@@ -12260,7 +12260,7 @@
           <a:effectLst/>
           <a:extLst>
             <a:ext uri="{909E8E84-426E-40dd-AFC4-6F175D3DCCD1}">
-              <a14:hiddenFill xmlns:a14="http://schemas.microsoft.com/office/drawing/2010/main" xmlns="">
+              <a14:hiddenFill xmlns="" xmlns:a14="http://schemas.microsoft.com/office/drawing/2010/main">
                 <a:blipFill dpi="0" rotWithShape="0">
                   <a:blip/>
                   <a:srcRect/>
@@ -12271,7 +12271,7 @@
               </a14:hiddenFill>
             </a:ext>
             <a:ext uri="{91240B29-F687-4f45-9708-019B960494DF}">
-              <a14:hiddenLine xmlns:a14="http://schemas.microsoft.com/office/drawing/2010/main" xmlns="" w="9525">
+              <a14:hiddenLine xmlns="" xmlns:a14="http://schemas.microsoft.com/office/drawing/2010/main" w="9525">
                 <a:solidFill>
                   <a:srgbClr val="000000"/>
                 </a:solidFill>
@@ -12281,7 +12281,7 @@
               </a14:hiddenLine>
             </a:ext>
             <a:ext uri="{AF507438-7753-43e0-B8FC-AC1667EBCBE1}">
-              <a14:hiddenEffects xmlns:a14="http://schemas.microsoft.com/office/drawing/2010/main" xmlns="">
+              <a14:hiddenEffects xmlns="" xmlns:a14="http://schemas.microsoft.com/office/drawing/2010/main">
                 <a:effectLst>
                   <a:outerShdw blurRad="63500" dist="38099" dir="2700000" algn="ctr" rotWithShape="0">
                     <a:srgbClr val="000000">
@@ -12416,7 +12416,7 @@
             <a:effectLst/>
             <a:extLst>
               <a:ext uri="{909E8E84-426E-40dd-AFC4-6F175D3DCCD1}">
-                <a14:hiddenFill xmlns="" xmlns:a14="http://schemas.microsoft.com/office/drawing/2010/main">
+                <a14:hiddenFill xmlns:a14="http://schemas.microsoft.com/office/drawing/2010/main" xmlns="">
                   <a:blipFill dpi="0" rotWithShape="0">
                     <a:blip/>
                     <a:srcRect/>
@@ -12427,7 +12427,7 @@
                 </a14:hiddenFill>
               </a:ext>
               <a:ext uri="{91240B29-F687-4f45-9708-019B960494DF}">
-                <a14:hiddenLine xmlns="" xmlns:a14="http://schemas.microsoft.com/office/drawing/2010/main" w="9525">
+                <a14:hiddenLine xmlns:a14="http://schemas.microsoft.com/office/drawing/2010/main" xmlns="" w="9525">
                   <a:solidFill>
                     <a:srgbClr val="000000"/>
                   </a:solidFill>
@@ -12437,7 +12437,7 @@
                 </a14:hiddenLine>
               </a:ext>
               <a:ext uri="{AF507438-7753-43e0-B8FC-AC1667EBCBE1}">
-                <a14:hiddenEffects xmlns="" xmlns:a14="http://schemas.microsoft.com/office/drawing/2010/main">
+                <a14:hiddenEffects xmlns:a14="http://schemas.microsoft.com/office/drawing/2010/main" xmlns="">
                   <a:effectLst>
                     <a:outerShdw blurRad="63500" dist="38099" dir="2700000" algn="ctr" rotWithShape="0">
                       <a:srgbClr val="000000">
@@ -12486,7 +12486,7 @@
             <a:effectLst/>
             <a:extLst>
               <a:ext uri="{909E8E84-426E-40dd-AFC4-6F175D3DCCD1}">
-                <a14:hiddenFill xmlns="" xmlns:a14="http://schemas.microsoft.com/office/drawing/2010/main">
+                <a14:hiddenFill xmlns:a14="http://schemas.microsoft.com/office/drawing/2010/main" xmlns="">
                   <a:blipFill dpi="0" rotWithShape="0">
                     <a:blip/>
                     <a:srcRect/>
@@ -12497,7 +12497,7 @@
                 </a14:hiddenFill>
               </a:ext>
               <a:ext uri="{91240B29-F687-4f45-9708-019B960494DF}">
-                <a14:hiddenLine xmlns="" xmlns:a14="http://schemas.microsoft.com/office/drawing/2010/main" w="9525">
+                <a14:hiddenLine xmlns:a14="http://schemas.microsoft.com/office/drawing/2010/main" xmlns="" w="9525">
                   <a:solidFill>
                     <a:srgbClr val="000000"/>
                   </a:solidFill>
@@ -12507,7 +12507,7 @@
                 </a14:hiddenLine>
               </a:ext>
               <a:ext uri="{AF507438-7753-43e0-B8FC-AC1667EBCBE1}">
-                <a14:hiddenEffects xmlns="" xmlns:a14="http://schemas.microsoft.com/office/drawing/2010/main">
+                <a14:hiddenEffects xmlns:a14="http://schemas.microsoft.com/office/drawing/2010/main" xmlns="">
                   <a:effectLst>
                     <a:outerShdw blurRad="63500" dist="38099" dir="2700000" algn="ctr" rotWithShape="0">
                       <a:srgbClr val="000000">
@@ -12556,7 +12556,7 @@
             <a:effectLst/>
             <a:extLst>
               <a:ext uri="{909E8E84-426E-40dd-AFC4-6F175D3DCCD1}">
-                <a14:hiddenFill xmlns="" xmlns:a14="http://schemas.microsoft.com/office/drawing/2010/main">
+                <a14:hiddenFill xmlns:a14="http://schemas.microsoft.com/office/drawing/2010/main" xmlns="">
                   <a:blipFill dpi="0" rotWithShape="0">
                     <a:blip/>
                     <a:srcRect/>
@@ -12567,7 +12567,7 @@
                 </a14:hiddenFill>
               </a:ext>
               <a:ext uri="{91240B29-F687-4f45-9708-019B960494DF}">
-                <a14:hiddenLine xmlns="" xmlns:a14="http://schemas.microsoft.com/office/drawing/2010/main" w="9525">
+                <a14:hiddenLine xmlns:a14="http://schemas.microsoft.com/office/drawing/2010/main" xmlns="" w="9525">
                   <a:solidFill>
                     <a:srgbClr val="000000"/>
                   </a:solidFill>
@@ -12577,7 +12577,7 @@
                 </a14:hiddenLine>
               </a:ext>
               <a:ext uri="{AF507438-7753-43e0-B8FC-AC1667EBCBE1}">
-                <a14:hiddenEffects xmlns="" xmlns:a14="http://schemas.microsoft.com/office/drawing/2010/main">
+                <a14:hiddenEffects xmlns:a14="http://schemas.microsoft.com/office/drawing/2010/main" xmlns="">
                   <a:effectLst>
                     <a:outerShdw blurRad="63500" dist="38099" dir="2700000" algn="ctr" rotWithShape="0">
                       <a:srgbClr val="000000">
@@ -12618,12 +12618,12 @@
             <a:effectLst/>
             <a:extLst>
               <a:ext uri="{909E8E84-426E-40dd-AFC4-6F175D3DCCD1}">
-                <a14:hiddenFill xmlns="" xmlns:a14="http://schemas.microsoft.com/office/drawing/2010/main">
+                <a14:hiddenFill xmlns:a14="http://schemas.microsoft.com/office/drawing/2010/main" xmlns="">
                   <a:noFill/>
                 </a14:hiddenFill>
               </a:ext>
               <a:ext uri="{AF507438-7753-43e0-B8FC-AC1667EBCBE1}">
-                <a14:hiddenEffects xmlns="" xmlns:a14="http://schemas.microsoft.com/office/drawing/2010/main">
+                <a14:hiddenEffects xmlns:a14="http://schemas.microsoft.com/office/drawing/2010/main" xmlns="">
                   <a:effectLst>
                     <a:outerShdw blurRad="63500" dist="38099" dir="2700000" algn="ctr" rotWithShape="0">
                       <a:srgbClr val="000000">
@@ -12676,12 +12676,12 @@
             <a:effectLst/>
             <a:extLst>
               <a:ext uri="{909E8E84-426E-40dd-AFC4-6F175D3DCCD1}">
-                <a14:hiddenFill xmlns="" xmlns:a14="http://schemas.microsoft.com/office/drawing/2010/main">
+                <a14:hiddenFill xmlns:a14="http://schemas.microsoft.com/office/drawing/2010/main" xmlns="">
                   <a:noFill/>
                 </a14:hiddenFill>
               </a:ext>
               <a:ext uri="{AF507438-7753-43e0-B8FC-AC1667EBCBE1}">
-                <a14:hiddenEffects xmlns="" xmlns:a14="http://schemas.microsoft.com/office/drawing/2010/main">
+                <a14:hiddenEffects xmlns:a14="http://schemas.microsoft.com/office/drawing/2010/main" xmlns="">
                   <a:effectLst>
                     <a:outerShdw blurRad="63500" dist="38099" dir="2700000" algn="ctr" rotWithShape="0">
                       <a:srgbClr val="000000">
@@ -12734,12 +12734,12 @@
             <a:effectLst/>
             <a:extLst>
               <a:ext uri="{909E8E84-426E-40dd-AFC4-6F175D3DCCD1}">
-                <a14:hiddenFill xmlns="" xmlns:a14="http://schemas.microsoft.com/office/drawing/2010/main">
+                <a14:hiddenFill xmlns:a14="http://schemas.microsoft.com/office/drawing/2010/main" xmlns="">
                   <a:noFill/>
                 </a14:hiddenFill>
               </a:ext>
               <a:ext uri="{AF507438-7753-43e0-B8FC-AC1667EBCBE1}">
-                <a14:hiddenEffects xmlns="" xmlns:a14="http://schemas.microsoft.com/office/drawing/2010/main">
+                <a14:hiddenEffects xmlns:a14="http://schemas.microsoft.com/office/drawing/2010/main" xmlns="">
                   <a:effectLst>
                     <a:outerShdw blurRad="63500" dist="38099" dir="2700000" algn="ctr" rotWithShape="0">
                       <a:srgbClr val="000000">
@@ -12792,12 +12792,12 @@
             <a:effectLst/>
             <a:extLst>
               <a:ext uri="{909E8E84-426E-40dd-AFC4-6F175D3DCCD1}">
-                <a14:hiddenFill xmlns="" xmlns:a14="http://schemas.microsoft.com/office/drawing/2010/main">
+                <a14:hiddenFill xmlns:a14="http://schemas.microsoft.com/office/drawing/2010/main" xmlns="">
                   <a:noFill/>
                 </a14:hiddenFill>
               </a:ext>
               <a:ext uri="{AF507438-7753-43e0-B8FC-AC1667EBCBE1}">
-                <a14:hiddenEffects xmlns="" xmlns:a14="http://schemas.microsoft.com/office/drawing/2010/main">
+                <a14:hiddenEffects xmlns:a14="http://schemas.microsoft.com/office/drawing/2010/main" xmlns="">
                   <a:effectLst>
                     <a:outerShdw blurRad="63500" dist="38099" dir="2700000" algn="ctr" rotWithShape="0">
                       <a:srgbClr val="000000">
@@ -12850,12 +12850,12 @@
             <a:effectLst/>
             <a:extLst>
               <a:ext uri="{909E8E84-426E-40dd-AFC4-6F175D3DCCD1}">
-                <a14:hiddenFill xmlns="" xmlns:a14="http://schemas.microsoft.com/office/drawing/2010/main">
+                <a14:hiddenFill xmlns:a14="http://schemas.microsoft.com/office/drawing/2010/main" xmlns="">
                   <a:noFill/>
                 </a14:hiddenFill>
               </a:ext>
               <a:ext uri="{AF507438-7753-43e0-B8FC-AC1667EBCBE1}">
-                <a14:hiddenEffects xmlns="" xmlns:a14="http://schemas.microsoft.com/office/drawing/2010/main">
+                <a14:hiddenEffects xmlns:a14="http://schemas.microsoft.com/office/drawing/2010/main" xmlns="">
                   <a:effectLst>
                     <a:outerShdw blurRad="63500" dist="38099" dir="2700000" algn="ctr" rotWithShape="0">
                       <a:srgbClr val="000000">
@@ -12908,12 +12908,12 @@
             <a:effectLst/>
             <a:extLst>
               <a:ext uri="{909E8E84-426E-40dd-AFC4-6F175D3DCCD1}">
-                <a14:hiddenFill xmlns="" xmlns:a14="http://schemas.microsoft.com/office/drawing/2010/main">
+                <a14:hiddenFill xmlns:a14="http://schemas.microsoft.com/office/drawing/2010/main" xmlns="">
                   <a:noFill/>
                 </a14:hiddenFill>
               </a:ext>
               <a:ext uri="{AF507438-7753-43e0-B8FC-AC1667EBCBE1}">
-                <a14:hiddenEffects xmlns="" xmlns:a14="http://schemas.microsoft.com/office/drawing/2010/main">
+                <a14:hiddenEffects xmlns:a14="http://schemas.microsoft.com/office/drawing/2010/main" xmlns="">
                   <a:effectLst>
                     <a:outerShdw blurRad="63500" dist="38099" dir="2700000" algn="ctr" rotWithShape="0">
                       <a:srgbClr val="000000">
@@ -12966,12 +12966,12 @@
             <a:effectLst/>
             <a:extLst>
               <a:ext uri="{909E8E84-426E-40dd-AFC4-6F175D3DCCD1}">
-                <a14:hiddenFill xmlns="" xmlns:a14="http://schemas.microsoft.com/office/drawing/2010/main">
+                <a14:hiddenFill xmlns:a14="http://schemas.microsoft.com/office/drawing/2010/main" xmlns="">
                   <a:noFill/>
                 </a14:hiddenFill>
               </a:ext>
               <a:ext uri="{AF507438-7753-43e0-B8FC-AC1667EBCBE1}">
-                <a14:hiddenEffects xmlns="" xmlns:a14="http://schemas.microsoft.com/office/drawing/2010/main">
+                <a14:hiddenEffects xmlns:a14="http://schemas.microsoft.com/office/drawing/2010/main" xmlns="">
                   <a:effectLst>
                     <a:outerShdw blurRad="63500" dist="38099" dir="2700000" algn="ctr" rotWithShape="0">
                       <a:srgbClr val="000000">
@@ -13024,12 +13024,12 @@
             <a:effectLst/>
             <a:extLst>
               <a:ext uri="{909E8E84-426E-40dd-AFC4-6F175D3DCCD1}">
-                <a14:hiddenFill xmlns="" xmlns:a14="http://schemas.microsoft.com/office/drawing/2010/main">
+                <a14:hiddenFill xmlns:a14="http://schemas.microsoft.com/office/drawing/2010/main" xmlns="">
                   <a:noFill/>
                 </a14:hiddenFill>
               </a:ext>
               <a:ext uri="{AF507438-7753-43e0-B8FC-AC1667EBCBE1}">
-                <a14:hiddenEffects xmlns="" xmlns:a14="http://schemas.microsoft.com/office/drawing/2010/main">
+                <a14:hiddenEffects xmlns:a14="http://schemas.microsoft.com/office/drawing/2010/main" xmlns="">
                   <a:effectLst>
                     <a:outerShdw blurRad="63500" dist="38099" dir="2700000" algn="ctr" rotWithShape="0">
                       <a:srgbClr val="000000">
@@ -13082,12 +13082,12 @@
             <a:effectLst/>
             <a:extLst>
               <a:ext uri="{909E8E84-426E-40dd-AFC4-6F175D3DCCD1}">
-                <a14:hiddenFill xmlns="" xmlns:a14="http://schemas.microsoft.com/office/drawing/2010/main">
+                <a14:hiddenFill xmlns:a14="http://schemas.microsoft.com/office/drawing/2010/main" xmlns="">
                   <a:noFill/>
                 </a14:hiddenFill>
               </a:ext>
               <a:ext uri="{AF507438-7753-43e0-B8FC-AC1667EBCBE1}">
-                <a14:hiddenEffects xmlns="" xmlns:a14="http://schemas.microsoft.com/office/drawing/2010/main">
+                <a14:hiddenEffects xmlns:a14="http://schemas.microsoft.com/office/drawing/2010/main" xmlns="">
                   <a:effectLst>
                     <a:outerShdw blurRad="63500" dist="38099" dir="2700000" algn="ctr" rotWithShape="0">
                       <a:srgbClr val="000000">
@@ -13140,12 +13140,12 @@
             <a:effectLst/>
             <a:extLst>
               <a:ext uri="{909E8E84-426E-40dd-AFC4-6F175D3DCCD1}">
-                <a14:hiddenFill xmlns="" xmlns:a14="http://schemas.microsoft.com/office/drawing/2010/main">
+                <a14:hiddenFill xmlns:a14="http://schemas.microsoft.com/office/drawing/2010/main" xmlns="">
                   <a:noFill/>
                 </a14:hiddenFill>
               </a:ext>
               <a:ext uri="{AF507438-7753-43e0-B8FC-AC1667EBCBE1}">
-                <a14:hiddenEffects xmlns="" xmlns:a14="http://schemas.microsoft.com/office/drawing/2010/main">
+                <a14:hiddenEffects xmlns:a14="http://schemas.microsoft.com/office/drawing/2010/main" xmlns="">
                   <a:effectLst>
                     <a:outerShdw blurRad="63500" dist="38099" dir="2700000" algn="ctr" rotWithShape="0">
                       <a:srgbClr val="000000">
@@ -13206,7 +13206,7 @@
             <a:effectLst/>
             <a:extLst>
               <a:ext uri="{909E8E84-426E-40dd-AFC4-6F175D3DCCD1}">
-                <a14:hiddenFill xmlns="" xmlns:a14="http://schemas.microsoft.com/office/drawing/2010/main">
+                <a14:hiddenFill xmlns:a14="http://schemas.microsoft.com/office/drawing/2010/main" xmlns="">
                   <a:blipFill dpi="0" rotWithShape="0">
                     <a:blip/>
                     <a:srcRect/>
@@ -13217,7 +13217,7 @@
                 </a14:hiddenFill>
               </a:ext>
               <a:ext uri="{91240B29-F687-4f45-9708-019B960494DF}">
-                <a14:hiddenLine xmlns="" xmlns:a14="http://schemas.microsoft.com/office/drawing/2010/main" w="9525">
+                <a14:hiddenLine xmlns:a14="http://schemas.microsoft.com/office/drawing/2010/main" xmlns="" w="9525">
                   <a:solidFill>
                     <a:srgbClr val="000000"/>
                   </a:solidFill>
@@ -13227,7 +13227,7 @@
                 </a14:hiddenLine>
               </a:ext>
               <a:ext uri="{AF507438-7753-43e0-B8FC-AC1667EBCBE1}">
-                <a14:hiddenEffects xmlns="" xmlns:a14="http://schemas.microsoft.com/office/drawing/2010/main">
+                <a14:hiddenEffects xmlns:a14="http://schemas.microsoft.com/office/drawing/2010/main" xmlns="">
                   <a:effectLst>
                     <a:outerShdw blurRad="63500" dist="38099" dir="2700000" algn="ctr" rotWithShape="0">
                       <a:srgbClr val="000000">
@@ -13276,7 +13276,7 @@
             <a:effectLst/>
             <a:extLst>
               <a:ext uri="{909E8E84-426E-40dd-AFC4-6F175D3DCCD1}">
-                <a14:hiddenFill xmlns="" xmlns:a14="http://schemas.microsoft.com/office/drawing/2010/main">
+                <a14:hiddenFill xmlns:a14="http://schemas.microsoft.com/office/drawing/2010/main" xmlns="">
                   <a:blipFill dpi="0" rotWithShape="0">
                     <a:blip/>
                     <a:srcRect/>
@@ -13287,7 +13287,7 @@
                 </a14:hiddenFill>
               </a:ext>
               <a:ext uri="{91240B29-F687-4f45-9708-019B960494DF}">
-                <a14:hiddenLine xmlns="" xmlns:a14="http://schemas.microsoft.com/office/drawing/2010/main" w="9525">
+                <a14:hiddenLine xmlns:a14="http://schemas.microsoft.com/office/drawing/2010/main" xmlns="" w="9525">
                   <a:solidFill>
                     <a:srgbClr val="000000"/>
                   </a:solidFill>
@@ -13297,7 +13297,7 @@
                 </a14:hiddenLine>
               </a:ext>
               <a:ext uri="{AF507438-7753-43e0-B8FC-AC1667EBCBE1}">
-                <a14:hiddenEffects xmlns="" xmlns:a14="http://schemas.microsoft.com/office/drawing/2010/main">
+                <a14:hiddenEffects xmlns:a14="http://schemas.microsoft.com/office/drawing/2010/main" xmlns="">
                   <a:effectLst>
                     <a:outerShdw blurRad="63500" dist="38099" dir="2700000" algn="ctr" rotWithShape="0">
                       <a:srgbClr val="000000">
@@ -13346,7 +13346,7 @@
             <a:effectLst/>
             <a:extLst>
               <a:ext uri="{909E8E84-426E-40dd-AFC4-6F175D3DCCD1}">
-                <a14:hiddenFill xmlns="" xmlns:a14="http://schemas.microsoft.com/office/drawing/2010/main">
+                <a14:hiddenFill xmlns:a14="http://schemas.microsoft.com/office/drawing/2010/main" xmlns="">
                   <a:blipFill dpi="0" rotWithShape="0">
                     <a:blip/>
                     <a:srcRect/>
@@ -13357,7 +13357,7 @@
                 </a14:hiddenFill>
               </a:ext>
               <a:ext uri="{91240B29-F687-4f45-9708-019B960494DF}">
-                <a14:hiddenLine xmlns="" xmlns:a14="http://schemas.microsoft.com/office/drawing/2010/main" w="9525">
+                <a14:hiddenLine xmlns:a14="http://schemas.microsoft.com/office/drawing/2010/main" xmlns="" w="9525">
                   <a:solidFill>
                     <a:srgbClr val="000000"/>
                   </a:solidFill>
@@ -13367,7 +13367,7 @@
                 </a14:hiddenLine>
               </a:ext>
               <a:ext uri="{AF507438-7753-43e0-B8FC-AC1667EBCBE1}">
-                <a14:hiddenEffects xmlns="" xmlns:a14="http://schemas.microsoft.com/office/drawing/2010/main">
+                <a14:hiddenEffects xmlns:a14="http://schemas.microsoft.com/office/drawing/2010/main" xmlns="">
                   <a:effectLst>
                     <a:outerShdw blurRad="63500" dist="38099" dir="2700000" algn="ctr" rotWithShape="0">
                       <a:srgbClr val="000000">
@@ -13416,7 +13416,7 @@
             <a:effectLst/>
             <a:extLst>
               <a:ext uri="{909E8E84-426E-40dd-AFC4-6F175D3DCCD1}">
-                <a14:hiddenFill xmlns="" xmlns:a14="http://schemas.microsoft.com/office/drawing/2010/main">
+                <a14:hiddenFill xmlns:a14="http://schemas.microsoft.com/office/drawing/2010/main" xmlns="">
                   <a:blipFill dpi="0" rotWithShape="0">
                     <a:blip/>
                     <a:srcRect/>
@@ -13427,7 +13427,7 @@
                 </a14:hiddenFill>
               </a:ext>
               <a:ext uri="{91240B29-F687-4f45-9708-019B960494DF}">
-                <a14:hiddenLine xmlns="" xmlns:a14="http://schemas.microsoft.com/office/drawing/2010/main" w="9525">
+                <a14:hiddenLine xmlns:a14="http://schemas.microsoft.com/office/drawing/2010/main" xmlns="" w="9525">
                   <a:solidFill>
                     <a:srgbClr val="000000"/>
                   </a:solidFill>
@@ -13437,7 +13437,7 @@
                 </a14:hiddenLine>
               </a:ext>
               <a:ext uri="{AF507438-7753-43e0-B8FC-AC1667EBCBE1}">
-                <a14:hiddenEffects xmlns="" xmlns:a14="http://schemas.microsoft.com/office/drawing/2010/main">
+                <a14:hiddenEffects xmlns:a14="http://schemas.microsoft.com/office/drawing/2010/main" xmlns="">
                   <a:effectLst>
                     <a:outerShdw blurRad="63500" dist="38099" dir="2700000" algn="ctr" rotWithShape="0">
                       <a:srgbClr val="000000">
@@ -13486,7 +13486,7 @@
             <a:effectLst/>
             <a:extLst>
               <a:ext uri="{909E8E84-426E-40dd-AFC4-6F175D3DCCD1}">
-                <a14:hiddenFill xmlns="" xmlns:a14="http://schemas.microsoft.com/office/drawing/2010/main">
+                <a14:hiddenFill xmlns:a14="http://schemas.microsoft.com/office/drawing/2010/main" xmlns="">
                   <a:blipFill dpi="0" rotWithShape="0">
                     <a:blip/>
                     <a:srcRect/>
@@ -13497,7 +13497,7 @@
                 </a14:hiddenFill>
               </a:ext>
               <a:ext uri="{91240B29-F687-4f45-9708-019B960494DF}">
-                <a14:hiddenLine xmlns="" xmlns:a14="http://schemas.microsoft.com/office/drawing/2010/main" w="9525">
+                <a14:hiddenLine xmlns:a14="http://schemas.microsoft.com/office/drawing/2010/main" xmlns="" w="9525">
                   <a:solidFill>
                     <a:srgbClr val="000000"/>
                   </a:solidFill>
@@ -13507,7 +13507,7 @@
                 </a14:hiddenLine>
               </a:ext>
               <a:ext uri="{AF507438-7753-43e0-B8FC-AC1667EBCBE1}">
-                <a14:hiddenEffects xmlns="" xmlns:a14="http://schemas.microsoft.com/office/drawing/2010/main">
+                <a14:hiddenEffects xmlns:a14="http://schemas.microsoft.com/office/drawing/2010/main" xmlns="">
                   <a:effectLst>
                     <a:outerShdw blurRad="63500" dist="38099" dir="2700000" algn="ctr" rotWithShape="0">
                       <a:srgbClr val="000000">
@@ -13548,12 +13548,12 @@
             <a:effectLst/>
             <a:extLst>
               <a:ext uri="{909E8E84-426E-40dd-AFC4-6F175D3DCCD1}">
-                <a14:hiddenFill xmlns="" xmlns:a14="http://schemas.microsoft.com/office/drawing/2010/main">
+                <a14:hiddenFill xmlns:a14="http://schemas.microsoft.com/office/drawing/2010/main" xmlns="">
                   <a:noFill/>
                 </a14:hiddenFill>
               </a:ext>
               <a:ext uri="{AF507438-7753-43e0-B8FC-AC1667EBCBE1}">
-                <a14:hiddenEffects xmlns="" xmlns:a14="http://schemas.microsoft.com/office/drawing/2010/main">
+                <a14:hiddenEffects xmlns:a14="http://schemas.microsoft.com/office/drawing/2010/main" xmlns="">
                   <a:effectLst>
                     <a:outerShdw blurRad="63500" dist="38099" dir="2700000" algn="ctr" rotWithShape="0">
                       <a:srgbClr val="000000">
@@ -13606,12 +13606,12 @@
             <a:effectLst/>
             <a:extLst>
               <a:ext uri="{909E8E84-426E-40dd-AFC4-6F175D3DCCD1}">
-                <a14:hiddenFill xmlns="" xmlns:a14="http://schemas.microsoft.com/office/drawing/2010/main">
+                <a14:hiddenFill xmlns:a14="http://schemas.microsoft.com/office/drawing/2010/main" xmlns="">
                   <a:noFill/>
                 </a14:hiddenFill>
               </a:ext>
               <a:ext uri="{AF507438-7753-43e0-B8FC-AC1667EBCBE1}">
-                <a14:hiddenEffects xmlns="" xmlns:a14="http://schemas.microsoft.com/office/drawing/2010/main">
+                <a14:hiddenEffects xmlns:a14="http://schemas.microsoft.com/office/drawing/2010/main" xmlns="">
                   <a:effectLst>
                     <a:outerShdw blurRad="63500" dist="38099" dir="2700000" algn="ctr" rotWithShape="0">
                       <a:srgbClr val="000000">
@@ -13672,7 +13672,7 @@
             <a:effectLst/>
             <a:extLst>
               <a:ext uri="{909E8E84-426E-40dd-AFC4-6F175D3DCCD1}">
-                <a14:hiddenFill xmlns="" xmlns:a14="http://schemas.microsoft.com/office/drawing/2010/main">
+                <a14:hiddenFill xmlns:a14="http://schemas.microsoft.com/office/drawing/2010/main" xmlns="">
                   <a:blipFill dpi="0" rotWithShape="0">
                     <a:blip/>
                     <a:srcRect/>
@@ -13683,7 +13683,7 @@
                 </a14:hiddenFill>
               </a:ext>
               <a:ext uri="{91240B29-F687-4f45-9708-019B960494DF}">
-                <a14:hiddenLine xmlns="" xmlns:a14="http://schemas.microsoft.com/office/drawing/2010/main" w="9525">
+                <a14:hiddenLine xmlns:a14="http://schemas.microsoft.com/office/drawing/2010/main" xmlns="" w="9525">
                   <a:solidFill>
                     <a:srgbClr val="000000"/>
                   </a:solidFill>
@@ -13693,7 +13693,7 @@
                 </a14:hiddenLine>
               </a:ext>
               <a:ext uri="{AF507438-7753-43e0-B8FC-AC1667EBCBE1}">
-                <a14:hiddenEffects xmlns="" xmlns:a14="http://schemas.microsoft.com/office/drawing/2010/main">
+                <a14:hiddenEffects xmlns:a14="http://schemas.microsoft.com/office/drawing/2010/main" xmlns="">
                   <a:effectLst>
                     <a:outerShdw blurRad="63500" dist="38099" dir="2700000" algn="ctr" rotWithShape="0">
                       <a:srgbClr val="000000">
@@ -13826,7 +13826,7 @@
           <a:effectLst/>
           <a:extLst>
             <a:ext uri="{909E8E84-426E-40dd-AFC4-6F175D3DCCD1}">
-              <a14:hiddenFill xmlns:a14="http://schemas.microsoft.com/office/drawing/2010/main" xmlns="">
+              <a14:hiddenFill xmlns="" xmlns:a14="http://schemas.microsoft.com/office/drawing/2010/main">
                 <a:blipFill dpi="0" rotWithShape="0">
                   <a:blip/>
                   <a:srcRect/>
@@ -13837,7 +13837,7 @@
               </a14:hiddenFill>
             </a:ext>
             <a:ext uri="{91240B29-F687-4f45-9708-019B960494DF}">
-              <a14:hiddenLine xmlns:a14="http://schemas.microsoft.com/office/drawing/2010/main" xmlns="" w="9525">
+              <a14:hiddenLine xmlns="" xmlns:a14="http://schemas.microsoft.com/office/drawing/2010/main" w="9525">
                 <a:solidFill>
                   <a:srgbClr val="000000"/>
                 </a:solidFill>
@@ -13847,7 +13847,7 @@
               </a14:hiddenLine>
             </a:ext>
             <a:ext uri="{AF507438-7753-43e0-B8FC-AC1667EBCBE1}">
-              <a14:hiddenEffects xmlns:a14="http://schemas.microsoft.com/office/drawing/2010/main" xmlns="">
+              <a14:hiddenEffects xmlns="" xmlns:a14="http://schemas.microsoft.com/office/drawing/2010/main">
                 <a:effectLst>
                   <a:outerShdw blurRad="63500" dist="38099" dir="2700000" algn="ctr" rotWithShape="0">
                     <a:srgbClr val="000000">
@@ -13932,7 +13932,7 @@
           <a:effectLst/>
           <a:extLst>
             <a:ext uri="{909E8E84-426E-40dd-AFC4-6F175D3DCCD1}">
-              <a14:hiddenFill xmlns:a14="http://schemas.microsoft.com/office/drawing/2010/main" xmlns="">
+              <a14:hiddenFill xmlns="" xmlns:a14="http://schemas.microsoft.com/office/drawing/2010/main">
                 <a:blipFill dpi="0" rotWithShape="0">
                   <a:blip/>
                   <a:srcRect/>
@@ -13943,7 +13943,7 @@
               </a14:hiddenFill>
             </a:ext>
             <a:ext uri="{91240B29-F687-4f45-9708-019B960494DF}">
-              <a14:hiddenLine xmlns:a14="http://schemas.microsoft.com/office/drawing/2010/main" xmlns="" w="9525">
+              <a14:hiddenLine xmlns="" xmlns:a14="http://schemas.microsoft.com/office/drawing/2010/main" w="9525">
                 <a:solidFill>
                   <a:srgbClr val="000000"/>
                 </a:solidFill>
@@ -13953,7 +13953,7 @@
               </a14:hiddenLine>
             </a:ext>
             <a:ext uri="{AF507438-7753-43e0-B8FC-AC1667EBCBE1}">
-              <a14:hiddenEffects xmlns:a14="http://schemas.microsoft.com/office/drawing/2010/main" xmlns="">
+              <a14:hiddenEffects xmlns="" xmlns:a14="http://schemas.microsoft.com/office/drawing/2010/main">
                 <a:effectLst>
                   <a:outerShdw blurRad="63500" dist="38099" dir="2700000" algn="ctr" rotWithShape="0">
                     <a:srgbClr val="000000">
@@ -14038,7 +14038,7 @@
           <a:effectLst/>
           <a:extLst>
             <a:ext uri="{909E8E84-426E-40dd-AFC4-6F175D3DCCD1}">
-              <a14:hiddenFill xmlns:a14="http://schemas.microsoft.com/office/drawing/2010/main" xmlns="">
+              <a14:hiddenFill xmlns="" xmlns:a14="http://schemas.microsoft.com/office/drawing/2010/main">
                 <a:blipFill dpi="0" rotWithShape="0">
                   <a:blip/>
                   <a:srcRect/>
@@ -14049,7 +14049,7 @@
               </a14:hiddenFill>
             </a:ext>
             <a:ext uri="{91240B29-F687-4f45-9708-019B960494DF}">
-              <a14:hiddenLine xmlns:a14="http://schemas.microsoft.com/office/drawing/2010/main" xmlns="" w="9525">
+              <a14:hiddenLine xmlns="" xmlns:a14="http://schemas.microsoft.com/office/drawing/2010/main" w="9525">
                 <a:solidFill>
                   <a:srgbClr val="000000"/>
                 </a:solidFill>
@@ -14059,7 +14059,7 @@
               </a14:hiddenLine>
             </a:ext>
             <a:ext uri="{AF507438-7753-43e0-B8FC-AC1667EBCBE1}">
-              <a14:hiddenEffects xmlns:a14="http://schemas.microsoft.com/office/drawing/2010/main" xmlns="">
+              <a14:hiddenEffects xmlns="" xmlns:a14="http://schemas.microsoft.com/office/drawing/2010/main">
                 <a:effectLst>
                   <a:outerShdw blurRad="63500" dist="38099" dir="2700000" algn="ctr" rotWithShape="0">
                     <a:srgbClr val="000000">
@@ -14250,7 +14250,7 @@
           <a:effectLst/>
           <a:extLst>
             <a:ext uri="{909E8E84-426E-40dd-AFC4-6F175D3DCCD1}">
-              <a14:hiddenFill xmlns:a14="http://schemas.microsoft.com/office/drawing/2010/main" xmlns="">
+              <a14:hiddenFill xmlns="" xmlns:a14="http://schemas.microsoft.com/office/drawing/2010/main">
                 <a:blipFill dpi="0" rotWithShape="0">
                   <a:blip/>
                   <a:srcRect/>
@@ -14261,7 +14261,7 @@
               </a14:hiddenFill>
             </a:ext>
             <a:ext uri="{91240B29-F687-4f45-9708-019B960494DF}">
-              <a14:hiddenLine xmlns:a14="http://schemas.microsoft.com/office/drawing/2010/main" xmlns="" w="9525">
+              <a14:hiddenLine xmlns="" xmlns:a14="http://schemas.microsoft.com/office/drawing/2010/main" w="9525">
                 <a:solidFill>
                   <a:srgbClr val="000000"/>
                 </a:solidFill>
@@ -14271,7 +14271,7 @@
               </a14:hiddenLine>
             </a:ext>
             <a:ext uri="{AF507438-7753-43e0-B8FC-AC1667EBCBE1}">
-              <a14:hiddenEffects xmlns:a14="http://schemas.microsoft.com/office/drawing/2010/main" xmlns="">
+              <a14:hiddenEffects xmlns="" xmlns:a14="http://schemas.microsoft.com/office/drawing/2010/main">
                 <a:effectLst>
                   <a:outerShdw blurRad="63500" dist="38099" dir="2700000" algn="ctr" rotWithShape="0">
                     <a:srgbClr val="000000">
@@ -14349,7 +14349,7 @@
           <a:effectLst/>
           <a:extLst>
             <a:ext uri="{909E8E84-426E-40dd-AFC4-6F175D3DCCD1}">
-              <a14:hiddenFill xmlns:a14="http://schemas.microsoft.com/office/drawing/2010/main" xmlns="">
+              <a14:hiddenFill xmlns="" xmlns:a14="http://schemas.microsoft.com/office/drawing/2010/main">
                 <a:blipFill dpi="0" rotWithShape="0">
                   <a:blip/>
                   <a:srcRect/>
@@ -14360,7 +14360,7 @@
               </a14:hiddenFill>
             </a:ext>
             <a:ext uri="{91240B29-F687-4f45-9708-019B960494DF}">
-              <a14:hiddenLine xmlns:a14="http://schemas.microsoft.com/office/drawing/2010/main" xmlns="" w="9525">
+              <a14:hiddenLine xmlns="" xmlns:a14="http://schemas.microsoft.com/office/drawing/2010/main" w="9525">
                 <a:solidFill>
                   <a:srgbClr val="000000"/>
                 </a:solidFill>
@@ -14370,7 +14370,7 @@
               </a14:hiddenLine>
             </a:ext>
             <a:ext uri="{AF507438-7753-43e0-B8FC-AC1667EBCBE1}">
-              <a14:hiddenEffects xmlns:a14="http://schemas.microsoft.com/office/drawing/2010/main" xmlns="">
+              <a14:hiddenEffects xmlns="" xmlns:a14="http://schemas.microsoft.com/office/drawing/2010/main">
                 <a:effectLst>
                   <a:outerShdw blurRad="63500" dist="38099" dir="2700000" algn="ctr" rotWithShape="0">
                     <a:srgbClr val="000000">
@@ -16235,7 +16235,7 @@
           <a:effectLst/>
           <a:extLst>
             <a:ext uri="{909E8E84-426E-40dd-AFC4-6F175D3DCCD1}">
-              <a14:hiddenFill xmlns="" xmlns:a14="http://schemas.microsoft.com/office/drawing/2010/main">
+              <a14:hiddenFill xmlns:a14="http://schemas.microsoft.com/office/drawing/2010/main" xmlns="">
                 <a:blipFill dpi="0" rotWithShape="0">
                   <a:blip/>
                   <a:srcRect/>
@@ -16246,7 +16246,7 @@
               </a14:hiddenFill>
             </a:ext>
             <a:ext uri="{91240B29-F687-4f45-9708-019B960494DF}">
-              <a14:hiddenLine xmlns="" xmlns:a14="http://schemas.microsoft.com/office/drawing/2010/main" w="9525">
+              <a14:hiddenLine xmlns:a14="http://schemas.microsoft.com/office/drawing/2010/main" xmlns="" w="9525">
                 <a:solidFill>
                   <a:srgbClr val="000000"/>
                 </a:solidFill>
@@ -16256,7 +16256,7 @@
               </a14:hiddenLine>
             </a:ext>
             <a:ext uri="{AF507438-7753-43e0-B8FC-AC1667EBCBE1}">
-              <a14:hiddenEffects xmlns="" xmlns:a14="http://schemas.microsoft.com/office/drawing/2010/main">
+              <a14:hiddenEffects xmlns:a14="http://schemas.microsoft.com/office/drawing/2010/main" xmlns="">
                 <a:effectLst>
                   <a:outerShdw blurRad="63500" dist="38099" dir="2700000" algn="ctr" rotWithShape="0">
                     <a:srgbClr val="000000">
@@ -16416,7 +16416,7 @@
           <a:effectLst/>
           <a:extLst>
             <a:ext uri="{909E8E84-426E-40dd-AFC4-6F175D3DCCD1}">
-              <a14:hiddenFill xmlns="" xmlns:a14="http://schemas.microsoft.com/office/drawing/2010/main">
+              <a14:hiddenFill xmlns:a14="http://schemas.microsoft.com/office/drawing/2010/main" xmlns="">
                 <a:blipFill dpi="0" rotWithShape="0">
                   <a:blip/>
                   <a:srcRect/>
@@ -16427,7 +16427,7 @@
               </a14:hiddenFill>
             </a:ext>
             <a:ext uri="{91240B29-F687-4f45-9708-019B960494DF}">
-              <a14:hiddenLine xmlns="" xmlns:a14="http://schemas.microsoft.com/office/drawing/2010/main" w="9525">
+              <a14:hiddenLine xmlns:a14="http://schemas.microsoft.com/office/drawing/2010/main" xmlns="" w="9525">
                 <a:solidFill>
                   <a:srgbClr val="000000"/>
                 </a:solidFill>
@@ -16437,7 +16437,7 @@
               </a14:hiddenLine>
             </a:ext>
             <a:ext uri="{AF507438-7753-43e0-B8FC-AC1667EBCBE1}">
-              <a14:hiddenEffects xmlns="" xmlns:a14="http://schemas.microsoft.com/office/drawing/2010/main">
+              <a14:hiddenEffects xmlns:a14="http://schemas.microsoft.com/office/drawing/2010/main" xmlns="">
                 <a:effectLst>
                   <a:outerShdw blurRad="63500" dist="38099" dir="2700000" algn="ctr" rotWithShape="0">
                     <a:srgbClr val="000000">
@@ -18236,7 +18236,7 @@
           <a:effectLst/>
           <a:extLst>
             <a:ext uri="{909E8E84-426E-40dd-AFC4-6F175D3DCCD1}">
-              <a14:hiddenFill xmlns="" xmlns:a14="http://schemas.microsoft.com/office/drawing/2010/main">
+              <a14:hiddenFill xmlns:a14="http://schemas.microsoft.com/office/drawing/2010/main" xmlns="">
                 <a:blipFill dpi="0" rotWithShape="0">
                   <a:blip/>
                   <a:srcRect/>
@@ -18247,7 +18247,7 @@
               </a14:hiddenFill>
             </a:ext>
             <a:ext uri="{91240B29-F687-4f45-9708-019B960494DF}">
-              <a14:hiddenLine xmlns="" xmlns:a14="http://schemas.microsoft.com/office/drawing/2010/main" w="9525">
+              <a14:hiddenLine xmlns:a14="http://schemas.microsoft.com/office/drawing/2010/main" xmlns="" w="9525">
                 <a:solidFill>
                   <a:srgbClr val="000000"/>
                 </a:solidFill>
@@ -18257,7 +18257,7 @@
               </a14:hiddenLine>
             </a:ext>
             <a:ext uri="{AF507438-7753-43e0-B8FC-AC1667EBCBE1}">
-              <a14:hiddenEffects xmlns="" xmlns:a14="http://schemas.microsoft.com/office/drawing/2010/main">
+              <a14:hiddenEffects xmlns:a14="http://schemas.microsoft.com/office/drawing/2010/main" xmlns="">
                 <a:effectLst>
                   <a:outerShdw blurRad="63500" dist="38099" dir="2700000" algn="ctr" rotWithShape="0">
                     <a:srgbClr val="000000">
@@ -18350,7 +18350,7 @@
           <a:effectLst/>
           <a:extLst>
             <a:ext uri="{909E8E84-426E-40dd-AFC4-6F175D3DCCD1}">
-              <a14:hiddenFill xmlns="" xmlns:a14="http://schemas.microsoft.com/office/drawing/2010/main">
+              <a14:hiddenFill xmlns:a14="http://schemas.microsoft.com/office/drawing/2010/main" xmlns="">
                 <a:blipFill dpi="0" rotWithShape="0">
                   <a:blip/>
                   <a:srcRect/>
@@ -18361,7 +18361,7 @@
               </a14:hiddenFill>
             </a:ext>
             <a:ext uri="{91240B29-F687-4f45-9708-019B960494DF}">
-              <a14:hiddenLine xmlns="" xmlns:a14="http://schemas.microsoft.com/office/drawing/2010/main" w="9525">
+              <a14:hiddenLine xmlns:a14="http://schemas.microsoft.com/office/drawing/2010/main" xmlns="" w="9525">
                 <a:solidFill>
                   <a:srgbClr val="000000"/>
                 </a:solidFill>
@@ -18371,7 +18371,7 @@
               </a14:hiddenLine>
             </a:ext>
             <a:ext uri="{AF507438-7753-43e0-B8FC-AC1667EBCBE1}">
-              <a14:hiddenEffects xmlns="" xmlns:a14="http://schemas.microsoft.com/office/drawing/2010/main">
+              <a14:hiddenEffects xmlns:a14="http://schemas.microsoft.com/office/drawing/2010/main" xmlns="">
                 <a:effectLst>
                   <a:outerShdw blurRad="63500" dist="38099" dir="2700000" algn="ctr" rotWithShape="0">
                     <a:srgbClr val="000000">
@@ -21243,7 +21243,7 @@
           <a:effectLst/>
           <a:extLst>
             <a:ext uri="{909E8E84-426E-40dd-AFC4-6F175D3DCCD1}">
-              <a14:hiddenFill xmlns="" xmlns:a14="http://schemas.microsoft.com/office/drawing/2010/main">
+              <a14:hiddenFill xmlns:a14="http://schemas.microsoft.com/office/drawing/2010/main" xmlns="">
                 <a:blipFill dpi="0" rotWithShape="0">
                   <a:blip/>
                   <a:srcRect/>
@@ -21254,7 +21254,7 @@
               </a14:hiddenFill>
             </a:ext>
             <a:ext uri="{91240B29-F687-4f45-9708-019B960494DF}">
-              <a14:hiddenLine xmlns="" xmlns:a14="http://schemas.microsoft.com/office/drawing/2010/main" w="9525">
+              <a14:hiddenLine xmlns:a14="http://schemas.microsoft.com/office/drawing/2010/main" xmlns="" w="9525">
                 <a:solidFill>
                   <a:srgbClr val="000000"/>
                 </a:solidFill>
@@ -21264,7 +21264,7 @@
               </a14:hiddenLine>
             </a:ext>
             <a:ext uri="{AF507438-7753-43e0-B8FC-AC1667EBCBE1}">
-              <a14:hiddenEffects xmlns="" xmlns:a14="http://schemas.microsoft.com/office/drawing/2010/main">
+              <a14:hiddenEffects xmlns:a14="http://schemas.microsoft.com/office/drawing/2010/main" xmlns="">
                 <a:effectLst>
                   <a:outerShdw blurRad="63500" dist="38099" dir="2700000" algn="ctr" rotWithShape="0">
                     <a:srgbClr val="000000">
@@ -21343,7 +21343,7 @@
           <a:effectLst/>
           <a:extLst>
             <a:ext uri="{909E8E84-426E-40dd-AFC4-6F175D3DCCD1}">
-              <a14:hiddenFill xmlns="" xmlns:a14="http://schemas.microsoft.com/office/drawing/2010/main">
+              <a14:hiddenFill xmlns:a14="http://schemas.microsoft.com/office/drawing/2010/main" xmlns="">
                 <a:blipFill dpi="0" rotWithShape="0">
                   <a:blip/>
                   <a:srcRect/>
@@ -21354,7 +21354,7 @@
               </a14:hiddenFill>
             </a:ext>
             <a:ext uri="{91240B29-F687-4f45-9708-019B960494DF}">
-              <a14:hiddenLine xmlns="" xmlns:a14="http://schemas.microsoft.com/office/drawing/2010/main" w="9525">
+              <a14:hiddenLine xmlns:a14="http://schemas.microsoft.com/office/drawing/2010/main" xmlns="" w="9525">
                 <a:solidFill>
                   <a:srgbClr val="000000"/>
                 </a:solidFill>
@@ -21364,7 +21364,7 @@
               </a14:hiddenLine>
             </a:ext>
             <a:ext uri="{AF507438-7753-43e0-B8FC-AC1667EBCBE1}">
-              <a14:hiddenEffects xmlns="" xmlns:a14="http://schemas.microsoft.com/office/drawing/2010/main">
+              <a14:hiddenEffects xmlns:a14="http://schemas.microsoft.com/office/drawing/2010/main" xmlns="">
                 <a:effectLst>
                   <a:outerShdw blurRad="63500" dist="38099" dir="2700000" algn="ctr" rotWithShape="0">
                     <a:srgbClr val="000000">
@@ -22947,7 +22947,7 @@
           <a:effectLst/>
           <a:extLst>
             <a:ext uri="{909E8E84-426E-40dd-AFC4-6F175D3DCCD1}">
-              <a14:hiddenFill xmlns="" xmlns:a14="http://schemas.microsoft.com/office/drawing/2010/main">
+              <a14:hiddenFill xmlns:a14="http://schemas.microsoft.com/office/drawing/2010/main" xmlns="">
                 <a:blipFill dpi="0" rotWithShape="0">
                   <a:blip/>
                   <a:srcRect/>
@@ -22958,7 +22958,7 @@
               </a14:hiddenFill>
             </a:ext>
             <a:ext uri="{91240B29-F687-4f45-9708-019B960494DF}">
-              <a14:hiddenLine xmlns="" xmlns:a14="http://schemas.microsoft.com/office/drawing/2010/main" w="9525">
+              <a14:hiddenLine xmlns:a14="http://schemas.microsoft.com/office/drawing/2010/main" xmlns="" w="9525">
                 <a:solidFill>
                   <a:srgbClr val="000000"/>
                 </a:solidFill>
@@ -22968,7 +22968,7 @@
               </a14:hiddenLine>
             </a:ext>
             <a:ext uri="{AF507438-7753-43e0-B8FC-AC1667EBCBE1}">
-              <a14:hiddenEffects xmlns="" xmlns:a14="http://schemas.microsoft.com/office/drawing/2010/main">
+              <a14:hiddenEffects xmlns:a14="http://schemas.microsoft.com/office/drawing/2010/main" xmlns="">
                 <a:effectLst>
                   <a:outerShdw blurRad="63500" dist="38099" dir="2700000" algn="ctr" rotWithShape="0">
                     <a:srgbClr val="000000">
@@ -24616,7 +24616,7 @@
           <a:effectLst/>
           <a:extLst>
             <a:ext uri="{909E8E84-426E-40dd-AFC4-6F175D3DCCD1}">
-              <a14:hiddenFill xmlns="" xmlns:a14="http://schemas.microsoft.com/office/drawing/2010/main">
+              <a14:hiddenFill xmlns:a14="http://schemas.microsoft.com/office/drawing/2010/main" xmlns="">
                 <a:blipFill dpi="0" rotWithShape="0">
                   <a:blip/>
                   <a:srcRect/>
@@ -24627,7 +24627,7 @@
               </a14:hiddenFill>
             </a:ext>
             <a:ext uri="{91240B29-F687-4f45-9708-019B960494DF}">
-              <a14:hiddenLine xmlns="" xmlns:a14="http://schemas.microsoft.com/office/drawing/2010/main" w="9525">
+              <a14:hiddenLine xmlns:a14="http://schemas.microsoft.com/office/drawing/2010/main" xmlns="" w="9525">
                 <a:solidFill>
                   <a:srgbClr val="000000"/>
                 </a:solidFill>
@@ -24637,7 +24637,7 @@
               </a14:hiddenLine>
             </a:ext>
             <a:ext uri="{AF507438-7753-43e0-B8FC-AC1667EBCBE1}">
-              <a14:hiddenEffects xmlns="" xmlns:a14="http://schemas.microsoft.com/office/drawing/2010/main">
+              <a14:hiddenEffects xmlns:a14="http://schemas.microsoft.com/office/drawing/2010/main" xmlns="">
                 <a:effectLst>
                   <a:outerShdw blurRad="63500" dist="38099" dir="2700000" algn="ctr" rotWithShape="0">
                     <a:srgbClr val="000000">
@@ -25999,7 +25999,7 @@
           <a:effectLst/>
           <a:extLst>
             <a:ext uri="{909E8E84-426E-40dd-AFC4-6F175D3DCCD1}">
-              <a14:hiddenFill xmlns="" xmlns:a14="http://schemas.microsoft.com/office/drawing/2010/main">
+              <a14:hiddenFill xmlns:a14="http://schemas.microsoft.com/office/drawing/2010/main" xmlns="">
                 <a:blipFill dpi="0" rotWithShape="0">
                   <a:blip/>
                   <a:srcRect/>
@@ -26010,7 +26010,7 @@
               </a14:hiddenFill>
             </a:ext>
             <a:ext uri="{91240B29-F687-4f45-9708-019B960494DF}">
-              <a14:hiddenLine xmlns="" xmlns:a14="http://schemas.microsoft.com/office/drawing/2010/main" w="9525">
+              <a14:hiddenLine xmlns:a14="http://schemas.microsoft.com/office/drawing/2010/main" xmlns="" w="9525">
                 <a:solidFill>
                   <a:srgbClr val="000000"/>
                 </a:solidFill>
@@ -26020,7 +26020,7 @@
               </a14:hiddenLine>
             </a:ext>
             <a:ext uri="{AF507438-7753-43e0-B8FC-AC1667EBCBE1}">
-              <a14:hiddenEffects xmlns="" xmlns:a14="http://schemas.microsoft.com/office/drawing/2010/main">
+              <a14:hiddenEffects xmlns:a14="http://schemas.microsoft.com/office/drawing/2010/main" xmlns="">
                 <a:effectLst>
                   <a:outerShdw blurRad="63500" dist="38099" dir="2700000" algn="ctr" rotWithShape="0">
                     <a:srgbClr val="000000">
@@ -26151,7 +26151,7 @@
           <a:effectLst/>
           <a:extLst>
             <a:ext uri="{909E8E84-426E-40dd-AFC4-6F175D3DCCD1}">
-              <a14:hiddenFill xmlns="" xmlns:a14="http://schemas.microsoft.com/office/drawing/2010/main">
+              <a14:hiddenFill xmlns:a14="http://schemas.microsoft.com/office/drawing/2010/main" xmlns="">
                 <a:blipFill dpi="0" rotWithShape="0">
                   <a:blip/>
                   <a:srcRect/>
@@ -26162,7 +26162,7 @@
               </a14:hiddenFill>
             </a:ext>
             <a:ext uri="{91240B29-F687-4f45-9708-019B960494DF}">
-              <a14:hiddenLine xmlns="" xmlns:a14="http://schemas.microsoft.com/office/drawing/2010/main" w="9525">
+              <a14:hiddenLine xmlns:a14="http://schemas.microsoft.com/office/drawing/2010/main" xmlns="" w="9525">
                 <a:solidFill>
                   <a:srgbClr val="000000"/>
                 </a:solidFill>
@@ -26172,7 +26172,7 @@
               </a14:hiddenLine>
             </a:ext>
             <a:ext uri="{AF507438-7753-43e0-B8FC-AC1667EBCBE1}">
-              <a14:hiddenEffects xmlns="" xmlns:a14="http://schemas.microsoft.com/office/drawing/2010/main">
+              <a14:hiddenEffects xmlns:a14="http://schemas.microsoft.com/office/drawing/2010/main" xmlns="">
                 <a:effectLst>
                   <a:outerShdw blurRad="63500" dist="38099" dir="2700000" algn="ctr" rotWithShape="0">
                     <a:srgbClr val="000000">
@@ -28902,8 +28902,8 @@
           </a:p>
         </p:txBody>
       </p:sp>
-      <mc:AlternateContent xmlns:mc="http://schemas.openxmlformats.org/markup-compatibility/2006" xmlns:a14="http://schemas.microsoft.com/office/drawing/2010/main">
-        <mc:Choice Requires="a14">
+      <mc:AlternateContent xmlns:mc="http://schemas.openxmlformats.org/markup-compatibility/2006">
+        <mc:Choice xmlns:a14="http://schemas.microsoft.com/office/drawing/2010/main" Requires="a14">
           <p:sp>
             <p:nvSpPr>
               <p:cNvPr id="3" name="Content Placeholder 2"/>
@@ -29712,7 +29712,7 @@
             </p:txBody>
           </p:sp>
         </mc:Choice>
-        <mc:Fallback xmlns="">
+        <mc:Fallback>
           <p:sp>
             <p:nvSpPr>
               <p:cNvPr id="3" name="Content Placeholder 2"/>
@@ -30254,26 +30254,39 @@
                                   </p:childTnLst>
                                 </p:cTn>
                               </p:par>
-                            </p:childTnLst>
-                          </p:cTn>
-                        </p:par>
-                      </p:childTnLst>
-                    </p:cTn>
-                  </p:par>
-                  <p:par>
-                    <p:cTn id="15" fill="hold">
-                      <p:stCondLst>
-                        <p:cond delay="indefinite"/>
-                      </p:stCondLst>
-                      <p:childTnLst>
-                        <p:par>
-                          <p:cTn id="16" fill="hold">
-                            <p:stCondLst>
-                              <p:cond delay="0"/>
-                            </p:stCondLst>
-                            <p:childTnLst>
                               <p:par>
-                                <p:cTn id="17" presetID="1" presetClass="entr" presetSubtype="0" fill="hold" nodeType="clickEffect">
+                                <p:cTn id="15" presetID="1" presetClass="entr" presetSubtype="0" fill="hold" nodeType="withEffect">
+                                  <p:stCondLst>
+                                    <p:cond delay="0"/>
+                                  </p:stCondLst>
+                                  <p:childTnLst>
+                                    <p:set>
+                                      <p:cBhvr>
+                                        <p:cTn id="16" dur="1" fill="hold">
+                                          <p:stCondLst>
+                                            <p:cond delay="0"/>
+                                          </p:stCondLst>
+                                        </p:cTn>
+                                        <p:tgtEl>
+                                          <p:spTgt spid="3">
+                                            <p:txEl>
+                                              <p:pRg st="4" end="4"/>
+                                            </p:txEl>
+                                          </p:spTgt>
+                                        </p:tgtEl>
+                                        <p:attrNameLst>
+                                          <p:attrName>style.visibility</p:attrName>
+                                        </p:attrNameLst>
+                                      </p:cBhvr>
+                                      <p:to>
+                                        <p:strVal val="visible"/>
+                                      </p:to>
+                                    </p:set>
+                                  </p:childTnLst>
+                                </p:cTn>
+                              </p:par>
+                              <p:par>
+                                <p:cTn id="17" presetID="1" presetClass="entr" presetSubtype="0" fill="hold" nodeType="withEffect">
                                   <p:stCondLst>
                                     <p:cond delay="0"/>
                                   </p:stCondLst>
@@ -30286,11 +30299,7 @@
                                           </p:stCondLst>
                                         </p:cTn>
                                         <p:tgtEl>
-                                          <p:spTgt spid="3">
-                                            <p:txEl>
-                                              <p:pRg st="4" end="4"/>
-                                            </p:txEl>
-                                          </p:spTgt>
+                                          <p:spTgt spid="12"/>
                                         </p:tgtEl>
                                         <p:attrNameLst>
                                           <p:attrName>style.visibility</p:attrName>
@@ -30487,33 +30496,6 @@
                                               <p:pRg st="8" end="8"/>
                                             </p:txEl>
                                           </p:spTgt>
-                                        </p:tgtEl>
-                                        <p:attrNameLst>
-                                          <p:attrName>style.visibility</p:attrName>
-                                        </p:attrNameLst>
-                                      </p:cBhvr>
-                                      <p:to>
-                                        <p:strVal val="visible"/>
-                                      </p:to>
-                                    </p:set>
-                                  </p:childTnLst>
-                                </p:cTn>
-                              </p:par>
-                              <p:par>
-                                <p:cTn id="35" presetID="1" presetClass="entr" presetSubtype="0" fill="hold" nodeType="withEffect">
-                                  <p:stCondLst>
-                                    <p:cond delay="0"/>
-                                  </p:stCondLst>
-                                  <p:childTnLst>
-                                    <p:set>
-                                      <p:cBhvr>
-                                        <p:cTn id="36" dur="1" fill="hold">
-                                          <p:stCondLst>
-                                            <p:cond delay="0"/>
-                                          </p:stCondLst>
-                                        </p:cTn>
-                                        <p:tgtEl>
-                                          <p:spTgt spid="12"/>
                                         </p:tgtEl>
                                         <p:attrNameLst>
                                           <p:attrName>style.visibility</p:attrName>
@@ -33892,7 +33874,7 @@
           <a:effectLst/>
           <a:extLst>
             <a:ext uri="{909E8E84-426E-40dd-AFC4-6F175D3DCCD1}">
-              <a14:hiddenFill xmlns:a14="http://schemas.microsoft.com/office/drawing/2010/main" xmlns="">
+              <a14:hiddenFill xmlns="" xmlns:a14="http://schemas.microsoft.com/office/drawing/2010/main">
                 <a:blipFill dpi="0" rotWithShape="0">
                   <a:blip/>
                   <a:srcRect/>
@@ -33903,7 +33885,7 @@
               </a14:hiddenFill>
             </a:ext>
             <a:ext uri="{91240B29-F687-4f45-9708-019B960494DF}">
-              <a14:hiddenLine xmlns:a14="http://schemas.microsoft.com/office/drawing/2010/main" xmlns="" w="9525">
+              <a14:hiddenLine xmlns="" xmlns:a14="http://schemas.microsoft.com/office/drawing/2010/main" w="9525">
                 <a:solidFill>
                   <a:srgbClr val="000000"/>
                 </a:solidFill>
@@ -33913,7 +33895,7 @@
               </a14:hiddenLine>
             </a:ext>
             <a:ext uri="{AF507438-7753-43e0-B8FC-AC1667EBCBE1}">
-              <a14:hiddenEffects xmlns:a14="http://schemas.microsoft.com/office/drawing/2010/main" xmlns="">
+              <a14:hiddenEffects xmlns="" xmlns:a14="http://schemas.microsoft.com/office/drawing/2010/main">
                 <a:effectLst>
                   <a:outerShdw blurRad="63500" dist="38099" dir="2700000" algn="ctr" rotWithShape="0">
                     <a:srgbClr val="000000">

--- a/marple.pptx
+++ b/marple.pptx
@@ -9608,7 +9608,7 @@
         </p:spPr>
         <p:txBody>
           <a:bodyPr>
-            <a:normAutofit fontScale="92500" lnSpcReduction="10000"/>
+            <a:normAutofit/>
           </a:bodyPr>
           <a:lstStyle/>
           <a:p>
@@ -9695,13 +9695,6 @@
           <a:p>
             <a:pPr lvl="1"/>
             <a:r>
-              <a:rPr lang="en-US" dirty="0"/>
-              <a:t>Route flapping</a:t>
-            </a:r>
-          </a:p>
-          <a:p>
-            <a:pPr lvl="1"/>
-            <a:r>
               <a:rPr lang="is-IS" dirty="0"/>
               <a:t>High end to end latencies</a:t>
             </a:r>
@@ -9715,10 +9708,7 @@
             <a:endParaRPr lang="is-IS" dirty="0"/>
           </a:p>
           <a:p>
-            <a:r>
-              <a:rPr lang="is-IS" dirty="0"/>
-              <a:t>...</a:t>
-            </a:r>
+            <a:endParaRPr lang="is-IS" dirty="0"/>
           </a:p>
           <a:p>
             <a:endParaRPr lang="en-US" dirty="0"/>
@@ -12190,7 +12180,7 @@
           <a:effectLst/>
           <a:extLst>
             <a:ext uri="{909E8E84-426E-40dd-AFC4-6F175D3DCCD1}">
-              <a14:hiddenFill xmlns="" xmlns:a14="http://schemas.microsoft.com/office/drawing/2010/main">
+              <a14:hiddenFill xmlns:a14="http://schemas.microsoft.com/office/drawing/2010/main" xmlns="">
                 <a:blipFill dpi="0" rotWithShape="0">
                   <a:blip/>
                   <a:srcRect/>
@@ -12201,7 +12191,7 @@
               </a14:hiddenFill>
             </a:ext>
             <a:ext uri="{91240B29-F687-4f45-9708-019B960494DF}">
-              <a14:hiddenLine xmlns="" xmlns:a14="http://schemas.microsoft.com/office/drawing/2010/main" w="9525">
+              <a14:hiddenLine xmlns:a14="http://schemas.microsoft.com/office/drawing/2010/main" xmlns="" w="9525">
                 <a:solidFill>
                   <a:srgbClr val="000000"/>
                 </a:solidFill>
@@ -12211,7 +12201,7 @@
               </a14:hiddenLine>
             </a:ext>
             <a:ext uri="{AF507438-7753-43e0-B8FC-AC1667EBCBE1}">
-              <a14:hiddenEffects xmlns="" xmlns:a14="http://schemas.microsoft.com/office/drawing/2010/main">
+              <a14:hiddenEffects xmlns:a14="http://schemas.microsoft.com/office/drawing/2010/main" xmlns="">
                 <a:effectLst>
                   <a:outerShdw blurRad="63500" dist="38099" dir="2700000" algn="ctr" rotWithShape="0">
                     <a:srgbClr val="000000">
@@ -12260,7 +12250,7 @@
           <a:effectLst/>
           <a:extLst>
             <a:ext uri="{909E8E84-426E-40dd-AFC4-6F175D3DCCD1}">
-              <a14:hiddenFill xmlns="" xmlns:a14="http://schemas.microsoft.com/office/drawing/2010/main">
+              <a14:hiddenFill xmlns:a14="http://schemas.microsoft.com/office/drawing/2010/main" xmlns="">
                 <a:blipFill dpi="0" rotWithShape="0">
                   <a:blip/>
                   <a:srcRect/>
@@ -12271,7 +12261,7 @@
               </a14:hiddenFill>
             </a:ext>
             <a:ext uri="{91240B29-F687-4f45-9708-019B960494DF}">
-              <a14:hiddenLine xmlns="" xmlns:a14="http://schemas.microsoft.com/office/drawing/2010/main" w="9525">
+              <a14:hiddenLine xmlns:a14="http://schemas.microsoft.com/office/drawing/2010/main" xmlns="" w="9525">
                 <a:solidFill>
                   <a:srgbClr val="000000"/>
                 </a:solidFill>
@@ -12281,7 +12271,7 @@
               </a14:hiddenLine>
             </a:ext>
             <a:ext uri="{AF507438-7753-43e0-B8FC-AC1667EBCBE1}">
-              <a14:hiddenEffects xmlns="" xmlns:a14="http://schemas.microsoft.com/office/drawing/2010/main">
+              <a14:hiddenEffects xmlns:a14="http://schemas.microsoft.com/office/drawing/2010/main" xmlns="">
                 <a:effectLst>
                   <a:outerShdw blurRad="63500" dist="38099" dir="2700000" algn="ctr" rotWithShape="0">
                     <a:srgbClr val="000000">
@@ -12416,7 +12406,7 @@
             <a:effectLst/>
             <a:extLst>
               <a:ext uri="{909E8E84-426E-40dd-AFC4-6F175D3DCCD1}">
-                <a14:hiddenFill xmlns:a14="http://schemas.microsoft.com/office/drawing/2010/main" xmlns="">
+                <a14:hiddenFill xmlns="" xmlns:a14="http://schemas.microsoft.com/office/drawing/2010/main">
                   <a:blipFill dpi="0" rotWithShape="0">
                     <a:blip/>
                     <a:srcRect/>
@@ -12427,7 +12417,7 @@
                 </a14:hiddenFill>
               </a:ext>
               <a:ext uri="{91240B29-F687-4f45-9708-019B960494DF}">
-                <a14:hiddenLine xmlns:a14="http://schemas.microsoft.com/office/drawing/2010/main" xmlns="" w="9525">
+                <a14:hiddenLine xmlns="" xmlns:a14="http://schemas.microsoft.com/office/drawing/2010/main" w="9525">
                   <a:solidFill>
                     <a:srgbClr val="000000"/>
                   </a:solidFill>
@@ -12437,7 +12427,7 @@
                 </a14:hiddenLine>
               </a:ext>
               <a:ext uri="{AF507438-7753-43e0-B8FC-AC1667EBCBE1}">
-                <a14:hiddenEffects xmlns:a14="http://schemas.microsoft.com/office/drawing/2010/main" xmlns="">
+                <a14:hiddenEffects xmlns="" xmlns:a14="http://schemas.microsoft.com/office/drawing/2010/main">
                   <a:effectLst>
                     <a:outerShdw blurRad="63500" dist="38099" dir="2700000" algn="ctr" rotWithShape="0">
                       <a:srgbClr val="000000">
@@ -12486,7 +12476,7 @@
             <a:effectLst/>
             <a:extLst>
               <a:ext uri="{909E8E84-426E-40dd-AFC4-6F175D3DCCD1}">
-                <a14:hiddenFill xmlns:a14="http://schemas.microsoft.com/office/drawing/2010/main" xmlns="">
+                <a14:hiddenFill xmlns="" xmlns:a14="http://schemas.microsoft.com/office/drawing/2010/main">
                   <a:blipFill dpi="0" rotWithShape="0">
                     <a:blip/>
                     <a:srcRect/>
@@ -12497,7 +12487,7 @@
                 </a14:hiddenFill>
               </a:ext>
               <a:ext uri="{91240B29-F687-4f45-9708-019B960494DF}">
-                <a14:hiddenLine xmlns:a14="http://schemas.microsoft.com/office/drawing/2010/main" xmlns="" w="9525">
+                <a14:hiddenLine xmlns="" xmlns:a14="http://schemas.microsoft.com/office/drawing/2010/main" w="9525">
                   <a:solidFill>
                     <a:srgbClr val="000000"/>
                   </a:solidFill>
@@ -12507,7 +12497,7 @@
                 </a14:hiddenLine>
               </a:ext>
               <a:ext uri="{AF507438-7753-43e0-B8FC-AC1667EBCBE1}">
-                <a14:hiddenEffects xmlns:a14="http://schemas.microsoft.com/office/drawing/2010/main" xmlns="">
+                <a14:hiddenEffects xmlns="" xmlns:a14="http://schemas.microsoft.com/office/drawing/2010/main">
                   <a:effectLst>
                     <a:outerShdw blurRad="63500" dist="38099" dir="2700000" algn="ctr" rotWithShape="0">
                       <a:srgbClr val="000000">
@@ -12556,7 +12546,7 @@
             <a:effectLst/>
             <a:extLst>
               <a:ext uri="{909E8E84-426E-40dd-AFC4-6F175D3DCCD1}">
-                <a14:hiddenFill xmlns:a14="http://schemas.microsoft.com/office/drawing/2010/main" xmlns="">
+                <a14:hiddenFill xmlns="" xmlns:a14="http://schemas.microsoft.com/office/drawing/2010/main">
                   <a:blipFill dpi="0" rotWithShape="0">
                     <a:blip/>
                     <a:srcRect/>
@@ -12567,7 +12557,7 @@
                 </a14:hiddenFill>
               </a:ext>
               <a:ext uri="{91240B29-F687-4f45-9708-019B960494DF}">
-                <a14:hiddenLine xmlns:a14="http://schemas.microsoft.com/office/drawing/2010/main" xmlns="" w="9525">
+                <a14:hiddenLine xmlns="" xmlns:a14="http://schemas.microsoft.com/office/drawing/2010/main" w="9525">
                   <a:solidFill>
                     <a:srgbClr val="000000"/>
                   </a:solidFill>
@@ -12577,7 +12567,7 @@
                 </a14:hiddenLine>
               </a:ext>
               <a:ext uri="{AF507438-7753-43e0-B8FC-AC1667EBCBE1}">
-                <a14:hiddenEffects xmlns:a14="http://schemas.microsoft.com/office/drawing/2010/main" xmlns="">
+                <a14:hiddenEffects xmlns="" xmlns:a14="http://schemas.microsoft.com/office/drawing/2010/main">
                   <a:effectLst>
                     <a:outerShdw blurRad="63500" dist="38099" dir="2700000" algn="ctr" rotWithShape="0">
                       <a:srgbClr val="000000">
@@ -12618,12 +12608,12 @@
             <a:effectLst/>
             <a:extLst>
               <a:ext uri="{909E8E84-426E-40dd-AFC4-6F175D3DCCD1}">
-                <a14:hiddenFill xmlns:a14="http://schemas.microsoft.com/office/drawing/2010/main" xmlns="">
+                <a14:hiddenFill xmlns="" xmlns:a14="http://schemas.microsoft.com/office/drawing/2010/main">
                   <a:noFill/>
                 </a14:hiddenFill>
               </a:ext>
               <a:ext uri="{AF507438-7753-43e0-B8FC-AC1667EBCBE1}">
-                <a14:hiddenEffects xmlns:a14="http://schemas.microsoft.com/office/drawing/2010/main" xmlns="">
+                <a14:hiddenEffects xmlns="" xmlns:a14="http://schemas.microsoft.com/office/drawing/2010/main">
                   <a:effectLst>
                     <a:outerShdw blurRad="63500" dist="38099" dir="2700000" algn="ctr" rotWithShape="0">
                       <a:srgbClr val="000000">
@@ -12676,12 +12666,12 @@
             <a:effectLst/>
             <a:extLst>
               <a:ext uri="{909E8E84-426E-40dd-AFC4-6F175D3DCCD1}">
-                <a14:hiddenFill xmlns:a14="http://schemas.microsoft.com/office/drawing/2010/main" xmlns="">
+                <a14:hiddenFill xmlns="" xmlns:a14="http://schemas.microsoft.com/office/drawing/2010/main">
                   <a:noFill/>
                 </a14:hiddenFill>
               </a:ext>
               <a:ext uri="{AF507438-7753-43e0-B8FC-AC1667EBCBE1}">
-                <a14:hiddenEffects xmlns:a14="http://schemas.microsoft.com/office/drawing/2010/main" xmlns="">
+                <a14:hiddenEffects xmlns="" xmlns:a14="http://schemas.microsoft.com/office/drawing/2010/main">
                   <a:effectLst>
                     <a:outerShdw blurRad="63500" dist="38099" dir="2700000" algn="ctr" rotWithShape="0">
                       <a:srgbClr val="000000">
@@ -12734,12 +12724,12 @@
             <a:effectLst/>
             <a:extLst>
               <a:ext uri="{909E8E84-426E-40dd-AFC4-6F175D3DCCD1}">
-                <a14:hiddenFill xmlns:a14="http://schemas.microsoft.com/office/drawing/2010/main" xmlns="">
+                <a14:hiddenFill xmlns="" xmlns:a14="http://schemas.microsoft.com/office/drawing/2010/main">
                   <a:noFill/>
                 </a14:hiddenFill>
               </a:ext>
               <a:ext uri="{AF507438-7753-43e0-B8FC-AC1667EBCBE1}">
-                <a14:hiddenEffects xmlns:a14="http://schemas.microsoft.com/office/drawing/2010/main" xmlns="">
+                <a14:hiddenEffects xmlns="" xmlns:a14="http://schemas.microsoft.com/office/drawing/2010/main">
                   <a:effectLst>
                     <a:outerShdw blurRad="63500" dist="38099" dir="2700000" algn="ctr" rotWithShape="0">
                       <a:srgbClr val="000000">
@@ -12792,12 +12782,12 @@
             <a:effectLst/>
             <a:extLst>
               <a:ext uri="{909E8E84-426E-40dd-AFC4-6F175D3DCCD1}">
-                <a14:hiddenFill xmlns:a14="http://schemas.microsoft.com/office/drawing/2010/main" xmlns="">
+                <a14:hiddenFill xmlns="" xmlns:a14="http://schemas.microsoft.com/office/drawing/2010/main">
                   <a:noFill/>
                 </a14:hiddenFill>
               </a:ext>
               <a:ext uri="{AF507438-7753-43e0-B8FC-AC1667EBCBE1}">
-                <a14:hiddenEffects xmlns:a14="http://schemas.microsoft.com/office/drawing/2010/main" xmlns="">
+                <a14:hiddenEffects xmlns="" xmlns:a14="http://schemas.microsoft.com/office/drawing/2010/main">
                   <a:effectLst>
                     <a:outerShdw blurRad="63500" dist="38099" dir="2700000" algn="ctr" rotWithShape="0">
                       <a:srgbClr val="000000">
@@ -12850,12 +12840,12 @@
             <a:effectLst/>
             <a:extLst>
               <a:ext uri="{909E8E84-426E-40dd-AFC4-6F175D3DCCD1}">
-                <a14:hiddenFill xmlns:a14="http://schemas.microsoft.com/office/drawing/2010/main" xmlns="">
+                <a14:hiddenFill xmlns="" xmlns:a14="http://schemas.microsoft.com/office/drawing/2010/main">
                   <a:noFill/>
                 </a14:hiddenFill>
               </a:ext>
               <a:ext uri="{AF507438-7753-43e0-B8FC-AC1667EBCBE1}">
-                <a14:hiddenEffects xmlns:a14="http://schemas.microsoft.com/office/drawing/2010/main" xmlns="">
+                <a14:hiddenEffects xmlns="" xmlns:a14="http://schemas.microsoft.com/office/drawing/2010/main">
                   <a:effectLst>
                     <a:outerShdw blurRad="63500" dist="38099" dir="2700000" algn="ctr" rotWithShape="0">
                       <a:srgbClr val="000000">
@@ -12908,12 +12898,12 @@
             <a:effectLst/>
             <a:extLst>
               <a:ext uri="{909E8E84-426E-40dd-AFC4-6F175D3DCCD1}">
-                <a14:hiddenFill xmlns:a14="http://schemas.microsoft.com/office/drawing/2010/main" xmlns="">
+                <a14:hiddenFill xmlns="" xmlns:a14="http://schemas.microsoft.com/office/drawing/2010/main">
                   <a:noFill/>
                 </a14:hiddenFill>
               </a:ext>
               <a:ext uri="{AF507438-7753-43e0-B8FC-AC1667EBCBE1}">
-                <a14:hiddenEffects xmlns:a14="http://schemas.microsoft.com/office/drawing/2010/main" xmlns="">
+                <a14:hiddenEffects xmlns="" xmlns:a14="http://schemas.microsoft.com/office/drawing/2010/main">
                   <a:effectLst>
                     <a:outerShdw blurRad="63500" dist="38099" dir="2700000" algn="ctr" rotWithShape="0">
                       <a:srgbClr val="000000">
@@ -12966,12 +12956,12 @@
             <a:effectLst/>
             <a:extLst>
               <a:ext uri="{909E8E84-426E-40dd-AFC4-6F175D3DCCD1}">
-                <a14:hiddenFill xmlns:a14="http://schemas.microsoft.com/office/drawing/2010/main" xmlns="">
+                <a14:hiddenFill xmlns="" xmlns:a14="http://schemas.microsoft.com/office/drawing/2010/main">
                   <a:noFill/>
                 </a14:hiddenFill>
               </a:ext>
               <a:ext uri="{AF507438-7753-43e0-B8FC-AC1667EBCBE1}">
-                <a14:hiddenEffects xmlns:a14="http://schemas.microsoft.com/office/drawing/2010/main" xmlns="">
+                <a14:hiddenEffects xmlns="" xmlns:a14="http://schemas.microsoft.com/office/drawing/2010/main">
                   <a:effectLst>
                     <a:outerShdw blurRad="63500" dist="38099" dir="2700000" algn="ctr" rotWithShape="0">
                       <a:srgbClr val="000000">
@@ -13024,12 +13014,12 @@
             <a:effectLst/>
             <a:extLst>
               <a:ext uri="{909E8E84-426E-40dd-AFC4-6F175D3DCCD1}">
-                <a14:hiddenFill xmlns:a14="http://schemas.microsoft.com/office/drawing/2010/main" xmlns="">
+                <a14:hiddenFill xmlns="" xmlns:a14="http://schemas.microsoft.com/office/drawing/2010/main">
                   <a:noFill/>
                 </a14:hiddenFill>
               </a:ext>
               <a:ext uri="{AF507438-7753-43e0-B8FC-AC1667EBCBE1}">
-                <a14:hiddenEffects xmlns:a14="http://schemas.microsoft.com/office/drawing/2010/main" xmlns="">
+                <a14:hiddenEffects xmlns="" xmlns:a14="http://schemas.microsoft.com/office/drawing/2010/main">
                   <a:effectLst>
                     <a:outerShdw blurRad="63500" dist="38099" dir="2700000" algn="ctr" rotWithShape="0">
                       <a:srgbClr val="000000">
@@ -13082,12 +13072,12 @@
             <a:effectLst/>
             <a:extLst>
               <a:ext uri="{909E8E84-426E-40dd-AFC4-6F175D3DCCD1}">
-                <a14:hiddenFill xmlns:a14="http://schemas.microsoft.com/office/drawing/2010/main" xmlns="">
+                <a14:hiddenFill xmlns="" xmlns:a14="http://schemas.microsoft.com/office/drawing/2010/main">
                   <a:noFill/>
                 </a14:hiddenFill>
               </a:ext>
               <a:ext uri="{AF507438-7753-43e0-B8FC-AC1667EBCBE1}">
-                <a14:hiddenEffects xmlns:a14="http://schemas.microsoft.com/office/drawing/2010/main" xmlns="">
+                <a14:hiddenEffects xmlns="" xmlns:a14="http://schemas.microsoft.com/office/drawing/2010/main">
                   <a:effectLst>
                     <a:outerShdw blurRad="63500" dist="38099" dir="2700000" algn="ctr" rotWithShape="0">
                       <a:srgbClr val="000000">
@@ -13140,12 +13130,12 @@
             <a:effectLst/>
             <a:extLst>
               <a:ext uri="{909E8E84-426E-40dd-AFC4-6F175D3DCCD1}">
-                <a14:hiddenFill xmlns:a14="http://schemas.microsoft.com/office/drawing/2010/main" xmlns="">
+                <a14:hiddenFill xmlns="" xmlns:a14="http://schemas.microsoft.com/office/drawing/2010/main">
                   <a:noFill/>
                 </a14:hiddenFill>
               </a:ext>
               <a:ext uri="{AF507438-7753-43e0-B8FC-AC1667EBCBE1}">
-                <a14:hiddenEffects xmlns:a14="http://schemas.microsoft.com/office/drawing/2010/main" xmlns="">
+                <a14:hiddenEffects xmlns="" xmlns:a14="http://schemas.microsoft.com/office/drawing/2010/main">
                   <a:effectLst>
                     <a:outerShdw blurRad="63500" dist="38099" dir="2700000" algn="ctr" rotWithShape="0">
                       <a:srgbClr val="000000">
@@ -13206,7 +13196,7 @@
             <a:effectLst/>
             <a:extLst>
               <a:ext uri="{909E8E84-426E-40dd-AFC4-6F175D3DCCD1}">
-                <a14:hiddenFill xmlns:a14="http://schemas.microsoft.com/office/drawing/2010/main" xmlns="">
+                <a14:hiddenFill xmlns="" xmlns:a14="http://schemas.microsoft.com/office/drawing/2010/main">
                   <a:blipFill dpi="0" rotWithShape="0">
                     <a:blip/>
                     <a:srcRect/>
@@ -13217,7 +13207,7 @@
                 </a14:hiddenFill>
               </a:ext>
               <a:ext uri="{91240B29-F687-4f45-9708-019B960494DF}">
-                <a14:hiddenLine xmlns:a14="http://schemas.microsoft.com/office/drawing/2010/main" xmlns="" w="9525">
+                <a14:hiddenLine xmlns="" xmlns:a14="http://schemas.microsoft.com/office/drawing/2010/main" w="9525">
                   <a:solidFill>
                     <a:srgbClr val="000000"/>
                   </a:solidFill>
@@ -13227,7 +13217,7 @@
                 </a14:hiddenLine>
               </a:ext>
               <a:ext uri="{AF507438-7753-43e0-B8FC-AC1667EBCBE1}">
-                <a14:hiddenEffects xmlns:a14="http://schemas.microsoft.com/office/drawing/2010/main" xmlns="">
+                <a14:hiddenEffects xmlns="" xmlns:a14="http://schemas.microsoft.com/office/drawing/2010/main">
                   <a:effectLst>
                     <a:outerShdw blurRad="63500" dist="38099" dir="2700000" algn="ctr" rotWithShape="0">
                       <a:srgbClr val="000000">
@@ -13276,7 +13266,7 @@
             <a:effectLst/>
             <a:extLst>
               <a:ext uri="{909E8E84-426E-40dd-AFC4-6F175D3DCCD1}">
-                <a14:hiddenFill xmlns:a14="http://schemas.microsoft.com/office/drawing/2010/main" xmlns="">
+                <a14:hiddenFill xmlns="" xmlns:a14="http://schemas.microsoft.com/office/drawing/2010/main">
                   <a:blipFill dpi="0" rotWithShape="0">
                     <a:blip/>
                     <a:srcRect/>
@@ -13287,7 +13277,7 @@
                 </a14:hiddenFill>
               </a:ext>
               <a:ext uri="{91240B29-F687-4f45-9708-019B960494DF}">
-                <a14:hiddenLine xmlns:a14="http://schemas.microsoft.com/office/drawing/2010/main" xmlns="" w="9525">
+                <a14:hiddenLine xmlns="" xmlns:a14="http://schemas.microsoft.com/office/drawing/2010/main" w="9525">
                   <a:solidFill>
                     <a:srgbClr val="000000"/>
                   </a:solidFill>
@@ -13297,7 +13287,7 @@
                 </a14:hiddenLine>
               </a:ext>
               <a:ext uri="{AF507438-7753-43e0-B8FC-AC1667EBCBE1}">
-                <a14:hiddenEffects xmlns:a14="http://schemas.microsoft.com/office/drawing/2010/main" xmlns="">
+                <a14:hiddenEffects xmlns="" xmlns:a14="http://schemas.microsoft.com/office/drawing/2010/main">
                   <a:effectLst>
                     <a:outerShdw blurRad="63500" dist="38099" dir="2700000" algn="ctr" rotWithShape="0">
                       <a:srgbClr val="000000">
@@ -13346,7 +13336,7 @@
             <a:effectLst/>
             <a:extLst>
               <a:ext uri="{909E8E84-426E-40dd-AFC4-6F175D3DCCD1}">
-                <a14:hiddenFill xmlns:a14="http://schemas.microsoft.com/office/drawing/2010/main" xmlns="">
+                <a14:hiddenFill xmlns="" xmlns:a14="http://schemas.microsoft.com/office/drawing/2010/main">
                   <a:blipFill dpi="0" rotWithShape="0">
                     <a:blip/>
                     <a:srcRect/>
@@ -13357,7 +13347,7 @@
                 </a14:hiddenFill>
               </a:ext>
               <a:ext uri="{91240B29-F687-4f45-9708-019B960494DF}">
-                <a14:hiddenLine xmlns:a14="http://schemas.microsoft.com/office/drawing/2010/main" xmlns="" w="9525">
+                <a14:hiddenLine xmlns="" xmlns:a14="http://schemas.microsoft.com/office/drawing/2010/main" w="9525">
                   <a:solidFill>
                     <a:srgbClr val="000000"/>
                   </a:solidFill>
@@ -13367,7 +13357,7 @@
                 </a14:hiddenLine>
               </a:ext>
               <a:ext uri="{AF507438-7753-43e0-B8FC-AC1667EBCBE1}">
-                <a14:hiddenEffects xmlns:a14="http://schemas.microsoft.com/office/drawing/2010/main" xmlns="">
+                <a14:hiddenEffects xmlns="" xmlns:a14="http://schemas.microsoft.com/office/drawing/2010/main">
                   <a:effectLst>
                     <a:outerShdw blurRad="63500" dist="38099" dir="2700000" algn="ctr" rotWithShape="0">
                       <a:srgbClr val="000000">
@@ -13416,7 +13406,7 @@
             <a:effectLst/>
             <a:extLst>
               <a:ext uri="{909E8E84-426E-40dd-AFC4-6F175D3DCCD1}">
-                <a14:hiddenFill xmlns:a14="http://schemas.microsoft.com/office/drawing/2010/main" xmlns="">
+                <a14:hiddenFill xmlns="" xmlns:a14="http://schemas.microsoft.com/office/drawing/2010/main">
                   <a:blipFill dpi="0" rotWithShape="0">
                     <a:blip/>
                     <a:srcRect/>
@@ -13427,7 +13417,7 @@
                 </a14:hiddenFill>
               </a:ext>
               <a:ext uri="{91240B29-F687-4f45-9708-019B960494DF}">
-                <a14:hiddenLine xmlns:a14="http://schemas.microsoft.com/office/drawing/2010/main" xmlns="" w="9525">
+                <a14:hiddenLine xmlns="" xmlns:a14="http://schemas.microsoft.com/office/drawing/2010/main" w="9525">
                   <a:solidFill>
                     <a:srgbClr val="000000"/>
                   </a:solidFill>
@@ -13437,7 +13427,7 @@
                 </a14:hiddenLine>
               </a:ext>
               <a:ext uri="{AF507438-7753-43e0-B8FC-AC1667EBCBE1}">
-                <a14:hiddenEffects xmlns:a14="http://schemas.microsoft.com/office/drawing/2010/main" xmlns="">
+                <a14:hiddenEffects xmlns="" xmlns:a14="http://schemas.microsoft.com/office/drawing/2010/main">
                   <a:effectLst>
                     <a:outerShdw blurRad="63500" dist="38099" dir="2700000" algn="ctr" rotWithShape="0">
                       <a:srgbClr val="000000">
@@ -13486,7 +13476,7 @@
             <a:effectLst/>
             <a:extLst>
               <a:ext uri="{909E8E84-426E-40dd-AFC4-6F175D3DCCD1}">
-                <a14:hiddenFill xmlns:a14="http://schemas.microsoft.com/office/drawing/2010/main" xmlns="">
+                <a14:hiddenFill xmlns="" xmlns:a14="http://schemas.microsoft.com/office/drawing/2010/main">
                   <a:blipFill dpi="0" rotWithShape="0">
                     <a:blip/>
                     <a:srcRect/>
@@ -13497,7 +13487,7 @@
                 </a14:hiddenFill>
               </a:ext>
               <a:ext uri="{91240B29-F687-4f45-9708-019B960494DF}">
-                <a14:hiddenLine xmlns:a14="http://schemas.microsoft.com/office/drawing/2010/main" xmlns="" w="9525">
+                <a14:hiddenLine xmlns="" xmlns:a14="http://schemas.microsoft.com/office/drawing/2010/main" w="9525">
                   <a:solidFill>
                     <a:srgbClr val="000000"/>
                   </a:solidFill>
@@ -13507,7 +13497,7 @@
                 </a14:hiddenLine>
               </a:ext>
               <a:ext uri="{AF507438-7753-43e0-B8FC-AC1667EBCBE1}">
-                <a14:hiddenEffects xmlns:a14="http://schemas.microsoft.com/office/drawing/2010/main" xmlns="">
+                <a14:hiddenEffects xmlns="" xmlns:a14="http://schemas.microsoft.com/office/drawing/2010/main">
                   <a:effectLst>
                     <a:outerShdw blurRad="63500" dist="38099" dir="2700000" algn="ctr" rotWithShape="0">
                       <a:srgbClr val="000000">
@@ -13548,12 +13538,12 @@
             <a:effectLst/>
             <a:extLst>
               <a:ext uri="{909E8E84-426E-40dd-AFC4-6F175D3DCCD1}">
-                <a14:hiddenFill xmlns:a14="http://schemas.microsoft.com/office/drawing/2010/main" xmlns="">
+                <a14:hiddenFill xmlns="" xmlns:a14="http://schemas.microsoft.com/office/drawing/2010/main">
                   <a:noFill/>
                 </a14:hiddenFill>
               </a:ext>
               <a:ext uri="{AF507438-7753-43e0-B8FC-AC1667EBCBE1}">
-                <a14:hiddenEffects xmlns:a14="http://schemas.microsoft.com/office/drawing/2010/main" xmlns="">
+                <a14:hiddenEffects xmlns="" xmlns:a14="http://schemas.microsoft.com/office/drawing/2010/main">
                   <a:effectLst>
                     <a:outerShdw blurRad="63500" dist="38099" dir="2700000" algn="ctr" rotWithShape="0">
                       <a:srgbClr val="000000">
@@ -13606,12 +13596,12 @@
             <a:effectLst/>
             <a:extLst>
               <a:ext uri="{909E8E84-426E-40dd-AFC4-6F175D3DCCD1}">
-                <a14:hiddenFill xmlns:a14="http://schemas.microsoft.com/office/drawing/2010/main" xmlns="">
+                <a14:hiddenFill xmlns="" xmlns:a14="http://schemas.microsoft.com/office/drawing/2010/main">
                   <a:noFill/>
                 </a14:hiddenFill>
               </a:ext>
               <a:ext uri="{AF507438-7753-43e0-B8FC-AC1667EBCBE1}">
-                <a14:hiddenEffects xmlns:a14="http://schemas.microsoft.com/office/drawing/2010/main" xmlns="">
+                <a14:hiddenEffects xmlns="" xmlns:a14="http://schemas.microsoft.com/office/drawing/2010/main">
                   <a:effectLst>
                     <a:outerShdw blurRad="63500" dist="38099" dir="2700000" algn="ctr" rotWithShape="0">
                       <a:srgbClr val="000000">
@@ -13672,7 +13662,7 @@
             <a:effectLst/>
             <a:extLst>
               <a:ext uri="{909E8E84-426E-40dd-AFC4-6F175D3DCCD1}">
-                <a14:hiddenFill xmlns:a14="http://schemas.microsoft.com/office/drawing/2010/main" xmlns="">
+                <a14:hiddenFill xmlns="" xmlns:a14="http://schemas.microsoft.com/office/drawing/2010/main">
                   <a:blipFill dpi="0" rotWithShape="0">
                     <a:blip/>
                     <a:srcRect/>
@@ -13683,7 +13673,7 @@
                 </a14:hiddenFill>
               </a:ext>
               <a:ext uri="{91240B29-F687-4f45-9708-019B960494DF}">
-                <a14:hiddenLine xmlns:a14="http://schemas.microsoft.com/office/drawing/2010/main" xmlns="" w="9525">
+                <a14:hiddenLine xmlns="" xmlns:a14="http://schemas.microsoft.com/office/drawing/2010/main" w="9525">
                   <a:solidFill>
                     <a:srgbClr val="000000"/>
                   </a:solidFill>
@@ -13693,7 +13683,7 @@
                 </a14:hiddenLine>
               </a:ext>
               <a:ext uri="{AF507438-7753-43e0-B8FC-AC1667EBCBE1}">
-                <a14:hiddenEffects xmlns:a14="http://schemas.microsoft.com/office/drawing/2010/main" xmlns="">
+                <a14:hiddenEffects xmlns="" xmlns:a14="http://schemas.microsoft.com/office/drawing/2010/main">
                   <a:effectLst>
                     <a:outerShdw blurRad="63500" dist="38099" dir="2700000" algn="ctr" rotWithShape="0">
                       <a:srgbClr val="000000">
@@ -13826,7 +13816,7 @@
           <a:effectLst/>
           <a:extLst>
             <a:ext uri="{909E8E84-426E-40dd-AFC4-6F175D3DCCD1}">
-              <a14:hiddenFill xmlns="" xmlns:a14="http://schemas.microsoft.com/office/drawing/2010/main">
+              <a14:hiddenFill xmlns:a14="http://schemas.microsoft.com/office/drawing/2010/main" xmlns="">
                 <a:blipFill dpi="0" rotWithShape="0">
                   <a:blip/>
                   <a:srcRect/>
@@ -13837,7 +13827,7 @@
               </a14:hiddenFill>
             </a:ext>
             <a:ext uri="{91240B29-F687-4f45-9708-019B960494DF}">
-              <a14:hiddenLine xmlns="" xmlns:a14="http://schemas.microsoft.com/office/drawing/2010/main" w="9525">
+              <a14:hiddenLine xmlns:a14="http://schemas.microsoft.com/office/drawing/2010/main" xmlns="" w="9525">
                 <a:solidFill>
                   <a:srgbClr val="000000"/>
                 </a:solidFill>
@@ -13847,7 +13837,7 @@
               </a14:hiddenLine>
             </a:ext>
             <a:ext uri="{AF507438-7753-43e0-B8FC-AC1667EBCBE1}">
-              <a14:hiddenEffects xmlns="" xmlns:a14="http://schemas.microsoft.com/office/drawing/2010/main">
+              <a14:hiddenEffects xmlns:a14="http://schemas.microsoft.com/office/drawing/2010/main" xmlns="">
                 <a:effectLst>
                   <a:outerShdw blurRad="63500" dist="38099" dir="2700000" algn="ctr" rotWithShape="0">
                     <a:srgbClr val="000000">
@@ -13932,7 +13922,7 @@
           <a:effectLst/>
           <a:extLst>
             <a:ext uri="{909E8E84-426E-40dd-AFC4-6F175D3DCCD1}">
-              <a14:hiddenFill xmlns="" xmlns:a14="http://schemas.microsoft.com/office/drawing/2010/main">
+              <a14:hiddenFill xmlns:a14="http://schemas.microsoft.com/office/drawing/2010/main" xmlns="">
                 <a:blipFill dpi="0" rotWithShape="0">
                   <a:blip/>
                   <a:srcRect/>
@@ -13943,7 +13933,7 @@
               </a14:hiddenFill>
             </a:ext>
             <a:ext uri="{91240B29-F687-4f45-9708-019B960494DF}">
-              <a14:hiddenLine xmlns="" xmlns:a14="http://schemas.microsoft.com/office/drawing/2010/main" w="9525">
+              <a14:hiddenLine xmlns:a14="http://schemas.microsoft.com/office/drawing/2010/main" xmlns="" w="9525">
                 <a:solidFill>
                   <a:srgbClr val="000000"/>
                 </a:solidFill>
@@ -13953,7 +13943,7 @@
               </a14:hiddenLine>
             </a:ext>
             <a:ext uri="{AF507438-7753-43e0-B8FC-AC1667EBCBE1}">
-              <a14:hiddenEffects xmlns="" xmlns:a14="http://schemas.microsoft.com/office/drawing/2010/main">
+              <a14:hiddenEffects xmlns:a14="http://schemas.microsoft.com/office/drawing/2010/main" xmlns="">
                 <a:effectLst>
                   <a:outerShdw blurRad="63500" dist="38099" dir="2700000" algn="ctr" rotWithShape="0">
                     <a:srgbClr val="000000">
@@ -14038,7 +14028,7 @@
           <a:effectLst/>
           <a:extLst>
             <a:ext uri="{909E8E84-426E-40dd-AFC4-6F175D3DCCD1}">
-              <a14:hiddenFill xmlns="" xmlns:a14="http://schemas.microsoft.com/office/drawing/2010/main">
+              <a14:hiddenFill xmlns:a14="http://schemas.microsoft.com/office/drawing/2010/main" xmlns="">
                 <a:blipFill dpi="0" rotWithShape="0">
                   <a:blip/>
                   <a:srcRect/>
@@ -14049,7 +14039,7 @@
               </a14:hiddenFill>
             </a:ext>
             <a:ext uri="{91240B29-F687-4f45-9708-019B960494DF}">
-              <a14:hiddenLine xmlns="" xmlns:a14="http://schemas.microsoft.com/office/drawing/2010/main" w="9525">
+              <a14:hiddenLine xmlns:a14="http://schemas.microsoft.com/office/drawing/2010/main" xmlns="" w="9525">
                 <a:solidFill>
                   <a:srgbClr val="000000"/>
                 </a:solidFill>
@@ -14059,7 +14049,7 @@
               </a14:hiddenLine>
             </a:ext>
             <a:ext uri="{AF507438-7753-43e0-B8FC-AC1667EBCBE1}">
-              <a14:hiddenEffects xmlns="" xmlns:a14="http://schemas.microsoft.com/office/drawing/2010/main">
+              <a14:hiddenEffects xmlns:a14="http://schemas.microsoft.com/office/drawing/2010/main" xmlns="">
                 <a:effectLst>
                   <a:outerShdw blurRad="63500" dist="38099" dir="2700000" algn="ctr" rotWithShape="0">
                     <a:srgbClr val="000000">
@@ -14250,7 +14240,7 @@
           <a:effectLst/>
           <a:extLst>
             <a:ext uri="{909E8E84-426E-40dd-AFC4-6F175D3DCCD1}">
-              <a14:hiddenFill xmlns="" xmlns:a14="http://schemas.microsoft.com/office/drawing/2010/main">
+              <a14:hiddenFill xmlns:a14="http://schemas.microsoft.com/office/drawing/2010/main" xmlns="">
                 <a:blipFill dpi="0" rotWithShape="0">
                   <a:blip/>
                   <a:srcRect/>
@@ -14261,7 +14251,7 @@
               </a14:hiddenFill>
             </a:ext>
             <a:ext uri="{91240B29-F687-4f45-9708-019B960494DF}">
-              <a14:hiddenLine xmlns="" xmlns:a14="http://schemas.microsoft.com/office/drawing/2010/main" w="9525">
+              <a14:hiddenLine xmlns:a14="http://schemas.microsoft.com/office/drawing/2010/main" xmlns="" w="9525">
                 <a:solidFill>
                   <a:srgbClr val="000000"/>
                 </a:solidFill>
@@ -14271,7 +14261,7 @@
               </a14:hiddenLine>
             </a:ext>
             <a:ext uri="{AF507438-7753-43e0-B8FC-AC1667EBCBE1}">
-              <a14:hiddenEffects xmlns="" xmlns:a14="http://schemas.microsoft.com/office/drawing/2010/main">
+              <a14:hiddenEffects xmlns:a14="http://schemas.microsoft.com/office/drawing/2010/main" xmlns="">
                 <a:effectLst>
                   <a:outerShdw blurRad="63500" dist="38099" dir="2700000" algn="ctr" rotWithShape="0">
                     <a:srgbClr val="000000">
@@ -14349,7 +14339,7 @@
           <a:effectLst/>
           <a:extLst>
             <a:ext uri="{909E8E84-426E-40dd-AFC4-6F175D3DCCD1}">
-              <a14:hiddenFill xmlns="" xmlns:a14="http://schemas.microsoft.com/office/drawing/2010/main">
+              <a14:hiddenFill xmlns:a14="http://schemas.microsoft.com/office/drawing/2010/main" xmlns="">
                 <a:blipFill dpi="0" rotWithShape="0">
                   <a:blip/>
                   <a:srcRect/>
@@ -14360,7 +14350,7 @@
               </a14:hiddenFill>
             </a:ext>
             <a:ext uri="{91240B29-F687-4f45-9708-019B960494DF}">
-              <a14:hiddenLine xmlns="" xmlns:a14="http://schemas.microsoft.com/office/drawing/2010/main" w="9525">
+              <a14:hiddenLine xmlns:a14="http://schemas.microsoft.com/office/drawing/2010/main" xmlns="" w="9525">
                 <a:solidFill>
                   <a:srgbClr val="000000"/>
                 </a:solidFill>
@@ -14370,7 +14360,7 @@
               </a14:hiddenLine>
             </a:ext>
             <a:ext uri="{AF507438-7753-43e0-B8FC-AC1667EBCBE1}">
-              <a14:hiddenEffects xmlns="" xmlns:a14="http://schemas.microsoft.com/office/drawing/2010/main">
+              <a14:hiddenEffects xmlns:a14="http://schemas.microsoft.com/office/drawing/2010/main" xmlns="">
                 <a:effectLst>
                   <a:outerShdw blurRad="63500" dist="38099" dir="2700000" algn="ctr" rotWithShape="0">
                     <a:srgbClr val="000000">
@@ -16235,7 +16225,7 @@
           <a:effectLst/>
           <a:extLst>
             <a:ext uri="{909E8E84-426E-40dd-AFC4-6F175D3DCCD1}">
-              <a14:hiddenFill xmlns:a14="http://schemas.microsoft.com/office/drawing/2010/main" xmlns="">
+              <a14:hiddenFill xmlns="" xmlns:a14="http://schemas.microsoft.com/office/drawing/2010/main">
                 <a:blipFill dpi="0" rotWithShape="0">
                   <a:blip/>
                   <a:srcRect/>
@@ -16246,7 +16236,7 @@
               </a14:hiddenFill>
             </a:ext>
             <a:ext uri="{91240B29-F687-4f45-9708-019B960494DF}">
-              <a14:hiddenLine xmlns:a14="http://schemas.microsoft.com/office/drawing/2010/main" xmlns="" w="9525">
+              <a14:hiddenLine xmlns="" xmlns:a14="http://schemas.microsoft.com/office/drawing/2010/main" w="9525">
                 <a:solidFill>
                   <a:srgbClr val="000000"/>
                 </a:solidFill>
@@ -16256,7 +16246,7 @@
               </a14:hiddenLine>
             </a:ext>
             <a:ext uri="{AF507438-7753-43e0-B8FC-AC1667EBCBE1}">
-              <a14:hiddenEffects xmlns:a14="http://schemas.microsoft.com/office/drawing/2010/main" xmlns="">
+              <a14:hiddenEffects xmlns="" xmlns:a14="http://schemas.microsoft.com/office/drawing/2010/main">
                 <a:effectLst>
                   <a:outerShdw blurRad="63500" dist="38099" dir="2700000" algn="ctr" rotWithShape="0">
                     <a:srgbClr val="000000">
@@ -16416,7 +16406,7 @@
           <a:effectLst/>
           <a:extLst>
             <a:ext uri="{909E8E84-426E-40dd-AFC4-6F175D3DCCD1}">
-              <a14:hiddenFill xmlns:a14="http://schemas.microsoft.com/office/drawing/2010/main" xmlns="">
+              <a14:hiddenFill xmlns="" xmlns:a14="http://schemas.microsoft.com/office/drawing/2010/main">
                 <a:blipFill dpi="0" rotWithShape="0">
                   <a:blip/>
                   <a:srcRect/>
@@ -16427,7 +16417,7 @@
               </a14:hiddenFill>
             </a:ext>
             <a:ext uri="{91240B29-F687-4f45-9708-019B960494DF}">
-              <a14:hiddenLine xmlns:a14="http://schemas.microsoft.com/office/drawing/2010/main" xmlns="" w="9525">
+              <a14:hiddenLine xmlns="" xmlns:a14="http://schemas.microsoft.com/office/drawing/2010/main" w="9525">
                 <a:solidFill>
                   <a:srgbClr val="000000"/>
                 </a:solidFill>
@@ -16437,7 +16427,7 @@
               </a14:hiddenLine>
             </a:ext>
             <a:ext uri="{AF507438-7753-43e0-B8FC-AC1667EBCBE1}">
-              <a14:hiddenEffects xmlns:a14="http://schemas.microsoft.com/office/drawing/2010/main" xmlns="">
+              <a14:hiddenEffects xmlns="" xmlns:a14="http://schemas.microsoft.com/office/drawing/2010/main">
                 <a:effectLst>
                   <a:outerShdw blurRad="63500" dist="38099" dir="2700000" algn="ctr" rotWithShape="0">
                     <a:srgbClr val="000000">
@@ -18236,7 +18226,7 @@
           <a:effectLst/>
           <a:extLst>
             <a:ext uri="{909E8E84-426E-40dd-AFC4-6F175D3DCCD1}">
-              <a14:hiddenFill xmlns:a14="http://schemas.microsoft.com/office/drawing/2010/main" xmlns="">
+              <a14:hiddenFill xmlns="" xmlns:a14="http://schemas.microsoft.com/office/drawing/2010/main">
                 <a:blipFill dpi="0" rotWithShape="0">
                   <a:blip/>
                   <a:srcRect/>
@@ -18247,7 +18237,7 @@
               </a14:hiddenFill>
             </a:ext>
             <a:ext uri="{91240B29-F687-4f45-9708-019B960494DF}">
-              <a14:hiddenLine xmlns:a14="http://schemas.microsoft.com/office/drawing/2010/main" xmlns="" w="9525">
+              <a14:hiddenLine xmlns="" xmlns:a14="http://schemas.microsoft.com/office/drawing/2010/main" w="9525">
                 <a:solidFill>
                   <a:srgbClr val="000000"/>
                 </a:solidFill>
@@ -18257,7 +18247,7 @@
               </a14:hiddenLine>
             </a:ext>
             <a:ext uri="{AF507438-7753-43e0-B8FC-AC1667EBCBE1}">
-              <a14:hiddenEffects xmlns:a14="http://schemas.microsoft.com/office/drawing/2010/main" xmlns="">
+              <a14:hiddenEffects xmlns="" xmlns:a14="http://schemas.microsoft.com/office/drawing/2010/main">
                 <a:effectLst>
                   <a:outerShdw blurRad="63500" dist="38099" dir="2700000" algn="ctr" rotWithShape="0">
                     <a:srgbClr val="000000">
@@ -18350,7 +18340,7 @@
           <a:effectLst/>
           <a:extLst>
             <a:ext uri="{909E8E84-426E-40dd-AFC4-6F175D3DCCD1}">
-              <a14:hiddenFill xmlns:a14="http://schemas.microsoft.com/office/drawing/2010/main" xmlns="">
+              <a14:hiddenFill xmlns="" xmlns:a14="http://schemas.microsoft.com/office/drawing/2010/main">
                 <a:blipFill dpi="0" rotWithShape="0">
                   <a:blip/>
                   <a:srcRect/>
@@ -18361,7 +18351,7 @@
               </a14:hiddenFill>
             </a:ext>
             <a:ext uri="{91240B29-F687-4f45-9708-019B960494DF}">
-              <a14:hiddenLine xmlns:a14="http://schemas.microsoft.com/office/drawing/2010/main" xmlns="" w="9525">
+              <a14:hiddenLine xmlns="" xmlns:a14="http://schemas.microsoft.com/office/drawing/2010/main" w="9525">
                 <a:solidFill>
                   <a:srgbClr val="000000"/>
                 </a:solidFill>
@@ -18371,7 +18361,7 @@
               </a14:hiddenLine>
             </a:ext>
             <a:ext uri="{AF507438-7753-43e0-B8FC-AC1667EBCBE1}">
-              <a14:hiddenEffects xmlns:a14="http://schemas.microsoft.com/office/drawing/2010/main" xmlns="">
+              <a14:hiddenEffects xmlns="" xmlns:a14="http://schemas.microsoft.com/office/drawing/2010/main">
                 <a:effectLst>
                   <a:outerShdw blurRad="63500" dist="38099" dir="2700000" algn="ctr" rotWithShape="0">
                     <a:srgbClr val="000000">
@@ -21243,7 +21233,7 @@
           <a:effectLst/>
           <a:extLst>
             <a:ext uri="{909E8E84-426E-40dd-AFC4-6F175D3DCCD1}">
-              <a14:hiddenFill xmlns:a14="http://schemas.microsoft.com/office/drawing/2010/main" xmlns="">
+              <a14:hiddenFill xmlns="" xmlns:a14="http://schemas.microsoft.com/office/drawing/2010/main">
                 <a:blipFill dpi="0" rotWithShape="0">
                   <a:blip/>
                   <a:srcRect/>
@@ -21254,7 +21244,7 @@
               </a14:hiddenFill>
             </a:ext>
             <a:ext uri="{91240B29-F687-4f45-9708-019B960494DF}">
-              <a14:hiddenLine xmlns:a14="http://schemas.microsoft.com/office/drawing/2010/main" xmlns="" w="9525">
+              <a14:hiddenLine xmlns="" xmlns:a14="http://schemas.microsoft.com/office/drawing/2010/main" w="9525">
                 <a:solidFill>
                   <a:srgbClr val="000000"/>
                 </a:solidFill>
@@ -21264,7 +21254,7 @@
               </a14:hiddenLine>
             </a:ext>
             <a:ext uri="{AF507438-7753-43e0-B8FC-AC1667EBCBE1}">
-              <a14:hiddenEffects xmlns:a14="http://schemas.microsoft.com/office/drawing/2010/main" xmlns="">
+              <a14:hiddenEffects xmlns="" xmlns:a14="http://schemas.microsoft.com/office/drawing/2010/main">
                 <a:effectLst>
                   <a:outerShdw blurRad="63500" dist="38099" dir="2700000" algn="ctr" rotWithShape="0">
                     <a:srgbClr val="000000">
@@ -21343,7 +21333,7 @@
           <a:effectLst/>
           <a:extLst>
             <a:ext uri="{909E8E84-426E-40dd-AFC4-6F175D3DCCD1}">
-              <a14:hiddenFill xmlns:a14="http://schemas.microsoft.com/office/drawing/2010/main" xmlns="">
+              <a14:hiddenFill xmlns="" xmlns:a14="http://schemas.microsoft.com/office/drawing/2010/main">
                 <a:blipFill dpi="0" rotWithShape="0">
                   <a:blip/>
                   <a:srcRect/>
@@ -21354,7 +21344,7 @@
               </a14:hiddenFill>
             </a:ext>
             <a:ext uri="{91240B29-F687-4f45-9708-019B960494DF}">
-              <a14:hiddenLine xmlns:a14="http://schemas.microsoft.com/office/drawing/2010/main" xmlns="" w="9525">
+              <a14:hiddenLine xmlns="" xmlns:a14="http://schemas.microsoft.com/office/drawing/2010/main" w="9525">
                 <a:solidFill>
                   <a:srgbClr val="000000"/>
                 </a:solidFill>
@@ -21364,7 +21354,7 @@
               </a14:hiddenLine>
             </a:ext>
             <a:ext uri="{AF507438-7753-43e0-B8FC-AC1667EBCBE1}">
-              <a14:hiddenEffects xmlns:a14="http://schemas.microsoft.com/office/drawing/2010/main" xmlns="">
+              <a14:hiddenEffects xmlns="" xmlns:a14="http://schemas.microsoft.com/office/drawing/2010/main">
                 <a:effectLst>
                   <a:outerShdw blurRad="63500" dist="38099" dir="2700000" algn="ctr" rotWithShape="0">
                     <a:srgbClr val="000000">
@@ -22947,7 +22937,7 @@
           <a:effectLst/>
           <a:extLst>
             <a:ext uri="{909E8E84-426E-40dd-AFC4-6F175D3DCCD1}">
-              <a14:hiddenFill xmlns:a14="http://schemas.microsoft.com/office/drawing/2010/main" xmlns="">
+              <a14:hiddenFill xmlns="" xmlns:a14="http://schemas.microsoft.com/office/drawing/2010/main">
                 <a:blipFill dpi="0" rotWithShape="0">
                   <a:blip/>
                   <a:srcRect/>
@@ -22958,7 +22948,7 @@
               </a14:hiddenFill>
             </a:ext>
             <a:ext uri="{91240B29-F687-4f45-9708-019B960494DF}">
-              <a14:hiddenLine xmlns:a14="http://schemas.microsoft.com/office/drawing/2010/main" xmlns="" w="9525">
+              <a14:hiddenLine xmlns="" xmlns:a14="http://schemas.microsoft.com/office/drawing/2010/main" w="9525">
                 <a:solidFill>
                   <a:srgbClr val="000000"/>
                 </a:solidFill>
@@ -22968,7 +22958,7 @@
               </a14:hiddenLine>
             </a:ext>
             <a:ext uri="{AF507438-7753-43e0-B8FC-AC1667EBCBE1}">
-              <a14:hiddenEffects xmlns:a14="http://schemas.microsoft.com/office/drawing/2010/main" xmlns="">
+              <a14:hiddenEffects xmlns="" xmlns:a14="http://schemas.microsoft.com/office/drawing/2010/main">
                 <a:effectLst>
                   <a:outerShdw blurRad="63500" dist="38099" dir="2700000" algn="ctr" rotWithShape="0">
                     <a:srgbClr val="000000">
@@ -24616,7 +24606,7 @@
           <a:effectLst/>
           <a:extLst>
             <a:ext uri="{909E8E84-426E-40dd-AFC4-6F175D3DCCD1}">
-              <a14:hiddenFill xmlns:a14="http://schemas.microsoft.com/office/drawing/2010/main" xmlns="">
+              <a14:hiddenFill xmlns="" xmlns:a14="http://schemas.microsoft.com/office/drawing/2010/main">
                 <a:blipFill dpi="0" rotWithShape="0">
                   <a:blip/>
                   <a:srcRect/>
@@ -24627,7 +24617,7 @@
               </a14:hiddenFill>
             </a:ext>
             <a:ext uri="{91240B29-F687-4f45-9708-019B960494DF}">
-              <a14:hiddenLine xmlns:a14="http://schemas.microsoft.com/office/drawing/2010/main" xmlns="" w="9525">
+              <a14:hiddenLine xmlns="" xmlns:a14="http://schemas.microsoft.com/office/drawing/2010/main" w="9525">
                 <a:solidFill>
                   <a:srgbClr val="000000"/>
                 </a:solidFill>
@@ -24637,7 +24627,7 @@
               </a14:hiddenLine>
             </a:ext>
             <a:ext uri="{AF507438-7753-43e0-B8FC-AC1667EBCBE1}">
-              <a14:hiddenEffects xmlns:a14="http://schemas.microsoft.com/office/drawing/2010/main" xmlns="">
+              <a14:hiddenEffects xmlns="" xmlns:a14="http://schemas.microsoft.com/office/drawing/2010/main">
                 <a:effectLst>
                   <a:outerShdw blurRad="63500" dist="38099" dir="2700000" algn="ctr" rotWithShape="0">
                     <a:srgbClr val="000000">
@@ -25999,7 +25989,7 @@
           <a:effectLst/>
           <a:extLst>
             <a:ext uri="{909E8E84-426E-40dd-AFC4-6F175D3DCCD1}">
-              <a14:hiddenFill xmlns:a14="http://schemas.microsoft.com/office/drawing/2010/main" xmlns="">
+              <a14:hiddenFill xmlns="" xmlns:a14="http://schemas.microsoft.com/office/drawing/2010/main">
                 <a:blipFill dpi="0" rotWithShape="0">
                   <a:blip/>
                   <a:srcRect/>
@@ -26010,7 +26000,7 @@
               </a14:hiddenFill>
             </a:ext>
             <a:ext uri="{91240B29-F687-4f45-9708-019B960494DF}">
-              <a14:hiddenLine xmlns:a14="http://schemas.microsoft.com/office/drawing/2010/main" xmlns="" w="9525">
+              <a14:hiddenLine xmlns="" xmlns:a14="http://schemas.microsoft.com/office/drawing/2010/main" w="9525">
                 <a:solidFill>
                   <a:srgbClr val="000000"/>
                 </a:solidFill>
@@ -26020,7 +26010,7 @@
               </a14:hiddenLine>
             </a:ext>
             <a:ext uri="{AF507438-7753-43e0-B8FC-AC1667EBCBE1}">
-              <a14:hiddenEffects xmlns:a14="http://schemas.microsoft.com/office/drawing/2010/main" xmlns="">
+              <a14:hiddenEffects xmlns="" xmlns:a14="http://schemas.microsoft.com/office/drawing/2010/main">
                 <a:effectLst>
                   <a:outerShdw blurRad="63500" dist="38099" dir="2700000" algn="ctr" rotWithShape="0">
                     <a:srgbClr val="000000">
@@ -26151,7 +26141,7 @@
           <a:effectLst/>
           <a:extLst>
             <a:ext uri="{909E8E84-426E-40dd-AFC4-6F175D3DCCD1}">
-              <a14:hiddenFill xmlns:a14="http://schemas.microsoft.com/office/drawing/2010/main" xmlns="">
+              <a14:hiddenFill xmlns="" xmlns:a14="http://schemas.microsoft.com/office/drawing/2010/main">
                 <a:blipFill dpi="0" rotWithShape="0">
                   <a:blip/>
                   <a:srcRect/>
@@ -26162,7 +26152,7 @@
               </a14:hiddenFill>
             </a:ext>
             <a:ext uri="{91240B29-F687-4f45-9708-019B960494DF}">
-              <a14:hiddenLine xmlns:a14="http://schemas.microsoft.com/office/drawing/2010/main" xmlns="" w="9525">
+              <a14:hiddenLine xmlns="" xmlns:a14="http://schemas.microsoft.com/office/drawing/2010/main" w="9525">
                 <a:solidFill>
                   <a:srgbClr val="000000"/>
                 </a:solidFill>
@@ -26172,7 +26162,7 @@
               </a14:hiddenLine>
             </a:ext>
             <a:ext uri="{AF507438-7753-43e0-B8FC-AC1667EBCBE1}">
-              <a14:hiddenEffects xmlns:a14="http://schemas.microsoft.com/office/drawing/2010/main" xmlns="">
+              <a14:hiddenEffects xmlns="" xmlns:a14="http://schemas.microsoft.com/office/drawing/2010/main">
                 <a:effectLst>
                   <a:outerShdw blurRad="63500" dist="38099" dir="2700000" algn="ctr" rotWithShape="0">
                     <a:srgbClr val="000000">
@@ -28902,8 +28892,8 @@
           </a:p>
         </p:txBody>
       </p:sp>
-      <mc:AlternateContent xmlns:mc="http://schemas.openxmlformats.org/markup-compatibility/2006">
-        <mc:Choice xmlns:a14="http://schemas.microsoft.com/office/drawing/2010/main" Requires="a14">
+      <mc:AlternateContent xmlns:mc="http://schemas.openxmlformats.org/markup-compatibility/2006" xmlns:a14="http://schemas.microsoft.com/office/drawing/2010/main">
+        <mc:Choice Requires="a14">
           <p:sp>
             <p:nvSpPr>
               <p:cNvPr id="3" name="Content Placeholder 2"/>
@@ -29712,7 +29702,7 @@
             </p:txBody>
           </p:sp>
         </mc:Choice>
-        <mc:Fallback>
+        <mc:Fallback xmlns="">
           <p:sp>
             <p:nvSpPr>
               <p:cNvPr id="3" name="Content Placeholder 2"/>
@@ -32052,14 +32042,12 @@
           </a:p>
           <a:p>
             <a:r>
+              <a:rPr lang="en-US"/>
+              <a:t>Micro-burst </a:t>
+            </a:r>
+            <a:r>
               <a:rPr lang="en-US" dirty="0"/>
-              <a:t>Counting number of timeouts in a TCP connection</a:t>
-            </a:r>
-          </a:p>
-          <a:p>
-            <a:r>
-              <a:rPr lang="en-US" dirty="0"/>
-              <a:t>Micro-burst detection</a:t>
+              <a:t>detection</a:t>
             </a:r>
           </a:p>
           <a:p>
@@ -32264,15 +32252,33 @@
                                   </p:childTnLst>
                                 </p:cTn>
                               </p:par>
+                            </p:childTnLst>
+                          </p:cTn>
+                        </p:par>
+                      </p:childTnLst>
+                    </p:cTn>
+                  </p:par>
+                  <p:par>
+                    <p:cTn id="13" fill="hold">
+                      <p:stCondLst>
+                        <p:cond delay="indefinite"/>
+                      </p:stCondLst>
+                      <p:childTnLst>
+                        <p:par>
+                          <p:cTn id="14" fill="hold">
+                            <p:stCondLst>
+                              <p:cond delay="0"/>
+                            </p:stCondLst>
+                            <p:childTnLst>
                               <p:par>
-                                <p:cTn id="13" presetID="1" presetClass="entr" presetSubtype="0" fill="hold" nodeType="withEffect">
+                                <p:cTn id="15" presetID="1" presetClass="entr" presetSubtype="0" fill="hold" nodeType="clickEffect">
                                   <p:stCondLst>
                                     <p:cond delay="0"/>
                                   </p:stCondLst>
                                   <p:childTnLst>
                                     <p:set>
                                       <p:cBhvr>
-                                        <p:cTn id="14" dur="1" fill="hold">
+                                        <p:cTn id="16" dur="1" fill="hold">
                                           <p:stCondLst>
                                             <p:cond delay="0"/>
                                           </p:stCondLst>
@@ -32281,55 +32287,6 @@
                                           <p:spTgt spid="3">
                                             <p:txEl>
                                               <p:pRg st="4" end="4"/>
-                                            </p:txEl>
-                                          </p:spTgt>
-                                        </p:tgtEl>
-                                        <p:attrNameLst>
-                                          <p:attrName>style.visibility</p:attrName>
-                                        </p:attrNameLst>
-                                      </p:cBhvr>
-                                      <p:to>
-                                        <p:strVal val="visible"/>
-                                      </p:to>
-                                    </p:set>
-                                  </p:childTnLst>
-                                </p:cTn>
-                              </p:par>
-                            </p:childTnLst>
-                          </p:cTn>
-                        </p:par>
-                      </p:childTnLst>
-                    </p:cTn>
-                  </p:par>
-                  <p:par>
-                    <p:cTn id="15" fill="hold">
-                      <p:stCondLst>
-                        <p:cond delay="indefinite"/>
-                      </p:stCondLst>
-                      <p:childTnLst>
-                        <p:par>
-                          <p:cTn id="16" fill="hold">
-                            <p:stCondLst>
-                              <p:cond delay="0"/>
-                            </p:stCondLst>
-                            <p:childTnLst>
-                              <p:par>
-                                <p:cTn id="17" presetID="1" presetClass="entr" presetSubtype="0" fill="hold" nodeType="clickEffect">
-                                  <p:stCondLst>
-                                    <p:cond delay="0"/>
-                                  </p:stCondLst>
-                                  <p:childTnLst>
-                                    <p:set>
-                                      <p:cBhvr>
-                                        <p:cTn id="18" dur="1" fill="hold">
-                                          <p:stCondLst>
-                                            <p:cond delay="0"/>
-                                          </p:stCondLst>
-                                        </p:cTn>
-                                        <p:tgtEl>
-                                          <p:spTgt spid="3">
-                                            <p:txEl>
-                                              <p:pRg st="5" end="5"/>
                                             </p:txEl>
                                           </p:spTgt>
                                         </p:tgtEl>
@@ -33874,7 +33831,7 @@
           <a:effectLst/>
           <a:extLst>
             <a:ext uri="{909E8E84-426E-40dd-AFC4-6F175D3DCCD1}">
-              <a14:hiddenFill xmlns="" xmlns:a14="http://schemas.microsoft.com/office/drawing/2010/main">
+              <a14:hiddenFill xmlns:a14="http://schemas.microsoft.com/office/drawing/2010/main" xmlns="">
                 <a:blipFill dpi="0" rotWithShape="0">
                   <a:blip/>
                   <a:srcRect/>
@@ -33885,7 +33842,7 @@
               </a14:hiddenFill>
             </a:ext>
             <a:ext uri="{91240B29-F687-4f45-9708-019B960494DF}">
-              <a14:hiddenLine xmlns="" xmlns:a14="http://schemas.microsoft.com/office/drawing/2010/main" w="9525">
+              <a14:hiddenLine xmlns:a14="http://schemas.microsoft.com/office/drawing/2010/main" xmlns="" w="9525">
                 <a:solidFill>
                   <a:srgbClr val="000000"/>
                 </a:solidFill>
@@ -33895,7 +33852,7 @@
               </a14:hiddenLine>
             </a:ext>
             <a:ext uri="{AF507438-7753-43e0-B8FC-AC1667EBCBE1}">
-              <a14:hiddenEffects xmlns="" xmlns:a14="http://schemas.microsoft.com/office/drawing/2010/main">
+              <a14:hiddenEffects xmlns:a14="http://schemas.microsoft.com/office/drawing/2010/main" xmlns="">
                 <a:effectLst>
                   <a:outerShdw blurRad="63500" dist="38099" dir="2700000" algn="ctr" rotWithShape="0">
                     <a:srgbClr val="000000">

--- a/marple.pptx
+++ b/marple.pptx
@@ -12180,7 +12180,7 @@
           <a:effectLst/>
           <a:extLst>
             <a:ext uri="{909E8E84-426E-40dd-AFC4-6F175D3DCCD1}">
-              <a14:hiddenFill xmlns:a14="http://schemas.microsoft.com/office/drawing/2010/main" xmlns="">
+              <a14:hiddenFill xmlns="" xmlns:a14="http://schemas.microsoft.com/office/drawing/2010/main">
                 <a:blipFill dpi="0" rotWithShape="0">
                   <a:blip/>
                   <a:srcRect/>
@@ -12191,7 +12191,7 @@
               </a14:hiddenFill>
             </a:ext>
             <a:ext uri="{91240B29-F687-4f45-9708-019B960494DF}">
-              <a14:hiddenLine xmlns:a14="http://schemas.microsoft.com/office/drawing/2010/main" xmlns="" w="9525">
+              <a14:hiddenLine xmlns="" xmlns:a14="http://schemas.microsoft.com/office/drawing/2010/main" w="9525">
                 <a:solidFill>
                   <a:srgbClr val="000000"/>
                 </a:solidFill>
@@ -12201,7 +12201,7 @@
               </a14:hiddenLine>
             </a:ext>
             <a:ext uri="{AF507438-7753-43e0-B8FC-AC1667EBCBE1}">
-              <a14:hiddenEffects xmlns:a14="http://schemas.microsoft.com/office/drawing/2010/main" xmlns="">
+              <a14:hiddenEffects xmlns="" xmlns:a14="http://schemas.microsoft.com/office/drawing/2010/main">
                 <a:effectLst>
                   <a:outerShdw blurRad="63500" dist="38099" dir="2700000" algn="ctr" rotWithShape="0">
                     <a:srgbClr val="000000">
@@ -12250,7 +12250,7 @@
           <a:effectLst/>
           <a:extLst>
             <a:ext uri="{909E8E84-426E-40dd-AFC4-6F175D3DCCD1}">
-              <a14:hiddenFill xmlns:a14="http://schemas.microsoft.com/office/drawing/2010/main" xmlns="">
+              <a14:hiddenFill xmlns="" xmlns:a14="http://schemas.microsoft.com/office/drawing/2010/main">
                 <a:blipFill dpi="0" rotWithShape="0">
                   <a:blip/>
                   <a:srcRect/>
@@ -12261,7 +12261,7 @@
               </a14:hiddenFill>
             </a:ext>
             <a:ext uri="{91240B29-F687-4f45-9708-019B960494DF}">
-              <a14:hiddenLine xmlns:a14="http://schemas.microsoft.com/office/drawing/2010/main" xmlns="" w="9525">
+              <a14:hiddenLine xmlns="" xmlns:a14="http://schemas.microsoft.com/office/drawing/2010/main" w="9525">
                 <a:solidFill>
                   <a:srgbClr val="000000"/>
                 </a:solidFill>
@@ -12271,7 +12271,7 @@
               </a14:hiddenLine>
             </a:ext>
             <a:ext uri="{AF507438-7753-43e0-B8FC-AC1667EBCBE1}">
-              <a14:hiddenEffects xmlns:a14="http://schemas.microsoft.com/office/drawing/2010/main" xmlns="">
+              <a14:hiddenEffects xmlns="" xmlns:a14="http://schemas.microsoft.com/office/drawing/2010/main">
                 <a:effectLst>
                   <a:outerShdw blurRad="63500" dist="38099" dir="2700000" algn="ctr" rotWithShape="0">
                     <a:srgbClr val="000000">
@@ -12406,7 +12406,7 @@
             <a:effectLst/>
             <a:extLst>
               <a:ext uri="{909E8E84-426E-40dd-AFC4-6F175D3DCCD1}">
-                <a14:hiddenFill xmlns="" xmlns:a14="http://schemas.microsoft.com/office/drawing/2010/main">
+                <a14:hiddenFill xmlns:a14="http://schemas.microsoft.com/office/drawing/2010/main" xmlns="">
                   <a:blipFill dpi="0" rotWithShape="0">
                     <a:blip/>
                     <a:srcRect/>
@@ -12417,7 +12417,7 @@
                 </a14:hiddenFill>
               </a:ext>
               <a:ext uri="{91240B29-F687-4f45-9708-019B960494DF}">
-                <a14:hiddenLine xmlns="" xmlns:a14="http://schemas.microsoft.com/office/drawing/2010/main" w="9525">
+                <a14:hiddenLine xmlns:a14="http://schemas.microsoft.com/office/drawing/2010/main" xmlns="" w="9525">
                   <a:solidFill>
                     <a:srgbClr val="000000"/>
                   </a:solidFill>
@@ -12427,7 +12427,7 @@
                 </a14:hiddenLine>
               </a:ext>
               <a:ext uri="{AF507438-7753-43e0-B8FC-AC1667EBCBE1}">
-                <a14:hiddenEffects xmlns="" xmlns:a14="http://schemas.microsoft.com/office/drawing/2010/main">
+                <a14:hiddenEffects xmlns:a14="http://schemas.microsoft.com/office/drawing/2010/main" xmlns="">
                   <a:effectLst>
                     <a:outerShdw blurRad="63500" dist="38099" dir="2700000" algn="ctr" rotWithShape="0">
                       <a:srgbClr val="000000">
@@ -12476,7 +12476,7 @@
             <a:effectLst/>
             <a:extLst>
               <a:ext uri="{909E8E84-426E-40dd-AFC4-6F175D3DCCD1}">
-                <a14:hiddenFill xmlns="" xmlns:a14="http://schemas.microsoft.com/office/drawing/2010/main">
+                <a14:hiddenFill xmlns:a14="http://schemas.microsoft.com/office/drawing/2010/main" xmlns="">
                   <a:blipFill dpi="0" rotWithShape="0">
                     <a:blip/>
                     <a:srcRect/>
@@ -12487,7 +12487,7 @@
                 </a14:hiddenFill>
               </a:ext>
               <a:ext uri="{91240B29-F687-4f45-9708-019B960494DF}">
-                <a14:hiddenLine xmlns="" xmlns:a14="http://schemas.microsoft.com/office/drawing/2010/main" w="9525">
+                <a14:hiddenLine xmlns:a14="http://schemas.microsoft.com/office/drawing/2010/main" xmlns="" w="9525">
                   <a:solidFill>
                     <a:srgbClr val="000000"/>
                   </a:solidFill>
@@ -12497,7 +12497,7 @@
                 </a14:hiddenLine>
               </a:ext>
               <a:ext uri="{AF507438-7753-43e0-B8FC-AC1667EBCBE1}">
-                <a14:hiddenEffects xmlns="" xmlns:a14="http://schemas.microsoft.com/office/drawing/2010/main">
+                <a14:hiddenEffects xmlns:a14="http://schemas.microsoft.com/office/drawing/2010/main" xmlns="">
                   <a:effectLst>
                     <a:outerShdw blurRad="63500" dist="38099" dir="2700000" algn="ctr" rotWithShape="0">
                       <a:srgbClr val="000000">
@@ -12546,7 +12546,7 @@
             <a:effectLst/>
             <a:extLst>
               <a:ext uri="{909E8E84-426E-40dd-AFC4-6F175D3DCCD1}">
-                <a14:hiddenFill xmlns="" xmlns:a14="http://schemas.microsoft.com/office/drawing/2010/main">
+                <a14:hiddenFill xmlns:a14="http://schemas.microsoft.com/office/drawing/2010/main" xmlns="">
                   <a:blipFill dpi="0" rotWithShape="0">
                     <a:blip/>
                     <a:srcRect/>
@@ -12557,7 +12557,7 @@
                 </a14:hiddenFill>
               </a:ext>
               <a:ext uri="{91240B29-F687-4f45-9708-019B960494DF}">
-                <a14:hiddenLine xmlns="" xmlns:a14="http://schemas.microsoft.com/office/drawing/2010/main" w="9525">
+                <a14:hiddenLine xmlns:a14="http://schemas.microsoft.com/office/drawing/2010/main" xmlns="" w="9525">
                   <a:solidFill>
                     <a:srgbClr val="000000"/>
                   </a:solidFill>
@@ -12567,7 +12567,7 @@
                 </a14:hiddenLine>
               </a:ext>
               <a:ext uri="{AF507438-7753-43e0-B8FC-AC1667EBCBE1}">
-                <a14:hiddenEffects xmlns="" xmlns:a14="http://schemas.microsoft.com/office/drawing/2010/main">
+                <a14:hiddenEffects xmlns:a14="http://schemas.microsoft.com/office/drawing/2010/main" xmlns="">
                   <a:effectLst>
                     <a:outerShdw blurRad="63500" dist="38099" dir="2700000" algn="ctr" rotWithShape="0">
                       <a:srgbClr val="000000">
@@ -12608,12 +12608,12 @@
             <a:effectLst/>
             <a:extLst>
               <a:ext uri="{909E8E84-426E-40dd-AFC4-6F175D3DCCD1}">
-                <a14:hiddenFill xmlns="" xmlns:a14="http://schemas.microsoft.com/office/drawing/2010/main">
+                <a14:hiddenFill xmlns:a14="http://schemas.microsoft.com/office/drawing/2010/main" xmlns="">
                   <a:noFill/>
                 </a14:hiddenFill>
               </a:ext>
               <a:ext uri="{AF507438-7753-43e0-B8FC-AC1667EBCBE1}">
-                <a14:hiddenEffects xmlns="" xmlns:a14="http://schemas.microsoft.com/office/drawing/2010/main">
+                <a14:hiddenEffects xmlns:a14="http://schemas.microsoft.com/office/drawing/2010/main" xmlns="">
                   <a:effectLst>
                     <a:outerShdw blurRad="63500" dist="38099" dir="2700000" algn="ctr" rotWithShape="0">
                       <a:srgbClr val="000000">
@@ -12666,12 +12666,12 @@
             <a:effectLst/>
             <a:extLst>
               <a:ext uri="{909E8E84-426E-40dd-AFC4-6F175D3DCCD1}">
-                <a14:hiddenFill xmlns="" xmlns:a14="http://schemas.microsoft.com/office/drawing/2010/main">
+                <a14:hiddenFill xmlns:a14="http://schemas.microsoft.com/office/drawing/2010/main" xmlns="">
                   <a:noFill/>
                 </a14:hiddenFill>
               </a:ext>
               <a:ext uri="{AF507438-7753-43e0-B8FC-AC1667EBCBE1}">
-                <a14:hiddenEffects xmlns="" xmlns:a14="http://schemas.microsoft.com/office/drawing/2010/main">
+                <a14:hiddenEffects xmlns:a14="http://schemas.microsoft.com/office/drawing/2010/main" xmlns="">
                   <a:effectLst>
                     <a:outerShdw blurRad="63500" dist="38099" dir="2700000" algn="ctr" rotWithShape="0">
                       <a:srgbClr val="000000">
@@ -12724,12 +12724,12 @@
             <a:effectLst/>
             <a:extLst>
               <a:ext uri="{909E8E84-426E-40dd-AFC4-6F175D3DCCD1}">
-                <a14:hiddenFill xmlns="" xmlns:a14="http://schemas.microsoft.com/office/drawing/2010/main">
+                <a14:hiddenFill xmlns:a14="http://schemas.microsoft.com/office/drawing/2010/main" xmlns="">
                   <a:noFill/>
                 </a14:hiddenFill>
               </a:ext>
               <a:ext uri="{AF507438-7753-43e0-B8FC-AC1667EBCBE1}">
-                <a14:hiddenEffects xmlns="" xmlns:a14="http://schemas.microsoft.com/office/drawing/2010/main">
+                <a14:hiddenEffects xmlns:a14="http://schemas.microsoft.com/office/drawing/2010/main" xmlns="">
                   <a:effectLst>
                     <a:outerShdw blurRad="63500" dist="38099" dir="2700000" algn="ctr" rotWithShape="0">
                       <a:srgbClr val="000000">
@@ -12782,12 +12782,12 @@
             <a:effectLst/>
             <a:extLst>
               <a:ext uri="{909E8E84-426E-40dd-AFC4-6F175D3DCCD1}">
-                <a14:hiddenFill xmlns="" xmlns:a14="http://schemas.microsoft.com/office/drawing/2010/main">
+                <a14:hiddenFill xmlns:a14="http://schemas.microsoft.com/office/drawing/2010/main" xmlns="">
                   <a:noFill/>
                 </a14:hiddenFill>
               </a:ext>
               <a:ext uri="{AF507438-7753-43e0-B8FC-AC1667EBCBE1}">
-                <a14:hiddenEffects xmlns="" xmlns:a14="http://schemas.microsoft.com/office/drawing/2010/main">
+                <a14:hiddenEffects xmlns:a14="http://schemas.microsoft.com/office/drawing/2010/main" xmlns="">
                   <a:effectLst>
                     <a:outerShdw blurRad="63500" dist="38099" dir="2700000" algn="ctr" rotWithShape="0">
                       <a:srgbClr val="000000">
@@ -12840,12 +12840,12 @@
             <a:effectLst/>
             <a:extLst>
               <a:ext uri="{909E8E84-426E-40dd-AFC4-6F175D3DCCD1}">
-                <a14:hiddenFill xmlns="" xmlns:a14="http://schemas.microsoft.com/office/drawing/2010/main">
+                <a14:hiddenFill xmlns:a14="http://schemas.microsoft.com/office/drawing/2010/main" xmlns="">
                   <a:noFill/>
                 </a14:hiddenFill>
               </a:ext>
               <a:ext uri="{AF507438-7753-43e0-B8FC-AC1667EBCBE1}">
-                <a14:hiddenEffects xmlns="" xmlns:a14="http://schemas.microsoft.com/office/drawing/2010/main">
+                <a14:hiddenEffects xmlns:a14="http://schemas.microsoft.com/office/drawing/2010/main" xmlns="">
                   <a:effectLst>
                     <a:outerShdw blurRad="63500" dist="38099" dir="2700000" algn="ctr" rotWithShape="0">
                       <a:srgbClr val="000000">
@@ -12898,12 +12898,12 @@
             <a:effectLst/>
             <a:extLst>
               <a:ext uri="{909E8E84-426E-40dd-AFC4-6F175D3DCCD1}">
-                <a14:hiddenFill xmlns="" xmlns:a14="http://schemas.microsoft.com/office/drawing/2010/main">
+                <a14:hiddenFill xmlns:a14="http://schemas.microsoft.com/office/drawing/2010/main" xmlns="">
                   <a:noFill/>
                 </a14:hiddenFill>
               </a:ext>
               <a:ext uri="{AF507438-7753-43e0-B8FC-AC1667EBCBE1}">
-                <a14:hiddenEffects xmlns="" xmlns:a14="http://schemas.microsoft.com/office/drawing/2010/main">
+                <a14:hiddenEffects xmlns:a14="http://schemas.microsoft.com/office/drawing/2010/main" xmlns="">
                   <a:effectLst>
                     <a:outerShdw blurRad="63500" dist="38099" dir="2700000" algn="ctr" rotWithShape="0">
                       <a:srgbClr val="000000">
@@ -12956,12 +12956,12 @@
             <a:effectLst/>
             <a:extLst>
               <a:ext uri="{909E8E84-426E-40dd-AFC4-6F175D3DCCD1}">
-                <a14:hiddenFill xmlns="" xmlns:a14="http://schemas.microsoft.com/office/drawing/2010/main">
+                <a14:hiddenFill xmlns:a14="http://schemas.microsoft.com/office/drawing/2010/main" xmlns="">
                   <a:noFill/>
                 </a14:hiddenFill>
               </a:ext>
               <a:ext uri="{AF507438-7753-43e0-B8FC-AC1667EBCBE1}">
-                <a14:hiddenEffects xmlns="" xmlns:a14="http://schemas.microsoft.com/office/drawing/2010/main">
+                <a14:hiddenEffects xmlns:a14="http://schemas.microsoft.com/office/drawing/2010/main" xmlns="">
                   <a:effectLst>
                     <a:outerShdw blurRad="63500" dist="38099" dir="2700000" algn="ctr" rotWithShape="0">
                       <a:srgbClr val="000000">
@@ -13014,12 +13014,12 @@
             <a:effectLst/>
             <a:extLst>
               <a:ext uri="{909E8E84-426E-40dd-AFC4-6F175D3DCCD1}">
-                <a14:hiddenFill xmlns="" xmlns:a14="http://schemas.microsoft.com/office/drawing/2010/main">
+                <a14:hiddenFill xmlns:a14="http://schemas.microsoft.com/office/drawing/2010/main" xmlns="">
                   <a:noFill/>
                 </a14:hiddenFill>
               </a:ext>
               <a:ext uri="{AF507438-7753-43e0-B8FC-AC1667EBCBE1}">
-                <a14:hiddenEffects xmlns="" xmlns:a14="http://schemas.microsoft.com/office/drawing/2010/main">
+                <a14:hiddenEffects xmlns:a14="http://schemas.microsoft.com/office/drawing/2010/main" xmlns="">
                   <a:effectLst>
                     <a:outerShdw blurRad="63500" dist="38099" dir="2700000" algn="ctr" rotWithShape="0">
                       <a:srgbClr val="000000">
@@ -13072,12 +13072,12 @@
             <a:effectLst/>
             <a:extLst>
               <a:ext uri="{909E8E84-426E-40dd-AFC4-6F175D3DCCD1}">
-                <a14:hiddenFill xmlns="" xmlns:a14="http://schemas.microsoft.com/office/drawing/2010/main">
+                <a14:hiddenFill xmlns:a14="http://schemas.microsoft.com/office/drawing/2010/main" xmlns="">
                   <a:noFill/>
                 </a14:hiddenFill>
               </a:ext>
               <a:ext uri="{AF507438-7753-43e0-B8FC-AC1667EBCBE1}">
-                <a14:hiddenEffects xmlns="" xmlns:a14="http://schemas.microsoft.com/office/drawing/2010/main">
+                <a14:hiddenEffects xmlns:a14="http://schemas.microsoft.com/office/drawing/2010/main" xmlns="">
                   <a:effectLst>
                     <a:outerShdw blurRad="63500" dist="38099" dir="2700000" algn="ctr" rotWithShape="0">
                       <a:srgbClr val="000000">
@@ -13130,12 +13130,12 @@
             <a:effectLst/>
             <a:extLst>
               <a:ext uri="{909E8E84-426E-40dd-AFC4-6F175D3DCCD1}">
-                <a14:hiddenFill xmlns="" xmlns:a14="http://schemas.microsoft.com/office/drawing/2010/main">
+                <a14:hiddenFill xmlns:a14="http://schemas.microsoft.com/office/drawing/2010/main" xmlns="">
                   <a:noFill/>
                 </a14:hiddenFill>
               </a:ext>
               <a:ext uri="{AF507438-7753-43e0-B8FC-AC1667EBCBE1}">
-                <a14:hiddenEffects xmlns="" xmlns:a14="http://schemas.microsoft.com/office/drawing/2010/main">
+                <a14:hiddenEffects xmlns:a14="http://schemas.microsoft.com/office/drawing/2010/main" xmlns="">
                   <a:effectLst>
                     <a:outerShdw blurRad="63500" dist="38099" dir="2700000" algn="ctr" rotWithShape="0">
                       <a:srgbClr val="000000">
@@ -13196,7 +13196,7 @@
             <a:effectLst/>
             <a:extLst>
               <a:ext uri="{909E8E84-426E-40dd-AFC4-6F175D3DCCD1}">
-                <a14:hiddenFill xmlns="" xmlns:a14="http://schemas.microsoft.com/office/drawing/2010/main">
+                <a14:hiddenFill xmlns:a14="http://schemas.microsoft.com/office/drawing/2010/main" xmlns="">
                   <a:blipFill dpi="0" rotWithShape="0">
                     <a:blip/>
                     <a:srcRect/>
@@ -13207,7 +13207,7 @@
                 </a14:hiddenFill>
               </a:ext>
               <a:ext uri="{91240B29-F687-4f45-9708-019B960494DF}">
-                <a14:hiddenLine xmlns="" xmlns:a14="http://schemas.microsoft.com/office/drawing/2010/main" w="9525">
+                <a14:hiddenLine xmlns:a14="http://schemas.microsoft.com/office/drawing/2010/main" xmlns="" w="9525">
                   <a:solidFill>
                     <a:srgbClr val="000000"/>
                   </a:solidFill>
@@ -13217,7 +13217,7 @@
                 </a14:hiddenLine>
               </a:ext>
               <a:ext uri="{AF507438-7753-43e0-B8FC-AC1667EBCBE1}">
-                <a14:hiddenEffects xmlns="" xmlns:a14="http://schemas.microsoft.com/office/drawing/2010/main">
+                <a14:hiddenEffects xmlns:a14="http://schemas.microsoft.com/office/drawing/2010/main" xmlns="">
                   <a:effectLst>
                     <a:outerShdw blurRad="63500" dist="38099" dir="2700000" algn="ctr" rotWithShape="0">
                       <a:srgbClr val="000000">
@@ -13266,7 +13266,7 @@
             <a:effectLst/>
             <a:extLst>
               <a:ext uri="{909E8E84-426E-40dd-AFC4-6F175D3DCCD1}">
-                <a14:hiddenFill xmlns="" xmlns:a14="http://schemas.microsoft.com/office/drawing/2010/main">
+                <a14:hiddenFill xmlns:a14="http://schemas.microsoft.com/office/drawing/2010/main" xmlns="">
                   <a:blipFill dpi="0" rotWithShape="0">
                     <a:blip/>
                     <a:srcRect/>
@@ -13277,7 +13277,7 @@
                 </a14:hiddenFill>
               </a:ext>
               <a:ext uri="{91240B29-F687-4f45-9708-019B960494DF}">
-                <a14:hiddenLine xmlns="" xmlns:a14="http://schemas.microsoft.com/office/drawing/2010/main" w="9525">
+                <a14:hiddenLine xmlns:a14="http://schemas.microsoft.com/office/drawing/2010/main" xmlns="" w="9525">
                   <a:solidFill>
                     <a:srgbClr val="000000"/>
                   </a:solidFill>
@@ -13287,7 +13287,7 @@
                 </a14:hiddenLine>
               </a:ext>
               <a:ext uri="{AF507438-7753-43e0-B8FC-AC1667EBCBE1}">
-                <a14:hiddenEffects xmlns="" xmlns:a14="http://schemas.microsoft.com/office/drawing/2010/main">
+                <a14:hiddenEffects xmlns:a14="http://schemas.microsoft.com/office/drawing/2010/main" xmlns="">
                   <a:effectLst>
                     <a:outerShdw blurRad="63500" dist="38099" dir="2700000" algn="ctr" rotWithShape="0">
                       <a:srgbClr val="000000">
@@ -13336,7 +13336,7 @@
             <a:effectLst/>
             <a:extLst>
               <a:ext uri="{909E8E84-426E-40dd-AFC4-6F175D3DCCD1}">
-                <a14:hiddenFill xmlns="" xmlns:a14="http://schemas.microsoft.com/office/drawing/2010/main">
+                <a14:hiddenFill xmlns:a14="http://schemas.microsoft.com/office/drawing/2010/main" xmlns="">
                   <a:blipFill dpi="0" rotWithShape="0">
                     <a:blip/>
                     <a:srcRect/>
@@ -13347,7 +13347,7 @@
                 </a14:hiddenFill>
               </a:ext>
               <a:ext uri="{91240B29-F687-4f45-9708-019B960494DF}">
-                <a14:hiddenLine xmlns="" xmlns:a14="http://schemas.microsoft.com/office/drawing/2010/main" w="9525">
+                <a14:hiddenLine xmlns:a14="http://schemas.microsoft.com/office/drawing/2010/main" xmlns="" w="9525">
                   <a:solidFill>
                     <a:srgbClr val="000000"/>
                   </a:solidFill>
@@ -13357,7 +13357,7 @@
                 </a14:hiddenLine>
               </a:ext>
               <a:ext uri="{AF507438-7753-43e0-B8FC-AC1667EBCBE1}">
-                <a14:hiddenEffects xmlns="" xmlns:a14="http://schemas.microsoft.com/office/drawing/2010/main">
+                <a14:hiddenEffects xmlns:a14="http://schemas.microsoft.com/office/drawing/2010/main" xmlns="">
                   <a:effectLst>
                     <a:outerShdw blurRad="63500" dist="38099" dir="2700000" algn="ctr" rotWithShape="0">
                       <a:srgbClr val="000000">
@@ -13406,7 +13406,7 @@
             <a:effectLst/>
             <a:extLst>
               <a:ext uri="{909E8E84-426E-40dd-AFC4-6F175D3DCCD1}">
-                <a14:hiddenFill xmlns="" xmlns:a14="http://schemas.microsoft.com/office/drawing/2010/main">
+                <a14:hiddenFill xmlns:a14="http://schemas.microsoft.com/office/drawing/2010/main" xmlns="">
                   <a:blipFill dpi="0" rotWithShape="0">
                     <a:blip/>
                     <a:srcRect/>
@@ -13417,7 +13417,7 @@
                 </a14:hiddenFill>
               </a:ext>
               <a:ext uri="{91240B29-F687-4f45-9708-019B960494DF}">
-                <a14:hiddenLine xmlns="" xmlns:a14="http://schemas.microsoft.com/office/drawing/2010/main" w="9525">
+                <a14:hiddenLine xmlns:a14="http://schemas.microsoft.com/office/drawing/2010/main" xmlns="" w="9525">
                   <a:solidFill>
                     <a:srgbClr val="000000"/>
                   </a:solidFill>
@@ -13427,7 +13427,7 @@
                 </a14:hiddenLine>
               </a:ext>
               <a:ext uri="{AF507438-7753-43e0-B8FC-AC1667EBCBE1}">
-                <a14:hiddenEffects xmlns="" xmlns:a14="http://schemas.microsoft.com/office/drawing/2010/main">
+                <a14:hiddenEffects xmlns:a14="http://schemas.microsoft.com/office/drawing/2010/main" xmlns="">
                   <a:effectLst>
                     <a:outerShdw blurRad="63500" dist="38099" dir="2700000" algn="ctr" rotWithShape="0">
                       <a:srgbClr val="000000">
@@ -13476,7 +13476,7 @@
             <a:effectLst/>
             <a:extLst>
               <a:ext uri="{909E8E84-426E-40dd-AFC4-6F175D3DCCD1}">
-                <a14:hiddenFill xmlns="" xmlns:a14="http://schemas.microsoft.com/office/drawing/2010/main">
+                <a14:hiddenFill xmlns:a14="http://schemas.microsoft.com/office/drawing/2010/main" xmlns="">
                   <a:blipFill dpi="0" rotWithShape="0">
                     <a:blip/>
                     <a:srcRect/>
@@ -13487,7 +13487,7 @@
                 </a14:hiddenFill>
               </a:ext>
               <a:ext uri="{91240B29-F687-4f45-9708-019B960494DF}">
-                <a14:hiddenLine xmlns="" xmlns:a14="http://schemas.microsoft.com/office/drawing/2010/main" w="9525">
+                <a14:hiddenLine xmlns:a14="http://schemas.microsoft.com/office/drawing/2010/main" xmlns="" w="9525">
                   <a:solidFill>
                     <a:srgbClr val="000000"/>
                   </a:solidFill>
@@ -13497,7 +13497,7 @@
                 </a14:hiddenLine>
               </a:ext>
               <a:ext uri="{AF507438-7753-43e0-B8FC-AC1667EBCBE1}">
-                <a14:hiddenEffects xmlns="" xmlns:a14="http://schemas.microsoft.com/office/drawing/2010/main">
+                <a14:hiddenEffects xmlns:a14="http://schemas.microsoft.com/office/drawing/2010/main" xmlns="">
                   <a:effectLst>
                     <a:outerShdw blurRad="63500" dist="38099" dir="2700000" algn="ctr" rotWithShape="0">
                       <a:srgbClr val="000000">
@@ -13538,12 +13538,12 @@
             <a:effectLst/>
             <a:extLst>
               <a:ext uri="{909E8E84-426E-40dd-AFC4-6F175D3DCCD1}">
-                <a14:hiddenFill xmlns="" xmlns:a14="http://schemas.microsoft.com/office/drawing/2010/main">
+                <a14:hiddenFill xmlns:a14="http://schemas.microsoft.com/office/drawing/2010/main" xmlns="">
                   <a:noFill/>
                 </a14:hiddenFill>
               </a:ext>
               <a:ext uri="{AF507438-7753-43e0-B8FC-AC1667EBCBE1}">
-                <a14:hiddenEffects xmlns="" xmlns:a14="http://schemas.microsoft.com/office/drawing/2010/main">
+                <a14:hiddenEffects xmlns:a14="http://schemas.microsoft.com/office/drawing/2010/main" xmlns="">
                   <a:effectLst>
                     <a:outerShdw blurRad="63500" dist="38099" dir="2700000" algn="ctr" rotWithShape="0">
                       <a:srgbClr val="000000">
@@ -13596,12 +13596,12 @@
             <a:effectLst/>
             <a:extLst>
               <a:ext uri="{909E8E84-426E-40dd-AFC4-6F175D3DCCD1}">
-                <a14:hiddenFill xmlns="" xmlns:a14="http://schemas.microsoft.com/office/drawing/2010/main">
+                <a14:hiddenFill xmlns:a14="http://schemas.microsoft.com/office/drawing/2010/main" xmlns="">
                   <a:noFill/>
                 </a14:hiddenFill>
               </a:ext>
               <a:ext uri="{AF507438-7753-43e0-B8FC-AC1667EBCBE1}">
-                <a14:hiddenEffects xmlns="" xmlns:a14="http://schemas.microsoft.com/office/drawing/2010/main">
+                <a14:hiddenEffects xmlns:a14="http://schemas.microsoft.com/office/drawing/2010/main" xmlns="">
                   <a:effectLst>
                     <a:outerShdw blurRad="63500" dist="38099" dir="2700000" algn="ctr" rotWithShape="0">
                       <a:srgbClr val="000000">
@@ -13662,7 +13662,7 @@
             <a:effectLst/>
             <a:extLst>
               <a:ext uri="{909E8E84-426E-40dd-AFC4-6F175D3DCCD1}">
-                <a14:hiddenFill xmlns="" xmlns:a14="http://schemas.microsoft.com/office/drawing/2010/main">
+                <a14:hiddenFill xmlns:a14="http://schemas.microsoft.com/office/drawing/2010/main" xmlns="">
                   <a:blipFill dpi="0" rotWithShape="0">
                     <a:blip/>
                     <a:srcRect/>
@@ -13673,7 +13673,7 @@
                 </a14:hiddenFill>
               </a:ext>
               <a:ext uri="{91240B29-F687-4f45-9708-019B960494DF}">
-                <a14:hiddenLine xmlns="" xmlns:a14="http://schemas.microsoft.com/office/drawing/2010/main" w="9525">
+                <a14:hiddenLine xmlns:a14="http://schemas.microsoft.com/office/drawing/2010/main" xmlns="" w="9525">
                   <a:solidFill>
                     <a:srgbClr val="000000"/>
                   </a:solidFill>
@@ -13683,7 +13683,7 @@
                 </a14:hiddenLine>
               </a:ext>
               <a:ext uri="{AF507438-7753-43e0-B8FC-AC1667EBCBE1}">
-                <a14:hiddenEffects xmlns="" xmlns:a14="http://schemas.microsoft.com/office/drawing/2010/main">
+                <a14:hiddenEffects xmlns:a14="http://schemas.microsoft.com/office/drawing/2010/main" xmlns="">
                   <a:effectLst>
                     <a:outerShdw blurRad="63500" dist="38099" dir="2700000" algn="ctr" rotWithShape="0">
                       <a:srgbClr val="000000">
@@ -13816,7 +13816,7 @@
           <a:effectLst/>
           <a:extLst>
             <a:ext uri="{909E8E84-426E-40dd-AFC4-6F175D3DCCD1}">
-              <a14:hiddenFill xmlns:a14="http://schemas.microsoft.com/office/drawing/2010/main" xmlns="">
+              <a14:hiddenFill xmlns="" xmlns:a14="http://schemas.microsoft.com/office/drawing/2010/main">
                 <a:blipFill dpi="0" rotWithShape="0">
                   <a:blip/>
                   <a:srcRect/>
@@ -13827,7 +13827,7 @@
               </a14:hiddenFill>
             </a:ext>
             <a:ext uri="{91240B29-F687-4f45-9708-019B960494DF}">
-              <a14:hiddenLine xmlns:a14="http://schemas.microsoft.com/office/drawing/2010/main" xmlns="" w="9525">
+              <a14:hiddenLine xmlns="" xmlns:a14="http://schemas.microsoft.com/office/drawing/2010/main" w="9525">
                 <a:solidFill>
                   <a:srgbClr val="000000"/>
                 </a:solidFill>
@@ -13837,7 +13837,7 @@
               </a14:hiddenLine>
             </a:ext>
             <a:ext uri="{AF507438-7753-43e0-B8FC-AC1667EBCBE1}">
-              <a14:hiddenEffects xmlns:a14="http://schemas.microsoft.com/office/drawing/2010/main" xmlns="">
+              <a14:hiddenEffects xmlns="" xmlns:a14="http://schemas.microsoft.com/office/drawing/2010/main">
                 <a:effectLst>
                   <a:outerShdw blurRad="63500" dist="38099" dir="2700000" algn="ctr" rotWithShape="0">
                     <a:srgbClr val="000000">
@@ -13922,7 +13922,7 @@
           <a:effectLst/>
           <a:extLst>
             <a:ext uri="{909E8E84-426E-40dd-AFC4-6F175D3DCCD1}">
-              <a14:hiddenFill xmlns:a14="http://schemas.microsoft.com/office/drawing/2010/main" xmlns="">
+              <a14:hiddenFill xmlns="" xmlns:a14="http://schemas.microsoft.com/office/drawing/2010/main">
                 <a:blipFill dpi="0" rotWithShape="0">
                   <a:blip/>
                   <a:srcRect/>
@@ -13933,7 +13933,7 @@
               </a14:hiddenFill>
             </a:ext>
             <a:ext uri="{91240B29-F687-4f45-9708-019B960494DF}">
-              <a14:hiddenLine xmlns:a14="http://schemas.microsoft.com/office/drawing/2010/main" xmlns="" w="9525">
+              <a14:hiddenLine xmlns="" xmlns:a14="http://schemas.microsoft.com/office/drawing/2010/main" w="9525">
                 <a:solidFill>
                   <a:srgbClr val="000000"/>
                 </a:solidFill>
@@ -13943,7 +13943,7 @@
               </a14:hiddenLine>
             </a:ext>
             <a:ext uri="{AF507438-7753-43e0-B8FC-AC1667EBCBE1}">
-              <a14:hiddenEffects xmlns:a14="http://schemas.microsoft.com/office/drawing/2010/main" xmlns="">
+              <a14:hiddenEffects xmlns="" xmlns:a14="http://schemas.microsoft.com/office/drawing/2010/main">
                 <a:effectLst>
                   <a:outerShdw blurRad="63500" dist="38099" dir="2700000" algn="ctr" rotWithShape="0">
                     <a:srgbClr val="000000">
@@ -14028,7 +14028,7 @@
           <a:effectLst/>
           <a:extLst>
             <a:ext uri="{909E8E84-426E-40dd-AFC4-6F175D3DCCD1}">
-              <a14:hiddenFill xmlns:a14="http://schemas.microsoft.com/office/drawing/2010/main" xmlns="">
+              <a14:hiddenFill xmlns="" xmlns:a14="http://schemas.microsoft.com/office/drawing/2010/main">
                 <a:blipFill dpi="0" rotWithShape="0">
                   <a:blip/>
                   <a:srcRect/>
@@ -14039,7 +14039,7 @@
               </a14:hiddenFill>
             </a:ext>
             <a:ext uri="{91240B29-F687-4f45-9708-019B960494DF}">
-              <a14:hiddenLine xmlns:a14="http://schemas.microsoft.com/office/drawing/2010/main" xmlns="" w="9525">
+              <a14:hiddenLine xmlns="" xmlns:a14="http://schemas.microsoft.com/office/drawing/2010/main" w="9525">
                 <a:solidFill>
                   <a:srgbClr val="000000"/>
                 </a:solidFill>
@@ -14049,7 +14049,7 @@
               </a14:hiddenLine>
             </a:ext>
             <a:ext uri="{AF507438-7753-43e0-B8FC-AC1667EBCBE1}">
-              <a14:hiddenEffects xmlns:a14="http://schemas.microsoft.com/office/drawing/2010/main" xmlns="">
+              <a14:hiddenEffects xmlns="" xmlns:a14="http://schemas.microsoft.com/office/drawing/2010/main">
                 <a:effectLst>
                   <a:outerShdw blurRad="63500" dist="38099" dir="2700000" algn="ctr" rotWithShape="0">
                     <a:srgbClr val="000000">
@@ -14240,7 +14240,7 @@
           <a:effectLst/>
           <a:extLst>
             <a:ext uri="{909E8E84-426E-40dd-AFC4-6F175D3DCCD1}">
-              <a14:hiddenFill xmlns:a14="http://schemas.microsoft.com/office/drawing/2010/main" xmlns="">
+              <a14:hiddenFill xmlns="" xmlns:a14="http://schemas.microsoft.com/office/drawing/2010/main">
                 <a:blipFill dpi="0" rotWithShape="0">
                   <a:blip/>
                   <a:srcRect/>
@@ -14251,7 +14251,7 @@
               </a14:hiddenFill>
             </a:ext>
             <a:ext uri="{91240B29-F687-4f45-9708-019B960494DF}">
-              <a14:hiddenLine xmlns:a14="http://schemas.microsoft.com/office/drawing/2010/main" xmlns="" w="9525">
+              <a14:hiddenLine xmlns="" xmlns:a14="http://schemas.microsoft.com/office/drawing/2010/main" w="9525">
                 <a:solidFill>
                   <a:srgbClr val="000000"/>
                 </a:solidFill>
@@ -14261,7 +14261,7 @@
               </a14:hiddenLine>
             </a:ext>
             <a:ext uri="{AF507438-7753-43e0-B8FC-AC1667EBCBE1}">
-              <a14:hiddenEffects xmlns:a14="http://schemas.microsoft.com/office/drawing/2010/main" xmlns="">
+              <a14:hiddenEffects xmlns="" xmlns:a14="http://schemas.microsoft.com/office/drawing/2010/main">
                 <a:effectLst>
                   <a:outerShdw blurRad="63500" dist="38099" dir="2700000" algn="ctr" rotWithShape="0">
                     <a:srgbClr val="000000">
@@ -14339,7 +14339,7 @@
           <a:effectLst/>
           <a:extLst>
             <a:ext uri="{909E8E84-426E-40dd-AFC4-6F175D3DCCD1}">
-              <a14:hiddenFill xmlns:a14="http://schemas.microsoft.com/office/drawing/2010/main" xmlns="">
+              <a14:hiddenFill xmlns="" xmlns:a14="http://schemas.microsoft.com/office/drawing/2010/main">
                 <a:blipFill dpi="0" rotWithShape="0">
                   <a:blip/>
                   <a:srcRect/>
@@ -14350,7 +14350,7 @@
               </a14:hiddenFill>
             </a:ext>
             <a:ext uri="{91240B29-F687-4f45-9708-019B960494DF}">
-              <a14:hiddenLine xmlns:a14="http://schemas.microsoft.com/office/drawing/2010/main" xmlns="" w="9525">
+              <a14:hiddenLine xmlns="" xmlns:a14="http://schemas.microsoft.com/office/drawing/2010/main" w="9525">
                 <a:solidFill>
                   <a:srgbClr val="000000"/>
                 </a:solidFill>
@@ -14360,7 +14360,7 @@
               </a14:hiddenLine>
             </a:ext>
             <a:ext uri="{AF507438-7753-43e0-B8FC-AC1667EBCBE1}">
-              <a14:hiddenEffects xmlns:a14="http://schemas.microsoft.com/office/drawing/2010/main" xmlns="">
+              <a14:hiddenEffects xmlns="" xmlns:a14="http://schemas.microsoft.com/office/drawing/2010/main">
                 <a:effectLst>
                   <a:outerShdw blurRad="63500" dist="38099" dir="2700000" algn="ctr" rotWithShape="0">
                     <a:srgbClr val="000000">
@@ -16225,7 +16225,7 @@
           <a:effectLst/>
           <a:extLst>
             <a:ext uri="{909E8E84-426E-40dd-AFC4-6F175D3DCCD1}">
-              <a14:hiddenFill xmlns="" xmlns:a14="http://schemas.microsoft.com/office/drawing/2010/main">
+              <a14:hiddenFill xmlns:a14="http://schemas.microsoft.com/office/drawing/2010/main" xmlns="">
                 <a:blipFill dpi="0" rotWithShape="0">
                   <a:blip/>
                   <a:srcRect/>
@@ -16236,7 +16236,7 @@
               </a14:hiddenFill>
             </a:ext>
             <a:ext uri="{91240B29-F687-4f45-9708-019B960494DF}">
-              <a14:hiddenLine xmlns="" xmlns:a14="http://schemas.microsoft.com/office/drawing/2010/main" w="9525">
+              <a14:hiddenLine xmlns:a14="http://schemas.microsoft.com/office/drawing/2010/main" xmlns="" w="9525">
                 <a:solidFill>
                   <a:srgbClr val="000000"/>
                 </a:solidFill>
@@ -16246,7 +16246,7 @@
               </a14:hiddenLine>
             </a:ext>
             <a:ext uri="{AF507438-7753-43e0-B8FC-AC1667EBCBE1}">
-              <a14:hiddenEffects xmlns="" xmlns:a14="http://schemas.microsoft.com/office/drawing/2010/main">
+              <a14:hiddenEffects xmlns:a14="http://schemas.microsoft.com/office/drawing/2010/main" xmlns="">
                 <a:effectLst>
                   <a:outerShdw blurRad="63500" dist="38099" dir="2700000" algn="ctr" rotWithShape="0">
                     <a:srgbClr val="000000">
@@ -16406,7 +16406,7 @@
           <a:effectLst/>
           <a:extLst>
             <a:ext uri="{909E8E84-426E-40dd-AFC4-6F175D3DCCD1}">
-              <a14:hiddenFill xmlns="" xmlns:a14="http://schemas.microsoft.com/office/drawing/2010/main">
+              <a14:hiddenFill xmlns:a14="http://schemas.microsoft.com/office/drawing/2010/main" xmlns="">
                 <a:blipFill dpi="0" rotWithShape="0">
                   <a:blip/>
                   <a:srcRect/>
@@ -16417,7 +16417,7 @@
               </a14:hiddenFill>
             </a:ext>
             <a:ext uri="{91240B29-F687-4f45-9708-019B960494DF}">
-              <a14:hiddenLine xmlns="" xmlns:a14="http://schemas.microsoft.com/office/drawing/2010/main" w="9525">
+              <a14:hiddenLine xmlns:a14="http://schemas.microsoft.com/office/drawing/2010/main" xmlns="" w="9525">
                 <a:solidFill>
                   <a:srgbClr val="000000"/>
                 </a:solidFill>
@@ -16427,7 +16427,7 @@
               </a14:hiddenLine>
             </a:ext>
             <a:ext uri="{AF507438-7753-43e0-B8FC-AC1667EBCBE1}">
-              <a14:hiddenEffects xmlns="" xmlns:a14="http://schemas.microsoft.com/office/drawing/2010/main">
+              <a14:hiddenEffects xmlns:a14="http://schemas.microsoft.com/office/drawing/2010/main" xmlns="">
                 <a:effectLst>
                   <a:outerShdw blurRad="63500" dist="38099" dir="2700000" algn="ctr" rotWithShape="0">
                     <a:srgbClr val="000000">
@@ -18226,7 +18226,7 @@
           <a:effectLst/>
           <a:extLst>
             <a:ext uri="{909E8E84-426E-40dd-AFC4-6F175D3DCCD1}">
-              <a14:hiddenFill xmlns="" xmlns:a14="http://schemas.microsoft.com/office/drawing/2010/main">
+              <a14:hiddenFill xmlns:a14="http://schemas.microsoft.com/office/drawing/2010/main" xmlns="">
                 <a:blipFill dpi="0" rotWithShape="0">
                   <a:blip/>
                   <a:srcRect/>
@@ -18237,7 +18237,7 @@
               </a14:hiddenFill>
             </a:ext>
             <a:ext uri="{91240B29-F687-4f45-9708-019B960494DF}">
-              <a14:hiddenLine xmlns="" xmlns:a14="http://schemas.microsoft.com/office/drawing/2010/main" w="9525">
+              <a14:hiddenLine xmlns:a14="http://schemas.microsoft.com/office/drawing/2010/main" xmlns="" w="9525">
                 <a:solidFill>
                   <a:srgbClr val="000000"/>
                 </a:solidFill>
@@ -18247,7 +18247,7 @@
               </a14:hiddenLine>
             </a:ext>
             <a:ext uri="{AF507438-7753-43e0-B8FC-AC1667EBCBE1}">
-              <a14:hiddenEffects xmlns="" xmlns:a14="http://schemas.microsoft.com/office/drawing/2010/main">
+              <a14:hiddenEffects xmlns:a14="http://schemas.microsoft.com/office/drawing/2010/main" xmlns="">
                 <a:effectLst>
                   <a:outerShdw blurRad="63500" dist="38099" dir="2700000" algn="ctr" rotWithShape="0">
                     <a:srgbClr val="000000">
@@ -18340,7 +18340,7 @@
           <a:effectLst/>
           <a:extLst>
             <a:ext uri="{909E8E84-426E-40dd-AFC4-6F175D3DCCD1}">
-              <a14:hiddenFill xmlns="" xmlns:a14="http://schemas.microsoft.com/office/drawing/2010/main">
+              <a14:hiddenFill xmlns:a14="http://schemas.microsoft.com/office/drawing/2010/main" xmlns="">
                 <a:blipFill dpi="0" rotWithShape="0">
                   <a:blip/>
                   <a:srcRect/>
@@ -18351,7 +18351,7 @@
               </a14:hiddenFill>
             </a:ext>
             <a:ext uri="{91240B29-F687-4f45-9708-019B960494DF}">
-              <a14:hiddenLine xmlns="" xmlns:a14="http://schemas.microsoft.com/office/drawing/2010/main" w="9525">
+              <a14:hiddenLine xmlns:a14="http://schemas.microsoft.com/office/drawing/2010/main" xmlns="" w="9525">
                 <a:solidFill>
                   <a:srgbClr val="000000"/>
                 </a:solidFill>
@@ -18361,7 +18361,7 @@
               </a14:hiddenLine>
             </a:ext>
             <a:ext uri="{AF507438-7753-43e0-B8FC-AC1667EBCBE1}">
-              <a14:hiddenEffects xmlns="" xmlns:a14="http://schemas.microsoft.com/office/drawing/2010/main">
+              <a14:hiddenEffects xmlns:a14="http://schemas.microsoft.com/office/drawing/2010/main" xmlns="">
                 <a:effectLst>
                   <a:outerShdw blurRad="63500" dist="38099" dir="2700000" algn="ctr" rotWithShape="0">
                     <a:srgbClr val="000000">
@@ -21233,7 +21233,7 @@
           <a:effectLst/>
           <a:extLst>
             <a:ext uri="{909E8E84-426E-40dd-AFC4-6F175D3DCCD1}">
-              <a14:hiddenFill xmlns="" xmlns:a14="http://schemas.microsoft.com/office/drawing/2010/main">
+              <a14:hiddenFill xmlns:a14="http://schemas.microsoft.com/office/drawing/2010/main" xmlns="">
                 <a:blipFill dpi="0" rotWithShape="0">
                   <a:blip/>
                   <a:srcRect/>
@@ -21244,7 +21244,7 @@
               </a14:hiddenFill>
             </a:ext>
             <a:ext uri="{91240B29-F687-4f45-9708-019B960494DF}">
-              <a14:hiddenLine xmlns="" xmlns:a14="http://schemas.microsoft.com/office/drawing/2010/main" w="9525">
+              <a14:hiddenLine xmlns:a14="http://schemas.microsoft.com/office/drawing/2010/main" xmlns="" w="9525">
                 <a:solidFill>
                   <a:srgbClr val="000000"/>
                 </a:solidFill>
@@ -21254,7 +21254,7 @@
               </a14:hiddenLine>
             </a:ext>
             <a:ext uri="{AF507438-7753-43e0-B8FC-AC1667EBCBE1}">
-              <a14:hiddenEffects xmlns="" xmlns:a14="http://schemas.microsoft.com/office/drawing/2010/main">
+              <a14:hiddenEffects xmlns:a14="http://schemas.microsoft.com/office/drawing/2010/main" xmlns="">
                 <a:effectLst>
                   <a:outerShdw blurRad="63500" dist="38099" dir="2700000" algn="ctr" rotWithShape="0">
                     <a:srgbClr val="000000">
@@ -21333,7 +21333,7 @@
           <a:effectLst/>
           <a:extLst>
             <a:ext uri="{909E8E84-426E-40dd-AFC4-6F175D3DCCD1}">
-              <a14:hiddenFill xmlns="" xmlns:a14="http://schemas.microsoft.com/office/drawing/2010/main">
+              <a14:hiddenFill xmlns:a14="http://schemas.microsoft.com/office/drawing/2010/main" xmlns="">
                 <a:blipFill dpi="0" rotWithShape="0">
                   <a:blip/>
                   <a:srcRect/>
@@ -21344,7 +21344,7 @@
               </a14:hiddenFill>
             </a:ext>
             <a:ext uri="{91240B29-F687-4f45-9708-019B960494DF}">
-              <a14:hiddenLine xmlns="" xmlns:a14="http://schemas.microsoft.com/office/drawing/2010/main" w="9525">
+              <a14:hiddenLine xmlns:a14="http://schemas.microsoft.com/office/drawing/2010/main" xmlns="" w="9525">
                 <a:solidFill>
                   <a:srgbClr val="000000"/>
                 </a:solidFill>
@@ -21354,7 +21354,7 @@
               </a14:hiddenLine>
             </a:ext>
             <a:ext uri="{AF507438-7753-43e0-B8FC-AC1667EBCBE1}">
-              <a14:hiddenEffects xmlns="" xmlns:a14="http://schemas.microsoft.com/office/drawing/2010/main">
+              <a14:hiddenEffects xmlns:a14="http://schemas.microsoft.com/office/drawing/2010/main" xmlns="">
                 <a:effectLst>
                   <a:outerShdw blurRad="63500" dist="38099" dir="2700000" algn="ctr" rotWithShape="0">
                     <a:srgbClr val="000000">
@@ -22937,7 +22937,7 @@
           <a:effectLst/>
           <a:extLst>
             <a:ext uri="{909E8E84-426E-40dd-AFC4-6F175D3DCCD1}">
-              <a14:hiddenFill xmlns="" xmlns:a14="http://schemas.microsoft.com/office/drawing/2010/main">
+              <a14:hiddenFill xmlns:a14="http://schemas.microsoft.com/office/drawing/2010/main" xmlns="">
                 <a:blipFill dpi="0" rotWithShape="0">
                   <a:blip/>
                   <a:srcRect/>
@@ -22948,7 +22948,7 @@
               </a14:hiddenFill>
             </a:ext>
             <a:ext uri="{91240B29-F687-4f45-9708-019B960494DF}">
-              <a14:hiddenLine xmlns="" xmlns:a14="http://schemas.microsoft.com/office/drawing/2010/main" w="9525">
+              <a14:hiddenLine xmlns:a14="http://schemas.microsoft.com/office/drawing/2010/main" xmlns="" w="9525">
                 <a:solidFill>
                   <a:srgbClr val="000000"/>
                 </a:solidFill>
@@ -22958,7 +22958,7 @@
               </a14:hiddenLine>
             </a:ext>
             <a:ext uri="{AF507438-7753-43e0-B8FC-AC1667EBCBE1}">
-              <a14:hiddenEffects xmlns="" xmlns:a14="http://schemas.microsoft.com/office/drawing/2010/main">
+              <a14:hiddenEffects xmlns:a14="http://schemas.microsoft.com/office/drawing/2010/main" xmlns="">
                 <a:effectLst>
                   <a:outerShdw blurRad="63500" dist="38099" dir="2700000" algn="ctr" rotWithShape="0">
                     <a:srgbClr val="000000">
@@ -24606,7 +24606,7 @@
           <a:effectLst/>
           <a:extLst>
             <a:ext uri="{909E8E84-426E-40dd-AFC4-6F175D3DCCD1}">
-              <a14:hiddenFill xmlns="" xmlns:a14="http://schemas.microsoft.com/office/drawing/2010/main">
+              <a14:hiddenFill xmlns:a14="http://schemas.microsoft.com/office/drawing/2010/main" xmlns="">
                 <a:blipFill dpi="0" rotWithShape="0">
                   <a:blip/>
                   <a:srcRect/>
@@ -24617,7 +24617,7 @@
               </a14:hiddenFill>
             </a:ext>
             <a:ext uri="{91240B29-F687-4f45-9708-019B960494DF}">
-              <a14:hiddenLine xmlns="" xmlns:a14="http://schemas.microsoft.com/office/drawing/2010/main" w="9525">
+              <a14:hiddenLine xmlns:a14="http://schemas.microsoft.com/office/drawing/2010/main" xmlns="" w="9525">
                 <a:solidFill>
                   <a:srgbClr val="000000"/>
                 </a:solidFill>
@@ -24627,7 +24627,7 @@
               </a14:hiddenLine>
             </a:ext>
             <a:ext uri="{AF507438-7753-43e0-B8FC-AC1667EBCBE1}">
-              <a14:hiddenEffects xmlns="" xmlns:a14="http://schemas.microsoft.com/office/drawing/2010/main">
+              <a14:hiddenEffects xmlns:a14="http://schemas.microsoft.com/office/drawing/2010/main" xmlns="">
                 <a:effectLst>
                   <a:outerShdw blurRad="63500" dist="38099" dir="2700000" algn="ctr" rotWithShape="0">
                     <a:srgbClr val="000000">
@@ -25989,7 +25989,7 @@
           <a:effectLst/>
           <a:extLst>
             <a:ext uri="{909E8E84-426E-40dd-AFC4-6F175D3DCCD1}">
-              <a14:hiddenFill xmlns="" xmlns:a14="http://schemas.microsoft.com/office/drawing/2010/main">
+              <a14:hiddenFill xmlns:a14="http://schemas.microsoft.com/office/drawing/2010/main" xmlns="">
                 <a:blipFill dpi="0" rotWithShape="0">
                   <a:blip/>
                   <a:srcRect/>
@@ -26000,7 +26000,7 @@
               </a14:hiddenFill>
             </a:ext>
             <a:ext uri="{91240B29-F687-4f45-9708-019B960494DF}">
-              <a14:hiddenLine xmlns="" xmlns:a14="http://schemas.microsoft.com/office/drawing/2010/main" w="9525">
+              <a14:hiddenLine xmlns:a14="http://schemas.microsoft.com/office/drawing/2010/main" xmlns="" w="9525">
                 <a:solidFill>
                   <a:srgbClr val="000000"/>
                 </a:solidFill>
@@ -26010,7 +26010,7 @@
               </a14:hiddenLine>
             </a:ext>
             <a:ext uri="{AF507438-7753-43e0-B8FC-AC1667EBCBE1}">
-              <a14:hiddenEffects xmlns="" xmlns:a14="http://schemas.microsoft.com/office/drawing/2010/main">
+              <a14:hiddenEffects xmlns:a14="http://schemas.microsoft.com/office/drawing/2010/main" xmlns="">
                 <a:effectLst>
                   <a:outerShdw blurRad="63500" dist="38099" dir="2700000" algn="ctr" rotWithShape="0">
                     <a:srgbClr val="000000">
@@ -26141,7 +26141,7 @@
           <a:effectLst/>
           <a:extLst>
             <a:ext uri="{909E8E84-426E-40dd-AFC4-6F175D3DCCD1}">
-              <a14:hiddenFill xmlns="" xmlns:a14="http://schemas.microsoft.com/office/drawing/2010/main">
+              <a14:hiddenFill xmlns:a14="http://schemas.microsoft.com/office/drawing/2010/main" xmlns="">
                 <a:blipFill dpi="0" rotWithShape="0">
                   <a:blip/>
                   <a:srcRect/>
@@ -26152,7 +26152,7 @@
               </a14:hiddenFill>
             </a:ext>
             <a:ext uri="{91240B29-F687-4f45-9708-019B960494DF}">
-              <a14:hiddenLine xmlns="" xmlns:a14="http://schemas.microsoft.com/office/drawing/2010/main" w="9525">
+              <a14:hiddenLine xmlns:a14="http://schemas.microsoft.com/office/drawing/2010/main" xmlns="" w="9525">
                 <a:solidFill>
                   <a:srgbClr val="000000"/>
                 </a:solidFill>
@@ -26162,7 +26162,7 @@
               </a14:hiddenLine>
             </a:ext>
             <a:ext uri="{AF507438-7753-43e0-B8FC-AC1667EBCBE1}">
-              <a14:hiddenEffects xmlns="" xmlns:a14="http://schemas.microsoft.com/office/drawing/2010/main">
+              <a14:hiddenEffects xmlns:a14="http://schemas.microsoft.com/office/drawing/2010/main" xmlns="">
                 <a:effectLst>
                   <a:outerShdw blurRad="63500" dist="38099" dir="2700000" algn="ctr" rotWithShape="0">
                     <a:srgbClr val="000000">
@@ -33831,7 +33831,7 @@
           <a:effectLst/>
           <a:extLst>
             <a:ext uri="{909E8E84-426E-40dd-AFC4-6F175D3DCCD1}">
-              <a14:hiddenFill xmlns:a14="http://schemas.microsoft.com/office/drawing/2010/main" xmlns="">
+              <a14:hiddenFill xmlns="" xmlns:a14="http://schemas.microsoft.com/office/drawing/2010/main">
                 <a:blipFill dpi="0" rotWithShape="0">
                   <a:blip/>
                   <a:srcRect/>
@@ -33842,7 +33842,7 @@
               </a14:hiddenFill>
             </a:ext>
             <a:ext uri="{91240B29-F687-4f45-9708-019B960494DF}">
-              <a14:hiddenLine xmlns:a14="http://schemas.microsoft.com/office/drawing/2010/main" xmlns="" w="9525">
+              <a14:hiddenLine xmlns="" xmlns:a14="http://schemas.microsoft.com/office/drawing/2010/main" w="9525">
                 <a:solidFill>
                   <a:srgbClr val="000000"/>
                 </a:solidFill>
@@ -33852,7 +33852,7 @@
               </a14:hiddenLine>
             </a:ext>
             <a:ext uri="{AF507438-7753-43e0-B8FC-AC1667EBCBE1}">
-              <a14:hiddenEffects xmlns:a14="http://schemas.microsoft.com/office/drawing/2010/main" xmlns="">
+              <a14:hiddenEffects xmlns="" xmlns:a14="http://schemas.microsoft.com/office/drawing/2010/main">
                 <a:effectLst>
                   <a:outerShdw blurRad="63500" dist="38099" dir="2700000" algn="ctr" rotWithShape="0">
                     <a:srgbClr val="000000">

--- a/marple.pptx
+++ b/marple.pptx
@@ -2554,38 +2554,8 @@
           <a:p>
             <a:r>
               <a:rPr lang="en-US" dirty="0"/>
-              <a:t>Let’s take a simple example. If g is a counter, the merge is a simple addition. You can probably see that this is easily generalizable to other associative </a:t>
-            </a:r>
-            <a:r>
-              <a:rPr lang="en-US" dirty="0" err="1"/>
-              <a:t>statisticss</a:t>
-            </a:r>
-            <a:r>
-              <a:rPr lang="en-US" dirty="0"/>
-              <a:t> such as min/max/product, etc. Essentially, you track the minimum in the cache and take the minimum of the new value in the cache and the old value in the backing store.</a:t>
-            </a:r>
-          </a:p>
-          <a:p>
-            <a:endParaRPr lang="en-US" dirty="0"/>
-          </a:p>
-          <a:p>
-            <a:r>
-              <a:rPr lang="en-US" dirty="0"/>
-              <a:t>TODO: Diagram for </a:t>
-            </a:r>
-            <a:r>
-              <a:rPr lang="en-US" dirty="0" err="1"/>
-              <a:t>V_back</a:t>
-            </a:r>
-            <a:r>
-              <a:rPr lang="en-US" dirty="0"/>
-              <a:t> and </a:t>
-            </a:r>
-            <a:r>
-              <a:rPr lang="en-US" dirty="0" err="1"/>
-              <a:t>V_cache</a:t>
-            </a:r>
-            <a:endParaRPr lang="en-US" dirty="0"/>
+              <a:t>Let’s take a simple example. If g is a counter, the merge is a simple addition. You can probably see that this is easily generalizable to other associative statistics such as min/max/product, etc. Essentially, you track the minimum in the cache and take the minimum of the new value in the cache and the old value in the backing store.</a:t>
+            </a:r>
           </a:p>
         </p:txBody>
       </p:sp>
@@ -3114,38 +3084,6 @@
               <a:t>The key point is that this additional state is small. It is only the number of packets (N), and doesn’t include some value per packet.</a:t>
             </a:r>
           </a:p>
-          <a:p>
-            <a:endParaRPr lang="en-US" dirty="0"/>
-          </a:p>
-          <a:p>
-            <a:endParaRPr lang="en-US" dirty="0"/>
-          </a:p>
-          <a:p>
-            <a:r>
-              <a:rPr lang="en-US" dirty="0"/>
-              <a:t>TODO: Diagram for </a:t>
-            </a:r>
-            <a:r>
-              <a:rPr lang="en-US" dirty="0" err="1"/>
-              <a:t>V_back</a:t>
-            </a:r>
-            <a:r>
-              <a:rPr lang="en-US" dirty="0"/>
-              <a:t> and </a:t>
-            </a:r>
-            <a:r>
-              <a:rPr lang="en-US" dirty="0" err="1"/>
-              <a:t>V</a:t>
-            </a:r>
-            <a:r>
-              <a:rPr lang="en-US" err="1"/>
-              <a:t>_</a:t>
-            </a:r>
-            <a:r>
-              <a:rPr lang="en-US"/>
-              <a:t>cache</a:t>
-            </a:r>
-          </a:p>
         </p:txBody>
       </p:sp>
       <p:sp>
@@ -3800,7 +3738,7 @@
           <a:p>
             <a:r>
               <a:rPr lang="en-US" dirty="0"/>
-              <a:t>TO put this into context. For a 64-poort 100-Gbits/switch, if we assume 2**20 slots, that’s a memory requirement of 256 </a:t>
+              <a:t>To put this into context. For a 64-poort 100-Gbits/switch, if we assume 2**20 slots, that’s a memory requirement of 256 </a:t>
             </a:r>
             <a:r>
               <a:rPr lang="en-US" dirty="0" err="1"/>
@@ -3808,7 +3746,15 @@
             </a:r>
             <a:r>
               <a:rPr lang="en-US" dirty="0"/>
-              <a:t>, which is about 7.5% of the switching chip’s area. Assuming typical traffic patterns for this switch, this translates into an eviction rate of 8M records every second, which we estimate can be handled by a 32-core server. So the way to think about this is that we can service the eviction rate for a 64 server cluster connected to a TOR switch by using a single 32-core server for typical workloads. This is a simplified summary of the results. The paper has many more details on this.</a:t>
+              <a:t>, which is about 7.5% of the switching chip’s area. Assuming typical traffic patterns for this switch, this translates into an eviction rate of 8M records every second, which we estimate can be handled by a 32-core server. So the way to think about this is that we can service the eviction rate for a 64 server cluster connected to a TOR switch by using a single 32-core server for typical workloads. This is a simplified summary of the results. The </a:t>
+            </a:r>
+            <a:r>
+              <a:rPr lang="en-US"/>
+              <a:t>paper has </a:t>
+            </a:r>
+            <a:r>
+              <a:rPr lang="en-US" dirty="0"/>
+              <a:t>more details on this.</a:t>
             </a:r>
           </a:p>
         </p:txBody>
@@ -12180,7 +12126,7 @@
           <a:effectLst/>
           <a:extLst>
             <a:ext uri="{909E8E84-426E-40dd-AFC4-6F175D3DCCD1}">
-              <a14:hiddenFill xmlns="" xmlns:a14="http://schemas.microsoft.com/office/drawing/2010/main">
+              <a14:hiddenFill xmlns:a14="http://schemas.microsoft.com/office/drawing/2010/main" xmlns="">
                 <a:blipFill dpi="0" rotWithShape="0">
                   <a:blip/>
                   <a:srcRect/>
@@ -12191,7 +12137,7 @@
               </a14:hiddenFill>
             </a:ext>
             <a:ext uri="{91240B29-F687-4f45-9708-019B960494DF}">
-              <a14:hiddenLine xmlns="" xmlns:a14="http://schemas.microsoft.com/office/drawing/2010/main" w="9525">
+              <a14:hiddenLine xmlns:a14="http://schemas.microsoft.com/office/drawing/2010/main" xmlns="" w="9525">
                 <a:solidFill>
                   <a:srgbClr val="000000"/>
                 </a:solidFill>
@@ -12201,7 +12147,7 @@
               </a14:hiddenLine>
             </a:ext>
             <a:ext uri="{AF507438-7753-43e0-B8FC-AC1667EBCBE1}">
-              <a14:hiddenEffects xmlns="" xmlns:a14="http://schemas.microsoft.com/office/drawing/2010/main">
+              <a14:hiddenEffects xmlns:a14="http://schemas.microsoft.com/office/drawing/2010/main" xmlns="">
                 <a:effectLst>
                   <a:outerShdw blurRad="63500" dist="38099" dir="2700000" algn="ctr" rotWithShape="0">
                     <a:srgbClr val="000000">
@@ -12250,7 +12196,7 @@
           <a:effectLst/>
           <a:extLst>
             <a:ext uri="{909E8E84-426E-40dd-AFC4-6F175D3DCCD1}">
-              <a14:hiddenFill xmlns="" xmlns:a14="http://schemas.microsoft.com/office/drawing/2010/main">
+              <a14:hiddenFill xmlns:a14="http://schemas.microsoft.com/office/drawing/2010/main" xmlns="">
                 <a:blipFill dpi="0" rotWithShape="0">
                   <a:blip/>
                   <a:srcRect/>
@@ -12261,7 +12207,7 @@
               </a14:hiddenFill>
             </a:ext>
             <a:ext uri="{91240B29-F687-4f45-9708-019B960494DF}">
-              <a14:hiddenLine xmlns="" xmlns:a14="http://schemas.microsoft.com/office/drawing/2010/main" w="9525">
+              <a14:hiddenLine xmlns:a14="http://schemas.microsoft.com/office/drawing/2010/main" xmlns="" w="9525">
                 <a:solidFill>
                   <a:srgbClr val="000000"/>
                 </a:solidFill>
@@ -12271,7 +12217,7 @@
               </a14:hiddenLine>
             </a:ext>
             <a:ext uri="{AF507438-7753-43e0-B8FC-AC1667EBCBE1}">
-              <a14:hiddenEffects xmlns="" xmlns:a14="http://schemas.microsoft.com/office/drawing/2010/main">
+              <a14:hiddenEffects xmlns:a14="http://schemas.microsoft.com/office/drawing/2010/main" xmlns="">
                 <a:effectLst>
                   <a:outerShdw blurRad="63500" dist="38099" dir="2700000" algn="ctr" rotWithShape="0">
                     <a:srgbClr val="000000">
@@ -12406,7 +12352,7 @@
             <a:effectLst/>
             <a:extLst>
               <a:ext uri="{909E8E84-426E-40dd-AFC4-6F175D3DCCD1}">
-                <a14:hiddenFill xmlns:a14="http://schemas.microsoft.com/office/drawing/2010/main" xmlns="">
+                <a14:hiddenFill xmlns="" xmlns:a14="http://schemas.microsoft.com/office/drawing/2010/main">
                   <a:blipFill dpi="0" rotWithShape="0">
                     <a:blip/>
                     <a:srcRect/>
@@ -12417,7 +12363,7 @@
                 </a14:hiddenFill>
               </a:ext>
               <a:ext uri="{91240B29-F687-4f45-9708-019B960494DF}">
-                <a14:hiddenLine xmlns:a14="http://schemas.microsoft.com/office/drawing/2010/main" xmlns="" w="9525">
+                <a14:hiddenLine xmlns="" xmlns:a14="http://schemas.microsoft.com/office/drawing/2010/main" w="9525">
                   <a:solidFill>
                     <a:srgbClr val="000000"/>
                   </a:solidFill>
@@ -12427,7 +12373,7 @@
                 </a14:hiddenLine>
               </a:ext>
               <a:ext uri="{AF507438-7753-43e0-B8FC-AC1667EBCBE1}">
-                <a14:hiddenEffects xmlns:a14="http://schemas.microsoft.com/office/drawing/2010/main" xmlns="">
+                <a14:hiddenEffects xmlns="" xmlns:a14="http://schemas.microsoft.com/office/drawing/2010/main">
                   <a:effectLst>
                     <a:outerShdw blurRad="63500" dist="38099" dir="2700000" algn="ctr" rotWithShape="0">
                       <a:srgbClr val="000000">
@@ -12476,7 +12422,7 @@
             <a:effectLst/>
             <a:extLst>
               <a:ext uri="{909E8E84-426E-40dd-AFC4-6F175D3DCCD1}">
-                <a14:hiddenFill xmlns:a14="http://schemas.microsoft.com/office/drawing/2010/main" xmlns="">
+                <a14:hiddenFill xmlns="" xmlns:a14="http://schemas.microsoft.com/office/drawing/2010/main">
                   <a:blipFill dpi="0" rotWithShape="0">
                     <a:blip/>
                     <a:srcRect/>
@@ -12487,7 +12433,7 @@
                 </a14:hiddenFill>
               </a:ext>
               <a:ext uri="{91240B29-F687-4f45-9708-019B960494DF}">
-                <a14:hiddenLine xmlns:a14="http://schemas.microsoft.com/office/drawing/2010/main" xmlns="" w="9525">
+                <a14:hiddenLine xmlns="" xmlns:a14="http://schemas.microsoft.com/office/drawing/2010/main" w="9525">
                   <a:solidFill>
                     <a:srgbClr val="000000"/>
                   </a:solidFill>
@@ -12497,7 +12443,7 @@
                 </a14:hiddenLine>
               </a:ext>
               <a:ext uri="{AF507438-7753-43e0-B8FC-AC1667EBCBE1}">
-                <a14:hiddenEffects xmlns:a14="http://schemas.microsoft.com/office/drawing/2010/main" xmlns="">
+                <a14:hiddenEffects xmlns="" xmlns:a14="http://schemas.microsoft.com/office/drawing/2010/main">
                   <a:effectLst>
                     <a:outerShdw blurRad="63500" dist="38099" dir="2700000" algn="ctr" rotWithShape="0">
                       <a:srgbClr val="000000">
@@ -12546,7 +12492,7 @@
             <a:effectLst/>
             <a:extLst>
               <a:ext uri="{909E8E84-426E-40dd-AFC4-6F175D3DCCD1}">
-                <a14:hiddenFill xmlns:a14="http://schemas.microsoft.com/office/drawing/2010/main" xmlns="">
+                <a14:hiddenFill xmlns="" xmlns:a14="http://schemas.microsoft.com/office/drawing/2010/main">
                   <a:blipFill dpi="0" rotWithShape="0">
                     <a:blip/>
                     <a:srcRect/>
@@ -12557,7 +12503,7 @@
                 </a14:hiddenFill>
               </a:ext>
               <a:ext uri="{91240B29-F687-4f45-9708-019B960494DF}">
-                <a14:hiddenLine xmlns:a14="http://schemas.microsoft.com/office/drawing/2010/main" xmlns="" w="9525">
+                <a14:hiddenLine xmlns="" xmlns:a14="http://schemas.microsoft.com/office/drawing/2010/main" w="9525">
                   <a:solidFill>
                     <a:srgbClr val="000000"/>
                   </a:solidFill>
@@ -12567,7 +12513,7 @@
                 </a14:hiddenLine>
               </a:ext>
               <a:ext uri="{AF507438-7753-43e0-B8FC-AC1667EBCBE1}">
-                <a14:hiddenEffects xmlns:a14="http://schemas.microsoft.com/office/drawing/2010/main" xmlns="">
+                <a14:hiddenEffects xmlns="" xmlns:a14="http://schemas.microsoft.com/office/drawing/2010/main">
                   <a:effectLst>
                     <a:outerShdw blurRad="63500" dist="38099" dir="2700000" algn="ctr" rotWithShape="0">
                       <a:srgbClr val="000000">
@@ -12608,12 +12554,12 @@
             <a:effectLst/>
             <a:extLst>
               <a:ext uri="{909E8E84-426E-40dd-AFC4-6F175D3DCCD1}">
-                <a14:hiddenFill xmlns:a14="http://schemas.microsoft.com/office/drawing/2010/main" xmlns="">
+                <a14:hiddenFill xmlns="" xmlns:a14="http://schemas.microsoft.com/office/drawing/2010/main">
                   <a:noFill/>
                 </a14:hiddenFill>
               </a:ext>
               <a:ext uri="{AF507438-7753-43e0-B8FC-AC1667EBCBE1}">
-                <a14:hiddenEffects xmlns:a14="http://schemas.microsoft.com/office/drawing/2010/main" xmlns="">
+                <a14:hiddenEffects xmlns="" xmlns:a14="http://schemas.microsoft.com/office/drawing/2010/main">
                   <a:effectLst>
                     <a:outerShdw blurRad="63500" dist="38099" dir="2700000" algn="ctr" rotWithShape="0">
                       <a:srgbClr val="000000">
@@ -12666,12 +12612,12 @@
             <a:effectLst/>
             <a:extLst>
               <a:ext uri="{909E8E84-426E-40dd-AFC4-6F175D3DCCD1}">
-                <a14:hiddenFill xmlns:a14="http://schemas.microsoft.com/office/drawing/2010/main" xmlns="">
+                <a14:hiddenFill xmlns="" xmlns:a14="http://schemas.microsoft.com/office/drawing/2010/main">
                   <a:noFill/>
                 </a14:hiddenFill>
               </a:ext>
               <a:ext uri="{AF507438-7753-43e0-B8FC-AC1667EBCBE1}">
-                <a14:hiddenEffects xmlns:a14="http://schemas.microsoft.com/office/drawing/2010/main" xmlns="">
+                <a14:hiddenEffects xmlns="" xmlns:a14="http://schemas.microsoft.com/office/drawing/2010/main">
                   <a:effectLst>
                     <a:outerShdw blurRad="63500" dist="38099" dir="2700000" algn="ctr" rotWithShape="0">
                       <a:srgbClr val="000000">
@@ -12724,12 +12670,12 @@
             <a:effectLst/>
             <a:extLst>
               <a:ext uri="{909E8E84-426E-40dd-AFC4-6F175D3DCCD1}">
-                <a14:hiddenFill xmlns:a14="http://schemas.microsoft.com/office/drawing/2010/main" xmlns="">
+                <a14:hiddenFill xmlns="" xmlns:a14="http://schemas.microsoft.com/office/drawing/2010/main">
                   <a:noFill/>
                 </a14:hiddenFill>
               </a:ext>
               <a:ext uri="{AF507438-7753-43e0-B8FC-AC1667EBCBE1}">
-                <a14:hiddenEffects xmlns:a14="http://schemas.microsoft.com/office/drawing/2010/main" xmlns="">
+                <a14:hiddenEffects xmlns="" xmlns:a14="http://schemas.microsoft.com/office/drawing/2010/main">
                   <a:effectLst>
                     <a:outerShdw blurRad="63500" dist="38099" dir="2700000" algn="ctr" rotWithShape="0">
                       <a:srgbClr val="000000">
@@ -12782,12 +12728,12 @@
             <a:effectLst/>
             <a:extLst>
               <a:ext uri="{909E8E84-426E-40dd-AFC4-6F175D3DCCD1}">
-                <a14:hiddenFill xmlns:a14="http://schemas.microsoft.com/office/drawing/2010/main" xmlns="">
+                <a14:hiddenFill xmlns="" xmlns:a14="http://schemas.microsoft.com/office/drawing/2010/main">
                   <a:noFill/>
                 </a14:hiddenFill>
               </a:ext>
               <a:ext uri="{AF507438-7753-43e0-B8FC-AC1667EBCBE1}">
-                <a14:hiddenEffects xmlns:a14="http://schemas.microsoft.com/office/drawing/2010/main" xmlns="">
+                <a14:hiddenEffects xmlns="" xmlns:a14="http://schemas.microsoft.com/office/drawing/2010/main">
                   <a:effectLst>
                     <a:outerShdw blurRad="63500" dist="38099" dir="2700000" algn="ctr" rotWithShape="0">
                       <a:srgbClr val="000000">
@@ -12840,12 +12786,12 @@
             <a:effectLst/>
             <a:extLst>
               <a:ext uri="{909E8E84-426E-40dd-AFC4-6F175D3DCCD1}">
-                <a14:hiddenFill xmlns:a14="http://schemas.microsoft.com/office/drawing/2010/main" xmlns="">
+                <a14:hiddenFill xmlns="" xmlns:a14="http://schemas.microsoft.com/office/drawing/2010/main">
                   <a:noFill/>
                 </a14:hiddenFill>
               </a:ext>
               <a:ext uri="{AF507438-7753-43e0-B8FC-AC1667EBCBE1}">
-                <a14:hiddenEffects xmlns:a14="http://schemas.microsoft.com/office/drawing/2010/main" xmlns="">
+                <a14:hiddenEffects xmlns="" xmlns:a14="http://schemas.microsoft.com/office/drawing/2010/main">
                   <a:effectLst>
                     <a:outerShdw blurRad="63500" dist="38099" dir="2700000" algn="ctr" rotWithShape="0">
                       <a:srgbClr val="000000">
@@ -12898,12 +12844,12 @@
             <a:effectLst/>
             <a:extLst>
               <a:ext uri="{909E8E84-426E-40dd-AFC4-6F175D3DCCD1}">
-                <a14:hiddenFill xmlns:a14="http://schemas.microsoft.com/office/drawing/2010/main" xmlns="">
+                <a14:hiddenFill xmlns="" xmlns:a14="http://schemas.microsoft.com/office/drawing/2010/main">
                   <a:noFill/>
                 </a14:hiddenFill>
               </a:ext>
               <a:ext uri="{AF507438-7753-43e0-B8FC-AC1667EBCBE1}">
-                <a14:hiddenEffects xmlns:a14="http://schemas.microsoft.com/office/drawing/2010/main" xmlns="">
+                <a14:hiddenEffects xmlns="" xmlns:a14="http://schemas.microsoft.com/office/drawing/2010/main">
                   <a:effectLst>
                     <a:outerShdw blurRad="63500" dist="38099" dir="2700000" algn="ctr" rotWithShape="0">
                       <a:srgbClr val="000000">
@@ -12956,12 +12902,12 @@
             <a:effectLst/>
             <a:extLst>
               <a:ext uri="{909E8E84-426E-40dd-AFC4-6F175D3DCCD1}">
-                <a14:hiddenFill xmlns:a14="http://schemas.microsoft.com/office/drawing/2010/main" xmlns="">
+                <a14:hiddenFill xmlns="" xmlns:a14="http://schemas.microsoft.com/office/drawing/2010/main">
                   <a:noFill/>
                 </a14:hiddenFill>
               </a:ext>
               <a:ext uri="{AF507438-7753-43e0-B8FC-AC1667EBCBE1}">
-                <a14:hiddenEffects xmlns:a14="http://schemas.microsoft.com/office/drawing/2010/main" xmlns="">
+                <a14:hiddenEffects xmlns="" xmlns:a14="http://schemas.microsoft.com/office/drawing/2010/main">
                   <a:effectLst>
                     <a:outerShdw blurRad="63500" dist="38099" dir="2700000" algn="ctr" rotWithShape="0">
                       <a:srgbClr val="000000">
@@ -13014,12 +12960,12 @@
             <a:effectLst/>
             <a:extLst>
               <a:ext uri="{909E8E84-426E-40dd-AFC4-6F175D3DCCD1}">
-                <a14:hiddenFill xmlns:a14="http://schemas.microsoft.com/office/drawing/2010/main" xmlns="">
+                <a14:hiddenFill xmlns="" xmlns:a14="http://schemas.microsoft.com/office/drawing/2010/main">
                   <a:noFill/>
                 </a14:hiddenFill>
               </a:ext>
               <a:ext uri="{AF507438-7753-43e0-B8FC-AC1667EBCBE1}">
-                <a14:hiddenEffects xmlns:a14="http://schemas.microsoft.com/office/drawing/2010/main" xmlns="">
+                <a14:hiddenEffects xmlns="" xmlns:a14="http://schemas.microsoft.com/office/drawing/2010/main">
                   <a:effectLst>
                     <a:outerShdw blurRad="63500" dist="38099" dir="2700000" algn="ctr" rotWithShape="0">
                       <a:srgbClr val="000000">
@@ -13072,12 +13018,12 @@
             <a:effectLst/>
             <a:extLst>
               <a:ext uri="{909E8E84-426E-40dd-AFC4-6F175D3DCCD1}">
-                <a14:hiddenFill xmlns:a14="http://schemas.microsoft.com/office/drawing/2010/main" xmlns="">
+                <a14:hiddenFill xmlns="" xmlns:a14="http://schemas.microsoft.com/office/drawing/2010/main">
                   <a:noFill/>
                 </a14:hiddenFill>
               </a:ext>
               <a:ext uri="{AF507438-7753-43e0-B8FC-AC1667EBCBE1}">
-                <a14:hiddenEffects xmlns:a14="http://schemas.microsoft.com/office/drawing/2010/main" xmlns="">
+                <a14:hiddenEffects xmlns="" xmlns:a14="http://schemas.microsoft.com/office/drawing/2010/main">
                   <a:effectLst>
                     <a:outerShdw blurRad="63500" dist="38099" dir="2700000" algn="ctr" rotWithShape="0">
                       <a:srgbClr val="000000">
@@ -13130,12 +13076,12 @@
             <a:effectLst/>
             <a:extLst>
               <a:ext uri="{909E8E84-426E-40dd-AFC4-6F175D3DCCD1}">
-                <a14:hiddenFill xmlns:a14="http://schemas.microsoft.com/office/drawing/2010/main" xmlns="">
+                <a14:hiddenFill xmlns="" xmlns:a14="http://schemas.microsoft.com/office/drawing/2010/main">
                   <a:noFill/>
                 </a14:hiddenFill>
               </a:ext>
               <a:ext uri="{AF507438-7753-43e0-B8FC-AC1667EBCBE1}">
-                <a14:hiddenEffects xmlns:a14="http://schemas.microsoft.com/office/drawing/2010/main" xmlns="">
+                <a14:hiddenEffects xmlns="" xmlns:a14="http://schemas.microsoft.com/office/drawing/2010/main">
                   <a:effectLst>
                     <a:outerShdw blurRad="63500" dist="38099" dir="2700000" algn="ctr" rotWithShape="0">
                       <a:srgbClr val="000000">
@@ -13196,7 +13142,7 @@
             <a:effectLst/>
             <a:extLst>
               <a:ext uri="{909E8E84-426E-40dd-AFC4-6F175D3DCCD1}">
-                <a14:hiddenFill xmlns:a14="http://schemas.microsoft.com/office/drawing/2010/main" xmlns="">
+                <a14:hiddenFill xmlns="" xmlns:a14="http://schemas.microsoft.com/office/drawing/2010/main">
                   <a:blipFill dpi="0" rotWithShape="0">
                     <a:blip/>
                     <a:srcRect/>
@@ -13207,7 +13153,7 @@
                 </a14:hiddenFill>
               </a:ext>
               <a:ext uri="{91240B29-F687-4f45-9708-019B960494DF}">
-                <a14:hiddenLine xmlns:a14="http://schemas.microsoft.com/office/drawing/2010/main" xmlns="" w="9525">
+                <a14:hiddenLine xmlns="" xmlns:a14="http://schemas.microsoft.com/office/drawing/2010/main" w="9525">
                   <a:solidFill>
                     <a:srgbClr val="000000"/>
                   </a:solidFill>
@@ -13217,7 +13163,7 @@
                 </a14:hiddenLine>
               </a:ext>
               <a:ext uri="{AF507438-7753-43e0-B8FC-AC1667EBCBE1}">
-                <a14:hiddenEffects xmlns:a14="http://schemas.microsoft.com/office/drawing/2010/main" xmlns="">
+                <a14:hiddenEffects xmlns="" xmlns:a14="http://schemas.microsoft.com/office/drawing/2010/main">
                   <a:effectLst>
                     <a:outerShdw blurRad="63500" dist="38099" dir="2700000" algn="ctr" rotWithShape="0">
                       <a:srgbClr val="000000">
@@ -13266,7 +13212,7 @@
             <a:effectLst/>
             <a:extLst>
               <a:ext uri="{909E8E84-426E-40dd-AFC4-6F175D3DCCD1}">
-                <a14:hiddenFill xmlns:a14="http://schemas.microsoft.com/office/drawing/2010/main" xmlns="">
+                <a14:hiddenFill xmlns="" xmlns:a14="http://schemas.microsoft.com/office/drawing/2010/main">
                   <a:blipFill dpi="0" rotWithShape="0">
                     <a:blip/>
                     <a:srcRect/>
@@ -13277,7 +13223,7 @@
                 </a14:hiddenFill>
               </a:ext>
               <a:ext uri="{91240B29-F687-4f45-9708-019B960494DF}">
-                <a14:hiddenLine xmlns:a14="http://schemas.microsoft.com/office/drawing/2010/main" xmlns="" w="9525">
+                <a14:hiddenLine xmlns="" xmlns:a14="http://schemas.microsoft.com/office/drawing/2010/main" w="9525">
                   <a:solidFill>
                     <a:srgbClr val="000000"/>
                   </a:solidFill>
@@ -13287,7 +13233,7 @@
                 </a14:hiddenLine>
               </a:ext>
               <a:ext uri="{AF507438-7753-43e0-B8FC-AC1667EBCBE1}">
-                <a14:hiddenEffects xmlns:a14="http://schemas.microsoft.com/office/drawing/2010/main" xmlns="">
+                <a14:hiddenEffects xmlns="" xmlns:a14="http://schemas.microsoft.com/office/drawing/2010/main">
                   <a:effectLst>
                     <a:outerShdw blurRad="63500" dist="38099" dir="2700000" algn="ctr" rotWithShape="0">
                       <a:srgbClr val="000000">
@@ -13336,7 +13282,7 @@
             <a:effectLst/>
             <a:extLst>
               <a:ext uri="{909E8E84-426E-40dd-AFC4-6F175D3DCCD1}">
-                <a14:hiddenFill xmlns:a14="http://schemas.microsoft.com/office/drawing/2010/main" xmlns="">
+                <a14:hiddenFill xmlns="" xmlns:a14="http://schemas.microsoft.com/office/drawing/2010/main">
                   <a:blipFill dpi="0" rotWithShape="0">
                     <a:blip/>
                     <a:srcRect/>
@@ -13347,7 +13293,7 @@
                 </a14:hiddenFill>
               </a:ext>
               <a:ext uri="{91240B29-F687-4f45-9708-019B960494DF}">
-                <a14:hiddenLine xmlns:a14="http://schemas.microsoft.com/office/drawing/2010/main" xmlns="" w="9525">
+                <a14:hiddenLine xmlns="" xmlns:a14="http://schemas.microsoft.com/office/drawing/2010/main" w="9525">
                   <a:solidFill>
                     <a:srgbClr val="000000"/>
                   </a:solidFill>
@@ -13357,7 +13303,7 @@
                 </a14:hiddenLine>
               </a:ext>
               <a:ext uri="{AF507438-7753-43e0-B8FC-AC1667EBCBE1}">
-                <a14:hiddenEffects xmlns:a14="http://schemas.microsoft.com/office/drawing/2010/main" xmlns="">
+                <a14:hiddenEffects xmlns="" xmlns:a14="http://schemas.microsoft.com/office/drawing/2010/main">
                   <a:effectLst>
                     <a:outerShdw blurRad="63500" dist="38099" dir="2700000" algn="ctr" rotWithShape="0">
                       <a:srgbClr val="000000">
@@ -13406,7 +13352,7 @@
             <a:effectLst/>
             <a:extLst>
               <a:ext uri="{909E8E84-426E-40dd-AFC4-6F175D3DCCD1}">
-                <a14:hiddenFill xmlns:a14="http://schemas.microsoft.com/office/drawing/2010/main" xmlns="">
+                <a14:hiddenFill xmlns="" xmlns:a14="http://schemas.microsoft.com/office/drawing/2010/main">
                   <a:blipFill dpi="0" rotWithShape="0">
                     <a:blip/>
                     <a:srcRect/>
@@ -13417,7 +13363,7 @@
                 </a14:hiddenFill>
               </a:ext>
               <a:ext uri="{91240B29-F687-4f45-9708-019B960494DF}">
-                <a14:hiddenLine xmlns:a14="http://schemas.microsoft.com/office/drawing/2010/main" xmlns="" w="9525">
+                <a14:hiddenLine xmlns="" xmlns:a14="http://schemas.microsoft.com/office/drawing/2010/main" w="9525">
                   <a:solidFill>
                     <a:srgbClr val="000000"/>
                   </a:solidFill>
@@ -13427,7 +13373,7 @@
                 </a14:hiddenLine>
               </a:ext>
               <a:ext uri="{AF507438-7753-43e0-B8FC-AC1667EBCBE1}">
-                <a14:hiddenEffects xmlns:a14="http://schemas.microsoft.com/office/drawing/2010/main" xmlns="">
+                <a14:hiddenEffects xmlns="" xmlns:a14="http://schemas.microsoft.com/office/drawing/2010/main">
                   <a:effectLst>
                     <a:outerShdw blurRad="63500" dist="38099" dir="2700000" algn="ctr" rotWithShape="0">
                       <a:srgbClr val="000000">
@@ -13476,7 +13422,7 @@
             <a:effectLst/>
             <a:extLst>
               <a:ext uri="{909E8E84-426E-40dd-AFC4-6F175D3DCCD1}">
-                <a14:hiddenFill xmlns:a14="http://schemas.microsoft.com/office/drawing/2010/main" xmlns="">
+                <a14:hiddenFill xmlns="" xmlns:a14="http://schemas.microsoft.com/office/drawing/2010/main">
                   <a:blipFill dpi="0" rotWithShape="0">
                     <a:blip/>
                     <a:srcRect/>
@@ -13487,7 +13433,7 @@
                 </a14:hiddenFill>
               </a:ext>
               <a:ext uri="{91240B29-F687-4f45-9708-019B960494DF}">
-                <a14:hiddenLine xmlns:a14="http://schemas.microsoft.com/office/drawing/2010/main" xmlns="" w="9525">
+                <a14:hiddenLine xmlns="" xmlns:a14="http://schemas.microsoft.com/office/drawing/2010/main" w="9525">
                   <a:solidFill>
                     <a:srgbClr val="000000"/>
                   </a:solidFill>
@@ -13497,7 +13443,7 @@
                 </a14:hiddenLine>
               </a:ext>
               <a:ext uri="{AF507438-7753-43e0-B8FC-AC1667EBCBE1}">
-                <a14:hiddenEffects xmlns:a14="http://schemas.microsoft.com/office/drawing/2010/main" xmlns="">
+                <a14:hiddenEffects xmlns="" xmlns:a14="http://schemas.microsoft.com/office/drawing/2010/main">
                   <a:effectLst>
                     <a:outerShdw blurRad="63500" dist="38099" dir="2700000" algn="ctr" rotWithShape="0">
                       <a:srgbClr val="000000">
@@ -13538,12 +13484,12 @@
             <a:effectLst/>
             <a:extLst>
               <a:ext uri="{909E8E84-426E-40dd-AFC4-6F175D3DCCD1}">
-                <a14:hiddenFill xmlns:a14="http://schemas.microsoft.com/office/drawing/2010/main" xmlns="">
+                <a14:hiddenFill xmlns="" xmlns:a14="http://schemas.microsoft.com/office/drawing/2010/main">
                   <a:noFill/>
                 </a14:hiddenFill>
               </a:ext>
               <a:ext uri="{AF507438-7753-43e0-B8FC-AC1667EBCBE1}">
-                <a14:hiddenEffects xmlns:a14="http://schemas.microsoft.com/office/drawing/2010/main" xmlns="">
+                <a14:hiddenEffects xmlns="" xmlns:a14="http://schemas.microsoft.com/office/drawing/2010/main">
                   <a:effectLst>
                     <a:outerShdw blurRad="63500" dist="38099" dir="2700000" algn="ctr" rotWithShape="0">
                       <a:srgbClr val="000000">
@@ -13596,12 +13542,12 @@
             <a:effectLst/>
             <a:extLst>
               <a:ext uri="{909E8E84-426E-40dd-AFC4-6F175D3DCCD1}">
-                <a14:hiddenFill xmlns:a14="http://schemas.microsoft.com/office/drawing/2010/main" xmlns="">
+                <a14:hiddenFill xmlns="" xmlns:a14="http://schemas.microsoft.com/office/drawing/2010/main">
                   <a:noFill/>
                 </a14:hiddenFill>
               </a:ext>
               <a:ext uri="{AF507438-7753-43e0-B8FC-AC1667EBCBE1}">
-                <a14:hiddenEffects xmlns:a14="http://schemas.microsoft.com/office/drawing/2010/main" xmlns="">
+                <a14:hiddenEffects xmlns="" xmlns:a14="http://schemas.microsoft.com/office/drawing/2010/main">
                   <a:effectLst>
                     <a:outerShdw blurRad="63500" dist="38099" dir="2700000" algn="ctr" rotWithShape="0">
                       <a:srgbClr val="000000">
@@ -13662,7 +13608,7 @@
             <a:effectLst/>
             <a:extLst>
               <a:ext uri="{909E8E84-426E-40dd-AFC4-6F175D3DCCD1}">
-                <a14:hiddenFill xmlns:a14="http://schemas.microsoft.com/office/drawing/2010/main" xmlns="">
+                <a14:hiddenFill xmlns="" xmlns:a14="http://schemas.microsoft.com/office/drawing/2010/main">
                   <a:blipFill dpi="0" rotWithShape="0">
                     <a:blip/>
                     <a:srcRect/>
@@ -13673,7 +13619,7 @@
                 </a14:hiddenFill>
               </a:ext>
               <a:ext uri="{91240B29-F687-4f45-9708-019B960494DF}">
-                <a14:hiddenLine xmlns:a14="http://schemas.microsoft.com/office/drawing/2010/main" xmlns="" w="9525">
+                <a14:hiddenLine xmlns="" xmlns:a14="http://schemas.microsoft.com/office/drawing/2010/main" w="9525">
                   <a:solidFill>
                     <a:srgbClr val="000000"/>
                   </a:solidFill>
@@ -13683,7 +13629,7 @@
                 </a14:hiddenLine>
               </a:ext>
               <a:ext uri="{AF507438-7753-43e0-B8FC-AC1667EBCBE1}">
-                <a14:hiddenEffects xmlns:a14="http://schemas.microsoft.com/office/drawing/2010/main" xmlns="">
+                <a14:hiddenEffects xmlns="" xmlns:a14="http://schemas.microsoft.com/office/drawing/2010/main">
                   <a:effectLst>
                     <a:outerShdw blurRad="63500" dist="38099" dir="2700000" algn="ctr" rotWithShape="0">
                       <a:srgbClr val="000000">
@@ -13816,7 +13762,7 @@
           <a:effectLst/>
           <a:extLst>
             <a:ext uri="{909E8E84-426E-40dd-AFC4-6F175D3DCCD1}">
-              <a14:hiddenFill xmlns="" xmlns:a14="http://schemas.microsoft.com/office/drawing/2010/main">
+              <a14:hiddenFill xmlns:a14="http://schemas.microsoft.com/office/drawing/2010/main" xmlns="">
                 <a:blipFill dpi="0" rotWithShape="0">
                   <a:blip/>
                   <a:srcRect/>
@@ -13827,7 +13773,7 @@
               </a14:hiddenFill>
             </a:ext>
             <a:ext uri="{91240B29-F687-4f45-9708-019B960494DF}">
-              <a14:hiddenLine xmlns="" xmlns:a14="http://schemas.microsoft.com/office/drawing/2010/main" w="9525">
+              <a14:hiddenLine xmlns:a14="http://schemas.microsoft.com/office/drawing/2010/main" xmlns="" w="9525">
                 <a:solidFill>
                   <a:srgbClr val="000000"/>
                 </a:solidFill>
@@ -13837,7 +13783,7 @@
               </a14:hiddenLine>
             </a:ext>
             <a:ext uri="{AF507438-7753-43e0-B8FC-AC1667EBCBE1}">
-              <a14:hiddenEffects xmlns="" xmlns:a14="http://schemas.microsoft.com/office/drawing/2010/main">
+              <a14:hiddenEffects xmlns:a14="http://schemas.microsoft.com/office/drawing/2010/main" xmlns="">
                 <a:effectLst>
                   <a:outerShdw blurRad="63500" dist="38099" dir="2700000" algn="ctr" rotWithShape="0">
                     <a:srgbClr val="000000">
@@ -13922,7 +13868,7 @@
           <a:effectLst/>
           <a:extLst>
             <a:ext uri="{909E8E84-426E-40dd-AFC4-6F175D3DCCD1}">
-              <a14:hiddenFill xmlns="" xmlns:a14="http://schemas.microsoft.com/office/drawing/2010/main">
+              <a14:hiddenFill xmlns:a14="http://schemas.microsoft.com/office/drawing/2010/main" xmlns="">
                 <a:blipFill dpi="0" rotWithShape="0">
                   <a:blip/>
                   <a:srcRect/>
@@ -13933,7 +13879,7 @@
               </a14:hiddenFill>
             </a:ext>
             <a:ext uri="{91240B29-F687-4f45-9708-019B960494DF}">
-              <a14:hiddenLine xmlns="" xmlns:a14="http://schemas.microsoft.com/office/drawing/2010/main" w="9525">
+              <a14:hiddenLine xmlns:a14="http://schemas.microsoft.com/office/drawing/2010/main" xmlns="" w="9525">
                 <a:solidFill>
                   <a:srgbClr val="000000"/>
                 </a:solidFill>
@@ -13943,7 +13889,7 @@
               </a14:hiddenLine>
             </a:ext>
             <a:ext uri="{AF507438-7753-43e0-B8FC-AC1667EBCBE1}">
-              <a14:hiddenEffects xmlns="" xmlns:a14="http://schemas.microsoft.com/office/drawing/2010/main">
+              <a14:hiddenEffects xmlns:a14="http://schemas.microsoft.com/office/drawing/2010/main" xmlns="">
                 <a:effectLst>
                   <a:outerShdw blurRad="63500" dist="38099" dir="2700000" algn="ctr" rotWithShape="0">
                     <a:srgbClr val="000000">
@@ -14028,7 +13974,7 @@
           <a:effectLst/>
           <a:extLst>
             <a:ext uri="{909E8E84-426E-40dd-AFC4-6F175D3DCCD1}">
-              <a14:hiddenFill xmlns="" xmlns:a14="http://schemas.microsoft.com/office/drawing/2010/main">
+              <a14:hiddenFill xmlns:a14="http://schemas.microsoft.com/office/drawing/2010/main" xmlns="">
                 <a:blipFill dpi="0" rotWithShape="0">
                   <a:blip/>
                   <a:srcRect/>
@@ -14039,7 +13985,7 @@
               </a14:hiddenFill>
             </a:ext>
             <a:ext uri="{91240B29-F687-4f45-9708-019B960494DF}">
-              <a14:hiddenLine xmlns="" xmlns:a14="http://schemas.microsoft.com/office/drawing/2010/main" w="9525">
+              <a14:hiddenLine xmlns:a14="http://schemas.microsoft.com/office/drawing/2010/main" xmlns="" w="9525">
                 <a:solidFill>
                   <a:srgbClr val="000000"/>
                 </a:solidFill>
@@ -14049,7 +13995,7 @@
               </a14:hiddenLine>
             </a:ext>
             <a:ext uri="{AF507438-7753-43e0-B8FC-AC1667EBCBE1}">
-              <a14:hiddenEffects xmlns="" xmlns:a14="http://schemas.microsoft.com/office/drawing/2010/main">
+              <a14:hiddenEffects xmlns:a14="http://schemas.microsoft.com/office/drawing/2010/main" xmlns="">
                 <a:effectLst>
                   <a:outerShdw blurRad="63500" dist="38099" dir="2700000" algn="ctr" rotWithShape="0">
                     <a:srgbClr val="000000">
@@ -14240,7 +14186,7 @@
           <a:effectLst/>
           <a:extLst>
             <a:ext uri="{909E8E84-426E-40dd-AFC4-6F175D3DCCD1}">
-              <a14:hiddenFill xmlns="" xmlns:a14="http://schemas.microsoft.com/office/drawing/2010/main">
+              <a14:hiddenFill xmlns:a14="http://schemas.microsoft.com/office/drawing/2010/main" xmlns="">
                 <a:blipFill dpi="0" rotWithShape="0">
                   <a:blip/>
                   <a:srcRect/>
@@ -14251,7 +14197,7 @@
               </a14:hiddenFill>
             </a:ext>
             <a:ext uri="{91240B29-F687-4f45-9708-019B960494DF}">
-              <a14:hiddenLine xmlns="" xmlns:a14="http://schemas.microsoft.com/office/drawing/2010/main" w="9525">
+              <a14:hiddenLine xmlns:a14="http://schemas.microsoft.com/office/drawing/2010/main" xmlns="" w="9525">
                 <a:solidFill>
                   <a:srgbClr val="000000"/>
                 </a:solidFill>
@@ -14261,7 +14207,7 @@
               </a14:hiddenLine>
             </a:ext>
             <a:ext uri="{AF507438-7753-43e0-B8FC-AC1667EBCBE1}">
-              <a14:hiddenEffects xmlns="" xmlns:a14="http://schemas.microsoft.com/office/drawing/2010/main">
+              <a14:hiddenEffects xmlns:a14="http://schemas.microsoft.com/office/drawing/2010/main" xmlns="">
                 <a:effectLst>
                   <a:outerShdw blurRad="63500" dist="38099" dir="2700000" algn="ctr" rotWithShape="0">
                     <a:srgbClr val="000000">
@@ -14339,7 +14285,7 @@
           <a:effectLst/>
           <a:extLst>
             <a:ext uri="{909E8E84-426E-40dd-AFC4-6F175D3DCCD1}">
-              <a14:hiddenFill xmlns="" xmlns:a14="http://schemas.microsoft.com/office/drawing/2010/main">
+              <a14:hiddenFill xmlns:a14="http://schemas.microsoft.com/office/drawing/2010/main" xmlns="">
                 <a:blipFill dpi="0" rotWithShape="0">
                   <a:blip/>
                   <a:srcRect/>
@@ -14350,7 +14296,7 @@
               </a14:hiddenFill>
             </a:ext>
             <a:ext uri="{91240B29-F687-4f45-9708-019B960494DF}">
-              <a14:hiddenLine xmlns="" xmlns:a14="http://schemas.microsoft.com/office/drawing/2010/main" w="9525">
+              <a14:hiddenLine xmlns:a14="http://schemas.microsoft.com/office/drawing/2010/main" xmlns="" w="9525">
                 <a:solidFill>
                   <a:srgbClr val="000000"/>
                 </a:solidFill>
@@ -14360,7 +14306,7 @@
               </a14:hiddenLine>
             </a:ext>
             <a:ext uri="{AF507438-7753-43e0-B8FC-AC1667EBCBE1}">
-              <a14:hiddenEffects xmlns="" xmlns:a14="http://schemas.microsoft.com/office/drawing/2010/main">
+              <a14:hiddenEffects xmlns:a14="http://schemas.microsoft.com/office/drawing/2010/main" xmlns="">
                 <a:effectLst>
                   <a:outerShdw blurRad="63500" dist="38099" dir="2700000" algn="ctr" rotWithShape="0">
                     <a:srgbClr val="000000">
@@ -16225,7 +16171,7 @@
           <a:effectLst/>
           <a:extLst>
             <a:ext uri="{909E8E84-426E-40dd-AFC4-6F175D3DCCD1}">
-              <a14:hiddenFill xmlns:a14="http://schemas.microsoft.com/office/drawing/2010/main" xmlns="">
+              <a14:hiddenFill xmlns="" xmlns:a14="http://schemas.microsoft.com/office/drawing/2010/main">
                 <a:blipFill dpi="0" rotWithShape="0">
                   <a:blip/>
                   <a:srcRect/>
@@ -16236,7 +16182,7 @@
               </a14:hiddenFill>
             </a:ext>
             <a:ext uri="{91240B29-F687-4f45-9708-019B960494DF}">
-              <a14:hiddenLine xmlns:a14="http://schemas.microsoft.com/office/drawing/2010/main" xmlns="" w="9525">
+              <a14:hiddenLine xmlns="" xmlns:a14="http://schemas.microsoft.com/office/drawing/2010/main" w="9525">
                 <a:solidFill>
                   <a:srgbClr val="000000"/>
                 </a:solidFill>
@@ -16246,7 +16192,7 @@
               </a14:hiddenLine>
             </a:ext>
             <a:ext uri="{AF507438-7753-43e0-B8FC-AC1667EBCBE1}">
-              <a14:hiddenEffects xmlns:a14="http://schemas.microsoft.com/office/drawing/2010/main" xmlns="">
+              <a14:hiddenEffects xmlns="" xmlns:a14="http://schemas.microsoft.com/office/drawing/2010/main">
                 <a:effectLst>
                   <a:outerShdw blurRad="63500" dist="38099" dir="2700000" algn="ctr" rotWithShape="0">
                     <a:srgbClr val="000000">
@@ -16406,7 +16352,7 @@
           <a:effectLst/>
           <a:extLst>
             <a:ext uri="{909E8E84-426E-40dd-AFC4-6F175D3DCCD1}">
-              <a14:hiddenFill xmlns:a14="http://schemas.microsoft.com/office/drawing/2010/main" xmlns="">
+              <a14:hiddenFill xmlns="" xmlns:a14="http://schemas.microsoft.com/office/drawing/2010/main">
                 <a:blipFill dpi="0" rotWithShape="0">
                   <a:blip/>
                   <a:srcRect/>
@@ -16417,7 +16363,7 @@
               </a14:hiddenFill>
             </a:ext>
             <a:ext uri="{91240B29-F687-4f45-9708-019B960494DF}">
-              <a14:hiddenLine xmlns:a14="http://schemas.microsoft.com/office/drawing/2010/main" xmlns="" w="9525">
+              <a14:hiddenLine xmlns="" xmlns:a14="http://schemas.microsoft.com/office/drawing/2010/main" w="9525">
                 <a:solidFill>
                   <a:srgbClr val="000000"/>
                 </a:solidFill>
@@ -16427,7 +16373,7 @@
               </a14:hiddenLine>
             </a:ext>
             <a:ext uri="{AF507438-7753-43e0-B8FC-AC1667EBCBE1}">
-              <a14:hiddenEffects xmlns:a14="http://schemas.microsoft.com/office/drawing/2010/main" xmlns="">
+              <a14:hiddenEffects xmlns="" xmlns:a14="http://schemas.microsoft.com/office/drawing/2010/main">
                 <a:effectLst>
                   <a:outerShdw blurRad="63500" dist="38099" dir="2700000" algn="ctr" rotWithShape="0">
                     <a:srgbClr val="000000">
@@ -18226,7 +18172,7 @@
           <a:effectLst/>
           <a:extLst>
             <a:ext uri="{909E8E84-426E-40dd-AFC4-6F175D3DCCD1}">
-              <a14:hiddenFill xmlns:a14="http://schemas.microsoft.com/office/drawing/2010/main" xmlns="">
+              <a14:hiddenFill xmlns="" xmlns:a14="http://schemas.microsoft.com/office/drawing/2010/main">
                 <a:blipFill dpi="0" rotWithShape="0">
                   <a:blip/>
                   <a:srcRect/>
@@ -18237,7 +18183,7 @@
               </a14:hiddenFill>
             </a:ext>
             <a:ext uri="{91240B29-F687-4f45-9708-019B960494DF}">
-              <a14:hiddenLine xmlns:a14="http://schemas.microsoft.com/office/drawing/2010/main" xmlns="" w="9525">
+              <a14:hiddenLine xmlns="" xmlns:a14="http://schemas.microsoft.com/office/drawing/2010/main" w="9525">
                 <a:solidFill>
                   <a:srgbClr val="000000"/>
                 </a:solidFill>
@@ -18247,7 +18193,7 @@
               </a14:hiddenLine>
             </a:ext>
             <a:ext uri="{AF507438-7753-43e0-B8FC-AC1667EBCBE1}">
-              <a14:hiddenEffects xmlns:a14="http://schemas.microsoft.com/office/drawing/2010/main" xmlns="">
+              <a14:hiddenEffects xmlns="" xmlns:a14="http://schemas.microsoft.com/office/drawing/2010/main">
                 <a:effectLst>
                   <a:outerShdw blurRad="63500" dist="38099" dir="2700000" algn="ctr" rotWithShape="0">
                     <a:srgbClr val="000000">
@@ -18340,7 +18286,7 @@
           <a:effectLst/>
           <a:extLst>
             <a:ext uri="{909E8E84-426E-40dd-AFC4-6F175D3DCCD1}">
-              <a14:hiddenFill xmlns:a14="http://schemas.microsoft.com/office/drawing/2010/main" xmlns="">
+              <a14:hiddenFill xmlns="" xmlns:a14="http://schemas.microsoft.com/office/drawing/2010/main">
                 <a:blipFill dpi="0" rotWithShape="0">
                   <a:blip/>
                   <a:srcRect/>
@@ -18351,7 +18297,7 @@
               </a14:hiddenFill>
             </a:ext>
             <a:ext uri="{91240B29-F687-4f45-9708-019B960494DF}">
-              <a14:hiddenLine xmlns:a14="http://schemas.microsoft.com/office/drawing/2010/main" xmlns="" w="9525">
+              <a14:hiddenLine xmlns="" xmlns:a14="http://schemas.microsoft.com/office/drawing/2010/main" w="9525">
                 <a:solidFill>
                   <a:srgbClr val="000000"/>
                 </a:solidFill>
@@ -18361,7 +18307,7 @@
               </a14:hiddenLine>
             </a:ext>
             <a:ext uri="{AF507438-7753-43e0-B8FC-AC1667EBCBE1}">
-              <a14:hiddenEffects xmlns:a14="http://schemas.microsoft.com/office/drawing/2010/main" xmlns="">
+              <a14:hiddenEffects xmlns="" xmlns:a14="http://schemas.microsoft.com/office/drawing/2010/main">
                 <a:effectLst>
                   <a:outerShdw blurRad="63500" dist="38099" dir="2700000" algn="ctr" rotWithShape="0">
                     <a:srgbClr val="000000">
@@ -21233,7 +21179,7 @@
           <a:effectLst/>
           <a:extLst>
             <a:ext uri="{909E8E84-426E-40dd-AFC4-6F175D3DCCD1}">
-              <a14:hiddenFill xmlns:a14="http://schemas.microsoft.com/office/drawing/2010/main" xmlns="">
+              <a14:hiddenFill xmlns="" xmlns:a14="http://schemas.microsoft.com/office/drawing/2010/main">
                 <a:blipFill dpi="0" rotWithShape="0">
                   <a:blip/>
                   <a:srcRect/>
@@ -21244,7 +21190,7 @@
               </a14:hiddenFill>
             </a:ext>
             <a:ext uri="{91240B29-F687-4f45-9708-019B960494DF}">
-              <a14:hiddenLine xmlns:a14="http://schemas.microsoft.com/office/drawing/2010/main" xmlns="" w="9525">
+              <a14:hiddenLine xmlns="" xmlns:a14="http://schemas.microsoft.com/office/drawing/2010/main" w="9525">
                 <a:solidFill>
                   <a:srgbClr val="000000"/>
                 </a:solidFill>
@@ -21254,7 +21200,7 @@
               </a14:hiddenLine>
             </a:ext>
             <a:ext uri="{AF507438-7753-43e0-B8FC-AC1667EBCBE1}">
-              <a14:hiddenEffects xmlns:a14="http://schemas.microsoft.com/office/drawing/2010/main" xmlns="">
+              <a14:hiddenEffects xmlns="" xmlns:a14="http://schemas.microsoft.com/office/drawing/2010/main">
                 <a:effectLst>
                   <a:outerShdw blurRad="63500" dist="38099" dir="2700000" algn="ctr" rotWithShape="0">
                     <a:srgbClr val="000000">
@@ -21333,7 +21279,7 @@
           <a:effectLst/>
           <a:extLst>
             <a:ext uri="{909E8E84-426E-40dd-AFC4-6F175D3DCCD1}">
-              <a14:hiddenFill xmlns:a14="http://schemas.microsoft.com/office/drawing/2010/main" xmlns="">
+              <a14:hiddenFill xmlns="" xmlns:a14="http://schemas.microsoft.com/office/drawing/2010/main">
                 <a:blipFill dpi="0" rotWithShape="0">
                   <a:blip/>
                   <a:srcRect/>
@@ -21344,7 +21290,7 @@
               </a14:hiddenFill>
             </a:ext>
             <a:ext uri="{91240B29-F687-4f45-9708-019B960494DF}">
-              <a14:hiddenLine xmlns:a14="http://schemas.microsoft.com/office/drawing/2010/main" xmlns="" w="9525">
+              <a14:hiddenLine xmlns="" xmlns:a14="http://schemas.microsoft.com/office/drawing/2010/main" w="9525">
                 <a:solidFill>
                   <a:srgbClr val="000000"/>
                 </a:solidFill>
@@ -21354,7 +21300,7 @@
               </a14:hiddenLine>
             </a:ext>
             <a:ext uri="{AF507438-7753-43e0-B8FC-AC1667EBCBE1}">
-              <a14:hiddenEffects xmlns:a14="http://schemas.microsoft.com/office/drawing/2010/main" xmlns="">
+              <a14:hiddenEffects xmlns="" xmlns:a14="http://schemas.microsoft.com/office/drawing/2010/main">
                 <a:effectLst>
                   <a:outerShdw blurRad="63500" dist="38099" dir="2700000" algn="ctr" rotWithShape="0">
                     <a:srgbClr val="000000">
@@ -22937,7 +22883,7 @@
           <a:effectLst/>
           <a:extLst>
             <a:ext uri="{909E8E84-426E-40dd-AFC4-6F175D3DCCD1}">
-              <a14:hiddenFill xmlns:a14="http://schemas.microsoft.com/office/drawing/2010/main" xmlns="">
+              <a14:hiddenFill xmlns="" xmlns:a14="http://schemas.microsoft.com/office/drawing/2010/main">
                 <a:blipFill dpi="0" rotWithShape="0">
                   <a:blip/>
                   <a:srcRect/>
@@ -22948,7 +22894,7 @@
               </a14:hiddenFill>
             </a:ext>
             <a:ext uri="{91240B29-F687-4f45-9708-019B960494DF}">
-              <a14:hiddenLine xmlns:a14="http://schemas.microsoft.com/office/drawing/2010/main" xmlns="" w="9525">
+              <a14:hiddenLine xmlns="" xmlns:a14="http://schemas.microsoft.com/office/drawing/2010/main" w="9525">
                 <a:solidFill>
                   <a:srgbClr val="000000"/>
                 </a:solidFill>
@@ -22958,7 +22904,7 @@
               </a14:hiddenLine>
             </a:ext>
             <a:ext uri="{AF507438-7753-43e0-B8FC-AC1667EBCBE1}">
-              <a14:hiddenEffects xmlns:a14="http://schemas.microsoft.com/office/drawing/2010/main" xmlns="">
+              <a14:hiddenEffects xmlns="" xmlns:a14="http://schemas.microsoft.com/office/drawing/2010/main">
                 <a:effectLst>
                   <a:outerShdw blurRad="63500" dist="38099" dir="2700000" algn="ctr" rotWithShape="0">
                     <a:srgbClr val="000000">
@@ -24606,7 +24552,7 @@
           <a:effectLst/>
           <a:extLst>
             <a:ext uri="{909E8E84-426E-40dd-AFC4-6F175D3DCCD1}">
-              <a14:hiddenFill xmlns:a14="http://schemas.microsoft.com/office/drawing/2010/main" xmlns="">
+              <a14:hiddenFill xmlns="" xmlns:a14="http://schemas.microsoft.com/office/drawing/2010/main">
                 <a:blipFill dpi="0" rotWithShape="0">
                   <a:blip/>
                   <a:srcRect/>
@@ -24617,7 +24563,7 @@
               </a14:hiddenFill>
             </a:ext>
             <a:ext uri="{91240B29-F687-4f45-9708-019B960494DF}">
-              <a14:hiddenLine xmlns:a14="http://schemas.microsoft.com/office/drawing/2010/main" xmlns="" w="9525">
+              <a14:hiddenLine xmlns="" xmlns:a14="http://schemas.microsoft.com/office/drawing/2010/main" w="9525">
                 <a:solidFill>
                   <a:srgbClr val="000000"/>
                 </a:solidFill>
@@ -24627,7 +24573,7 @@
               </a14:hiddenLine>
             </a:ext>
             <a:ext uri="{AF507438-7753-43e0-B8FC-AC1667EBCBE1}">
-              <a14:hiddenEffects xmlns:a14="http://schemas.microsoft.com/office/drawing/2010/main" xmlns="">
+              <a14:hiddenEffects xmlns="" xmlns:a14="http://schemas.microsoft.com/office/drawing/2010/main">
                 <a:effectLst>
                   <a:outerShdw blurRad="63500" dist="38099" dir="2700000" algn="ctr" rotWithShape="0">
                     <a:srgbClr val="000000">
@@ -25989,7 +25935,7 @@
           <a:effectLst/>
           <a:extLst>
             <a:ext uri="{909E8E84-426E-40dd-AFC4-6F175D3DCCD1}">
-              <a14:hiddenFill xmlns:a14="http://schemas.microsoft.com/office/drawing/2010/main" xmlns="">
+              <a14:hiddenFill xmlns="" xmlns:a14="http://schemas.microsoft.com/office/drawing/2010/main">
                 <a:blipFill dpi="0" rotWithShape="0">
                   <a:blip/>
                   <a:srcRect/>
@@ -26000,7 +25946,7 @@
               </a14:hiddenFill>
             </a:ext>
             <a:ext uri="{91240B29-F687-4f45-9708-019B960494DF}">
-              <a14:hiddenLine xmlns:a14="http://schemas.microsoft.com/office/drawing/2010/main" xmlns="" w="9525">
+              <a14:hiddenLine xmlns="" xmlns:a14="http://schemas.microsoft.com/office/drawing/2010/main" w="9525">
                 <a:solidFill>
                   <a:srgbClr val="000000"/>
                 </a:solidFill>
@@ -26010,7 +25956,7 @@
               </a14:hiddenLine>
             </a:ext>
             <a:ext uri="{AF507438-7753-43e0-B8FC-AC1667EBCBE1}">
-              <a14:hiddenEffects xmlns:a14="http://schemas.microsoft.com/office/drawing/2010/main" xmlns="">
+              <a14:hiddenEffects xmlns="" xmlns:a14="http://schemas.microsoft.com/office/drawing/2010/main">
                 <a:effectLst>
                   <a:outerShdw blurRad="63500" dist="38099" dir="2700000" algn="ctr" rotWithShape="0">
                     <a:srgbClr val="000000">
@@ -26141,7 +26087,7 @@
           <a:effectLst/>
           <a:extLst>
             <a:ext uri="{909E8E84-426E-40dd-AFC4-6F175D3DCCD1}">
-              <a14:hiddenFill xmlns:a14="http://schemas.microsoft.com/office/drawing/2010/main" xmlns="">
+              <a14:hiddenFill xmlns="" xmlns:a14="http://schemas.microsoft.com/office/drawing/2010/main">
                 <a:blipFill dpi="0" rotWithShape="0">
                   <a:blip/>
                   <a:srcRect/>
@@ -26152,7 +26098,7 @@
               </a14:hiddenFill>
             </a:ext>
             <a:ext uri="{91240B29-F687-4f45-9708-019B960494DF}">
-              <a14:hiddenLine xmlns:a14="http://schemas.microsoft.com/office/drawing/2010/main" xmlns="" w="9525">
+              <a14:hiddenLine xmlns="" xmlns:a14="http://schemas.microsoft.com/office/drawing/2010/main" w="9525">
                 <a:solidFill>
                   <a:srgbClr val="000000"/>
                 </a:solidFill>
@@ -26162,7 +26108,7 @@
               </a14:hiddenLine>
             </a:ext>
             <a:ext uri="{AF507438-7753-43e0-B8FC-AC1667EBCBE1}">
-              <a14:hiddenEffects xmlns:a14="http://schemas.microsoft.com/office/drawing/2010/main" xmlns="">
+              <a14:hiddenEffects xmlns="" xmlns:a14="http://schemas.microsoft.com/office/drawing/2010/main">
                 <a:effectLst>
                   <a:outerShdw blurRad="63500" dist="38099" dir="2700000" algn="ctr" rotWithShape="0">
                     <a:srgbClr val="000000">
@@ -33831,7 +33777,7 @@
           <a:effectLst/>
           <a:extLst>
             <a:ext uri="{909E8E84-426E-40dd-AFC4-6F175D3DCCD1}">
-              <a14:hiddenFill xmlns="" xmlns:a14="http://schemas.microsoft.com/office/drawing/2010/main">
+              <a14:hiddenFill xmlns:a14="http://schemas.microsoft.com/office/drawing/2010/main" xmlns="">
                 <a:blipFill dpi="0" rotWithShape="0">
                   <a:blip/>
                   <a:srcRect/>
@@ -33842,7 +33788,7 @@
               </a14:hiddenFill>
             </a:ext>
             <a:ext uri="{91240B29-F687-4f45-9708-019B960494DF}">
-              <a14:hiddenLine xmlns="" xmlns:a14="http://schemas.microsoft.com/office/drawing/2010/main" w="9525">
+              <a14:hiddenLine xmlns:a14="http://schemas.microsoft.com/office/drawing/2010/main" xmlns="" w="9525">
                 <a:solidFill>
                   <a:srgbClr val="000000"/>
                 </a:solidFill>
@@ -33852,7 +33798,7 @@
               </a14:hiddenLine>
             </a:ext>
             <a:ext uri="{AF507438-7753-43e0-B8FC-AC1667EBCBE1}">
-              <a14:hiddenEffects xmlns="" xmlns:a14="http://schemas.microsoft.com/office/drawing/2010/main">
+              <a14:hiddenEffects xmlns:a14="http://schemas.microsoft.com/office/drawing/2010/main" xmlns="">
                 <a:effectLst>
                   <a:outerShdw blurRad="63500" dist="38099" dir="2700000" algn="ctr" rotWithShape="0">
                     <a:srgbClr val="000000">

--- a/marple.pptx
+++ b/marple.pptx
@@ -236,7 +236,7 @@
           <a:p>
             <a:fld id="{4D1C7D58-6592-1846-B3DB-D549DDE8371F}" type="datetimeFigureOut">
               <a:rPr lang="en-US" smtClean="0"/>
-              <a:t>7/9/18</a:t>
+              <a:t>10/11/18</a:t>
             </a:fld>
             <a:endParaRPr lang="en-US"/>
           </a:p>
@@ -549,7 +549,7 @@
           <a:p>
             <a:r>
               <a:rPr lang="en-US" baseline="0" dirty="0"/>
-              <a:t>Thank you for the invitation. I am going to be speaking about work that I did as a grad student on designing hardware and software for fast and programmable network monitoring. This was published at SIGCOMM 2017. This is joint work with many excellent collaborators. In particular, I want to mention the lead author on this work, Srinivas Narayana.</a:t>
+              <a:t>Thank you for the invitation. I am going to be speaking about work that I did as a grad student on designing hardware and software for fast and programmable network monitoring. This was published at SIGCOMM 2017. This is joint work with many excellent collaborators. In particular, I want to mention the lead author on this work, Srinivas Narayana, who is now a faculty at Rutgers.</a:t>
             </a:r>
           </a:p>
           <a:p>
@@ -849,7 +849,16 @@
           <a:p>
             <a:r>
               <a:rPr lang="en-US" dirty="0"/>
-              <a:t>The next example is to compute a per-flow average latency. The way this works is that you take all packets belonging to a flow, run a moving average filter over some attribute of the packet (such as the queueing latency) on every new packet that you receive. Our construct for this is the </a:t>
+              <a:t>The next example is to compute a per-flow average latency. The way this works is that you take all packets belonging to a flow, run a moving average filter over some attribute of the packet (such as the queueing latency) on every new packet that you receive.</a:t>
+            </a:r>
+          </a:p>
+          <a:p>
+            <a:endParaRPr lang="en-US" dirty="0"/>
+          </a:p>
+          <a:p>
+            <a:r>
+              <a:rPr lang="en-US" dirty="0"/>
+              <a:t>Our language construct for this is the </a:t>
             </a:r>
             <a:r>
               <a:rPr lang="en-US" dirty="0" err="1"/>
@@ -1017,7 +1026,7 @@
           <a:p>
             <a:r>
               <a:rPr lang="en-US" baseline="0" dirty="0"/>
-              <a:t>As you can see, the operator can write whatever they want in the fold function. Later, when we get to the hardware section, we’ll see what kinds of fold functions are efficiently implementable on such switch hardware.</a:t>
+              <a:t>As you can see, the operator can write fairly expressive fold functions. Later, when we get to the hardware section, we’ll see what kinds of fold functions are efficiently implementable on such switch hardware.</a:t>
             </a:r>
           </a:p>
         </p:txBody>
@@ -1294,7 +1303,7 @@
             </a:r>
             <a:r>
               <a:rPr lang="en-US" dirty="0"/>
-              <a:t> Tofino and Cavium’s </a:t>
+              <a:t> Tofino, Cavium’s </a:t>
             </a:r>
             <a:r>
               <a:rPr lang="en-US" dirty="0" err="1"/>
@@ -1302,7 +1311,7 @@
             </a:r>
             <a:r>
               <a:rPr lang="en-US" dirty="0"/>
-              <a:t>. For instance, the queue ID, enqueue time (tin), dequeue time (tout), and queue size at enqueue are available as part of proposals like in-band network telemetry.</a:t>
+              <a:t>, Broadcom’s Jericho and Trident lines, Mellanox’s Spectrum, and Cisco’s UADP. For instance, the queue ID, enqueue time (tin), dequeue time (tout), and queue size at enqueue are available as part of proposals like in-band network telemetry.</a:t>
             </a:r>
           </a:p>
           <a:p>
@@ -1311,7 +1320,32 @@
           <a:p>
             <a:r>
               <a:rPr lang="en-US" dirty="0"/>
-              <a:t>Next, the filter, map, and zip operate on packet headers without touching any state on the switch. They map to match-action rules within emerging programmable switch architectures such as RMT, which is the basis for the Barefoot Tofino switch.</a:t>
+              <a:t>Next, the filter, map, and zip operate on packet headers without touching any state on the switch. They map to match-action rules within emerging programmable switch architectures such as RMT, which is the basis for the Barefoot Tofino switch. There are switch-level restrictions on how complicated the filter predicate can be and how complex the map transformation can be.</a:t>
+            </a:r>
+          </a:p>
+          <a:p>
+            <a:endParaRPr lang="en-US" dirty="0"/>
+          </a:p>
+          <a:p>
+            <a:r>
+              <a:rPr lang="en-US" dirty="0"/>
+              <a:t>That leaves us with a </a:t>
+            </a:r>
+            <a:r>
+              <a:rPr lang="en-US" dirty="0" err="1"/>
+              <a:t>groupby</a:t>
+            </a:r>
+            <a:r>
+              <a:rPr lang="en-US" dirty="0"/>
+              <a:t>, which isn’t efficiently supported by current programmable switches. And designing hardware to support </a:t>
+            </a:r>
+            <a:r>
+              <a:rPr lang="en-US" dirty="0" err="1"/>
+              <a:t>groupbys</a:t>
+            </a:r>
+            <a:r>
+              <a:rPr lang="en-US" dirty="0"/>
+              <a:t> was the main new technical contribution of this work. So we’ll now get into how that’s done.</a:t>
             </a:r>
           </a:p>
         </p:txBody>
@@ -1628,7 +1662,32 @@
           <a:p>
             <a:r>
               <a:rPr lang="en-US" dirty="0"/>
-              <a:t>Now, let’s look at what happens on a cache miss. You don’t find the key, So you go to the backing store to request it. It sends it back. You insert it into the cache as you would in a processor cache. Then you update it in place.</a:t>
+              <a:t>We adopt the standard solution of caching where we structure the </a:t>
+            </a:r>
+            <a:r>
+              <a:rPr lang="en-US" dirty="0" err="1"/>
+              <a:t>groupby</a:t>
+            </a:r>
+            <a:r>
+              <a:rPr lang="en-US" dirty="0"/>
+              <a:t> measurement as a key-value store. The key represents how you are partitioning your </a:t>
+            </a:r>
+            <a:r>
+              <a:rPr lang="en-US" dirty="0" err="1"/>
+              <a:t>groupby</a:t>
+            </a:r>
+            <a:r>
+              <a:rPr lang="en-US" dirty="0"/>
+              <a:t> (for instance, by 5-tuple), while the value represents the state you are tracking and updating per partition.</a:t>
+            </a:r>
+          </a:p>
+          <a:p>
+            <a:endParaRPr lang="en-US" dirty="0"/>
+          </a:p>
+          <a:p>
+            <a:r>
+              <a:rPr lang="en-US" dirty="0"/>
+              <a:t>So we cache this key-value store in SRAM and maintain its authoritative backing store in DRAM.</a:t>
             </a:r>
           </a:p>
         </p:txBody>
@@ -1650,7 +1709,7 @@
           <a:p>
             <a:fld id="{33793ACE-A489-1C41-B163-D1FF0130F898}" type="slidenum">
               <a:rPr lang="en-US" smtClean="0"/>
-              <a:t>20</a:t>
+              <a:t>19</a:t>
             </a:fld>
             <a:endParaRPr lang="en-US"/>
           </a:p>
@@ -1659,7 +1718,7 @@
     </p:spTree>
     <p:extLst>
       <p:ext uri="{BB962C8B-B14F-4D97-AF65-F5344CB8AC3E}">
-        <p14:creationId xmlns:p14="http://schemas.microsoft.com/office/powerpoint/2010/main" val="1921291454"/>
+        <p14:creationId xmlns:p14="http://schemas.microsoft.com/office/powerpoint/2010/main" val="2491158726"/>
       </p:ext>
     </p:extLst>
   </p:cSld>
@@ -1715,7 +1774,7 @@
           <a:p>
             <a:r>
               <a:rPr lang="en-US" dirty="0"/>
-              <a:t>So what might be an example of a performance monitoring question? One example is a microburst, which is common in many production networks. A microburst is a situation in which you occasionally experience latency spikes in the network. This might be for any number of reasons, but one common reason is that some switch in a network is occasionally seeing bursts of traffic from an ill-behaved flow.</a:t>
+              <a:t>TODO: Maybe add figure of microburst?</a:t>
             </a:r>
           </a:p>
           <a:p>
@@ -1724,7 +1783,7 @@
           <a:p>
             <a:r>
               <a:rPr lang="en-US" dirty="0"/>
-              <a:t>When you see this problem, you want to localize which switch queue is contributing to the high latency, and what traffic is filling up the queue. There are a few ways to tackle this problem, none of which are completely satisfactory.</a:t>
+              <a:t>So what might be an example of a performance monitoring question? One example is diagnosing a microburst, which is common in many production networks. A microburst is a situation in which a service (say a key-value store) occasionally experiences latency spikes in the network. These spikes are frequent enough to affect tail statistics, but not so long-lived that you can easily diagnose the problem. This might be for any number of reasons, but one common reason is that some switch in a network is occasionally seeing bursts of traffic from an ill-behaved flow.</a:t>
             </a:r>
           </a:p>
           <a:p>
@@ -1733,7 +1792,7 @@
           <a:p>
             <a:r>
               <a:rPr lang="en-US" dirty="0"/>
-              <a:t>You can send end-to-end probes, but that only tells you that the end-to-end latency is high. It doesn’t tell you where the latency is building up. You can sample the queue’s latency or packets, but then you need to decide what the sampling frequency is.</a:t>
+              <a:t>When you see this problem, you want to first localize which switch queue is contributing to the high latency, and second what traffic is filling up the queue so that you can take corrective action like shutting it off. There are a few ways to tackle this problem, none of which are completely satisfactory.</a:t>
             </a:r>
           </a:p>
           <a:p>
@@ -1742,7 +1801,16 @@
           <a:p>
             <a:r>
               <a:rPr lang="en-US" dirty="0"/>
-              <a:t>One alternative to this to mirror packets and use emerging technologies like in-band-network telemetry to piggyback queue information on the packet. The problem now is that the packets that transit the problematic queue are now scattered all over the network. They need to be collected together to determine at which switch and when queues build up. And the overhead of doing this in software is quite prohibitive.</a:t>
+              <a:t>You can send end-to-end probes, but that only tells you that the end-to-end latency is high. It doesn’t tell you where the latency is building up. You can sample the queue’s latency or packets, but then you need to decide what the sampling frequency is, which is a thorny issue. If you sample too frequently, you might get overwhelmed with data. If you sample too infrequently, you may not be able to reconstruct the phenomenon of interest.</a:t>
+            </a:r>
+          </a:p>
+          <a:p>
+            <a:endParaRPr lang="en-US" dirty="0"/>
+          </a:p>
+          <a:p>
+            <a:r>
+              <a:rPr lang="en-US" dirty="0"/>
+              <a:t>One alternative to this to mirror packets and use emerging technologies like in-band-network telemetry to piggyback queue information on the packet. The problem now is that the packets that transit the problematic queue are scattered all over the network. They need to be collected together to determine at which switch and when queues build up. And the overhead of doing this in software is quite prohibitive: KV stores can do 100K-1M per core. We need 100M records per second at least.</a:t>
             </a:r>
           </a:p>
         </p:txBody>
@@ -1827,7 +1895,10 @@
           <a:bodyPr/>
           <a:lstStyle/>
           <a:p>
-            <a:endParaRPr lang="en-US" dirty="0"/>
+            <a:r>
+              <a:rPr lang="en-US" dirty="0"/>
+              <a:t>Now, let’s look at what happens on a cache miss. You don’t find the key, So you go to the backing store to request it. It sends it back. You insert it into the cache as you would in a processor cache. Then you update it in place.</a:t>
+            </a:r>
           </a:p>
         </p:txBody>
       </p:sp>
@@ -1848,7 +1919,7 @@
           <a:p>
             <a:fld id="{33793ACE-A489-1C41-B163-D1FF0130F898}" type="slidenum">
               <a:rPr lang="en-US" smtClean="0"/>
-              <a:t>21</a:t>
+              <a:t>20</a:t>
             </a:fld>
             <a:endParaRPr lang="en-US"/>
           </a:p>
@@ -1857,7 +1928,7 @@
     </p:spTree>
     <p:extLst>
       <p:ext uri="{BB962C8B-B14F-4D97-AF65-F5344CB8AC3E}">
-        <p14:creationId xmlns:p14="http://schemas.microsoft.com/office/powerpoint/2010/main" val="2251208279"/>
+        <p14:creationId xmlns:p14="http://schemas.microsoft.com/office/powerpoint/2010/main" val="1921291454"/>
       </p:ext>
     </p:extLst>
   </p:cSld>
@@ -1911,10 +1982,7 @@
           <a:bodyPr/>
           <a:lstStyle/>
           <a:p>
-            <a:r>
-              <a:rPr lang="en-US" dirty="0"/>
-              <a:t>The problem is that the modify and write must wait for the DRAM access latency to fetch the backing store’s information and insert it into the cache. DRAM access latencies are highly variable depending on the access pattern. This is because DRAMs are typically built for good average case performance and the worst-case performance can be quite bad.</a:t>
-            </a:r>
+            <a:endParaRPr lang="en-US" dirty="0"/>
           </a:p>
         </p:txBody>
       </p:sp>
@@ -1935,7 +2003,7 @@
           <a:p>
             <a:fld id="{33793ACE-A489-1C41-B163-D1FF0130F898}" type="slidenum">
               <a:rPr lang="en-US" smtClean="0"/>
-              <a:t>22</a:t>
+              <a:t>21</a:t>
             </a:fld>
             <a:endParaRPr lang="en-US"/>
           </a:p>
@@ -1944,7 +2012,7 @@
     </p:spTree>
     <p:extLst>
       <p:ext uri="{BB962C8B-B14F-4D97-AF65-F5344CB8AC3E}">
-        <p14:creationId xmlns:p14="http://schemas.microsoft.com/office/powerpoint/2010/main" val="155879679"/>
+        <p14:creationId xmlns:p14="http://schemas.microsoft.com/office/powerpoint/2010/main" val="2251208279"/>
       </p:ext>
     </p:extLst>
   </p:cSld>
@@ -2000,7 +2068,7 @@
           <a:p>
             <a:r>
               <a:rPr lang="en-US" dirty="0"/>
-              <a:t>Instead, our main design difference in the key-value store is to treat cache misses as packets from new flows.</a:t>
+              <a:t>The problem is that the modify and write must wait for the DRAM access latency to fetch the backing store’s information and insert it into the cache. DRAM access latencies are highly variable depending on the access pattern. This is because DRAMs are typically built for good average case performance and the worst-case performance can be quite bad.</a:t>
             </a:r>
           </a:p>
         </p:txBody>
@@ -2022,7 +2090,7 @@
           <a:p>
             <a:fld id="{33793ACE-A489-1C41-B163-D1FF0130F898}" type="slidenum">
               <a:rPr lang="en-US" smtClean="0"/>
-              <a:t>23</a:t>
+              <a:t>22</a:t>
             </a:fld>
             <a:endParaRPr lang="en-US"/>
           </a:p>
@@ -2031,7 +2099,7 @@
     </p:spTree>
     <p:extLst>
       <p:ext uri="{BB962C8B-B14F-4D97-AF65-F5344CB8AC3E}">
-        <p14:creationId xmlns:p14="http://schemas.microsoft.com/office/powerpoint/2010/main" val="4165394555"/>
+        <p14:creationId xmlns:p14="http://schemas.microsoft.com/office/powerpoint/2010/main" val="155879679"/>
       </p:ext>
     </p:extLst>
   </p:cSld>
@@ -2087,7 +2155,7 @@
           <a:p>
             <a:r>
               <a:rPr lang="en-US" dirty="0"/>
-              <a:t>What does this mean? When a key that isn’t present in the key-value store shows up, we treat it like a new key-–even if this key was previously evicted and written to the backing store.</a:t>
+              <a:t>Instead, our main design difference in the key-value store is to treat cache misses as packets from new flows.</a:t>
             </a:r>
           </a:p>
         </p:txBody>
@@ -2109,7 +2177,7 @@
           <a:p>
             <a:fld id="{33793ACE-A489-1C41-B163-D1FF0130F898}" type="slidenum">
               <a:rPr lang="en-US" smtClean="0"/>
-              <a:t>24</a:t>
+              <a:t>23</a:t>
             </a:fld>
             <a:endParaRPr lang="en-US"/>
           </a:p>
@@ -2118,7 +2186,7 @@
     </p:spTree>
     <p:extLst>
       <p:ext uri="{BB962C8B-B14F-4D97-AF65-F5344CB8AC3E}">
-        <p14:creationId xmlns:p14="http://schemas.microsoft.com/office/powerpoint/2010/main" val="3055367160"/>
+        <p14:creationId xmlns:p14="http://schemas.microsoft.com/office/powerpoint/2010/main" val="4165394555"/>
       </p:ext>
     </p:extLst>
   </p:cSld>
@@ -2174,7 +2242,7 @@
           <a:p>
             <a:r>
               <a:rPr lang="en-US" dirty="0"/>
-              <a:t>Then, eventually at some point, this key will be evicted to the backing store to make room for a new key.</a:t>
+              <a:t>What does this mean? When a key that isn’t present in the key-value store shows up, we treat it like a new key-–even if this key was previously evicted and written to the backing store.</a:t>
             </a:r>
           </a:p>
         </p:txBody>
@@ -2196,7 +2264,7 @@
           <a:p>
             <a:fld id="{33793ACE-A489-1C41-B163-D1FF0130F898}" type="slidenum">
               <a:rPr lang="en-US" smtClean="0"/>
-              <a:t>25</a:t>
+              <a:t>24</a:t>
             </a:fld>
             <a:endParaRPr lang="en-US"/>
           </a:p>
@@ -2205,7 +2273,7 @@
     </p:spTree>
     <p:extLst>
       <p:ext uri="{BB962C8B-B14F-4D97-AF65-F5344CB8AC3E}">
-        <p14:creationId xmlns:p14="http://schemas.microsoft.com/office/powerpoint/2010/main" val="3217026311"/>
+        <p14:creationId xmlns:p14="http://schemas.microsoft.com/office/powerpoint/2010/main" val="3055367160"/>
       </p:ext>
     </p:extLst>
   </p:cSld>
@@ -2261,15 +2329,7 @@
           <a:p>
             <a:r>
               <a:rPr lang="en-US" dirty="0"/>
-              <a:t>At this point, we merge the key’s value with the old value for the same key in the backing store. If the key doesn’t already exist in the backing store, we just write the </a:t>
-            </a:r>
-            <a:r>
-              <a:rPr lang="en-US" dirty="0" err="1"/>
-              <a:t>evlcted</a:t>
-            </a:r>
-            <a:r>
-              <a:rPr lang="en-US" dirty="0"/>
-              <a:t> value into the backing store.</a:t>
+              <a:t>Then, eventually at some point, this key will be evicted to the backing store to make room for a new key.</a:t>
             </a:r>
           </a:p>
         </p:txBody>
@@ -2291,7 +2351,7 @@
           <a:p>
             <a:fld id="{33793ACE-A489-1C41-B163-D1FF0130F898}" type="slidenum">
               <a:rPr lang="en-US" smtClean="0"/>
-              <a:t>26</a:t>
+              <a:t>25</a:t>
             </a:fld>
             <a:endParaRPr lang="en-US"/>
           </a:p>
@@ -2300,7 +2360,7 @@
     </p:spTree>
     <p:extLst>
       <p:ext uri="{BB962C8B-B14F-4D97-AF65-F5344CB8AC3E}">
-        <p14:creationId xmlns:p14="http://schemas.microsoft.com/office/powerpoint/2010/main" val="1298857703"/>
+        <p14:creationId xmlns:p14="http://schemas.microsoft.com/office/powerpoint/2010/main" val="3217026311"/>
       </p:ext>
     </p:extLst>
   </p:cSld>
@@ -2356,7 +2416,7 @@
           <a:p>
             <a:r>
               <a:rPr lang="en-US" dirty="0"/>
-              <a:t>The benefit of this design  is that there is no waiting on the critical path of packet processing and packet processing can proceed as usual.</a:t>
+              <a:t>At this point, we merge the key’s value with the old value for the same key in the backing store. If the key doesn’t already exist in the backing store, we just write the evicted value into the backing store.</a:t>
             </a:r>
           </a:p>
         </p:txBody>
@@ -2378,7 +2438,7 @@
           <a:p>
             <a:fld id="{33793ACE-A489-1C41-B163-D1FF0130F898}" type="slidenum">
               <a:rPr lang="en-US" smtClean="0"/>
-              <a:t>27</a:t>
+              <a:t>26</a:t>
             </a:fld>
             <a:endParaRPr lang="en-US"/>
           </a:p>
@@ -2387,7 +2447,7 @@
     </p:spTree>
     <p:extLst>
       <p:ext uri="{BB962C8B-B14F-4D97-AF65-F5344CB8AC3E}">
-        <p14:creationId xmlns:p14="http://schemas.microsoft.com/office/powerpoint/2010/main" val="3954136354"/>
+        <p14:creationId xmlns:p14="http://schemas.microsoft.com/office/powerpoint/2010/main" val="1298857703"/>
       </p:ext>
     </p:extLst>
   </p:cSld>
@@ -2443,7 +2503,7 @@
           <a:p>
             <a:r>
               <a:rPr lang="en-US" dirty="0"/>
-              <a:t>But how do I merge an old and new value for a given key? What does that even mean? Let’s look at this problem more formally. We want to merge the two values, old and new, so that it is as if the statistics function ran over the entire packet stream without any evictions. That way we can retain full accuracy while merging. Let’s introduce some notation for this. Let’s represent the statistics function as a function g over the packet sequence. For a simple counter, the function is the sum of the packet lengths (or any other packet header).</a:t>
+              <a:t>The benefit of this design is that there is no waiting on the critical path of packet processing and packet processing can proceed as usual.</a:t>
             </a:r>
           </a:p>
         </p:txBody>
@@ -2465,7 +2525,7 @@
           <a:p>
             <a:fld id="{33793ACE-A489-1C41-B163-D1FF0130F898}" type="slidenum">
               <a:rPr lang="en-US" smtClean="0"/>
-              <a:t>28</a:t>
+              <a:t>27</a:t>
             </a:fld>
             <a:endParaRPr lang="en-US"/>
           </a:p>
@@ -2474,7 +2534,7 @@
     </p:spTree>
     <p:extLst>
       <p:ext uri="{BB962C8B-B14F-4D97-AF65-F5344CB8AC3E}">
-        <p14:creationId xmlns:p14="http://schemas.microsoft.com/office/powerpoint/2010/main" val="1598310205"/>
+        <p14:creationId xmlns:p14="http://schemas.microsoft.com/office/powerpoint/2010/main" val="3954136354"/>
       </p:ext>
     </p:extLst>
   </p:cSld>
@@ -2530,31 +2590,7 @@
           <a:p>
             <a:r>
               <a:rPr lang="en-US" dirty="0"/>
-              <a:t>Now what does it formally mean to merge the old and new values of a key?</a:t>
-            </a:r>
-          </a:p>
-          <a:p>
-            <a:r>
-              <a:rPr lang="en-US" dirty="0"/>
-              <a:t>Mathematically, it means this. That if you computed the statistics function over the first sequence of packets and computed the statistics over the second sequence of the packets and then merged them, it is equivalent to computing the statistics over the entire packet sequence.</a:t>
-            </a:r>
-          </a:p>
-          <a:p>
-            <a:endParaRPr lang="en-US" dirty="0"/>
-          </a:p>
-          <a:p>
-            <a:r>
-              <a:rPr lang="en-US" dirty="0"/>
-              <a:t>In our context, what is the physical interpretation of this? The first packet sequence is the sequence of packets before the first time the key-value pair was evicted. The second packet sequence is the sequence of packets seen in the cache.</a:t>
-            </a:r>
-          </a:p>
-          <a:p>
-            <a:endParaRPr lang="en-US" dirty="0"/>
-          </a:p>
-          <a:p>
-            <a:r>
-              <a:rPr lang="en-US" dirty="0"/>
-              <a:t>Let’s take a simple example. If g is a counter, the merge is a simple addition. You can probably see that this is easily generalizable to other associative statistics such as min/max/product, etc. Essentially, you track the minimum in the cache and take the minimum of the new value in the cache and the old value in the backing store.</a:t>
+              <a:t>But how do I merge an old and new value for a given key? What does that even mean? Let’s look at this problem more formally. We want to merge the two values, old and new, so that it is as if the statistics function ran over the entire packet stream without any evictions. That way we can retain full accuracy while merging. Let’s introduce some notation for this. Let’s represent the statistics function as a function g over the packet sequence. For a simple counter, the function is the sum of the packet lengths (or any other packet header).</a:t>
             </a:r>
           </a:p>
         </p:txBody>
@@ -2576,7 +2612,7 @@
           <a:p>
             <a:fld id="{33793ACE-A489-1C41-B163-D1FF0130F898}" type="slidenum">
               <a:rPr lang="en-US" smtClean="0"/>
-              <a:t>29</a:t>
+              <a:t>28</a:t>
             </a:fld>
             <a:endParaRPr lang="en-US"/>
           </a:p>
@@ -2585,7 +2621,7 @@
     </p:spTree>
     <p:extLst>
       <p:ext uri="{BB962C8B-B14F-4D97-AF65-F5344CB8AC3E}">
-        <p14:creationId xmlns:p14="http://schemas.microsoft.com/office/powerpoint/2010/main" val="3300278867"/>
+        <p14:creationId xmlns:p14="http://schemas.microsoft.com/office/powerpoint/2010/main" val="1598310205"/>
       </p:ext>
     </p:extLst>
   </p:cSld>
@@ -2641,7 +2677,13 @@
           <a:p>
             <a:r>
               <a:rPr lang="en-US" dirty="0"/>
-              <a:t>But what about operations that are not associative? Let’s think about this for a bit. We can merge any arbitrary statistics by storing the entire sequence of packets in the cache, sending this sequence of packets to the backing store upon eviction, and merging by simply replaying the statistics computation over this sequence of packets.</a:t>
+              <a:t>Now what does it formally mean to merge the old and new values of a key?</a:t>
+            </a:r>
+          </a:p>
+          <a:p>
+            <a:r>
+              <a:rPr lang="en-US" dirty="0"/>
+              <a:t>Mathematically, it means this. That if you computed the statistics function over the first sequence of packets and computed the statistics over the second sequence of the packets and then merged them, it is equivalent to computing the statistics over the entire packet sequence.</a:t>
             </a:r>
           </a:p>
           <a:p>
@@ -2650,7 +2692,7 @@
           <a:p>
             <a:r>
               <a:rPr lang="en-US" dirty="0"/>
-              <a:t>But that’s a lot of additional state just for merging and it grows with the number of packets that have been processed so far. In fact, this is no better than just sending a copy of every packet to a collection server, which is what we wanted to avoid in the first place.</a:t>
+              <a:t>In our context, what is the physical interpretation of this? The first packet sequence is the sequence of packets before the first time the key-value pair was evicted. The second packet sequence is the sequence of packets seen in the cache.</a:t>
             </a:r>
           </a:p>
           <a:p>
@@ -2659,14 +2701,8 @@
           <a:p>
             <a:r>
               <a:rPr lang="en-US" dirty="0"/>
-              <a:t>So the real question is whether we can merge with a small amount of extra state over and above the state that is being tracked by the statistics function itself? More precisely, we want the extra state to have size similar to the state being tracked.</a:t>
-            </a:r>
-          </a:p>
-          <a:p>
-            <a:endParaRPr lang="en-US" dirty="0"/>
-          </a:p>
-          <a:p>
-            <a:endParaRPr lang="en-US" dirty="0"/>
+              <a:t>Let’s take a simple example. If g is a counter, the merge is a simple addition. You can probably see that this is easily generalizable to other associative statistics such as min/max/product, etc. Essentially, you track the minimum in the cache and take the minimum of the new value in the cache and the old value in the backing store.</a:t>
+            </a:r>
           </a:p>
         </p:txBody>
       </p:sp>
@@ -2687,7 +2723,7 @@
           <a:p>
             <a:fld id="{33793ACE-A489-1C41-B163-D1FF0130F898}" type="slidenum">
               <a:rPr lang="en-US" smtClean="0"/>
-              <a:t>30</a:t>
+              <a:t>29</a:t>
             </a:fld>
             <a:endParaRPr lang="en-US"/>
           </a:p>
@@ -2696,7 +2732,7 @@
     </p:spTree>
     <p:extLst>
       <p:ext uri="{BB962C8B-B14F-4D97-AF65-F5344CB8AC3E}">
-        <p14:creationId xmlns:p14="http://schemas.microsoft.com/office/powerpoint/2010/main" val="1653060950"/>
+        <p14:creationId xmlns:p14="http://schemas.microsoft.com/office/powerpoint/2010/main" val="3300278867"/>
       </p:ext>
     </p:extLst>
   </p:cSld>
@@ -2839,7 +2875,7 @@
           <a:p>
             <a:r>
               <a:rPr lang="en-US" dirty="0"/>
-              <a:t>One theoretical contribution of this work was identifying a class of statistics functions where we could in fact carry out the merge using a small amount of additional state. This class we call the linear-in-state class of statistics functions. The reason for this name should be clear from looking at the form of the state update in these statistics functions: the updated state is a linear function of the previous state. Here the coefficients A and B can either be constants or functions of a bounded number of packets in the past starting from the current packet. S can also be generalized to a vector and A and B can be matrices.</a:t>
+              <a:t>But what about operations that are not associative? Let’s think about this for a bit. We can merge any arbitrary statistic by storing the entire sequence of packets in the cache, sending this sequence of packets to the backing store upon eviction, and merging by simply replaying the statistics computation over this sequence of packets.</a:t>
             </a:r>
           </a:p>
           <a:p>
@@ -2848,8 +2884,23 @@
           <a:p>
             <a:r>
               <a:rPr lang="en-US" dirty="0"/>
-              <a:t>As a few quick examples, you can imagine a packet counter, where A is 1 and B is 1. You can have a byte counter where A is 1 and B is the packet’s length field. Or you could have the EWMA which we have seen a few times so far, where A is (1 – alpha) and B is alpha times the packet’s queueing latency. You can also have degenerate cases where A is 0 and B is a function of the last k packets like a windowed average.</a:t>
-            </a:r>
+              <a:t>But that’s a lot of additional state just for merging and it grows with the number of packets that have been processed so far. In fact, memory and bandwidth consumption wise, this is no better than just sending a copy of every packet to a collection server, which is what we wanted to avoid in the first place.</a:t>
+            </a:r>
+          </a:p>
+          <a:p>
+            <a:endParaRPr lang="en-US" dirty="0"/>
+          </a:p>
+          <a:p>
+            <a:r>
+              <a:rPr lang="en-US" dirty="0"/>
+              <a:t>So the real question is whether we can merge with a small amount of extra state over and above the state that is being tracked by the statistics function itself? More precisely, we want the extra state to have size similar to the state being tracked.</a:t>
+            </a:r>
+          </a:p>
+          <a:p>
+            <a:endParaRPr lang="en-US" dirty="0"/>
+          </a:p>
+          <a:p>
+            <a:endParaRPr lang="en-US" dirty="0"/>
           </a:p>
         </p:txBody>
       </p:sp>
@@ -2870,7 +2921,7 @@
           <a:p>
             <a:fld id="{33793ACE-A489-1C41-B163-D1FF0130F898}" type="slidenum">
               <a:rPr lang="en-US" smtClean="0"/>
-              <a:t>31</a:t>
+              <a:t>30</a:t>
             </a:fld>
             <a:endParaRPr lang="en-US"/>
           </a:p>
@@ -2879,7 +2930,7 @@
     </p:spTree>
     <p:extLst>
       <p:ext uri="{BB962C8B-B14F-4D97-AF65-F5344CB8AC3E}">
-        <p14:creationId xmlns:p14="http://schemas.microsoft.com/office/powerpoint/2010/main" val="2199483374"/>
+        <p14:creationId xmlns:p14="http://schemas.microsoft.com/office/powerpoint/2010/main" val="1653060950"/>
       </p:ext>
     </p:extLst>
   </p:cSld>
@@ -2935,7 +2986,7 @@
           <a:p>
             <a:r>
               <a:rPr lang="en-US" dirty="0"/>
-              <a:t>Why does this work. Let me provide some intuition for this linear-in-state property. Suppose we are tracking an EWMA that takes the packet’s length, multiplies it by a gain alpha, and adds it to 1 – alpha  times the previous value of the EWMA. Now, let’s say the EWMA starts at I1 or I2 and ends at F1 or F2 after N packets, then the following equation holds. You can see why this is true by recursively expanding the equation for the EWMA above where S is written in terms of the previous value of S and the packet’s length.</a:t>
+              <a:t>One theoretical contribution of this work was identifying a class of statistics functions where we could in fact carry out the merge using a small amount of additional state. This class we call the linear-in-state class of statistics functions. The reason for this name should be clear from looking at the form of the state update in these statistics functions: the updated state is a linear function of the previous state. Here the coefficients A and B can either be constants or functions of a bounded number of packets in the past starting from the current packet. S can also be generalized to a vector and A and B can be matrices.</a:t>
             </a:r>
           </a:p>
           <a:p>
@@ -2944,7 +2995,7 @@
           <a:p>
             <a:r>
               <a:rPr lang="en-US" dirty="0"/>
-              <a:t>OK, what does this equation tell us? It tells us that we can take a final value F1 calculate from an initial value I1 and then ask what the final value F2 would have been for an initial state I2 using a very simple computation.</a:t>
+              <a:t>As a few quick examples, you can imagine a packet counter, where A is 1 and B is 1. You can have a byte counter where A is 1 and B is the packet’s length field. Or you could have the EWMA which we have seen a few times so far, where A is (1 – alpha) and B is alpha times the packet’s queueing latency. You can also have degenerate cases where A is 0 and B is a function of the last k packets like a windowed average.</a:t>
             </a:r>
           </a:p>
         </p:txBody>
@@ -2966,7 +3017,7 @@
           <a:p>
             <a:fld id="{33793ACE-A489-1C41-B163-D1FF0130F898}" type="slidenum">
               <a:rPr lang="en-US" smtClean="0"/>
-              <a:t>32</a:t>
+              <a:t>31</a:t>
             </a:fld>
             <a:endParaRPr lang="en-US"/>
           </a:p>
@@ -2975,7 +3026,7 @@
     </p:spTree>
     <p:extLst>
       <p:ext uri="{BB962C8B-B14F-4D97-AF65-F5344CB8AC3E}">
-        <p14:creationId xmlns:p14="http://schemas.microsoft.com/office/powerpoint/2010/main" val="2056802710"/>
+        <p14:creationId xmlns:p14="http://schemas.microsoft.com/office/powerpoint/2010/main" val="2199483374"/>
       </p:ext>
     </p:extLst>
   </p:cSld>
@@ -3031,57 +3082,16 @@
           <a:p>
             <a:r>
               <a:rPr lang="en-US" dirty="0"/>
-              <a:t>How does it help here? Let’s map the initial and final values to our problem setting. The initial value for the EWMA in the cache is V0 and the final value is </a:t>
-            </a:r>
-            <a:r>
-              <a:rPr lang="en-US" dirty="0" err="1"/>
-              <a:t>Vcache</a:t>
-            </a:r>
+              <a:t>Why does this work? Let me provide some intuition for this linear-in-state property. Suppose we are tracking an EWMA that takes the packet’s length, multiplies it by a gain alpha, and adds it to 1 – alpha  times the previous value of the EWMA. Now, let’s say the EWMA starts at I1 or I2 and ends at F1 or F2 after N packets, then the following equation holds. You can see why this is true by recursively expanding the equation for the EWMA above where S is written in terms of the previous value of S and the packet’s length.</a:t>
+            </a:r>
+          </a:p>
+          <a:p>
+            <a:endParaRPr lang="en-US" dirty="0"/>
+          </a:p>
+          <a:p>
             <a:r>
               <a:rPr lang="en-US" dirty="0"/>
-              <a:t>. Now we want to calculate what the final value should have been if the initial value was the value in the backing store and the entry had never been evicted. So I2 is </a:t>
-            </a:r>
-            <a:r>
-              <a:rPr lang="en-US" dirty="0" err="1"/>
-              <a:t>Vback</a:t>
-            </a:r>
-            <a:r>
-              <a:rPr lang="en-US" dirty="0"/>
-              <a:t>. Then what will F2 be. We can just substitute variables in the equation from the last slide and get this equation.</a:t>
-            </a:r>
-          </a:p>
-          <a:p>
-            <a:endParaRPr lang="en-US" dirty="0"/>
-          </a:p>
-          <a:p>
-            <a:r>
-              <a:rPr lang="en-US" dirty="0"/>
-              <a:t>The implication of this is that we have just found our merge function to merge the old value (</a:t>
-            </a:r>
-            <a:r>
-              <a:rPr lang="en-US" dirty="0" err="1"/>
-              <a:t>Vback</a:t>
-            </a:r>
-            <a:r>
-              <a:rPr lang="en-US" dirty="0"/>
-              <a:t>) and the new value (</a:t>
-            </a:r>
-            <a:r>
-              <a:rPr lang="en-US" dirty="0" err="1"/>
-              <a:t>Vcache</a:t>
-            </a:r>
-            <a:r>
-              <a:rPr lang="en-US" dirty="0"/>
-              <a:t>) using some additional state: the number of packets seen in the cache.</a:t>
-            </a:r>
-          </a:p>
-          <a:p>
-            <a:endParaRPr lang="en-US" dirty="0"/>
-          </a:p>
-          <a:p>
-            <a:r>
-              <a:rPr lang="en-US" dirty="0"/>
-              <a:t>The key point is that this additional state is small. It is only the number of packets (N), and doesn’t include some value per packet.</a:t>
+              <a:t>OK, what does this equation tell us? It tells us that we can take a final value F1 calculate from an initial value I1 and then ask what the final value F2 would have been for an initial state I2 using a very simple computation.</a:t>
             </a:r>
           </a:p>
         </p:txBody>
@@ -3103,7 +3113,7 @@
           <a:p>
             <a:fld id="{33793ACE-A489-1C41-B163-D1FF0130F898}" type="slidenum">
               <a:rPr lang="en-US" smtClean="0"/>
-              <a:t>33</a:t>
+              <a:t>32</a:t>
             </a:fld>
             <a:endParaRPr lang="en-US"/>
           </a:p>
@@ -3112,7 +3122,7 @@
     </p:spTree>
     <p:extLst>
       <p:ext uri="{BB962C8B-B14F-4D97-AF65-F5344CB8AC3E}">
-        <p14:creationId xmlns:p14="http://schemas.microsoft.com/office/powerpoint/2010/main" val="307923882"/>
+        <p14:creationId xmlns:p14="http://schemas.microsoft.com/office/powerpoint/2010/main" val="2056802710"/>
       </p:ext>
     </p:extLst>
   </p:cSld>
@@ -3166,7 +3176,60 @@
           <a:bodyPr/>
           <a:lstStyle/>
           <a:p>
+            <a:r>
+              <a:rPr lang="en-US" dirty="0"/>
+              <a:t>How does it help here? Let’s map the initial and final values to our problem setting. The initial value for the EWMA in the cache is V0 and the final value is </a:t>
+            </a:r>
+            <a:r>
+              <a:rPr lang="en-US" dirty="0" err="1"/>
+              <a:t>Vcache</a:t>
+            </a:r>
+            <a:r>
+              <a:rPr lang="en-US" dirty="0"/>
+              <a:t>. Now we want to calculate what the final value should have been if the initial value was the value in the backing store and the entry had never been evicted. So I2 is </a:t>
+            </a:r>
+            <a:r>
+              <a:rPr lang="en-US" dirty="0" err="1"/>
+              <a:t>Vback</a:t>
+            </a:r>
+            <a:r>
+              <a:rPr lang="en-US" dirty="0"/>
+              <a:t>. Then what will F2 be? We can just substitute variables in the equation from the last slide and get this equation.</a:t>
+            </a:r>
+          </a:p>
+          <a:p>
             <a:endParaRPr lang="en-US" dirty="0"/>
+          </a:p>
+          <a:p>
+            <a:r>
+              <a:rPr lang="en-US" dirty="0"/>
+              <a:t>The implication of this is that we have just found our merge function to merge the old value (</a:t>
+            </a:r>
+            <a:r>
+              <a:rPr lang="en-US" dirty="0" err="1"/>
+              <a:t>Vback</a:t>
+            </a:r>
+            <a:r>
+              <a:rPr lang="en-US" dirty="0"/>
+              <a:t>) and the new value (</a:t>
+            </a:r>
+            <a:r>
+              <a:rPr lang="en-US" dirty="0" err="1"/>
+              <a:t>Vcache</a:t>
+            </a:r>
+            <a:r>
+              <a:rPr lang="en-US" dirty="0"/>
+              <a:t>) using some additional state: the number of packets seen in the cache.</a:t>
+            </a:r>
+          </a:p>
+          <a:p>
+            <a:endParaRPr lang="en-US" dirty="0"/>
+          </a:p>
+          <a:p>
+            <a:r>
+              <a:rPr lang="en-US" dirty="0"/>
+              <a:t>The key point is that this additional state is small. It is only the number of packets (N), and doesn’t include some value per packet.</a:t>
+            </a:r>
           </a:p>
         </p:txBody>
       </p:sp>
@@ -3185,9 +3248,9 @@
           <a:bodyPr/>
           <a:lstStyle/>
           <a:p>
-            <a:fld id="{16B09458-7AEF-4AD3-A567-0F11380064BE}" type="slidenum">
+            <a:fld id="{33793ACE-A489-1C41-B163-D1FF0130F898}" type="slidenum">
               <a:rPr lang="en-US" smtClean="0"/>
-              <a:t>34</a:t>
+              <a:t>33</a:t>
             </a:fld>
             <a:endParaRPr lang="en-US"/>
           </a:p>
@@ -3196,7 +3259,7 @@
     </p:spTree>
     <p:extLst>
       <p:ext uri="{BB962C8B-B14F-4D97-AF65-F5344CB8AC3E}">
-        <p14:creationId xmlns:p14="http://schemas.microsoft.com/office/powerpoint/2010/main" val="2595555429"/>
+        <p14:creationId xmlns:p14="http://schemas.microsoft.com/office/powerpoint/2010/main" val="307923882"/>
       </p:ext>
     </p:extLst>
   </p:cSld>
@@ -3250,11 +3313,7 @@
           <a:bodyPr/>
           <a:lstStyle/>
           <a:p>
-            <a:pPr lvl="1"/>
-            <a:r>
-              <a:rPr lang="en-US" dirty="0"/>
-              <a:t>So in summary this talk was about two main ideas: (1) a query language for network performance monitoring that is designed to capture a variety of new and old network monitoring use cases and (2) a hardware design that supports this query language at high speeds. The full paper and supporting code are available at this web site, and I am happy to take questions.</a:t>
-            </a:r>
+            <a:endParaRPr lang="en-US" dirty="0"/>
           </a:p>
         </p:txBody>
       </p:sp>
@@ -3273,9 +3332,9 @@
           <a:bodyPr/>
           <a:lstStyle/>
           <a:p>
-            <a:fld id="{33793ACE-A489-1C41-B163-D1FF0130F898}" type="slidenum">
+            <a:fld id="{16B09458-7AEF-4AD3-A567-0F11380064BE}" type="slidenum">
               <a:rPr lang="en-US" smtClean="0"/>
-              <a:t>35</a:t>
+              <a:t>34</a:t>
             </a:fld>
             <a:endParaRPr lang="en-US"/>
           </a:p>
@@ -3284,7 +3343,7 @@
     </p:spTree>
     <p:extLst>
       <p:ext uri="{BB962C8B-B14F-4D97-AF65-F5344CB8AC3E}">
-        <p14:creationId xmlns:p14="http://schemas.microsoft.com/office/powerpoint/2010/main" val="1117120813"/>
+        <p14:creationId xmlns:p14="http://schemas.microsoft.com/office/powerpoint/2010/main" val="2595555429"/>
       </p:ext>
     </p:extLst>
   </p:cSld>
@@ -3338,26 +3397,10 @@
           <a:bodyPr/>
           <a:lstStyle/>
           <a:p>
-            <a:pPr marL="0" marR="0" lvl="0" indent="0" algn="l" defTabSz="914400" rtl="0" eaLnBrk="1" fontAlgn="auto" latinLnBrk="0" hangingPunct="1">
-              <a:lnSpc>
-                <a:spcPct val="100000"/>
-              </a:lnSpc>
-              <a:spcBef>
-                <a:spcPts val="0"/>
-              </a:spcBef>
-              <a:spcAft>
-                <a:spcPts val="0"/>
-              </a:spcAft>
-              <a:buClrTx/>
-              <a:buSzTx/>
-              <a:buFontTx/>
-              <a:buNone/>
-              <a:tabLst/>
-              <a:defRPr/>
-            </a:pPr>
+            <a:pPr lvl="1"/>
             <a:r>
               <a:rPr lang="en-US" dirty="0"/>
-              <a:t>Finally, I’ll talk about some evaluation results. Our main question is how much benefit the cache brings us in terms of reducing the number of key-value-store pairs that are sent to the backing store.</a:t>
+              <a:t>So in summary this talk was about two main ideas: (1) a query language for network performance monitoring that is designed to capture a variety of new and old network monitoring use cases and (2) a hardware design that supports this query language at high speeds. The full paper and supporting code are available at this web site, and I am happy to take questions.</a:t>
             </a:r>
           </a:p>
         </p:txBody>
@@ -3379,7 +3422,7 @@
           <a:p>
             <a:fld id="{33793ACE-A489-1C41-B163-D1FF0130F898}" type="slidenum">
               <a:rPr lang="en-US" smtClean="0"/>
-              <a:t>36</a:t>
+              <a:t>35</a:t>
             </a:fld>
             <a:endParaRPr lang="en-US"/>
           </a:p>
@@ -3388,7 +3431,7 @@
     </p:spTree>
     <p:extLst>
       <p:ext uri="{BB962C8B-B14F-4D97-AF65-F5344CB8AC3E}">
-        <p14:creationId xmlns:p14="http://schemas.microsoft.com/office/powerpoint/2010/main" val="1582905122"/>
+        <p14:creationId xmlns:p14="http://schemas.microsoft.com/office/powerpoint/2010/main" val="1117120813"/>
       </p:ext>
     </p:extLst>
   </p:cSld>
@@ -3442,34 +3485,26 @@
           <a:bodyPr/>
           <a:lstStyle/>
           <a:p>
+            <a:pPr marL="0" marR="0" lvl="0" indent="0" algn="l" defTabSz="914400" rtl="0" eaLnBrk="1" fontAlgn="auto" latinLnBrk="0" hangingPunct="1">
+              <a:lnSpc>
+                <a:spcPct val="100000"/>
+              </a:lnSpc>
+              <a:spcBef>
+                <a:spcPts val="0"/>
+              </a:spcBef>
+              <a:spcAft>
+                <a:spcPts val="0"/>
+              </a:spcAft>
+              <a:buClrTx/>
+              <a:buSzTx/>
+              <a:buFontTx/>
+              <a:buNone/>
+              <a:tabLst/>
+              <a:defRPr/>
+            </a:pPr>
             <a:r>
               <a:rPr lang="en-US" dirty="0"/>
-              <a:t>Here are some relevant experimental setup details for our evaluation of the cache eviction rate. We used trace-based evaluation to evaluate the eviction rate using a core router and a data center trace. Our query was a </a:t>
-            </a:r>
-            <a:r>
-              <a:rPr lang="en-US" dirty="0" err="1"/>
-              <a:t>groupby</a:t>
-            </a:r>
-            <a:r>
-              <a:rPr lang="en-US" dirty="0"/>
-              <a:t> that partitioned by 5-tuple. The caching eviction policy was 8-way LRU similar to many processor caches simply because it is easy to implement.</a:t>
-            </a:r>
-          </a:p>
-          <a:p>
-            <a:endParaRPr lang="en-US" dirty="0"/>
-          </a:p>
-          <a:p>
-            <a:r>
-              <a:rPr lang="en-US" dirty="0"/>
-              <a:t>We first measure the eviction ratio because this doesn’t depend on the packet rate or the size of keys and values. We then translate this into a concrete eviction rate for some specific packet rates and </a:t>
-            </a:r>
-            <a:r>
-              <a:rPr lang="en-US" dirty="0" err="1"/>
-              <a:t>key+value</a:t>
-            </a:r>
-            <a:r>
-              <a:rPr lang="en-US" dirty="0"/>
-              <a:t> sizes.</a:t>
+              <a:t>Finally, I’ll talk about some evaluation results. Our main question is how much benefit the cache brings us in terms of reducing the number of key-value-store pairs that are sent to the backing store.</a:t>
             </a:r>
           </a:p>
         </p:txBody>
@@ -3491,7 +3526,7 @@
           <a:p>
             <a:fld id="{33793ACE-A489-1C41-B163-D1FF0130F898}" type="slidenum">
               <a:rPr lang="en-US" smtClean="0"/>
-              <a:t>37</a:t>
+              <a:t>36</a:t>
             </a:fld>
             <a:endParaRPr lang="en-US"/>
           </a:p>
@@ -3500,7 +3535,7 @@
     </p:spTree>
     <p:extLst>
       <p:ext uri="{BB962C8B-B14F-4D97-AF65-F5344CB8AC3E}">
-        <p14:creationId xmlns:p14="http://schemas.microsoft.com/office/powerpoint/2010/main" val="4269550850"/>
+        <p14:creationId xmlns:p14="http://schemas.microsoft.com/office/powerpoint/2010/main" val="1582905122"/>
       </p:ext>
     </p:extLst>
   </p:cSld>
@@ -3556,7 +3591,32 @@
           <a:p>
             <a:r>
               <a:rPr lang="en-US" dirty="0"/>
-              <a:t>So here’s the result. As expected, the eviction ratio goes down as the number of cache slots increases. One other interesting takeaway is that a dc environment has much more locality allowing us to get away with a much smaller size cache.</a:t>
+              <a:t>Here are some relevant experimental setup details for our evaluation of the cache eviction rate. We used trace-based evaluation to evaluate the eviction rate using a core router and a data center trace. Our query was a </a:t>
+            </a:r>
+            <a:r>
+              <a:rPr lang="en-US" dirty="0" err="1"/>
+              <a:t>groupby</a:t>
+            </a:r>
+            <a:r>
+              <a:rPr lang="en-US" dirty="0"/>
+              <a:t> that partitioned by 5-tuple. The caching eviction policy was 8-way LRU similar to many processor caches simply because it is easy to implement.</a:t>
+            </a:r>
+          </a:p>
+          <a:p>
+            <a:endParaRPr lang="en-US" dirty="0"/>
+          </a:p>
+          <a:p>
+            <a:r>
+              <a:rPr lang="en-US" dirty="0"/>
+              <a:t>We first measure the eviction ratio because this doesn’t depend on the packet rate or the size of keys and values. We then translate this into a concrete eviction rate for some specific packet rates and </a:t>
+            </a:r>
+            <a:r>
+              <a:rPr lang="en-US" dirty="0" err="1"/>
+              <a:t>key+value</a:t>
+            </a:r>
+            <a:r>
+              <a:rPr lang="en-US" dirty="0"/>
+              <a:t> sizes.</a:t>
             </a:r>
           </a:p>
         </p:txBody>
@@ -3578,7 +3638,7 @@
           <a:p>
             <a:fld id="{33793ACE-A489-1C41-B163-D1FF0130F898}" type="slidenum">
               <a:rPr lang="en-US" smtClean="0"/>
-              <a:t>38</a:t>
+              <a:t>37</a:t>
             </a:fld>
             <a:endParaRPr lang="en-US"/>
           </a:p>
@@ -3587,7 +3647,7 @@
     </p:spTree>
     <p:extLst>
       <p:ext uri="{BB962C8B-B14F-4D97-AF65-F5344CB8AC3E}">
-        <p14:creationId xmlns:p14="http://schemas.microsoft.com/office/powerpoint/2010/main" val="3299793430"/>
+        <p14:creationId xmlns:p14="http://schemas.microsoft.com/office/powerpoint/2010/main" val="4269550850"/>
       </p:ext>
     </p:extLst>
   </p:cSld>
@@ -3643,15 +3703,7 @@
           <a:p>
             <a:r>
               <a:rPr lang="en-US" dirty="0"/>
-              <a:t>Now, let’s translate this into a concrete number. Let’s pick 2**18 keys. Assuming a combined key and value size of 256 bits, that corresponds to 64 </a:t>
-            </a:r>
-            <a:r>
-              <a:rPr lang="en-US" dirty="0" err="1"/>
-              <a:t>Mbits</a:t>
-            </a:r>
-            <a:r>
-              <a:rPr lang="en-US" dirty="0"/>
-              <a:t>. That’s a 4% packet eviction ratio, which means it’s 25X smaller than processing every packet at a collection server directly.</a:t>
+              <a:t>So here’s the result. As expected, the eviction ratio goes down as the number of cache slots increases. One other interesting takeaway is that a dc environment has much more locality allowing us to get away with a much smaller size cache.</a:t>
             </a:r>
           </a:p>
         </p:txBody>
@@ -3673,7 +3725,7 @@
           <a:p>
             <a:fld id="{33793ACE-A489-1C41-B163-D1FF0130F898}" type="slidenum">
               <a:rPr lang="en-US" smtClean="0"/>
-              <a:t>39</a:t>
+              <a:t>38</a:t>
             </a:fld>
             <a:endParaRPr lang="en-US"/>
           </a:p>
@@ -3682,7 +3734,7 @@
     </p:spTree>
     <p:extLst>
       <p:ext uri="{BB962C8B-B14F-4D97-AF65-F5344CB8AC3E}">
-        <p14:creationId xmlns:p14="http://schemas.microsoft.com/office/powerpoint/2010/main" val="2642239952"/>
+        <p14:creationId xmlns:p14="http://schemas.microsoft.com/office/powerpoint/2010/main" val="3299793430"/>
       </p:ext>
     </p:extLst>
   </p:cSld>
@@ -3738,7 +3790,7 @@
           <a:p>
             <a:r>
               <a:rPr lang="en-US" dirty="0"/>
-              <a:t>To put this into context. For a 64-poort 100-Gbits/switch, if we assume 2**20 slots, that’s a memory requirement of 256 </a:t>
+              <a:t>Now, let’s translate this into a concrete number. Let’s pick 2**18 keys. Assuming a combined key and value size of 256 bits, that corresponds to 64 </a:t>
             </a:r>
             <a:r>
               <a:rPr lang="en-US" dirty="0" err="1"/>
@@ -3746,15 +3798,7 @@
             </a:r>
             <a:r>
               <a:rPr lang="en-US" dirty="0"/>
-              <a:t>, which is about 7.5% of the switching chip’s area. Assuming typical traffic patterns for this switch, this translates into an eviction rate of 8M records every second, which we estimate can be handled by a 32-core server. So the way to think about this is that we can service the eviction rate for a 64 server cluster connected to a TOR switch by using a single 32-core server for typical workloads. This is a simplified summary of the results. The </a:t>
-            </a:r>
-            <a:r>
-              <a:rPr lang="en-US"/>
-              <a:t>paper has </a:t>
-            </a:r>
-            <a:r>
-              <a:rPr lang="en-US" dirty="0"/>
-              <a:t>more details on this.</a:t>
+              <a:t>. That’s a 4% packet eviction ratio, which means it’s 25X smaller than processing every packet at a collection server directly.</a:t>
             </a:r>
           </a:p>
         </p:txBody>
@@ -3776,7 +3820,7 @@
           <a:p>
             <a:fld id="{33793ACE-A489-1C41-B163-D1FF0130F898}" type="slidenum">
               <a:rPr lang="en-US" smtClean="0"/>
-              <a:t>40</a:t>
+              <a:t>39</a:t>
             </a:fld>
             <a:endParaRPr lang="en-US"/>
           </a:p>
@@ -3785,7 +3829,7 @@
     </p:spTree>
     <p:extLst>
       <p:ext uri="{BB962C8B-B14F-4D97-AF65-F5344CB8AC3E}">
-        <p14:creationId xmlns:p14="http://schemas.microsoft.com/office/powerpoint/2010/main" val="1066101504"/>
+        <p14:creationId xmlns:p14="http://schemas.microsoft.com/office/powerpoint/2010/main" val="2642239952"/>
       </p:ext>
     </p:extLst>
   </p:cSld>
@@ -3841,7 +3885,7 @@
           <a:p>
             <a:r>
               <a:rPr lang="en-US" dirty="0"/>
-              <a:t>Now, when you build an instruction set, you want it to be as general as possible. Otherwise, it ends up being overfitted in a sense to your current set of use cases, without any guarantee that it can generalize to other use cases. To avoid this, and to attempt to build somewhat future-proof hardware, we adopt a design methodology called language-directed hardware design where we start with an expressive programming language and then design hardware to efficiently support this programming language.</a:t>
+              <a:t>Now, when you build an instruction set in hardware, you want it to be as general as possible. Otherwise, it ends up being overfitted to your current set of use cases, without any guarantee that it can generalize to other use cases. To avoid this, and to attempt to build somewhat future-proof hardware, we adopted a design methodology called language-directed hardware design where we start with an expressive programming language and then design hardware to efficiently support this programming language.</a:t>
             </a:r>
           </a:p>
         </p:txBody>
@@ -3873,6 +3917,109 @@
     <p:extLst>
       <p:ext uri="{BB962C8B-B14F-4D97-AF65-F5344CB8AC3E}">
         <p14:creationId xmlns:p14="http://schemas.microsoft.com/office/powerpoint/2010/main" val="1638931893"/>
+      </p:ext>
+    </p:extLst>
+  </p:cSld>
+  <p:clrMapOvr>
+    <a:masterClrMapping/>
+  </p:clrMapOvr>
+</p:notes>
+</file>
+
+<file path=ppt/notesSlides/notesSlide40.xml><?xml version="1.0" encoding="utf-8"?>
+<p:notes xmlns:a="http://schemas.openxmlformats.org/drawingml/2006/main" xmlns:r="http://schemas.openxmlformats.org/officeDocument/2006/relationships" xmlns:p="http://schemas.openxmlformats.org/presentationml/2006/main">
+  <p:cSld>
+    <p:spTree>
+      <p:nvGrpSpPr>
+        <p:cNvPr id="1" name=""/>
+        <p:cNvGrpSpPr/>
+        <p:nvPr/>
+      </p:nvGrpSpPr>
+      <p:grpSpPr>
+        <a:xfrm>
+          <a:off x="0" y="0"/>
+          <a:ext cx="0" cy="0"/>
+          <a:chOff x="0" y="0"/>
+          <a:chExt cx="0" cy="0"/>
+        </a:xfrm>
+      </p:grpSpPr>
+      <p:sp>
+        <p:nvSpPr>
+          <p:cNvPr id="2" name="Slide Image Placeholder 1"/>
+          <p:cNvSpPr>
+            <a:spLocks noGrp="1" noRot="1" noChangeAspect="1"/>
+          </p:cNvSpPr>
+          <p:nvPr>
+            <p:ph type="sldImg"/>
+          </p:nvPr>
+        </p:nvSpPr>
+        <p:spPr/>
+      </p:sp>
+      <p:sp>
+        <p:nvSpPr>
+          <p:cNvPr id="3" name="Notes Placeholder 2"/>
+          <p:cNvSpPr>
+            <a:spLocks noGrp="1"/>
+          </p:cNvSpPr>
+          <p:nvPr>
+            <p:ph type="body" idx="1"/>
+          </p:nvPr>
+        </p:nvSpPr>
+        <p:spPr/>
+        <p:txBody>
+          <a:bodyPr/>
+          <a:lstStyle/>
+          <a:p>
+            <a:r>
+              <a:rPr lang="en-US" dirty="0"/>
+              <a:t>To put this into context. For a 64-poort 100-Gbits/switch, if we assume 2**20 slots, that’s a memory requirement of 256 </a:t>
+            </a:r>
+            <a:r>
+              <a:rPr lang="en-US" dirty="0" err="1"/>
+              <a:t>Mbits</a:t>
+            </a:r>
+            <a:r>
+              <a:rPr lang="en-US" dirty="0"/>
+              <a:t>, which is about 7.5% of the switching chip’s area. Assuming typical traffic patterns for this switch, this translates into an eviction rate of 8M records every second, which we estimate can be handled by a 32-core server. So the way to think about this is that we can service the eviction rate for a 64 server cluster connected to a TOR switch by using a single 32-core server for typical workloads. This is a simplified summary of the results. The </a:t>
+            </a:r>
+            <a:r>
+              <a:rPr lang="en-US"/>
+              <a:t>paper has </a:t>
+            </a:r>
+            <a:r>
+              <a:rPr lang="en-US" dirty="0"/>
+              <a:t>more details on this.</a:t>
+            </a:r>
+          </a:p>
+        </p:txBody>
+      </p:sp>
+      <p:sp>
+        <p:nvSpPr>
+          <p:cNvPr id="4" name="Slide Number Placeholder 3"/>
+          <p:cNvSpPr>
+            <a:spLocks noGrp="1"/>
+          </p:cNvSpPr>
+          <p:nvPr>
+            <p:ph type="sldNum" sz="quarter" idx="10"/>
+          </p:nvPr>
+        </p:nvSpPr>
+        <p:spPr/>
+        <p:txBody>
+          <a:bodyPr/>
+          <a:lstStyle/>
+          <a:p>
+            <a:fld id="{33793ACE-A489-1C41-B163-D1FF0130F898}" type="slidenum">
+              <a:rPr lang="en-US" smtClean="0"/>
+              <a:t>40</a:t>
+            </a:fld>
+            <a:endParaRPr lang="en-US"/>
+          </a:p>
+        </p:txBody>
+      </p:sp>
+    </p:spTree>
+    <p:extLst>
+      <p:ext uri="{BB962C8B-B14F-4D97-AF65-F5344CB8AC3E}">
+        <p14:creationId xmlns:p14="http://schemas.microsoft.com/office/powerpoint/2010/main" val="1066101504"/>
       </p:ext>
     </p:extLst>
   </p:cSld>
@@ -3937,13 +4084,8 @@
           <a:p>
             <a:r>
               <a:rPr lang="en-US" dirty="0"/>
-              <a:t>While this slide shows this process as mostly one directional from use cases to hardware, there is also a bit of feedback in practice. For instance, we restrict our language to what can be reasonably implemented in line-rate hardware. In particular, our language isn’t Turing complete so you can’t do everything with it that you can do with a CPU. In our minds, this was a reasonable tradeoff because that’s the price you pay for </a:t>
-            </a:r>
-            <a:r>
-              <a:rPr lang="en-US"/>
-              <a:t>high performance.</a:t>
-            </a:r>
-            <a:endParaRPr lang="en-US" dirty="0"/>
+              <a:t>While this slide shows this process as mostly one directional from use cases to hardware, there is also a bit of feedback in practice. For instance, we restrict our language to what can be reasonably implemented in line-rate hardware. In particular, our language isn’t Turing complete so you can’t do everything with it that you can do with a CPU. In our minds, this was a reasonable tradeoff because that’s the price you pay for high performance.</a:t>
+            </a:r>
           </a:p>
         </p:txBody>
       </p:sp>
@@ -4116,7 +4258,16 @@
           <a:p>
             <a:r>
               <a:rPr lang="en-US" dirty="0"/>
-              <a:t>Here’s a bird’s eye view of the entire system. A network operator writes queries in a language that we call Marple and feeds it into a query compiler, which then translates these queries into switch programs that run on the network’s switches. These switch programs carry out some packet processing to execute the queries. They stream out the resulting data to collection servers. The operator can then inspect these results and refine their query if required. When I get to the evaluation, we’ll see how using the switch for packet processing helps reduce the load on these collection servers significantly relative to the simplistic solution of having the collection server process every packet from the network.</a:t>
+              <a:t>Here’s a bird’s eye view of the entire system. A network operator writes queries in a language that we call Marple and feeds it into a query compiler, which then translates these queries into switch programs that run on the network’s switches. These are switches that leverage the emerging technology of programmable switching chips, but then augment it with some hardware primitives for monitoring. And designing those primitives was part of this work.</a:t>
+            </a:r>
+          </a:p>
+          <a:p>
+            <a:endParaRPr lang="en-US" dirty="0"/>
+          </a:p>
+          <a:p>
+            <a:r>
+              <a:rPr lang="en-US" dirty="0"/>
+              <a:t>These switch programs carry out some packet processing to execute the queries. They stream out the resulting data to collection servers. The operator can then inspect these results and refine their query if required. The broader point is this: using the switch for packet processing helps reduce the load on these collection servers significantly relative to the simplistic solution of having the collection server process every packet from the network.</a:t>
             </a:r>
           </a:p>
         </p:txBody>
@@ -4290,7 +4441,16 @@
           <a:p>
             <a:r>
               <a:rPr lang="en-US" dirty="0"/>
-              <a:t>Since we wanted the language to be as high level as possible, we chose a query language as the format for expressing these queries. Let me describe the query language’s constructs one by one. The first language construct is that of a stream. You can think of the query language as consisting of operators that take streams as inputs and produce streams as outputs---like standard stream processing systems. This allows us to easily compose operators in the language.</a:t>
+              <a:t>Since we wanted the language to be as high level as possible, we chose a query language as the format for expressing these queries. This language is similar to the functional programming APIs in Java, Scala, Haskell, etc. Our main contribution is figuring out how to realize these language constructs in the context of programmable switching chips.</a:t>
+            </a:r>
+          </a:p>
+          <a:p>
+            <a:endParaRPr lang="en-US" dirty="0"/>
+          </a:p>
+          <a:p>
+            <a:r>
+              <a:rPr lang="en-US" dirty="0"/>
+              <a:t>Let me describe the query language’s constructs one by one. The first language construct is that of a stream. You can think of the query language as consisting of operators that take streams as inputs and produce streams as outputs---like standard stream processing systems. This allows us to easily compose operators in the language.</a:t>
             </a:r>
           </a:p>
           <a:p>
@@ -4478,7 +4638,7 @@
           <a:p>
             <a:fld id="{322F8514-B853-0C46-A81F-E0731AB349E8}" type="datetime1">
               <a:rPr lang="en-US" smtClean="0"/>
-              <a:t>7/9/18</a:t>
+              <a:t>10/11/18</a:t>
             </a:fld>
             <a:endParaRPr lang="en-US"/>
           </a:p>
@@ -4646,7 +4806,7 @@
           <a:p>
             <a:fld id="{23C5F1DA-22DA-D940-A217-FFBE15E0DDE8}" type="datetime1">
               <a:rPr lang="en-US" smtClean="0"/>
-              <a:t>7/9/18</a:t>
+              <a:t>10/11/18</a:t>
             </a:fld>
             <a:endParaRPr lang="en-US"/>
           </a:p>
@@ -4824,7 +4984,7 @@
           <a:p>
             <a:fld id="{1A558203-445F-D64D-B862-54D95728A44C}" type="datetime1">
               <a:rPr lang="en-US" smtClean="0"/>
-              <a:t>7/9/18</a:t>
+              <a:t>10/11/18</a:t>
             </a:fld>
             <a:endParaRPr lang="en-US"/>
           </a:p>
@@ -4996,7 +5156,7 @@
           <a:p>
             <a:fld id="{A94C3D64-A7CF-E345-8135-82052729E57F}" type="datetime1">
               <a:rPr lang="en-US" smtClean="0"/>
-              <a:t>7/9/18</a:t>
+              <a:t>10/11/18</a:t>
             </a:fld>
             <a:endParaRPr lang="en-US"/>
           </a:p>
@@ -5241,7 +5401,7 @@
           <a:p>
             <a:fld id="{A2360604-B943-F842-B0A2-A9270375B0F4}" type="datetime1">
               <a:rPr lang="en-US" smtClean="0"/>
-              <a:t>7/9/18</a:t>
+              <a:t>10/11/18</a:t>
             </a:fld>
             <a:endParaRPr lang="en-US"/>
           </a:p>
@@ -5470,7 +5630,7 @@
           <a:p>
             <a:fld id="{E98D8315-B472-DE40-9FE5-5E88F15B417F}" type="datetime1">
               <a:rPr lang="en-US" smtClean="0"/>
-              <a:t>7/9/18</a:t>
+              <a:t>10/11/18</a:t>
             </a:fld>
             <a:endParaRPr lang="en-US"/>
           </a:p>
@@ -5834,7 +5994,7 @@
           <a:p>
             <a:fld id="{A67FB5DB-6186-5241-90BB-5F644CFF2E1A}" type="datetime1">
               <a:rPr lang="en-US" smtClean="0"/>
-              <a:t>7/9/18</a:t>
+              <a:t>10/11/18</a:t>
             </a:fld>
             <a:endParaRPr lang="en-US"/>
           </a:p>
@@ -5951,7 +6111,7 @@
           <a:p>
             <a:fld id="{EDF6AEAB-0CFD-5744-A7B0-E3AD8533E672}" type="datetime1">
               <a:rPr lang="en-US" smtClean="0"/>
-              <a:t>7/9/18</a:t>
+              <a:t>10/11/18</a:t>
             </a:fld>
             <a:endParaRPr lang="en-US"/>
           </a:p>
@@ -6046,7 +6206,7 @@
           <a:p>
             <a:fld id="{0FF14B85-2279-734D-A5F8-F7888835E992}" type="datetime1">
               <a:rPr lang="en-US" smtClean="0"/>
-              <a:t>7/9/18</a:t>
+              <a:t>10/11/18</a:t>
             </a:fld>
             <a:endParaRPr lang="en-US"/>
           </a:p>
@@ -6321,7 +6481,7 @@
           <a:p>
             <a:fld id="{A95E9814-BD68-6C42-A851-02A28615CD15}" type="datetime1">
               <a:rPr lang="en-US" smtClean="0"/>
-              <a:t>7/9/18</a:t>
+              <a:t>10/11/18</a:t>
             </a:fld>
             <a:endParaRPr lang="en-US"/>
           </a:p>
@@ -6573,7 +6733,7 @@
           <a:p>
             <a:fld id="{DC1B7620-F13D-D84C-9B55-138232F1E6E3}" type="datetime1">
               <a:rPr lang="en-US" smtClean="0"/>
-              <a:t>7/9/18</a:t>
+              <a:t>10/11/18</a:t>
             </a:fld>
             <a:endParaRPr lang="en-US"/>
           </a:p>
@@ -6784,7 +6944,7 @@
           <a:p>
             <a:fld id="{85935A7D-0949-144C-9583-9EA17A42DAAD}" type="datetime1">
               <a:rPr lang="en-US" smtClean="0"/>
-              <a:t>7/9/18</a:t>
+              <a:t>10/11/18</a:t>
             </a:fld>
             <a:endParaRPr lang="en-US"/>
           </a:p>
@@ -12126,7 +12286,7 @@
           <a:effectLst/>
           <a:extLst>
             <a:ext uri="{909E8E84-426E-40dd-AFC4-6F175D3DCCD1}">
-              <a14:hiddenFill xmlns:a14="http://schemas.microsoft.com/office/drawing/2010/main" xmlns="">
+              <a14:hiddenFill xmlns="" xmlns:a14="http://schemas.microsoft.com/office/drawing/2010/main">
                 <a:blipFill dpi="0" rotWithShape="0">
                   <a:blip/>
                   <a:srcRect/>
@@ -12137,7 +12297,7 @@
               </a14:hiddenFill>
             </a:ext>
             <a:ext uri="{91240B29-F687-4f45-9708-019B960494DF}">
-              <a14:hiddenLine xmlns:a14="http://schemas.microsoft.com/office/drawing/2010/main" xmlns="" w="9525">
+              <a14:hiddenLine xmlns="" xmlns:a14="http://schemas.microsoft.com/office/drawing/2010/main" w="9525">
                 <a:solidFill>
                   <a:srgbClr val="000000"/>
                 </a:solidFill>
@@ -12147,7 +12307,7 @@
               </a14:hiddenLine>
             </a:ext>
             <a:ext uri="{AF507438-7753-43e0-B8FC-AC1667EBCBE1}">
-              <a14:hiddenEffects xmlns:a14="http://schemas.microsoft.com/office/drawing/2010/main" xmlns="">
+              <a14:hiddenEffects xmlns="" xmlns:a14="http://schemas.microsoft.com/office/drawing/2010/main">
                 <a:effectLst>
                   <a:outerShdw blurRad="63500" dist="38099" dir="2700000" algn="ctr" rotWithShape="0">
                     <a:srgbClr val="000000">
@@ -12196,7 +12356,7 @@
           <a:effectLst/>
           <a:extLst>
             <a:ext uri="{909E8E84-426E-40dd-AFC4-6F175D3DCCD1}">
-              <a14:hiddenFill xmlns:a14="http://schemas.microsoft.com/office/drawing/2010/main" xmlns="">
+              <a14:hiddenFill xmlns="" xmlns:a14="http://schemas.microsoft.com/office/drawing/2010/main">
                 <a:blipFill dpi="0" rotWithShape="0">
                   <a:blip/>
                   <a:srcRect/>
@@ -12207,7 +12367,7 @@
               </a14:hiddenFill>
             </a:ext>
             <a:ext uri="{91240B29-F687-4f45-9708-019B960494DF}">
-              <a14:hiddenLine xmlns:a14="http://schemas.microsoft.com/office/drawing/2010/main" xmlns="" w="9525">
+              <a14:hiddenLine xmlns="" xmlns:a14="http://schemas.microsoft.com/office/drawing/2010/main" w="9525">
                 <a:solidFill>
                   <a:srgbClr val="000000"/>
                 </a:solidFill>
@@ -12217,7 +12377,7 @@
               </a14:hiddenLine>
             </a:ext>
             <a:ext uri="{AF507438-7753-43e0-B8FC-AC1667EBCBE1}">
-              <a14:hiddenEffects xmlns:a14="http://schemas.microsoft.com/office/drawing/2010/main" xmlns="">
+              <a14:hiddenEffects xmlns="" xmlns:a14="http://schemas.microsoft.com/office/drawing/2010/main">
                 <a:effectLst>
                   <a:outerShdw blurRad="63500" dist="38099" dir="2700000" algn="ctr" rotWithShape="0">
                     <a:srgbClr val="000000">
@@ -12352,7 +12512,7 @@
             <a:effectLst/>
             <a:extLst>
               <a:ext uri="{909E8E84-426E-40dd-AFC4-6F175D3DCCD1}">
-                <a14:hiddenFill xmlns="" xmlns:a14="http://schemas.microsoft.com/office/drawing/2010/main">
+                <a14:hiddenFill xmlns:a14="http://schemas.microsoft.com/office/drawing/2010/main" xmlns="">
                   <a:blipFill dpi="0" rotWithShape="0">
                     <a:blip/>
                     <a:srcRect/>
@@ -12363,7 +12523,7 @@
                 </a14:hiddenFill>
               </a:ext>
               <a:ext uri="{91240B29-F687-4f45-9708-019B960494DF}">
-                <a14:hiddenLine xmlns="" xmlns:a14="http://schemas.microsoft.com/office/drawing/2010/main" w="9525">
+                <a14:hiddenLine xmlns:a14="http://schemas.microsoft.com/office/drawing/2010/main" xmlns="" w="9525">
                   <a:solidFill>
                     <a:srgbClr val="000000"/>
                   </a:solidFill>
@@ -12373,7 +12533,7 @@
                 </a14:hiddenLine>
               </a:ext>
               <a:ext uri="{AF507438-7753-43e0-B8FC-AC1667EBCBE1}">
-                <a14:hiddenEffects xmlns="" xmlns:a14="http://schemas.microsoft.com/office/drawing/2010/main">
+                <a14:hiddenEffects xmlns:a14="http://schemas.microsoft.com/office/drawing/2010/main" xmlns="">
                   <a:effectLst>
                     <a:outerShdw blurRad="63500" dist="38099" dir="2700000" algn="ctr" rotWithShape="0">
                       <a:srgbClr val="000000">
@@ -12422,7 +12582,7 @@
             <a:effectLst/>
             <a:extLst>
               <a:ext uri="{909E8E84-426E-40dd-AFC4-6F175D3DCCD1}">
-                <a14:hiddenFill xmlns="" xmlns:a14="http://schemas.microsoft.com/office/drawing/2010/main">
+                <a14:hiddenFill xmlns:a14="http://schemas.microsoft.com/office/drawing/2010/main" xmlns="">
                   <a:blipFill dpi="0" rotWithShape="0">
                     <a:blip/>
                     <a:srcRect/>
@@ -12433,7 +12593,7 @@
                 </a14:hiddenFill>
               </a:ext>
               <a:ext uri="{91240B29-F687-4f45-9708-019B960494DF}">
-                <a14:hiddenLine xmlns="" xmlns:a14="http://schemas.microsoft.com/office/drawing/2010/main" w="9525">
+                <a14:hiddenLine xmlns:a14="http://schemas.microsoft.com/office/drawing/2010/main" xmlns="" w="9525">
                   <a:solidFill>
                     <a:srgbClr val="000000"/>
                   </a:solidFill>
@@ -12443,7 +12603,7 @@
                 </a14:hiddenLine>
               </a:ext>
               <a:ext uri="{AF507438-7753-43e0-B8FC-AC1667EBCBE1}">
-                <a14:hiddenEffects xmlns="" xmlns:a14="http://schemas.microsoft.com/office/drawing/2010/main">
+                <a14:hiddenEffects xmlns:a14="http://schemas.microsoft.com/office/drawing/2010/main" xmlns="">
                   <a:effectLst>
                     <a:outerShdw blurRad="63500" dist="38099" dir="2700000" algn="ctr" rotWithShape="0">
                       <a:srgbClr val="000000">
@@ -12492,7 +12652,7 @@
             <a:effectLst/>
             <a:extLst>
               <a:ext uri="{909E8E84-426E-40dd-AFC4-6F175D3DCCD1}">
-                <a14:hiddenFill xmlns="" xmlns:a14="http://schemas.microsoft.com/office/drawing/2010/main">
+                <a14:hiddenFill xmlns:a14="http://schemas.microsoft.com/office/drawing/2010/main" xmlns="">
                   <a:blipFill dpi="0" rotWithShape="0">
                     <a:blip/>
                     <a:srcRect/>
@@ -12503,7 +12663,7 @@
                 </a14:hiddenFill>
               </a:ext>
               <a:ext uri="{91240B29-F687-4f45-9708-019B960494DF}">
-                <a14:hiddenLine xmlns="" xmlns:a14="http://schemas.microsoft.com/office/drawing/2010/main" w="9525">
+                <a14:hiddenLine xmlns:a14="http://schemas.microsoft.com/office/drawing/2010/main" xmlns="" w="9525">
                   <a:solidFill>
                     <a:srgbClr val="000000"/>
                   </a:solidFill>
@@ -12513,7 +12673,7 @@
                 </a14:hiddenLine>
               </a:ext>
               <a:ext uri="{AF507438-7753-43e0-B8FC-AC1667EBCBE1}">
-                <a14:hiddenEffects xmlns="" xmlns:a14="http://schemas.microsoft.com/office/drawing/2010/main">
+                <a14:hiddenEffects xmlns:a14="http://schemas.microsoft.com/office/drawing/2010/main" xmlns="">
                   <a:effectLst>
                     <a:outerShdw blurRad="63500" dist="38099" dir="2700000" algn="ctr" rotWithShape="0">
                       <a:srgbClr val="000000">
@@ -12554,12 +12714,12 @@
             <a:effectLst/>
             <a:extLst>
               <a:ext uri="{909E8E84-426E-40dd-AFC4-6F175D3DCCD1}">
-                <a14:hiddenFill xmlns="" xmlns:a14="http://schemas.microsoft.com/office/drawing/2010/main">
+                <a14:hiddenFill xmlns:a14="http://schemas.microsoft.com/office/drawing/2010/main" xmlns="">
                   <a:noFill/>
                 </a14:hiddenFill>
               </a:ext>
               <a:ext uri="{AF507438-7753-43e0-B8FC-AC1667EBCBE1}">
-                <a14:hiddenEffects xmlns="" xmlns:a14="http://schemas.microsoft.com/office/drawing/2010/main">
+                <a14:hiddenEffects xmlns:a14="http://schemas.microsoft.com/office/drawing/2010/main" xmlns="">
                   <a:effectLst>
                     <a:outerShdw blurRad="63500" dist="38099" dir="2700000" algn="ctr" rotWithShape="0">
                       <a:srgbClr val="000000">
@@ -12612,12 +12772,12 @@
             <a:effectLst/>
             <a:extLst>
               <a:ext uri="{909E8E84-426E-40dd-AFC4-6F175D3DCCD1}">
-                <a14:hiddenFill xmlns="" xmlns:a14="http://schemas.microsoft.com/office/drawing/2010/main">
+                <a14:hiddenFill xmlns:a14="http://schemas.microsoft.com/office/drawing/2010/main" xmlns="">
                   <a:noFill/>
                 </a14:hiddenFill>
               </a:ext>
               <a:ext uri="{AF507438-7753-43e0-B8FC-AC1667EBCBE1}">
-                <a14:hiddenEffects xmlns="" xmlns:a14="http://schemas.microsoft.com/office/drawing/2010/main">
+                <a14:hiddenEffects xmlns:a14="http://schemas.microsoft.com/office/drawing/2010/main" xmlns="">
                   <a:effectLst>
                     <a:outerShdw blurRad="63500" dist="38099" dir="2700000" algn="ctr" rotWithShape="0">
                       <a:srgbClr val="000000">
@@ -12670,12 +12830,12 @@
             <a:effectLst/>
             <a:extLst>
               <a:ext uri="{909E8E84-426E-40dd-AFC4-6F175D3DCCD1}">
-                <a14:hiddenFill xmlns="" xmlns:a14="http://schemas.microsoft.com/office/drawing/2010/main">
+                <a14:hiddenFill xmlns:a14="http://schemas.microsoft.com/office/drawing/2010/main" xmlns="">
                   <a:noFill/>
                 </a14:hiddenFill>
               </a:ext>
               <a:ext uri="{AF507438-7753-43e0-B8FC-AC1667EBCBE1}">
-                <a14:hiddenEffects xmlns="" xmlns:a14="http://schemas.microsoft.com/office/drawing/2010/main">
+                <a14:hiddenEffects xmlns:a14="http://schemas.microsoft.com/office/drawing/2010/main" xmlns="">
                   <a:effectLst>
                     <a:outerShdw blurRad="63500" dist="38099" dir="2700000" algn="ctr" rotWithShape="0">
                       <a:srgbClr val="000000">
@@ -12728,12 +12888,12 @@
             <a:effectLst/>
             <a:extLst>
               <a:ext uri="{909E8E84-426E-40dd-AFC4-6F175D3DCCD1}">
-                <a14:hiddenFill xmlns="" xmlns:a14="http://schemas.microsoft.com/office/drawing/2010/main">
+                <a14:hiddenFill xmlns:a14="http://schemas.microsoft.com/office/drawing/2010/main" xmlns="">
                   <a:noFill/>
                 </a14:hiddenFill>
               </a:ext>
               <a:ext uri="{AF507438-7753-43e0-B8FC-AC1667EBCBE1}">
-                <a14:hiddenEffects xmlns="" xmlns:a14="http://schemas.microsoft.com/office/drawing/2010/main">
+                <a14:hiddenEffects xmlns:a14="http://schemas.microsoft.com/office/drawing/2010/main" xmlns="">
                   <a:effectLst>
                     <a:outerShdw blurRad="63500" dist="38099" dir="2700000" algn="ctr" rotWithShape="0">
                       <a:srgbClr val="000000">
@@ -12786,12 +12946,12 @@
             <a:effectLst/>
             <a:extLst>
               <a:ext uri="{909E8E84-426E-40dd-AFC4-6F175D3DCCD1}">
-                <a14:hiddenFill xmlns="" xmlns:a14="http://schemas.microsoft.com/office/drawing/2010/main">
+                <a14:hiddenFill xmlns:a14="http://schemas.microsoft.com/office/drawing/2010/main" xmlns="">
                   <a:noFill/>
                 </a14:hiddenFill>
               </a:ext>
               <a:ext uri="{AF507438-7753-43e0-B8FC-AC1667EBCBE1}">
-                <a14:hiddenEffects xmlns="" xmlns:a14="http://schemas.microsoft.com/office/drawing/2010/main">
+                <a14:hiddenEffects xmlns:a14="http://schemas.microsoft.com/office/drawing/2010/main" xmlns="">
                   <a:effectLst>
                     <a:outerShdw blurRad="63500" dist="38099" dir="2700000" algn="ctr" rotWithShape="0">
                       <a:srgbClr val="000000">
@@ -12844,12 +13004,12 @@
             <a:effectLst/>
             <a:extLst>
               <a:ext uri="{909E8E84-426E-40dd-AFC4-6F175D3DCCD1}">
-                <a14:hiddenFill xmlns="" xmlns:a14="http://schemas.microsoft.com/office/drawing/2010/main">
+                <a14:hiddenFill xmlns:a14="http://schemas.microsoft.com/office/drawing/2010/main" xmlns="">
                   <a:noFill/>
                 </a14:hiddenFill>
               </a:ext>
               <a:ext uri="{AF507438-7753-43e0-B8FC-AC1667EBCBE1}">
-                <a14:hiddenEffects xmlns="" xmlns:a14="http://schemas.microsoft.com/office/drawing/2010/main">
+                <a14:hiddenEffects xmlns:a14="http://schemas.microsoft.com/office/drawing/2010/main" xmlns="">
                   <a:effectLst>
                     <a:outerShdw blurRad="63500" dist="38099" dir="2700000" algn="ctr" rotWithShape="0">
                       <a:srgbClr val="000000">
@@ -12902,12 +13062,12 @@
             <a:effectLst/>
             <a:extLst>
               <a:ext uri="{909E8E84-426E-40dd-AFC4-6F175D3DCCD1}">
-                <a14:hiddenFill xmlns="" xmlns:a14="http://schemas.microsoft.com/office/drawing/2010/main">
+                <a14:hiddenFill xmlns:a14="http://schemas.microsoft.com/office/drawing/2010/main" xmlns="">
                   <a:noFill/>
                 </a14:hiddenFill>
               </a:ext>
               <a:ext uri="{AF507438-7753-43e0-B8FC-AC1667EBCBE1}">
-                <a14:hiddenEffects xmlns="" xmlns:a14="http://schemas.microsoft.com/office/drawing/2010/main">
+                <a14:hiddenEffects xmlns:a14="http://schemas.microsoft.com/office/drawing/2010/main" xmlns="">
                   <a:effectLst>
                     <a:outerShdw blurRad="63500" dist="38099" dir="2700000" algn="ctr" rotWithShape="0">
                       <a:srgbClr val="000000">
@@ -12960,12 +13120,12 @@
             <a:effectLst/>
             <a:extLst>
               <a:ext uri="{909E8E84-426E-40dd-AFC4-6F175D3DCCD1}">
-                <a14:hiddenFill xmlns="" xmlns:a14="http://schemas.microsoft.com/office/drawing/2010/main">
+                <a14:hiddenFill xmlns:a14="http://schemas.microsoft.com/office/drawing/2010/main" xmlns="">
                   <a:noFill/>
                 </a14:hiddenFill>
               </a:ext>
               <a:ext uri="{AF507438-7753-43e0-B8FC-AC1667EBCBE1}">
-                <a14:hiddenEffects xmlns="" xmlns:a14="http://schemas.microsoft.com/office/drawing/2010/main">
+                <a14:hiddenEffects xmlns:a14="http://schemas.microsoft.com/office/drawing/2010/main" xmlns="">
                   <a:effectLst>
                     <a:outerShdw blurRad="63500" dist="38099" dir="2700000" algn="ctr" rotWithShape="0">
                       <a:srgbClr val="000000">
@@ -13018,12 +13178,12 @@
             <a:effectLst/>
             <a:extLst>
               <a:ext uri="{909E8E84-426E-40dd-AFC4-6F175D3DCCD1}">
-                <a14:hiddenFill xmlns="" xmlns:a14="http://schemas.microsoft.com/office/drawing/2010/main">
+                <a14:hiddenFill xmlns:a14="http://schemas.microsoft.com/office/drawing/2010/main" xmlns="">
                   <a:noFill/>
                 </a14:hiddenFill>
               </a:ext>
               <a:ext uri="{AF507438-7753-43e0-B8FC-AC1667EBCBE1}">
-                <a14:hiddenEffects xmlns="" xmlns:a14="http://schemas.microsoft.com/office/drawing/2010/main">
+                <a14:hiddenEffects xmlns:a14="http://schemas.microsoft.com/office/drawing/2010/main" xmlns="">
                   <a:effectLst>
                     <a:outerShdw blurRad="63500" dist="38099" dir="2700000" algn="ctr" rotWithShape="0">
                       <a:srgbClr val="000000">
@@ -13076,12 +13236,12 @@
             <a:effectLst/>
             <a:extLst>
               <a:ext uri="{909E8E84-426E-40dd-AFC4-6F175D3DCCD1}">
-                <a14:hiddenFill xmlns="" xmlns:a14="http://schemas.microsoft.com/office/drawing/2010/main">
+                <a14:hiddenFill xmlns:a14="http://schemas.microsoft.com/office/drawing/2010/main" xmlns="">
                   <a:noFill/>
                 </a14:hiddenFill>
               </a:ext>
               <a:ext uri="{AF507438-7753-43e0-B8FC-AC1667EBCBE1}">
-                <a14:hiddenEffects xmlns="" xmlns:a14="http://schemas.microsoft.com/office/drawing/2010/main">
+                <a14:hiddenEffects xmlns:a14="http://schemas.microsoft.com/office/drawing/2010/main" xmlns="">
                   <a:effectLst>
                     <a:outerShdw blurRad="63500" dist="38099" dir="2700000" algn="ctr" rotWithShape="0">
                       <a:srgbClr val="000000">
@@ -13142,7 +13302,7 @@
             <a:effectLst/>
             <a:extLst>
               <a:ext uri="{909E8E84-426E-40dd-AFC4-6F175D3DCCD1}">
-                <a14:hiddenFill xmlns="" xmlns:a14="http://schemas.microsoft.com/office/drawing/2010/main">
+                <a14:hiddenFill xmlns:a14="http://schemas.microsoft.com/office/drawing/2010/main" xmlns="">
                   <a:blipFill dpi="0" rotWithShape="0">
                     <a:blip/>
                     <a:srcRect/>
@@ -13153,7 +13313,7 @@
                 </a14:hiddenFill>
               </a:ext>
               <a:ext uri="{91240B29-F687-4f45-9708-019B960494DF}">
-                <a14:hiddenLine xmlns="" xmlns:a14="http://schemas.microsoft.com/office/drawing/2010/main" w="9525">
+                <a14:hiddenLine xmlns:a14="http://schemas.microsoft.com/office/drawing/2010/main" xmlns="" w="9525">
                   <a:solidFill>
                     <a:srgbClr val="000000"/>
                   </a:solidFill>
@@ -13163,7 +13323,7 @@
                 </a14:hiddenLine>
               </a:ext>
               <a:ext uri="{AF507438-7753-43e0-B8FC-AC1667EBCBE1}">
-                <a14:hiddenEffects xmlns="" xmlns:a14="http://schemas.microsoft.com/office/drawing/2010/main">
+                <a14:hiddenEffects xmlns:a14="http://schemas.microsoft.com/office/drawing/2010/main" xmlns="">
                   <a:effectLst>
                     <a:outerShdw blurRad="63500" dist="38099" dir="2700000" algn="ctr" rotWithShape="0">
                       <a:srgbClr val="000000">
@@ -13212,7 +13372,7 @@
             <a:effectLst/>
             <a:extLst>
               <a:ext uri="{909E8E84-426E-40dd-AFC4-6F175D3DCCD1}">
-                <a14:hiddenFill xmlns="" xmlns:a14="http://schemas.microsoft.com/office/drawing/2010/main">
+                <a14:hiddenFill xmlns:a14="http://schemas.microsoft.com/office/drawing/2010/main" xmlns="">
                   <a:blipFill dpi="0" rotWithShape="0">
                     <a:blip/>
                     <a:srcRect/>
@@ -13223,7 +13383,7 @@
                 </a14:hiddenFill>
               </a:ext>
               <a:ext uri="{91240B29-F687-4f45-9708-019B960494DF}">
-                <a14:hiddenLine xmlns="" xmlns:a14="http://schemas.microsoft.com/office/drawing/2010/main" w="9525">
+                <a14:hiddenLine xmlns:a14="http://schemas.microsoft.com/office/drawing/2010/main" xmlns="" w="9525">
                   <a:solidFill>
                     <a:srgbClr val="000000"/>
                   </a:solidFill>
@@ -13233,7 +13393,7 @@
                 </a14:hiddenLine>
               </a:ext>
               <a:ext uri="{AF507438-7753-43e0-B8FC-AC1667EBCBE1}">
-                <a14:hiddenEffects xmlns="" xmlns:a14="http://schemas.microsoft.com/office/drawing/2010/main">
+                <a14:hiddenEffects xmlns:a14="http://schemas.microsoft.com/office/drawing/2010/main" xmlns="">
                   <a:effectLst>
                     <a:outerShdw blurRad="63500" dist="38099" dir="2700000" algn="ctr" rotWithShape="0">
                       <a:srgbClr val="000000">
@@ -13282,7 +13442,7 @@
             <a:effectLst/>
             <a:extLst>
               <a:ext uri="{909E8E84-426E-40dd-AFC4-6F175D3DCCD1}">
-                <a14:hiddenFill xmlns="" xmlns:a14="http://schemas.microsoft.com/office/drawing/2010/main">
+                <a14:hiddenFill xmlns:a14="http://schemas.microsoft.com/office/drawing/2010/main" xmlns="">
                   <a:blipFill dpi="0" rotWithShape="0">
                     <a:blip/>
                     <a:srcRect/>
@@ -13293,7 +13453,7 @@
                 </a14:hiddenFill>
               </a:ext>
               <a:ext uri="{91240B29-F687-4f45-9708-019B960494DF}">
-                <a14:hiddenLine xmlns="" xmlns:a14="http://schemas.microsoft.com/office/drawing/2010/main" w="9525">
+                <a14:hiddenLine xmlns:a14="http://schemas.microsoft.com/office/drawing/2010/main" xmlns="" w="9525">
                   <a:solidFill>
                     <a:srgbClr val="000000"/>
                   </a:solidFill>
@@ -13303,7 +13463,7 @@
                 </a14:hiddenLine>
               </a:ext>
               <a:ext uri="{AF507438-7753-43e0-B8FC-AC1667EBCBE1}">
-                <a14:hiddenEffects xmlns="" xmlns:a14="http://schemas.microsoft.com/office/drawing/2010/main">
+                <a14:hiddenEffects xmlns:a14="http://schemas.microsoft.com/office/drawing/2010/main" xmlns="">
                   <a:effectLst>
                     <a:outerShdw blurRad="63500" dist="38099" dir="2700000" algn="ctr" rotWithShape="0">
                       <a:srgbClr val="000000">
@@ -13352,7 +13512,7 @@
             <a:effectLst/>
             <a:extLst>
               <a:ext uri="{909E8E84-426E-40dd-AFC4-6F175D3DCCD1}">
-                <a14:hiddenFill xmlns="" xmlns:a14="http://schemas.microsoft.com/office/drawing/2010/main">
+                <a14:hiddenFill xmlns:a14="http://schemas.microsoft.com/office/drawing/2010/main" xmlns="">
                   <a:blipFill dpi="0" rotWithShape="0">
                     <a:blip/>
                     <a:srcRect/>
@@ -13363,7 +13523,7 @@
                 </a14:hiddenFill>
               </a:ext>
               <a:ext uri="{91240B29-F687-4f45-9708-019B960494DF}">
-                <a14:hiddenLine xmlns="" xmlns:a14="http://schemas.microsoft.com/office/drawing/2010/main" w="9525">
+                <a14:hiddenLine xmlns:a14="http://schemas.microsoft.com/office/drawing/2010/main" xmlns="" w="9525">
                   <a:solidFill>
                     <a:srgbClr val="000000"/>
                   </a:solidFill>
@@ -13373,7 +13533,7 @@
                 </a14:hiddenLine>
               </a:ext>
               <a:ext uri="{AF507438-7753-43e0-B8FC-AC1667EBCBE1}">
-                <a14:hiddenEffects xmlns="" xmlns:a14="http://schemas.microsoft.com/office/drawing/2010/main">
+                <a14:hiddenEffects xmlns:a14="http://schemas.microsoft.com/office/drawing/2010/main" xmlns="">
                   <a:effectLst>
                     <a:outerShdw blurRad="63500" dist="38099" dir="2700000" algn="ctr" rotWithShape="0">
                       <a:srgbClr val="000000">
@@ -13422,7 +13582,7 @@
             <a:effectLst/>
             <a:extLst>
               <a:ext uri="{909E8E84-426E-40dd-AFC4-6F175D3DCCD1}">
-                <a14:hiddenFill xmlns="" xmlns:a14="http://schemas.microsoft.com/office/drawing/2010/main">
+                <a14:hiddenFill xmlns:a14="http://schemas.microsoft.com/office/drawing/2010/main" xmlns="">
                   <a:blipFill dpi="0" rotWithShape="0">
                     <a:blip/>
                     <a:srcRect/>
@@ -13433,7 +13593,7 @@
                 </a14:hiddenFill>
               </a:ext>
               <a:ext uri="{91240B29-F687-4f45-9708-019B960494DF}">
-                <a14:hiddenLine xmlns="" xmlns:a14="http://schemas.microsoft.com/office/drawing/2010/main" w="9525">
+                <a14:hiddenLine xmlns:a14="http://schemas.microsoft.com/office/drawing/2010/main" xmlns="" w="9525">
                   <a:solidFill>
                     <a:srgbClr val="000000"/>
                   </a:solidFill>
@@ -13443,7 +13603,7 @@
                 </a14:hiddenLine>
               </a:ext>
               <a:ext uri="{AF507438-7753-43e0-B8FC-AC1667EBCBE1}">
-                <a14:hiddenEffects xmlns="" xmlns:a14="http://schemas.microsoft.com/office/drawing/2010/main">
+                <a14:hiddenEffects xmlns:a14="http://schemas.microsoft.com/office/drawing/2010/main" xmlns="">
                   <a:effectLst>
                     <a:outerShdw blurRad="63500" dist="38099" dir="2700000" algn="ctr" rotWithShape="0">
                       <a:srgbClr val="000000">
@@ -13484,12 +13644,12 @@
             <a:effectLst/>
             <a:extLst>
               <a:ext uri="{909E8E84-426E-40dd-AFC4-6F175D3DCCD1}">
-                <a14:hiddenFill xmlns="" xmlns:a14="http://schemas.microsoft.com/office/drawing/2010/main">
+                <a14:hiddenFill xmlns:a14="http://schemas.microsoft.com/office/drawing/2010/main" xmlns="">
                   <a:noFill/>
                 </a14:hiddenFill>
               </a:ext>
               <a:ext uri="{AF507438-7753-43e0-B8FC-AC1667EBCBE1}">
-                <a14:hiddenEffects xmlns="" xmlns:a14="http://schemas.microsoft.com/office/drawing/2010/main">
+                <a14:hiddenEffects xmlns:a14="http://schemas.microsoft.com/office/drawing/2010/main" xmlns="">
                   <a:effectLst>
                     <a:outerShdw blurRad="63500" dist="38099" dir="2700000" algn="ctr" rotWithShape="0">
                       <a:srgbClr val="000000">
@@ -13542,12 +13702,12 @@
             <a:effectLst/>
             <a:extLst>
               <a:ext uri="{909E8E84-426E-40dd-AFC4-6F175D3DCCD1}">
-                <a14:hiddenFill xmlns="" xmlns:a14="http://schemas.microsoft.com/office/drawing/2010/main">
+                <a14:hiddenFill xmlns:a14="http://schemas.microsoft.com/office/drawing/2010/main" xmlns="">
                   <a:noFill/>
                 </a14:hiddenFill>
               </a:ext>
               <a:ext uri="{AF507438-7753-43e0-B8FC-AC1667EBCBE1}">
-                <a14:hiddenEffects xmlns="" xmlns:a14="http://schemas.microsoft.com/office/drawing/2010/main">
+                <a14:hiddenEffects xmlns:a14="http://schemas.microsoft.com/office/drawing/2010/main" xmlns="">
                   <a:effectLst>
                     <a:outerShdw blurRad="63500" dist="38099" dir="2700000" algn="ctr" rotWithShape="0">
                       <a:srgbClr val="000000">
@@ -13608,7 +13768,7 @@
             <a:effectLst/>
             <a:extLst>
               <a:ext uri="{909E8E84-426E-40dd-AFC4-6F175D3DCCD1}">
-                <a14:hiddenFill xmlns="" xmlns:a14="http://schemas.microsoft.com/office/drawing/2010/main">
+                <a14:hiddenFill xmlns:a14="http://schemas.microsoft.com/office/drawing/2010/main" xmlns="">
                   <a:blipFill dpi="0" rotWithShape="0">
                     <a:blip/>
                     <a:srcRect/>
@@ -13619,7 +13779,7 @@
                 </a14:hiddenFill>
               </a:ext>
               <a:ext uri="{91240B29-F687-4f45-9708-019B960494DF}">
-                <a14:hiddenLine xmlns="" xmlns:a14="http://schemas.microsoft.com/office/drawing/2010/main" w="9525">
+                <a14:hiddenLine xmlns:a14="http://schemas.microsoft.com/office/drawing/2010/main" xmlns="" w="9525">
                   <a:solidFill>
                     <a:srgbClr val="000000"/>
                   </a:solidFill>
@@ -13629,7 +13789,7 @@
                 </a14:hiddenLine>
               </a:ext>
               <a:ext uri="{AF507438-7753-43e0-B8FC-AC1667EBCBE1}">
-                <a14:hiddenEffects xmlns="" xmlns:a14="http://schemas.microsoft.com/office/drawing/2010/main">
+                <a14:hiddenEffects xmlns:a14="http://schemas.microsoft.com/office/drawing/2010/main" xmlns="">
                   <a:effectLst>
                     <a:outerShdw blurRad="63500" dist="38099" dir="2700000" algn="ctr" rotWithShape="0">
                       <a:srgbClr val="000000">
@@ -13762,7 +13922,7 @@
           <a:effectLst/>
           <a:extLst>
             <a:ext uri="{909E8E84-426E-40dd-AFC4-6F175D3DCCD1}">
-              <a14:hiddenFill xmlns:a14="http://schemas.microsoft.com/office/drawing/2010/main" xmlns="">
+              <a14:hiddenFill xmlns="" xmlns:a14="http://schemas.microsoft.com/office/drawing/2010/main">
                 <a:blipFill dpi="0" rotWithShape="0">
                   <a:blip/>
                   <a:srcRect/>
@@ -13773,7 +13933,7 @@
               </a14:hiddenFill>
             </a:ext>
             <a:ext uri="{91240B29-F687-4f45-9708-019B960494DF}">
-              <a14:hiddenLine xmlns:a14="http://schemas.microsoft.com/office/drawing/2010/main" xmlns="" w="9525">
+              <a14:hiddenLine xmlns="" xmlns:a14="http://schemas.microsoft.com/office/drawing/2010/main" w="9525">
                 <a:solidFill>
                   <a:srgbClr val="000000"/>
                 </a:solidFill>
@@ -13783,7 +13943,7 @@
               </a14:hiddenLine>
             </a:ext>
             <a:ext uri="{AF507438-7753-43e0-B8FC-AC1667EBCBE1}">
-              <a14:hiddenEffects xmlns:a14="http://schemas.microsoft.com/office/drawing/2010/main" xmlns="">
+              <a14:hiddenEffects xmlns="" xmlns:a14="http://schemas.microsoft.com/office/drawing/2010/main">
                 <a:effectLst>
                   <a:outerShdw blurRad="63500" dist="38099" dir="2700000" algn="ctr" rotWithShape="0">
                     <a:srgbClr val="000000">
@@ -13868,7 +14028,7 @@
           <a:effectLst/>
           <a:extLst>
             <a:ext uri="{909E8E84-426E-40dd-AFC4-6F175D3DCCD1}">
-              <a14:hiddenFill xmlns:a14="http://schemas.microsoft.com/office/drawing/2010/main" xmlns="">
+              <a14:hiddenFill xmlns="" xmlns:a14="http://schemas.microsoft.com/office/drawing/2010/main">
                 <a:blipFill dpi="0" rotWithShape="0">
                   <a:blip/>
                   <a:srcRect/>
@@ -13879,7 +14039,7 @@
               </a14:hiddenFill>
             </a:ext>
             <a:ext uri="{91240B29-F687-4f45-9708-019B960494DF}">
-              <a14:hiddenLine xmlns:a14="http://schemas.microsoft.com/office/drawing/2010/main" xmlns="" w="9525">
+              <a14:hiddenLine xmlns="" xmlns:a14="http://schemas.microsoft.com/office/drawing/2010/main" w="9525">
                 <a:solidFill>
                   <a:srgbClr val="000000"/>
                 </a:solidFill>
@@ -13889,7 +14049,7 @@
               </a14:hiddenLine>
             </a:ext>
             <a:ext uri="{AF507438-7753-43e0-B8FC-AC1667EBCBE1}">
-              <a14:hiddenEffects xmlns:a14="http://schemas.microsoft.com/office/drawing/2010/main" xmlns="">
+              <a14:hiddenEffects xmlns="" xmlns:a14="http://schemas.microsoft.com/office/drawing/2010/main">
                 <a:effectLst>
                   <a:outerShdw blurRad="63500" dist="38099" dir="2700000" algn="ctr" rotWithShape="0">
                     <a:srgbClr val="000000">
@@ -13974,7 +14134,7 @@
           <a:effectLst/>
           <a:extLst>
             <a:ext uri="{909E8E84-426E-40dd-AFC4-6F175D3DCCD1}">
-              <a14:hiddenFill xmlns:a14="http://schemas.microsoft.com/office/drawing/2010/main" xmlns="">
+              <a14:hiddenFill xmlns="" xmlns:a14="http://schemas.microsoft.com/office/drawing/2010/main">
                 <a:blipFill dpi="0" rotWithShape="0">
                   <a:blip/>
                   <a:srcRect/>
@@ -13985,7 +14145,7 @@
               </a14:hiddenFill>
             </a:ext>
             <a:ext uri="{91240B29-F687-4f45-9708-019B960494DF}">
-              <a14:hiddenLine xmlns:a14="http://schemas.microsoft.com/office/drawing/2010/main" xmlns="" w="9525">
+              <a14:hiddenLine xmlns="" xmlns:a14="http://schemas.microsoft.com/office/drawing/2010/main" w="9525">
                 <a:solidFill>
                   <a:srgbClr val="000000"/>
                 </a:solidFill>
@@ -13995,7 +14155,7 @@
               </a14:hiddenLine>
             </a:ext>
             <a:ext uri="{AF507438-7753-43e0-B8FC-AC1667EBCBE1}">
-              <a14:hiddenEffects xmlns:a14="http://schemas.microsoft.com/office/drawing/2010/main" xmlns="">
+              <a14:hiddenEffects xmlns="" xmlns:a14="http://schemas.microsoft.com/office/drawing/2010/main">
                 <a:effectLst>
                   <a:outerShdw blurRad="63500" dist="38099" dir="2700000" algn="ctr" rotWithShape="0">
                     <a:srgbClr val="000000">
@@ -14186,7 +14346,7 @@
           <a:effectLst/>
           <a:extLst>
             <a:ext uri="{909E8E84-426E-40dd-AFC4-6F175D3DCCD1}">
-              <a14:hiddenFill xmlns:a14="http://schemas.microsoft.com/office/drawing/2010/main" xmlns="">
+              <a14:hiddenFill xmlns="" xmlns:a14="http://schemas.microsoft.com/office/drawing/2010/main">
                 <a:blipFill dpi="0" rotWithShape="0">
                   <a:blip/>
                   <a:srcRect/>
@@ -14197,7 +14357,7 @@
               </a14:hiddenFill>
             </a:ext>
             <a:ext uri="{91240B29-F687-4f45-9708-019B960494DF}">
-              <a14:hiddenLine xmlns:a14="http://schemas.microsoft.com/office/drawing/2010/main" xmlns="" w="9525">
+              <a14:hiddenLine xmlns="" xmlns:a14="http://schemas.microsoft.com/office/drawing/2010/main" w="9525">
                 <a:solidFill>
                   <a:srgbClr val="000000"/>
                 </a:solidFill>
@@ -14207,7 +14367,7 @@
               </a14:hiddenLine>
             </a:ext>
             <a:ext uri="{AF507438-7753-43e0-B8FC-AC1667EBCBE1}">
-              <a14:hiddenEffects xmlns:a14="http://schemas.microsoft.com/office/drawing/2010/main" xmlns="">
+              <a14:hiddenEffects xmlns="" xmlns:a14="http://schemas.microsoft.com/office/drawing/2010/main">
                 <a:effectLst>
                   <a:outerShdw blurRad="63500" dist="38099" dir="2700000" algn="ctr" rotWithShape="0">
                     <a:srgbClr val="000000">
@@ -14285,7 +14445,7 @@
           <a:effectLst/>
           <a:extLst>
             <a:ext uri="{909E8E84-426E-40dd-AFC4-6F175D3DCCD1}">
-              <a14:hiddenFill xmlns:a14="http://schemas.microsoft.com/office/drawing/2010/main" xmlns="">
+              <a14:hiddenFill xmlns="" xmlns:a14="http://schemas.microsoft.com/office/drawing/2010/main">
                 <a:blipFill dpi="0" rotWithShape="0">
                   <a:blip/>
                   <a:srcRect/>
@@ -14296,7 +14456,7 @@
               </a14:hiddenFill>
             </a:ext>
             <a:ext uri="{91240B29-F687-4f45-9708-019B960494DF}">
-              <a14:hiddenLine xmlns:a14="http://schemas.microsoft.com/office/drawing/2010/main" xmlns="" w="9525">
+              <a14:hiddenLine xmlns="" xmlns:a14="http://schemas.microsoft.com/office/drawing/2010/main" w="9525">
                 <a:solidFill>
                   <a:srgbClr val="000000"/>
                 </a:solidFill>
@@ -14306,7 +14466,7 @@
               </a14:hiddenLine>
             </a:ext>
             <a:ext uri="{AF507438-7753-43e0-B8FC-AC1667EBCBE1}">
-              <a14:hiddenEffects xmlns:a14="http://schemas.microsoft.com/office/drawing/2010/main" xmlns="">
+              <a14:hiddenEffects xmlns="" xmlns:a14="http://schemas.microsoft.com/office/drawing/2010/main">
                 <a:effectLst>
                   <a:outerShdw blurRad="63500" dist="38099" dir="2700000" algn="ctr" rotWithShape="0">
                     <a:srgbClr val="000000">
@@ -16171,7 +16331,7 @@
           <a:effectLst/>
           <a:extLst>
             <a:ext uri="{909E8E84-426E-40dd-AFC4-6F175D3DCCD1}">
-              <a14:hiddenFill xmlns="" xmlns:a14="http://schemas.microsoft.com/office/drawing/2010/main">
+              <a14:hiddenFill xmlns:a14="http://schemas.microsoft.com/office/drawing/2010/main" xmlns="">
                 <a:blipFill dpi="0" rotWithShape="0">
                   <a:blip/>
                   <a:srcRect/>
@@ -16182,7 +16342,7 @@
               </a14:hiddenFill>
             </a:ext>
             <a:ext uri="{91240B29-F687-4f45-9708-019B960494DF}">
-              <a14:hiddenLine xmlns="" xmlns:a14="http://schemas.microsoft.com/office/drawing/2010/main" w="9525">
+              <a14:hiddenLine xmlns:a14="http://schemas.microsoft.com/office/drawing/2010/main" xmlns="" w="9525">
                 <a:solidFill>
                   <a:srgbClr val="000000"/>
                 </a:solidFill>
@@ -16192,7 +16352,7 @@
               </a14:hiddenLine>
             </a:ext>
             <a:ext uri="{AF507438-7753-43e0-B8FC-AC1667EBCBE1}">
-              <a14:hiddenEffects xmlns="" xmlns:a14="http://schemas.microsoft.com/office/drawing/2010/main">
+              <a14:hiddenEffects xmlns:a14="http://schemas.microsoft.com/office/drawing/2010/main" xmlns="">
                 <a:effectLst>
                   <a:outerShdw blurRad="63500" dist="38099" dir="2700000" algn="ctr" rotWithShape="0">
                     <a:srgbClr val="000000">
@@ -16352,7 +16512,7 @@
           <a:effectLst/>
           <a:extLst>
             <a:ext uri="{909E8E84-426E-40dd-AFC4-6F175D3DCCD1}">
-              <a14:hiddenFill xmlns="" xmlns:a14="http://schemas.microsoft.com/office/drawing/2010/main">
+              <a14:hiddenFill xmlns:a14="http://schemas.microsoft.com/office/drawing/2010/main" xmlns="">
                 <a:blipFill dpi="0" rotWithShape="0">
                   <a:blip/>
                   <a:srcRect/>
@@ -16363,7 +16523,7 @@
               </a14:hiddenFill>
             </a:ext>
             <a:ext uri="{91240B29-F687-4f45-9708-019B960494DF}">
-              <a14:hiddenLine xmlns="" xmlns:a14="http://schemas.microsoft.com/office/drawing/2010/main" w="9525">
+              <a14:hiddenLine xmlns:a14="http://schemas.microsoft.com/office/drawing/2010/main" xmlns="" w="9525">
                 <a:solidFill>
                   <a:srgbClr val="000000"/>
                 </a:solidFill>
@@ -16373,7 +16533,7 @@
               </a14:hiddenLine>
             </a:ext>
             <a:ext uri="{AF507438-7753-43e0-B8FC-AC1667EBCBE1}">
-              <a14:hiddenEffects xmlns="" xmlns:a14="http://schemas.microsoft.com/office/drawing/2010/main">
+              <a14:hiddenEffects xmlns:a14="http://schemas.microsoft.com/office/drawing/2010/main" xmlns="">
                 <a:effectLst>
                   <a:outerShdw blurRad="63500" dist="38099" dir="2700000" algn="ctr" rotWithShape="0">
                     <a:srgbClr val="000000">
@@ -18172,7 +18332,7 @@
           <a:effectLst/>
           <a:extLst>
             <a:ext uri="{909E8E84-426E-40dd-AFC4-6F175D3DCCD1}">
-              <a14:hiddenFill xmlns="" xmlns:a14="http://schemas.microsoft.com/office/drawing/2010/main">
+              <a14:hiddenFill xmlns:a14="http://schemas.microsoft.com/office/drawing/2010/main" xmlns="">
                 <a:blipFill dpi="0" rotWithShape="0">
                   <a:blip/>
                   <a:srcRect/>
@@ -18183,7 +18343,7 @@
               </a14:hiddenFill>
             </a:ext>
             <a:ext uri="{91240B29-F687-4f45-9708-019B960494DF}">
-              <a14:hiddenLine xmlns="" xmlns:a14="http://schemas.microsoft.com/office/drawing/2010/main" w="9525">
+              <a14:hiddenLine xmlns:a14="http://schemas.microsoft.com/office/drawing/2010/main" xmlns="" w="9525">
                 <a:solidFill>
                   <a:srgbClr val="000000"/>
                 </a:solidFill>
@@ -18193,7 +18353,7 @@
               </a14:hiddenLine>
             </a:ext>
             <a:ext uri="{AF507438-7753-43e0-B8FC-AC1667EBCBE1}">
-              <a14:hiddenEffects xmlns="" xmlns:a14="http://schemas.microsoft.com/office/drawing/2010/main">
+              <a14:hiddenEffects xmlns:a14="http://schemas.microsoft.com/office/drawing/2010/main" xmlns="">
                 <a:effectLst>
                   <a:outerShdw blurRad="63500" dist="38099" dir="2700000" algn="ctr" rotWithShape="0">
                     <a:srgbClr val="000000">
@@ -18286,7 +18446,7 @@
           <a:effectLst/>
           <a:extLst>
             <a:ext uri="{909E8E84-426E-40dd-AFC4-6F175D3DCCD1}">
-              <a14:hiddenFill xmlns="" xmlns:a14="http://schemas.microsoft.com/office/drawing/2010/main">
+              <a14:hiddenFill xmlns:a14="http://schemas.microsoft.com/office/drawing/2010/main" xmlns="">
                 <a:blipFill dpi="0" rotWithShape="0">
                   <a:blip/>
                   <a:srcRect/>
@@ -18297,7 +18457,7 @@
               </a14:hiddenFill>
             </a:ext>
             <a:ext uri="{91240B29-F687-4f45-9708-019B960494DF}">
-              <a14:hiddenLine xmlns="" xmlns:a14="http://schemas.microsoft.com/office/drawing/2010/main" w="9525">
+              <a14:hiddenLine xmlns:a14="http://schemas.microsoft.com/office/drawing/2010/main" xmlns="" w="9525">
                 <a:solidFill>
                   <a:srgbClr val="000000"/>
                 </a:solidFill>
@@ -18307,7 +18467,7 @@
               </a14:hiddenLine>
             </a:ext>
             <a:ext uri="{AF507438-7753-43e0-B8FC-AC1667EBCBE1}">
-              <a14:hiddenEffects xmlns="" xmlns:a14="http://schemas.microsoft.com/office/drawing/2010/main">
+              <a14:hiddenEffects xmlns:a14="http://schemas.microsoft.com/office/drawing/2010/main" xmlns="">
                 <a:effectLst>
                   <a:outerShdw blurRad="63500" dist="38099" dir="2700000" algn="ctr" rotWithShape="0">
                     <a:srgbClr val="000000">
@@ -21179,7 +21339,7 @@
           <a:effectLst/>
           <a:extLst>
             <a:ext uri="{909E8E84-426E-40dd-AFC4-6F175D3DCCD1}">
-              <a14:hiddenFill xmlns="" xmlns:a14="http://schemas.microsoft.com/office/drawing/2010/main">
+              <a14:hiddenFill xmlns:a14="http://schemas.microsoft.com/office/drawing/2010/main" xmlns="">
                 <a:blipFill dpi="0" rotWithShape="0">
                   <a:blip/>
                   <a:srcRect/>
@@ -21190,7 +21350,7 @@
               </a14:hiddenFill>
             </a:ext>
             <a:ext uri="{91240B29-F687-4f45-9708-019B960494DF}">
-              <a14:hiddenLine xmlns="" xmlns:a14="http://schemas.microsoft.com/office/drawing/2010/main" w="9525">
+              <a14:hiddenLine xmlns:a14="http://schemas.microsoft.com/office/drawing/2010/main" xmlns="" w="9525">
                 <a:solidFill>
                   <a:srgbClr val="000000"/>
                 </a:solidFill>
@@ -21200,7 +21360,7 @@
               </a14:hiddenLine>
             </a:ext>
             <a:ext uri="{AF507438-7753-43e0-B8FC-AC1667EBCBE1}">
-              <a14:hiddenEffects xmlns="" xmlns:a14="http://schemas.microsoft.com/office/drawing/2010/main">
+              <a14:hiddenEffects xmlns:a14="http://schemas.microsoft.com/office/drawing/2010/main" xmlns="">
                 <a:effectLst>
                   <a:outerShdw blurRad="63500" dist="38099" dir="2700000" algn="ctr" rotWithShape="0">
                     <a:srgbClr val="000000">
@@ -21279,7 +21439,7 @@
           <a:effectLst/>
           <a:extLst>
             <a:ext uri="{909E8E84-426E-40dd-AFC4-6F175D3DCCD1}">
-              <a14:hiddenFill xmlns="" xmlns:a14="http://schemas.microsoft.com/office/drawing/2010/main">
+              <a14:hiddenFill xmlns:a14="http://schemas.microsoft.com/office/drawing/2010/main" xmlns="">
                 <a:blipFill dpi="0" rotWithShape="0">
                   <a:blip/>
                   <a:srcRect/>
@@ -21290,7 +21450,7 @@
               </a14:hiddenFill>
             </a:ext>
             <a:ext uri="{91240B29-F687-4f45-9708-019B960494DF}">
-              <a14:hiddenLine xmlns="" xmlns:a14="http://schemas.microsoft.com/office/drawing/2010/main" w="9525">
+              <a14:hiddenLine xmlns:a14="http://schemas.microsoft.com/office/drawing/2010/main" xmlns="" w="9525">
                 <a:solidFill>
                   <a:srgbClr val="000000"/>
                 </a:solidFill>
@@ -21300,7 +21460,7 @@
               </a14:hiddenLine>
             </a:ext>
             <a:ext uri="{AF507438-7753-43e0-B8FC-AC1667EBCBE1}">
-              <a14:hiddenEffects xmlns="" xmlns:a14="http://schemas.microsoft.com/office/drawing/2010/main">
+              <a14:hiddenEffects xmlns:a14="http://schemas.microsoft.com/office/drawing/2010/main" xmlns="">
                 <a:effectLst>
                   <a:outerShdw blurRad="63500" dist="38099" dir="2700000" algn="ctr" rotWithShape="0">
                     <a:srgbClr val="000000">
@@ -22883,7 +23043,7 @@
           <a:effectLst/>
           <a:extLst>
             <a:ext uri="{909E8E84-426E-40dd-AFC4-6F175D3DCCD1}">
-              <a14:hiddenFill xmlns="" xmlns:a14="http://schemas.microsoft.com/office/drawing/2010/main">
+              <a14:hiddenFill xmlns:a14="http://schemas.microsoft.com/office/drawing/2010/main" xmlns="">
                 <a:blipFill dpi="0" rotWithShape="0">
                   <a:blip/>
                   <a:srcRect/>
@@ -22894,7 +23054,7 @@
               </a14:hiddenFill>
             </a:ext>
             <a:ext uri="{91240B29-F687-4f45-9708-019B960494DF}">
-              <a14:hiddenLine xmlns="" xmlns:a14="http://schemas.microsoft.com/office/drawing/2010/main" w="9525">
+              <a14:hiddenLine xmlns:a14="http://schemas.microsoft.com/office/drawing/2010/main" xmlns="" w="9525">
                 <a:solidFill>
                   <a:srgbClr val="000000"/>
                 </a:solidFill>
@@ -22904,7 +23064,7 @@
               </a14:hiddenLine>
             </a:ext>
             <a:ext uri="{AF507438-7753-43e0-B8FC-AC1667EBCBE1}">
-              <a14:hiddenEffects xmlns="" xmlns:a14="http://schemas.microsoft.com/office/drawing/2010/main">
+              <a14:hiddenEffects xmlns:a14="http://schemas.microsoft.com/office/drawing/2010/main" xmlns="">
                 <a:effectLst>
                   <a:outerShdw blurRad="63500" dist="38099" dir="2700000" algn="ctr" rotWithShape="0">
                     <a:srgbClr val="000000">
@@ -24552,7 +24712,7 @@
           <a:effectLst/>
           <a:extLst>
             <a:ext uri="{909E8E84-426E-40dd-AFC4-6F175D3DCCD1}">
-              <a14:hiddenFill xmlns="" xmlns:a14="http://schemas.microsoft.com/office/drawing/2010/main">
+              <a14:hiddenFill xmlns:a14="http://schemas.microsoft.com/office/drawing/2010/main" xmlns="">
                 <a:blipFill dpi="0" rotWithShape="0">
                   <a:blip/>
                   <a:srcRect/>
@@ -24563,7 +24723,7 @@
               </a14:hiddenFill>
             </a:ext>
             <a:ext uri="{91240B29-F687-4f45-9708-019B960494DF}">
-              <a14:hiddenLine xmlns="" xmlns:a14="http://schemas.microsoft.com/office/drawing/2010/main" w="9525">
+              <a14:hiddenLine xmlns:a14="http://schemas.microsoft.com/office/drawing/2010/main" xmlns="" w="9525">
                 <a:solidFill>
                   <a:srgbClr val="000000"/>
                 </a:solidFill>
@@ -24573,7 +24733,7 @@
               </a14:hiddenLine>
             </a:ext>
             <a:ext uri="{AF507438-7753-43e0-B8FC-AC1667EBCBE1}">
-              <a14:hiddenEffects xmlns="" xmlns:a14="http://schemas.microsoft.com/office/drawing/2010/main">
+              <a14:hiddenEffects xmlns:a14="http://schemas.microsoft.com/office/drawing/2010/main" xmlns="">
                 <a:effectLst>
                   <a:outerShdw blurRad="63500" dist="38099" dir="2700000" algn="ctr" rotWithShape="0">
                     <a:srgbClr val="000000">
@@ -25935,7 +26095,7 @@
           <a:effectLst/>
           <a:extLst>
             <a:ext uri="{909E8E84-426E-40dd-AFC4-6F175D3DCCD1}">
-              <a14:hiddenFill xmlns="" xmlns:a14="http://schemas.microsoft.com/office/drawing/2010/main">
+              <a14:hiddenFill xmlns:a14="http://schemas.microsoft.com/office/drawing/2010/main" xmlns="">
                 <a:blipFill dpi="0" rotWithShape="0">
                   <a:blip/>
                   <a:srcRect/>
@@ -25946,7 +26106,7 @@
               </a14:hiddenFill>
             </a:ext>
             <a:ext uri="{91240B29-F687-4f45-9708-019B960494DF}">
-              <a14:hiddenLine xmlns="" xmlns:a14="http://schemas.microsoft.com/office/drawing/2010/main" w="9525">
+              <a14:hiddenLine xmlns:a14="http://schemas.microsoft.com/office/drawing/2010/main" xmlns="" w="9525">
                 <a:solidFill>
                   <a:srgbClr val="000000"/>
                 </a:solidFill>
@@ -25956,7 +26116,7 @@
               </a14:hiddenLine>
             </a:ext>
             <a:ext uri="{AF507438-7753-43e0-B8FC-AC1667EBCBE1}">
-              <a14:hiddenEffects xmlns="" xmlns:a14="http://schemas.microsoft.com/office/drawing/2010/main">
+              <a14:hiddenEffects xmlns:a14="http://schemas.microsoft.com/office/drawing/2010/main" xmlns="">
                 <a:effectLst>
                   <a:outerShdw blurRad="63500" dist="38099" dir="2700000" algn="ctr" rotWithShape="0">
                     <a:srgbClr val="000000">
@@ -26087,7 +26247,7 @@
           <a:effectLst/>
           <a:extLst>
             <a:ext uri="{909E8E84-426E-40dd-AFC4-6F175D3DCCD1}">
-              <a14:hiddenFill xmlns="" xmlns:a14="http://schemas.microsoft.com/office/drawing/2010/main">
+              <a14:hiddenFill xmlns:a14="http://schemas.microsoft.com/office/drawing/2010/main" xmlns="">
                 <a:blipFill dpi="0" rotWithShape="0">
                   <a:blip/>
                   <a:srcRect/>
@@ -26098,7 +26258,7 @@
               </a14:hiddenFill>
             </a:ext>
             <a:ext uri="{91240B29-F687-4f45-9708-019B960494DF}">
-              <a14:hiddenLine xmlns="" xmlns:a14="http://schemas.microsoft.com/office/drawing/2010/main" w="9525">
+              <a14:hiddenLine xmlns:a14="http://schemas.microsoft.com/office/drawing/2010/main" xmlns="" w="9525">
                 <a:solidFill>
                   <a:srgbClr val="000000"/>
                 </a:solidFill>
@@ -26108,7 +26268,7 @@
               </a14:hiddenLine>
             </a:ext>
             <a:ext uri="{AF507438-7753-43e0-B8FC-AC1667EBCBE1}">
-              <a14:hiddenEffects xmlns="" xmlns:a14="http://schemas.microsoft.com/office/drawing/2010/main">
+              <a14:hiddenEffects xmlns:a14="http://schemas.microsoft.com/office/drawing/2010/main" xmlns="">
                 <a:effectLst>
                   <a:outerShdw blurRad="63500" dist="38099" dir="2700000" algn="ctr" rotWithShape="0">
                     <a:srgbClr val="000000">
@@ -31947,7 +32107,7 @@
           <a:p>
             <a:r>
               <a:rPr lang="en-US" dirty="0"/>
-              <a:t>Several useful linear-in-state statistics</a:t>
+              <a:t>Other linear-in-state aggregation functions</a:t>
             </a:r>
           </a:p>
         </p:txBody>
@@ -33777,7 +33937,7 @@
           <a:effectLst/>
           <a:extLst>
             <a:ext uri="{909E8E84-426E-40dd-AFC4-6F175D3DCCD1}">
-              <a14:hiddenFill xmlns:a14="http://schemas.microsoft.com/office/drawing/2010/main" xmlns="">
+              <a14:hiddenFill xmlns="" xmlns:a14="http://schemas.microsoft.com/office/drawing/2010/main">
                 <a:blipFill dpi="0" rotWithShape="0">
                   <a:blip/>
                   <a:srcRect/>
@@ -33788,7 +33948,7 @@
               </a14:hiddenFill>
             </a:ext>
             <a:ext uri="{91240B29-F687-4f45-9708-019B960494DF}">
-              <a14:hiddenLine xmlns:a14="http://schemas.microsoft.com/office/drawing/2010/main" xmlns="" w="9525">
+              <a14:hiddenLine xmlns="" xmlns:a14="http://schemas.microsoft.com/office/drawing/2010/main" w="9525">
                 <a:solidFill>
                   <a:srgbClr val="000000"/>
                 </a:solidFill>
@@ -33798,7 +33958,7 @@
               </a14:hiddenLine>
             </a:ext>
             <a:ext uri="{AF507438-7753-43e0-B8FC-AC1667EBCBE1}">
-              <a14:hiddenEffects xmlns:a14="http://schemas.microsoft.com/office/drawing/2010/main" xmlns="">
+              <a14:hiddenEffects xmlns="" xmlns:a14="http://schemas.microsoft.com/office/drawing/2010/main">
                 <a:effectLst>
                   <a:outerShdw blurRad="63500" dist="38099" dir="2700000" algn="ctr" rotWithShape="0">
                     <a:srgbClr val="000000">

--- a/marple.pptx
+++ b/marple.pptx
@@ -874,8 +874,13 @@
             </a:r>
             <a:r>
               <a:rPr lang="en-US" dirty="0"/>
-              <a:t> tells you how to partition the original stream into sub-streams. Here, you partition the filtered stream R1 using the packet’s 5 tuple. Then you supply a function that tells you what per-sub-stream state to maintain and how to update it when a new packet arrives. Here, the function maintains an exponentially weighted moving average filter over the packets of each sub stream by applying a gain of alpha to the queuing latency of each packet and a gain of 1-alpha to the previous value of the exponentially weight moving average.</a:t>
-            </a:r>
+              <a:t> tells you how to partition the original stream into sub-streams. Here, you partition the filtered stream R1 using the packet’s 5 tuple. Then you supply a aggregation function that tells you what per-sub-stream state to maintain and how to update it when a new packet arrives. Here, the function maintains an exponentially weighted moving average filter over the packets of each sub stream by applying a gain of alpha to the queuing latency of each packet and a gain of 1-alpha to the previous value of the exponentially weight moving average. The aggregation function is exactly like a reduce function from a functional </a:t>
+            </a:r>
+            <a:r>
+              <a:rPr lang="en-US"/>
+              <a:t>programming language.</a:t>
+            </a:r>
+            <a:endParaRPr lang="en-US" dirty="0"/>
           </a:p>
         </p:txBody>
       </p:sp>
@@ -2590,7 +2595,7 @@
           <a:p>
             <a:r>
               <a:rPr lang="en-US" dirty="0"/>
-              <a:t>But how do I merge an old and new value for a given key? What does that even mean? Let’s look at this problem more formally. We want to merge the two values, old and new, so that it is as if the statistics function ran over the entire packet stream without any evictions. That way we can retain full accuracy while merging. Let’s introduce some notation for this. Let’s represent the statistics function as a function g over the packet sequence. For a simple counter, the function is the sum of the packet lengths (or any other packet header).</a:t>
+              <a:t>But how do I merge an old and new value for a given key? What does that even mean? Let’s look at this problem more formally. We want to merge the two values, old and new, so that it is as if the aggregation function ran over the entire packet stream without any evictions. That way we can retain full accuracy while merging. Let’s introduce some notation for this. Let’s represent the aggregation function as a function g over the packet sequence. For a simple counter, the function is the sum of the packet lengths (or any other packet header).</a:t>
             </a:r>
           </a:p>
         </p:txBody>
@@ -2683,7 +2688,7 @@
           <a:p>
             <a:r>
               <a:rPr lang="en-US" dirty="0"/>
-              <a:t>Mathematically, it means this. That if you computed the statistics function over the first sequence of packets and computed the statistics over the second sequence of the packets and then merged them, it is equivalent to computing the statistics over the entire packet sequence.</a:t>
+              <a:t>Mathematically, it means this. That if you computed the aggregation function over the first sequence of packets and computed the aggregation function over the second sequence of the packets and then merged the values together, it is equivalent to computing the aggregation function over the entire packet sequence.</a:t>
             </a:r>
           </a:p>
           <a:p>
@@ -2701,7 +2706,7 @@
           <a:p>
             <a:r>
               <a:rPr lang="en-US" dirty="0"/>
-              <a:t>Let’s take a simple example. If g is a counter, the merge is a simple addition. You can probably see that this is easily generalizable to other associative statistics such as min/max/product, etc. Essentially, you track the minimum in the cache and take the minimum of the new value in the cache and the old value in the backing store.</a:t>
+              <a:t>Let’s take a simple example. If g is a counter, the merge is a simple addition. You can probably see that this is easily generalizable to other associative aggregation functions such as min/max/product, etc. Essentially, you track the minimum in the cache and take the minimum of the new value in the cache and the old value in the backing store.</a:t>
             </a:r>
           </a:p>
         </p:txBody>
@@ -2875,7 +2880,7 @@
           <a:p>
             <a:r>
               <a:rPr lang="en-US" dirty="0"/>
-              <a:t>But what about operations that are not associative? Let’s think about this for a bit. We can merge any arbitrary statistic by storing the entire sequence of packets in the cache, sending this sequence of packets to the backing store upon eviction, and merging by simply replaying the statistics computation over this sequence of packets.</a:t>
+              <a:t>But what about operations that are not associative? Let’s think about this for a bit. We can merge any arbitrary statistic by storing the entire sequence of packets in the cache, sending this sequence of packets to the backing store upon eviction, and merging by simply replaying the aggregation function over this sequence of packets.</a:t>
             </a:r>
           </a:p>
           <a:p>
@@ -2893,7 +2898,7 @@
           <a:p>
             <a:r>
               <a:rPr lang="en-US" dirty="0"/>
-              <a:t>So the real question is whether we can merge with a small amount of extra state over and above the state that is being tracked by the statistics function itself? More precisely, we want the extra state to have size similar to the state being tracked.</a:t>
+              <a:t>So the real question is whether we can merge with a small amount of extra state over and above the state that is being tracked by the aggregation function itself? More precisely, we want the extra state to have size similar to the state being tracked.</a:t>
             </a:r>
           </a:p>
           <a:p>
@@ -2986,7 +2991,7 @@
           <a:p>
             <a:r>
               <a:rPr lang="en-US" dirty="0"/>
-              <a:t>One theoretical contribution of this work was identifying a class of statistics functions where we could in fact carry out the merge using a small amount of additional state. This class we call the linear-in-state class of statistics functions. The reason for this name should be clear from looking at the form of the state update in these statistics functions: the updated state is a linear function of the previous state. Here the coefficients A and B can either be constants or functions of a bounded number of packets in the past starting from the current packet. S can also be generalized to a vector and A and B can be matrices.</a:t>
+              <a:t>One theoretical contribution of this work was identifying a class of aggregation functions where we could in fact carry out the merge using a small amount of additional state. This class we call the linear-in-state class of aggregation functions. The reason for this name should be clear from looking at the form of the state update in these aggregation functions: the updated state is a linear function of the previous state. Here the coefficients A and B can either be constants or functions of a bounded number of packets in the past starting from the current packet. S can also be generalized to a vector and A and B can be matrices.</a:t>
             </a:r>
           </a:p>
           <a:p>
@@ -12286,7 +12291,7 @@
           <a:effectLst/>
           <a:extLst>
             <a:ext uri="{909E8E84-426E-40dd-AFC4-6F175D3DCCD1}">
-              <a14:hiddenFill xmlns="" xmlns:a14="http://schemas.microsoft.com/office/drawing/2010/main">
+              <a14:hiddenFill xmlns:a14="http://schemas.microsoft.com/office/drawing/2010/main" xmlns="">
                 <a:blipFill dpi="0" rotWithShape="0">
                   <a:blip/>
                   <a:srcRect/>
@@ -12297,7 +12302,7 @@
               </a14:hiddenFill>
             </a:ext>
             <a:ext uri="{91240B29-F687-4f45-9708-019B960494DF}">
-              <a14:hiddenLine xmlns="" xmlns:a14="http://schemas.microsoft.com/office/drawing/2010/main" w="9525">
+              <a14:hiddenLine xmlns:a14="http://schemas.microsoft.com/office/drawing/2010/main" xmlns="" w="9525">
                 <a:solidFill>
                   <a:srgbClr val="000000"/>
                 </a:solidFill>
@@ -12307,7 +12312,7 @@
               </a14:hiddenLine>
             </a:ext>
             <a:ext uri="{AF507438-7753-43e0-B8FC-AC1667EBCBE1}">
-              <a14:hiddenEffects xmlns="" xmlns:a14="http://schemas.microsoft.com/office/drawing/2010/main">
+              <a14:hiddenEffects xmlns:a14="http://schemas.microsoft.com/office/drawing/2010/main" xmlns="">
                 <a:effectLst>
                   <a:outerShdw blurRad="63500" dist="38099" dir="2700000" algn="ctr" rotWithShape="0">
                     <a:srgbClr val="000000">
@@ -12356,7 +12361,7 @@
           <a:effectLst/>
           <a:extLst>
             <a:ext uri="{909E8E84-426E-40dd-AFC4-6F175D3DCCD1}">
-              <a14:hiddenFill xmlns="" xmlns:a14="http://schemas.microsoft.com/office/drawing/2010/main">
+              <a14:hiddenFill xmlns:a14="http://schemas.microsoft.com/office/drawing/2010/main" xmlns="">
                 <a:blipFill dpi="0" rotWithShape="0">
                   <a:blip/>
                   <a:srcRect/>
@@ -12367,7 +12372,7 @@
               </a14:hiddenFill>
             </a:ext>
             <a:ext uri="{91240B29-F687-4f45-9708-019B960494DF}">
-              <a14:hiddenLine xmlns="" xmlns:a14="http://schemas.microsoft.com/office/drawing/2010/main" w="9525">
+              <a14:hiddenLine xmlns:a14="http://schemas.microsoft.com/office/drawing/2010/main" xmlns="" w="9525">
                 <a:solidFill>
                   <a:srgbClr val="000000"/>
                 </a:solidFill>
@@ -12377,7 +12382,7 @@
               </a14:hiddenLine>
             </a:ext>
             <a:ext uri="{AF507438-7753-43e0-B8FC-AC1667EBCBE1}">
-              <a14:hiddenEffects xmlns="" xmlns:a14="http://schemas.microsoft.com/office/drawing/2010/main">
+              <a14:hiddenEffects xmlns:a14="http://schemas.microsoft.com/office/drawing/2010/main" xmlns="">
                 <a:effectLst>
                   <a:outerShdw blurRad="63500" dist="38099" dir="2700000" algn="ctr" rotWithShape="0">
                     <a:srgbClr val="000000">
@@ -12512,7 +12517,7 @@
             <a:effectLst/>
             <a:extLst>
               <a:ext uri="{909E8E84-426E-40dd-AFC4-6F175D3DCCD1}">
-                <a14:hiddenFill xmlns:a14="http://schemas.microsoft.com/office/drawing/2010/main" xmlns="">
+                <a14:hiddenFill xmlns="" xmlns:a14="http://schemas.microsoft.com/office/drawing/2010/main">
                   <a:blipFill dpi="0" rotWithShape="0">
                     <a:blip/>
                     <a:srcRect/>
@@ -12523,7 +12528,7 @@
                 </a14:hiddenFill>
               </a:ext>
               <a:ext uri="{91240B29-F687-4f45-9708-019B960494DF}">
-                <a14:hiddenLine xmlns:a14="http://schemas.microsoft.com/office/drawing/2010/main" xmlns="" w="9525">
+                <a14:hiddenLine xmlns="" xmlns:a14="http://schemas.microsoft.com/office/drawing/2010/main" w="9525">
                   <a:solidFill>
                     <a:srgbClr val="000000"/>
                   </a:solidFill>
@@ -12533,7 +12538,7 @@
                 </a14:hiddenLine>
               </a:ext>
               <a:ext uri="{AF507438-7753-43e0-B8FC-AC1667EBCBE1}">
-                <a14:hiddenEffects xmlns:a14="http://schemas.microsoft.com/office/drawing/2010/main" xmlns="">
+                <a14:hiddenEffects xmlns="" xmlns:a14="http://schemas.microsoft.com/office/drawing/2010/main">
                   <a:effectLst>
                     <a:outerShdw blurRad="63500" dist="38099" dir="2700000" algn="ctr" rotWithShape="0">
                       <a:srgbClr val="000000">
@@ -12582,7 +12587,7 @@
             <a:effectLst/>
             <a:extLst>
               <a:ext uri="{909E8E84-426E-40dd-AFC4-6F175D3DCCD1}">
-                <a14:hiddenFill xmlns:a14="http://schemas.microsoft.com/office/drawing/2010/main" xmlns="">
+                <a14:hiddenFill xmlns="" xmlns:a14="http://schemas.microsoft.com/office/drawing/2010/main">
                   <a:blipFill dpi="0" rotWithShape="0">
                     <a:blip/>
                     <a:srcRect/>
@@ -12593,7 +12598,7 @@
                 </a14:hiddenFill>
               </a:ext>
               <a:ext uri="{91240B29-F687-4f45-9708-019B960494DF}">
-                <a14:hiddenLine xmlns:a14="http://schemas.microsoft.com/office/drawing/2010/main" xmlns="" w="9525">
+                <a14:hiddenLine xmlns="" xmlns:a14="http://schemas.microsoft.com/office/drawing/2010/main" w="9525">
                   <a:solidFill>
                     <a:srgbClr val="000000"/>
                   </a:solidFill>
@@ -12603,7 +12608,7 @@
                 </a14:hiddenLine>
               </a:ext>
               <a:ext uri="{AF507438-7753-43e0-B8FC-AC1667EBCBE1}">
-                <a14:hiddenEffects xmlns:a14="http://schemas.microsoft.com/office/drawing/2010/main" xmlns="">
+                <a14:hiddenEffects xmlns="" xmlns:a14="http://schemas.microsoft.com/office/drawing/2010/main">
                   <a:effectLst>
                     <a:outerShdw blurRad="63500" dist="38099" dir="2700000" algn="ctr" rotWithShape="0">
                       <a:srgbClr val="000000">
@@ -12652,7 +12657,7 @@
             <a:effectLst/>
             <a:extLst>
               <a:ext uri="{909E8E84-426E-40dd-AFC4-6F175D3DCCD1}">
-                <a14:hiddenFill xmlns:a14="http://schemas.microsoft.com/office/drawing/2010/main" xmlns="">
+                <a14:hiddenFill xmlns="" xmlns:a14="http://schemas.microsoft.com/office/drawing/2010/main">
                   <a:blipFill dpi="0" rotWithShape="0">
                     <a:blip/>
                     <a:srcRect/>
@@ -12663,7 +12668,7 @@
                 </a14:hiddenFill>
               </a:ext>
               <a:ext uri="{91240B29-F687-4f45-9708-019B960494DF}">
-                <a14:hiddenLine xmlns:a14="http://schemas.microsoft.com/office/drawing/2010/main" xmlns="" w="9525">
+                <a14:hiddenLine xmlns="" xmlns:a14="http://schemas.microsoft.com/office/drawing/2010/main" w="9525">
                   <a:solidFill>
                     <a:srgbClr val="000000"/>
                   </a:solidFill>
@@ -12673,7 +12678,7 @@
                 </a14:hiddenLine>
               </a:ext>
               <a:ext uri="{AF507438-7753-43e0-B8FC-AC1667EBCBE1}">
-                <a14:hiddenEffects xmlns:a14="http://schemas.microsoft.com/office/drawing/2010/main" xmlns="">
+                <a14:hiddenEffects xmlns="" xmlns:a14="http://schemas.microsoft.com/office/drawing/2010/main">
                   <a:effectLst>
                     <a:outerShdw blurRad="63500" dist="38099" dir="2700000" algn="ctr" rotWithShape="0">
                       <a:srgbClr val="000000">
@@ -12714,12 +12719,12 @@
             <a:effectLst/>
             <a:extLst>
               <a:ext uri="{909E8E84-426E-40dd-AFC4-6F175D3DCCD1}">
-                <a14:hiddenFill xmlns:a14="http://schemas.microsoft.com/office/drawing/2010/main" xmlns="">
+                <a14:hiddenFill xmlns="" xmlns:a14="http://schemas.microsoft.com/office/drawing/2010/main">
                   <a:noFill/>
                 </a14:hiddenFill>
               </a:ext>
               <a:ext uri="{AF507438-7753-43e0-B8FC-AC1667EBCBE1}">
-                <a14:hiddenEffects xmlns:a14="http://schemas.microsoft.com/office/drawing/2010/main" xmlns="">
+                <a14:hiddenEffects xmlns="" xmlns:a14="http://schemas.microsoft.com/office/drawing/2010/main">
                   <a:effectLst>
                     <a:outerShdw blurRad="63500" dist="38099" dir="2700000" algn="ctr" rotWithShape="0">
                       <a:srgbClr val="000000">
@@ -12772,12 +12777,12 @@
             <a:effectLst/>
             <a:extLst>
               <a:ext uri="{909E8E84-426E-40dd-AFC4-6F175D3DCCD1}">
-                <a14:hiddenFill xmlns:a14="http://schemas.microsoft.com/office/drawing/2010/main" xmlns="">
+                <a14:hiddenFill xmlns="" xmlns:a14="http://schemas.microsoft.com/office/drawing/2010/main">
                   <a:noFill/>
                 </a14:hiddenFill>
               </a:ext>
               <a:ext uri="{AF507438-7753-43e0-B8FC-AC1667EBCBE1}">
-                <a14:hiddenEffects xmlns:a14="http://schemas.microsoft.com/office/drawing/2010/main" xmlns="">
+                <a14:hiddenEffects xmlns="" xmlns:a14="http://schemas.microsoft.com/office/drawing/2010/main">
                   <a:effectLst>
                     <a:outerShdw blurRad="63500" dist="38099" dir="2700000" algn="ctr" rotWithShape="0">
                       <a:srgbClr val="000000">
@@ -12830,12 +12835,12 @@
             <a:effectLst/>
             <a:extLst>
               <a:ext uri="{909E8E84-426E-40dd-AFC4-6F175D3DCCD1}">
-                <a14:hiddenFill xmlns:a14="http://schemas.microsoft.com/office/drawing/2010/main" xmlns="">
+                <a14:hiddenFill xmlns="" xmlns:a14="http://schemas.microsoft.com/office/drawing/2010/main">
                   <a:noFill/>
                 </a14:hiddenFill>
               </a:ext>
               <a:ext uri="{AF507438-7753-43e0-B8FC-AC1667EBCBE1}">
-                <a14:hiddenEffects xmlns:a14="http://schemas.microsoft.com/office/drawing/2010/main" xmlns="">
+                <a14:hiddenEffects xmlns="" xmlns:a14="http://schemas.microsoft.com/office/drawing/2010/main">
                   <a:effectLst>
                     <a:outerShdw blurRad="63500" dist="38099" dir="2700000" algn="ctr" rotWithShape="0">
                       <a:srgbClr val="000000">
@@ -12888,12 +12893,12 @@
             <a:effectLst/>
             <a:extLst>
               <a:ext uri="{909E8E84-426E-40dd-AFC4-6F175D3DCCD1}">
-                <a14:hiddenFill xmlns:a14="http://schemas.microsoft.com/office/drawing/2010/main" xmlns="">
+                <a14:hiddenFill xmlns="" xmlns:a14="http://schemas.microsoft.com/office/drawing/2010/main">
                   <a:noFill/>
                 </a14:hiddenFill>
               </a:ext>
               <a:ext uri="{AF507438-7753-43e0-B8FC-AC1667EBCBE1}">
-                <a14:hiddenEffects xmlns:a14="http://schemas.microsoft.com/office/drawing/2010/main" xmlns="">
+                <a14:hiddenEffects xmlns="" xmlns:a14="http://schemas.microsoft.com/office/drawing/2010/main">
                   <a:effectLst>
                     <a:outerShdw blurRad="63500" dist="38099" dir="2700000" algn="ctr" rotWithShape="0">
                       <a:srgbClr val="000000">
@@ -12946,12 +12951,12 @@
             <a:effectLst/>
             <a:extLst>
               <a:ext uri="{909E8E84-426E-40dd-AFC4-6F175D3DCCD1}">
-                <a14:hiddenFill xmlns:a14="http://schemas.microsoft.com/office/drawing/2010/main" xmlns="">
+                <a14:hiddenFill xmlns="" xmlns:a14="http://schemas.microsoft.com/office/drawing/2010/main">
                   <a:noFill/>
                 </a14:hiddenFill>
               </a:ext>
               <a:ext uri="{AF507438-7753-43e0-B8FC-AC1667EBCBE1}">
-                <a14:hiddenEffects xmlns:a14="http://schemas.microsoft.com/office/drawing/2010/main" xmlns="">
+                <a14:hiddenEffects xmlns="" xmlns:a14="http://schemas.microsoft.com/office/drawing/2010/main">
                   <a:effectLst>
                     <a:outerShdw blurRad="63500" dist="38099" dir="2700000" algn="ctr" rotWithShape="0">
                       <a:srgbClr val="000000">
@@ -13004,12 +13009,12 @@
             <a:effectLst/>
             <a:extLst>
               <a:ext uri="{909E8E84-426E-40dd-AFC4-6F175D3DCCD1}">
-                <a14:hiddenFill xmlns:a14="http://schemas.microsoft.com/office/drawing/2010/main" xmlns="">
+                <a14:hiddenFill xmlns="" xmlns:a14="http://schemas.microsoft.com/office/drawing/2010/main">
                   <a:noFill/>
                 </a14:hiddenFill>
               </a:ext>
               <a:ext uri="{AF507438-7753-43e0-B8FC-AC1667EBCBE1}">
-                <a14:hiddenEffects xmlns:a14="http://schemas.microsoft.com/office/drawing/2010/main" xmlns="">
+                <a14:hiddenEffects xmlns="" xmlns:a14="http://schemas.microsoft.com/office/drawing/2010/main">
                   <a:effectLst>
                     <a:outerShdw blurRad="63500" dist="38099" dir="2700000" algn="ctr" rotWithShape="0">
                       <a:srgbClr val="000000">
@@ -13062,12 +13067,12 @@
             <a:effectLst/>
             <a:extLst>
               <a:ext uri="{909E8E84-426E-40dd-AFC4-6F175D3DCCD1}">
-                <a14:hiddenFill xmlns:a14="http://schemas.microsoft.com/office/drawing/2010/main" xmlns="">
+                <a14:hiddenFill xmlns="" xmlns:a14="http://schemas.microsoft.com/office/drawing/2010/main">
                   <a:noFill/>
                 </a14:hiddenFill>
               </a:ext>
               <a:ext uri="{AF507438-7753-43e0-B8FC-AC1667EBCBE1}">
-                <a14:hiddenEffects xmlns:a14="http://schemas.microsoft.com/office/drawing/2010/main" xmlns="">
+                <a14:hiddenEffects xmlns="" xmlns:a14="http://schemas.microsoft.com/office/drawing/2010/main">
                   <a:effectLst>
                     <a:outerShdw blurRad="63500" dist="38099" dir="2700000" algn="ctr" rotWithShape="0">
                       <a:srgbClr val="000000">
@@ -13120,12 +13125,12 @@
             <a:effectLst/>
             <a:extLst>
               <a:ext uri="{909E8E84-426E-40dd-AFC4-6F175D3DCCD1}">
-                <a14:hiddenFill xmlns:a14="http://schemas.microsoft.com/office/drawing/2010/main" xmlns="">
+                <a14:hiddenFill xmlns="" xmlns:a14="http://schemas.microsoft.com/office/drawing/2010/main">
                   <a:noFill/>
                 </a14:hiddenFill>
               </a:ext>
               <a:ext uri="{AF507438-7753-43e0-B8FC-AC1667EBCBE1}">
-                <a14:hiddenEffects xmlns:a14="http://schemas.microsoft.com/office/drawing/2010/main" xmlns="">
+                <a14:hiddenEffects xmlns="" xmlns:a14="http://schemas.microsoft.com/office/drawing/2010/main">
                   <a:effectLst>
                     <a:outerShdw blurRad="63500" dist="38099" dir="2700000" algn="ctr" rotWithShape="0">
                       <a:srgbClr val="000000">
@@ -13178,12 +13183,12 @@
             <a:effectLst/>
             <a:extLst>
               <a:ext uri="{909E8E84-426E-40dd-AFC4-6F175D3DCCD1}">
-                <a14:hiddenFill xmlns:a14="http://schemas.microsoft.com/office/drawing/2010/main" xmlns="">
+                <a14:hiddenFill xmlns="" xmlns:a14="http://schemas.microsoft.com/office/drawing/2010/main">
                   <a:noFill/>
                 </a14:hiddenFill>
               </a:ext>
               <a:ext uri="{AF507438-7753-43e0-B8FC-AC1667EBCBE1}">
-                <a14:hiddenEffects xmlns:a14="http://schemas.microsoft.com/office/drawing/2010/main" xmlns="">
+                <a14:hiddenEffects xmlns="" xmlns:a14="http://schemas.microsoft.com/office/drawing/2010/main">
                   <a:effectLst>
                     <a:outerShdw blurRad="63500" dist="38099" dir="2700000" algn="ctr" rotWithShape="0">
                       <a:srgbClr val="000000">
@@ -13236,12 +13241,12 @@
             <a:effectLst/>
             <a:extLst>
               <a:ext uri="{909E8E84-426E-40dd-AFC4-6F175D3DCCD1}">
-                <a14:hiddenFill xmlns:a14="http://schemas.microsoft.com/office/drawing/2010/main" xmlns="">
+                <a14:hiddenFill xmlns="" xmlns:a14="http://schemas.microsoft.com/office/drawing/2010/main">
                   <a:noFill/>
                 </a14:hiddenFill>
               </a:ext>
               <a:ext uri="{AF507438-7753-43e0-B8FC-AC1667EBCBE1}">
-                <a14:hiddenEffects xmlns:a14="http://schemas.microsoft.com/office/drawing/2010/main" xmlns="">
+                <a14:hiddenEffects xmlns="" xmlns:a14="http://schemas.microsoft.com/office/drawing/2010/main">
                   <a:effectLst>
                     <a:outerShdw blurRad="63500" dist="38099" dir="2700000" algn="ctr" rotWithShape="0">
                       <a:srgbClr val="000000">
@@ -13302,7 +13307,7 @@
             <a:effectLst/>
             <a:extLst>
               <a:ext uri="{909E8E84-426E-40dd-AFC4-6F175D3DCCD1}">
-                <a14:hiddenFill xmlns:a14="http://schemas.microsoft.com/office/drawing/2010/main" xmlns="">
+                <a14:hiddenFill xmlns="" xmlns:a14="http://schemas.microsoft.com/office/drawing/2010/main">
                   <a:blipFill dpi="0" rotWithShape="0">
                     <a:blip/>
                     <a:srcRect/>
@@ -13313,7 +13318,7 @@
                 </a14:hiddenFill>
               </a:ext>
               <a:ext uri="{91240B29-F687-4f45-9708-019B960494DF}">
-                <a14:hiddenLine xmlns:a14="http://schemas.microsoft.com/office/drawing/2010/main" xmlns="" w="9525">
+                <a14:hiddenLine xmlns="" xmlns:a14="http://schemas.microsoft.com/office/drawing/2010/main" w="9525">
                   <a:solidFill>
                     <a:srgbClr val="000000"/>
                   </a:solidFill>
@@ -13323,7 +13328,7 @@
                 </a14:hiddenLine>
               </a:ext>
               <a:ext uri="{AF507438-7753-43e0-B8FC-AC1667EBCBE1}">
-                <a14:hiddenEffects xmlns:a14="http://schemas.microsoft.com/office/drawing/2010/main" xmlns="">
+                <a14:hiddenEffects xmlns="" xmlns:a14="http://schemas.microsoft.com/office/drawing/2010/main">
                   <a:effectLst>
                     <a:outerShdw blurRad="63500" dist="38099" dir="2700000" algn="ctr" rotWithShape="0">
                       <a:srgbClr val="000000">
@@ -13372,7 +13377,7 @@
             <a:effectLst/>
             <a:extLst>
               <a:ext uri="{909E8E84-426E-40dd-AFC4-6F175D3DCCD1}">
-                <a14:hiddenFill xmlns:a14="http://schemas.microsoft.com/office/drawing/2010/main" xmlns="">
+                <a14:hiddenFill xmlns="" xmlns:a14="http://schemas.microsoft.com/office/drawing/2010/main">
                   <a:blipFill dpi="0" rotWithShape="0">
                     <a:blip/>
                     <a:srcRect/>
@@ -13383,7 +13388,7 @@
                 </a14:hiddenFill>
               </a:ext>
               <a:ext uri="{91240B29-F687-4f45-9708-019B960494DF}">
-                <a14:hiddenLine xmlns:a14="http://schemas.microsoft.com/office/drawing/2010/main" xmlns="" w="9525">
+                <a14:hiddenLine xmlns="" xmlns:a14="http://schemas.microsoft.com/office/drawing/2010/main" w="9525">
                   <a:solidFill>
                     <a:srgbClr val="000000"/>
                   </a:solidFill>
@@ -13393,7 +13398,7 @@
                 </a14:hiddenLine>
               </a:ext>
               <a:ext uri="{AF507438-7753-43e0-B8FC-AC1667EBCBE1}">
-                <a14:hiddenEffects xmlns:a14="http://schemas.microsoft.com/office/drawing/2010/main" xmlns="">
+                <a14:hiddenEffects xmlns="" xmlns:a14="http://schemas.microsoft.com/office/drawing/2010/main">
                   <a:effectLst>
                     <a:outerShdw blurRad="63500" dist="38099" dir="2700000" algn="ctr" rotWithShape="0">
                       <a:srgbClr val="000000">
@@ -13442,7 +13447,7 @@
             <a:effectLst/>
             <a:extLst>
               <a:ext uri="{909E8E84-426E-40dd-AFC4-6F175D3DCCD1}">
-                <a14:hiddenFill xmlns:a14="http://schemas.microsoft.com/office/drawing/2010/main" xmlns="">
+                <a14:hiddenFill xmlns="" xmlns:a14="http://schemas.microsoft.com/office/drawing/2010/main">
                   <a:blipFill dpi="0" rotWithShape="0">
                     <a:blip/>
                     <a:srcRect/>
@@ -13453,7 +13458,7 @@
                 </a14:hiddenFill>
               </a:ext>
               <a:ext uri="{91240B29-F687-4f45-9708-019B960494DF}">
-                <a14:hiddenLine xmlns:a14="http://schemas.microsoft.com/office/drawing/2010/main" xmlns="" w="9525">
+                <a14:hiddenLine xmlns="" xmlns:a14="http://schemas.microsoft.com/office/drawing/2010/main" w="9525">
                   <a:solidFill>
                     <a:srgbClr val="000000"/>
                   </a:solidFill>
@@ -13463,7 +13468,7 @@
                 </a14:hiddenLine>
               </a:ext>
               <a:ext uri="{AF507438-7753-43e0-B8FC-AC1667EBCBE1}">
-                <a14:hiddenEffects xmlns:a14="http://schemas.microsoft.com/office/drawing/2010/main" xmlns="">
+                <a14:hiddenEffects xmlns="" xmlns:a14="http://schemas.microsoft.com/office/drawing/2010/main">
                   <a:effectLst>
                     <a:outerShdw blurRad="63500" dist="38099" dir="2700000" algn="ctr" rotWithShape="0">
                       <a:srgbClr val="000000">
@@ -13512,7 +13517,7 @@
             <a:effectLst/>
             <a:extLst>
               <a:ext uri="{909E8E84-426E-40dd-AFC4-6F175D3DCCD1}">
-                <a14:hiddenFill xmlns:a14="http://schemas.microsoft.com/office/drawing/2010/main" xmlns="">
+                <a14:hiddenFill xmlns="" xmlns:a14="http://schemas.microsoft.com/office/drawing/2010/main">
                   <a:blipFill dpi="0" rotWithShape="0">
                     <a:blip/>
                     <a:srcRect/>
@@ -13523,7 +13528,7 @@
                 </a14:hiddenFill>
               </a:ext>
               <a:ext uri="{91240B29-F687-4f45-9708-019B960494DF}">
-                <a14:hiddenLine xmlns:a14="http://schemas.microsoft.com/office/drawing/2010/main" xmlns="" w="9525">
+                <a14:hiddenLine xmlns="" xmlns:a14="http://schemas.microsoft.com/office/drawing/2010/main" w="9525">
                   <a:solidFill>
                     <a:srgbClr val="000000"/>
                   </a:solidFill>
@@ -13533,7 +13538,7 @@
                 </a14:hiddenLine>
               </a:ext>
               <a:ext uri="{AF507438-7753-43e0-B8FC-AC1667EBCBE1}">
-                <a14:hiddenEffects xmlns:a14="http://schemas.microsoft.com/office/drawing/2010/main" xmlns="">
+                <a14:hiddenEffects xmlns="" xmlns:a14="http://schemas.microsoft.com/office/drawing/2010/main">
                   <a:effectLst>
                     <a:outerShdw blurRad="63500" dist="38099" dir="2700000" algn="ctr" rotWithShape="0">
                       <a:srgbClr val="000000">
@@ -13582,7 +13587,7 @@
             <a:effectLst/>
             <a:extLst>
               <a:ext uri="{909E8E84-426E-40dd-AFC4-6F175D3DCCD1}">
-                <a14:hiddenFill xmlns:a14="http://schemas.microsoft.com/office/drawing/2010/main" xmlns="">
+                <a14:hiddenFill xmlns="" xmlns:a14="http://schemas.microsoft.com/office/drawing/2010/main">
                   <a:blipFill dpi="0" rotWithShape="0">
                     <a:blip/>
                     <a:srcRect/>
@@ -13593,7 +13598,7 @@
                 </a14:hiddenFill>
               </a:ext>
               <a:ext uri="{91240B29-F687-4f45-9708-019B960494DF}">
-                <a14:hiddenLine xmlns:a14="http://schemas.microsoft.com/office/drawing/2010/main" xmlns="" w="9525">
+                <a14:hiddenLine xmlns="" xmlns:a14="http://schemas.microsoft.com/office/drawing/2010/main" w="9525">
                   <a:solidFill>
                     <a:srgbClr val="000000"/>
                   </a:solidFill>
@@ -13603,7 +13608,7 @@
                 </a14:hiddenLine>
               </a:ext>
               <a:ext uri="{AF507438-7753-43e0-B8FC-AC1667EBCBE1}">
-                <a14:hiddenEffects xmlns:a14="http://schemas.microsoft.com/office/drawing/2010/main" xmlns="">
+                <a14:hiddenEffects xmlns="" xmlns:a14="http://schemas.microsoft.com/office/drawing/2010/main">
                   <a:effectLst>
                     <a:outerShdw blurRad="63500" dist="38099" dir="2700000" algn="ctr" rotWithShape="0">
                       <a:srgbClr val="000000">
@@ -13644,12 +13649,12 @@
             <a:effectLst/>
             <a:extLst>
               <a:ext uri="{909E8E84-426E-40dd-AFC4-6F175D3DCCD1}">
-                <a14:hiddenFill xmlns:a14="http://schemas.microsoft.com/office/drawing/2010/main" xmlns="">
+                <a14:hiddenFill xmlns="" xmlns:a14="http://schemas.microsoft.com/office/drawing/2010/main">
                   <a:noFill/>
                 </a14:hiddenFill>
               </a:ext>
               <a:ext uri="{AF507438-7753-43e0-B8FC-AC1667EBCBE1}">
-                <a14:hiddenEffects xmlns:a14="http://schemas.microsoft.com/office/drawing/2010/main" xmlns="">
+                <a14:hiddenEffects xmlns="" xmlns:a14="http://schemas.microsoft.com/office/drawing/2010/main">
                   <a:effectLst>
                     <a:outerShdw blurRad="63500" dist="38099" dir="2700000" algn="ctr" rotWithShape="0">
                       <a:srgbClr val="000000">
@@ -13702,12 +13707,12 @@
             <a:effectLst/>
             <a:extLst>
               <a:ext uri="{909E8E84-426E-40dd-AFC4-6F175D3DCCD1}">
-                <a14:hiddenFill xmlns:a14="http://schemas.microsoft.com/office/drawing/2010/main" xmlns="">
+                <a14:hiddenFill xmlns="" xmlns:a14="http://schemas.microsoft.com/office/drawing/2010/main">
                   <a:noFill/>
                 </a14:hiddenFill>
               </a:ext>
               <a:ext uri="{AF507438-7753-43e0-B8FC-AC1667EBCBE1}">
-                <a14:hiddenEffects xmlns:a14="http://schemas.microsoft.com/office/drawing/2010/main" xmlns="">
+                <a14:hiddenEffects xmlns="" xmlns:a14="http://schemas.microsoft.com/office/drawing/2010/main">
                   <a:effectLst>
                     <a:outerShdw blurRad="63500" dist="38099" dir="2700000" algn="ctr" rotWithShape="0">
                       <a:srgbClr val="000000">
@@ -13768,7 +13773,7 @@
             <a:effectLst/>
             <a:extLst>
               <a:ext uri="{909E8E84-426E-40dd-AFC4-6F175D3DCCD1}">
-                <a14:hiddenFill xmlns:a14="http://schemas.microsoft.com/office/drawing/2010/main" xmlns="">
+                <a14:hiddenFill xmlns="" xmlns:a14="http://schemas.microsoft.com/office/drawing/2010/main">
                   <a:blipFill dpi="0" rotWithShape="0">
                     <a:blip/>
                     <a:srcRect/>
@@ -13779,7 +13784,7 @@
                 </a14:hiddenFill>
               </a:ext>
               <a:ext uri="{91240B29-F687-4f45-9708-019B960494DF}">
-                <a14:hiddenLine xmlns:a14="http://schemas.microsoft.com/office/drawing/2010/main" xmlns="" w="9525">
+                <a14:hiddenLine xmlns="" xmlns:a14="http://schemas.microsoft.com/office/drawing/2010/main" w="9525">
                   <a:solidFill>
                     <a:srgbClr val="000000"/>
                   </a:solidFill>
@@ -13789,7 +13794,7 @@
                 </a14:hiddenLine>
               </a:ext>
               <a:ext uri="{AF507438-7753-43e0-B8FC-AC1667EBCBE1}">
-                <a14:hiddenEffects xmlns:a14="http://schemas.microsoft.com/office/drawing/2010/main" xmlns="">
+                <a14:hiddenEffects xmlns="" xmlns:a14="http://schemas.microsoft.com/office/drawing/2010/main">
                   <a:effectLst>
                     <a:outerShdw blurRad="63500" dist="38099" dir="2700000" algn="ctr" rotWithShape="0">
                       <a:srgbClr val="000000">
@@ -13922,7 +13927,7 @@
           <a:effectLst/>
           <a:extLst>
             <a:ext uri="{909E8E84-426E-40dd-AFC4-6F175D3DCCD1}">
-              <a14:hiddenFill xmlns="" xmlns:a14="http://schemas.microsoft.com/office/drawing/2010/main">
+              <a14:hiddenFill xmlns:a14="http://schemas.microsoft.com/office/drawing/2010/main" xmlns="">
                 <a:blipFill dpi="0" rotWithShape="0">
                   <a:blip/>
                   <a:srcRect/>
@@ -13933,7 +13938,7 @@
               </a14:hiddenFill>
             </a:ext>
             <a:ext uri="{91240B29-F687-4f45-9708-019B960494DF}">
-              <a14:hiddenLine xmlns="" xmlns:a14="http://schemas.microsoft.com/office/drawing/2010/main" w="9525">
+              <a14:hiddenLine xmlns:a14="http://schemas.microsoft.com/office/drawing/2010/main" xmlns="" w="9525">
                 <a:solidFill>
                   <a:srgbClr val="000000"/>
                 </a:solidFill>
@@ -13943,7 +13948,7 @@
               </a14:hiddenLine>
             </a:ext>
             <a:ext uri="{AF507438-7753-43e0-B8FC-AC1667EBCBE1}">
-              <a14:hiddenEffects xmlns="" xmlns:a14="http://schemas.microsoft.com/office/drawing/2010/main">
+              <a14:hiddenEffects xmlns:a14="http://schemas.microsoft.com/office/drawing/2010/main" xmlns="">
                 <a:effectLst>
                   <a:outerShdw blurRad="63500" dist="38099" dir="2700000" algn="ctr" rotWithShape="0">
                     <a:srgbClr val="000000">
@@ -14028,7 +14033,7 @@
           <a:effectLst/>
           <a:extLst>
             <a:ext uri="{909E8E84-426E-40dd-AFC4-6F175D3DCCD1}">
-              <a14:hiddenFill xmlns="" xmlns:a14="http://schemas.microsoft.com/office/drawing/2010/main">
+              <a14:hiddenFill xmlns:a14="http://schemas.microsoft.com/office/drawing/2010/main" xmlns="">
                 <a:blipFill dpi="0" rotWithShape="0">
                   <a:blip/>
                   <a:srcRect/>
@@ -14039,7 +14044,7 @@
               </a14:hiddenFill>
             </a:ext>
             <a:ext uri="{91240B29-F687-4f45-9708-019B960494DF}">
-              <a14:hiddenLine xmlns="" xmlns:a14="http://schemas.microsoft.com/office/drawing/2010/main" w="9525">
+              <a14:hiddenLine xmlns:a14="http://schemas.microsoft.com/office/drawing/2010/main" xmlns="" w="9525">
                 <a:solidFill>
                   <a:srgbClr val="000000"/>
                 </a:solidFill>
@@ -14049,7 +14054,7 @@
               </a14:hiddenLine>
             </a:ext>
             <a:ext uri="{AF507438-7753-43e0-B8FC-AC1667EBCBE1}">
-              <a14:hiddenEffects xmlns="" xmlns:a14="http://schemas.microsoft.com/office/drawing/2010/main">
+              <a14:hiddenEffects xmlns:a14="http://schemas.microsoft.com/office/drawing/2010/main" xmlns="">
                 <a:effectLst>
                   <a:outerShdw blurRad="63500" dist="38099" dir="2700000" algn="ctr" rotWithShape="0">
                     <a:srgbClr val="000000">
@@ -14134,7 +14139,7 @@
           <a:effectLst/>
           <a:extLst>
             <a:ext uri="{909E8E84-426E-40dd-AFC4-6F175D3DCCD1}">
-              <a14:hiddenFill xmlns="" xmlns:a14="http://schemas.microsoft.com/office/drawing/2010/main">
+              <a14:hiddenFill xmlns:a14="http://schemas.microsoft.com/office/drawing/2010/main" xmlns="">
                 <a:blipFill dpi="0" rotWithShape="0">
                   <a:blip/>
                   <a:srcRect/>
@@ -14145,7 +14150,7 @@
               </a14:hiddenFill>
             </a:ext>
             <a:ext uri="{91240B29-F687-4f45-9708-019B960494DF}">
-              <a14:hiddenLine xmlns="" xmlns:a14="http://schemas.microsoft.com/office/drawing/2010/main" w="9525">
+              <a14:hiddenLine xmlns:a14="http://schemas.microsoft.com/office/drawing/2010/main" xmlns="" w="9525">
                 <a:solidFill>
                   <a:srgbClr val="000000"/>
                 </a:solidFill>
@@ -14155,7 +14160,7 @@
               </a14:hiddenLine>
             </a:ext>
             <a:ext uri="{AF507438-7753-43e0-B8FC-AC1667EBCBE1}">
-              <a14:hiddenEffects xmlns="" xmlns:a14="http://schemas.microsoft.com/office/drawing/2010/main">
+              <a14:hiddenEffects xmlns:a14="http://schemas.microsoft.com/office/drawing/2010/main" xmlns="">
                 <a:effectLst>
                   <a:outerShdw blurRad="63500" dist="38099" dir="2700000" algn="ctr" rotWithShape="0">
                     <a:srgbClr val="000000">
@@ -14346,7 +14351,7 @@
           <a:effectLst/>
           <a:extLst>
             <a:ext uri="{909E8E84-426E-40dd-AFC4-6F175D3DCCD1}">
-              <a14:hiddenFill xmlns="" xmlns:a14="http://schemas.microsoft.com/office/drawing/2010/main">
+              <a14:hiddenFill xmlns:a14="http://schemas.microsoft.com/office/drawing/2010/main" xmlns="">
                 <a:blipFill dpi="0" rotWithShape="0">
                   <a:blip/>
                   <a:srcRect/>
@@ -14357,7 +14362,7 @@
               </a14:hiddenFill>
             </a:ext>
             <a:ext uri="{91240B29-F687-4f45-9708-019B960494DF}">
-              <a14:hiddenLine xmlns="" xmlns:a14="http://schemas.microsoft.com/office/drawing/2010/main" w="9525">
+              <a14:hiddenLine xmlns:a14="http://schemas.microsoft.com/office/drawing/2010/main" xmlns="" w="9525">
                 <a:solidFill>
                   <a:srgbClr val="000000"/>
                 </a:solidFill>
@@ -14367,7 +14372,7 @@
               </a14:hiddenLine>
             </a:ext>
             <a:ext uri="{AF507438-7753-43e0-B8FC-AC1667EBCBE1}">
-              <a14:hiddenEffects xmlns="" xmlns:a14="http://schemas.microsoft.com/office/drawing/2010/main">
+              <a14:hiddenEffects xmlns:a14="http://schemas.microsoft.com/office/drawing/2010/main" xmlns="">
                 <a:effectLst>
                   <a:outerShdw blurRad="63500" dist="38099" dir="2700000" algn="ctr" rotWithShape="0">
                     <a:srgbClr val="000000">
@@ -14445,7 +14450,7 @@
           <a:effectLst/>
           <a:extLst>
             <a:ext uri="{909E8E84-426E-40dd-AFC4-6F175D3DCCD1}">
-              <a14:hiddenFill xmlns="" xmlns:a14="http://schemas.microsoft.com/office/drawing/2010/main">
+              <a14:hiddenFill xmlns:a14="http://schemas.microsoft.com/office/drawing/2010/main" xmlns="">
                 <a:blipFill dpi="0" rotWithShape="0">
                   <a:blip/>
                   <a:srcRect/>
@@ -14456,7 +14461,7 @@
               </a14:hiddenFill>
             </a:ext>
             <a:ext uri="{91240B29-F687-4f45-9708-019B960494DF}">
-              <a14:hiddenLine xmlns="" xmlns:a14="http://schemas.microsoft.com/office/drawing/2010/main" w="9525">
+              <a14:hiddenLine xmlns:a14="http://schemas.microsoft.com/office/drawing/2010/main" xmlns="" w="9525">
                 <a:solidFill>
                   <a:srgbClr val="000000"/>
                 </a:solidFill>
@@ -14466,7 +14471,7 @@
               </a14:hiddenLine>
             </a:ext>
             <a:ext uri="{AF507438-7753-43e0-B8FC-AC1667EBCBE1}">
-              <a14:hiddenEffects xmlns="" xmlns:a14="http://schemas.microsoft.com/office/drawing/2010/main">
+              <a14:hiddenEffects xmlns:a14="http://schemas.microsoft.com/office/drawing/2010/main" xmlns="">
                 <a:effectLst>
                   <a:outerShdw blurRad="63500" dist="38099" dir="2700000" algn="ctr" rotWithShape="0">
                     <a:srgbClr val="000000">
@@ -16331,7 +16336,7 @@
           <a:effectLst/>
           <a:extLst>
             <a:ext uri="{909E8E84-426E-40dd-AFC4-6F175D3DCCD1}">
-              <a14:hiddenFill xmlns:a14="http://schemas.microsoft.com/office/drawing/2010/main" xmlns="">
+              <a14:hiddenFill xmlns="" xmlns:a14="http://schemas.microsoft.com/office/drawing/2010/main">
                 <a:blipFill dpi="0" rotWithShape="0">
                   <a:blip/>
                   <a:srcRect/>
@@ -16342,7 +16347,7 @@
               </a14:hiddenFill>
             </a:ext>
             <a:ext uri="{91240B29-F687-4f45-9708-019B960494DF}">
-              <a14:hiddenLine xmlns:a14="http://schemas.microsoft.com/office/drawing/2010/main" xmlns="" w="9525">
+              <a14:hiddenLine xmlns="" xmlns:a14="http://schemas.microsoft.com/office/drawing/2010/main" w="9525">
                 <a:solidFill>
                   <a:srgbClr val="000000"/>
                 </a:solidFill>
@@ -16352,7 +16357,7 @@
               </a14:hiddenLine>
             </a:ext>
             <a:ext uri="{AF507438-7753-43e0-B8FC-AC1667EBCBE1}">
-              <a14:hiddenEffects xmlns:a14="http://schemas.microsoft.com/office/drawing/2010/main" xmlns="">
+              <a14:hiddenEffects xmlns="" xmlns:a14="http://schemas.microsoft.com/office/drawing/2010/main">
                 <a:effectLst>
                   <a:outerShdw blurRad="63500" dist="38099" dir="2700000" algn="ctr" rotWithShape="0">
                     <a:srgbClr val="000000">
@@ -16512,7 +16517,7 @@
           <a:effectLst/>
           <a:extLst>
             <a:ext uri="{909E8E84-426E-40dd-AFC4-6F175D3DCCD1}">
-              <a14:hiddenFill xmlns:a14="http://schemas.microsoft.com/office/drawing/2010/main" xmlns="">
+              <a14:hiddenFill xmlns="" xmlns:a14="http://schemas.microsoft.com/office/drawing/2010/main">
                 <a:blipFill dpi="0" rotWithShape="0">
                   <a:blip/>
                   <a:srcRect/>
@@ -16523,7 +16528,7 @@
               </a14:hiddenFill>
             </a:ext>
             <a:ext uri="{91240B29-F687-4f45-9708-019B960494DF}">
-              <a14:hiddenLine xmlns:a14="http://schemas.microsoft.com/office/drawing/2010/main" xmlns="" w="9525">
+              <a14:hiddenLine xmlns="" xmlns:a14="http://schemas.microsoft.com/office/drawing/2010/main" w="9525">
                 <a:solidFill>
                   <a:srgbClr val="000000"/>
                 </a:solidFill>
@@ -16533,7 +16538,7 @@
               </a14:hiddenLine>
             </a:ext>
             <a:ext uri="{AF507438-7753-43e0-B8FC-AC1667EBCBE1}">
-              <a14:hiddenEffects xmlns:a14="http://schemas.microsoft.com/office/drawing/2010/main" xmlns="">
+              <a14:hiddenEffects xmlns="" xmlns:a14="http://schemas.microsoft.com/office/drawing/2010/main">
                 <a:effectLst>
                   <a:outerShdw blurRad="63500" dist="38099" dir="2700000" algn="ctr" rotWithShape="0">
                     <a:srgbClr val="000000">
@@ -18332,7 +18337,7 @@
           <a:effectLst/>
           <a:extLst>
             <a:ext uri="{909E8E84-426E-40dd-AFC4-6F175D3DCCD1}">
-              <a14:hiddenFill xmlns:a14="http://schemas.microsoft.com/office/drawing/2010/main" xmlns="">
+              <a14:hiddenFill xmlns="" xmlns:a14="http://schemas.microsoft.com/office/drawing/2010/main">
                 <a:blipFill dpi="0" rotWithShape="0">
                   <a:blip/>
                   <a:srcRect/>
@@ -18343,7 +18348,7 @@
               </a14:hiddenFill>
             </a:ext>
             <a:ext uri="{91240B29-F687-4f45-9708-019B960494DF}">
-              <a14:hiddenLine xmlns:a14="http://schemas.microsoft.com/office/drawing/2010/main" xmlns="" w="9525">
+              <a14:hiddenLine xmlns="" xmlns:a14="http://schemas.microsoft.com/office/drawing/2010/main" w="9525">
                 <a:solidFill>
                   <a:srgbClr val="000000"/>
                 </a:solidFill>
@@ -18353,7 +18358,7 @@
               </a14:hiddenLine>
             </a:ext>
             <a:ext uri="{AF507438-7753-43e0-B8FC-AC1667EBCBE1}">
-              <a14:hiddenEffects xmlns:a14="http://schemas.microsoft.com/office/drawing/2010/main" xmlns="">
+              <a14:hiddenEffects xmlns="" xmlns:a14="http://schemas.microsoft.com/office/drawing/2010/main">
                 <a:effectLst>
                   <a:outerShdw blurRad="63500" dist="38099" dir="2700000" algn="ctr" rotWithShape="0">
                     <a:srgbClr val="000000">
@@ -18446,7 +18451,7 @@
           <a:effectLst/>
           <a:extLst>
             <a:ext uri="{909E8E84-426E-40dd-AFC4-6F175D3DCCD1}">
-              <a14:hiddenFill xmlns:a14="http://schemas.microsoft.com/office/drawing/2010/main" xmlns="">
+              <a14:hiddenFill xmlns="" xmlns:a14="http://schemas.microsoft.com/office/drawing/2010/main">
                 <a:blipFill dpi="0" rotWithShape="0">
                   <a:blip/>
                   <a:srcRect/>
@@ -18457,7 +18462,7 @@
               </a14:hiddenFill>
             </a:ext>
             <a:ext uri="{91240B29-F687-4f45-9708-019B960494DF}">
-              <a14:hiddenLine xmlns:a14="http://schemas.microsoft.com/office/drawing/2010/main" xmlns="" w="9525">
+              <a14:hiddenLine xmlns="" xmlns:a14="http://schemas.microsoft.com/office/drawing/2010/main" w="9525">
                 <a:solidFill>
                   <a:srgbClr val="000000"/>
                 </a:solidFill>
@@ -18467,7 +18472,7 @@
               </a14:hiddenLine>
             </a:ext>
             <a:ext uri="{AF507438-7753-43e0-B8FC-AC1667EBCBE1}">
-              <a14:hiddenEffects xmlns:a14="http://schemas.microsoft.com/office/drawing/2010/main" xmlns="">
+              <a14:hiddenEffects xmlns="" xmlns:a14="http://schemas.microsoft.com/office/drawing/2010/main">
                 <a:effectLst>
                   <a:outerShdw blurRad="63500" dist="38099" dir="2700000" algn="ctr" rotWithShape="0">
                     <a:srgbClr val="000000">
@@ -21339,7 +21344,7 @@
           <a:effectLst/>
           <a:extLst>
             <a:ext uri="{909E8E84-426E-40dd-AFC4-6F175D3DCCD1}">
-              <a14:hiddenFill xmlns:a14="http://schemas.microsoft.com/office/drawing/2010/main" xmlns="">
+              <a14:hiddenFill xmlns="" xmlns:a14="http://schemas.microsoft.com/office/drawing/2010/main">
                 <a:blipFill dpi="0" rotWithShape="0">
                   <a:blip/>
                   <a:srcRect/>
@@ -21350,7 +21355,7 @@
               </a14:hiddenFill>
             </a:ext>
             <a:ext uri="{91240B29-F687-4f45-9708-019B960494DF}">
-              <a14:hiddenLine xmlns:a14="http://schemas.microsoft.com/office/drawing/2010/main" xmlns="" w="9525">
+              <a14:hiddenLine xmlns="" xmlns:a14="http://schemas.microsoft.com/office/drawing/2010/main" w="9525">
                 <a:solidFill>
                   <a:srgbClr val="000000"/>
                 </a:solidFill>
@@ -21360,7 +21365,7 @@
               </a14:hiddenLine>
             </a:ext>
             <a:ext uri="{AF507438-7753-43e0-B8FC-AC1667EBCBE1}">
-              <a14:hiddenEffects xmlns:a14="http://schemas.microsoft.com/office/drawing/2010/main" xmlns="">
+              <a14:hiddenEffects xmlns="" xmlns:a14="http://schemas.microsoft.com/office/drawing/2010/main">
                 <a:effectLst>
                   <a:outerShdw blurRad="63500" dist="38099" dir="2700000" algn="ctr" rotWithShape="0">
                     <a:srgbClr val="000000">
@@ -21439,7 +21444,7 @@
           <a:effectLst/>
           <a:extLst>
             <a:ext uri="{909E8E84-426E-40dd-AFC4-6F175D3DCCD1}">
-              <a14:hiddenFill xmlns:a14="http://schemas.microsoft.com/office/drawing/2010/main" xmlns="">
+              <a14:hiddenFill xmlns="" xmlns:a14="http://schemas.microsoft.com/office/drawing/2010/main">
                 <a:blipFill dpi="0" rotWithShape="0">
                   <a:blip/>
                   <a:srcRect/>
@@ -21450,7 +21455,7 @@
               </a14:hiddenFill>
             </a:ext>
             <a:ext uri="{91240B29-F687-4f45-9708-019B960494DF}">
-              <a14:hiddenLine xmlns:a14="http://schemas.microsoft.com/office/drawing/2010/main" xmlns="" w="9525">
+              <a14:hiddenLine xmlns="" xmlns:a14="http://schemas.microsoft.com/office/drawing/2010/main" w="9525">
                 <a:solidFill>
                   <a:srgbClr val="000000"/>
                 </a:solidFill>
@@ -21460,7 +21465,7 @@
               </a14:hiddenLine>
             </a:ext>
             <a:ext uri="{AF507438-7753-43e0-B8FC-AC1667EBCBE1}">
-              <a14:hiddenEffects xmlns:a14="http://schemas.microsoft.com/office/drawing/2010/main" xmlns="">
+              <a14:hiddenEffects xmlns="" xmlns:a14="http://schemas.microsoft.com/office/drawing/2010/main">
                 <a:effectLst>
                   <a:outerShdw blurRad="63500" dist="38099" dir="2700000" algn="ctr" rotWithShape="0">
                     <a:srgbClr val="000000">
@@ -23043,7 +23048,7 @@
           <a:effectLst/>
           <a:extLst>
             <a:ext uri="{909E8E84-426E-40dd-AFC4-6F175D3DCCD1}">
-              <a14:hiddenFill xmlns:a14="http://schemas.microsoft.com/office/drawing/2010/main" xmlns="">
+              <a14:hiddenFill xmlns="" xmlns:a14="http://schemas.microsoft.com/office/drawing/2010/main">
                 <a:blipFill dpi="0" rotWithShape="0">
                   <a:blip/>
                   <a:srcRect/>
@@ -23054,7 +23059,7 @@
               </a14:hiddenFill>
             </a:ext>
             <a:ext uri="{91240B29-F687-4f45-9708-019B960494DF}">
-              <a14:hiddenLine xmlns:a14="http://schemas.microsoft.com/office/drawing/2010/main" xmlns="" w="9525">
+              <a14:hiddenLine xmlns="" xmlns:a14="http://schemas.microsoft.com/office/drawing/2010/main" w="9525">
                 <a:solidFill>
                   <a:srgbClr val="000000"/>
                 </a:solidFill>
@@ -23064,7 +23069,7 @@
               </a14:hiddenLine>
             </a:ext>
             <a:ext uri="{AF507438-7753-43e0-B8FC-AC1667EBCBE1}">
-              <a14:hiddenEffects xmlns:a14="http://schemas.microsoft.com/office/drawing/2010/main" xmlns="">
+              <a14:hiddenEffects xmlns="" xmlns:a14="http://schemas.microsoft.com/office/drawing/2010/main">
                 <a:effectLst>
                   <a:outerShdw blurRad="63500" dist="38099" dir="2700000" algn="ctr" rotWithShape="0">
                     <a:srgbClr val="000000">
@@ -24712,7 +24717,7 @@
           <a:effectLst/>
           <a:extLst>
             <a:ext uri="{909E8E84-426E-40dd-AFC4-6F175D3DCCD1}">
-              <a14:hiddenFill xmlns:a14="http://schemas.microsoft.com/office/drawing/2010/main" xmlns="">
+              <a14:hiddenFill xmlns="" xmlns:a14="http://schemas.microsoft.com/office/drawing/2010/main">
                 <a:blipFill dpi="0" rotWithShape="0">
                   <a:blip/>
                   <a:srcRect/>
@@ -24723,7 +24728,7 @@
               </a14:hiddenFill>
             </a:ext>
             <a:ext uri="{91240B29-F687-4f45-9708-019B960494DF}">
-              <a14:hiddenLine xmlns:a14="http://schemas.microsoft.com/office/drawing/2010/main" xmlns="" w="9525">
+              <a14:hiddenLine xmlns="" xmlns:a14="http://schemas.microsoft.com/office/drawing/2010/main" w="9525">
                 <a:solidFill>
                   <a:srgbClr val="000000"/>
                 </a:solidFill>
@@ -24733,7 +24738,7 @@
               </a14:hiddenLine>
             </a:ext>
             <a:ext uri="{AF507438-7753-43e0-B8FC-AC1667EBCBE1}">
-              <a14:hiddenEffects xmlns:a14="http://schemas.microsoft.com/office/drawing/2010/main" xmlns="">
+              <a14:hiddenEffects xmlns="" xmlns:a14="http://schemas.microsoft.com/office/drawing/2010/main">
                 <a:effectLst>
                   <a:outerShdw blurRad="63500" dist="38099" dir="2700000" algn="ctr" rotWithShape="0">
                     <a:srgbClr val="000000">
@@ -26095,7 +26100,7 @@
           <a:effectLst/>
           <a:extLst>
             <a:ext uri="{909E8E84-426E-40dd-AFC4-6F175D3DCCD1}">
-              <a14:hiddenFill xmlns:a14="http://schemas.microsoft.com/office/drawing/2010/main" xmlns="">
+              <a14:hiddenFill xmlns="" xmlns:a14="http://schemas.microsoft.com/office/drawing/2010/main">
                 <a:blipFill dpi="0" rotWithShape="0">
                   <a:blip/>
                   <a:srcRect/>
@@ -26106,7 +26111,7 @@
               </a14:hiddenFill>
             </a:ext>
             <a:ext uri="{91240B29-F687-4f45-9708-019B960494DF}">
-              <a14:hiddenLine xmlns:a14="http://schemas.microsoft.com/office/drawing/2010/main" xmlns="" w="9525">
+              <a14:hiddenLine xmlns="" xmlns:a14="http://schemas.microsoft.com/office/drawing/2010/main" w="9525">
                 <a:solidFill>
                   <a:srgbClr val="000000"/>
                 </a:solidFill>
@@ -26116,7 +26121,7 @@
               </a14:hiddenLine>
             </a:ext>
             <a:ext uri="{AF507438-7753-43e0-B8FC-AC1667EBCBE1}">
-              <a14:hiddenEffects xmlns:a14="http://schemas.microsoft.com/office/drawing/2010/main" xmlns="">
+              <a14:hiddenEffects xmlns="" xmlns:a14="http://schemas.microsoft.com/office/drawing/2010/main">
                 <a:effectLst>
                   <a:outerShdw blurRad="63500" dist="38099" dir="2700000" algn="ctr" rotWithShape="0">
                     <a:srgbClr val="000000">
@@ -26247,7 +26252,7 @@
           <a:effectLst/>
           <a:extLst>
             <a:ext uri="{909E8E84-426E-40dd-AFC4-6F175D3DCCD1}">
-              <a14:hiddenFill xmlns:a14="http://schemas.microsoft.com/office/drawing/2010/main" xmlns="">
+              <a14:hiddenFill xmlns="" xmlns:a14="http://schemas.microsoft.com/office/drawing/2010/main">
                 <a:blipFill dpi="0" rotWithShape="0">
                   <a:blip/>
                   <a:srcRect/>
@@ -26258,7 +26263,7 @@
               </a14:hiddenFill>
             </a:ext>
             <a:ext uri="{91240B29-F687-4f45-9708-019B960494DF}">
-              <a14:hiddenLine xmlns:a14="http://schemas.microsoft.com/office/drawing/2010/main" xmlns="" w="9525">
+              <a14:hiddenLine xmlns="" xmlns:a14="http://schemas.microsoft.com/office/drawing/2010/main" w="9525">
                 <a:solidFill>
                   <a:srgbClr val="000000"/>
                 </a:solidFill>
@@ -26268,7 +26273,7 @@
               </a14:hiddenLine>
             </a:ext>
             <a:ext uri="{AF507438-7753-43e0-B8FC-AC1667EBCBE1}">
-              <a14:hiddenEffects xmlns:a14="http://schemas.microsoft.com/office/drawing/2010/main" xmlns="">
+              <a14:hiddenEffects xmlns="" xmlns:a14="http://schemas.microsoft.com/office/drawing/2010/main">
                 <a:effectLst>
                   <a:outerShdw blurRad="63500" dist="38099" dir="2700000" algn="ctr" rotWithShape="0">
                     <a:srgbClr val="000000">
@@ -33937,7 +33942,7 @@
           <a:effectLst/>
           <a:extLst>
             <a:ext uri="{909E8E84-426E-40dd-AFC4-6F175D3DCCD1}">
-              <a14:hiddenFill xmlns="" xmlns:a14="http://schemas.microsoft.com/office/drawing/2010/main">
+              <a14:hiddenFill xmlns:a14="http://schemas.microsoft.com/office/drawing/2010/main" xmlns="">
                 <a:blipFill dpi="0" rotWithShape="0">
                   <a:blip/>
                   <a:srcRect/>
@@ -33948,7 +33953,7 @@
               </a14:hiddenFill>
             </a:ext>
             <a:ext uri="{91240B29-F687-4f45-9708-019B960494DF}">
-              <a14:hiddenLine xmlns="" xmlns:a14="http://schemas.microsoft.com/office/drawing/2010/main" w="9525">
+              <a14:hiddenLine xmlns:a14="http://schemas.microsoft.com/office/drawing/2010/main" xmlns="" w="9525">
                 <a:solidFill>
                   <a:srgbClr val="000000"/>
                 </a:solidFill>
@@ -33958,7 +33963,7 @@
               </a14:hiddenLine>
             </a:ext>
             <a:ext uri="{AF507438-7753-43e0-B8FC-AC1667EBCBE1}">
-              <a14:hiddenEffects xmlns="" xmlns:a14="http://schemas.microsoft.com/office/drawing/2010/main">
+              <a14:hiddenEffects xmlns:a14="http://schemas.microsoft.com/office/drawing/2010/main" xmlns="">
                 <a:effectLst>
                   <a:outerShdw blurRad="63500" dist="38099" dir="2700000" algn="ctr" rotWithShape="0">
                     <a:srgbClr val="000000">

--- a/marple.pptx
+++ b/marple.pptx
@@ -26540,19 +26540,7 @@
             </a:pPr>
             <a:r>
               <a:rPr lang="en-US" dirty="0"/>
-              <a:t>Action of </a:t>
-            </a:r>
-            <a:r>
-              <a:rPr lang="en-US" dirty="0">
-                <a:latin typeface="Ayuthaya" charset="-34"/>
-                <a:ea typeface="Ayuthaya" charset="-34"/>
-                <a:cs typeface="Ayuthaya" charset="-34"/>
-              </a:rPr>
-              <a:t>g</a:t>
-            </a:r>
-            <a:r>
-              <a:rPr lang="en-US" dirty="0"/>
-              <a:t> over a packet sequence,</a:t>
+              <a:t>Effect of aggregation function over a packet sequence,</a:t>
             </a:r>
           </a:p>
           <a:p>
